--- a/発表資料/成果発表　D4チーム.pptx
+++ b/発表資料/成果発表　D4チーム.pptx
@@ -5,22 +5,32 @@
     <p:sldMasterId id="2147483678" r:id="rId1"/>
   </p:sldMasterIdLst>
   <p:notesMasterIdLst>
-    <p:notesMasterId r:id="rId15"/>
+    <p:notesMasterId r:id="rId25"/>
   </p:notesMasterIdLst>
   <p:sldIdLst>
     <p:sldId id="256" r:id="rId2"/>
-    <p:sldId id="257" r:id="rId3"/>
+    <p:sldId id="274" r:id="rId3"/>
     <p:sldId id="261" r:id="rId4"/>
     <p:sldId id="260" r:id="rId5"/>
     <p:sldId id="258" r:id="rId6"/>
-    <p:sldId id="262" r:id="rId7"/>
-    <p:sldId id="263" r:id="rId8"/>
-    <p:sldId id="264" r:id="rId9"/>
-    <p:sldId id="265" r:id="rId10"/>
-    <p:sldId id="270" r:id="rId11"/>
-    <p:sldId id="266" r:id="rId12"/>
-    <p:sldId id="267" r:id="rId13"/>
-    <p:sldId id="268" r:id="rId14"/>
+    <p:sldId id="265" r:id="rId7"/>
+    <p:sldId id="262" r:id="rId8"/>
+    <p:sldId id="263" r:id="rId9"/>
+    <p:sldId id="264" r:id="rId10"/>
+    <p:sldId id="269" r:id="rId11"/>
+    <p:sldId id="270" r:id="rId12"/>
+    <p:sldId id="268" r:id="rId13"/>
+    <p:sldId id="275" r:id="rId14"/>
+    <p:sldId id="276" r:id="rId15"/>
+    <p:sldId id="267" r:id="rId16"/>
+    <p:sldId id="273" r:id="rId17"/>
+    <p:sldId id="271" r:id="rId18"/>
+    <p:sldId id="277" r:id="rId19"/>
+    <p:sldId id="278" r:id="rId20"/>
+    <p:sldId id="279" r:id="rId21"/>
+    <p:sldId id="280" r:id="rId22"/>
+    <p:sldId id="281" r:id="rId23"/>
+    <p:sldId id="272" r:id="rId24"/>
   </p:sldIdLst>
   <p:sldSz cx="12192000" cy="6858000"/>
   <p:notesSz cx="6858000" cy="9144000"/>
@@ -119,6 +129,11 @@
       </a:defRPr>
     </a:lvl9pPr>
   </p:defaultTextStyle>
+  <p:extLst>
+    <p:ext uri="{EFAFB233-063F-42B5-8137-9DF3F51BA10A}">
+      <p15:sldGuideLst xmlns:p15="http://schemas.microsoft.com/office/powerpoint/2012/main"/>
+    </p:ext>
+  </p:extLst>
 </p:presentation>
 </file>
 
@@ -204,7 +219,7 @@
           <a:p>
             <a:fld id="{7940F67D-29D4-4898-A6D4-061F8A7BAB25}" type="datetimeFigureOut">
               <a:rPr kumimoji="1" lang="ja-JP" altLang="en-US" smtClean="0"/>
-              <a:t>2021/6/22</a:t>
+              <a:t>2021/6/24</a:t>
             </a:fld>
             <a:endParaRPr kumimoji="1" lang="ja-JP" altLang="en-US"/>
           </a:p>
@@ -547,32 +562,7 @@
           <a:bodyPr/>
           <a:lstStyle/>
           <a:p>
-            <a:r>
-              <a:rPr kumimoji="1" lang="ja-JP" altLang="en-US" dirty="0"/>
-              <a:t>シンプル＝シンプルなデザイン</a:t>
-            </a:r>
-            <a:endParaRPr kumimoji="1" lang="en-US" altLang="ja-JP" dirty="0"/>
-          </a:p>
-          <a:p>
-            <a:r>
-              <a:rPr kumimoji="1" lang="ja-JP" altLang="en-US" dirty="0"/>
-              <a:t>使いやすい＝利便性の向上につながる機能</a:t>
-            </a:r>
-            <a:endParaRPr kumimoji="1" lang="en-US" altLang="ja-JP" dirty="0"/>
-          </a:p>
-          <a:p>
-            <a:r>
-              <a:rPr kumimoji="1" lang="ja-JP" altLang="en-US" dirty="0"/>
-              <a:t>→これら</a:t>
-            </a:r>
-            <a:r>
-              <a:rPr kumimoji="1" lang="en-US" altLang="ja-JP" dirty="0"/>
-              <a:t>2</a:t>
-            </a:r>
-            <a:r>
-              <a:rPr kumimoji="1" lang="ja-JP" altLang="en-US" dirty="0"/>
-              <a:t>点について次のスライドから紹介していく</a:t>
-            </a:r>
+            <a:endParaRPr kumimoji="1" lang="ja-JP" altLang="en-US" dirty="0"/>
           </a:p>
         </p:txBody>
       </p:sp>
@@ -593,7 +583,7 @@
           <a:p>
             <a:fld id="{3E09690F-D3E5-4E8F-AD4A-5CFF09FCF1A7}" type="slidenum">
               <a:rPr kumimoji="1" lang="ja-JP" altLang="en-US" smtClean="0"/>
-              <a:t>6</a:t>
+              <a:t>3</a:t>
             </a:fld>
             <a:endParaRPr kumimoji="1" lang="ja-JP" altLang="en-US"/>
           </a:p>
@@ -602,7 +592,511 @@
     </p:spTree>
     <p:extLst>
       <p:ext uri="{BB962C8B-B14F-4D97-AF65-F5344CB8AC3E}">
-        <p14:creationId xmlns:p14="http://schemas.microsoft.com/office/powerpoint/2010/main" val="3824213757"/>
+        <p14:creationId xmlns:p14="http://schemas.microsoft.com/office/powerpoint/2010/main" val="1694635832"/>
+      </p:ext>
+    </p:extLst>
+  </p:cSld>
+  <p:clrMapOvr>
+    <a:masterClrMapping/>
+  </p:clrMapOvr>
+</p:notes>
+</file>
+
+<file path=ppt/notesSlides/notesSlide10.xml><?xml version="1.0" encoding="utf-8"?>
+<p:notes xmlns:a="http://schemas.openxmlformats.org/drawingml/2006/main" xmlns:r="http://schemas.openxmlformats.org/officeDocument/2006/relationships" xmlns:p="http://schemas.openxmlformats.org/presentationml/2006/main">
+  <p:cSld>
+    <p:spTree>
+      <p:nvGrpSpPr>
+        <p:cNvPr id="1" name=""/>
+        <p:cNvGrpSpPr/>
+        <p:nvPr/>
+      </p:nvGrpSpPr>
+      <p:grpSpPr>
+        <a:xfrm>
+          <a:off x="0" y="0"/>
+          <a:ext cx="0" cy="0"/>
+          <a:chOff x="0" y="0"/>
+          <a:chExt cx="0" cy="0"/>
+        </a:xfrm>
+      </p:grpSpPr>
+      <p:sp>
+        <p:nvSpPr>
+          <p:cNvPr id="2" name="スライド イメージ プレースホルダー 1"/>
+          <p:cNvSpPr>
+            <a:spLocks noGrp="1" noRot="1" noChangeAspect="1"/>
+          </p:cNvSpPr>
+          <p:nvPr>
+            <p:ph type="sldImg"/>
+          </p:nvPr>
+        </p:nvSpPr>
+        <p:spPr/>
+      </p:sp>
+      <p:sp>
+        <p:nvSpPr>
+          <p:cNvPr id="3" name="ノート プレースホルダー 2"/>
+          <p:cNvSpPr>
+            <a:spLocks noGrp="1"/>
+          </p:cNvSpPr>
+          <p:nvPr>
+            <p:ph type="body" idx="1"/>
+          </p:nvPr>
+        </p:nvSpPr>
+        <p:spPr/>
+        <p:txBody>
+          <a:bodyPr/>
+          <a:lstStyle/>
+          <a:p>
+            <a:endParaRPr kumimoji="1" lang="ja-JP" altLang="en-US" dirty="0"/>
+          </a:p>
+        </p:txBody>
+      </p:sp>
+      <p:sp>
+        <p:nvSpPr>
+          <p:cNvPr id="4" name="スライド番号プレースホルダー 3"/>
+          <p:cNvSpPr>
+            <a:spLocks noGrp="1"/>
+          </p:cNvSpPr>
+          <p:nvPr>
+            <p:ph type="sldNum" sz="quarter" idx="5"/>
+          </p:nvPr>
+        </p:nvSpPr>
+        <p:spPr/>
+        <p:txBody>
+          <a:bodyPr/>
+          <a:lstStyle/>
+          <a:p>
+            <a:fld id="{3E09690F-D3E5-4E8F-AD4A-5CFF09FCF1A7}" type="slidenum">
+              <a:rPr kumimoji="1" lang="ja-JP" altLang="en-US" smtClean="0"/>
+              <a:t>18</a:t>
+            </a:fld>
+            <a:endParaRPr kumimoji="1" lang="ja-JP" altLang="en-US"/>
+          </a:p>
+        </p:txBody>
+      </p:sp>
+    </p:spTree>
+    <p:extLst>
+      <p:ext uri="{BB962C8B-B14F-4D97-AF65-F5344CB8AC3E}">
+        <p14:creationId xmlns:p14="http://schemas.microsoft.com/office/powerpoint/2010/main" val="1204652253"/>
+      </p:ext>
+    </p:extLst>
+  </p:cSld>
+  <p:clrMapOvr>
+    <a:masterClrMapping/>
+  </p:clrMapOvr>
+</p:notes>
+</file>
+
+<file path=ppt/notesSlides/notesSlide11.xml><?xml version="1.0" encoding="utf-8"?>
+<p:notes xmlns:a="http://schemas.openxmlformats.org/drawingml/2006/main" xmlns:r="http://schemas.openxmlformats.org/officeDocument/2006/relationships" xmlns:p="http://schemas.openxmlformats.org/presentationml/2006/main">
+  <p:cSld>
+    <p:spTree>
+      <p:nvGrpSpPr>
+        <p:cNvPr id="1" name=""/>
+        <p:cNvGrpSpPr/>
+        <p:nvPr/>
+      </p:nvGrpSpPr>
+      <p:grpSpPr>
+        <a:xfrm>
+          <a:off x="0" y="0"/>
+          <a:ext cx="0" cy="0"/>
+          <a:chOff x="0" y="0"/>
+          <a:chExt cx="0" cy="0"/>
+        </a:xfrm>
+      </p:grpSpPr>
+      <p:sp>
+        <p:nvSpPr>
+          <p:cNvPr id="2" name="スライド イメージ プレースホルダー 1"/>
+          <p:cNvSpPr>
+            <a:spLocks noGrp="1" noRot="1" noChangeAspect="1"/>
+          </p:cNvSpPr>
+          <p:nvPr>
+            <p:ph type="sldImg"/>
+          </p:nvPr>
+        </p:nvSpPr>
+        <p:spPr/>
+      </p:sp>
+      <p:sp>
+        <p:nvSpPr>
+          <p:cNvPr id="3" name="ノート プレースホルダー 2"/>
+          <p:cNvSpPr>
+            <a:spLocks noGrp="1"/>
+          </p:cNvSpPr>
+          <p:nvPr>
+            <p:ph type="body" idx="1"/>
+          </p:nvPr>
+        </p:nvSpPr>
+        <p:spPr/>
+        <p:txBody>
+          <a:bodyPr/>
+          <a:lstStyle/>
+          <a:p>
+            <a:endParaRPr kumimoji="1" lang="ja-JP" altLang="en-US" dirty="0"/>
+          </a:p>
+        </p:txBody>
+      </p:sp>
+      <p:sp>
+        <p:nvSpPr>
+          <p:cNvPr id="4" name="スライド番号プレースホルダー 3"/>
+          <p:cNvSpPr>
+            <a:spLocks noGrp="1"/>
+          </p:cNvSpPr>
+          <p:nvPr>
+            <p:ph type="sldNum" sz="quarter" idx="5"/>
+          </p:nvPr>
+        </p:nvSpPr>
+        <p:spPr/>
+        <p:txBody>
+          <a:bodyPr/>
+          <a:lstStyle/>
+          <a:p>
+            <a:fld id="{3E09690F-D3E5-4E8F-AD4A-5CFF09FCF1A7}" type="slidenum">
+              <a:rPr kumimoji="1" lang="ja-JP" altLang="en-US" smtClean="0"/>
+              <a:t>19</a:t>
+            </a:fld>
+            <a:endParaRPr kumimoji="1" lang="ja-JP" altLang="en-US"/>
+          </a:p>
+        </p:txBody>
+      </p:sp>
+    </p:spTree>
+    <p:extLst>
+      <p:ext uri="{BB962C8B-B14F-4D97-AF65-F5344CB8AC3E}">
+        <p14:creationId xmlns:p14="http://schemas.microsoft.com/office/powerpoint/2010/main" val="2308555231"/>
+      </p:ext>
+    </p:extLst>
+  </p:cSld>
+  <p:clrMapOvr>
+    <a:masterClrMapping/>
+  </p:clrMapOvr>
+</p:notes>
+</file>
+
+<file path=ppt/notesSlides/notesSlide12.xml><?xml version="1.0" encoding="utf-8"?>
+<p:notes xmlns:a="http://schemas.openxmlformats.org/drawingml/2006/main" xmlns:r="http://schemas.openxmlformats.org/officeDocument/2006/relationships" xmlns:p="http://schemas.openxmlformats.org/presentationml/2006/main">
+  <p:cSld>
+    <p:spTree>
+      <p:nvGrpSpPr>
+        <p:cNvPr id="1" name=""/>
+        <p:cNvGrpSpPr/>
+        <p:nvPr/>
+      </p:nvGrpSpPr>
+      <p:grpSpPr>
+        <a:xfrm>
+          <a:off x="0" y="0"/>
+          <a:ext cx="0" cy="0"/>
+          <a:chOff x="0" y="0"/>
+          <a:chExt cx="0" cy="0"/>
+        </a:xfrm>
+      </p:grpSpPr>
+      <p:sp>
+        <p:nvSpPr>
+          <p:cNvPr id="2" name="スライド イメージ プレースホルダー 1"/>
+          <p:cNvSpPr>
+            <a:spLocks noGrp="1" noRot="1" noChangeAspect="1"/>
+          </p:cNvSpPr>
+          <p:nvPr>
+            <p:ph type="sldImg"/>
+          </p:nvPr>
+        </p:nvSpPr>
+        <p:spPr/>
+      </p:sp>
+      <p:sp>
+        <p:nvSpPr>
+          <p:cNvPr id="3" name="ノート プレースホルダー 2"/>
+          <p:cNvSpPr>
+            <a:spLocks noGrp="1"/>
+          </p:cNvSpPr>
+          <p:nvPr>
+            <p:ph type="body" idx="1"/>
+          </p:nvPr>
+        </p:nvSpPr>
+        <p:spPr/>
+        <p:txBody>
+          <a:bodyPr/>
+          <a:lstStyle/>
+          <a:p>
+            <a:endParaRPr kumimoji="1" lang="ja-JP" altLang="en-US" dirty="0"/>
+          </a:p>
+        </p:txBody>
+      </p:sp>
+      <p:sp>
+        <p:nvSpPr>
+          <p:cNvPr id="4" name="スライド番号プレースホルダー 3"/>
+          <p:cNvSpPr>
+            <a:spLocks noGrp="1"/>
+          </p:cNvSpPr>
+          <p:nvPr>
+            <p:ph type="sldNum" sz="quarter" idx="5"/>
+          </p:nvPr>
+        </p:nvSpPr>
+        <p:spPr/>
+        <p:txBody>
+          <a:bodyPr/>
+          <a:lstStyle/>
+          <a:p>
+            <a:fld id="{3E09690F-D3E5-4E8F-AD4A-5CFF09FCF1A7}" type="slidenum">
+              <a:rPr kumimoji="1" lang="ja-JP" altLang="en-US" smtClean="0"/>
+              <a:t>20</a:t>
+            </a:fld>
+            <a:endParaRPr kumimoji="1" lang="ja-JP" altLang="en-US"/>
+          </a:p>
+        </p:txBody>
+      </p:sp>
+    </p:spTree>
+    <p:extLst>
+      <p:ext uri="{BB962C8B-B14F-4D97-AF65-F5344CB8AC3E}">
+        <p14:creationId xmlns:p14="http://schemas.microsoft.com/office/powerpoint/2010/main" val="2970961455"/>
+      </p:ext>
+    </p:extLst>
+  </p:cSld>
+  <p:clrMapOvr>
+    <a:masterClrMapping/>
+  </p:clrMapOvr>
+</p:notes>
+</file>
+
+<file path=ppt/notesSlides/notesSlide13.xml><?xml version="1.0" encoding="utf-8"?>
+<p:notes xmlns:a="http://schemas.openxmlformats.org/drawingml/2006/main" xmlns:r="http://schemas.openxmlformats.org/officeDocument/2006/relationships" xmlns:p="http://schemas.openxmlformats.org/presentationml/2006/main">
+  <p:cSld>
+    <p:spTree>
+      <p:nvGrpSpPr>
+        <p:cNvPr id="1" name=""/>
+        <p:cNvGrpSpPr/>
+        <p:nvPr/>
+      </p:nvGrpSpPr>
+      <p:grpSpPr>
+        <a:xfrm>
+          <a:off x="0" y="0"/>
+          <a:ext cx="0" cy="0"/>
+          <a:chOff x="0" y="0"/>
+          <a:chExt cx="0" cy="0"/>
+        </a:xfrm>
+      </p:grpSpPr>
+      <p:sp>
+        <p:nvSpPr>
+          <p:cNvPr id="2" name="スライド イメージ プレースホルダー 1"/>
+          <p:cNvSpPr>
+            <a:spLocks noGrp="1" noRot="1" noChangeAspect="1"/>
+          </p:cNvSpPr>
+          <p:nvPr>
+            <p:ph type="sldImg"/>
+          </p:nvPr>
+        </p:nvSpPr>
+        <p:spPr/>
+      </p:sp>
+      <p:sp>
+        <p:nvSpPr>
+          <p:cNvPr id="3" name="ノート プレースホルダー 2"/>
+          <p:cNvSpPr>
+            <a:spLocks noGrp="1"/>
+          </p:cNvSpPr>
+          <p:nvPr>
+            <p:ph type="body" idx="1"/>
+          </p:nvPr>
+        </p:nvSpPr>
+        <p:spPr/>
+        <p:txBody>
+          <a:bodyPr/>
+          <a:lstStyle/>
+          <a:p>
+            <a:endParaRPr kumimoji="1" lang="ja-JP" altLang="en-US" dirty="0"/>
+          </a:p>
+        </p:txBody>
+      </p:sp>
+      <p:sp>
+        <p:nvSpPr>
+          <p:cNvPr id="4" name="スライド番号プレースホルダー 3"/>
+          <p:cNvSpPr>
+            <a:spLocks noGrp="1"/>
+          </p:cNvSpPr>
+          <p:nvPr>
+            <p:ph type="sldNum" sz="quarter" idx="5"/>
+          </p:nvPr>
+        </p:nvSpPr>
+        <p:spPr/>
+        <p:txBody>
+          <a:bodyPr/>
+          <a:lstStyle/>
+          <a:p>
+            <a:fld id="{3E09690F-D3E5-4E8F-AD4A-5CFF09FCF1A7}" type="slidenum">
+              <a:rPr kumimoji="1" lang="ja-JP" altLang="en-US" smtClean="0"/>
+              <a:t>21</a:t>
+            </a:fld>
+            <a:endParaRPr kumimoji="1" lang="ja-JP" altLang="en-US"/>
+          </a:p>
+        </p:txBody>
+      </p:sp>
+    </p:spTree>
+    <p:extLst>
+      <p:ext uri="{BB962C8B-B14F-4D97-AF65-F5344CB8AC3E}">
+        <p14:creationId xmlns:p14="http://schemas.microsoft.com/office/powerpoint/2010/main" val="4198393642"/>
+      </p:ext>
+    </p:extLst>
+  </p:cSld>
+  <p:clrMapOvr>
+    <a:masterClrMapping/>
+  </p:clrMapOvr>
+</p:notes>
+</file>
+
+<file path=ppt/notesSlides/notesSlide14.xml><?xml version="1.0" encoding="utf-8"?>
+<p:notes xmlns:a="http://schemas.openxmlformats.org/drawingml/2006/main" xmlns:r="http://schemas.openxmlformats.org/officeDocument/2006/relationships" xmlns:p="http://schemas.openxmlformats.org/presentationml/2006/main">
+  <p:cSld>
+    <p:spTree>
+      <p:nvGrpSpPr>
+        <p:cNvPr id="1" name=""/>
+        <p:cNvGrpSpPr/>
+        <p:nvPr/>
+      </p:nvGrpSpPr>
+      <p:grpSpPr>
+        <a:xfrm>
+          <a:off x="0" y="0"/>
+          <a:ext cx="0" cy="0"/>
+          <a:chOff x="0" y="0"/>
+          <a:chExt cx="0" cy="0"/>
+        </a:xfrm>
+      </p:grpSpPr>
+      <p:sp>
+        <p:nvSpPr>
+          <p:cNvPr id="2" name="スライド イメージ プレースホルダー 1"/>
+          <p:cNvSpPr>
+            <a:spLocks noGrp="1" noRot="1" noChangeAspect="1"/>
+          </p:cNvSpPr>
+          <p:nvPr>
+            <p:ph type="sldImg"/>
+          </p:nvPr>
+        </p:nvSpPr>
+        <p:spPr/>
+      </p:sp>
+      <p:sp>
+        <p:nvSpPr>
+          <p:cNvPr id="3" name="ノート プレースホルダー 2"/>
+          <p:cNvSpPr>
+            <a:spLocks noGrp="1"/>
+          </p:cNvSpPr>
+          <p:nvPr>
+            <p:ph type="body" idx="1"/>
+          </p:nvPr>
+        </p:nvSpPr>
+        <p:spPr/>
+        <p:txBody>
+          <a:bodyPr/>
+          <a:lstStyle/>
+          <a:p>
+            <a:endParaRPr kumimoji="1" lang="ja-JP" altLang="en-US" dirty="0"/>
+          </a:p>
+        </p:txBody>
+      </p:sp>
+      <p:sp>
+        <p:nvSpPr>
+          <p:cNvPr id="4" name="スライド番号プレースホルダー 3"/>
+          <p:cNvSpPr>
+            <a:spLocks noGrp="1"/>
+          </p:cNvSpPr>
+          <p:nvPr>
+            <p:ph type="sldNum" sz="quarter" idx="5"/>
+          </p:nvPr>
+        </p:nvSpPr>
+        <p:spPr/>
+        <p:txBody>
+          <a:bodyPr/>
+          <a:lstStyle/>
+          <a:p>
+            <a:fld id="{3E09690F-D3E5-4E8F-AD4A-5CFF09FCF1A7}" type="slidenum">
+              <a:rPr kumimoji="1" lang="ja-JP" altLang="en-US" smtClean="0"/>
+              <a:t>22</a:t>
+            </a:fld>
+            <a:endParaRPr kumimoji="1" lang="ja-JP" altLang="en-US"/>
+          </a:p>
+        </p:txBody>
+      </p:sp>
+    </p:spTree>
+    <p:extLst>
+      <p:ext uri="{BB962C8B-B14F-4D97-AF65-F5344CB8AC3E}">
+        <p14:creationId xmlns:p14="http://schemas.microsoft.com/office/powerpoint/2010/main" val="3015109726"/>
+      </p:ext>
+    </p:extLst>
+  </p:cSld>
+  <p:clrMapOvr>
+    <a:masterClrMapping/>
+  </p:clrMapOvr>
+</p:notes>
+</file>
+
+<file path=ppt/notesSlides/notesSlide15.xml><?xml version="1.0" encoding="utf-8"?>
+<p:notes xmlns:a="http://schemas.openxmlformats.org/drawingml/2006/main" xmlns:r="http://schemas.openxmlformats.org/officeDocument/2006/relationships" xmlns:p="http://schemas.openxmlformats.org/presentationml/2006/main">
+  <p:cSld>
+    <p:spTree>
+      <p:nvGrpSpPr>
+        <p:cNvPr id="1" name=""/>
+        <p:cNvGrpSpPr/>
+        <p:nvPr/>
+      </p:nvGrpSpPr>
+      <p:grpSpPr>
+        <a:xfrm>
+          <a:off x="0" y="0"/>
+          <a:ext cx="0" cy="0"/>
+          <a:chOff x="0" y="0"/>
+          <a:chExt cx="0" cy="0"/>
+        </a:xfrm>
+      </p:grpSpPr>
+      <p:sp>
+        <p:nvSpPr>
+          <p:cNvPr id="2" name="スライド イメージ プレースホルダー 1"/>
+          <p:cNvSpPr>
+            <a:spLocks noGrp="1" noRot="1" noChangeAspect="1"/>
+          </p:cNvSpPr>
+          <p:nvPr>
+            <p:ph type="sldImg"/>
+          </p:nvPr>
+        </p:nvSpPr>
+        <p:spPr/>
+      </p:sp>
+      <p:sp>
+        <p:nvSpPr>
+          <p:cNvPr id="3" name="ノート プレースホルダー 2"/>
+          <p:cNvSpPr>
+            <a:spLocks noGrp="1"/>
+          </p:cNvSpPr>
+          <p:nvPr>
+            <p:ph type="body" idx="1"/>
+          </p:nvPr>
+        </p:nvSpPr>
+        <p:spPr/>
+        <p:txBody>
+          <a:bodyPr/>
+          <a:lstStyle/>
+          <a:p>
+            <a:endParaRPr kumimoji="1" lang="ja-JP" altLang="en-US" dirty="0"/>
+          </a:p>
+        </p:txBody>
+      </p:sp>
+      <p:sp>
+        <p:nvSpPr>
+          <p:cNvPr id="4" name="スライド番号プレースホルダー 3"/>
+          <p:cNvSpPr>
+            <a:spLocks noGrp="1"/>
+          </p:cNvSpPr>
+          <p:nvPr>
+            <p:ph type="sldNum" sz="quarter" idx="5"/>
+          </p:nvPr>
+        </p:nvSpPr>
+        <p:spPr/>
+        <p:txBody>
+          <a:bodyPr/>
+          <a:lstStyle/>
+          <a:p>
+            <a:fld id="{3E09690F-D3E5-4E8F-AD4A-5CFF09FCF1A7}" type="slidenum">
+              <a:rPr kumimoji="1" lang="ja-JP" altLang="en-US" smtClean="0"/>
+              <a:t>23</a:t>
+            </a:fld>
+            <a:endParaRPr kumimoji="1" lang="ja-JP" altLang="en-US"/>
+          </a:p>
+        </p:txBody>
+      </p:sp>
+    </p:spTree>
+    <p:extLst>
+      <p:ext uri="{BB962C8B-B14F-4D97-AF65-F5344CB8AC3E}">
+        <p14:creationId xmlns:p14="http://schemas.microsoft.com/office/powerpoint/2010/main" val="813420918"/>
       </p:ext>
     </p:extLst>
   </p:cSld>
@@ -656,81 +1150,31 @@
           <a:bodyPr/>
           <a:lstStyle/>
           <a:p>
-            <a:pPr rtl="0">
-              <a:spcBef>
-                <a:spcPts val="0"/>
-              </a:spcBef>
-              <a:spcAft>
-                <a:spcPts val="0"/>
-              </a:spcAft>
-            </a:pPr>
-            <a:r>
-              <a:rPr lang="ja-JP" altLang="en-US" sz="1800" b="0" i="0" u="none" strike="noStrike" dirty="0">
-                <a:solidFill>
-                  <a:srgbClr val="000000"/>
-                </a:solidFill>
-                <a:effectLst/>
-                <a:latin typeface="Arial" panose="020B0604020202020204" pitchFamily="34" charset="0"/>
-              </a:rPr>
-              <a:t>・色を統一してごちゃごちゃしないようにした。</a:t>
-            </a:r>
-            <a:endParaRPr lang="ja-JP" altLang="en-US" b="0" dirty="0">
-              <a:effectLst/>
-            </a:endParaRPr>
-          </a:p>
-          <a:p>
-            <a:pPr rtl="0">
-              <a:spcBef>
-                <a:spcPts val="0"/>
-              </a:spcBef>
-              <a:spcAft>
-                <a:spcPts val="0"/>
-              </a:spcAft>
-            </a:pPr>
-            <a:r>
-              <a:rPr lang="ja-JP" altLang="en-US" sz="1800" b="0" i="0" u="none" strike="noStrike" dirty="0">
-                <a:solidFill>
-                  <a:srgbClr val="000000"/>
-                </a:solidFill>
-                <a:effectLst/>
-                <a:latin typeface="Arial" panose="020B0604020202020204" pitchFamily="34" charset="0"/>
-              </a:rPr>
-              <a:t>・パッとみて操作がしやすいことを意識した（ユーザーが使っているときにどうすればいいの？と戸惑わないようにした。）</a:t>
-            </a:r>
-            <a:endParaRPr lang="en-US" altLang="ja-JP" sz="1800" b="0" i="0" u="none" strike="noStrike" dirty="0">
-              <a:solidFill>
-                <a:srgbClr val="000000"/>
-              </a:solidFill>
-              <a:effectLst/>
-              <a:latin typeface="Arial" panose="020B0604020202020204" pitchFamily="34" charset="0"/>
-            </a:endParaRPr>
-          </a:p>
-          <a:p>
-            <a:pPr rtl="0">
-              <a:spcBef>
-                <a:spcPts val="0"/>
-              </a:spcBef>
-              <a:spcAft>
-                <a:spcPts val="0"/>
-              </a:spcAft>
-            </a:pPr>
-            <a:r>
-              <a:rPr lang="ja-JP" altLang="en-US" b="0" dirty="0">
-                <a:effectLst/>
-              </a:rPr>
-              <a:t>→この</a:t>
-            </a:r>
-            <a:r>
-              <a:rPr lang="en-US" altLang="ja-JP" b="0" dirty="0">
-                <a:effectLst/>
-              </a:rPr>
+            <a:r>
+              <a:rPr kumimoji="1" lang="ja-JP" altLang="en-US" dirty="0"/>
+              <a:t>シンプル＝シンプルなデザイン</a:t>
+            </a:r>
+            <a:endParaRPr kumimoji="1" lang="en-US" altLang="ja-JP" dirty="0"/>
+          </a:p>
+          <a:p>
+            <a:r>
+              <a:rPr kumimoji="1" lang="ja-JP" altLang="en-US" dirty="0"/>
+              <a:t>使いやすい＝利便性の向上につながる機能</a:t>
+            </a:r>
+            <a:endParaRPr kumimoji="1" lang="en-US" altLang="ja-JP" dirty="0"/>
+          </a:p>
+          <a:p>
+            <a:r>
+              <a:rPr kumimoji="1" lang="ja-JP" altLang="en-US" dirty="0"/>
+              <a:t>→これら</a:t>
+            </a:r>
+            <a:r>
+              <a:rPr kumimoji="1" lang="en-US" altLang="ja-JP" dirty="0"/>
               <a:t>2</a:t>
             </a:r>
             <a:r>
-              <a:rPr lang="ja-JP" altLang="en-US" b="0" dirty="0">
-                <a:effectLst/>
-              </a:rPr>
-              <a:t>点を</a:t>
+              <a:rPr kumimoji="1" lang="ja-JP" altLang="en-US" dirty="0"/>
+              <a:t>点について次のスライドから紹介していく</a:t>
             </a:r>
           </a:p>
         </p:txBody>
@@ -761,7 +1205,7 @@
     </p:spTree>
     <p:extLst>
       <p:ext uri="{BB962C8B-B14F-4D97-AF65-F5344CB8AC3E}">
-        <p14:creationId xmlns:p14="http://schemas.microsoft.com/office/powerpoint/2010/main" val="2207568408"/>
+        <p14:creationId xmlns:p14="http://schemas.microsoft.com/office/powerpoint/2010/main" val="3824213757"/>
       </p:ext>
     </p:extLst>
   </p:cSld>
@@ -815,9 +1259,108 @@
           <a:bodyPr/>
           <a:lstStyle/>
           <a:p>
-            <a:r>
-              <a:rPr kumimoji="1" lang="ja-JP" altLang="en-US" dirty="0"/>
-              <a:t>デモンストレーションにて紹介</a:t>
+            <a:pPr rtl="0">
+              <a:spcBef>
+                <a:spcPts val="0"/>
+              </a:spcBef>
+              <a:spcAft>
+                <a:spcPts val="0"/>
+              </a:spcAft>
+            </a:pPr>
+            <a:r>
+              <a:rPr lang="ja-JP" altLang="en-US" sz="1800" b="0" i="0" u="none" strike="noStrike" dirty="0">
+                <a:solidFill>
+                  <a:srgbClr val="000000"/>
+                </a:solidFill>
+                <a:effectLst/>
+                <a:latin typeface="Arial" panose="020B0604020202020204" pitchFamily="34" charset="0"/>
+              </a:rPr>
+              <a:t>・色を統一してごちゃごちゃしないようにした（デザイン面）。</a:t>
+            </a:r>
+            <a:endParaRPr lang="ja-JP" altLang="en-US" b="0" dirty="0">
+              <a:effectLst/>
+            </a:endParaRPr>
+          </a:p>
+          <a:p>
+            <a:pPr rtl="0">
+              <a:spcBef>
+                <a:spcPts val="0"/>
+              </a:spcBef>
+              <a:spcAft>
+                <a:spcPts val="0"/>
+              </a:spcAft>
+            </a:pPr>
+            <a:r>
+              <a:rPr lang="ja-JP" altLang="en-US" sz="1800" b="0" i="0" u="none" strike="noStrike" dirty="0">
+                <a:solidFill>
+                  <a:srgbClr val="000000"/>
+                </a:solidFill>
+                <a:effectLst/>
+                <a:latin typeface="Arial" panose="020B0604020202020204" pitchFamily="34" charset="0"/>
+              </a:rPr>
+              <a:t>・パッとみて操作がしやすいことを意識した（ユーザーが使っているときにどうすればいいの？と戸惑わないようにした。）</a:t>
+            </a:r>
+            <a:endParaRPr lang="en-US" altLang="ja-JP" sz="1800" b="0" i="0" u="none" strike="noStrike" dirty="0">
+              <a:solidFill>
+                <a:srgbClr val="000000"/>
+              </a:solidFill>
+              <a:effectLst/>
+              <a:latin typeface="Arial" panose="020B0604020202020204" pitchFamily="34" charset="0"/>
+            </a:endParaRPr>
+          </a:p>
+          <a:p>
+            <a:pPr rtl="0">
+              <a:spcBef>
+                <a:spcPts val="0"/>
+              </a:spcBef>
+              <a:spcAft>
+                <a:spcPts val="0"/>
+              </a:spcAft>
+            </a:pPr>
+            <a:r>
+              <a:rPr lang="ja-JP" altLang="en-US" sz="1800" b="0" i="0" u="none" strike="noStrike" dirty="0">
+                <a:solidFill>
+                  <a:srgbClr val="000000"/>
+                </a:solidFill>
+                <a:effectLst/>
+                <a:latin typeface="Arial" panose="020B0604020202020204" pitchFamily="34" charset="0"/>
+              </a:rPr>
+              <a:t>・余計な機能は付けない</a:t>
+            </a:r>
+            <a:endParaRPr lang="en-US" altLang="ja-JP" sz="1800" b="0" i="0" u="none" strike="noStrike" dirty="0">
+              <a:solidFill>
+                <a:srgbClr val="000000"/>
+              </a:solidFill>
+              <a:effectLst/>
+              <a:latin typeface="Arial" panose="020B0604020202020204" pitchFamily="34" charset="0"/>
+            </a:endParaRPr>
+          </a:p>
+          <a:p>
+            <a:pPr rtl="0">
+              <a:spcBef>
+                <a:spcPts val="0"/>
+              </a:spcBef>
+              <a:spcAft>
+                <a:spcPts val="0"/>
+              </a:spcAft>
+            </a:pPr>
+            <a:r>
+              <a:rPr lang="ja-JP" altLang="en-US" b="0" dirty="0">
+                <a:effectLst/>
+              </a:rPr>
+              <a:t>→この</a:t>
+            </a:r>
+            <a:r>
+              <a:rPr lang="en-US" altLang="ja-JP" b="0" dirty="0">
+                <a:effectLst/>
+              </a:rPr>
+              <a:t>2</a:t>
+            </a:r>
+            <a:r>
+              <a:rPr lang="ja-JP" altLang="en-US" b="0" dirty="0">
+                <a:effectLst/>
+              </a:rPr>
+              <a:t>点を</a:t>
             </a:r>
           </a:p>
         </p:txBody>
@@ -848,7 +1391,7 @@
     </p:spTree>
     <p:extLst>
       <p:ext uri="{BB962C8B-B14F-4D97-AF65-F5344CB8AC3E}">
-        <p14:creationId xmlns:p14="http://schemas.microsoft.com/office/powerpoint/2010/main" val="4025642921"/>
+        <p14:creationId xmlns:p14="http://schemas.microsoft.com/office/powerpoint/2010/main" val="2207568408"/>
       </p:ext>
     </p:extLst>
   </p:cSld>
@@ -902,6 +1445,278 @@
           <a:bodyPr/>
           <a:lstStyle/>
           <a:p>
+            <a:r>
+              <a:rPr kumimoji="1" lang="ja-JP" altLang="en-US" dirty="0"/>
+              <a:t>デモンストレーションにて紹介</a:t>
+            </a:r>
+            <a:endParaRPr kumimoji="1" lang="en-US" altLang="ja-JP" dirty="0"/>
+          </a:p>
+          <a:p>
+            <a:r>
+              <a:rPr kumimoji="1" lang="ja-JP" altLang="en-US" dirty="0"/>
+              <a:t>デモ中に、その機能があることでどんな利便性の高さが実現できるか紹介</a:t>
+            </a:r>
+            <a:endParaRPr kumimoji="1" lang="en-US" altLang="ja-JP" dirty="0"/>
+          </a:p>
+          <a:p>
+            <a:r>
+              <a:rPr kumimoji="1" lang="ja-JP" altLang="en-US" dirty="0"/>
+              <a:t>テンプレート昨日</a:t>
+            </a:r>
+          </a:p>
+        </p:txBody>
+      </p:sp>
+      <p:sp>
+        <p:nvSpPr>
+          <p:cNvPr id="4" name="スライド番号プレースホルダー 3"/>
+          <p:cNvSpPr>
+            <a:spLocks noGrp="1"/>
+          </p:cNvSpPr>
+          <p:nvPr>
+            <p:ph type="sldNum" sz="quarter" idx="5"/>
+          </p:nvPr>
+        </p:nvSpPr>
+        <p:spPr/>
+        <p:txBody>
+          <a:bodyPr/>
+          <a:lstStyle/>
+          <a:p>
+            <a:fld id="{3E09690F-D3E5-4E8F-AD4A-5CFF09FCF1A7}" type="slidenum">
+              <a:rPr kumimoji="1" lang="ja-JP" altLang="en-US" smtClean="0"/>
+              <a:t>9</a:t>
+            </a:fld>
+            <a:endParaRPr kumimoji="1" lang="ja-JP" altLang="en-US"/>
+          </a:p>
+        </p:txBody>
+      </p:sp>
+    </p:spTree>
+    <p:extLst>
+      <p:ext uri="{BB962C8B-B14F-4D97-AF65-F5344CB8AC3E}">
+        <p14:creationId xmlns:p14="http://schemas.microsoft.com/office/powerpoint/2010/main" val="4025642921"/>
+      </p:ext>
+    </p:extLst>
+  </p:cSld>
+  <p:clrMapOvr>
+    <a:masterClrMapping/>
+  </p:clrMapOvr>
+</p:notes>
+</file>
+
+<file path=ppt/notesSlides/notesSlide5.xml><?xml version="1.0" encoding="utf-8"?>
+<p:notes xmlns:a="http://schemas.openxmlformats.org/drawingml/2006/main" xmlns:r="http://schemas.openxmlformats.org/officeDocument/2006/relationships" xmlns:p="http://schemas.openxmlformats.org/presentationml/2006/main">
+  <p:cSld>
+    <p:spTree>
+      <p:nvGrpSpPr>
+        <p:cNvPr id="1" name=""/>
+        <p:cNvGrpSpPr/>
+        <p:nvPr/>
+      </p:nvGrpSpPr>
+      <p:grpSpPr>
+        <a:xfrm>
+          <a:off x="0" y="0"/>
+          <a:ext cx="0" cy="0"/>
+          <a:chOff x="0" y="0"/>
+          <a:chExt cx="0" cy="0"/>
+        </a:xfrm>
+      </p:grpSpPr>
+      <p:sp>
+        <p:nvSpPr>
+          <p:cNvPr id="2" name="スライド イメージ プレースホルダー 1"/>
+          <p:cNvSpPr>
+            <a:spLocks noGrp="1" noRot="1" noChangeAspect="1"/>
+          </p:cNvSpPr>
+          <p:nvPr>
+            <p:ph type="sldImg"/>
+          </p:nvPr>
+        </p:nvSpPr>
+        <p:spPr/>
+      </p:sp>
+      <p:sp>
+        <p:nvSpPr>
+          <p:cNvPr id="3" name="ノート プレースホルダー 2"/>
+          <p:cNvSpPr>
+            <a:spLocks noGrp="1"/>
+          </p:cNvSpPr>
+          <p:nvPr>
+            <p:ph type="body" idx="1"/>
+          </p:nvPr>
+        </p:nvSpPr>
+        <p:spPr/>
+        <p:txBody>
+          <a:bodyPr/>
+          <a:lstStyle/>
+          <a:p>
+            <a:endParaRPr kumimoji="1" lang="ja-JP" altLang="en-US" dirty="0"/>
+          </a:p>
+        </p:txBody>
+      </p:sp>
+      <p:sp>
+        <p:nvSpPr>
+          <p:cNvPr id="4" name="スライド番号プレースホルダー 3"/>
+          <p:cNvSpPr>
+            <a:spLocks noGrp="1"/>
+          </p:cNvSpPr>
+          <p:nvPr>
+            <p:ph type="sldNum" sz="quarter" idx="5"/>
+          </p:nvPr>
+        </p:nvSpPr>
+        <p:spPr/>
+        <p:txBody>
+          <a:bodyPr/>
+          <a:lstStyle/>
+          <a:p>
+            <a:fld id="{3E09690F-D3E5-4E8F-AD4A-5CFF09FCF1A7}" type="slidenum">
+              <a:rPr kumimoji="1" lang="ja-JP" altLang="en-US" smtClean="0"/>
+              <a:t>11</a:t>
+            </a:fld>
+            <a:endParaRPr kumimoji="1" lang="ja-JP" altLang="en-US"/>
+          </a:p>
+        </p:txBody>
+      </p:sp>
+    </p:spTree>
+    <p:extLst>
+      <p:ext uri="{BB962C8B-B14F-4D97-AF65-F5344CB8AC3E}">
+        <p14:creationId xmlns:p14="http://schemas.microsoft.com/office/powerpoint/2010/main" val="27146478"/>
+      </p:ext>
+    </p:extLst>
+  </p:cSld>
+  <p:clrMapOvr>
+    <a:masterClrMapping/>
+  </p:clrMapOvr>
+</p:notes>
+</file>
+
+<file path=ppt/notesSlides/notesSlide6.xml><?xml version="1.0" encoding="utf-8"?>
+<p:notes xmlns:a="http://schemas.openxmlformats.org/drawingml/2006/main" xmlns:r="http://schemas.openxmlformats.org/officeDocument/2006/relationships" xmlns:p="http://schemas.openxmlformats.org/presentationml/2006/main">
+  <p:cSld>
+    <p:spTree>
+      <p:nvGrpSpPr>
+        <p:cNvPr id="1" name=""/>
+        <p:cNvGrpSpPr/>
+        <p:nvPr/>
+      </p:nvGrpSpPr>
+      <p:grpSpPr>
+        <a:xfrm>
+          <a:off x="0" y="0"/>
+          <a:ext cx="0" cy="0"/>
+          <a:chOff x="0" y="0"/>
+          <a:chExt cx="0" cy="0"/>
+        </a:xfrm>
+      </p:grpSpPr>
+      <p:sp>
+        <p:nvSpPr>
+          <p:cNvPr id="2" name="スライド イメージ プレースホルダー 1"/>
+          <p:cNvSpPr>
+            <a:spLocks noGrp="1" noRot="1" noChangeAspect="1"/>
+          </p:cNvSpPr>
+          <p:nvPr>
+            <p:ph type="sldImg"/>
+          </p:nvPr>
+        </p:nvSpPr>
+        <p:spPr/>
+      </p:sp>
+      <p:sp>
+        <p:nvSpPr>
+          <p:cNvPr id="3" name="ノート プレースホルダー 2"/>
+          <p:cNvSpPr>
+            <a:spLocks noGrp="1"/>
+          </p:cNvSpPr>
+          <p:nvPr>
+            <p:ph type="body" idx="1"/>
+          </p:nvPr>
+        </p:nvSpPr>
+        <p:spPr/>
+        <p:txBody>
+          <a:bodyPr/>
+          <a:lstStyle/>
+          <a:p>
+            <a:r>
+              <a:rPr kumimoji="1" lang="ja-JP" altLang="en-US" dirty="0"/>
+              <a:t>①②仲間に作業報告する場を頻繁に設けることで、各自が担当する作業の現状を的確に把握し、助けが必要な際には自分で仲間に依頼する、という主体的行動につながった。</a:t>
+            </a:r>
+          </a:p>
+        </p:txBody>
+      </p:sp>
+      <p:sp>
+        <p:nvSpPr>
+          <p:cNvPr id="4" name="スライド番号プレースホルダー 3"/>
+          <p:cNvSpPr>
+            <a:spLocks noGrp="1"/>
+          </p:cNvSpPr>
+          <p:nvPr>
+            <p:ph type="sldNum" sz="quarter" idx="5"/>
+          </p:nvPr>
+        </p:nvSpPr>
+        <p:spPr/>
+        <p:txBody>
+          <a:bodyPr/>
+          <a:lstStyle/>
+          <a:p>
+            <a:fld id="{3E09690F-D3E5-4E8F-AD4A-5CFF09FCF1A7}" type="slidenum">
+              <a:rPr kumimoji="1" lang="ja-JP" altLang="en-US" smtClean="0"/>
+              <a:t>12</a:t>
+            </a:fld>
+            <a:endParaRPr kumimoji="1" lang="ja-JP" altLang="en-US"/>
+          </a:p>
+        </p:txBody>
+      </p:sp>
+    </p:spTree>
+    <p:extLst>
+      <p:ext uri="{BB962C8B-B14F-4D97-AF65-F5344CB8AC3E}">
+        <p14:creationId xmlns:p14="http://schemas.microsoft.com/office/powerpoint/2010/main" val="2427096512"/>
+      </p:ext>
+    </p:extLst>
+  </p:cSld>
+  <p:clrMapOvr>
+    <a:masterClrMapping/>
+  </p:clrMapOvr>
+</p:notes>
+</file>
+
+<file path=ppt/notesSlides/notesSlide7.xml><?xml version="1.0" encoding="utf-8"?>
+<p:notes xmlns:a="http://schemas.openxmlformats.org/drawingml/2006/main" xmlns:r="http://schemas.openxmlformats.org/officeDocument/2006/relationships" xmlns:p="http://schemas.openxmlformats.org/presentationml/2006/main">
+  <p:cSld>
+    <p:spTree>
+      <p:nvGrpSpPr>
+        <p:cNvPr id="1" name=""/>
+        <p:cNvGrpSpPr/>
+        <p:nvPr/>
+      </p:nvGrpSpPr>
+      <p:grpSpPr>
+        <a:xfrm>
+          <a:off x="0" y="0"/>
+          <a:ext cx="0" cy="0"/>
+          <a:chOff x="0" y="0"/>
+          <a:chExt cx="0" cy="0"/>
+        </a:xfrm>
+      </p:grpSpPr>
+      <p:sp>
+        <p:nvSpPr>
+          <p:cNvPr id="2" name="スライド イメージ プレースホルダー 1"/>
+          <p:cNvSpPr>
+            <a:spLocks noGrp="1" noRot="1" noChangeAspect="1"/>
+          </p:cNvSpPr>
+          <p:nvPr>
+            <p:ph type="sldImg"/>
+          </p:nvPr>
+        </p:nvSpPr>
+        <p:spPr/>
+      </p:sp>
+      <p:sp>
+        <p:nvSpPr>
+          <p:cNvPr id="3" name="ノート プレースホルダー 2"/>
+          <p:cNvSpPr>
+            <a:spLocks noGrp="1"/>
+          </p:cNvSpPr>
+          <p:nvPr>
+            <p:ph type="body" idx="1"/>
+          </p:nvPr>
+        </p:nvSpPr>
+        <p:spPr/>
+        <p:txBody>
+          <a:bodyPr/>
+          <a:lstStyle/>
+          <a:p>
             <a:endParaRPr kumimoji="1" lang="ja-JP" altLang="en-US" dirty="0"/>
           </a:p>
         </p:txBody>
@@ -932,7 +1747,175 @@
     </p:spTree>
     <p:extLst>
       <p:ext uri="{BB962C8B-B14F-4D97-AF65-F5344CB8AC3E}">
-        <p14:creationId xmlns:p14="http://schemas.microsoft.com/office/powerpoint/2010/main" val="2427096512"/>
+        <p14:creationId xmlns:p14="http://schemas.microsoft.com/office/powerpoint/2010/main" val="1391051691"/>
+      </p:ext>
+    </p:extLst>
+  </p:cSld>
+  <p:clrMapOvr>
+    <a:masterClrMapping/>
+  </p:clrMapOvr>
+</p:notes>
+</file>
+
+<file path=ppt/notesSlides/notesSlide8.xml><?xml version="1.0" encoding="utf-8"?>
+<p:notes xmlns:a="http://schemas.openxmlformats.org/drawingml/2006/main" xmlns:r="http://schemas.openxmlformats.org/officeDocument/2006/relationships" xmlns:p="http://schemas.openxmlformats.org/presentationml/2006/main">
+  <p:cSld>
+    <p:spTree>
+      <p:nvGrpSpPr>
+        <p:cNvPr id="1" name=""/>
+        <p:cNvGrpSpPr/>
+        <p:nvPr/>
+      </p:nvGrpSpPr>
+      <p:grpSpPr>
+        <a:xfrm>
+          <a:off x="0" y="0"/>
+          <a:ext cx="0" cy="0"/>
+          <a:chOff x="0" y="0"/>
+          <a:chExt cx="0" cy="0"/>
+        </a:xfrm>
+      </p:grpSpPr>
+      <p:sp>
+        <p:nvSpPr>
+          <p:cNvPr id="2" name="スライド イメージ プレースホルダー 1"/>
+          <p:cNvSpPr>
+            <a:spLocks noGrp="1" noRot="1" noChangeAspect="1"/>
+          </p:cNvSpPr>
+          <p:nvPr>
+            <p:ph type="sldImg"/>
+          </p:nvPr>
+        </p:nvSpPr>
+        <p:spPr/>
+      </p:sp>
+      <p:sp>
+        <p:nvSpPr>
+          <p:cNvPr id="3" name="ノート プレースホルダー 2"/>
+          <p:cNvSpPr>
+            <a:spLocks noGrp="1"/>
+          </p:cNvSpPr>
+          <p:nvPr>
+            <p:ph type="body" idx="1"/>
+          </p:nvPr>
+        </p:nvSpPr>
+        <p:spPr/>
+        <p:txBody>
+          <a:bodyPr/>
+          <a:lstStyle/>
+          <a:p>
+            <a:endParaRPr kumimoji="1" lang="ja-JP" altLang="en-US" dirty="0"/>
+          </a:p>
+        </p:txBody>
+      </p:sp>
+      <p:sp>
+        <p:nvSpPr>
+          <p:cNvPr id="4" name="スライド番号プレースホルダー 3"/>
+          <p:cNvSpPr>
+            <a:spLocks noGrp="1"/>
+          </p:cNvSpPr>
+          <p:nvPr>
+            <p:ph type="sldNum" sz="quarter" idx="5"/>
+          </p:nvPr>
+        </p:nvSpPr>
+        <p:spPr/>
+        <p:txBody>
+          <a:bodyPr/>
+          <a:lstStyle/>
+          <a:p>
+            <a:fld id="{3E09690F-D3E5-4E8F-AD4A-5CFF09FCF1A7}" type="slidenum">
+              <a:rPr kumimoji="1" lang="ja-JP" altLang="en-US" smtClean="0"/>
+              <a:t>14</a:t>
+            </a:fld>
+            <a:endParaRPr kumimoji="1" lang="ja-JP" altLang="en-US"/>
+          </a:p>
+        </p:txBody>
+      </p:sp>
+    </p:spTree>
+    <p:extLst>
+      <p:ext uri="{BB962C8B-B14F-4D97-AF65-F5344CB8AC3E}">
+        <p14:creationId xmlns:p14="http://schemas.microsoft.com/office/powerpoint/2010/main" val="3879779105"/>
+      </p:ext>
+    </p:extLst>
+  </p:cSld>
+  <p:clrMapOvr>
+    <a:masterClrMapping/>
+  </p:clrMapOvr>
+</p:notes>
+</file>
+
+<file path=ppt/notesSlides/notesSlide9.xml><?xml version="1.0" encoding="utf-8"?>
+<p:notes xmlns:a="http://schemas.openxmlformats.org/drawingml/2006/main" xmlns:r="http://schemas.openxmlformats.org/officeDocument/2006/relationships" xmlns:p="http://schemas.openxmlformats.org/presentationml/2006/main">
+  <p:cSld>
+    <p:spTree>
+      <p:nvGrpSpPr>
+        <p:cNvPr id="1" name=""/>
+        <p:cNvGrpSpPr/>
+        <p:nvPr/>
+      </p:nvGrpSpPr>
+      <p:grpSpPr>
+        <a:xfrm>
+          <a:off x="0" y="0"/>
+          <a:ext cx="0" cy="0"/>
+          <a:chOff x="0" y="0"/>
+          <a:chExt cx="0" cy="0"/>
+        </a:xfrm>
+      </p:grpSpPr>
+      <p:sp>
+        <p:nvSpPr>
+          <p:cNvPr id="2" name="スライド イメージ プレースホルダー 1"/>
+          <p:cNvSpPr>
+            <a:spLocks noGrp="1" noRot="1" noChangeAspect="1"/>
+          </p:cNvSpPr>
+          <p:nvPr>
+            <p:ph type="sldImg"/>
+          </p:nvPr>
+        </p:nvSpPr>
+        <p:spPr/>
+      </p:sp>
+      <p:sp>
+        <p:nvSpPr>
+          <p:cNvPr id="3" name="ノート プレースホルダー 2"/>
+          <p:cNvSpPr>
+            <a:spLocks noGrp="1"/>
+          </p:cNvSpPr>
+          <p:nvPr>
+            <p:ph type="body" idx="1"/>
+          </p:nvPr>
+        </p:nvSpPr>
+        <p:spPr/>
+        <p:txBody>
+          <a:bodyPr/>
+          <a:lstStyle/>
+          <a:p>
+            <a:endParaRPr kumimoji="1" lang="ja-JP" altLang="en-US" dirty="0"/>
+          </a:p>
+        </p:txBody>
+      </p:sp>
+      <p:sp>
+        <p:nvSpPr>
+          <p:cNvPr id="4" name="スライド番号プレースホルダー 3"/>
+          <p:cNvSpPr>
+            <a:spLocks noGrp="1"/>
+          </p:cNvSpPr>
+          <p:nvPr>
+            <p:ph type="sldNum" sz="quarter" idx="5"/>
+          </p:nvPr>
+        </p:nvSpPr>
+        <p:spPr/>
+        <p:txBody>
+          <a:bodyPr/>
+          <a:lstStyle/>
+          <a:p>
+            <a:fld id="{3E09690F-D3E5-4E8F-AD4A-5CFF09FCF1A7}" type="slidenum">
+              <a:rPr kumimoji="1" lang="ja-JP" altLang="en-US" smtClean="0"/>
+              <a:t>17</a:t>
+            </a:fld>
+            <a:endParaRPr kumimoji="1" lang="ja-JP" altLang="en-US"/>
+          </a:p>
+        </p:txBody>
+      </p:sp>
+    </p:spTree>
+    <p:extLst>
+      <p:ext uri="{BB962C8B-B14F-4D97-AF65-F5344CB8AC3E}">
+        <p14:creationId xmlns:p14="http://schemas.microsoft.com/office/powerpoint/2010/main" val="552774"/>
       </p:ext>
     </p:extLst>
   </p:cSld>
@@ -1166,7 +2149,7 @@
           <a:p>
             <a:fld id="{8CDA64B4-71C7-4A8E-85E0-82D458E45FBE}" type="datetimeFigureOut">
               <a:rPr kumimoji="1" lang="ja-JP" altLang="en-US" smtClean="0"/>
-              <a:t>2021/6/22</a:t>
+              <a:t>2021/6/24</a:t>
             </a:fld>
             <a:endParaRPr kumimoji="1" lang="ja-JP" altLang="en-US"/>
           </a:p>
@@ -1368,7 +2351,7 @@
           <a:p>
             <a:fld id="{8CDA64B4-71C7-4A8E-85E0-82D458E45FBE}" type="datetimeFigureOut">
               <a:rPr kumimoji="1" lang="ja-JP" altLang="en-US" smtClean="0"/>
-              <a:t>2021/6/22</a:t>
+              <a:t>2021/6/24</a:t>
             </a:fld>
             <a:endParaRPr kumimoji="1" lang="ja-JP" altLang="en-US"/>
           </a:p>
@@ -1580,7 +2563,7 @@
           <a:p>
             <a:fld id="{8CDA64B4-71C7-4A8E-85E0-82D458E45FBE}" type="datetimeFigureOut">
               <a:rPr kumimoji="1" lang="ja-JP" altLang="en-US" smtClean="0"/>
-              <a:t>2021/6/22</a:t>
+              <a:t>2021/6/24</a:t>
             </a:fld>
             <a:endParaRPr kumimoji="1" lang="ja-JP" altLang="en-US"/>
           </a:p>
@@ -1782,7 +2765,7 @@
           <a:p>
             <a:fld id="{8CDA64B4-71C7-4A8E-85E0-82D458E45FBE}" type="datetimeFigureOut">
               <a:rPr kumimoji="1" lang="ja-JP" altLang="en-US" smtClean="0"/>
-              <a:t>2021/6/22</a:t>
+              <a:t>2021/6/24</a:t>
             </a:fld>
             <a:endParaRPr kumimoji="1" lang="ja-JP" altLang="en-US"/>
           </a:p>
@@ -2040,7 +3023,7 @@
           <a:p>
             <a:fld id="{8CDA64B4-71C7-4A8E-85E0-82D458E45FBE}" type="datetimeFigureOut">
               <a:rPr kumimoji="1" lang="ja-JP" altLang="en-US" smtClean="0"/>
-              <a:t>2021/6/22</a:t>
+              <a:t>2021/6/24</a:t>
             </a:fld>
             <a:endParaRPr kumimoji="1" lang="ja-JP" altLang="en-US"/>
           </a:p>
@@ -2392,7 +3375,7 @@
           <a:p>
             <a:fld id="{8CDA64B4-71C7-4A8E-85E0-82D458E45FBE}" type="datetimeFigureOut">
               <a:rPr kumimoji="1" lang="ja-JP" altLang="en-US" smtClean="0"/>
-              <a:t>2021/6/22</a:t>
+              <a:t>2021/6/24</a:t>
             </a:fld>
             <a:endParaRPr kumimoji="1" lang="ja-JP" altLang="en-US"/>
           </a:p>
@@ -2898,7 +3881,7 @@
           <a:p>
             <a:fld id="{8CDA64B4-71C7-4A8E-85E0-82D458E45FBE}" type="datetimeFigureOut">
               <a:rPr kumimoji="1" lang="ja-JP" altLang="en-US" smtClean="0"/>
-              <a:t>2021/6/22</a:t>
+              <a:t>2021/6/24</a:t>
             </a:fld>
             <a:endParaRPr kumimoji="1" lang="ja-JP" altLang="en-US"/>
           </a:p>
@@ -3016,7 +3999,7 @@
           <a:p>
             <a:fld id="{8CDA64B4-71C7-4A8E-85E0-82D458E45FBE}" type="datetimeFigureOut">
               <a:rPr kumimoji="1" lang="ja-JP" altLang="en-US" smtClean="0"/>
-              <a:t>2021/6/22</a:t>
+              <a:t>2021/6/24</a:t>
             </a:fld>
             <a:endParaRPr kumimoji="1" lang="ja-JP" altLang="en-US"/>
           </a:p>
@@ -3111,7 +4094,7 @@
           <a:p>
             <a:fld id="{8CDA64B4-71C7-4A8E-85E0-82D458E45FBE}" type="datetimeFigureOut">
               <a:rPr kumimoji="1" lang="ja-JP" altLang="en-US" smtClean="0"/>
-              <a:t>2021/6/22</a:t>
+              <a:t>2021/6/24</a:t>
             </a:fld>
             <a:endParaRPr kumimoji="1" lang="ja-JP" altLang="en-US"/>
           </a:p>
@@ -3431,7 +4414,7 @@
           <a:p>
             <a:fld id="{8CDA64B4-71C7-4A8E-85E0-82D458E45FBE}" type="datetimeFigureOut">
               <a:rPr kumimoji="1" lang="ja-JP" altLang="en-US" smtClean="0"/>
-              <a:t>2021/6/22</a:t>
+              <a:t>2021/6/24</a:t>
             </a:fld>
             <a:endParaRPr kumimoji="1" lang="ja-JP" altLang="en-US"/>
           </a:p>
@@ -3704,7 +4687,7 @@
           <a:p>
             <a:fld id="{8CDA64B4-71C7-4A8E-85E0-82D458E45FBE}" type="datetimeFigureOut">
               <a:rPr kumimoji="1" lang="ja-JP" altLang="en-US" smtClean="0"/>
-              <a:t>2021/6/22</a:t>
+              <a:t>2021/6/24</a:t>
             </a:fld>
             <a:endParaRPr kumimoji="1" lang="ja-JP" altLang="en-US"/>
           </a:p>
@@ -4033,7 +5016,7 @@
           <a:p>
             <a:fld id="{8CDA64B4-71C7-4A8E-85E0-82D458E45FBE}" type="datetimeFigureOut">
               <a:rPr kumimoji="1" lang="ja-JP" altLang="en-US" smtClean="0"/>
-              <a:t>2021/6/22</a:t>
+              <a:t>2021/6/24</a:t>
             </a:fld>
             <a:endParaRPr kumimoji="1" lang="ja-JP" altLang="en-US"/>
           </a:p>
@@ -4531,28 +5514,23 @@
             <p:ph type="ctrTitle"/>
           </p:nvPr>
         </p:nvSpPr>
-        <p:spPr/>
-        <p:txBody>
-          <a:bodyPr/>
+        <p:spPr>
+          <a:xfrm>
+            <a:off x="1100014" y="2562727"/>
+            <a:ext cx="7304131" cy="1124712"/>
+          </a:xfrm>
+        </p:spPr>
+        <p:txBody>
+          <a:bodyPr>
+            <a:normAutofit/>
+          </a:bodyPr>
           <a:lstStyle/>
           <a:p>
             <a:r>
-              <a:rPr kumimoji="1" lang="ja-JP" altLang="en-US" dirty="0"/>
-              <a:t>成果発表　</a:t>
-            </a:r>
-            <a:r>
-              <a:rPr kumimoji="1" lang="en-US" altLang="ja-JP" dirty="0"/>
-              <a:t>D</a:t>
-            </a:r>
-            <a:r>
-              <a:rPr lang="en-US" altLang="ja-JP" dirty="0"/>
-              <a:t>4</a:t>
-            </a:r>
-            <a:r>
-              <a:rPr lang="ja-JP" altLang="en-US" dirty="0"/>
-              <a:t>チーム</a:t>
-            </a:r>
-            <a:endParaRPr kumimoji="1" lang="ja-JP" altLang="en-US" dirty="0"/>
+              <a:rPr kumimoji="1" lang="en-US" altLang="ja-JP" sz="7200" i="1" dirty="0"/>
+              <a:t>Qbox</a:t>
+            </a:r>
+            <a:endParaRPr kumimoji="1" lang="ja-JP" altLang="en-US" sz="7200" i="1" dirty="0"/>
           </a:p>
         </p:txBody>
       </p:sp>
@@ -4574,23 +5552,33 @@
         </p:nvSpPr>
         <p:spPr>
           <a:xfrm>
-            <a:off x="1100014" y="4670246"/>
+            <a:off x="1100014" y="4076688"/>
             <a:ext cx="7846761" cy="914400"/>
           </a:xfrm>
         </p:spPr>
         <p:txBody>
-          <a:bodyPr/>
+          <a:bodyPr>
+            <a:normAutofit fontScale="85000" lnSpcReduction="10000"/>
+          </a:bodyPr>
           <a:lstStyle/>
           <a:p>
             <a:r>
-              <a:rPr kumimoji="1" lang="ja-JP" altLang="en-US" dirty="0"/>
+              <a:rPr kumimoji="1" lang="ja-JP" altLang="en-US" sz="2800" b="1" dirty="0"/>
               <a:t>発表者：</a:t>
             </a:r>
-            <a:endParaRPr kumimoji="1" lang="en-US" altLang="ja-JP" dirty="0"/>
-          </a:p>
-          <a:p>
-            <a:r>
-              <a:rPr kumimoji="1" lang="ja-JP" altLang="en-US" dirty="0"/>
+            <a:r>
+              <a:rPr kumimoji="1" lang="en-US" altLang="ja-JP" sz="2800" b="1" dirty="0"/>
+              <a:t>D4</a:t>
+            </a:r>
+            <a:r>
+              <a:rPr kumimoji="1" lang="ja-JP" altLang="en-US" sz="2800" b="1" dirty="0"/>
+              <a:t>チーム</a:t>
+            </a:r>
+            <a:endParaRPr kumimoji="1" lang="en-US" altLang="ja-JP" sz="2800" b="1" dirty="0"/>
+          </a:p>
+          <a:p>
+            <a:r>
+              <a:rPr kumimoji="1" lang="ja-JP" altLang="en-US" sz="2800" b="1" dirty="0"/>
               <a:t>藤原夢乃、千田ひかる、鈴木佑、中岡稜、御代田里奈</a:t>
             </a:r>
           </a:p>
@@ -4743,6 +5731,29 @@
               <a:buAutoNum type="arabicPeriod"/>
             </a:pPr>
             <a:r>
+              <a:rPr lang="ja-JP" altLang="en-US" dirty="0">
+                <a:solidFill>
+                  <a:schemeClr val="accent1">
+                    <a:lumMod val="50000"/>
+                  </a:schemeClr>
+                </a:solidFill>
+              </a:rPr>
+              <a:t>製品化に至ったきっかけ</a:t>
+            </a:r>
+            <a:endParaRPr lang="en-US" altLang="ja-JP" dirty="0">
+              <a:solidFill>
+                <a:schemeClr val="accent1">
+                  <a:lumMod val="50000"/>
+                </a:schemeClr>
+              </a:solidFill>
+            </a:endParaRPr>
+          </a:p>
+          <a:p>
+            <a:pPr marL="960120" lvl="1" indent="-457200">
+              <a:buFont typeface="+mj-lt"/>
+              <a:buAutoNum type="arabicPeriod"/>
+            </a:pPr>
+            <a:r>
               <a:rPr kumimoji="1" lang="en-US" altLang="ja-JP" dirty="0">
                 <a:solidFill>
                   <a:schemeClr val="accent1">
@@ -4776,14 +5787,14 @@
               <a:buAutoNum type="arabicPeriod"/>
             </a:pPr>
             <a:r>
-              <a:rPr lang="ja-JP" altLang="en-US" dirty="0">
+              <a:rPr kumimoji="1" lang="ja-JP" altLang="en-US" dirty="0">
                 <a:solidFill>
                   <a:schemeClr val="accent1">
                     <a:lumMod val="50000"/>
                   </a:schemeClr>
                 </a:solidFill>
               </a:rPr>
-              <a:t>製品化に至ったきっかけ</a:t>
+              <a:t>想定ユーザにとってのメリット</a:t>
             </a:r>
             <a:endParaRPr lang="en-US" altLang="ja-JP" dirty="0">
               <a:solidFill>
@@ -4865,29 +5876,6 @@
               <a:t>デモンストレーション</a:t>
             </a:r>
             <a:endParaRPr lang="en-US" altLang="ja-JP" dirty="0">
-              <a:solidFill>
-                <a:schemeClr val="accent1">
-                  <a:lumMod val="50000"/>
-                </a:schemeClr>
-              </a:solidFill>
-            </a:endParaRPr>
-          </a:p>
-          <a:p>
-            <a:pPr marL="960120" lvl="1" indent="-457200">
-              <a:buFont typeface="+mj-lt"/>
-              <a:buAutoNum type="arabicPeriod"/>
-            </a:pPr>
-            <a:r>
-              <a:rPr kumimoji="1" lang="ja-JP" altLang="en-US" dirty="0">
-                <a:solidFill>
-                  <a:schemeClr val="accent1">
-                    <a:lumMod val="50000"/>
-                  </a:schemeClr>
-                </a:solidFill>
-              </a:rPr>
-              <a:t>想定ユーザにとってのメリット</a:t>
-            </a:r>
-            <a:endParaRPr kumimoji="1" lang="en-US" altLang="ja-JP" dirty="0">
               <a:solidFill>
                 <a:schemeClr val="accent1">
                   <a:lumMod val="50000"/>
@@ -4944,7 +5932,17 @@
                   </a:schemeClr>
                 </a:solidFill>
               </a:rPr>
-              <a:t>チーム目標とその評価</a:t>
+              <a:t>チーム目標とその</a:t>
+            </a:r>
+            <a:r>
+              <a:rPr lang="ja-JP" altLang="en-US" dirty="0">
+                <a:solidFill>
+                  <a:schemeClr val="accent1">
+                    <a:lumMod val="50000"/>
+                  </a:schemeClr>
+                </a:solidFill>
+              </a:rPr>
+              <a:t>成果</a:t>
             </a:r>
             <a:endParaRPr kumimoji="1" lang="en-US" altLang="ja-JP" dirty="0">
               <a:solidFill>
@@ -5055,7 +6053,7 @@
     </p:spTree>
     <p:extLst>
       <p:ext uri="{BB962C8B-B14F-4D97-AF65-F5344CB8AC3E}">
-        <p14:creationId xmlns:p14="http://schemas.microsoft.com/office/powerpoint/2010/main" val="2666017037"/>
+        <p14:creationId xmlns:p14="http://schemas.microsoft.com/office/powerpoint/2010/main" val="1410693989"/>
       </p:ext>
     </p:extLst>
   </p:cSld>
@@ -5185,32 +6183,10 @@
           <a:bodyPr/>
           <a:lstStyle/>
           <a:p>
-            <a:endParaRPr kumimoji="1" lang="ja-JP" altLang="en-US" dirty="0"/>
-          </a:p>
-        </p:txBody>
-      </p:sp>
-      <p:sp>
-        <p:nvSpPr>
-          <p:cNvPr id="3" name="コンテンツ プレースホルダー 2">
-            <a:extLst>
-              <a:ext uri="{FF2B5EF4-FFF2-40B4-BE49-F238E27FC236}">
-                <a16:creationId xmlns:a16="http://schemas.microsoft.com/office/drawing/2014/main" id="{E23551B5-FD73-4043-9D9D-F069178EC83A}"/>
-              </a:ext>
-            </a:extLst>
-          </p:cNvPr>
-          <p:cNvSpPr>
-            <a:spLocks noGrp="1"/>
-          </p:cNvSpPr>
-          <p:nvPr>
-            <p:ph idx="1"/>
-          </p:nvPr>
-        </p:nvSpPr>
-        <p:spPr/>
-        <p:txBody>
-          <a:bodyPr/>
-          <a:lstStyle/>
-          <a:p>
-            <a:endParaRPr kumimoji="1" lang="ja-JP" altLang="en-US" dirty="0"/>
+            <a:r>
+              <a:rPr kumimoji="1" lang="ja-JP" altLang="en-US" dirty="0"/>
+              <a:t>チーム目標</a:t>
+            </a:r>
           </a:p>
         </p:txBody>
       </p:sp>
@@ -5229,7 +6205,7 @@
           <p:nvPr/>
         </p:nvPicPr>
         <p:blipFill>
-          <a:blip r:embed="rId2">
+          <a:blip r:embed="rId3">
             <a:alphaModFix amt="85000"/>
             <a:extLst>
               <a:ext uri="{28A0092B-C50C-407E-A947-70E740481C1C}">
@@ -5251,10 +6227,612 @@
           </a:prstGeom>
         </p:spPr>
       </p:pic>
+      <p:sp>
+        <p:nvSpPr>
+          <p:cNvPr id="5" name="四角形: 角を丸くする 4">
+            <a:extLst>
+              <a:ext uri="{FF2B5EF4-FFF2-40B4-BE49-F238E27FC236}">
+                <a16:creationId xmlns:a16="http://schemas.microsoft.com/office/drawing/2014/main" id="{F71337C2-ED5F-4DC5-83B3-D00FCEA97BAE}"/>
+              </a:ext>
+            </a:extLst>
+          </p:cNvPr>
+          <p:cNvSpPr/>
+          <p:nvPr/>
+        </p:nvSpPr>
+        <p:spPr>
+          <a:xfrm>
+            <a:off x="3869267" y="806023"/>
+            <a:ext cx="7713131" cy="1469817"/>
+          </a:xfrm>
+          <a:prstGeom prst="roundRect">
+            <a:avLst/>
+          </a:prstGeom>
+          <a:solidFill>
+            <a:schemeClr val="bg1"/>
+          </a:solidFill>
+          <a:ln w="28575"/>
+        </p:spPr>
+        <p:style>
+          <a:lnRef idx="2">
+            <a:schemeClr val="accent1">
+              <a:shade val="50000"/>
+            </a:schemeClr>
+          </a:lnRef>
+          <a:fillRef idx="1">
+            <a:schemeClr val="accent1"/>
+          </a:fillRef>
+          <a:effectRef idx="0">
+            <a:schemeClr val="accent1"/>
+          </a:effectRef>
+          <a:fontRef idx="minor">
+            <a:schemeClr val="lt1"/>
+          </a:fontRef>
+        </p:style>
+        <p:txBody>
+          <a:bodyPr rtlCol="0" anchor="ctr"/>
+          <a:lstStyle/>
+          <a:p>
+            <a:r>
+              <a:rPr kumimoji="1" lang="en-US" altLang="ja-JP" dirty="0">
+                <a:solidFill>
+                  <a:schemeClr val="tx1">
+                    <a:lumMod val="65000"/>
+                    <a:lumOff val="35000"/>
+                  </a:schemeClr>
+                </a:solidFill>
+              </a:rPr>
+              <a:t>【</a:t>
+            </a:r>
+            <a:r>
+              <a:rPr kumimoji="1" lang="ja-JP" altLang="en-US" dirty="0">
+                <a:solidFill>
+                  <a:schemeClr val="tx1">
+                    <a:lumMod val="65000"/>
+                    <a:lumOff val="35000"/>
+                  </a:schemeClr>
+                </a:solidFill>
+              </a:rPr>
+              <a:t>目標</a:t>
+            </a:r>
+            <a:r>
+              <a:rPr kumimoji="1" lang="en-US" altLang="ja-JP" dirty="0">
+                <a:solidFill>
+                  <a:schemeClr val="tx1">
+                    <a:lumMod val="65000"/>
+                    <a:lumOff val="35000"/>
+                  </a:schemeClr>
+                </a:solidFill>
+              </a:rPr>
+              <a:t>】</a:t>
+            </a:r>
+          </a:p>
+          <a:p>
+            <a:r>
+              <a:rPr kumimoji="1" lang="ja-JP" altLang="en-US" dirty="0">
+                <a:solidFill>
+                  <a:schemeClr val="tx1">
+                    <a:lumMod val="65000"/>
+                    <a:lumOff val="35000"/>
+                  </a:schemeClr>
+                </a:solidFill>
+              </a:rPr>
+              <a:t>メンバー全員が主体性を持ってプロジェクトを進行できている。</a:t>
+            </a:r>
+            <a:endParaRPr kumimoji="1" lang="en-US" altLang="ja-JP" dirty="0">
+              <a:solidFill>
+                <a:schemeClr val="tx1">
+                  <a:lumMod val="65000"/>
+                  <a:lumOff val="35000"/>
+                </a:schemeClr>
+              </a:solidFill>
+            </a:endParaRPr>
+          </a:p>
+          <a:p>
+            <a:r>
+              <a:rPr kumimoji="1" lang="en-US" altLang="ja-JP" dirty="0">
+                <a:solidFill>
+                  <a:schemeClr val="tx1">
+                    <a:lumMod val="65000"/>
+                    <a:lumOff val="35000"/>
+                  </a:schemeClr>
+                </a:solidFill>
+              </a:rPr>
+              <a:t>【</a:t>
+            </a:r>
+            <a:r>
+              <a:rPr kumimoji="1" lang="ja-JP" altLang="en-US" dirty="0">
+                <a:solidFill>
+                  <a:schemeClr val="tx1">
+                    <a:lumMod val="65000"/>
+                    <a:lumOff val="35000"/>
+                  </a:schemeClr>
+                </a:solidFill>
+              </a:rPr>
+              <a:t>結果</a:t>
+            </a:r>
+            <a:r>
+              <a:rPr kumimoji="1" lang="en-US" altLang="ja-JP" dirty="0">
+                <a:solidFill>
+                  <a:schemeClr val="tx1">
+                    <a:lumMod val="65000"/>
+                    <a:lumOff val="35000"/>
+                  </a:schemeClr>
+                </a:solidFill>
+              </a:rPr>
+              <a:t>】</a:t>
+            </a:r>
+          </a:p>
+          <a:p>
+            <a:r>
+              <a:rPr kumimoji="1" lang="ja-JP" altLang="en-US" dirty="0">
+                <a:solidFill>
+                  <a:schemeClr val="tx1">
+                    <a:lumMod val="65000"/>
+                    <a:lumOff val="35000"/>
+                  </a:schemeClr>
+                </a:solidFill>
+              </a:rPr>
+              <a:t>目標通り達成できた。</a:t>
+            </a:r>
+          </a:p>
+        </p:txBody>
+      </p:sp>
+      <p:sp>
+        <p:nvSpPr>
+          <p:cNvPr id="6" name="四角形: 角を丸くする 5">
+            <a:extLst>
+              <a:ext uri="{FF2B5EF4-FFF2-40B4-BE49-F238E27FC236}">
+                <a16:creationId xmlns:a16="http://schemas.microsoft.com/office/drawing/2014/main" id="{AB45BDB4-B60B-41BD-8D01-73A03B997C17}"/>
+              </a:ext>
+            </a:extLst>
+          </p:cNvPr>
+          <p:cNvSpPr/>
+          <p:nvPr/>
+        </p:nvSpPr>
+        <p:spPr>
+          <a:xfrm>
+            <a:off x="3869267" y="2598943"/>
+            <a:ext cx="7713132" cy="3398914"/>
+          </a:xfrm>
+          <a:prstGeom prst="roundRect">
+            <a:avLst/>
+          </a:prstGeom>
+          <a:solidFill>
+            <a:schemeClr val="bg1"/>
+          </a:solidFill>
+          <a:ln w="28575"/>
+        </p:spPr>
+        <p:style>
+          <a:lnRef idx="2">
+            <a:schemeClr val="accent1">
+              <a:shade val="50000"/>
+            </a:schemeClr>
+          </a:lnRef>
+          <a:fillRef idx="1">
+            <a:schemeClr val="accent1"/>
+          </a:fillRef>
+          <a:effectRef idx="0">
+            <a:schemeClr val="accent1"/>
+          </a:effectRef>
+          <a:fontRef idx="minor">
+            <a:schemeClr val="lt1"/>
+          </a:fontRef>
+        </p:style>
+        <p:txBody>
+          <a:bodyPr rtlCol="0" anchor="ctr"/>
+          <a:lstStyle/>
+          <a:p>
+            <a:r>
+              <a:rPr kumimoji="1" lang="en-US" altLang="ja-JP" dirty="0">
+                <a:solidFill>
+                  <a:schemeClr val="tx1">
+                    <a:lumMod val="65000"/>
+                    <a:lumOff val="35000"/>
+                  </a:schemeClr>
+                </a:solidFill>
+              </a:rPr>
+              <a:t>【</a:t>
+            </a:r>
+            <a:r>
+              <a:rPr kumimoji="1" lang="ja-JP" altLang="en-US" dirty="0">
+                <a:solidFill>
+                  <a:schemeClr val="tx1">
+                    <a:lumMod val="65000"/>
+                    <a:lumOff val="35000"/>
+                  </a:schemeClr>
+                </a:solidFill>
+              </a:rPr>
+              <a:t>達成基準</a:t>
+            </a:r>
+            <a:r>
+              <a:rPr kumimoji="1" lang="en-US" altLang="ja-JP" dirty="0">
+                <a:solidFill>
+                  <a:schemeClr val="tx1">
+                    <a:lumMod val="65000"/>
+                    <a:lumOff val="35000"/>
+                  </a:schemeClr>
+                </a:solidFill>
+              </a:rPr>
+              <a:t>】</a:t>
+            </a:r>
+          </a:p>
+          <a:p>
+            <a:r>
+              <a:rPr kumimoji="1" lang="ja-JP" altLang="en-US" dirty="0">
+                <a:solidFill>
+                  <a:schemeClr val="tx1">
+                    <a:lumMod val="65000"/>
+                    <a:lumOff val="35000"/>
+                  </a:schemeClr>
+                </a:solidFill>
+              </a:rPr>
+              <a:t>＜チームの一員として＞</a:t>
+            </a:r>
+            <a:endParaRPr kumimoji="1" lang="en-US" altLang="ja-JP" dirty="0">
+              <a:solidFill>
+                <a:schemeClr val="tx1">
+                  <a:lumMod val="65000"/>
+                  <a:lumOff val="35000"/>
+                </a:schemeClr>
+              </a:solidFill>
+            </a:endParaRPr>
+          </a:p>
+          <a:p>
+            <a:pPr rtl="0">
+              <a:spcBef>
+                <a:spcPts val="0"/>
+              </a:spcBef>
+              <a:spcAft>
+                <a:spcPts val="0"/>
+              </a:spcAft>
+            </a:pPr>
+            <a:r>
+              <a:rPr lang="ja-JP" altLang="en-US" sz="1800" b="0" i="0" u="none" strike="noStrike" dirty="0">
+                <a:solidFill>
+                  <a:schemeClr val="tx1">
+                    <a:lumMod val="65000"/>
+                    <a:lumOff val="35000"/>
+                  </a:schemeClr>
+                </a:solidFill>
+                <a:effectLst/>
+                <a:latin typeface="Arial" panose="020B0604020202020204" pitchFamily="34" charset="0"/>
+              </a:rPr>
+              <a:t>①</a:t>
+            </a:r>
+            <a:r>
+              <a:rPr lang="en-US" altLang="ja-JP" sz="1800" b="0" i="0" u="none" strike="noStrike" dirty="0">
+                <a:solidFill>
+                  <a:schemeClr val="tx1">
+                    <a:lumMod val="65000"/>
+                    <a:lumOff val="35000"/>
+                  </a:schemeClr>
+                </a:solidFill>
+                <a:effectLst/>
+                <a:latin typeface="Arial" panose="020B0604020202020204" pitchFamily="34" charset="0"/>
+              </a:rPr>
+              <a:t>-1</a:t>
+            </a:r>
+            <a:r>
+              <a:rPr lang="ja-JP" altLang="en-US" sz="1800" b="0" i="0" u="none" strike="noStrike" dirty="0">
+                <a:solidFill>
+                  <a:schemeClr val="tx1">
+                    <a:lumMod val="65000"/>
+                    <a:lumOff val="35000"/>
+                  </a:schemeClr>
+                </a:solidFill>
+                <a:effectLst/>
+                <a:latin typeface="Arial" panose="020B0604020202020204" pitchFamily="34" charset="0"/>
+              </a:rPr>
+              <a:t>自分の作業の現状や課題点について、当日中に報告できている。</a:t>
+            </a:r>
+            <a:endParaRPr lang="ja-JP" altLang="en-US" b="0" dirty="0">
+              <a:solidFill>
+                <a:schemeClr val="tx1">
+                  <a:lumMod val="65000"/>
+                  <a:lumOff val="35000"/>
+                </a:schemeClr>
+              </a:solidFill>
+              <a:effectLst/>
+            </a:endParaRPr>
+          </a:p>
+          <a:p>
+            <a:pPr rtl="0">
+              <a:spcBef>
+                <a:spcPts val="0"/>
+              </a:spcBef>
+              <a:spcAft>
+                <a:spcPts val="0"/>
+              </a:spcAft>
+            </a:pPr>
+            <a:r>
+              <a:rPr lang="ja-JP" altLang="en-US" sz="1800" b="0" i="0" u="none" strike="noStrike" dirty="0">
+                <a:solidFill>
+                  <a:schemeClr val="tx1">
+                    <a:lumMod val="65000"/>
+                    <a:lumOff val="35000"/>
+                  </a:schemeClr>
+                </a:solidFill>
+                <a:effectLst/>
+                <a:latin typeface="Arial" panose="020B0604020202020204" pitchFamily="34" charset="0"/>
+              </a:rPr>
+              <a:t>①</a:t>
+            </a:r>
+            <a:r>
+              <a:rPr lang="en-US" altLang="ja-JP" sz="1800" b="0" i="0" u="none" strike="noStrike" dirty="0">
+                <a:solidFill>
+                  <a:schemeClr val="tx1">
+                    <a:lumMod val="65000"/>
+                    <a:lumOff val="35000"/>
+                  </a:schemeClr>
+                </a:solidFill>
+                <a:effectLst/>
+                <a:latin typeface="Arial" panose="020B0604020202020204" pitchFamily="34" charset="0"/>
+              </a:rPr>
+              <a:t>-2</a:t>
+            </a:r>
+            <a:r>
+              <a:rPr lang="ja-JP" altLang="en-US" sz="1800" b="0" i="0" u="none" strike="noStrike" dirty="0">
+                <a:solidFill>
+                  <a:schemeClr val="tx1">
+                    <a:lumMod val="65000"/>
+                    <a:lumOff val="35000"/>
+                  </a:schemeClr>
+                </a:solidFill>
+                <a:effectLst/>
+                <a:latin typeface="Arial" panose="020B0604020202020204" pitchFamily="34" charset="0"/>
+              </a:rPr>
+              <a:t>プロジェクト全体の進捗状況を全員が把握し、日報にて会社の上司に説明することができる。</a:t>
+            </a:r>
+            <a:endParaRPr lang="ja-JP" altLang="en-US" b="0" dirty="0">
+              <a:solidFill>
+                <a:schemeClr val="tx1">
+                  <a:lumMod val="65000"/>
+                  <a:lumOff val="35000"/>
+                </a:schemeClr>
+              </a:solidFill>
+              <a:effectLst/>
+            </a:endParaRPr>
+          </a:p>
+          <a:p>
+            <a:pPr rtl="0">
+              <a:spcBef>
+                <a:spcPts val="0"/>
+              </a:spcBef>
+              <a:spcAft>
+                <a:spcPts val="0"/>
+              </a:spcAft>
+            </a:pPr>
+            <a:endParaRPr lang="en-US" altLang="ja-JP" sz="1800" b="0" i="0" u="none" strike="noStrike" dirty="0">
+              <a:solidFill>
+                <a:schemeClr val="tx1">
+                  <a:lumMod val="65000"/>
+                  <a:lumOff val="35000"/>
+                </a:schemeClr>
+              </a:solidFill>
+              <a:effectLst/>
+              <a:latin typeface="Arial" panose="020B0604020202020204" pitchFamily="34" charset="0"/>
+            </a:endParaRPr>
+          </a:p>
+          <a:p>
+            <a:pPr rtl="0">
+              <a:spcBef>
+                <a:spcPts val="0"/>
+              </a:spcBef>
+              <a:spcAft>
+                <a:spcPts val="0"/>
+              </a:spcAft>
+            </a:pPr>
+            <a:r>
+              <a:rPr lang="ja-JP" altLang="en-US" dirty="0">
+                <a:solidFill>
+                  <a:schemeClr val="tx1">
+                    <a:lumMod val="65000"/>
+                    <a:lumOff val="35000"/>
+                  </a:schemeClr>
+                </a:solidFill>
+                <a:latin typeface="Arial" panose="020B0604020202020204" pitchFamily="34" charset="0"/>
+              </a:rPr>
+              <a:t>＜各担当としての主体性＞→個人の成果として発表</a:t>
+            </a:r>
+            <a:endParaRPr lang="en-US" altLang="ja-JP" dirty="0">
+              <a:solidFill>
+                <a:schemeClr val="tx1">
+                  <a:lumMod val="65000"/>
+                  <a:lumOff val="35000"/>
+                </a:schemeClr>
+              </a:solidFill>
+              <a:latin typeface="Arial" panose="020B0604020202020204" pitchFamily="34" charset="0"/>
+            </a:endParaRPr>
+          </a:p>
+          <a:p>
+            <a:pPr rtl="0">
+              <a:spcBef>
+                <a:spcPts val="0"/>
+              </a:spcBef>
+              <a:spcAft>
+                <a:spcPts val="0"/>
+              </a:spcAft>
+            </a:pPr>
+            <a:r>
+              <a:rPr lang="ja-JP" altLang="en-US" sz="1800" b="0" i="0" u="none" strike="noStrike" dirty="0">
+                <a:solidFill>
+                  <a:schemeClr val="tx1">
+                    <a:lumMod val="65000"/>
+                    <a:lumOff val="35000"/>
+                  </a:schemeClr>
+                </a:solidFill>
+                <a:effectLst/>
+                <a:latin typeface="Arial" panose="020B0604020202020204" pitchFamily="34" charset="0"/>
+              </a:rPr>
+              <a:t>②</a:t>
+            </a:r>
+            <a:r>
+              <a:rPr lang="en-US" altLang="ja-JP" sz="1800" b="0" i="0" u="none" strike="noStrike" dirty="0">
+                <a:solidFill>
+                  <a:schemeClr val="tx1">
+                    <a:lumMod val="65000"/>
+                    <a:lumOff val="35000"/>
+                  </a:schemeClr>
+                </a:solidFill>
+                <a:effectLst/>
+                <a:latin typeface="Arial" panose="020B0604020202020204" pitchFamily="34" charset="0"/>
+              </a:rPr>
+              <a:t>-1</a:t>
+            </a:r>
+            <a:r>
+              <a:rPr lang="ja-JP" altLang="en-US" sz="1800" b="0" i="0" u="none" strike="noStrike" dirty="0">
+                <a:solidFill>
+                  <a:schemeClr val="tx1">
+                    <a:lumMod val="65000"/>
+                    <a:lumOff val="35000"/>
+                  </a:schemeClr>
+                </a:solidFill>
+                <a:effectLst/>
+                <a:latin typeface="Arial" panose="020B0604020202020204" pitchFamily="34" charset="0"/>
+              </a:rPr>
+              <a:t>自分の役割について説明できる。</a:t>
+            </a:r>
+            <a:endParaRPr lang="ja-JP" altLang="en-US" b="0" dirty="0">
+              <a:solidFill>
+                <a:schemeClr val="tx1">
+                  <a:lumMod val="65000"/>
+                  <a:lumOff val="35000"/>
+                </a:schemeClr>
+              </a:solidFill>
+              <a:effectLst/>
+            </a:endParaRPr>
+          </a:p>
+          <a:p>
+            <a:pPr rtl="0">
+              <a:spcBef>
+                <a:spcPts val="0"/>
+              </a:spcBef>
+              <a:spcAft>
+                <a:spcPts val="0"/>
+              </a:spcAft>
+            </a:pPr>
+            <a:r>
+              <a:rPr lang="ja-JP" altLang="en-US" sz="1800" b="0" i="0" u="none" strike="noStrike" dirty="0">
+                <a:solidFill>
+                  <a:schemeClr val="tx1">
+                    <a:lumMod val="65000"/>
+                    <a:lumOff val="35000"/>
+                  </a:schemeClr>
+                </a:solidFill>
+                <a:effectLst/>
+                <a:latin typeface="Arial" panose="020B0604020202020204" pitchFamily="34" charset="0"/>
+              </a:rPr>
+              <a:t>②</a:t>
+            </a:r>
+            <a:r>
+              <a:rPr lang="en-US" altLang="ja-JP" sz="1800" b="0" i="0" u="none" strike="noStrike" dirty="0">
+                <a:solidFill>
+                  <a:schemeClr val="tx1">
+                    <a:lumMod val="65000"/>
+                    <a:lumOff val="35000"/>
+                  </a:schemeClr>
+                </a:solidFill>
+                <a:effectLst/>
+                <a:latin typeface="Arial" panose="020B0604020202020204" pitchFamily="34" charset="0"/>
+              </a:rPr>
+              <a:t>-2</a:t>
+            </a:r>
+            <a:r>
+              <a:rPr lang="ja-JP" altLang="en-US" sz="1800" b="0" i="0" u="none" strike="noStrike" dirty="0">
+                <a:solidFill>
+                  <a:schemeClr val="tx1">
+                    <a:lumMod val="65000"/>
+                    <a:lumOff val="35000"/>
+                  </a:schemeClr>
+                </a:solidFill>
+                <a:effectLst/>
+                <a:latin typeface="Arial" panose="020B0604020202020204" pitchFamily="34" charset="0"/>
+              </a:rPr>
+              <a:t>自分の担当の仕事を、誰かに指摘されなくても行うことができている。</a:t>
+            </a:r>
+            <a:endParaRPr lang="ja-JP" altLang="en-US" b="0" dirty="0">
+              <a:solidFill>
+                <a:schemeClr val="tx1">
+                  <a:lumMod val="65000"/>
+                  <a:lumOff val="35000"/>
+                </a:schemeClr>
+              </a:solidFill>
+              <a:effectLst/>
+            </a:endParaRPr>
+          </a:p>
+          <a:p>
+            <a:pPr rtl="0">
+              <a:spcBef>
+                <a:spcPts val="0"/>
+              </a:spcBef>
+              <a:spcAft>
+                <a:spcPts val="300"/>
+              </a:spcAft>
+            </a:pPr>
+            <a:r>
+              <a:rPr lang="ja-JP" altLang="en-US" sz="1800" b="0" i="0" u="none" strike="noStrike" dirty="0">
+                <a:solidFill>
+                  <a:schemeClr val="tx1">
+                    <a:lumMod val="65000"/>
+                    <a:lumOff val="35000"/>
+                  </a:schemeClr>
+                </a:solidFill>
+                <a:effectLst/>
+                <a:latin typeface="Arial" panose="020B0604020202020204" pitchFamily="34" charset="0"/>
+              </a:rPr>
+              <a:t>②</a:t>
+            </a:r>
+            <a:r>
+              <a:rPr lang="en-US" altLang="ja-JP" sz="1800" b="0" i="0" u="none" strike="noStrike" dirty="0">
+                <a:solidFill>
+                  <a:schemeClr val="tx1">
+                    <a:lumMod val="65000"/>
+                    <a:lumOff val="35000"/>
+                  </a:schemeClr>
+                </a:solidFill>
+                <a:effectLst/>
+                <a:latin typeface="Arial" panose="020B0604020202020204" pitchFamily="34" charset="0"/>
+              </a:rPr>
+              <a:t>-3</a:t>
+            </a:r>
+            <a:r>
+              <a:rPr lang="ja-JP" altLang="en-US" sz="1800" b="0" i="0" u="none" strike="noStrike" dirty="0">
+                <a:solidFill>
+                  <a:schemeClr val="tx1">
+                    <a:lumMod val="65000"/>
+                    <a:lumOff val="35000"/>
+                  </a:schemeClr>
+                </a:solidFill>
+                <a:effectLst/>
+                <a:latin typeface="Arial" panose="020B0604020202020204" pitchFamily="34" charset="0"/>
+              </a:rPr>
+              <a:t>役割に基づいて主体的に行動した結果について説明できる。</a:t>
+            </a:r>
+            <a:br>
+              <a:rPr lang="ja-JP" altLang="en-US" dirty="0">
+                <a:solidFill>
+                  <a:schemeClr val="tx1">
+                    <a:lumMod val="65000"/>
+                    <a:lumOff val="35000"/>
+                  </a:schemeClr>
+                </a:solidFill>
+              </a:rPr>
+            </a:br>
+            <a:endParaRPr kumimoji="1" lang="ja-JP" altLang="en-US" dirty="0">
+              <a:solidFill>
+                <a:schemeClr val="tx1">
+                  <a:lumMod val="65000"/>
+                  <a:lumOff val="35000"/>
+                </a:schemeClr>
+              </a:solidFill>
+            </a:endParaRPr>
+          </a:p>
+        </p:txBody>
+      </p:sp>
     </p:spTree>
     <p:extLst>
       <p:ext uri="{BB962C8B-B14F-4D97-AF65-F5344CB8AC3E}">
-        <p14:creationId xmlns:p14="http://schemas.microsoft.com/office/powerpoint/2010/main" val="557150715"/>
+        <p14:creationId xmlns:p14="http://schemas.microsoft.com/office/powerpoint/2010/main" val="2146826603"/>
       </p:ext>
     </p:extLst>
   </p:cSld>
@@ -5302,6 +6880,14 @@
           <a:bodyPr/>
           <a:lstStyle/>
           <a:p>
+            <a:r>
+              <a:rPr kumimoji="1" lang="ja-JP" altLang="en-US" dirty="0"/>
+              <a:t>施策内容①</a:t>
+            </a:r>
+            <a:r>
+              <a:rPr kumimoji="1" lang="en-US" altLang="ja-JP" dirty="0"/>
+              <a:t>	</a:t>
+            </a:r>
             <a:endParaRPr kumimoji="1" lang="ja-JP" altLang="en-US" dirty="0"/>
           </a:p>
         </p:txBody>
@@ -5322,129 +6908,230 @@
             <p:ph idx="1"/>
           </p:nvPr>
         </p:nvSpPr>
-        <p:spPr/>
-        <p:txBody>
-          <a:bodyPr/>
-          <a:lstStyle/>
-          <a:p>
-            <a:endParaRPr kumimoji="1" lang="ja-JP" altLang="en-US" dirty="0"/>
-          </a:p>
-        </p:txBody>
-      </p:sp>
-      <p:pic>
-        <p:nvPicPr>
-          <p:cNvPr id="4" name="図 3" descr="アイコン&#10;&#10;自動的に生成された説明">
-            <a:extLst>
-              <a:ext uri="{FF2B5EF4-FFF2-40B4-BE49-F238E27FC236}">
-                <a16:creationId xmlns:a16="http://schemas.microsoft.com/office/drawing/2014/main" id="{F80B5929-9B90-4E9C-B9E6-44E443331DB5}"/>
-              </a:ext>
-            </a:extLst>
-          </p:cNvPr>
-          <p:cNvPicPr>
-            <a:picLocks noChangeAspect="1"/>
-          </p:cNvPicPr>
-          <p:nvPr/>
-        </p:nvPicPr>
-        <p:blipFill>
-          <a:blip r:embed="rId2">
-            <a:alphaModFix amt="85000"/>
-            <a:extLst>
-              <a:ext uri="{28A0092B-C50C-407E-A947-70E740481C1C}">
-                <a14:useLocalDpi xmlns:a14="http://schemas.microsoft.com/office/drawing/2010/main" val="0"/>
-              </a:ext>
-            </a:extLst>
-          </a:blip>
-          <a:stretch>
-            <a:fillRect/>
-          </a:stretch>
-        </p:blipFill>
         <p:spPr>
           <a:xfrm>
-            <a:off x="9466729" y="5262949"/>
-            <a:ext cx="2725271" cy="1469817"/>
+            <a:off x="3529263" y="864108"/>
+            <a:ext cx="8662737" cy="5120640"/>
           </a:xfrm>
-          <a:prstGeom prst="rect">
-            <a:avLst/>
-          </a:prstGeom>
         </p:spPr>
-      </p:pic>
-    </p:spTree>
-    <p:extLst>
-      <p:ext uri="{BB962C8B-B14F-4D97-AF65-F5344CB8AC3E}">
-        <p14:creationId xmlns:p14="http://schemas.microsoft.com/office/powerpoint/2010/main" val="206966416"/>
-      </p:ext>
-    </p:extLst>
-  </p:cSld>
-  <p:clrMapOvr>
-    <a:masterClrMapping/>
-  </p:clrMapOvr>
-</p:sld>
-</file>
-
-<file path=ppt/slides/slide13.xml><?xml version="1.0" encoding="utf-8"?>
-<p:sld xmlns:a="http://schemas.openxmlformats.org/drawingml/2006/main" xmlns:r="http://schemas.openxmlformats.org/officeDocument/2006/relationships" xmlns:p="http://schemas.openxmlformats.org/presentationml/2006/main">
-  <p:cSld>
-    <p:spTree>
-      <p:nvGrpSpPr>
-        <p:cNvPr id="1" name=""/>
-        <p:cNvGrpSpPr/>
-        <p:nvPr/>
-      </p:nvGrpSpPr>
-      <p:grpSpPr>
-        <a:xfrm>
-          <a:off x="0" y="0"/>
-          <a:ext cx="0" cy="0"/>
-          <a:chOff x="0" y="0"/>
-          <a:chExt cx="0" cy="0"/>
-        </a:xfrm>
-      </p:grpSpPr>
-      <p:sp>
-        <p:nvSpPr>
-          <p:cNvPr id="2" name="タイトル 1">
-            <a:extLst>
-              <a:ext uri="{FF2B5EF4-FFF2-40B4-BE49-F238E27FC236}">
-                <a16:creationId xmlns:a16="http://schemas.microsoft.com/office/drawing/2014/main" id="{11FF109B-1A52-4682-9479-0DCAC48B3C35}"/>
-              </a:ext>
-            </a:extLst>
-          </p:cNvPr>
-          <p:cNvSpPr>
-            <a:spLocks noGrp="1"/>
-          </p:cNvSpPr>
-          <p:nvPr>
-            <p:ph type="title"/>
-          </p:nvPr>
-        </p:nvSpPr>
-        <p:spPr/>
-        <p:txBody>
-          <a:bodyPr/>
+        <p:txBody>
+          <a:bodyPr>
+            <a:normAutofit/>
+          </a:bodyPr>
           <a:lstStyle/>
           <a:p>
-            <a:endParaRPr kumimoji="1" lang="ja-JP" altLang="en-US" dirty="0"/>
-          </a:p>
-        </p:txBody>
-      </p:sp>
-      <p:sp>
-        <p:nvSpPr>
-          <p:cNvPr id="3" name="コンテンツ プレースホルダー 2">
-            <a:extLst>
-              <a:ext uri="{FF2B5EF4-FFF2-40B4-BE49-F238E27FC236}">
-                <a16:creationId xmlns:a16="http://schemas.microsoft.com/office/drawing/2014/main" id="{E23551B5-FD73-4043-9D9D-F069178EC83A}"/>
-              </a:ext>
-            </a:extLst>
-          </p:cNvPr>
-          <p:cNvSpPr>
-            <a:spLocks noGrp="1"/>
-          </p:cNvSpPr>
-          <p:nvPr>
-            <p:ph idx="1"/>
-          </p:nvPr>
-        </p:nvSpPr>
-        <p:spPr/>
-        <p:txBody>
-          <a:bodyPr/>
-          <a:lstStyle/>
-          <a:p>
-            <a:endParaRPr kumimoji="1" lang="ja-JP" altLang="en-US" dirty="0"/>
+            <a:pPr marL="0" indent="0" rtl="0">
+              <a:spcBef>
+                <a:spcPts val="0"/>
+              </a:spcBef>
+              <a:spcAft>
+                <a:spcPts val="0"/>
+              </a:spcAft>
+              <a:buNone/>
+            </a:pPr>
+            <a:r>
+              <a:rPr lang="ja-JP" altLang="en-US" sz="2400" b="0" i="0" u="none" strike="noStrike" dirty="0">
+                <a:effectLst/>
+                <a:latin typeface="Arial" panose="020B0604020202020204" pitchFamily="34" charset="0"/>
+              </a:rPr>
+              <a:t>①</a:t>
+            </a:r>
+            <a:r>
+              <a:rPr lang="en-US" altLang="ja-JP" sz="2400" b="0" i="0" u="none" strike="noStrike" dirty="0">
+                <a:effectLst/>
+                <a:latin typeface="Arial" panose="020B0604020202020204" pitchFamily="34" charset="0"/>
+              </a:rPr>
+              <a:t>-1</a:t>
+            </a:r>
+            <a:r>
+              <a:rPr lang="ja-JP" altLang="en-US" sz="2400" b="0" i="0" u="none" strike="noStrike" dirty="0">
+                <a:effectLst/>
+                <a:latin typeface="Arial" panose="020B0604020202020204" pitchFamily="34" charset="0"/>
+              </a:rPr>
+              <a:t>　</a:t>
+            </a:r>
+            <a:r>
+              <a:rPr lang="ja-JP" altLang="en-US" sz="2400" dirty="0">
+                <a:latin typeface="Arial" panose="020B0604020202020204" pitchFamily="34" charset="0"/>
+              </a:rPr>
+              <a:t>夕方の</a:t>
+            </a:r>
+            <a:r>
+              <a:rPr lang="en-US" altLang="ja-JP" sz="2400" dirty="0">
+                <a:latin typeface="Arial" panose="020B0604020202020204" pitchFamily="34" charset="0"/>
+              </a:rPr>
+              <a:t>MTG</a:t>
+            </a:r>
+            <a:r>
+              <a:rPr lang="ja-JP" altLang="en-US" sz="2400" dirty="0">
+                <a:latin typeface="Arial" panose="020B0604020202020204" pitchFamily="34" charset="0"/>
+              </a:rPr>
+              <a:t>で各自</a:t>
+            </a:r>
+            <a:r>
+              <a:rPr lang="ja-JP" altLang="en-US" sz="2400" b="0" i="0" u="none" strike="noStrike" dirty="0">
+                <a:effectLst/>
+                <a:latin typeface="Arial" panose="020B0604020202020204" pitchFamily="34" charset="0"/>
+              </a:rPr>
+              <a:t>自分の担当作業について、現状・</a:t>
+            </a:r>
+            <a:endParaRPr lang="en-US" altLang="ja-JP" sz="2400" b="0" i="0" u="none" strike="noStrike" dirty="0">
+              <a:effectLst/>
+              <a:latin typeface="Arial" panose="020B0604020202020204" pitchFamily="34" charset="0"/>
+            </a:endParaRPr>
+          </a:p>
+          <a:p>
+            <a:pPr marL="0" indent="0" rtl="0">
+              <a:spcBef>
+                <a:spcPts val="0"/>
+              </a:spcBef>
+              <a:spcAft>
+                <a:spcPts val="0"/>
+              </a:spcAft>
+              <a:buNone/>
+            </a:pPr>
+            <a:r>
+              <a:rPr lang="ja-JP" altLang="en-US" sz="2400" b="0" i="0" u="none" strike="noStrike" dirty="0">
+                <a:effectLst/>
+                <a:latin typeface="Arial" panose="020B0604020202020204" pitchFamily="34" charset="0"/>
+              </a:rPr>
+              <a:t>問題点を口頭で</a:t>
+            </a:r>
+            <a:r>
+              <a:rPr lang="ja-JP" altLang="en-US" sz="2400" dirty="0">
+                <a:latin typeface="Arial" panose="020B0604020202020204" pitchFamily="34" charset="0"/>
+              </a:rPr>
+              <a:t>説明する。</a:t>
+            </a:r>
+            <a:endParaRPr lang="ja-JP" altLang="en-US" sz="2400" b="0" dirty="0">
+              <a:effectLst/>
+            </a:endParaRPr>
+          </a:p>
+          <a:p>
+            <a:pPr marL="0" indent="0" rtl="0">
+              <a:spcBef>
+                <a:spcPts val="0"/>
+              </a:spcBef>
+              <a:spcAft>
+                <a:spcPts val="0"/>
+              </a:spcAft>
+              <a:buNone/>
+            </a:pPr>
+            <a:endParaRPr lang="en-US" altLang="ja-JP" sz="2400" dirty="0">
+              <a:latin typeface="Arial" panose="020B0604020202020204" pitchFamily="34" charset="0"/>
+            </a:endParaRPr>
+          </a:p>
+          <a:p>
+            <a:pPr marL="0" indent="0" rtl="0">
+              <a:spcBef>
+                <a:spcPts val="0"/>
+              </a:spcBef>
+              <a:spcAft>
+                <a:spcPts val="0"/>
+              </a:spcAft>
+              <a:buNone/>
+            </a:pPr>
+            <a:r>
+              <a:rPr lang="ja-JP" altLang="en-US" sz="2400" b="0" i="0" u="none" strike="noStrike" dirty="0">
+                <a:effectLst/>
+                <a:latin typeface="Arial" panose="020B0604020202020204" pitchFamily="34" charset="0"/>
+              </a:rPr>
+              <a:t>①</a:t>
+            </a:r>
+            <a:r>
+              <a:rPr lang="en-US" altLang="ja-JP" sz="2400" b="0" i="0" u="none" strike="noStrike" dirty="0">
+                <a:effectLst/>
+                <a:latin typeface="Arial" panose="020B0604020202020204" pitchFamily="34" charset="0"/>
+              </a:rPr>
+              <a:t>-2</a:t>
+            </a:r>
+            <a:r>
+              <a:rPr lang="ja-JP" altLang="en-US" sz="2400" b="0" i="0" u="none" strike="noStrike" dirty="0">
+                <a:effectLst/>
+                <a:latin typeface="Arial" panose="020B0604020202020204" pitchFamily="34" charset="0"/>
+              </a:rPr>
+              <a:t>　毎休憩前に</a:t>
+            </a:r>
+            <a:r>
+              <a:rPr lang="en-US" altLang="ja-JP" sz="2400" b="0" i="0" u="none" strike="noStrike" dirty="0">
+                <a:effectLst/>
+                <a:latin typeface="Arial" panose="020B0604020202020204" pitchFamily="34" charset="0"/>
+              </a:rPr>
+              <a:t>3</a:t>
+            </a:r>
+            <a:r>
+              <a:rPr lang="ja-JP" altLang="en-US" sz="2400" b="0" i="0" u="none" strike="noStrike" dirty="0">
+                <a:effectLst/>
+                <a:latin typeface="Arial" panose="020B0604020202020204" pitchFamily="34" charset="0"/>
+              </a:rPr>
+              <a:t>分間進捗確認の時間を設ける。</a:t>
+            </a:r>
+            <a:endParaRPr lang="en-US" altLang="ja-JP" sz="2400" b="0" i="0" u="none" strike="noStrike" dirty="0">
+              <a:effectLst/>
+              <a:latin typeface="Arial" panose="020B0604020202020204" pitchFamily="34" charset="0"/>
+            </a:endParaRPr>
+          </a:p>
+          <a:p>
+            <a:pPr marL="0" indent="0" rtl="0">
+              <a:spcBef>
+                <a:spcPts val="0"/>
+              </a:spcBef>
+              <a:spcAft>
+                <a:spcPts val="0"/>
+              </a:spcAft>
+              <a:buNone/>
+            </a:pPr>
+            <a:endParaRPr lang="ja-JP" altLang="en-US" sz="2400" b="0" dirty="0">
+              <a:effectLst/>
+            </a:endParaRPr>
+          </a:p>
+          <a:p>
+            <a:pPr marL="0" indent="0" rtl="0">
+              <a:spcBef>
+                <a:spcPts val="0"/>
+              </a:spcBef>
+              <a:spcAft>
+                <a:spcPts val="0"/>
+              </a:spcAft>
+              <a:buNone/>
+            </a:pPr>
+            <a:r>
+              <a:rPr lang="ja-JP" altLang="en-US" sz="2400" b="0" i="0" u="none" strike="noStrike" dirty="0">
+                <a:effectLst/>
+                <a:latin typeface="Arial" panose="020B0604020202020204" pitchFamily="34" charset="0"/>
+              </a:rPr>
+              <a:t>→現状</a:t>
+            </a:r>
+            <a:r>
+              <a:rPr lang="ja-JP" altLang="en-US" sz="2400" dirty="0">
+                <a:latin typeface="Arial" panose="020B0604020202020204" pitchFamily="34" charset="0"/>
+              </a:rPr>
+              <a:t>の</a:t>
+            </a:r>
+            <a:r>
+              <a:rPr lang="ja-JP" altLang="en-US" sz="2400" b="0" i="0" u="none" strike="noStrike" dirty="0">
+                <a:effectLst/>
+                <a:latin typeface="Arial" panose="020B0604020202020204" pitchFamily="34" charset="0"/>
+              </a:rPr>
+              <a:t>的確</a:t>
+            </a:r>
+            <a:r>
+              <a:rPr lang="ja-JP" altLang="en-US" sz="2400" dirty="0">
+                <a:latin typeface="Arial" panose="020B0604020202020204" pitchFamily="34" charset="0"/>
+              </a:rPr>
+              <a:t>な</a:t>
+            </a:r>
+            <a:r>
+              <a:rPr lang="ja-JP" altLang="en-US" sz="2400" b="0" i="0" u="none" strike="noStrike" dirty="0">
+                <a:effectLst/>
+                <a:latin typeface="Arial" panose="020B0604020202020204" pitchFamily="34" charset="0"/>
+              </a:rPr>
+              <a:t>把握、課題を放置しない姿勢。</a:t>
+            </a:r>
+            <a:endParaRPr lang="en-US" altLang="ja-JP" sz="2400" b="0" i="0" u="none" strike="noStrike" dirty="0">
+              <a:effectLst/>
+              <a:latin typeface="Arial" panose="020B0604020202020204" pitchFamily="34" charset="0"/>
+            </a:endParaRPr>
           </a:p>
         </p:txBody>
       </p:sp>
@@ -5498,7 +7185,7 @@
 </p:sld>
 </file>
 
-<file path=ppt/slides/slide2.xml><?xml version="1.0" encoding="utf-8"?>
+<file path=ppt/slides/slide13.xml><?xml version="1.0" encoding="utf-8"?>
 <p:sld xmlns:a="http://schemas.openxmlformats.org/drawingml/2006/main" xmlns:r="http://schemas.openxmlformats.org/officeDocument/2006/relationships" xmlns:p="http://schemas.openxmlformats.org/presentationml/2006/main">
   <p:cSld>
     <p:spTree>
@@ -5537,8 +7224,12 @@
           <a:lstStyle/>
           <a:p>
             <a:r>
+              <a:rPr kumimoji="1" lang="ja-JP" altLang="en-US" dirty="0"/>
+              <a:t>施策内容②</a:t>
+            </a:r>
+            <a:r>
               <a:rPr kumimoji="1" lang="en-US" altLang="ja-JP" dirty="0"/>
-              <a:t>Agenda</a:t>
+              <a:t>	</a:t>
             </a:r>
             <a:endParaRPr kumimoji="1" lang="ja-JP" altLang="en-US" dirty="0"/>
           </a:p>
@@ -5560,308 +7251,913 @@
             <p:ph idx="1"/>
           </p:nvPr>
         </p:nvSpPr>
+        <p:spPr>
+          <a:xfrm>
+            <a:off x="3529263" y="864108"/>
+            <a:ext cx="8662737" cy="5120640"/>
+          </a:xfrm>
+        </p:spPr>
+        <p:txBody>
+          <a:bodyPr anchor="t">
+            <a:normAutofit/>
+          </a:bodyPr>
+          <a:lstStyle/>
+          <a:p>
+            <a:pPr marL="0" indent="0" rtl="0">
+              <a:spcBef>
+                <a:spcPts val="0"/>
+              </a:spcBef>
+              <a:spcAft>
+                <a:spcPts val="0"/>
+              </a:spcAft>
+              <a:buNone/>
+            </a:pPr>
+            <a:r>
+              <a:rPr lang="ja-JP" altLang="en-US" sz="2400" dirty="0">
+                <a:latin typeface="Arial" panose="020B0604020202020204" pitchFamily="34" charset="0"/>
+              </a:rPr>
+              <a:t>②　</a:t>
+            </a:r>
+            <a:r>
+              <a:rPr lang="ja-JP" altLang="en-US" sz="2400" b="0" i="0" u="none" strike="noStrike" dirty="0">
+                <a:effectLst/>
+                <a:latin typeface="Arial" panose="020B0604020202020204" pitchFamily="34" charset="0"/>
+              </a:rPr>
+              <a:t>振り返りシートにて、課題点と良かった点を</a:t>
+            </a:r>
+            <a:r>
+              <a:rPr lang="ja-JP" altLang="en-US" sz="2400" dirty="0">
+                <a:latin typeface="Arial" panose="020B0604020202020204" pitchFamily="34" charset="0"/>
+              </a:rPr>
+              <a:t>各自記載。翌日改善策を考案し、実行。</a:t>
+            </a:r>
+            <a:endParaRPr lang="en-US" altLang="ja-JP" sz="2400" dirty="0">
+              <a:latin typeface="Arial" panose="020B0604020202020204" pitchFamily="34" charset="0"/>
+            </a:endParaRPr>
+          </a:p>
+          <a:p>
+            <a:pPr marL="0" indent="0" rtl="0">
+              <a:spcBef>
+                <a:spcPts val="0"/>
+              </a:spcBef>
+              <a:spcAft>
+                <a:spcPts val="0"/>
+              </a:spcAft>
+              <a:buNone/>
+            </a:pPr>
+            <a:br>
+              <a:rPr lang="ja-JP" altLang="en-US" sz="2400" dirty="0"/>
+            </a:br>
+            <a:r>
+              <a:rPr lang="ja-JP" altLang="en-US" sz="2400" dirty="0"/>
+              <a:t>→チーム内の</a:t>
+            </a:r>
+            <a:r>
+              <a:rPr lang="en-US" altLang="ja-JP" sz="2400" dirty="0"/>
+              <a:t>PDCA</a:t>
+            </a:r>
+            <a:r>
+              <a:rPr lang="ja-JP" altLang="en-US" sz="2400" dirty="0"/>
+              <a:t>サイクルを回すことができた。</a:t>
+            </a:r>
+            <a:endParaRPr kumimoji="1" lang="ja-JP" altLang="en-US" sz="2400" dirty="0"/>
+          </a:p>
+        </p:txBody>
+      </p:sp>
+      <p:pic>
+        <p:nvPicPr>
+          <p:cNvPr id="4" name="図 3" descr="アイコン&#10;&#10;自動的に生成された説明">
+            <a:extLst>
+              <a:ext uri="{FF2B5EF4-FFF2-40B4-BE49-F238E27FC236}">
+                <a16:creationId xmlns:a16="http://schemas.microsoft.com/office/drawing/2014/main" id="{F80B5929-9B90-4E9C-B9E6-44E443331DB5}"/>
+              </a:ext>
+            </a:extLst>
+          </p:cNvPr>
+          <p:cNvPicPr>
+            <a:picLocks noChangeAspect="1"/>
+          </p:cNvPicPr>
+          <p:nvPr/>
+        </p:nvPicPr>
+        <p:blipFill>
+          <a:blip r:embed="rId3">
+            <a:alphaModFix amt="85000"/>
+            <a:extLst>
+              <a:ext uri="{28A0092B-C50C-407E-A947-70E740481C1C}">
+                <a14:useLocalDpi xmlns:a14="http://schemas.microsoft.com/office/drawing/2010/main" val="0"/>
+              </a:ext>
+            </a:extLst>
+          </a:blip>
+          <a:stretch>
+            <a:fillRect/>
+          </a:stretch>
+        </p:blipFill>
+        <p:spPr>
+          <a:xfrm>
+            <a:off x="9466729" y="5262949"/>
+            <a:ext cx="2725271" cy="1469817"/>
+          </a:xfrm>
+          <a:prstGeom prst="rect">
+            <a:avLst/>
+          </a:prstGeom>
+        </p:spPr>
+      </p:pic>
+      <p:pic>
+        <p:nvPicPr>
+          <p:cNvPr id="6" name="図 5" descr="グラフィカル ユーザー インターフェイス, アプリケーション, テーブル&#10;&#10;自動的に生成された説明">
+            <a:extLst>
+              <a:ext uri="{FF2B5EF4-FFF2-40B4-BE49-F238E27FC236}">
+                <a16:creationId xmlns:a16="http://schemas.microsoft.com/office/drawing/2014/main" id="{6DF8CE01-C81D-4382-9B49-7BD3F0FCE571}"/>
+              </a:ext>
+            </a:extLst>
+          </p:cNvPr>
+          <p:cNvPicPr>
+            <a:picLocks noChangeAspect="1"/>
+          </p:cNvPicPr>
+          <p:nvPr/>
+        </p:nvPicPr>
+        <p:blipFill>
+          <a:blip r:embed="rId4">
+            <a:extLst>
+              <a:ext uri="{28A0092B-C50C-407E-A947-70E740481C1C}">
+                <a14:useLocalDpi xmlns:a14="http://schemas.microsoft.com/office/drawing/2010/main" val="0"/>
+              </a:ext>
+            </a:extLst>
+          </a:blip>
+          <a:stretch>
+            <a:fillRect/>
+          </a:stretch>
+        </p:blipFill>
+        <p:spPr>
+          <a:xfrm>
+            <a:off x="3808905" y="2489454"/>
+            <a:ext cx="7761207" cy="3869303"/>
+          </a:xfrm>
+          <a:prstGeom prst="rect">
+            <a:avLst/>
+          </a:prstGeom>
+        </p:spPr>
+      </p:pic>
+    </p:spTree>
+    <p:extLst>
+      <p:ext uri="{BB962C8B-B14F-4D97-AF65-F5344CB8AC3E}">
+        <p14:creationId xmlns:p14="http://schemas.microsoft.com/office/powerpoint/2010/main" val="3243232610"/>
+      </p:ext>
+    </p:extLst>
+  </p:cSld>
+  <p:clrMapOvr>
+    <a:masterClrMapping/>
+  </p:clrMapOvr>
+</p:sld>
+</file>
+
+<file path=ppt/slides/slide14.xml><?xml version="1.0" encoding="utf-8"?>
+<p:sld xmlns:a="http://schemas.openxmlformats.org/drawingml/2006/main" xmlns:r="http://schemas.openxmlformats.org/officeDocument/2006/relationships" xmlns:p="http://schemas.openxmlformats.org/presentationml/2006/main">
+  <p:cSld>
+    <p:spTree>
+      <p:nvGrpSpPr>
+        <p:cNvPr id="1" name=""/>
+        <p:cNvGrpSpPr/>
+        <p:nvPr/>
+      </p:nvGrpSpPr>
+      <p:grpSpPr>
+        <a:xfrm>
+          <a:off x="0" y="0"/>
+          <a:ext cx="0" cy="0"/>
+          <a:chOff x="0" y="0"/>
+          <a:chExt cx="0" cy="0"/>
+        </a:xfrm>
+      </p:grpSpPr>
+      <p:sp>
+        <p:nvSpPr>
+          <p:cNvPr id="2" name="タイトル 1">
+            <a:extLst>
+              <a:ext uri="{FF2B5EF4-FFF2-40B4-BE49-F238E27FC236}">
+                <a16:creationId xmlns:a16="http://schemas.microsoft.com/office/drawing/2014/main" id="{11FF109B-1A52-4682-9479-0DCAC48B3C35}"/>
+              </a:ext>
+            </a:extLst>
+          </p:cNvPr>
+          <p:cNvSpPr>
+            <a:spLocks noGrp="1"/>
+          </p:cNvSpPr>
+          <p:nvPr>
+            <p:ph type="title"/>
+          </p:nvPr>
+        </p:nvSpPr>
         <p:spPr/>
         <p:txBody>
           <a:bodyPr/>
           <a:lstStyle/>
           <a:p>
-            <a:pPr marL="457200" indent="-457200">
-              <a:buFont typeface="+mj-lt"/>
-              <a:buAutoNum type="arabicPeriod"/>
+            <a:r>
+              <a:rPr kumimoji="1" lang="ja-JP" altLang="en-US" dirty="0"/>
+              <a:t>施策内容③</a:t>
+            </a:r>
+            <a:r>
+              <a:rPr kumimoji="1" lang="en-US" altLang="ja-JP" dirty="0"/>
+              <a:t>	</a:t>
+            </a:r>
+            <a:endParaRPr kumimoji="1" lang="ja-JP" altLang="en-US" dirty="0"/>
+          </a:p>
+        </p:txBody>
+      </p:sp>
+      <p:sp>
+        <p:nvSpPr>
+          <p:cNvPr id="3" name="コンテンツ プレースホルダー 2">
+            <a:extLst>
+              <a:ext uri="{FF2B5EF4-FFF2-40B4-BE49-F238E27FC236}">
+                <a16:creationId xmlns:a16="http://schemas.microsoft.com/office/drawing/2014/main" id="{E23551B5-FD73-4043-9D9D-F069178EC83A}"/>
+              </a:ext>
+            </a:extLst>
+          </p:cNvPr>
+          <p:cNvSpPr>
+            <a:spLocks noGrp="1"/>
+          </p:cNvSpPr>
+          <p:nvPr>
+            <p:ph idx="1"/>
+          </p:nvPr>
+        </p:nvSpPr>
+        <p:spPr>
+          <a:xfrm>
+            <a:off x="3529263" y="864108"/>
+            <a:ext cx="8662737" cy="5120640"/>
+          </a:xfrm>
+        </p:spPr>
+        <p:txBody>
+          <a:bodyPr anchor="t">
+            <a:normAutofit/>
+          </a:bodyPr>
+          <a:lstStyle/>
+          <a:p>
+            <a:pPr marL="0" indent="0" rtl="0">
+              <a:spcBef>
+                <a:spcPts val="0"/>
+              </a:spcBef>
+              <a:spcAft>
+                <a:spcPts val="300"/>
+              </a:spcAft>
+              <a:buNone/>
             </a:pPr>
             <a:r>
-              <a:rPr kumimoji="1" lang="ja-JP" altLang="en-US" dirty="0">
-                <a:solidFill>
-                  <a:schemeClr val="accent1">
-                    <a:lumMod val="50000"/>
-                  </a:schemeClr>
-                </a:solidFill>
-              </a:rPr>
-              <a:t>プロダクトの成果</a:t>
-            </a:r>
-            <a:endParaRPr lang="en-US" altLang="ja-JP" dirty="0">
-              <a:solidFill>
-                <a:schemeClr val="accent1">
-                  <a:lumMod val="50000"/>
-                </a:schemeClr>
-              </a:solidFill>
+              <a:rPr lang="ja-JP" altLang="en-US" sz="2400" dirty="0">
+                <a:latin typeface="Arial" panose="020B0604020202020204" pitchFamily="34" charset="0"/>
+              </a:rPr>
+              <a:t>③　</a:t>
+            </a:r>
+            <a:r>
+              <a:rPr lang="ja-JP" altLang="en-US" sz="2400" b="0" i="0" u="none" strike="noStrike" dirty="0">
+                <a:effectLst/>
+                <a:latin typeface="Arial" panose="020B0604020202020204" pitchFamily="34" charset="0"/>
+              </a:rPr>
+              <a:t>達成基準シートにて、毎日各々がチーム目標を達成できたかチェックする。</a:t>
+            </a:r>
+            <a:endParaRPr lang="en-US" altLang="ja-JP" sz="2400" b="0" i="0" u="none" strike="noStrike" dirty="0">
+              <a:effectLst/>
+              <a:latin typeface="Arial" panose="020B0604020202020204" pitchFamily="34" charset="0"/>
             </a:endParaRPr>
           </a:p>
           <a:p>
-            <a:pPr marL="960120" lvl="1" indent="-457200">
-              <a:buFont typeface="+mj-lt"/>
-              <a:buAutoNum type="arabicPeriod"/>
+            <a:pPr marL="0" indent="0" rtl="0">
+              <a:spcBef>
+                <a:spcPts val="0"/>
+              </a:spcBef>
+              <a:spcAft>
+                <a:spcPts val="300"/>
+              </a:spcAft>
+              <a:buNone/>
             </a:pPr>
             <a:r>
-              <a:rPr lang="ja-JP" altLang="en-US" dirty="0">
-                <a:solidFill>
-                  <a:schemeClr val="accent1">
-                    <a:lumMod val="50000"/>
-                  </a:schemeClr>
-                </a:solidFill>
-              </a:rPr>
-              <a:t>製品化に至ったきっかけ</a:t>
-            </a:r>
-            <a:endParaRPr lang="en-US" altLang="ja-JP" dirty="0">
-              <a:solidFill>
-                <a:schemeClr val="accent1">
-                  <a:lumMod val="50000"/>
-                </a:schemeClr>
-              </a:solidFill>
-            </a:endParaRPr>
-          </a:p>
-          <a:p>
-            <a:pPr marL="960120" lvl="1" indent="-457200">
-              <a:buFont typeface="+mj-lt"/>
-              <a:buAutoNum type="arabicPeriod"/>
+              <a:rPr lang="ja-JP" altLang="en-US" sz="2400" dirty="0">
+                <a:latin typeface="Arial" panose="020B0604020202020204" pitchFamily="34" charset="0"/>
+              </a:rPr>
+              <a:t>→チーム目標への意識を持ち続けられる。</a:t>
+            </a:r>
+            <a:br>
+              <a:rPr lang="ja-JP" altLang="en-US" sz="2800" dirty="0"/>
+            </a:br>
+            <a:endParaRPr kumimoji="1" lang="ja-JP" altLang="en-US" sz="2800" dirty="0"/>
+          </a:p>
+        </p:txBody>
+      </p:sp>
+      <p:pic>
+        <p:nvPicPr>
+          <p:cNvPr id="4" name="図 3" descr="アイコン&#10;&#10;自動的に生成された説明">
+            <a:extLst>
+              <a:ext uri="{FF2B5EF4-FFF2-40B4-BE49-F238E27FC236}">
+                <a16:creationId xmlns:a16="http://schemas.microsoft.com/office/drawing/2014/main" id="{F80B5929-9B90-4E9C-B9E6-44E443331DB5}"/>
+              </a:ext>
+            </a:extLst>
+          </p:cNvPr>
+          <p:cNvPicPr>
+            <a:picLocks noChangeAspect="1"/>
+          </p:cNvPicPr>
+          <p:nvPr/>
+        </p:nvPicPr>
+        <p:blipFill>
+          <a:blip r:embed="rId3">
+            <a:alphaModFix amt="85000"/>
+            <a:extLst>
+              <a:ext uri="{28A0092B-C50C-407E-A947-70E740481C1C}">
+                <a14:useLocalDpi xmlns:a14="http://schemas.microsoft.com/office/drawing/2010/main" val="0"/>
+              </a:ext>
+            </a:extLst>
+          </a:blip>
+          <a:stretch>
+            <a:fillRect/>
+          </a:stretch>
+        </p:blipFill>
+        <p:spPr>
+          <a:xfrm>
+            <a:off x="9466729" y="5262949"/>
+            <a:ext cx="2725271" cy="1469817"/>
+          </a:xfrm>
+          <a:prstGeom prst="rect">
+            <a:avLst/>
+          </a:prstGeom>
+        </p:spPr>
+      </p:pic>
+    </p:spTree>
+    <p:extLst>
+      <p:ext uri="{BB962C8B-B14F-4D97-AF65-F5344CB8AC3E}">
+        <p14:creationId xmlns:p14="http://schemas.microsoft.com/office/powerpoint/2010/main" val="2435706526"/>
+      </p:ext>
+    </p:extLst>
+  </p:cSld>
+  <p:clrMapOvr>
+    <a:masterClrMapping/>
+  </p:clrMapOvr>
+</p:sld>
+</file>
+
+<file path=ppt/slides/slide15.xml><?xml version="1.0" encoding="utf-8"?>
+<p:sld xmlns:a="http://schemas.openxmlformats.org/drawingml/2006/main" xmlns:r="http://schemas.openxmlformats.org/officeDocument/2006/relationships" xmlns:p="http://schemas.openxmlformats.org/presentationml/2006/main">
+  <p:cSld>
+    <p:spTree>
+      <p:nvGrpSpPr>
+        <p:cNvPr id="1" name=""/>
+        <p:cNvGrpSpPr/>
+        <p:nvPr/>
+      </p:nvGrpSpPr>
+      <p:grpSpPr>
+        <a:xfrm>
+          <a:off x="0" y="0"/>
+          <a:ext cx="0" cy="0"/>
+          <a:chOff x="0" y="0"/>
+          <a:chExt cx="0" cy="0"/>
+        </a:xfrm>
+      </p:grpSpPr>
+      <p:sp>
+        <p:nvSpPr>
+          <p:cNvPr id="2" name="タイトル 1">
+            <a:extLst>
+              <a:ext uri="{FF2B5EF4-FFF2-40B4-BE49-F238E27FC236}">
+                <a16:creationId xmlns:a16="http://schemas.microsoft.com/office/drawing/2014/main" id="{11FF109B-1A52-4682-9479-0DCAC48B3C35}"/>
+              </a:ext>
+            </a:extLst>
+          </p:cNvPr>
+          <p:cNvSpPr>
+            <a:spLocks noGrp="1"/>
+          </p:cNvSpPr>
+          <p:nvPr>
+            <p:ph type="title"/>
+          </p:nvPr>
+        </p:nvSpPr>
+        <p:spPr>
+          <a:xfrm>
+            <a:off x="0" y="1128408"/>
+            <a:ext cx="3404681" cy="4601183"/>
+          </a:xfrm>
+        </p:spPr>
+        <p:txBody>
+          <a:bodyPr>
+            <a:normAutofit/>
+          </a:bodyPr>
+          <a:lstStyle/>
+          <a:p>
+            <a:r>
+              <a:rPr kumimoji="1" lang="ja-JP" altLang="en-US" sz="3200" dirty="0"/>
+              <a:t>円滑な</a:t>
+            </a:r>
+            <a:br>
+              <a:rPr kumimoji="1" lang="en-US" altLang="ja-JP" sz="3200" dirty="0"/>
+            </a:br>
+            <a:r>
+              <a:rPr kumimoji="1" lang="ja-JP" altLang="en-US" sz="3200" dirty="0"/>
+              <a:t>プロジェクト進行</a:t>
+            </a:r>
+          </a:p>
+        </p:txBody>
+      </p:sp>
+      <p:sp>
+        <p:nvSpPr>
+          <p:cNvPr id="3" name="コンテンツ プレースホルダー 2">
+            <a:extLst>
+              <a:ext uri="{FF2B5EF4-FFF2-40B4-BE49-F238E27FC236}">
+                <a16:creationId xmlns:a16="http://schemas.microsoft.com/office/drawing/2014/main" id="{E23551B5-FD73-4043-9D9D-F069178EC83A}"/>
+              </a:ext>
+            </a:extLst>
+          </p:cNvPr>
+          <p:cNvSpPr>
+            <a:spLocks noGrp="1"/>
+          </p:cNvSpPr>
+          <p:nvPr>
+            <p:ph idx="1"/>
+          </p:nvPr>
+        </p:nvSpPr>
+        <p:spPr>
+          <a:xfrm>
+            <a:off x="3633447" y="648970"/>
+            <a:ext cx="8123893" cy="5120640"/>
+          </a:xfrm>
+        </p:spPr>
+        <p:txBody>
+          <a:bodyPr>
+            <a:normAutofit/>
+          </a:bodyPr>
+          <a:lstStyle/>
+          <a:p>
+            <a:r>
+              <a:rPr kumimoji="1" lang="ja-JP" altLang="en-US" sz="2400" dirty="0"/>
+              <a:t>進捗管理表の運用</a:t>
+            </a:r>
+            <a:endParaRPr kumimoji="1" lang="en-US" altLang="ja-JP" sz="2400" dirty="0"/>
+          </a:p>
+          <a:p>
+            <a:r>
+              <a:rPr kumimoji="1" lang="ja-JP" altLang="en-US" sz="2400" dirty="0"/>
+              <a:t>資料のリアルタイム共有</a:t>
+            </a:r>
+            <a:endParaRPr kumimoji="1" lang="en-US" altLang="ja-JP" sz="2400" dirty="0"/>
+          </a:p>
+          <a:p>
+            <a:pPr marL="0" indent="0">
+              <a:buNone/>
             </a:pPr>
             <a:r>
-              <a:rPr kumimoji="1" lang="en-US" altLang="ja-JP" dirty="0">
-                <a:solidFill>
-                  <a:schemeClr val="accent1">
-                    <a:lumMod val="50000"/>
-                  </a:schemeClr>
-                </a:solidFill>
-              </a:rPr>
-              <a:t>Qbox</a:t>
-            </a:r>
-            <a:r>
-              <a:rPr kumimoji="1" lang="ja-JP" altLang="en-US" dirty="0">
-                <a:solidFill>
-                  <a:schemeClr val="accent1">
-                    <a:lumMod val="50000"/>
-                  </a:schemeClr>
-                </a:solidFill>
-              </a:rPr>
-              <a:t>とは</a:t>
-            </a:r>
-            <a:endParaRPr lang="en-US" altLang="ja-JP" dirty="0">
-              <a:solidFill>
-                <a:schemeClr val="accent1">
-                  <a:lumMod val="50000"/>
-                </a:schemeClr>
-              </a:solidFill>
-            </a:endParaRPr>
-          </a:p>
-          <a:p>
-            <a:pPr marL="960120" lvl="1" indent="-457200">
-              <a:buFont typeface="+mj-lt"/>
-              <a:buAutoNum type="arabicPeriod"/>
+              <a:rPr kumimoji="1" lang="ja-JP" altLang="en-US" sz="2400" dirty="0"/>
+              <a:t>（</a:t>
+            </a:r>
+            <a:r>
+              <a:rPr kumimoji="1" lang="en-US" altLang="ja-JP" sz="2400" dirty="0"/>
+              <a:t>Google Document/Spread Sheet</a:t>
+            </a:r>
+            <a:r>
+              <a:rPr lang="ja-JP" altLang="en-US" sz="2400" dirty="0"/>
+              <a:t>）</a:t>
+            </a:r>
+            <a:endParaRPr kumimoji="1" lang="en-US" altLang="ja-JP" sz="2400" dirty="0"/>
+          </a:p>
+          <a:p>
+            <a:r>
+              <a:rPr kumimoji="1" lang="en-US" altLang="ja-JP" sz="2400" dirty="0"/>
+              <a:t>Slack</a:t>
+            </a:r>
+            <a:r>
+              <a:rPr kumimoji="1" lang="ja-JP" altLang="en-US" sz="2400" dirty="0"/>
+              <a:t>での意見出し</a:t>
+            </a:r>
+            <a:endParaRPr kumimoji="1" lang="en-US" altLang="ja-JP" sz="2400" dirty="0"/>
+          </a:p>
+          <a:p>
+            <a:r>
+              <a:rPr kumimoji="1" lang="ja-JP" altLang="en-US" sz="2400" dirty="0"/>
+              <a:t>議事録共有時の確認スタンプ</a:t>
+            </a:r>
+            <a:endParaRPr kumimoji="1" lang="en-US" altLang="ja-JP" sz="2400" dirty="0"/>
+          </a:p>
+        </p:txBody>
+      </p:sp>
+      <p:pic>
+        <p:nvPicPr>
+          <p:cNvPr id="4" name="図 3" descr="アイコン&#10;&#10;自動的に生成された説明">
+            <a:extLst>
+              <a:ext uri="{FF2B5EF4-FFF2-40B4-BE49-F238E27FC236}">
+                <a16:creationId xmlns:a16="http://schemas.microsoft.com/office/drawing/2014/main" id="{F80B5929-9B90-4E9C-B9E6-44E443331DB5}"/>
+              </a:ext>
+            </a:extLst>
+          </p:cNvPr>
+          <p:cNvPicPr>
+            <a:picLocks noChangeAspect="1"/>
+          </p:cNvPicPr>
+          <p:nvPr/>
+        </p:nvPicPr>
+        <p:blipFill>
+          <a:blip r:embed="rId2">
+            <a:alphaModFix amt="85000"/>
+            <a:extLst>
+              <a:ext uri="{28A0092B-C50C-407E-A947-70E740481C1C}">
+                <a14:useLocalDpi xmlns:a14="http://schemas.microsoft.com/office/drawing/2010/main" val="0"/>
+              </a:ext>
+            </a:extLst>
+          </a:blip>
+          <a:stretch>
+            <a:fillRect/>
+          </a:stretch>
+        </p:blipFill>
+        <p:spPr>
+          <a:xfrm>
+            <a:off x="9466729" y="5262949"/>
+            <a:ext cx="2725271" cy="1469817"/>
+          </a:xfrm>
+          <a:prstGeom prst="rect">
+            <a:avLst/>
+          </a:prstGeom>
+        </p:spPr>
+      </p:pic>
+      <p:pic>
+        <p:nvPicPr>
+          <p:cNvPr id="5" name="図 4" descr="グラフィカル ユーザー インターフェイス, アプリケーション, テーブル, Excel&#10;&#10;自動的に生成された説明">
+            <a:extLst>
+              <a:ext uri="{FF2B5EF4-FFF2-40B4-BE49-F238E27FC236}">
+                <a16:creationId xmlns:a16="http://schemas.microsoft.com/office/drawing/2014/main" id="{0398A9CA-260D-4F2B-9D1B-6D35619520AA}"/>
+              </a:ext>
+            </a:extLst>
+          </p:cNvPr>
+          <p:cNvPicPr>
+            <a:picLocks noChangeAspect="1"/>
+          </p:cNvPicPr>
+          <p:nvPr/>
+        </p:nvPicPr>
+        <p:blipFill>
+          <a:blip r:embed="rId3">
+            <a:extLst>
+              <a:ext uri="{28A0092B-C50C-407E-A947-70E740481C1C}">
+                <a14:useLocalDpi xmlns:a14="http://schemas.microsoft.com/office/drawing/2010/main" val="0"/>
+              </a:ext>
+            </a:extLst>
+          </a:blip>
+          <a:stretch>
+            <a:fillRect/>
+          </a:stretch>
+        </p:blipFill>
+        <p:spPr>
+          <a:xfrm>
+            <a:off x="7645473" y="0"/>
+            <a:ext cx="4141015" cy="2607306"/>
+          </a:xfrm>
+          <a:prstGeom prst="rect">
+            <a:avLst/>
+          </a:prstGeom>
+        </p:spPr>
+      </p:pic>
+      <p:pic>
+        <p:nvPicPr>
+          <p:cNvPr id="6" name="コンテンツ プレースホルダー 5" descr="テキスト&#10;&#10;中程度の精度で自動的に生成された説明">
+            <a:extLst>
+              <a:ext uri="{FF2B5EF4-FFF2-40B4-BE49-F238E27FC236}">
+                <a16:creationId xmlns:a16="http://schemas.microsoft.com/office/drawing/2014/main" id="{45B336BA-6EA5-4C48-958E-0C0D5B9B7E1D}"/>
+              </a:ext>
+            </a:extLst>
+          </p:cNvPr>
+          <p:cNvPicPr>
+            <a:picLocks noChangeAspect="1"/>
+          </p:cNvPicPr>
+          <p:nvPr/>
+        </p:nvPicPr>
+        <p:blipFill>
+          <a:blip r:embed="rId4">
+            <a:extLst>
+              <a:ext uri="{28A0092B-C50C-407E-A947-70E740481C1C}">
+                <a14:useLocalDpi xmlns:a14="http://schemas.microsoft.com/office/drawing/2010/main" val="0"/>
+              </a:ext>
+            </a:extLst>
+          </a:blip>
+          <a:stretch>
+            <a:fillRect/>
+          </a:stretch>
+        </p:blipFill>
+        <p:spPr>
+          <a:xfrm>
+            <a:off x="8599507" y="3090903"/>
+            <a:ext cx="3409939" cy="2906954"/>
+          </a:xfrm>
+          <a:prstGeom prst="rect">
+            <a:avLst/>
+          </a:prstGeom>
+        </p:spPr>
+      </p:pic>
+      <p:pic>
+        <p:nvPicPr>
+          <p:cNvPr id="7" name="図 6" descr="グラフィカル ユーザー インターフェイス, テキスト, アプリケーション&#10;&#10;自動的に生成された説明">
+            <a:extLst>
+              <a:ext uri="{FF2B5EF4-FFF2-40B4-BE49-F238E27FC236}">
+                <a16:creationId xmlns:a16="http://schemas.microsoft.com/office/drawing/2014/main" id="{E5C8736F-41D5-4D15-B7B7-A52652325AB9}"/>
+              </a:ext>
+            </a:extLst>
+          </p:cNvPr>
+          <p:cNvPicPr>
+            <a:picLocks noChangeAspect="1"/>
+          </p:cNvPicPr>
+          <p:nvPr/>
+        </p:nvPicPr>
+        <p:blipFill>
+          <a:blip r:embed="rId5">
+            <a:extLst>
+              <a:ext uri="{28A0092B-C50C-407E-A947-70E740481C1C}">
+                <a14:useLocalDpi xmlns:a14="http://schemas.microsoft.com/office/drawing/2010/main" val="0"/>
+              </a:ext>
+            </a:extLst>
+          </a:blip>
+          <a:stretch>
+            <a:fillRect/>
+          </a:stretch>
+        </p:blipFill>
+        <p:spPr>
+          <a:xfrm>
+            <a:off x="2323957" y="4519011"/>
+            <a:ext cx="4472774" cy="2213755"/>
+          </a:xfrm>
+          <a:prstGeom prst="rect">
+            <a:avLst/>
+          </a:prstGeom>
+        </p:spPr>
+      </p:pic>
+      <p:cxnSp>
+        <p:nvCxnSpPr>
+          <p:cNvPr id="9" name="直線矢印コネクタ 8">
+            <a:extLst>
+              <a:ext uri="{FF2B5EF4-FFF2-40B4-BE49-F238E27FC236}">
+                <a16:creationId xmlns:a16="http://schemas.microsoft.com/office/drawing/2014/main" id="{19E871DA-7B34-4E2B-B753-B66D055760C1}"/>
+              </a:ext>
+            </a:extLst>
+          </p:cNvPr>
+          <p:cNvCxnSpPr/>
+          <p:nvPr/>
+        </p:nvCxnSpPr>
+        <p:spPr>
+          <a:xfrm flipV="1">
+            <a:off x="5995851" y="1128408"/>
+            <a:ext cx="1384663" cy="817958"/>
+          </a:xfrm>
+          <a:prstGeom prst="straightConnector1">
+            <a:avLst/>
+          </a:prstGeom>
+          <a:ln w="38100">
+            <a:solidFill>
+              <a:schemeClr val="tx1">
+                <a:lumMod val="50000"/>
+                <a:lumOff val="50000"/>
+              </a:schemeClr>
+            </a:solidFill>
+            <a:tailEnd type="triangle"/>
+          </a:ln>
+        </p:spPr>
+        <p:style>
+          <a:lnRef idx="1">
+            <a:schemeClr val="dk1"/>
+          </a:lnRef>
+          <a:fillRef idx="0">
+            <a:schemeClr val="dk1"/>
+          </a:fillRef>
+          <a:effectRef idx="0">
+            <a:schemeClr val="dk1"/>
+          </a:effectRef>
+          <a:fontRef idx="minor">
+            <a:schemeClr val="tx1"/>
+          </a:fontRef>
+        </p:style>
+      </p:cxnSp>
+      <p:cxnSp>
+        <p:nvCxnSpPr>
+          <p:cNvPr id="10" name="直線矢印コネクタ 9">
+            <a:extLst>
+              <a:ext uri="{FF2B5EF4-FFF2-40B4-BE49-F238E27FC236}">
+                <a16:creationId xmlns:a16="http://schemas.microsoft.com/office/drawing/2014/main" id="{65C734AF-81A4-414B-B988-41BF1BC87EF6}"/>
+              </a:ext>
+            </a:extLst>
+          </p:cNvPr>
+          <p:cNvCxnSpPr>
+            <a:cxnSpLocks/>
+          </p:cNvCxnSpPr>
+          <p:nvPr/>
+        </p:nvCxnSpPr>
+        <p:spPr>
+          <a:xfrm>
+            <a:off x="6503191" y="3659591"/>
+            <a:ext cx="1935415" cy="0"/>
+          </a:xfrm>
+          <a:prstGeom prst="straightConnector1">
+            <a:avLst/>
+          </a:prstGeom>
+          <a:ln w="38100">
+            <a:solidFill>
+              <a:schemeClr val="tx1">
+                <a:lumMod val="50000"/>
+                <a:lumOff val="50000"/>
+              </a:schemeClr>
+            </a:solidFill>
+            <a:tailEnd type="triangle"/>
+          </a:ln>
+        </p:spPr>
+        <p:style>
+          <a:lnRef idx="1">
+            <a:schemeClr val="dk1"/>
+          </a:lnRef>
+          <a:fillRef idx="0">
+            <a:schemeClr val="dk1"/>
+          </a:fillRef>
+          <a:effectRef idx="0">
+            <a:schemeClr val="dk1"/>
+          </a:effectRef>
+          <a:fontRef idx="minor">
+            <a:schemeClr val="tx1"/>
+          </a:fontRef>
+        </p:style>
+      </p:cxnSp>
+      <p:cxnSp>
+        <p:nvCxnSpPr>
+          <p:cNvPr id="15" name="コネクタ: カギ線 14">
+            <a:extLst>
+              <a:ext uri="{FF2B5EF4-FFF2-40B4-BE49-F238E27FC236}">
+                <a16:creationId xmlns:a16="http://schemas.microsoft.com/office/drawing/2014/main" id="{F8DE4720-DB22-417E-BFF1-75ED5EF33566}"/>
+              </a:ext>
+            </a:extLst>
+          </p:cNvPr>
+          <p:cNvCxnSpPr/>
+          <p:nvPr/>
+        </p:nvCxnSpPr>
+        <p:spPr>
+          <a:xfrm rot="5400000">
+            <a:off x="6814045" y="4846294"/>
+            <a:ext cx="1133343" cy="529514"/>
+          </a:xfrm>
+          <a:prstGeom prst="bentConnector3">
+            <a:avLst>
+              <a:gd name="adj1" fmla="val 99562"/>
+            </a:avLst>
+          </a:prstGeom>
+          <a:ln w="38100">
+            <a:solidFill>
+              <a:schemeClr val="tx1">
+                <a:lumMod val="50000"/>
+                <a:lumOff val="50000"/>
+              </a:schemeClr>
+            </a:solidFill>
+            <a:tailEnd type="triangle"/>
+          </a:ln>
+        </p:spPr>
+        <p:style>
+          <a:lnRef idx="1">
+            <a:schemeClr val="dk1"/>
+          </a:lnRef>
+          <a:fillRef idx="0">
+            <a:schemeClr val="dk1"/>
+          </a:fillRef>
+          <a:effectRef idx="0">
+            <a:schemeClr val="dk1"/>
+          </a:effectRef>
+          <a:fontRef idx="minor">
+            <a:schemeClr val="tx1"/>
+          </a:fontRef>
+        </p:style>
+      </p:cxnSp>
+    </p:spTree>
+    <p:extLst>
+      <p:ext uri="{BB962C8B-B14F-4D97-AF65-F5344CB8AC3E}">
+        <p14:creationId xmlns:p14="http://schemas.microsoft.com/office/powerpoint/2010/main" val="206966416"/>
+      </p:ext>
+    </p:extLst>
+  </p:cSld>
+  <p:clrMapOvr>
+    <a:masterClrMapping/>
+  </p:clrMapOvr>
+</p:sld>
+</file>
+
+<file path=ppt/slides/slide16.xml><?xml version="1.0" encoding="utf-8"?>
+<p:sld xmlns:a="http://schemas.openxmlformats.org/drawingml/2006/main" xmlns:r="http://schemas.openxmlformats.org/officeDocument/2006/relationships" xmlns:p="http://schemas.openxmlformats.org/presentationml/2006/main">
+  <p:cSld>
+    <p:spTree>
+      <p:nvGrpSpPr>
+        <p:cNvPr id="1" name=""/>
+        <p:cNvGrpSpPr/>
+        <p:nvPr/>
+      </p:nvGrpSpPr>
+      <p:grpSpPr>
+        <a:xfrm>
+          <a:off x="0" y="0"/>
+          <a:ext cx="0" cy="0"/>
+          <a:chOff x="0" y="0"/>
+          <a:chExt cx="0" cy="0"/>
+        </a:xfrm>
+      </p:grpSpPr>
+      <p:sp>
+        <p:nvSpPr>
+          <p:cNvPr id="2" name="タイトル 1">
+            <a:extLst>
+              <a:ext uri="{FF2B5EF4-FFF2-40B4-BE49-F238E27FC236}">
+                <a16:creationId xmlns:a16="http://schemas.microsoft.com/office/drawing/2014/main" id="{11FF109B-1A52-4682-9479-0DCAC48B3C35}"/>
+              </a:ext>
+            </a:extLst>
+          </p:cNvPr>
+          <p:cNvSpPr>
+            <a:spLocks noGrp="1"/>
+          </p:cNvSpPr>
+          <p:nvPr>
+            <p:ph type="title"/>
+          </p:nvPr>
+        </p:nvSpPr>
+        <p:spPr>
+          <a:xfrm>
+            <a:off x="0" y="1128408"/>
+            <a:ext cx="3404681" cy="4601183"/>
+          </a:xfrm>
+        </p:spPr>
+        <p:txBody>
+          <a:bodyPr>
+            <a:normAutofit/>
+          </a:bodyPr>
+          <a:lstStyle/>
+          <a:p>
+            <a:r>
+              <a:rPr kumimoji="1" lang="ja-JP" altLang="en-US" sz="3200" dirty="0"/>
+              <a:t>円滑な</a:t>
+            </a:r>
+            <a:br>
+              <a:rPr kumimoji="1" lang="en-US" altLang="ja-JP" sz="3200" dirty="0"/>
+            </a:br>
+            <a:r>
+              <a:rPr kumimoji="1" lang="ja-JP" altLang="en-US" sz="3200" dirty="0"/>
+              <a:t>プロジェクト進行</a:t>
+            </a:r>
+          </a:p>
+        </p:txBody>
+      </p:sp>
+      <p:sp>
+        <p:nvSpPr>
+          <p:cNvPr id="3" name="コンテンツ プレースホルダー 2">
+            <a:extLst>
+              <a:ext uri="{FF2B5EF4-FFF2-40B4-BE49-F238E27FC236}">
+                <a16:creationId xmlns:a16="http://schemas.microsoft.com/office/drawing/2014/main" id="{E23551B5-FD73-4043-9D9D-F069178EC83A}"/>
+              </a:ext>
+            </a:extLst>
+          </p:cNvPr>
+          <p:cNvSpPr>
+            <a:spLocks noGrp="1"/>
+          </p:cNvSpPr>
+          <p:nvPr>
+            <p:ph idx="1"/>
+          </p:nvPr>
+        </p:nvSpPr>
+        <p:spPr>
+          <a:xfrm>
+            <a:off x="3633447" y="846088"/>
+            <a:ext cx="8123893" cy="5120640"/>
+          </a:xfrm>
+        </p:spPr>
+        <p:txBody>
+          <a:bodyPr>
+            <a:normAutofit/>
+          </a:bodyPr>
+          <a:lstStyle/>
+          <a:p>
+            <a:r>
+              <a:rPr kumimoji="1" lang="ja-JP" altLang="en-US" sz="2800" dirty="0"/>
+              <a:t>進捗管理表の運用</a:t>
+            </a:r>
+            <a:endParaRPr kumimoji="1" lang="en-US" altLang="ja-JP" sz="2800" dirty="0"/>
+          </a:p>
+          <a:p>
+            <a:r>
+              <a:rPr kumimoji="1" lang="ja-JP" altLang="en-US" sz="2800" dirty="0"/>
+              <a:t>資料のリアルタイム共有</a:t>
+            </a:r>
+            <a:endParaRPr kumimoji="1" lang="en-US" altLang="ja-JP" sz="2800" dirty="0"/>
+          </a:p>
+          <a:p>
+            <a:pPr marL="0" indent="0">
+              <a:buNone/>
             </a:pPr>
             <a:r>
-              <a:rPr kumimoji="1" lang="ja-JP" altLang="en-US" dirty="0">
-                <a:solidFill>
-                  <a:schemeClr val="accent1">
-                    <a:lumMod val="50000"/>
-                  </a:schemeClr>
-                </a:solidFill>
-              </a:rPr>
-              <a:t>システムのコンセプト</a:t>
-            </a:r>
-            <a:endParaRPr kumimoji="1" lang="en-US" altLang="ja-JP" dirty="0">
-              <a:solidFill>
-                <a:schemeClr val="accent1">
-                  <a:lumMod val="50000"/>
-                </a:schemeClr>
-              </a:solidFill>
-            </a:endParaRPr>
-          </a:p>
-          <a:p>
-            <a:pPr marL="960120" lvl="1" indent="-457200">
-              <a:buFont typeface="+mj-lt"/>
-              <a:buAutoNum type="arabicPeriod"/>
-            </a:pPr>
-            <a:r>
-              <a:rPr lang="ja-JP" altLang="en-US" dirty="0">
-                <a:solidFill>
-                  <a:schemeClr val="accent1">
-                    <a:lumMod val="50000"/>
-                  </a:schemeClr>
-                </a:solidFill>
-              </a:rPr>
-              <a:t>デザイン面での工夫点</a:t>
-            </a:r>
-            <a:endParaRPr lang="en-US" altLang="ja-JP" dirty="0">
-              <a:solidFill>
-                <a:schemeClr val="accent1">
-                  <a:lumMod val="50000"/>
-                </a:schemeClr>
-              </a:solidFill>
-            </a:endParaRPr>
-          </a:p>
-          <a:p>
-            <a:pPr marL="960120" lvl="1" indent="-457200">
-              <a:buFont typeface="+mj-lt"/>
-              <a:buAutoNum type="arabicPeriod"/>
-            </a:pPr>
-            <a:r>
-              <a:rPr kumimoji="1" lang="ja-JP" altLang="en-US" dirty="0">
-                <a:solidFill>
-                  <a:schemeClr val="accent1">
-                    <a:lumMod val="50000"/>
-                  </a:schemeClr>
-                </a:solidFill>
-              </a:rPr>
-              <a:t>機能面での工夫点・</a:t>
-            </a:r>
-            <a:r>
-              <a:rPr lang="ja-JP" altLang="en-US" dirty="0">
-                <a:solidFill>
-                  <a:schemeClr val="accent1">
-                    <a:lumMod val="50000"/>
-                  </a:schemeClr>
-                </a:solidFill>
-              </a:rPr>
-              <a:t>デモンストレーション</a:t>
-            </a:r>
-            <a:endParaRPr lang="en-US" altLang="ja-JP" dirty="0">
-              <a:solidFill>
-                <a:schemeClr val="accent1">
-                  <a:lumMod val="50000"/>
-                </a:schemeClr>
-              </a:solidFill>
-            </a:endParaRPr>
-          </a:p>
-          <a:p>
-            <a:pPr marL="960120" lvl="1" indent="-457200">
-              <a:buFont typeface="+mj-lt"/>
-              <a:buAutoNum type="arabicPeriod"/>
-            </a:pPr>
-            <a:r>
-              <a:rPr kumimoji="1" lang="ja-JP" altLang="en-US" dirty="0">
-                <a:solidFill>
-                  <a:schemeClr val="accent1">
-                    <a:lumMod val="50000"/>
-                  </a:schemeClr>
-                </a:solidFill>
-              </a:rPr>
-              <a:t>想定ユーザにとってのメリット</a:t>
-            </a:r>
-            <a:endParaRPr kumimoji="1" lang="en-US" altLang="ja-JP" dirty="0">
-              <a:solidFill>
-                <a:schemeClr val="accent1">
-                  <a:lumMod val="50000"/>
-                </a:schemeClr>
-              </a:solidFill>
-            </a:endParaRPr>
-          </a:p>
-          <a:p>
-            <a:pPr marL="960120" lvl="1" indent="-457200">
-              <a:buFont typeface="+mj-lt"/>
-              <a:buAutoNum type="arabicPeriod"/>
-            </a:pPr>
-            <a:endParaRPr kumimoji="1" lang="en-US" altLang="ja-JP" dirty="0">
-              <a:solidFill>
-                <a:schemeClr val="accent1">
-                  <a:lumMod val="50000"/>
-                </a:schemeClr>
-              </a:solidFill>
-            </a:endParaRPr>
-          </a:p>
-          <a:p>
-            <a:pPr marL="457200" indent="-457200">
-              <a:buFont typeface="+mj-lt"/>
-              <a:buAutoNum type="arabicPeriod"/>
-            </a:pPr>
-            <a:r>
-              <a:rPr lang="ja-JP" altLang="en-US" dirty="0">
-                <a:solidFill>
-                  <a:schemeClr val="accent1">
-                    <a:lumMod val="50000"/>
-                  </a:schemeClr>
-                </a:solidFill>
-              </a:rPr>
-              <a:t>研修の成果</a:t>
-            </a:r>
-            <a:endParaRPr lang="en-US" altLang="ja-JP" dirty="0">
-              <a:solidFill>
-                <a:schemeClr val="accent1">
-                  <a:lumMod val="50000"/>
-                </a:schemeClr>
-              </a:solidFill>
-            </a:endParaRPr>
-          </a:p>
-          <a:p>
-            <a:pPr marL="960120" lvl="1" indent="-457200">
-              <a:buFont typeface="+mj-lt"/>
-              <a:buAutoNum type="arabicPeriod"/>
-            </a:pPr>
-            <a:r>
-              <a:rPr kumimoji="1" lang="ja-JP" altLang="en-US" dirty="0">
-                <a:solidFill>
-                  <a:schemeClr val="accent1">
-                    <a:lumMod val="50000"/>
-                  </a:schemeClr>
-                </a:solidFill>
-              </a:rPr>
-              <a:t>チーム目標とその評価</a:t>
-            </a:r>
-            <a:endParaRPr kumimoji="1" lang="en-US" altLang="ja-JP" dirty="0">
-              <a:solidFill>
-                <a:schemeClr val="accent1">
-                  <a:lumMod val="50000"/>
-                </a:schemeClr>
-              </a:solidFill>
-            </a:endParaRPr>
-          </a:p>
-          <a:p>
-            <a:pPr marL="960120" lvl="1" indent="-457200">
-              <a:buFont typeface="+mj-lt"/>
-              <a:buAutoNum type="arabicPeriod"/>
-            </a:pPr>
-            <a:r>
-              <a:rPr lang="ja-JP" altLang="en-US" dirty="0">
-                <a:solidFill>
-                  <a:schemeClr val="accent1">
-                    <a:lumMod val="50000"/>
-                  </a:schemeClr>
-                </a:solidFill>
-              </a:rPr>
-              <a:t>円滑なコミュニケーションのために行った工夫</a:t>
-            </a:r>
-            <a:endParaRPr kumimoji="1" lang="en-US" altLang="ja-JP" dirty="0">
-              <a:solidFill>
-                <a:schemeClr val="accent1">
-                  <a:lumMod val="50000"/>
-                </a:schemeClr>
-              </a:solidFill>
-            </a:endParaRPr>
-          </a:p>
-          <a:p>
-            <a:pPr marL="960120" lvl="1" indent="-457200">
-              <a:buFont typeface="+mj-lt"/>
-              <a:buAutoNum type="arabicPeriod"/>
-            </a:pPr>
-            <a:r>
-              <a:rPr lang="ja-JP" altLang="en-US" dirty="0">
-                <a:solidFill>
-                  <a:schemeClr val="accent1">
-                    <a:lumMod val="50000"/>
-                  </a:schemeClr>
-                </a:solidFill>
-              </a:rPr>
-              <a:t>個人としての成長・課題</a:t>
-            </a:r>
-            <a:endParaRPr lang="en-US" altLang="ja-JP" dirty="0">
-              <a:solidFill>
-                <a:schemeClr val="accent1">
-                  <a:lumMod val="50000"/>
-                </a:schemeClr>
-              </a:solidFill>
-            </a:endParaRPr>
-          </a:p>
-          <a:p>
-            <a:pPr marL="960120" lvl="1" indent="-457200">
-              <a:buFont typeface="+mj-lt"/>
-              <a:buAutoNum type="arabicPeriod"/>
-            </a:pPr>
-            <a:endParaRPr kumimoji="1" lang="ja-JP" altLang="en-US" dirty="0">
-              <a:solidFill>
-                <a:schemeClr val="accent1">
-                  <a:lumMod val="50000"/>
-                </a:schemeClr>
-              </a:solidFill>
-            </a:endParaRPr>
+              <a:rPr kumimoji="1" lang="ja-JP" altLang="en-US" sz="2800" dirty="0"/>
+              <a:t>（</a:t>
+            </a:r>
+            <a:r>
+              <a:rPr kumimoji="1" lang="en-US" altLang="ja-JP" sz="2800" dirty="0"/>
+              <a:t>Google Document/Spread Sheet</a:t>
+            </a:r>
+            <a:r>
+              <a:rPr lang="ja-JP" altLang="en-US" sz="2800" dirty="0"/>
+              <a:t>）</a:t>
+            </a:r>
+            <a:endParaRPr kumimoji="1" lang="en-US" altLang="ja-JP" sz="2800" dirty="0"/>
+          </a:p>
+          <a:p>
+            <a:r>
+              <a:rPr kumimoji="1" lang="en-US" altLang="ja-JP" sz="2800" dirty="0"/>
+              <a:t>Slack</a:t>
+            </a:r>
+            <a:r>
+              <a:rPr kumimoji="1" lang="ja-JP" altLang="en-US" sz="2800" dirty="0"/>
+              <a:t>での意見出し</a:t>
+            </a:r>
+            <a:endParaRPr kumimoji="1" lang="en-US" altLang="ja-JP" sz="2800" dirty="0"/>
+          </a:p>
+          <a:p>
+            <a:r>
+              <a:rPr kumimoji="1" lang="ja-JP" altLang="en-US" sz="2800" dirty="0"/>
+              <a:t>議事録共有時の確認スタンプ</a:t>
+            </a:r>
+            <a:endParaRPr kumimoji="1" lang="en-US" altLang="ja-JP" sz="2800" dirty="0"/>
           </a:p>
         </p:txBody>
       </p:sp>
@@ -5905,7 +8201,2892 @@
     </p:spTree>
     <p:extLst>
       <p:ext uri="{BB962C8B-B14F-4D97-AF65-F5344CB8AC3E}">
-        <p14:creationId xmlns:p14="http://schemas.microsoft.com/office/powerpoint/2010/main" val="315708742"/>
+        <p14:creationId xmlns:p14="http://schemas.microsoft.com/office/powerpoint/2010/main" val="2694052963"/>
+      </p:ext>
+    </p:extLst>
+  </p:cSld>
+  <p:clrMapOvr>
+    <a:masterClrMapping/>
+  </p:clrMapOvr>
+</p:sld>
+</file>
+
+<file path=ppt/slides/slide17.xml><?xml version="1.0" encoding="utf-8"?>
+<p:sld xmlns:a="http://schemas.openxmlformats.org/drawingml/2006/main" xmlns:r="http://schemas.openxmlformats.org/officeDocument/2006/relationships" xmlns:p="http://schemas.openxmlformats.org/presentationml/2006/main">
+  <p:cSld>
+    <p:spTree>
+      <p:nvGrpSpPr>
+        <p:cNvPr id="1" name=""/>
+        <p:cNvGrpSpPr/>
+        <p:nvPr/>
+      </p:nvGrpSpPr>
+      <p:grpSpPr>
+        <a:xfrm>
+          <a:off x="0" y="0"/>
+          <a:ext cx="0" cy="0"/>
+          <a:chOff x="0" y="0"/>
+          <a:chExt cx="0" cy="0"/>
+        </a:xfrm>
+      </p:grpSpPr>
+      <p:sp>
+        <p:nvSpPr>
+          <p:cNvPr id="2" name="タイトル 1">
+            <a:extLst>
+              <a:ext uri="{FF2B5EF4-FFF2-40B4-BE49-F238E27FC236}">
+                <a16:creationId xmlns:a16="http://schemas.microsoft.com/office/drawing/2014/main" id="{11FF109B-1A52-4682-9479-0DCAC48B3C35}"/>
+              </a:ext>
+            </a:extLst>
+          </p:cNvPr>
+          <p:cNvSpPr>
+            <a:spLocks noGrp="1"/>
+          </p:cNvSpPr>
+          <p:nvPr>
+            <p:ph type="title"/>
+          </p:nvPr>
+        </p:nvSpPr>
+        <p:spPr>
+          <a:xfrm>
+            <a:off x="140623" y="1123836"/>
+            <a:ext cx="3616349" cy="4601183"/>
+          </a:xfrm>
+        </p:spPr>
+        <p:txBody>
+          <a:bodyPr/>
+          <a:lstStyle/>
+          <a:p>
+            <a:r>
+              <a:rPr kumimoji="1" lang="ja-JP" altLang="en-US" dirty="0"/>
+              <a:t>チームリーダー</a:t>
+            </a:r>
+            <a:br>
+              <a:rPr kumimoji="1" lang="en-US" altLang="ja-JP" dirty="0"/>
+            </a:br>
+            <a:r>
+              <a:rPr kumimoji="1" lang="ja-JP" altLang="en-US" dirty="0"/>
+              <a:t>藤原夢乃</a:t>
+            </a:r>
+          </a:p>
+        </p:txBody>
+      </p:sp>
+      <p:pic>
+        <p:nvPicPr>
+          <p:cNvPr id="4" name="図 3" descr="アイコン&#10;&#10;自動的に生成された説明">
+            <a:extLst>
+              <a:ext uri="{FF2B5EF4-FFF2-40B4-BE49-F238E27FC236}">
+                <a16:creationId xmlns:a16="http://schemas.microsoft.com/office/drawing/2014/main" id="{F80B5929-9B90-4E9C-B9E6-44E443331DB5}"/>
+              </a:ext>
+            </a:extLst>
+          </p:cNvPr>
+          <p:cNvPicPr>
+            <a:picLocks noChangeAspect="1"/>
+          </p:cNvPicPr>
+          <p:nvPr/>
+        </p:nvPicPr>
+        <p:blipFill>
+          <a:blip r:embed="rId3">
+            <a:alphaModFix amt="85000"/>
+            <a:extLst>
+              <a:ext uri="{28A0092B-C50C-407E-A947-70E740481C1C}">
+                <a14:useLocalDpi xmlns:a14="http://schemas.microsoft.com/office/drawing/2010/main" val="0"/>
+              </a:ext>
+            </a:extLst>
+          </a:blip>
+          <a:stretch>
+            <a:fillRect/>
+          </a:stretch>
+        </p:blipFill>
+        <p:spPr>
+          <a:xfrm>
+            <a:off x="9466729" y="5262949"/>
+            <a:ext cx="2725271" cy="1469817"/>
+          </a:xfrm>
+          <a:prstGeom prst="rect">
+            <a:avLst/>
+          </a:prstGeom>
+        </p:spPr>
+      </p:pic>
+      <p:sp>
+        <p:nvSpPr>
+          <p:cNvPr id="5" name="四角形: 角を丸くする 4">
+            <a:extLst>
+              <a:ext uri="{FF2B5EF4-FFF2-40B4-BE49-F238E27FC236}">
+                <a16:creationId xmlns:a16="http://schemas.microsoft.com/office/drawing/2014/main" id="{993C999E-4E02-40C7-B496-56CB1A9A3A37}"/>
+              </a:ext>
+            </a:extLst>
+          </p:cNvPr>
+          <p:cNvSpPr/>
+          <p:nvPr/>
+        </p:nvSpPr>
+        <p:spPr>
+          <a:xfrm>
+            <a:off x="3756972" y="360137"/>
+            <a:ext cx="7552712" cy="1844842"/>
+          </a:xfrm>
+          <a:prstGeom prst="roundRect">
+            <a:avLst/>
+          </a:prstGeom>
+          <a:noFill/>
+          <a:ln w="28575"/>
+        </p:spPr>
+        <p:style>
+          <a:lnRef idx="2">
+            <a:schemeClr val="accent1">
+              <a:shade val="50000"/>
+            </a:schemeClr>
+          </a:lnRef>
+          <a:fillRef idx="1">
+            <a:schemeClr val="accent1"/>
+          </a:fillRef>
+          <a:effectRef idx="0">
+            <a:schemeClr val="accent1"/>
+          </a:effectRef>
+          <a:fontRef idx="minor">
+            <a:schemeClr val="lt1"/>
+          </a:fontRef>
+        </p:style>
+        <p:txBody>
+          <a:bodyPr rtlCol="0" anchor="t"/>
+          <a:lstStyle/>
+          <a:p>
+            <a:r>
+              <a:rPr lang="ja-JP" altLang="en-US" b="0" i="0" dirty="0">
+                <a:solidFill>
+                  <a:schemeClr val="tx1">
+                    <a:lumMod val="65000"/>
+                    <a:lumOff val="35000"/>
+                  </a:schemeClr>
+                </a:solidFill>
+                <a:effectLst/>
+                <a:latin typeface="Slack-Lato"/>
+              </a:rPr>
+              <a:t>★この研修を通して自分が成長したと思う点</a:t>
+            </a:r>
+            <a:endParaRPr lang="en-US" altLang="ja-JP" b="0" i="0" dirty="0">
+              <a:solidFill>
+                <a:schemeClr val="tx1">
+                  <a:lumMod val="65000"/>
+                  <a:lumOff val="35000"/>
+                </a:schemeClr>
+              </a:solidFill>
+              <a:effectLst/>
+              <a:latin typeface="Slack-Lato"/>
+            </a:endParaRPr>
+          </a:p>
+          <a:p>
+            <a:endParaRPr kumimoji="1" lang="en-US" altLang="ja-JP" dirty="0">
+              <a:solidFill>
+                <a:schemeClr val="tx1">
+                  <a:lumMod val="65000"/>
+                  <a:lumOff val="35000"/>
+                </a:schemeClr>
+              </a:solidFill>
+              <a:latin typeface="Slack-Lato"/>
+            </a:endParaRPr>
+          </a:p>
+          <a:p>
+            <a:r>
+              <a:rPr lang="ja-JP" altLang="en-US" sz="2400" b="0" i="0" dirty="0">
+                <a:solidFill>
+                  <a:schemeClr val="tx1">
+                    <a:lumMod val="65000"/>
+                    <a:lumOff val="35000"/>
+                  </a:schemeClr>
+                </a:solidFill>
+                <a:effectLst/>
+                <a:latin typeface="Slack-Lato"/>
+              </a:rPr>
+              <a:t>コミュニケーションの取り方を学び、議論の進め方や意見の出し方・まとめ方を知ることができた点</a:t>
+            </a:r>
+            <a:r>
+              <a:rPr kumimoji="1" lang="ja-JP" altLang="en-US" sz="2400" b="0" i="0" dirty="0">
+                <a:solidFill>
+                  <a:schemeClr val="tx1">
+                    <a:lumMod val="65000"/>
+                    <a:lumOff val="35000"/>
+                  </a:schemeClr>
+                </a:solidFill>
+                <a:effectLst/>
+                <a:latin typeface="Slack-Lato"/>
+              </a:rPr>
+              <a:t>。</a:t>
+            </a:r>
+            <a:endParaRPr kumimoji="1" lang="ja-JP" altLang="en-US" sz="2400" dirty="0">
+              <a:solidFill>
+                <a:schemeClr val="tx1">
+                  <a:lumMod val="65000"/>
+                  <a:lumOff val="35000"/>
+                </a:schemeClr>
+              </a:solidFill>
+            </a:endParaRPr>
+          </a:p>
+        </p:txBody>
+      </p:sp>
+      <p:sp>
+        <p:nvSpPr>
+          <p:cNvPr id="8" name="四角形: 角を丸くする 7">
+            <a:extLst>
+              <a:ext uri="{FF2B5EF4-FFF2-40B4-BE49-F238E27FC236}">
+                <a16:creationId xmlns:a16="http://schemas.microsoft.com/office/drawing/2014/main" id="{C0545E71-C7E6-48DD-8A18-0299305E415B}"/>
+              </a:ext>
+            </a:extLst>
+          </p:cNvPr>
+          <p:cNvSpPr/>
+          <p:nvPr/>
+        </p:nvSpPr>
+        <p:spPr>
+          <a:xfrm>
+            <a:off x="3756972" y="2341585"/>
+            <a:ext cx="7552712" cy="1844842"/>
+          </a:xfrm>
+          <a:prstGeom prst="roundRect">
+            <a:avLst/>
+          </a:prstGeom>
+          <a:noFill/>
+          <a:ln w="28575"/>
+        </p:spPr>
+        <p:style>
+          <a:lnRef idx="2">
+            <a:schemeClr val="accent1">
+              <a:shade val="50000"/>
+            </a:schemeClr>
+          </a:lnRef>
+          <a:fillRef idx="1">
+            <a:schemeClr val="accent1"/>
+          </a:fillRef>
+          <a:effectRef idx="0">
+            <a:schemeClr val="accent1"/>
+          </a:effectRef>
+          <a:fontRef idx="minor">
+            <a:schemeClr val="lt1"/>
+          </a:fontRef>
+        </p:style>
+        <p:txBody>
+          <a:bodyPr rtlCol="0" anchor="t"/>
+          <a:lstStyle/>
+          <a:p>
+            <a:r>
+              <a:rPr lang="ja-JP" altLang="en-US" b="0" i="0" dirty="0">
+                <a:solidFill>
+                  <a:schemeClr val="tx1">
+                    <a:lumMod val="65000"/>
+                    <a:lumOff val="35000"/>
+                  </a:schemeClr>
+                </a:solidFill>
+                <a:effectLst/>
+                <a:latin typeface="Slack-Lato"/>
+              </a:rPr>
+              <a:t>★チームのために主体的に行動したこと</a:t>
+            </a:r>
+            <a:endParaRPr lang="en-US" altLang="ja-JP" b="0" i="0" dirty="0">
+              <a:solidFill>
+                <a:schemeClr val="tx1">
+                  <a:lumMod val="65000"/>
+                  <a:lumOff val="35000"/>
+                </a:schemeClr>
+              </a:solidFill>
+              <a:effectLst/>
+              <a:latin typeface="Slack-Lato"/>
+            </a:endParaRPr>
+          </a:p>
+          <a:p>
+            <a:endParaRPr kumimoji="1" lang="en-US" altLang="ja-JP" dirty="0">
+              <a:solidFill>
+                <a:schemeClr val="tx1">
+                  <a:lumMod val="65000"/>
+                  <a:lumOff val="35000"/>
+                </a:schemeClr>
+              </a:solidFill>
+              <a:latin typeface="Slack-Lato"/>
+            </a:endParaRPr>
+          </a:p>
+          <a:p>
+            <a:r>
+              <a:rPr lang="ja-JP" altLang="en-US" sz="2400" b="0" i="0" dirty="0">
+                <a:solidFill>
+                  <a:schemeClr val="tx1">
+                    <a:lumMod val="65000"/>
+                    <a:lumOff val="35000"/>
+                  </a:schemeClr>
+                </a:solidFill>
+                <a:effectLst/>
+                <a:latin typeface="Slack-Lato"/>
+              </a:rPr>
+              <a:t>・一日のスケジュールの作成</a:t>
+            </a:r>
+            <a:endParaRPr lang="en-US" altLang="ja-JP" sz="2400" b="0" i="0" dirty="0">
+              <a:solidFill>
+                <a:schemeClr val="tx1">
+                  <a:lumMod val="65000"/>
+                  <a:lumOff val="35000"/>
+                </a:schemeClr>
+              </a:solidFill>
+              <a:effectLst/>
+              <a:latin typeface="Slack-Lato"/>
+            </a:endParaRPr>
+          </a:p>
+          <a:p>
+            <a:r>
+              <a:rPr lang="ja-JP" altLang="en-US" sz="2400" dirty="0">
+                <a:solidFill>
+                  <a:schemeClr val="tx1">
+                    <a:lumMod val="65000"/>
+                    <a:lumOff val="35000"/>
+                  </a:schemeClr>
+                </a:solidFill>
+                <a:latin typeface="Slack-Lato"/>
+              </a:rPr>
+              <a:t>・</a:t>
+            </a:r>
+            <a:r>
+              <a:rPr lang="ja-JP" altLang="en-US" sz="2400" b="0" i="0" dirty="0">
+                <a:solidFill>
+                  <a:schemeClr val="tx1">
+                    <a:lumMod val="65000"/>
+                    <a:lumOff val="35000"/>
+                  </a:schemeClr>
+                </a:solidFill>
+                <a:effectLst/>
+                <a:latin typeface="Slack-Lato"/>
+              </a:rPr>
+              <a:t>作業進捗管理表の作成</a:t>
+            </a:r>
+            <a:endParaRPr kumimoji="1" lang="ja-JP" altLang="en-US" sz="2400" dirty="0">
+              <a:solidFill>
+                <a:schemeClr val="tx1">
+                  <a:lumMod val="65000"/>
+                  <a:lumOff val="35000"/>
+                </a:schemeClr>
+              </a:solidFill>
+            </a:endParaRPr>
+          </a:p>
+        </p:txBody>
+      </p:sp>
+      <p:sp>
+        <p:nvSpPr>
+          <p:cNvPr id="9" name="四角形: 角を丸くする 8">
+            <a:extLst>
+              <a:ext uri="{FF2B5EF4-FFF2-40B4-BE49-F238E27FC236}">
+                <a16:creationId xmlns:a16="http://schemas.microsoft.com/office/drawing/2014/main" id="{799C9267-4C6B-4339-B2F9-50839D7D738A}"/>
+              </a:ext>
+            </a:extLst>
+          </p:cNvPr>
+          <p:cNvSpPr/>
+          <p:nvPr/>
+        </p:nvSpPr>
+        <p:spPr>
+          <a:xfrm>
+            <a:off x="3756972" y="4347411"/>
+            <a:ext cx="7552712" cy="1998380"/>
+          </a:xfrm>
+          <a:prstGeom prst="roundRect">
+            <a:avLst/>
+          </a:prstGeom>
+          <a:noFill/>
+          <a:ln w="28575"/>
+        </p:spPr>
+        <p:style>
+          <a:lnRef idx="2">
+            <a:schemeClr val="accent1">
+              <a:shade val="50000"/>
+            </a:schemeClr>
+          </a:lnRef>
+          <a:fillRef idx="1">
+            <a:schemeClr val="accent1"/>
+          </a:fillRef>
+          <a:effectRef idx="0">
+            <a:schemeClr val="accent1"/>
+          </a:effectRef>
+          <a:fontRef idx="minor">
+            <a:schemeClr val="lt1"/>
+          </a:fontRef>
+        </p:style>
+        <p:txBody>
+          <a:bodyPr rtlCol="0" anchor="t"/>
+          <a:lstStyle/>
+          <a:p>
+            <a:r>
+              <a:rPr kumimoji="1" lang="ja-JP" altLang="en-US" dirty="0">
+                <a:solidFill>
+                  <a:schemeClr val="tx1">
+                    <a:lumMod val="65000"/>
+                    <a:lumOff val="35000"/>
+                  </a:schemeClr>
+                </a:solidFill>
+              </a:rPr>
+              <a:t>★残された課題</a:t>
+            </a:r>
+            <a:endParaRPr kumimoji="1" lang="en-US" altLang="ja-JP" dirty="0">
+              <a:solidFill>
+                <a:schemeClr val="tx1">
+                  <a:lumMod val="65000"/>
+                  <a:lumOff val="35000"/>
+                </a:schemeClr>
+              </a:solidFill>
+            </a:endParaRPr>
+          </a:p>
+          <a:p>
+            <a:endParaRPr kumimoji="1" lang="en-US" altLang="ja-JP" dirty="0">
+              <a:solidFill>
+                <a:schemeClr val="tx1">
+                  <a:lumMod val="65000"/>
+                  <a:lumOff val="35000"/>
+                </a:schemeClr>
+              </a:solidFill>
+            </a:endParaRPr>
+          </a:p>
+          <a:p>
+            <a:r>
+              <a:rPr lang="ja-JP" altLang="en-US" sz="2400" dirty="0">
+                <a:solidFill>
+                  <a:schemeClr val="tx1">
+                    <a:lumMod val="65000"/>
+                    <a:lumOff val="35000"/>
+                  </a:schemeClr>
+                </a:solidFill>
+                <a:latin typeface="Slack-Lato"/>
+              </a:rPr>
+              <a:t>・</a:t>
+            </a:r>
+            <a:r>
+              <a:rPr lang="ja-JP" altLang="en-US" sz="2400" b="0" i="0" dirty="0">
+                <a:solidFill>
+                  <a:schemeClr val="tx1">
+                    <a:lumMod val="65000"/>
+                    <a:lumOff val="35000"/>
+                  </a:schemeClr>
+                </a:solidFill>
+                <a:effectLst/>
+                <a:latin typeface="Slack-Lato"/>
+              </a:rPr>
+              <a:t>作業進行の効率を考えること</a:t>
+            </a:r>
+            <a:endParaRPr lang="en-US" altLang="ja-JP" sz="2400" b="0" i="0" dirty="0">
+              <a:solidFill>
+                <a:schemeClr val="tx1">
+                  <a:lumMod val="65000"/>
+                  <a:lumOff val="35000"/>
+                </a:schemeClr>
+              </a:solidFill>
+              <a:effectLst/>
+              <a:latin typeface="Slack-Lato"/>
+            </a:endParaRPr>
+          </a:p>
+          <a:p>
+            <a:r>
+              <a:rPr lang="ja-JP" altLang="en-US" sz="2400" dirty="0">
+                <a:solidFill>
+                  <a:schemeClr val="tx1">
+                    <a:lumMod val="65000"/>
+                    <a:lumOff val="35000"/>
+                  </a:schemeClr>
+                </a:solidFill>
+                <a:latin typeface="Slack-Lato"/>
+              </a:rPr>
+              <a:t>・</a:t>
+            </a:r>
+            <a:r>
+              <a:rPr lang="ja-JP" altLang="en-US" sz="2400" b="0" i="0" dirty="0">
+                <a:solidFill>
+                  <a:schemeClr val="tx1">
+                    <a:lumMod val="65000"/>
+                    <a:lumOff val="35000"/>
+                  </a:schemeClr>
+                </a:solidFill>
+                <a:effectLst/>
+                <a:latin typeface="Slack-Lato"/>
+              </a:rPr>
+              <a:t>情報の共有の仕方</a:t>
+            </a:r>
+            <a:endParaRPr kumimoji="1" lang="ja-JP" altLang="en-US" sz="2400" dirty="0">
+              <a:solidFill>
+                <a:schemeClr val="tx1">
+                  <a:lumMod val="65000"/>
+                  <a:lumOff val="35000"/>
+                </a:schemeClr>
+              </a:solidFill>
+            </a:endParaRPr>
+          </a:p>
+        </p:txBody>
+      </p:sp>
+    </p:spTree>
+    <p:extLst>
+      <p:ext uri="{BB962C8B-B14F-4D97-AF65-F5344CB8AC3E}">
+        <p14:creationId xmlns:p14="http://schemas.microsoft.com/office/powerpoint/2010/main" val="2358247459"/>
+      </p:ext>
+    </p:extLst>
+  </p:cSld>
+  <p:clrMapOvr>
+    <a:masterClrMapping/>
+  </p:clrMapOvr>
+</p:sld>
+</file>
+
+<file path=ppt/slides/slide18.xml><?xml version="1.0" encoding="utf-8"?>
+<p:sld xmlns:a="http://schemas.openxmlformats.org/drawingml/2006/main" xmlns:r="http://schemas.openxmlformats.org/officeDocument/2006/relationships" xmlns:p="http://schemas.openxmlformats.org/presentationml/2006/main">
+  <p:cSld>
+    <p:spTree>
+      <p:nvGrpSpPr>
+        <p:cNvPr id="1" name=""/>
+        <p:cNvGrpSpPr/>
+        <p:nvPr/>
+      </p:nvGrpSpPr>
+      <p:grpSpPr>
+        <a:xfrm>
+          <a:off x="0" y="0"/>
+          <a:ext cx="0" cy="0"/>
+          <a:chOff x="0" y="0"/>
+          <a:chExt cx="0" cy="0"/>
+        </a:xfrm>
+      </p:grpSpPr>
+      <p:sp>
+        <p:nvSpPr>
+          <p:cNvPr id="2" name="タイトル 1">
+            <a:extLst>
+              <a:ext uri="{FF2B5EF4-FFF2-40B4-BE49-F238E27FC236}">
+                <a16:creationId xmlns:a16="http://schemas.microsoft.com/office/drawing/2014/main" id="{11FF109B-1A52-4682-9479-0DCAC48B3C35}"/>
+              </a:ext>
+            </a:extLst>
+          </p:cNvPr>
+          <p:cNvSpPr>
+            <a:spLocks noGrp="1"/>
+          </p:cNvSpPr>
+          <p:nvPr>
+            <p:ph type="title"/>
+          </p:nvPr>
+        </p:nvSpPr>
+        <p:spPr/>
+        <p:txBody>
+          <a:bodyPr/>
+          <a:lstStyle/>
+          <a:p>
+            <a:r>
+              <a:rPr kumimoji="1" lang="ja-JP" altLang="en-US" dirty="0"/>
+              <a:t>発表担当</a:t>
+            </a:r>
+            <a:br>
+              <a:rPr kumimoji="1" lang="en-US" altLang="ja-JP" dirty="0"/>
+            </a:br>
+            <a:r>
+              <a:rPr kumimoji="1" lang="ja-JP" altLang="en-US" dirty="0"/>
+              <a:t>御代田里奈</a:t>
+            </a:r>
+          </a:p>
+        </p:txBody>
+      </p:sp>
+      <p:pic>
+        <p:nvPicPr>
+          <p:cNvPr id="4" name="図 3" descr="アイコン&#10;&#10;自動的に生成された説明">
+            <a:extLst>
+              <a:ext uri="{FF2B5EF4-FFF2-40B4-BE49-F238E27FC236}">
+                <a16:creationId xmlns:a16="http://schemas.microsoft.com/office/drawing/2014/main" id="{F80B5929-9B90-4E9C-B9E6-44E443331DB5}"/>
+              </a:ext>
+            </a:extLst>
+          </p:cNvPr>
+          <p:cNvPicPr>
+            <a:picLocks noChangeAspect="1"/>
+          </p:cNvPicPr>
+          <p:nvPr/>
+        </p:nvPicPr>
+        <p:blipFill>
+          <a:blip r:embed="rId3">
+            <a:alphaModFix amt="85000"/>
+            <a:extLst>
+              <a:ext uri="{28A0092B-C50C-407E-A947-70E740481C1C}">
+                <a14:useLocalDpi xmlns:a14="http://schemas.microsoft.com/office/drawing/2010/main" val="0"/>
+              </a:ext>
+            </a:extLst>
+          </a:blip>
+          <a:stretch>
+            <a:fillRect/>
+          </a:stretch>
+        </p:blipFill>
+        <p:spPr>
+          <a:xfrm>
+            <a:off x="9466729" y="5346601"/>
+            <a:ext cx="2725271" cy="1469817"/>
+          </a:xfrm>
+          <a:prstGeom prst="rect">
+            <a:avLst/>
+          </a:prstGeom>
+        </p:spPr>
+      </p:pic>
+      <p:sp>
+        <p:nvSpPr>
+          <p:cNvPr id="8" name="四角形: 角を丸くする 7">
+            <a:extLst>
+              <a:ext uri="{FF2B5EF4-FFF2-40B4-BE49-F238E27FC236}">
+                <a16:creationId xmlns:a16="http://schemas.microsoft.com/office/drawing/2014/main" id="{4F67133B-4B11-4ED4-B38C-7667318A0A5A}"/>
+              </a:ext>
+            </a:extLst>
+          </p:cNvPr>
+          <p:cNvSpPr/>
+          <p:nvPr/>
+        </p:nvSpPr>
+        <p:spPr>
+          <a:xfrm>
+            <a:off x="3756972" y="360137"/>
+            <a:ext cx="7552712" cy="1844842"/>
+          </a:xfrm>
+          <a:prstGeom prst="roundRect">
+            <a:avLst/>
+          </a:prstGeom>
+          <a:noFill/>
+          <a:ln w="28575"/>
+        </p:spPr>
+        <p:style>
+          <a:lnRef idx="2">
+            <a:schemeClr val="accent1">
+              <a:shade val="50000"/>
+            </a:schemeClr>
+          </a:lnRef>
+          <a:fillRef idx="1">
+            <a:schemeClr val="accent1"/>
+          </a:fillRef>
+          <a:effectRef idx="0">
+            <a:schemeClr val="accent1"/>
+          </a:effectRef>
+          <a:fontRef idx="minor">
+            <a:schemeClr val="lt1"/>
+          </a:fontRef>
+        </p:style>
+        <p:txBody>
+          <a:bodyPr rtlCol="0" anchor="t"/>
+          <a:lstStyle/>
+          <a:p>
+            <a:r>
+              <a:rPr lang="ja-JP" altLang="en-US" b="0" i="0" dirty="0">
+                <a:solidFill>
+                  <a:schemeClr val="tx1">
+                    <a:lumMod val="65000"/>
+                    <a:lumOff val="35000"/>
+                  </a:schemeClr>
+                </a:solidFill>
+                <a:effectLst/>
+                <a:latin typeface="Slack-Lato"/>
+              </a:rPr>
+              <a:t>★この研修を通して自分が成長したと思う点</a:t>
+            </a:r>
+            <a:endParaRPr lang="en-US" altLang="ja-JP" b="0" i="0" dirty="0">
+              <a:solidFill>
+                <a:schemeClr val="tx1">
+                  <a:lumMod val="65000"/>
+                  <a:lumOff val="35000"/>
+                </a:schemeClr>
+              </a:solidFill>
+              <a:effectLst/>
+              <a:latin typeface="Slack-Lato"/>
+            </a:endParaRPr>
+          </a:p>
+          <a:p>
+            <a:endParaRPr kumimoji="1" lang="en-US" altLang="ja-JP" dirty="0">
+              <a:solidFill>
+                <a:schemeClr val="tx1">
+                  <a:lumMod val="65000"/>
+                  <a:lumOff val="35000"/>
+                </a:schemeClr>
+              </a:solidFill>
+              <a:latin typeface="Slack-Lato"/>
+            </a:endParaRPr>
+          </a:p>
+          <a:p>
+            <a:r>
+              <a:rPr lang="ja-JP" altLang="en-US" sz="2400" b="0" i="0" dirty="0">
+                <a:solidFill>
+                  <a:schemeClr val="tx1">
+                    <a:lumMod val="65000"/>
+                    <a:lumOff val="35000"/>
+                  </a:schemeClr>
+                </a:solidFill>
+                <a:effectLst/>
+                <a:latin typeface="Slack-Lato"/>
+              </a:rPr>
+              <a:t>班のディスカッションを促進する方法を考え、行動できた点</a:t>
+            </a:r>
+            <a:endParaRPr kumimoji="1" lang="ja-JP" altLang="en-US" sz="2400" dirty="0">
+              <a:solidFill>
+                <a:schemeClr val="tx1">
+                  <a:lumMod val="65000"/>
+                  <a:lumOff val="35000"/>
+                </a:schemeClr>
+              </a:solidFill>
+            </a:endParaRPr>
+          </a:p>
+        </p:txBody>
+      </p:sp>
+      <p:sp>
+        <p:nvSpPr>
+          <p:cNvPr id="9" name="四角形: 角を丸くする 8">
+            <a:extLst>
+              <a:ext uri="{FF2B5EF4-FFF2-40B4-BE49-F238E27FC236}">
+                <a16:creationId xmlns:a16="http://schemas.microsoft.com/office/drawing/2014/main" id="{96CE6472-1715-4AB9-9214-EB83C445CDCA}"/>
+              </a:ext>
+            </a:extLst>
+          </p:cNvPr>
+          <p:cNvSpPr/>
+          <p:nvPr/>
+        </p:nvSpPr>
+        <p:spPr>
+          <a:xfrm>
+            <a:off x="3756972" y="2341585"/>
+            <a:ext cx="7552712" cy="1844842"/>
+          </a:xfrm>
+          <a:prstGeom prst="roundRect">
+            <a:avLst/>
+          </a:prstGeom>
+          <a:noFill/>
+          <a:ln w="28575"/>
+        </p:spPr>
+        <p:style>
+          <a:lnRef idx="2">
+            <a:schemeClr val="accent1">
+              <a:shade val="50000"/>
+            </a:schemeClr>
+          </a:lnRef>
+          <a:fillRef idx="1">
+            <a:schemeClr val="accent1"/>
+          </a:fillRef>
+          <a:effectRef idx="0">
+            <a:schemeClr val="accent1"/>
+          </a:effectRef>
+          <a:fontRef idx="minor">
+            <a:schemeClr val="lt1"/>
+          </a:fontRef>
+        </p:style>
+        <p:txBody>
+          <a:bodyPr rtlCol="0" anchor="t"/>
+          <a:lstStyle/>
+          <a:p>
+            <a:r>
+              <a:rPr lang="ja-JP" altLang="en-US" b="0" i="0" dirty="0">
+                <a:solidFill>
+                  <a:schemeClr val="tx1">
+                    <a:lumMod val="65000"/>
+                    <a:lumOff val="35000"/>
+                  </a:schemeClr>
+                </a:solidFill>
+                <a:effectLst/>
+                <a:latin typeface="Slack-Lato"/>
+              </a:rPr>
+              <a:t>★チームのために主体的に行動したこと</a:t>
+            </a:r>
+            <a:endParaRPr lang="en-US" altLang="ja-JP" b="0" i="0" dirty="0">
+              <a:solidFill>
+                <a:schemeClr val="tx1">
+                  <a:lumMod val="65000"/>
+                  <a:lumOff val="35000"/>
+                </a:schemeClr>
+              </a:solidFill>
+              <a:effectLst/>
+              <a:latin typeface="Slack-Lato"/>
+            </a:endParaRPr>
+          </a:p>
+          <a:p>
+            <a:endParaRPr kumimoji="1" lang="en-US" altLang="ja-JP" dirty="0">
+              <a:solidFill>
+                <a:schemeClr val="tx1">
+                  <a:lumMod val="65000"/>
+                  <a:lumOff val="35000"/>
+                </a:schemeClr>
+              </a:solidFill>
+              <a:latin typeface="Slack-Lato"/>
+            </a:endParaRPr>
+          </a:p>
+          <a:p>
+            <a:r>
+              <a:rPr lang="ja-JP" altLang="en-US" sz="2400" b="0" i="0" dirty="0">
+                <a:solidFill>
+                  <a:schemeClr val="tx1">
+                    <a:lumMod val="65000"/>
+                    <a:lumOff val="35000"/>
+                  </a:schemeClr>
+                </a:solidFill>
+                <a:effectLst/>
+                <a:latin typeface="Slack-Lato"/>
+              </a:rPr>
+              <a:t>・発表準備スケジュール・発表アジェンダの原案</a:t>
+            </a:r>
+            <a:br>
+              <a:rPr lang="ja-JP" altLang="en-US" sz="2400" dirty="0">
+                <a:solidFill>
+                  <a:schemeClr val="tx1">
+                    <a:lumMod val="65000"/>
+                    <a:lumOff val="35000"/>
+                  </a:schemeClr>
+                </a:solidFill>
+              </a:rPr>
+            </a:br>
+            <a:r>
+              <a:rPr lang="ja-JP" altLang="en-US" sz="2400" b="0" i="0" dirty="0">
+                <a:solidFill>
+                  <a:schemeClr val="tx1">
+                    <a:lumMod val="65000"/>
+                    <a:lumOff val="35000"/>
+                  </a:schemeClr>
+                </a:solidFill>
+                <a:effectLst/>
+                <a:latin typeface="Slack-Lato"/>
+              </a:rPr>
+              <a:t>・発表スライドの作成</a:t>
+            </a:r>
+            <a:br>
+              <a:rPr lang="ja-JP" altLang="en-US" sz="2400" dirty="0">
+                <a:solidFill>
+                  <a:schemeClr val="tx1">
+                    <a:lumMod val="65000"/>
+                    <a:lumOff val="35000"/>
+                  </a:schemeClr>
+                </a:solidFill>
+              </a:rPr>
+            </a:br>
+            <a:r>
+              <a:rPr lang="ja-JP" altLang="en-US" sz="2400" b="0" i="0" dirty="0">
+                <a:solidFill>
+                  <a:schemeClr val="tx1">
+                    <a:lumMod val="65000"/>
+                    <a:lumOff val="35000"/>
+                  </a:schemeClr>
+                </a:solidFill>
+                <a:effectLst/>
+                <a:latin typeface="Slack-Lato"/>
+              </a:rPr>
+              <a:t>・「振り返りシート」の作成</a:t>
+            </a:r>
+            <a:endParaRPr kumimoji="1" lang="ja-JP" altLang="en-US" sz="2400" dirty="0">
+              <a:solidFill>
+                <a:schemeClr val="tx1">
+                  <a:lumMod val="65000"/>
+                  <a:lumOff val="35000"/>
+                </a:schemeClr>
+              </a:solidFill>
+            </a:endParaRPr>
+          </a:p>
+        </p:txBody>
+      </p:sp>
+      <p:sp>
+        <p:nvSpPr>
+          <p:cNvPr id="10" name="四角形: 角を丸くする 9">
+            <a:extLst>
+              <a:ext uri="{FF2B5EF4-FFF2-40B4-BE49-F238E27FC236}">
+                <a16:creationId xmlns:a16="http://schemas.microsoft.com/office/drawing/2014/main" id="{64F2DC92-FEA8-4513-BC5F-278DB92C2302}"/>
+              </a:ext>
+            </a:extLst>
+          </p:cNvPr>
+          <p:cNvSpPr/>
+          <p:nvPr/>
+        </p:nvSpPr>
+        <p:spPr>
+          <a:xfrm>
+            <a:off x="3756972" y="4347411"/>
+            <a:ext cx="7552712" cy="1998380"/>
+          </a:xfrm>
+          <a:prstGeom prst="roundRect">
+            <a:avLst/>
+          </a:prstGeom>
+          <a:solidFill>
+            <a:schemeClr val="bg1"/>
+          </a:solidFill>
+          <a:ln w="28575"/>
+        </p:spPr>
+        <p:style>
+          <a:lnRef idx="2">
+            <a:schemeClr val="accent1">
+              <a:shade val="50000"/>
+            </a:schemeClr>
+          </a:lnRef>
+          <a:fillRef idx="1">
+            <a:schemeClr val="accent1"/>
+          </a:fillRef>
+          <a:effectRef idx="0">
+            <a:schemeClr val="accent1"/>
+          </a:effectRef>
+          <a:fontRef idx="minor">
+            <a:schemeClr val="lt1"/>
+          </a:fontRef>
+        </p:style>
+        <p:txBody>
+          <a:bodyPr rtlCol="0" anchor="t"/>
+          <a:lstStyle/>
+          <a:p>
+            <a:r>
+              <a:rPr kumimoji="1" lang="ja-JP" altLang="en-US" dirty="0">
+                <a:solidFill>
+                  <a:schemeClr val="tx1">
+                    <a:lumMod val="65000"/>
+                    <a:lumOff val="35000"/>
+                  </a:schemeClr>
+                </a:solidFill>
+              </a:rPr>
+              <a:t>★残された課題</a:t>
+            </a:r>
+            <a:endParaRPr kumimoji="1" lang="en-US" altLang="ja-JP" dirty="0">
+              <a:solidFill>
+                <a:schemeClr val="tx1">
+                  <a:lumMod val="65000"/>
+                  <a:lumOff val="35000"/>
+                </a:schemeClr>
+              </a:solidFill>
+            </a:endParaRPr>
+          </a:p>
+          <a:p>
+            <a:endParaRPr kumimoji="1" lang="en-US" altLang="ja-JP" dirty="0">
+              <a:solidFill>
+                <a:schemeClr val="tx1">
+                  <a:lumMod val="65000"/>
+                  <a:lumOff val="35000"/>
+                </a:schemeClr>
+              </a:solidFill>
+            </a:endParaRPr>
+          </a:p>
+          <a:p>
+            <a:r>
+              <a:rPr lang="ja-JP" altLang="en-US" sz="2400" b="0" i="0" dirty="0">
+                <a:solidFill>
+                  <a:schemeClr val="tx1">
+                    <a:lumMod val="65000"/>
+                    <a:lumOff val="35000"/>
+                  </a:schemeClr>
+                </a:solidFill>
+                <a:effectLst/>
+                <a:latin typeface="Slack-Lato"/>
+              </a:rPr>
+              <a:t>口頭で意見や質問、連絡事項を伝える際に、簡潔に分かりやすく話すことができていない点</a:t>
+            </a:r>
+            <a:r>
+              <a:rPr kumimoji="1" lang="ja-JP" altLang="en-US" sz="2400" b="0" i="0" dirty="0">
+                <a:solidFill>
+                  <a:schemeClr val="tx1">
+                    <a:lumMod val="65000"/>
+                    <a:lumOff val="35000"/>
+                  </a:schemeClr>
+                </a:solidFill>
+                <a:effectLst/>
+                <a:latin typeface="Slack-Lato"/>
+              </a:rPr>
+              <a:t>。</a:t>
+            </a:r>
+            <a:endParaRPr kumimoji="1" lang="ja-JP" altLang="en-US" sz="2400" dirty="0">
+              <a:solidFill>
+                <a:schemeClr val="tx1">
+                  <a:lumMod val="65000"/>
+                  <a:lumOff val="35000"/>
+                </a:schemeClr>
+              </a:solidFill>
+            </a:endParaRPr>
+          </a:p>
+        </p:txBody>
+      </p:sp>
+    </p:spTree>
+    <p:extLst>
+      <p:ext uri="{BB962C8B-B14F-4D97-AF65-F5344CB8AC3E}">
+        <p14:creationId xmlns:p14="http://schemas.microsoft.com/office/powerpoint/2010/main" val="3340445707"/>
+      </p:ext>
+    </p:extLst>
+  </p:cSld>
+  <p:clrMapOvr>
+    <a:masterClrMapping/>
+  </p:clrMapOvr>
+</p:sld>
+</file>
+
+<file path=ppt/slides/slide19.xml><?xml version="1.0" encoding="utf-8"?>
+<p:sld xmlns:a="http://schemas.openxmlformats.org/drawingml/2006/main" xmlns:r="http://schemas.openxmlformats.org/officeDocument/2006/relationships" xmlns:p="http://schemas.openxmlformats.org/presentationml/2006/main">
+  <p:cSld>
+    <p:spTree>
+      <p:nvGrpSpPr>
+        <p:cNvPr id="1" name=""/>
+        <p:cNvGrpSpPr/>
+        <p:nvPr/>
+      </p:nvGrpSpPr>
+      <p:grpSpPr>
+        <a:xfrm>
+          <a:off x="0" y="0"/>
+          <a:ext cx="0" cy="0"/>
+          <a:chOff x="0" y="0"/>
+          <a:chExt cx="0" cy="0"/>
+        </a:xfrm>
+      </p:grpSpPr>
+      <p:sp>
+        <p:nvSpPr>
+          <p:cNvPr id="2" name="タイトル 1">
+            <a:extLst>
+              <a:ext uri="{FF2B5EF4-FFF2-40B4-BE49-F238E27FC236}">
+                <a16:creationId xmlns:a16="http://schemas.microsoft.com/office/drawing/2014/main" id="{11FF109B-1A52-4682-9479-0DCAC48B3C35}"/>
+              </a:ext>
+            </a:extLst>
+          </p:cNvPr>
+          <p:cNvSpPr>
+            <a:spLocks noGrp="1"/>
+          </p:cNvSpPr>
+          <p:nvPr>
+            <p:ph type="title"/>
+          </p:nvPr>
+        </p:nvSpPr>
+        <p:spPr>
+          <a:xfrm>
+            <a:off x="0" y="1123837"/>
+            <a:ext cx="3869268" cy="4601183"/>
+          </a:xfrm>
+        </p:spPr>
+        <p:txBody>
+          <a:bodyPr>
+            <a:normAutofit/>
+          </a:bodyPr>
+          <a:lstStyle/>
+          <a:p>
+            <a:r>
+              <a:rPr kumimoji="1" lang="ja-JP" altLang="en-US" sz="2800" dirty="0"/>
+              <a:t>コミュニケーション</a:t>
+            </a:r>
+            <a:br>
+              <a:rPr lang="en-US" altLang="ja-JP" sz="2800" dirty="0"/>
+            </a:br>
+            <a:r>
+              <a:rPr lang="ja-JP" altLang="en-US" sz="2800" dirty="0"/>
+              <a:t>品質管理担当</a:t>
+            </a:r>
+            <a:br>
+              <a:rPr lang="en-US" altLang="ja-JP" sz="2800" dirty="0"/>
+            </a:br>
+            <a:r>
+              <a:rPr lang="ja-JP" altLang="en-US" sz="2800" dirty="0"/>
+              <a:t>千田ひかる</a:t>
+            </a:r>
+            <a:endParaRPr kumimoji="1" lang="ja-JP" altLang="en-US" sz="2800" dirty="0"/>
+          </a:p>
+        </p:txBody>
+      </p:sp>
+      <p:pic>
+        <p:nvPicPr>
+          <p:cNvPr id="4" name="図 3" descr="アイコン&#10;&#10;自動的に生成された説明">
+            <a:extLst>
+              <a:ext uri="{FF2B5EF4-FFF2-40B4-BE49-F238E27FC236}">
+                <a16:creationId xmlns:a16="http://schemas.microsoft.com/office/drawing/2014/main" id="{F80B5929-9B90-4E9C-B9E6-44E443331DB5}"/>
+              </a:ext>
+            </a:extLst>
+          </p:cNvPr>
+          <p:cNvPicPr>
+            <a:picLocks noChangeAspect="1"/>
+          </p:cNvPicPr>
+          <p:nvPr/>
+        </p:nvPicPr>
+        <p:blipFill>
+          <a:blip r:embed="rId3">
+            <a:alphaModFix amt="85000"/>
+            <a:extLst>
+              <a:ext uri="{28A0092B-C50C-407E-A947-70E740481C1C}">
+                <a14:useLocalDpi xmlns:a14="http://schemas.microsoft.com/office/drawing/2010/main" val="0"/>
+              </a:ext>
+            </a:extLst>
+          </a:blip>
+          <a:stretch>
+            <a:fillRect/>
+          </a:stretch>
+        </p:blipFill>
+        <p:spPr>
+          <a:xfrm>
+            <a:off x="9466729" y="5262949"/>
+            <a:ext cx="2725271" cy="1469817"/>
+          </a:xfrm>
+          <a:prstGeom prst="rect">
+            <a:avLst/>
+          </a:prstGeom>
+        </p:spPr>
+      </p:pic>
+      <p:sp>
+        <p:nvSpPr>
+          <p:cNvPr id="8" name="四角形: 角を丸くする 7">
+            <a:extLst>
+              <a:ext uri="{FF2B5EF4-FFF2-40B4-BE49-F238E27FC236}">
+                <a16:creationId xmlns:a16="http://schemas.microsoft.com/office/drawing/2014/main" id="{B4048DCE-9E13-420A-BA63-F584B2EAE0BA}"/>
+              </a:ext>
+            </a:extLst>
+          </p:cNvPr>
+          <p:cNvSpPr/>
+          <p:nvPr/>
+        </p:nvSpPr>
+        <p:spPr>
+          <a:xfrm>
+            <a:off x="3756972" y="360137"/>
+            <a:ext cx="7985850" cy="1844842"/>
+          </a:xfrm>
+          <a:prstGeom prst="roundRect">
+            <a:avLst/>
+          </a:prstGeom>
+          <a:noFill/>
+          <a:ln w="28575"/>
+        </p:spPr>
+        <p:style>
+          <a:lnRef idx="2">
+            <a:schemeClr val="accent1">
+              <a:shade val="50000"/>
+            </a:schemeClr>
+          </a:lnRef>
+          <a:fillRef idx="1">
+            <a:schemeClr val="accent1"/>
+          </a:fillRef>
+          <a:effectRef idx="0">
+            <a:schemeClr val="accent1"/>
+          </a:effectRef>
+          <a:fontRef idx="minor">
+            <a:schemeClr val="lt1"/>
+          </a:fontRef>
+        </p:style>
+        <p:txBody>
+          <a:bodyPr rtlCol="0" anchor="t"/>
+          <a:lstStyle/>
+          <a:p>
+            <a:r>
+              <a:rPr lang="ja-JP" altLang="en-US" b="0" i="0" dirty="0">
+                <a:solidFill>
+                  <a:schemeClr val="tx1">
+                    <a:lumMod val="65000"/>
+                    <a:lumOff val="35000"/>
+                  </a:schemeClr>
+                </a:solidFill>
+                <a:effectLst/>
+                <a:latin typeface="Slack-Lato"/>
+              </a:rPr>
+              <a:t>★この研修を通して自分が成長したと思う点</a:t>
+            </a:r>
+            <a:endParaRPr lang="en-US" altLang="ja-JP" b="0" i="0" dirty="0">
+              <a:solidFill>
+                <a:schemeClr val="tx1">
+                  <a:lumMod val="65000"/>
+                  <a:lumOff val="35000"/>
+                </a:schemeClr>
+              </a:solidFill>
+              <a:effectLst/>
+              <a:latin typeface="Slack-Lato"/>
+            </a:endParaRPr>
+          </a:p>
+          <a:p>
+            <a:endParaRPr kumimoji="1" lang="en-US" altLang="ja-JP" dirty="0">
+              <a:solidFill>
+                <a:schemeClr val="tx1">
+                  <a:lumMod val="65000"/>
+                  <a:lumOff val="35000"/>
+                </a:schemeClr>
+              </a:solidFill>
+              <a:latin typeface="Slack-Lato"/>
+            </a:endParaRPr>
+          </a:p>
+          <a:p>
+            <a:r>
+              <a:rPr lang="ja-JP" altLang="en-US" sz="2400" b="0" i="0" dirty="0">
+                <a:solidFill>
+                  <a:schemeClr val="tx1">
+                    <a:lumMod val="65000"/>
+                    <a:lumOff val="35000"/>
+                  </a:schemeClr>
+                </a:solidFill>
+                <a:effectLst/>
+                <a:latin typeface="Slack-Lato"/>
+              </a:rPr>
+              <a:t>・「情報共有がチーム内でできているか」を意識した点。</a:t>
+            </a:r>
+            <a:endParaRPr lang="en-US" altLang="ja-JP" sz="2400" b="0" i="0" dirty="0">
+              <a:solidFill>
+                <a:schemeClr val="tx1">
+                  <a:lumMod val="65000"/>
+                  <a:lumOff val="35000"/>
+                </a:schemeClr>
+              </a:solidFill>
+              <a:effectLst/>
+              <a:latin typeface="Slack-Lato"/>
+            </a:endParaRPr>
+          </a:p>
+          <a:p>
+            <a:r>
+              <a:rPr kumimoji="1" lang="ja-JP" altLang="en-US" sz="2400" dirty="0">
+                <a:solidFill>
+                  <a:schemeClr val="tx1">
+                    <a:lumMod val="65000"/>
+                    <a:lumOff val="35000"/>
+                  </a:schemeClr>
+                </a:solidFill>
+              </a:rPr>
+              <a:t>・自分の力量を鑑みて必要な行動をとることができた点</a:t>
+            </a:r>
+            <a:endParaRPr kumimoji="1" lang="en-US" altLang="ja-JP" sz="2400" dirty="0">
+              <a:solidFill>
+                <a:schemeClr val="tx1">
+                  <a:lumMod val="65000"/>
+                  <a:lumOff val="35000"/>
+                </a:schemeClr>
+              </a:solidFill>
+            </a:endParaRPr>
+          </a:p>
+        </p:txBody>
+      </p:sp>
+      <p:sp>
+        <p:nvSpPr>
+          <p:cNvPr id="9" name="四角形: 角を丸くする 8">
+            <a:extLst>
+              <a:ext uri="{FF2B5EF4-FFF2-40B4-BE49-F238E27FC236}">
+                <a16:creationId xmlns:a16="http://schemas.microsoft.com/office/drawing/2014/main" id="{CF4922A8-C585-4B07-9D26-36A9B1FDC254}"/>
+              </a:ext>
+            </a:extLst>
+          </p:cNvPr>
+          <p:cNvSpPr/>
+          <p:nvPr/>
+        </p:nvSpPr>
+        <p:spPr>
+          <a:xfrm>
+            <a:off x="3756972" y="2341585"/>
+            <a:ext cx="7985850" cy="1844842"/>
+          </a:xfrm>
+          <a:prstGeom prst="roundRect">
+            <a:avLst/>
+          </a:prstGeom>
+          <a:noFill/>
+          <a:ln w="28575"/>
+        </p:spPr>
+        <p:style>
+          <a:lnRef idx="2">
+            <a:schemeClr val="accent1">
+              <a:shade val="50000"/>
+            </a:schemeClr>
+          </a:lnRef>
+          <a:fillRef idx="1">
+            <a:schemeClr val="accent1"/>
+          </a:fillRef>
+          <a:effectRef idx="0">
+            <a:schemeClr val="accent1"/>
+          </a:effectRef>
+          <a:fontRef idx="minor">
+            <a:schemeClr val="lt1"/>
+          </a:fontRef>
+        </p:style>
+        <p:txBody>
+          <a:bodyPr rtlCol="0" anchor="t"/>
+          <a:lstStyle/>
+          <a:p>
+            <a:r>
+              <a:rPr lang="ja-JP" altLang="en-US" b="0" i="0" dirty="0">
+                <a:solidFill>
+                  <a:schemeClr val="tx1">
+                    <a:lumMod val="65000"/>
+                    <a:lumOff val="35000"/>
+                  </a:schemeClr>
+                </a:solidFill>
+                <a:effectLst/>
+                <a:latin typeface="Slack-Lato"/>
+              </a:rPr>
+              <a:t>★チームのために主体的に行動したこと</a:t>
+            </a:r>
+            <a:endParaRPr lang="en-US" altLang="ja-JP" dirty="0">
+              <a:solidFill>
+                <a:schemeClr val="tx1">
+                  <a:lumMod val="65000"/>
+                  <a:lumOff val="35000"/>
+                </a:schemeClr>
+              </a:solidFill>
+              <a:latin typeface="Slack-Lato"/>
+            </a:endParaRPr>
+          </a:p>
+          <a:p>
+            <a:r>
+              <a:rPr kumimoji="1" lang="ja-JP" altLang="en-US" sz="2000" dirty="0">
+                <a:solidFill>
+                  <a:schemeClr val="tx1">
+                    <a:lumMod val="65000"/>
+                    <a:lumOff val="35000"/>
+                  </a:schemeClr>
+                </a:solidFill>
+                <a:latin typeface="Slack-Lato"/>
+              </a:rPr>
+              <a:t>（コミュニケーション担当）</a:t>
+            </a:r>
+            <a:endParaRPr kumimoji="1" lang="en-US" altLang="ja-JP" sz="2000" dirty="0">
+              <a:solidFill>
+                <a:schemeClr val="tx1">
+                  <a:lumMod val="65000"/>
+                  <a:lumOff val="35000"/>
+                </a:schemeClr>
+              </a:solidFill>
+              <a:latin typeface="Slack-Lato"/>
+            </a:endParaRPr>
+          </a:p>
+          <a:p>
+            <a:r>
+              <a:rPr kumimoji="1" lang="ja-JP" altLang="en-US" sz="2000" dirty="0">
+                <a:solidFill>
+                  <a:schemeClr val="tx1">
+                    <a:lumMod val="65000"/>
+                    <a:lumOff val="35000"/>
+                  </a:schemeClr>
+                </a:solidFill>
+              </a:rPr>
+              <a:t>議事録共有時の確認スタンプの利用。</a:t>
+            </a:r>
+            <a:endParaRPr kumimoji="1" lang="en-US" altLang="ja-JP" sz="2000" dirty="0">
+              <a:solidFill>
+                <a:schemeClr val="tx1">
+                  <a:lumMod val="65000"/>
+                  <a:lumOff val="35000"/>
+                </a:schemeClr>
+              </a:solidFill>
+            </a:endParaRPr>
+          </a:p>
+          <a:p>
+            <a:r>
+              <a:rPr kumimoji="1" lang="ja-JP" altLang="en-US" sz="2000" dirty="0">
+                <a:solidFill>
+                  <a:schemeClr val="tx1">
+                    <a:lumMod val="65000"/>
+                    <a:lumOff val="35000"/>
+                  </a:schemeClr>
+                </a:solidFill>
+              </a:rPr>
+              <a:t>（品質管理担当）</a:t>
+            </a:r>
+            <a:endParaRPr kumimoji="1" lang="en-US" altLang="ja-JP" sz="2000" dirty="0">
+              <a:solidFill>
+                <a:schemeClr val="tx1">
+                  <a:lumMod val="65000"/>
+                  <a:lumOff val="35000"/>
+                </a:schemeClr>
+              </a:solidFill>
+            </a:endParaRPr>
+          </a:p>
+          <a:p>
+            <a:r>
+              <a:rPr kumimoji="1" lang="ja-JP" altLang="en-US" sz="2000" dirty="0">
+                <a:solidFill>
+                  <a:schemeClr val="tx1">
+                    <a:lumMod val="65000"/>
+                    <a:lumOff val="35000"/>
+                  </a:schemeClr>
+                </a:solidFill>
+              </a:rPr>
+              <a:t>テスト項目の作成、テスト項目の添削依頼</a:t>
+            </a:r>
+            <a:endParaRPr kumimoji="1" lang="en-US" altLang="ja-JP" sz="2000" dirty="0">
+              <a:solidFill>
+                <a:schemeClr val="tx1">
+                  <a:lumMod val="65000"/>
+                  <a:lumOff val="35000"/>
+                </a:schemeClr>
+              </a:solidFill>
+            </a:endParaRPr>
+          </a:p>
+          <a:p>
+            <a:endParaRPr kumimoji="1" lang="ja-JP" altLang="en-US" dirty="0">
+              <a:solidFill>
+                <a:schemeClr val="tx1">
+                  <a:lumMod val="65000"/>
+                  <a:lumOff val="35000"/>
+                </a:schemeClr>
+              </a:solidFill>
+            </a:endParaRPr>
+          </a:p>
+        </p:txBody>
+      </p:sp>
+      <p:sp>
+        <p:nvSpPr>
+          <p:cNvPr id="10" name="四角形: 角を丸くする 9">
+            <a:extLst>
+              <a:ext uri="{FF2B5EF4-FFF2-40B4-BE49-F238E27FC236}">
+                <a16:creationId xmlns:a16="http://schemas.microsoft.com/office/drawing/2014/main" id="{F7501C0E-E178-4762-BE15-2E09B23C0A19}"/>
+              </a:ext>
+            </a:extLst>
+          </p:cNvPr>
+          <p:cNvSpPr/>
+          <p:nvPr/>
+        </p:nvSpPr>
+        <p:spPr>
+          <a:xfrm>
+            <a:off x="3756972" y="4347411"/>
+            <a:ext cx="7985850" cy="1998380"/>
+          </a:xfrm>
+          <a:prstGeom prst="roundRect">
+            <a:avLst/>
+          </a:prstGeom>
+          <a:solidFill>
+            <a:schemeClr val="bg1"/>
+          </a:solidFill>
+          <a:ln w="28575"/>
+        </p:spPr>
+        <p:style>
+          <a:lnRef idx="2">
+            <a:schemeClr val="accent1">
+              <a:shade val="50000"/>
+            </a:schemeClr>
+          </a:lnRef>
+          <a:fillRef idx="1">
+            <a:schemeClr val="accent1"/>
+          </a:fillRef>
+          <a:effectRef idx="0">
+            <a:schemeClr val="accent1"/>
+          </a:effectRef>
+          <a:fontRef idx="minor">
+            <a:schemeClr val="lt1"/>
+          </a:fontRef>
+        </p:style>
+        <p:txBody>
+          <a:bodyPr rtlCol="0" anchor="t"/>
+          <a:lstStyle/>
+          <a:p>
+            <a:r>
+              <a:rPr kumimoji="1" lang="ja-JP" altLang="en-US" dirty="0">
+                <a:solidFill>
+                  <a:schemeClr val="tx1">
+                    <a:lumMod val="65000"/>
+                    <a:lumOff val="35000"/>
+                  </a:schemeClr>
+                </a:solidFill>
+              </a:rPr>
+              <a:t>★残された課題</a:t>
+            </a:r>
+            <a:endParaRPr kumimoji="1" lang="en-US" altLang="ja-JP" dirty="0">
+              <a:solidFill>
+                <a:schemeClr val="tx1">
+                  <a:lumMod val="65000"/>
+                  <a:lumOff val="35000"/>
+                </a:schemeClr>
+              </a:solidFill>
+            </a:endParaRPr>
+          </a:p>
+          <a:p>
+            <a:endParaRPr kumimoji="1" lang="en-US" altLang="ja-JP" dirty="0">
+              <a:solidFill>
+                <a:schemeClr val="tx1">
+                  <a:lumMod val="65000"/>
+                  <a:lumOff val="35000"/>
+                </a:schemeClr>
+              </a:solidFill>
+            </a:endParaRPr>
+          </a:p>
+          <a:p>
+            <a:r>
+              <a:rPr kumimoji="1" lang="ja-JP" altLang="en-US" sz="2400" dirty="0">
+                <a:solidFill>
+                  <a:schemeClr val="tx1">
+                    <a:lumMod val="65000"/>
+                    <a:lumOff val="35000"/>
+                  </a:schemeClr>
+                </a:solidFill>
+              </a:rPr>
+              <a:t>・「気づきスレッド」を有効に活用できなかった点</a:t>
+            </a:r>
+            <a:endParaRPr kumimoji="1" lang="en-US" altLang="ja-JP" sz="2400" dirty="0">
+              <a:solidFill>
+                <a:schemeClr val="tx1">
+                  <a:lumMod val="65000"/>
+                  <a:lumOff val="35000"/>
+                </a:schemeClr>
+              </a:solidFill>
+            </a:endParaRPr>
+          </a:p>
+          <a:p>
+            <a:r>
+              <a:rPr kumimoji="1" lang="ja-JP" altLang="en-US" sz="2400" dirty="0">
+                <a:solidFill>
+                  <a:schemeClr val="tx1">
+                    <a:lumMod val="65000"/>
+                    <a:lumOff val="35000"/>
+                  </a:schemeClr>
+                </a:solidFill>
+              </a:rPr>
+              <a:t>・品質のために、周囲が納得できるようなコミュニケーションを実践できなかった点。</a:t>
+            </a:r>
+          </a:p>
+        </p:txBody>
+      </p:sp>
+    </p:spTree>
+    <p:extLst>
+      <p:ext uri="{BB962C8B-B14F-4D97-AF65-F5344CB8AC3E}">
+        <p14:creationId xmlns:p14="http://schemas.microsoft.com/office/powerpoint/2010/main" val="749566633"/>
+      </p:ext>
+    </p:extLst>
+  </p:cSld>
+  <p:clrMapOvr>
+    <a:masterClrMapping/>
+  </p:clrMapOvr>
+</p:sld>
+</file>
+
+<file path=ppt/slides/slide2.xml><?xml version="1.0" encoding="utf-8"?>
+<p:sld xmlns:a="http://schemas.openxmlformats.org/drawingml/2006/main" xmlns:r="http://schemas.openxmlformats.org/officeDocument/2006/relationships" xmlns:p="http://schemas.openxmlformats.org/presentationml/2006/main">
+  <p:cSld>
+    <p:spTree>
+      <p:nvGrpSpPr>
+        <p:cNvPr id="1" name=""/>
+        <p:cNvGrpSpPr/>
+        <p:nvPr/>
+      </p:nvGrpSpPr>
+      <p:grpSpPr>
+        <a:xfrm>
+          <a:off x="0" y="0"/>
+          <a:ext cx="0" cy="0"/>
+          <a:chOff x="0" y="0"/>
+          <a:chExt cx="0" cy="0"/>
+        </a:xfrm>
+      </p:grpSpPr>
+      <p:sp>
+        <p:nvSpPr>
+          <p:cNvPr id="2" name="タイトル 1">
+            <a:extLst>
+              <a:ext uri="{FF2B5EF4-FFF2-40B4-BE49-F238E27FC236}">
+                <a16:creationId xmlns:a16="http://schemas.microsoft.com/office/drawing/2014/main" id="{11FF109B-1A52-4682-9479-0DCAC48B3C35}"/>
+              </a:ext>
+            </a:extLst>
+          </p:cNvPr>
+          <p:cNvSpPr>
+            <a:spLocks noGrp="1"/>
+          </p:cNvSpPr>
+          <p:nvPr>
+            <p:ph type="title"/>
+          </p:nvPr>
+        </p:nvSpPr>
+        <p:spPr/>
+        <p:txBody>
+          <a:bodyPr/>
+          <a:lstStyle/>
+          <a:p>
+            <a:r>
+              <a:rPr kumimoji="1" lang="en-US" altLang="ja-JP" dirty="0"/>
+              <a:t>Agenda</a:t>
+            </a:r>
+            <a:endParaRPr kumimoji="1" lang="ja-JP" altLang="en-US" dirty="0"/>
+          </a:p>
+        </p:txBody>
+      </p:sp>
+      <p:sp>
+        <p:nvSpPr>
+          <p:cNvPr id="3" name="コンテンツ プレースホルダー 2">
+            <a:extLst>
+              <a:ext uri="{FF2B5EF4-FFF2-40B4-BE49-F238E27FC236}">
+                <a16:creationId xmlns:a16="http://schemas.microsoft.com/office/drawing/2014/main" id="{E23551B5-FD73-4043-9D9D-F069178EC83A}"/>
+              </a:ext>
+            </a:extLst>
+          </p:cNvPr>
+          <p:cNvSpPr>
+            <a:spLocks noGrp="1"/>
+          </p:cNvSpPr>
+          <p:nvPr>
+            <p:ph idx="1"/>
+          </p:nvPr>
+        </p:nvSpPr>
+        <p:spPr/>
+        <p:txBody>
+          <a:bodyPr/>
+          <a:lstStyle/>
+          <a:p>
+            <a:pPr marL="457200" indent="-457200">
+              <a:buFont typeface="+mj-lt"/>
+              <a:buAutoNum type="arabicPeriod"/>
+            </a:pPr>
+            <a:r>
+              <a:rPr kumimoji="1" lang="ja-JP" altLang="en-US" dirty="0">
+                <a:solidFill>
+                  <a:schemeClr val="accent1">
+                    <a:lumMod val="50000"/>
+                  </a:schemeClr>
+                </a:solidFill>
+              </a:rPr>
+              <a:t>プロダクトの成果</a:t>
+            </a:r>
+            <a:endParaRPr lang="en-US" altLang="ja-JP" dirty="0">
+              <a:solidFill>
+                <a:schemeClr val="accent1">
+                  <a:lumMod val="50000"/>
+                </a:schemeClr>
+              </a:solidFill>
+            </a:endParaRPr>
+          </a:p>
+          <a:p>
+            <a:pPr marL="960120" lvl="1" indent="-457200">
+              <a:buFont typeface="+mj-lt"/>
+              <a:buAutoNum type="arabicPeriod"/>
+            </a:pPr>
+            <a:r>
+              <a:rPr lang="ja-JP" altLang="en-US" dirty="0">
+                <a:solidFill>
+                  <a:schemeClr val="accent1">
+                    <a:lumMod val="50000"/>
+                  </a:schemeClr>
+                </a:solidFill>
+              </a:rPr>
+              <a:t>製品化に至ったきっかけ</a:t>
+            </a:r>
+            <a:endParaRPr lang="en-US" altLang="ja-JP" dirty="0">
+              <a:solidFill>
+                <a:schemeClr val="accent1">
+                  <a:lumMod val="50000"/>
+                </a:schemeClr>
+              </a:solidFill>
+            </a:endParaRPr>
+          </a:p>
+          <a:p>
+            <a:pPr marL="960120" lvl="1" indent="-457200">
+              <a:buFont typeface="+mj-lt"/>
+              <a:buAutoNum type="arabicPeriod"/>
+            </a:pPr>
+            <a:r>
+              <a:rPr kumimoji="1" lang="en-US" altLang="ja-JP" dirty="0">
+                <a:solidFill>
+                  <a:schemeClr val="accent1">
+                    <a:lumMod val="50000"/>
+                  </a:schemeClr>
+                </a:solidFill>
+              </a:rPr>
+              <a:t>Qbox</a:t>
+            </a:r>
+            <a:r>
+              <a:rPr kumimoji="1" lang="ja-JP" altLang="en-US" dirty="0">
+                <a:solidFill>
+                  <a:schemeClr val="accent1">
+                    <a:lumMod val="50000"/>
+                  </a:schemeClr>
+                </a:solidFill>
+              </a:rPr>
+              <a:t>とは</a:t>
+            </a:r>
+            <a:endParaRPr kumimoji="1" lang="en-US" altLang="ja-JP" dirty="0">
+              <a:solidFill>
+                <a:schemeClr val="accent1">
+                  <a:lumMod val="50000"/>
+                </a:schemeClr>
+              </a:solidFill>
+            </a:endParaRPr>
+          </a:p>
+          <a:p>
+            <a:pPr marL="960120" lvl="1" indent="-457200">
+              <a:buFont typeface="+mj-lt"/>
+              <a:buAutoNum type="arabicPeriod"/>
+            </a:pPr>
+            <a:r>
+              <a:rPr kumimoji="1" lang="ja-JP" altLang="en-US" dirty="0">
+                <a:solidFill>
+                  <a:schemeClr val="accent1">
+                    <a:lumMod val="50000"/>
+                  </a:schemeClr>
+                </a:solidFill>
+              </a:rPr>
+              <a:t>想定ユーザにとってのメリット</a:t>
+            </a:r>
+            <a:endParaRPr lang="en-US" altLang="ja-JP" dirty="0">
+              <a:solidFill>
+                <a:schemeClr val="accent1">
+                  <a:lumMod val="50000"/>
+                </a:schemeClr>
+              </a:solidFill>
+            </a:endParaRPr>
+          </a:p>
+          <a:p>
+            <a:pPr marL="960120" lvl="1" indent="-457200">
+              <a:buFont typeface="+mj-lt"/>
+              <a:buAutoNum type="arabicPeriod"/>
+            </a:pPr>
+            <a:r>
+              <a:rPr kumimoji="1" lang="ja-JP" altLang="en-US" dirty="0">
+                <a:solidFill>
+                  <a:schemeClr val="accent1">
+                    <a:lumMod val="50000"/>
+                  </a:schemeClr>
+                </a:solidFill>
+              </a:rPr>
+              <a:t>システムのコンセプト</a:t>
+            </a:r>
+            <a:endParaRPr kumimoji="1" lang="en-US" altLang="ja-JP" dirty="0">
+              <a:solidFill>
+                <a:schemeClr val="accent1">
+                  <a:lumMod val="50000"/>
+                </a:schemeClr>
+              </a:solidFill>
+            </a:endParaRPr>
+          </a:p>
+          <a:p>
+            <a:pPr marL="960120" lvl="1" indent="-457200">
+              <a:buFont typeface="+mj-lt"/>
+              <a:buAutoNum type="arabicPeriod"/>
+            </a:pPr>
+            <a:r>
+              <a:rPr lang="ja-JP" altLang="en-US" dirty="0">
+                <a:solidFill>
+                  <a:schemeClr val="accent1">
+                    <a:lumMod val="50000"/>
+                  </a:schemeClr>
+                </a:solidFill>
+              </a:rPr>
+              <a:t>デザイン面での工夫点</a:t>
+            </a:r>
+            <a:endParaRPr lang="en-US" altLang="ja-JP" dirty="0">
+              <a:solidFill>
+                <a:schemeClr val="accent1">
+                  <a:lumMod val="50000"/>
+                </a:schemeClr>
+              </a:solidFill>
+            </a:endParaRPr>
+          </a:p>
+          <a:p>
+            <a:pPr marL="960120" lvl="1" indent="-457200">
+              <a:buFont typeface="+mj-lt"/>
+              <a:buAutoNum type="arabicPeriod"/>
+            </a:pPr>
+            <a:r>
+              <a:rPr kumimoji="1" lang="ja-JP" altLang="en-US" dirty="0">
+                <a:solidFill>
+                  <a:schemeClr val="accent1">
+                    <a:lumMod val="50000"/>
+                  </a:schemeClr>
+                </a:solidFill>
+              </a:rPr>
+              <a:t>機能面での工夫点・</a:t>
+            </a:r>
+            <a:r>
+              <a:rPr lang="ja-JP" altLang="en-US" dirty="0">
+                <a:solidFill>
+                  <a:schemeClr val="accent1">
+                    <a:lumMod val="50000"/>
+                  </a:schemeClr>
+                </a:solidFill>
+              </a:rPr>
+              <a:t>デモンストレーション</a:t>
+            </a:r>
+            <a:endParaRPr lang="en-US" altLang="ja-JP" dirty="0">
+              <a:solidFill>
+                <a:schemeClr val="accent1">
+                  <a:lumMod val="50000"/>
+                </a:schemeClr>
+              </a:solidFill>
+            </a:endParaRPr>
+          </a:p>
+          <a:p>
+            <a:pPr marL="960120" lvl="1" indent="-457200">
+              <a:buFont typeface="+mj-lt"/>
+              <a:buAutoNum type="arabicPeriod"/>
+            </a:pPr>
+            <a:endParaRPr kumimoji="1" lang="en-US" altLang="ja-JP" dirty="0">
+              <a:solidFill>
+                <a:schemeClr val="accent1">
+                  <a:lumMod val="50000"/>
+                </a:schemeClr>
+              </a:solidFill>
+            </a:endParaRPr>
+          </a:p>
+          <a:p>
+            <a:pPr marL="457200" indent="-457200">
+              <a:buFont typeface="+mj-lt"/>
+              <a:buAutoNum type="arabicPeriod"/>
+            </a:pPr>
+            <a:r>
+              <a:rPr lang="ja-JP" altLang="en-US" dirty="0">
+                <a:solidFill>
+                  <a:schemeClr val="accent1">
+                    <a:lumMod val="50000"/>
+                  </a:schemeClr>
+                </a:solidFill>
+              </a:rPr>
+              <a:t>研修の成果</a:t>
+            </a:r>
+            <a:endParaRPr lang="en-US" altLang="ja-JP" dirty="0">
+              <a:solidFill>
+                <a:schemeClr val="accent1">
+                  <a:lumMod val="50000"/>
+                </a:schemeClr>
+              </a:solidFill>
+            </a:endParaRPr>
+          </a:p>
+          <a:p>
+            <a:pPr marL="960120" lvl="1" indent="-457200">
+              <a:buFont typeface="+mj-lt"/>
+              <a:buAutoNum type="arabicPeriod"/>
+            </a:pPr>
+            <a:r>
+              <a:rPr kumimoji="1" lang="ja-JP" altLang="en-US" dirty="0">
+                <a:solidFill>
+                  <a:schemeClr val="accent1">
+                    <a:lumMod val="50000"/>
+                  </a:schemeClr>
+                </a:solidFill>
+              </a:rPr>
+              <a:t>チーム目標とその成果</a:t>
+            </a:r>
+            <a:endParaRPr kumimoji="1" lang="en-US" altLang="ja-JP" dirty="0">
+              <a:solidFill>
+                <a:schemeClr val="accent1">
+                  <a:lumMod val="50000"/>
+                </a:schemeClr>
+              </a:solidFill>
+            </a:endParaRPr>
+          </a:p>
+          <a:p>
+            <a:pPr marL="960120" lvl="1" indent="-457200">
+              <a:buFont typeface="+mj-lt"/>
+              <a:buAutoNum type="arabicPeriod"/>
+            </a:pPr>
+            <a:r>
+              <a:rPr lang="ja-JP" altLang="en-US" dirty="0">
+                <a:solidFill>
+                  <a:schemeClr val="accent1">
+                    <a:lumMod val="50000"/>
+                  </a:schemeClr>
+                </a:solidFill>
+              </a:rPr>
+              <a:t>円滑なコミュニケーションのために行った工夫</a:t>
+            </a:r>
+            <a:endParaRPr kumimoji="1" lang="en-US" altLang="ja-JP" dirty="0">
+              <a:solidFill>
+                <a:schemeClr val="accent1">
+                  <a:lumMod val="50000"/>
+                </a:schemeClr>
+              </a:solidFill>
+            </a:endParaRPr>
+          </a:p>
+          <a:p>
+            <a:pPr marL="960120" lvl="1" indent="-457200">
+              <a:buFont typeface="+mj-lt"/>
+              <a:buAutoNum type="arabicPeriod"/>
+            </a:pPr>
+            <a:r>
+              <a:rPr lang="ja-JP" altLang="en-US" dirty="0">
+                <a:solidFill>
+                  <a:schemeClr val="accent1">
+                    <a:lumMod val="50000"/>
+                  </a:schemeClr>
+                </a:solidFill>
+              </a:rPr>
+              <a:t>個人としての成長・課題</a:t>
+            </a:r>
+            <a:endParaRPr lang="en-US" altLang="ja-JP" dirty="0">
+              <a:solidFill>
+                <a:schemeClr val="accent1">
+                  <a:lumMod val="50000"/>
+                </a:schemeClr>
+              </a:solidFill>
+            </a:endParaRPr>
+          </a:p>
+          <a:p>
+            <a:pPr marL="960120" lvl="1" indent="-457200">
+              <a:buFont typeface="+mj-lt"/>
+              <a:buAutoNum type="arabicPeriod"/>
+            </a:pPr>
+            <a:endParaRPr kumimoji="1" lang="ja-JP" altLang="en-US" dirty="0">
+              <a:solidFill>
+                <a:schemeClr val="accent1">
+                  <a:lumMod val="50000"/>
+                </a:schemeClr>
+              </a:solidFill>
+            </a:endParaRPr>
+          </a:p>
+        </p:txBody>
+      </p:sp>
+      <p:pic>
+        <p:nvPicPr>
+          <p:cNvPr id="4" name="図 3" descr="アイコン&#10;&#10;自動的に生成された説明">
+            <a:extLst>
+              <a:ext uri="{FF2B5EF4-FFF2-40B4-BE49-F238E27FC236}">
+                <a16:creationId xmlns:a16="http://schemas.microsoft.com/office/drawing/2014/main" id="{F80B5929-9B90-4E9C-B9E6-44E443331DB5}"/>
+              </a:ext>
+            </a:extLst>
+          </p:cNvPr>
+          <p:cNvPicPr>
+            <a:picLocks noChangeAspect="1"/>
+          </p:cNvPicPr>
+          <p:nvPr/>
+        </p:nvPicPr>
+        <p:blipFill>
+          <a:blip r:embed="rId2">
+            <a:alphaModFix amt="85000"/>
+            <a:extLst>
+              <a:ext uri="{28A0092B-C50C-407E-A947-70E740481C1C}">
+                <a14:useLocalDpi xmlns:a14="http://schemas.microsoft.com/office/drawing/2010/main" val="0"/>
+              </a:ext>
+            </a:extLst>
+          </a:blip>
+          <a:stretch>
+            <a:fillRect/>
+          </a:stretch>
+        </p:blipFill>
+        <p:spPr>
+          <a:xfrm>
+            <a:off x="9466729" y="5262949"/>
+            <a:ext cx="2725271" cy="1469817"/>
+          </a:xfrm>
+          <a:prstGeom prst="rect">
+            <a:avLst/>
+          </a:prstGeom>
+        </p:spPr>
+      </p:pic>
+    </p:spTree>
+    <p:extLst>
+      <p:ext uri="{BB962C8B-B14F-4D97-AF65-F5344CB8AC3E}">
+        <p14:creationId xmlns:p14="http://schemas.microsoft.com/office/powerpoint/2010/main" val="1904817533"/>
+      </p:ext>
+    </p:extLst>
+  </p:cSld>
+  <p:clrMapOvr>
+    <a:masterClrMapping/>
+  </p:clrMapOvr>
+</p:sld>
+</file>
+
+<file path=ppt/slides/slide20.xml><?xml version="1.0" encoding="utf-8"?>
+<p:sld xmlns:a="http://schemas.openxmlformats.org/drawingml/2006/main" xmlns:r="http://schemas.openxmlformats.org/officeDocument/2006/relationships" xmlns:p="http://schemas.openxmlformats.org/presentationml/2006/main">
+  <p:cSld>
+    <p:spTree>
+      <p:nvGrpSpPr>
+        <p:cNvPr id="1" name=""/>
+        <p:cNvGrpSpPr/>
+        <p:nvPr/>
+      </p:nvGrpSpPr>
+      <p:grpSpPr>
+        <a:xfrm>
+          <a:off x="0" y="0"/>
+          <a:ext cx="0" cy="0"/>
+          <a:chOff x="0" y="0"/>
+          <a:chExt cx="0" cy="0"/>
+        </a:xfrm>
+      </p:grpSpPr>
+      <p:sp>
+        <p:nvSpPr>
+          <p:cNvPr id="2" name="タイトル 1">
+            <a:extLst>
+              <a:ext uri="{FF2B5EF4-FFF2-40B4-BE49-F238E27FC236}">
+                <a16:creationId xmlns:a16="http://schemas.microsoft.com/office/drawing/2014/main" id="{11FF109B-1A52-4682-9479-0DCAC48B3C35}"/>
+              </a:ext>
+            </a:extLst>
+          </p:cNvPr>
+          <p:cNvSpPr>
+            <a:spLocks noGrp="1"/>
+          </p:cNvSpPr>
+          <p:nvPr>
+            <p:ph type="title"/>
+          </p:nvPr>
+        </p:nvSpPr>
+        <p:spPr/>
+        <p:txBody>
+          <a:bodyPr/>
+          <a:lstStyle/>
+          <a:p>
+            <a:r>
+              <a:rPr kumimoji="1" lang="ja-JP" altLang="en-US" dirty="0"/>
+              <a:t>構成管理担当</a:t>
+            </a:r>
+            <a:br>
+              <a:rPr kumimoji="1" lang="en-US" altLang="ja-JP" dirty="0"/>
+            </a:br>
+            <a:r>
+              <a:rPr kumimoji="1" lang="ja-JP" altLang="en-US" dirty="0"/>
+              <a:t>鈴木佑</a:t>
+            </a:r>
+          </a:p>
+        </p:txBody>
+      </p:sp>
+      <p:pic>
+        <p:nvPicPr>
+          <p:cNvPr id="4" name="図 3" descr="アイコン&#10;&#10;自動的に生成された説明">
+            <a:extLst>
+              <a:ext uri="{FF2B5EF4-FFF2-40B4-BE49-F238E27FC236}">
+                <a16:creationId xmlns:a16="http://schemas.microsoft.com/office/drawing/2014/main" id="{F80B5929-9B90-4E9C-B9E6-44E443331DB5}"/>
+              </a:ext>
+            </a:extLst>
+          </p:cNvPr>
+          <p:cNvPicPr>
+            <a:picLocks noChangeAspect="1"/>
+          </p:cNvPicPr>
+          <p:nvPr/>
+        </p:nvPicPr>
+        <p:blipFill>
+          <a:blip r:embed="rId3">
+            <a:alphaModFix amt="85000"/>
+            <a:extLst>
+              <a:ext uri="{28A0092B-C50C-407E-A947-70E740481C1C}">
+                <a14:useLocalDpi xmlns:a14="http://schemas.microsoft.com/office/drawing/2010/main" val="0"/>
+              </a:ext>
+            </a:extLst>
+          </a:blip>
+          <a:stretch>
+            <a:fillRect/>
+          </a:stretch>
+        </p:blipFill>
+        <p:spPr>
+          <a:xfrm>
+            <a:off x="9466729" y="5388183"/>
+            <a:ext cx="2725271" cy="1469817"/>
+          </a:xfrm>
+          <a:prstGeom prst="rect">
+            <a:avLst/>
+          </a:prstGeom>
+        </p:spPr>
+      </p:pic>
+      <p:sp>
+        <p:nvSpPr>
+          <p:cNvPr id="8" name="四角形: 角を丸くする 7">
+            <a:extLst>
+              <a:ext uri="{FF2B5EF4-FFF2-40B4-BE49-F238E27FC236}">
+                <a16:creationId xmlns:a16="http://schemas.microsoft.com/office/drawing/2014/main" id="{542D6C01-EA5D-4CFB-8518-85DD125F9D32}"/>
+              </a:ext>
+            </a:extLst>
+          </p:cNvPr>
+          <p:cNvSpPr/>
+          <p:nvPr/>
+        </p:nvSpPr>
+        <p:spPr>
+          <a:xfrm>
+            <a:off x="3756972" y="360137"/>
+            <a:ext cx="7552712" cy="1844842"/>
+          </a:xfrm>
+          <a:prstGeom prst="roundRect">
+            <a:avLst/>
+          </a:prstGeom>
+          <a:noFill/>
+          <a:ln w="28575"/>
+        </p:spPr>
+        <p:style>
+          <a:lnRef idx="2">
+            <a:schemeClr val="accent1">
+              <a:shade val="50000"/>
+            </a:schemeClr>
+          </a:lnRef>
+          <a:fillRef idx="1">
+            <a:schemeClr val="accent1"/>
+          </a:fillRef>
+          <a:effectRef idx="0">
+            <a:schemeClr val="accent1"/>
+          </a:effectRef>
+          <a:fontRef idx="minor">
+            <a:schemeClr val="lt1"/>
+          </a:fontRef>
+        </p:style>
+        <p:txBody>
+          <a:bodyPr rtlCol="0" anchor="t"/>
+          <a:lstStyle/>
+          <a:p>
+            <a:r>
+              <a:rPr lang="ja-JP" altLang="en-US" b="0" i="0" dirty="0">
+                <a:solidFill>
+                  <a:schemeClr val="tx1">
+                    <a:lumMod val="65000"/>
+                    <a:lumOff val="35000"/>
+                  </a:schemeClr>
+                </a:solidFill>
+                <a:effectLst/>
+                <a:latin typeface="Slack-Lato"/>
+              </a:rPr>
+              <a:t>★この研修を通して自分が成長したと思う点</a:t>
+            </a:r>
+            <a:endParaRPr lang="en-US" altLang="ja-JP" b="0" i="0" dirty="0">
+              <a:solidFill>
+                <a:schemeClr val="tx1">
+                  <a:lumMod val="65000"/>
+                  <a:lumOff val="35000"/>
+                </a:schemeClr>
+              </a:solidFill>
+              <a:effectLst/>
+              <a:latin typeface="Slack-Lato"/>
+            </a:endParaRPr>
+          </a:p>
+          <a:p>
+            <a:endParaRPr kumimoji="1" lang="en-US" altLang="ja-JP" sz="2400" dirty="0">
+              <a:solidFill>
+                <a:schemeClr val="tx1">
+                  <a:lumMod val="65000"/>
+                  <a:lumOff val="35000"/>
+                </a:schemeClr>
+              </a:solidFill>
+              <a:latin typeface="Slack-Lato"/>
+            </a:endParaRPr>
+          </a:p>
+          <a:p>
+            <a:r>
+              <a:rPr lang="ja-JP" altLang="en-US" sz="2400" b="0" i="0" dirty="0">
+                <a:solidFill>
+                  <a:schemeClr val="tx1">
+                    <a:lumMod val="65000"/>
+                    <a:lumOff val="35000"/>
+                  </a:schemeClr>
+                </a:solidFill>
+                <a:effectLst/>
+                <a:latin typeface="Slack-Lato"/>
+              </a:rPr>
+              <a:t>コミュニケーションの取り方を学べた</a:t>
+            </a:r>
+            <a:r>
+              <a:rPr kumimoji="1" lang="ja-JP" altLang="en-US" sz="2400" b="0" i="0" dirty="0">
+                <a:solidFill>
+                  <a:schemeClr val="tx1">
+                    <a:lumMod val="65000"/>
+                    <a:lumOff val="35000"/>
+                  </a:schemeClr>
+                </a:solidFill>
+                <a:effectLst/>
+                <a:latin typeface="Slack-Lato"/>
+              </a:rPr>
+              <a:t>点</a:t>
+            </a:r>
+            <a:endParaRPr kumimoji="1" lang="ja-JP" altLang="en-US" sz="2400" dirty="0">
+              <a:solidFill>
+                <a:schemeClr val="tx1">
+                  <a:lumMod val="65000"/>
+                  <a:lumOff val="35000"/>
+                </a:schemeClr>
+              </a:solidFill>
+            </a:endParaRPr>
+          </a:p>
+        </p:txBody>
+      </p:sp>
+      <p:sp>
+        <p:nvSpPr>
+          <p:cNvPr id="9" name="四角形: 角を丸くする 8">
+            <a:extLst>
+              <a:ext uri="{FF2B5EF4-FFF2-40B4-BE49-F238E27FC236}">
+                <a16:creationId xmlns:a16="http://schemas.microsoft.com/office/drawing/2014/main" id="{D7557FF1-82BB-438F-B656-777FED2356EA}"/>
+              </a:ext>
+            </a:extLst>
+          </p:cNvPr>
+          <p:cNvSpPr/>
+          <p:nvPr/>
+        </p:nvSpPr>
+        <p:spPr>
+          <a:xfrm>
+            <a:off x="3756972" y="2341585"/>
+            <a:ext cx="7552712" cy="1844842"/>
+          </a:xfrm>
+          <a:prstGeom prst="roundRect">
+            <a:avLst/>
+          </a:prstGeom>
+          <a:noFill/>
+          <a:ln w="28575"/>
+        </p:spPr>
+        <p:style>
+          <a:lnRef idx="2">
+            <a:schemeClr val="accent1">
+              <a:shade val="50000"/>
+            </a:schemeClr>
+          </a:lnRef>
+          <a:fillRef idx="1">
+            <a:schemeClr val="accent1"/>
+          </a:fillRef>
+          <a:effectRef idx="0">
+            <a:schemeClr val="accent1"/>
+          </a:effectRef>
+          <a:fontRef idx="minor">
+            <a:schemeClr val="lt1"/>
+          </a:fontRef>
+        </p:style>
+        <p:txBody>
+          <a:bodyPr rtlCol="0" anchor="t"/>
+          <a:lstStyle/>
+          <a:p>
+            <a:r>
+              <a:rPr lang="ja-JP" altLang="en-US" b="0" i="0" dirty="0">
+                <a:solidFill>
+                  <a:schemeClr val="tx1">
+                    <a:lumMod val="65000"/>
+                    <a:lumOff val="35000"/>
+                  </a:schemeClr>
+                </a:solidFill>
+                <a:effectLst/>
+                <a:latin typeface="Slack-Lato"/>
+              </a:rPr>
+              <a:t>★チームのために主体的に行動したこと</a:t>
+            </a:r>
+            <a:endParaRPr lang="en-US" altLang="ja-JP" b="0" i="0" dirty="0">
+              <a:solidFill>
+                <a:schemeClr val="tx1">
+                  <a:lumMod val="65000"/>
+                  <a:lumOff val="35000"/>
+                </a:schemeClr>
+              </a:solidFill>
+              <a:effectLst/>
+              <a:latin typeface="Slack-Lato"/>
+            </a:endParaRPr>
+          </a:p>
+          <a:p>
+            <a:endParaRPr kumimoji="1" lang="en-US" altLang="ja-JP" dirty="0">
+              <a:solidFill>
+                <a:schemeClr val="tx1">
+                  <a:lumMod val="65000"/>
+                  <a:lumOff val="35000"/>
+                </a:schemeClr>
+              </a:solidFill>
+              <a:latin typeface="Slack-Lato"/>
+            </a:endParaRPr>
+          </a:p>
+          <a:p>
+            <a:r>
+              <a:rPr lang="ja-JP" altLang="en-US" sz="2400" b="0" i="0" dirty="0">
+                <a:solidFill>
+                  <a:schemeClr val="tx1">
+                    <a:lumMod val="65000"/>
+                    <a:lumOff val="35000"/>
+                  </a:schemeClr>
+                </a:solidFill>
+                <a:effectLst/>
+                <a:latin typeface="Slack-Lato"/>
+              </a:rPr>
+              <a:t>内部設計の作成、エラーの対処</a:t>
+            </a:r>
+            <a:br>
+              <a:rPr lang="ja-JP" altLang="en-US" dirty="0">
+                <a:solidFill>
+                  <a:schemeClr val="tx1">
+                    <a:lumMod val="65000"/>
+                    <a:lumOff val="35000"/>
+                  </a:schemeClr>
+                </a:solidFill>
+              </a:rPr>
+            </a:br>
+            <a:endParaRPr kumimoji="1" lang="ja-JP" altLang="en-US" dirty="0">
+              <a:solidFill>
+                <a:schemeClr val="tx1">
+                  <a:lumMod val="65000"/>
+                  <a:lumOff val="35000"/>
+                </a:schemeClr>
+              </a:solidFill>
+            </a:endParaRPr>
+          </a:p>
+        </p:txBody>
+      </p:sp>
+      <p:sp>
+        <p:nvSpPr>
+          <p:cNvPr id="10" name="四角形: 角を丸くする 9">
+            <a:extLst>
+              <a:ext uri="{FF2B5EF4-FFF2-40B4-BE49-F238E27FC236}">
+                <a16:creationId xmlns:a16="http://schemas.microsoft.com/office/drawing/2014/main" id="{5B5B053D-FE14-4223-9F13-8B7DB897D56B}"/>
+              </a:ext>
+            </a:extLst>
+          </p:cNvPr>
+          <p:cNvSpPr/>
+          <p:nvPr/>
+        </p:nvSpPr>
+        <p:spPr>
+          <a:xfrm>
+            <a:off x="3756972" y="4347411"/>
+            <a:ext cx="7552712" cy="1998380"/>
+          </a:xfrm>
+          <a:prstGeom prst="roundRect">
+            <a:avLst/>
+          </a:prstGeom>
+          <a:solidFill>
+            <a:schemeClr val="bg1"/>
+          </a:solidFill>
+          <a:ln w="28575"/>
+        </p:spPr>
+        <p:style>
+          <a:lnRef idx="2">
+            <a:schemeClr val="accent1">
+              <a:shade val="50000"/>
+            </a:schemeClr>
+          </a:lnRef>
+          <a:fillRef idx="1">
+            <a:schemeClr val="accent1"/>
+          </a:fillRef>
+          <a:effectRef idx="0">
+            <a:schemeClr val="accent1"/>
+          </a:effectRef>
+          <a:fontRef idx="minor">
+            <a:schemeClr val="lt1"/>
+          </a:fontRef>
+        </p:style>
+        <p:txBody>
+          <a:bodyPr rtlCol="0" anchor="t"/>
+          <a:lstStyle/>
+          <a:p>
+            <a:r>
+              <a:rPr kumimoji="1" lang="ja-JP" altLang="en-US" dirty="0">
+                <a:solidFill>
+                  <a:schemeClr val="tx1">
+                    <a:lumMod val="65000"/>
+                    <a:lumOff val="35000"/>
+                  </a:schemeClr>
+                </a:solidFill>
+              </a:rPr>
+              <a:t>★残された課題</a:t>
+            </a:r>
+            <a:endParaRPr kumimoji="1" lang="en-US" altLang="ja-JP" dirty="0">
+              <a:solidFill>
+                <a:schemeClr val="tx1">
+                  <a:lumMod val="65000"/>
+                  <a:lumOff val="35000"/>
+                </a:schemeClr>
+              </a:solidFill>
+            </a:endParaRPr>
+          </a:p>
+          <a:p>
+            <a:endParaRPr kumimoji="1" lang="en-US" altLang="ja-JP" dirty="0">
+              <a:solidFill>
+                <a:schemeClr val="tx1">
+                  <a:lumMod val="65000"/>
+                  <a:lumOff val="35000"/>
+                </a:schemeClr>
+              </a:solidFill>
+            </a:endParaRPr>
+          </a:p>
+          <a:p>
+            <a:r>
+              <a:rPr lang="ja-JP" altLang="en-US" sz="2400" b="0" i="0" dirty="0">
+                <a:solidFill>
+                  <a:schemeClr val="tx1">
+                    <a:lumMod val="65000"/>
+                    <a:lumOff val="35000"/>
+                  </a:schemeClr>
+                </a:solidFill>
+                <a:effectLst/>
+                <a:latin typeface="Slack-Lato"/>
+              </a:rPr>
+              <a:t>意見などをあまりわかりやすく伝えられていない</a:t>
+            </a:r>
+            <a:r>
+              <a:rPr kumimoji="1" lang="ja-JP" altLang="en-US" sz="2400" b="0" i="0" dirty="0">
+                <a:solidFill>
+                  <a:schemeClr val="tx1">
+                    <a:lumMod val="65000"/>
+                    <a:lumOff val="35000"/>
+                  </a:schemeClr>
+                </a:solidFill>
+                <a:effectLst/>
+                <a:latin typeface="Slack-Lato"/>
+              </a:rPr>
+              <a:t>点</a:t>
+            </a:r>
+            <a:endParaRPr kumimoji="1" lang="ja-JP" altLang="en-US" sz="2400" dirty="0">
+              <a:solidFill>
+                <a:schemeClr val="tx1">
+                  <a:lumMod val="65000"/>
+                  <a:lumOff val="35000"/>
+                </a:schemeClr>
+              </a:solidFill>
+            </a:endParaRPr>
+          </a:p>
+        </p:txBody>
+      </p:sp>
+    </p:spTree>
+    <p:extLst>
+      <p:ext uri="{BB962C8B-B14F-4D97-AF65-F5344CB8AC3E}">
+        <p14:creationId xmlns:p14="http://schemas.microsoft.com/office/powerpoint/2010/main" val="3218360431"/>
+      </p:ext>
+    </p:extLst>
+  </p:cSld>
+  <p:clrMapOvr>
+    <a:masterClrMapping/>
+  </p:clrMapOvr>
+</p:sld>
+</file>
+
+<file path=ppt/slides/slide21.xml><?xml version="1.0" encoding="utf-8"?>
+<p:sld xmlns:a="http://schemas.openxmlformats.org/drawingml/2006/main" xmlns:r="http://schemas.openxmlformats.org/officeDocument/2006/relationships" xmlns:p="http://schemas.openxmlformats.org/presentationml/2006/main">
+  <p:cSld>
+    <p:spTree>
+      <p:nvGrpSpPr>
+        <p:cNvPr id="1" name=""/>
+        <p:cNvGrpSpPr/>
+        <p:nvPr/>
+      </p:nvGrpSpPr>
+      <p:grpSpPr>
+        <a:xfrm>
+          <a:off x="0" y="0"/>
+          <a:ext cx="0" cy="0"/>
+          <a:chOff x="0" y="0"/>
+          <a:chExt cx="0" cy="0"/>
+        </a:xfrm>
+      </p:grpSpPr>
+      <p:sp>
+        <p:nvSpPr>
+          <p:cNvPr id="2" name="タイトル 1">
+            <a:extLst>
+              <a:ext uri="{FF2B5EF4-FFF2-40B4-BE49-F238E27FC236}">
+                <a16:creationId xmlns:a16="http://schemas.microsoft.com/office/drawing/2014/main" id="{11FF109B-1A52-4682-9479-0DCAC48B3C35}"/>
+              </a:ext>
+            </a:extLst>
+          </p:cNvPr>
+          <p:cNvSpPr>
+            <a:spLocks noGrp="1"/>
+          </p:cNvSpPr>
+          <p:nvPr>
+            <p:ph type="title"/>
+          </p:nvPr>
+        </p:nvSpPr>
+        <p:spPr/>
+        <p:txBody>
+          <a:bodyPr/>
+          <a:lstStyle/>
+          <a:p>
+            <a:r>
+              <a:rPr kumimoji="1" lang="en-US" altLang="ja-JP" dirty="0"/>
+              <a:t>DBA</a:t>
+            </a:r>
+            <a:br>
+              <a:rPr kumimoji="1" lang="en-US" altLang="ja-JP" dirty="0"/>
+            </a:br>
+            <a:r>
+              <a:rPr kumimoji="1" lang="ja-JP" altLang="en-US" dirty="0"/>
+              <a:t>中岡稜</a:t>
+            </a:r>
+          </a:p>
+        </p:txBody>
+      </p:sp>
+      <p:pic>
+        <p:nvPicPr>
+          <p:cNvPr id="4" name="図 3" descr="アイコン&#10;&#10;自動的に生成された説明">
+            <a:extLst>
+              <a:ext uri="{FF2B5EF4-FFF2-40B4-BE49-F238E27FC236}">
+                <a16:creationId xmlns:a16="http://schemas.microsoft.com/office/drawing/2014/main" id="{F80B5929-9B90-4E9C-B9E6-44E443331DB5}"/>
+              </a:ext>
+            </a:extLst>
+          </p:cNvPr>
+          <p:cNvPicPr>
+            <a:picLocks noChangeAspect="1"/>
+          </p:cNvPicPr>
+          <p:nvPr/>
+        </p:nvPicPr>
+        <p:blipFill>
+          <a:blip r:embed="rId3">
+            <a:alphaModFix amt="85000"/>
+            <a:extLst>
+              <a:ext uri="{28A0092B-C50C-407E-A947-70E740481C1C}">
+                <a14:useLocalDpi xmlns:a14="http://schemas.microsoft.com/office/drawing/2010/main" val="0"/>
+              </a:ext>
+            </a:extLst>
+          </a:blip>
+          <a:stretch>
+            <a:fillRect/>
+          </a:stretch>
+        </p:blipFill>
+        <p:spPr>
+          <a:xfrm>
+            <a:off x="9466729" y="5262949"/>
+            <a:ext cx="2725271" cy="1469817"/>
+          </a:xfrm>
+          <a:prstGeom prst="rect">
+            <a:avLst/>
+          </a:prstGeom>
+        </p:spPr>
+      </p:pic>
+      <p:sp>
+        <p:nvSpPr>
+          <p:cNvPr id="8" name="四角形: 角を丸くする 7">
+            <a:extLst>
+              <a:ext uri="{FF2B5EF4-FFF2-40B4-BE49-F238E27FC236}">
+                <a16:creationId xmlns:a16="http://schemas.microsoft.com/office/drawing/2014/main" id="{FAB637BA-6B89-4CFC-8303-E23C211977F2}"/>
+              </a:ext>
+            </a:extLst>
+          </p:cNvPr>
+          <p:cNvSpPr/>
+          <p:nvPr/>
+        </p:nvSpPr>
+        <p:spPr>
+          <a:xfrm>
+            <a:off x="3756972" y="360137"/>
+            <a:ext cx="7552712" cy="1844842"/>
+          </a:xfrm>
+          <a:prstGeom prst="roundRect">
+            <a:avLst/>
+          </a:prstGeom>
+          <a:noFill/>
+          <a:ln w="28575"/>
+        </p:spPr>
+        <p:style>
+          <a:lnRef idx="2">
+            <a:schemeClr val="accent1">
+              <a:shade val="50000"/>
+            </a:schemeClr>
+          </a:lnRef>
+          <a:fillRef idx="1">
+            <a:schemeClr val="accent1"/>
+          </a:fillRef>
+          <a:effectRef idx="0">
+            <a:schemeClr val="accent1"/>
+          </a:effectRef>
+          <a:fontRef idx="minor">
+            <a:schemeClr val="lt1"/>
+          </a:fontRef>
+        </p:style>
+        <p:txBody>
+          <a:bodyPr rtlCol="0" anchor="t"/>
+          <a:lstStyle/>
+          <a:p>
+            <a:r>
+              <a:rPr lang="ja-JP" altLang="en-US" b="0" i="0" dirty="0">
+                <a:solidFill>
+                  <a:schemeClr val="tx1">
+                    <a:lumMod val="65000"/>
+                    <a:lumOff val="35000"/>
+                  </a:schemeClr>
+                </a:solidFill>
+                <a:effectLst/>
+                <a:latin typeface="Slack-Lato"/>
+              </a:rPr>
+              <a:t>★この研修を通して自分が成長したと思う点</a:t>
+            </a:r>
+            <a:endParaRPr kumimoji="1" lang="ja-JP" altLang="en-US" dirty="0">
+              <a:solidFill>
+                <a:schemeClr val="tx1">
+                  <a:lumMod val="65000"/>
+                  <a:lumOff val="35000"/>
+                </a:schemeClr>
+              </a:solidFill>
+            </a:endParaRPr>
+          </a:p>
+        </p:txBody>
+      </p:sp>
+      <p:sp>
+        <p:nvSpPr>
+          <p:cNvPr id="9" name="四角形: 角を丸くする 8">
+            <a:extLst>
+              <a:ext uri="{FF2B5EF4-FFF2-40B4-BE49-F238E27FC236}">
+                <a16:creationId xmlns:a16="http://schemas.microsoft.com/office/drawing/2014/main" id="{6597059A-34DB-4E3D-B92E-79A95208ADF4}"/>
+              </a:ext>
+            </a:extLst>
+          </p:cNvPr>
+          <p:cNvSpPr/>
+          <p:nvPr/>
+        </p:nvSpPr>
+        <p:spPr>
+          <a:xfrm>
+            <a:off x="3756972" y="2341585"/>
+            <a:ext cx="7552712" cy="1844842"/>
+          </a:xfrm>
+          <a:prstGeom prst="roundRect">
+            <a:avLst/>
+          </a:prstGeom>
+          <a:noFill/>
+          <a:ln w="28575"/>
+        </p:spPr>
+        <p:style>
+          <a:lnRef idx="2">
+            <a:schemeClr val="accent1">
+              <a:shade val="50000"/>
+            </a:schemeClr>
+          </a:lnRef>
+          <a:fillRef idx="1">
+            <a:schemeClr val="accent1"/>
+          </a:fillRef>
+          <a:effectRef idx="0">
+            <a:schemeClr val="accent1"/>
+          </a:effectRef>
+          <a:fontRef idx="minor">
+            <a:schemeClr val="lt1"/>
+          </a:fontRef>
+        </p:style>
+        <p:txBody>
+          <a:bodyPr rtlCol="0" anchor="t"/>
+          <a:lstStyle/>
+          <a:p>
+            <a:r>
+              <a:rPr lang="ja-JP" altLang="en-US" b="0" i="0" dirty="0">
+                <a:solidFill>
+                  <a:schemeClr val="tx1">
+                    <a:lumMod val="65000"/>
+                    <a:lumOff val="35000"/>
+                  </a:schemeClr>
+                </a:solidFill>
+                <a:effectLst/>
+                <a:latin typeface="Slack-Lato"/>
+              </a:rPr>
+              <a:t>★チームのために主体的に行動したこと</a:t>
+            </a:r>
+            <a:endParaRPr kumimoji="1" lang="ja-JP" altLang="en-US" dirty="0">
+              <a:solidFill>
+                <a:schemeClr val="tx1">
+                  <a:lumMod val="65000"/>
+                  <a:lumOff val="35000"/>
+                </a:schemeClr>
+              </a:solidFill>
+            </a:endParaRPr>
+          </a:p>
+        </p:txBody>
+      </p:sp>
+      <p:sp>
+        <p:nvSpPr>
+          <p:cNvPr id="10" name="四角形: 角を丸くする 9">
+            <a:extLst>
+              <a:ext uri="{FF2B5EF4-FFF2-40B4-BE49-F238E27FC236}">
+                <a16:creationId xmlns:a16="http://schemas.microsoft.com/office/drawing/2014/main" id="{534088A4-2D11-4FCA-ABC3-FF63C00EC9E0}"/>
+              </a:ext>
+            </a:extLst>
+          </p:cNvPr>
+          <p:cNvSpPr/>
+          <p:nvPr/>
+        </p:nvSpPr>
+        <p:spPr>
+          <a:xfrm>
+            <a:off x="3756972" y="4347411"/>
+            <a:ext cx="7552712" cy="1998380"/>
+          </a:xfrm>
+          <a:prstGeom prst="roundRect">
+            <a:avLst/>
+          </a:prstGeom>
+          <a:solidFill>
+            <a:schemeClr val="bg1"/>
+          </a:solidFill>
+          <a:ln w="28575"/>
+        </p:spPr>
+        <p:style>
+          <a:lnRef idx="2">
+            <a:schemeClr val="accent1">
+              <a:shade val="50000"/>
+            </a:schemeClr>
+          </a:lnRef>
+          <a:fillRef idx="1">
+            <a:schemeClr val="accent1"/>
+          </a:fillRef>
+          <a:effectRef idx="0">
+            <a:schemeClr val="accent1"/>
+          </a:effectRef>
+          <a:fontRef idx="minor">
+            <a:schemeClr val="lt1"/>
+          </a:fontRef>
+        </p:style>
+        <p:txBody>
+          <a:bodyPr rtlCol="0" anchor="t"/>
+          <a:lstStyle/>
+          <a:p>
+            <a:r>
+              <a:rPr kumimoji="1" lang="ja-JP" altLang="en-US" dirty="0">
+                <a:solidFill>
+                  <a:schemeClr val="tx1">
+                    <a:lumMod val="65000"/>
+                    <a:lumOff val="35000"/>
+                  </a:schemeClr>
+                </a:solidFill>
+              </a:rPr>
+              <a:t>★残された課題</a:t>
+            </a:r>
+          </a:p>
+        </p:txBody>
+      </p:sp>
+    </p:spTree>
+    <p:extLst>
+      <p:ext uri="{BB962C8B-B14F-4D97-AF65-F5344CB8AC3E}">
+        <p14:creationId xmlns:p14="http://schemas.microsoft.com/office/powerpoint/2010/main" val="1787575135"/>
+      </p:ext>
+    </p:extLst>
+  </p:cSld>
+  <p:clrMapOvr>
+    <a:masterClrMapping/>
+  </p:clrMapOvr>
+</p:sld>
+</file>
+
+<file path=ppt/slides/slide22.xml><?xml version="1.0" encoding="utf-8"?>
+<p:sld xmlns:a="http://schemas.openxmlformats.org/drawingml/2006/main" xmlns:r="http://schemas.openxmlformats.org/officeDocument/2006/relationships" xmlns:p="http://schemas.openxmlformats.org/presentationml/2006/main">
+  <p:cSld>
+    <p:spTree>
+      <p:nvGrpSpPr>
+        <p:cNvPr id="1" name=""/>
+        <p:cNvGrpSpPr/>
+        <p:nvPr/>
+      </p:nvGrpSpPr>
+      <p:grpSpPr>
+        <a:xfrm>
+          <a:off x="0" y="0"/>
+          <a:ext cx="0" cy="0"/>
+          <a:chOff x="0" y="0"/>
+          <a:chExt cx="0" cy="0"/>
+        </a:xfrm>
+      </p:grpSpPr>
+      <p:sp>
+        <p:nvSpPr>
+          <p:cNvPr id="2" name="タイトル 1">
+            <a:extLst>
+              <a:ext uri="{FF2B5EF4-FFF2-40B4-BE49-F238E27FC236}">
+                <a16:creationId xmlns:a16="http://schemas.microsoft.com/office/drawing/2014/main" id="{11FF109B-1A52-4682-9479-0DCAC48B3C35}"/>
+              </a:ext>
+            </a:extLst>
+          </p:cNvPr>
+          <p:cNvSpPr>
+            <a:spLocks noGrp="1"/>
+          </p:cNvSpPr>
+          <p:nvPr>
+            <p:ph type="title"/>
+          </p:nvPr>
+        </p:nvSpPr>
+        <p:spPr/>
+        <p:txBody>
+          <a:bodyPr/>
+          <a:lstStyle/>
+          <a:p>
+            <a:endParaRPr kumimoji="1" lang="ja-JP" altLang="en-US" dirty="0"/>
+          </a:p>
+        </p:txBody>
+      </p:sp>
+      <p:sp>
+        <p:nvSpPr>
+          <p:cNvPr id="3" name="コンテンツ プレースホルダー 2">
+            <a:extLst>
+              <a:ext uri="{FF2B5EF4-FFF2-40B4-BE49-F238E27FC236}">
+                <a16:creationId xmlns:a16="http://schemas.microsoft.com/office/drawing/2014/main" id="{E23551B5-FD73-4043-9D9D-F069178EC83A}"/>
+              </a:ext>
+            </a:extLst>
+          </p:cNvPr>
+          <p:cNvSpPr>
+            <a:spLocks noGrp="1"/>
+          </p:cNvSpPr>
+          <p:nvPr>
+            <p:ph idx="1"/>
+          </p:nvPr>
+        </p:nvSpPr>
+        <p:spPr/>
+        <p:txBody>
+          <a:bodyPr/>
+          <a:lstStyle/>
+          <a:p>
+            <a:endParaRPr kumimoji="1" lang="ja-JP" altLang="en-US" dirty="0"/>
+          </a:p>
+        </p:txBody>
+      </p:sp>
+      <p:pic>
+        <p:nvPicPr>
+          <p:cNvPr id="4" name="図 3" descr="アイコン&#10;&#10;自動的に生成された説明">
+            <a:extLst>
+              <a:ext uri="{FF2B5EF4-FFF2-40B4-BE49-F238E27FC236}">
+                <a16:creationId xmlns:a16="http://schemas.microsoft.com/office/drawing/2014/main" id="{F80B5929-9B90-4E9C-B9E6-44E443331DB5}"/>
+              </a:ext>
+            </a:extLst>
+          </p:cNvPr>
+          <p:cNvPicPr>
+            <a:picLocks noChangeAspect="1"/>
+          </p:cNvPicPr>
+          <p:nvPr/>
+        </p:nvPicPr>
+        <p:blipFill>
+          <a:blip r:embed="rId3">
+            <a:alphaModFix amt="85000"/>
+            <a:extLst>
+              <a:ext uri="{28A0092B-C50C-407E-A947-70E740481C1C}">
+                <a14:useLocalDpi xmlns:a14="http://schemas.microsoft.com/office/drawing/2010/main" val="0"/>
+              </a:ext>
+            </a:extLst>
+          </a:blip>
+          <a:stretch>
+            <a:fillRect/>
+          </a:stretch>
+        </p:blipFill>
+        <p:spPr>
+          <a:xfrm>
+            <a:off x="9466729" y="5262949"/>
+            <a:ext cx="2725271" cy="1469817"/>
+          </a:xfrm>
+          <a:prstGeom prst="rect">
+            <a:avLst/>
+          </a:prstGeom>
+        </p:spPr>
+      </p:pic>
+    </p:spTree>
+    <p:extLst>
+      <p:ext uri="{BB962C8B-B14F-4D97-AF65-F5344CB8AC3E}">
+        <p14:creationId xmlns:p14="http://schemas.microsoft.com/office/powerpoint/2010/main" val="3106033088"/>
+      </p:ext>
+    </p:extLst>
+  </p:cSld>
+  <p:clrMapOvr>
+    <a:masterClrMapping/>
+  </p:clrMapOvr>
+</p:sld>
+</file>
+
+<file path=ppt/slides/slide23.xml><?xml version="1.0" encoding="utf-8"?>
+<p:sld xmlns:a="http://schemas.openxmlformats.org/drawingml/2006/main" xmlns:r="http://schemas.openxmlformats.org/officeDocument/2006/relationships" xmlns:p="http://schemas.openxmlformats.org/presentationml/2006/main">
+  <p:cSld>
+    <p:spTree>
+      <p:nvGrpSpPr>
+        <p:cNvPr id="1" name=""/>
+        <p:cNvGrpSpPr/>
+        <p:nvPr/>
+      </p:nvGrpSpPr>
+      <p:grpSpPr>
+        <a:xfrm>
+          <a:off x="0" y="0"/>
+          <a:ext cx="0" cy="0"/>
+          <a:chOff x="0" y="0"/>
+          <a:chExt cx="0" cy="0"/>
+        </a:xfrm>
+      </p:grpSpPr>
+      <p:sp>
+        <p:nvSpPr>
+          <p:cNvPr id="2" name="タイトル 1">
+            <a:extLst>
+              <a:ext uri="{FF2B5EF4-FFF2-40B4-BE49-F238E27FC236}">
+                <a16:creationId xmlns:a16="http://schemas.microsoft.com/office/drawing/2014/main" id="{11FF109B-1A52-4682-9479-0DCAC48B3C35}"/>
+              </a:ext>
+            </a:extLst>
+          </p:cNvPr>
+          <p:cNvSpPr>
+            <a:spLocks noGrp="1"/>
+          </p:cNvSpPr>
+          <p:nvPr>
+            <p:ph type="title"/>
+          </p:nvPr>
+        </p:nvSpPr>
+        <p:spPr/>
+        <p:txBody>
+          <a:bodyPr/>
+          <a:lstStyle/>
+          <a:p>
+            <a:endParaRPr kumimoji="1" lang="ja-JP" altLang="en-US" dirty="0"/>
+          </a:p>
+        </p:txBody>
+      </p:sp>
+      <p:sp>
+        <p:nvSpPr>
+          <p:cNvPr id="3" name="コンテンツ プレースホルダー 2">
+            <a:extLst>
+              <a:ext uri="{FF2B5EF4-FFF2-40B4-BE49-F238E27FC236}">
+                <a16:creationId xmlns:a16="http://schemas.microsoft.com/office/drawing/2014/main" id="{E23551B5-FD73-4043-9D9D-F069178EC83A}"/>
+              </a:ext>
+            </a:extLst>
+          </p:cNvPr>
+          <p:cNvSpPr>
+            <a:spLocks noGrp="1"/>
+          </p:cNvSpPr>
+          <p:nvPr>
+            <p:ph idx="1"/>
+          </p:nvPr>
+        </p:nvSpPr>
+        <p:spPr/>
+        <p:txBody>
+          <a:bodyPr/>
+          <a:lstStyle/>
+          <a:p>
+            <a:endParaRPr kumimoji="1" lang="ja-JP" altLang="en-US" dirty="0"/>
+          </a:p>
+        </p:txBody>
+      </p:sp>
+      <p:pic>
+        <p:nvPicPr>
+          <p:cNvPr id="4" name="図 3" descr="アイコン&#10;&#10;自動的に生成された説明">
+            <a:extLst>
+              <a:ext uri="{FF2B5EF4-FFF2-40B4-BE49-F238E27FC236}">
+                <a16:creationId xmlns:a16="http://schemas.microsoft.com/office/drawing/2014/main" id="{F80B5929-9B90-4E9C-B9E6-44E443331DB5}"/>
+              </a:ext>
+            </a:extLst>
+          </p:cNvPr>
+          <p:cNvPicPr>
+            <a:picLocks noChangeAspect="1"/>
+          </p:cNvPicPr>
+          <p:nvPr/>
+        </p:nvPicPr>
+        <p:blipFill>
+          <a:blip r:embed="rId3">
+            <a:alphaModFix amt="85000"/>
+            <a:extLst>
+              <a:ext uri="{28A0092B-C50C-407E-A947-70E740481C1C}">
+                <a14:useLocalDpi xmlns:a14="http://schemas.microsoft.com/office/drawing/2010/main" val="0"/>
+              </a:ext>
+            </a:extLst>
+          </a:blip>
+          <a:stretch>
+            <a:fillRect/>
+          </a:stretch>
+        </p:blipFill>
+        <p:spPr>
+          <a:xfrm>
+            <a:off x="9466729" y="5262949"/>
+            <a:ext cx="2725271" cy="1469817"/>
+          </a:xfrm>
+          <a:prstGeom prst="rect">
+            <a:avLst/>
+          </a:prstGeom>
+        </p:spPr>
+      </p:pic>
+    </p:spTree>
+    <p:extLst>
+      <p:ext uri="{BB962C8B-B14F-4D97-AF65-F5344CB8AC3E}">
+        <p14:creationId xmlns:p14="http://schemas.microsoft.com/office/powerpoint/2010/main" val="512829963"/>
       </p:ext>
     </p:extLst>
   </p:cSld>
@@ -6066,14 +11247,14 @@
               <a:buAutoNum type="arabicPeriod"/>
             </a:pPr>
             <a:r>
-              <a:rPr kumimoji="1" lang="ja-JP" altLang="en-US" dirty="0">
+              <a:rPr lang="ja-JP" altLang="en-US" dirty="0">
                 <a:solidFill>
                   <a:schemeClr val="accent1">
                     <a:lumMod val="50000"/>
                   </a:schemeClr>
                 </a:solidFill>
               </a:rPr>
-              <a:t>システムのコンセプト</a:t>
+              <a:t>想定ユーザにとってのメリット</a:t>
             </a:r>
             <a:endParaRPr kumimoji="1" lang="en-US" altLang="ja-JP" dirty="0">
               <a:solidFill>
@@ -6089,6 +11270,29 @@
               <a:buAutoNum type="arabicPeriod"/>
             </a:pPr>
             <a:r>
+              <a:rPr kumimoji="1" lang="ja-JP" altLang="en-US" dirty="0">
+                <a:solidFill>
+                  <a:schemeClr val="accent1">
+                    <a:lumMod val="50000"/>
+                  </a:schemeClr>
+                </a:solidFill>
+              </a:rPr>
+              <a:t>システムのコンセプト</a:t>
+            </a:r>
+            <a:endParaRPr kumimoji="1" lang="en-US" altLang="ja-JP" dirty="0">
+              <a:solidFill>
+                <a:schemeClr val="accent1">
+                  <a:lumMod val="50000"/>
+                </a:schemeClr>
+              </a:solidFill>
+            </a:endParaRPr>
+          </a:p>
+          <a:p>
+            <a:pPr marL="960120" lvl="1" indent="-457200">
+              <a:buFont typeface="+mj-lt"/>
+              <a:buAutoNum type="arabicPeriod"/>
+            </a:pPr>
+            <a:r>
               <a:rPr lang="ja-JP" altLang="en-US" dirty="0">
                 <a:solidFill>
                   <a:schemeClr val="accent1">
@@ -6132,29 +11336,6 @@
               <a:t>デモンストレーション</a:t>
             </a:r>
             <a:endParaRPr lang="en-US" altLang="ja-JP" dirty="0">
-              <a:solidFill>
-                <a:schemeClr val="accent1">
-                  <a:lumMod val="50000"/>
-                </a:schemeClr>
-              </a:solidFill>
-            </a:endParaRPr>
-          </a:p>
-          <a:p>
-            <a:pPr marL="960120" lvl="1" indent="-457200">
-              <a:buFont typeface="+mj-lt"/>
-              <a:buAutoNum type="arabicPeriod"/>
-            </a:pPr>
-            <a:r>
-              <a:rPr kumimoji="1" lang="ja-JP" altLang="en-US" dirty="0">
-                <a:solidFill>
-                  <a:schemeClr val="accent1">
-                    <a:lumMod val="50000"/>
-                  </a:schemeClr>
-                </a:solidFill>
-              </a:rPr>
-              <a:t>想定ユーザにとってのメリット</a:t>
-            </a:r>
-            <a:endParaRPr kumimoji="1" lang="en-US" altLang="ja-JP" dirty="0">
               <a:solidFill>
                 <a:schemeClr val="accent1">
                   <a:lumMod val="50000"/>
@@ -6211,7 +11392,17 @@
                   </a:schemeClr>
                 </a:solidFill>
               </a:rPr>
-              <a:t>チーム目標とその評価</a:t>
+              <a:t>チーム目標とその</a:t>
+            </a:r>
+            <a:r>
+              <a:rPr lang="ja-JP" altLang="en-US" dirty="0">
+                <a:solidFill>
+                  <a:schemeClr val="accent1">
+                    <a:lumMod val="50000"/>
+                  </a:schemeClr>
+                </a:solidFill>
+              </a:rPr>
+              <a:t>成果</a:t>
             </a:r>
             <a:endParaRPr kumimoji="1" lang="en-US" altLang="ja-JP" dirty="0">
               <a:solidFill>
@@ -6297,7 +11488,7 @@
           <p:nvPr/>
         </p:nvPicPr>
         <p:blipFill>
-          <a:blip r:embed="rId2">
+          <a:blip r:embed="rId3">
             <a:alphaModFix amt="85000"/>
             <a:extLst>
               <a:ext uri="{28A0092B-C50C-407E-A947-70E740481C1C}">
@@ -6707,6 +11898,51 @@
             <a:r>
               <a:rPr lang="ja-JP" altLang="en-US" sz="900"/>
               <a:t> のライセンスを許諾されています</a:t>
+            </a:r>
+          </a:p>
+        </p:txBody>
+      </p:sp>
+      <p:sp>
+        <p:nvSpPr>
+          <p:cNvPr id="3" name="テキスト ボックス 2">
+            <a:extLst>
+              <a:ext uri="{FF2B5EF4-FFF2-40B4-BE49-F238E27FC236}">
+                <a16:creationId xmlns:a16="http://schemas.microsoft.com/office/drawing/2014/main" id="{9F55F135-5E20-4C15-8502-FB4C21AA4AE2}"/>
+              </a:ext>
+            </a:extLst>
+          </p:cNvPr>
+          <p:cNvSpPr txBox="1"/>
+          <p:nvPr/>
+        </p:nvSpPr>
+        <p:spPr>
+          <a:xfrm>
+            <a:off x="3923415" y="5797802"/>
+            <a:ext cx="1392864" cy="400110"/>
+          </a:xfrm>
+          <a:prstGeom prst="rect">
+            <a:avLst/>
+          </a:prstGeom>
+          <a:solidFill>
+            <a:schemeClr val="bg1"/>
+          </a:solidFill>
+        </p:spPr>
+        <p:txBody>
+          <a:bodyPr wrap="square" rtlCol="0">
+            <a:spAutoFit/>
+          </a:bodyPr>
+          <a:lstStyle/>
+          <a:p>
+            <a:r>
+              <a:rPr kumimoji="1" lang="ja-JP" altLang="en-US" sz="2000" dirty="0"/>
+              <a:t>受講生</a:t>
+            </a:r>
+            <a:r>
+              <a:rPr kumimoji="1" lang="en-US" altLang="ja-JP" sz="2000" dirty="0"/>
+              <a:t>A</a:t>
+            </a:r>
+            <a:r>
+              <a:rPr kumimoji="1" lang="ja-JP" altLang="en-US" sz="2000" dirty="0"/>
+              <a:t>君</a:t>
             </a:r>
           </a:p>
         </p:txBody>
@@ -7159,57 +12395,10 @@
             <p:ph type="title"/>
           </p:nvPr>
         </p:nvSpPr>
-        <p:spPr/>
-        <p:txBody>
-          <a:bodyPr/>
-          <a:lstStyle/>
-          <a:p>
-            <a:r>
-              <a:rPr kumimoji="1" lang="ja-JP" altLang="en-US" dirty="0">
-                <a:solidFill>
-                  <a:schemeClr val="bg1"/>
-                </a:solidFill>
-              </a:rPr>
-              <a:t>システムの</a:t>
-            </a:r>
-            <a:br>
-              <a:rPr kumimoji="1" lang="en-US" altLang="ja-JP" dirty="0">
-                <a:solidFill>
-                  <a:schemeClr val="bg1"/>
-                </a:solidFill>
-              </a:rPr>
-            </a:br>
-            <a:r>
-              <a:rPr kumimoji="1" lang="ja-JP" altLang="en-US" dirty="0">
-                <a:solidFill>
-                  <a:schemeClr val="bg1"/>
-                </a:solidFill>
-              </a:rPr>
-              <a:t>コンセプト</a:t>
-            </a:r>
-          </a:p>
-        </p:txBody>
-      </p:sp>
-      <p:sp>
-        <p:nvSpPr>
-          <p:cNvPr id="3" name="コンテンツ プレースホルダー 2">
-            <a:extLst>
-              <a:ext uri="{FF2B5EF4-FFF2-40B4-BE49-F238E27FC236}">
-                <a16:creationId xmlns:a16="http://schemas.microsoft.com/office/drawing/2014/main" id="{E23551B5-FD73-4043-9D9D-F069178EC83A}"/>
-              </a:ext>
-            </a:extLst>
-          </p:cNvPr>
-          <p:cNvSpPr>
-            <a:spLocks noGrp="1"/>
-          </p:cNvSpPr>
-          <p:nvPr>
-            <p:ph idx="1"/>
-          </p:nvPr>
-        </p:nvSpPr>
         <p:spPr>
           <a:xfrm>
-            <a:off x="3945468" y="868680"/>
-            <a:ext cx="7315200" cy="5120640"/>
+            <a:off x="-2821" y="1128408"/>
+            <a:ext cx="3978839" cy="4601183"/>
           </a:xfrm>
         </p:spPr>
         <p:txBody>
@@ -7218,455 +12407,18 @@
           </a:bodyPr>
           <a:lstStyle/>
           <a:p>
-            <a:pPr marL="0" indent="0">
-              <a:buNone/>
-            </a:pPr>
-            <a:r>
-              <a:rPr kumimoji="1" lang="ja-JP" altLang="en-US" sz="4000" i="1" dirty="0"/>
-              <a:t>シンプルで使いやすいシステム</a:t>
-            </a:r>
-          </a:p>
-        </p:txBody>
-      </p:sp>
-      <p:pic>
-        <p:nvPicPr>
-          <p:cNvPr id="4" name="図 3" descr="アイコン&#10;&#10;自動的に生成された説明">
-            <a:extLst>
-              <a:ext uri="{FF2B5EF4-FFF2-40B4-BE49-F238E27FC236}">
-                <a16:creationId xmlns:a16="http://schemas.microsoft.com/office/drawing/2014/main" id="{F80B5929-9B90-4E9C-B9E6-44E443331DB5}"/>
-              </a:ext>
-            </a:extLst>
-          </p:cNvPr>
-          <p:cNvPicPr>
-            <a:picLocks noChangeAspect="1"/>
-          </p:cNvPicPr>
-          <p:nvPr/>
-        </p:nvPicPr>
-        <p:blipFill>
-          <a:blip r:embed="rId3">
-            <a:alphaModFix amt="85000"/>
-            <a:extLst>
-              <a:ext uri="{28A0092B-C50C-407E-A947-70E740481C1C}">
-                <a14:useLocalDpi xmlns:a14="http://schemas.microsoft.com/office/drawing/2010/main" val="0"/>
-              </a:ext>
-            </a:extLst>
-          </a:blip>
-          <a:stretch>
-            <a:fillRect/>
-          </a:stretch>
-        </p:blipFill>
-        <p:spPr>
-          <a:xfrm>
-            <a:off x="9466729" y="5262949"/>
-            <a:ext cx="2725271" cy="1469817"/>
-          </a:xfrm>
-          <a:prstGeom prst="rect">
-            <a:avLst/>
-          </a:prstGeom>
-        </p:spPr>
-      </p:pic>
-    </p:spTree>
-    <p:extLst>
-      <p:ext uri="{BB962C8B-B14F-4D97-AF65-F5344CB8AC3E}">
-        <p14:creationId xmlns:p14="http://schemas.microsoft.com/office/powerpoint/2010/main" val="1216690026"/>
-      </p:ext>
-    </p:extLst>
-  </p:cSld>
-  <p:clrMapOvr>
-    <a:masterClrMapping/>
-  </p:clrMapOvr>
-</p:sld>
-</file>
-
-<file path=ppt/slides/slide7.xml><?xml version="1.0" encoding="utf-8"?>
-<p:sld xmlns:a="http://schemas.openxmlformats.org/drawingml/2006/main" xmlns:r="http://schemas.openxmlformats.org/officeDocument/2006/relationships" xmlns:p="http://schemas.openxmlformats.org/presentationml/2006/main">
-  <p:cSld>
-    <p:spTree>
-      <p:nvGrpSpPr>
-        <p:cNvPr id="1" name=""/>
-        <p:cNvGrpSpPr/>
-        <p:nvPr/>
-      </p:nvGrpSpPr>
-      <p:grpSpPr>
-        <a:xfrm>
-          <a:off x="0" y="0"/>
-          <a:ext cx="0" cy="0"/>
-          <a:chOff x="0" y="0"/>
-          <a:chExt cx="0" cy="0"/>
-        </a:xfrm>
-      </p:grpSpPr>
-      <p:sp>
-        <p:nvSpPr>
-          <p:cNvPr id="2" name="タイトル 1">
-            <a:extLst>
-              <a:ext uri="{FF2B5EF4-FFF2-40B4-BE49-F238E27FC236}">
-                <a16:creationId xmlns:a16="http://schemas.microsoft.com/office/drawing/2014/main" id="{11FF109B-1A52-4682-9479-0DCAC48B3C35}"/>
-              </a:ext>
-            </a:extLst>
-          </p:cNvPr>
-          <p:cNvSpPr>
-            <a:spLocks noGrp="1"/>
-          </p:cNvSpPr>
-          <p:nvPr>
-            <p:ph type="title"/>
-          </p:nvPr>
-        </p:nvSpPr>
-        <p:spPr/>
-        <p:txBody>
-          <a:bodyPr/>
-          <a:lstStyle/>
-          <a:p>
-            <a:r>
-              <a:rPr kumimoji="1" lang="ja-JP" altLang="en-US" dirty="0"/>
-              <a:t>シンプルな</a:t>
+            <a:r>
+              <a:rPr lang="ja-JP" altLang="en-US" sz="3200" dirty="0"/>
+              <a:t>システム化による</a:t>
             </a:r>
             <a:br>
-              <a:rPr kumimoji="1" lang="en-US" altLang="ja-JP" dirty="0"/>
+              <a:rPr lang="en-US" altLang="ja-JP" sz="3200" dirty="0"/>
             </a:br>
             <a:r>
-              <a:rPr kumimoji="1" lang="ja-JP" altLang="en-US" dirty="0"/>
-              <a:t>デザイン</a:t>
-            </a:r>
-          </a:p>
-        </p:txBody>
-      </p:sp>
-      <p:sp>
-        <p:nvSpPr>
-          <p:cNvPr id="3" name="コンテンツ プレースホルダー 2">
-            <a:extLst>
-              <a:ext uri="{FF2B5EF4-FFF2-40B4-BE49-F238E27FC236}">
-                <a16:creationId xmlns:a16="http://schemas.microsoft.com/office/drawing/2014/main" id="{E23551B5-FD73-4043-9D9D-F069178EC83A}"/>
-              </a:ext>
-            </a:extLst>
-          </p:cNvPr>
-          <p:cNvSpPr>
-            <a:spLocks noGrp="1"/>
-          </p:cNvSpPr>
-          <p:nvPr>
-            <p:ph idx="1"/>
-          </p:nvPr>
-        </p:nvSpPr>
-        <p:spPr/>
-        <p:txBody>
-          <a:bodyPr/>
-          <a:lstStyle/>
-          <a:p>
-            <a:r>
-              <a:rPr kumimoji="1" lang="ja-JP" altLang="en-US" dirty="0"/>
-              <a:t>デザインのスクリーンショットを貼る</a:t>
-            </a:r>
-          </a:p>
-        </p:txBody>
-      </p:sp>
-      <p:pic>
-        <p:nvPicPr>
-          <p:cNvPr id="4" name="図 3" descr="アイコン&#10;&#10;自動的に生成された説明">
-            <a:extLst>
-              <a:ext uri="{FF2B5EF4-FFF2-40B4-BE49-F238E27FC236}">
-                <a16:creationId xmlns:a16="http://schemas.microsoft.com/office/drawing/2014/main" id="{F80B5929-9B90-4E9C-B9E6-44E443331DB5}"/>
-              </a:ext>
-            </a:extLst>
-          </p:cNvPr>
-          <p:cNvPicPr>
-            <a:picLocks noChangeAspect="1"/>
-          </p:cNvPicPr>
-          <p:nvPr/>
-        </p:nvPicPr>
-        <p:blipFill>
-          <a:blip r:embed="rId3">
-            <a:alphaModFix amt="85000"/>
-            <a:extLst>
-              <a:ext uri="{28A0092B-C50C-407E-A947-70E740481C1C}">
-                <a14:useLocalDpi xmlns:a14="http://schemas.microsoft.com/office/drawing/2010/main" val="0"/>
-              </a:ext>
-            </a:extLst>
-          </a:blip>
-          <a:stretch>
-            <a:fillRect/>
-          </a:stretch>
-        </p:blipFill>
-        <p:spPr>
-          <a:xfrm>
-            <a:off x="9466729" y="5262949"/>
-            <a:ext cx="2725271" cy="1469817"/>
-          </a:xfrm>
-          <a:prstGeom prst="rect">
-            <a:avLst/>
-          </a:prstGeom>
-        </p:spPr>
-      </p:pic>
-    </p:spTree>
-    <p:extLst>
-      <p:ext uri="{BB962C8B-B14F-4D97-AF65-F5344CB8AC3E}">
-        <p14:creationId xmlns:p14="http://schemas.microsoft.com/office/powerpoint/2010/main" val="1493009484"/>
-      </p:ext>
-    </p:extLst>
-  </p:cSld>
-  <p:clrMapOvr>
-    <a:masterClrMapping/>
-  </p:clrMapOvr>
-</p:sld>
-</file>
-
-<file path=ppt/slides/slide8.xml><?xml version="1.0" encoding="utf-8"?>
-<p:sld xmlns:a="http://schemas.openxmlformats.org/drawingml/2006/main" xmlns:r="http://schemas.openxmlformats.org/officeDocument/2006/relationships" xmlns:p="http://schemas.openxmlformats.org/presentationml/2006/main">
-  <p:cSld>
-    <p:spTree>
-      <p:nvGrpSpPr>
-        <p:cNvPr id="1" name=""/>
-        <p:cNvGrpSpPr/>
-        <p:nvPr/>
-      </p:nvGrpSpPr>
-      <p:grpSpPr>
-        <a:xfrm>
-          <a:off x="0" y="0"/>
-          <a:ext cx="0" cy="0"/>
-          <a:chOff x="0" y="0"/>
-          <a:chExt cx="0" cy="0"/>
-        </a:xfrm>
-      </p:grpSpPr>
-      <p:sp>
-        <p:nvSpPr>
-          <p:cNvPr id="2" name="タイトル 1">
-            <a:extLst>
-              <a:ext uri="{FF2B5EF4-FFF2-40B4-BE49-F238E27FC236}">
-                <a16:creationId xmlns:a16="http://schemas.microsoft.com/office/drawing/2014/main" id="{11FF109B-1A52-4682-9479-0DCAC48B3C35}"/>
-              </a:ext>
-            </a:extLst>
-          </p:cNvPr>
-          <p:cNvSpPr>
-            <a:spLocks noGrp="1"/>
-          </p:cNvSpPr>
-          <p:nvPr>
-            <p:ph type="title"/>
-          </p:nvPr>
-        </p:nvSpPr>
-        <p:spPr/>
-        <p:txBody>
-          <a:bodyPr/>
-          <a:lstStyle/>
-          <a:p>
-            <a:r>
-              <a:rPr lang="ja-JP" altLang="en-US" dirty="0"/>
-              <a:t>利便性の高い機能</a:t>
-            </a:r>
-            <a:endParaRPr kumimoji="1" lang="ja-JP" altLang="en-US" dirty="0"/>
-          </a:p>
-        </p:txBody>
-      </p:sp>
-      <p:sp>
-        <p:nvSpPr>
-          <p:cNvPr id="3" name="コンテンツ プレースホルダー 2">
-            <a:extLst>
-              <a:ext uri="{FF2B5EF4-FFF2-40B4-BE49-F238E27FC236}">
-                <a16:creationId xmlns:a16="http://schemas.microsoft.com/office/drawing/2014/main" id="{E23551B5-FD73-4043-9D9D-F069178EC83A}"/>
-              </a:ext>
-            </a:extLst>
-          </p:cNvPr>
-          <p:cNvSpPr>
-            <a:spLocks noGrp="1"/>
-          </p:cNvSpPr>
-          <p:nvPr>
-            <p:ph idx="1"/>
-          </p:nvPr>
-        </p:nvSpPr>
-        <p:spPr>
-          <a:xfrm>
-            <a:off x="3838788" y="494671"/>
-            <a:ext cx="7315200" cy="5859514"/>
-          </a:xfrm>
-        </p:spPr>
-        <p:txBody>
-          <a:bodyPr>
-            <a:normAutofit/>
-          </a:bodyPr>
-          <a:lstStyle/>
-          <a:p>
-            <a:r>
-              <a:rPr kumimoji="1" lang="ja-JP" altLang="en-US" sz="2800" dirty="0"/>
-              <a:t>質問投稿機能</a:t>
-            </a:r>
-            <a:endParaRPr kumimoji="1" lang="en-US" altLang="ja-JP" sz="2800" dirty="0"/>
-          </a:p>
-          <a:p>
-            <a:pPr lvl="1"/>
-            <a:r>
-              <a:rPr kumimoji="1" lang="ja-JP" altLang="en-US" sz="2400" dirty="0"/>
-              <a:t>テンプレート挿入機能</a:t>
-            </a:r>
-            <a:endParaRPr kumimoji="1" lang="en-US" altLang="ja-JP" sz="2400" dirty="0"/>
-          </a:p>
-          <a:p>
-            <a:pPr lvl="1"/>
-            <a:r>
-              <a:rPr lang="ja-JP" altLang="en-US" sz="2400" dirty="0"/>
-              <a:t>ファイル添付機能</a:t>
-            </a:r>
-            <a:endParaRPr kumimoji="1" lang="en-US" altLang="ja-JP" sz="2400" dirty="0"/>
-          </a:p>
-          <a:p>
-            <a:r>
-              <a:rPr lang="ja-JP" altLang="en-US" sz="2800" dirty="0"/>
-              <a:t>検索機能</a:t>
-            </a:r>
-            <a:endParaRPr lang="en-US" altLang="ja-JP" sz="2800" dirty="0"/>
-          </a:p>
-          <a:p>
-            <a:pPr lvl="1"/>
-            <a:r>
-              <a:rPr lang="ja-JP" altLang="en-US" sz="2400" dirty="0"/>
-              <a:t>質問タグによる検索</a:t>
-            </a:r>
-            <a:endParaRPr lang="en-US" altLang="ja-JP" sz="2400" dirty="0"/>
-          </a:p>
-          <a:p>
-            <a:pPr lvl="1"/>
-            <a:r>
-              <a:rPr lang="ja-JP" altLang="en-US" sz="2400" dirty="0"/>
-              <a:t>解決</a:t>
-            </a:r>
-            <a:r>
-              <a:rPr lang="en-US" altLang="ja-JP" sz="2400" dirty="0"/>
-              <a:t>/</a:t>
-            </a:r>
-            <a:r>
-              <a:rPr lang="ja-JP" altLang="en-US" sz="2400" dirty="0"/>
-              <a:t>未解決ラベルによる検索</a:t>
-            </a:r>
-            <a:endParaRPr lang="en-US" altLang="ja-JP" sz="2400" dirty="0"/>
-          </a:p>
-          <a:p>
-            <a:pPr lvl="1"/>
-            <a:r>
-              <a:rPr lang="ja-JP" altLang="en-US" sz="2400" dirty="0"/>
-              <a:t>質問の閲覧回数順に表示</a:t>
-            </a:r>
-            <a:endParaRPr lang="en-US" altLang="ja-JP" sz="2400" dirty="0"/>
-          </a:p>
-          <a:p>
-            <a:r>
-              <a:rPr lang="ja-JP" altLang="en-US" sz="2800" dirty="0"/>
-              <a:t>マイページ機能</a:t>
-            </a:r>
-            <a:endParaRPr lang="en-US" altLang="ja-JP" sz="2800" dirty="0"/>
-          </a:p>
-          <a:p>
-            <a:pPr lvl="1"/>
-            <a:r>
-              <a:rPr lang="ja-JP" altLang="en-US" sz="2400" dirty="0"/>
-              <a:t>自分の質問が一覧で見られる</a:t>
-            </a:r>
-            <a:endParaRPr lang="en-US" altLang="ja-JP" sz="2400" dirty="0"/>
-          </a:p>
-        </p:txBody>
-      </p:sp>
-      <p:pic>
-        <p:nvPicPr>
-          <p:cNvPr id="4" name="図 3" descr="アイコン&#10;&#10;自動的に生成された説明">
-            <a:extLst>
-              <a:ext uri="{FF2B5EF4-FFF2-40B4-BE49-F238E27FC236}">
-                <a16:creationId xmlns:a16="http://schemas.microsoft.com/office/drawing/2014/main" id="{F80B5929-9B90-4E9C-B9E6-44E443331DB5}"/>
-              </a:ext>
-            </a:extLst>
-          </p:cNvPr>
-          <p:cNvPicPr>
-            <a:picLocks noChangeAspect="1"/>
-          </p:cNvPicPr>
-          <p:nvPr/>
-        </p:nvPicPr>
-        <p:blipFill>
-          <a:blip r:embed="rId3">
-            <a:alphaModFix amt="85000"/>
-            <a:extLst>
-              <a:ext uri="{28A0092B-C50C-407E-A947-70E740481C1C}">
-                <a14:useLocalDpi xmlns:a14="http://schemas.microsoft.com/office/drawing/2010/main" val="0"/>
-              </a:ext>
-            </a:extLst>
-          </a:blip>
-          <a:stretch>
-            <a:fillRect/>
-          </a:stretch>
-        </p:blipFill>
-        <p:spPr>
-          <a:xfrm>
-            <a:off x="9466729" y="5262949"/>
-            <a:ext cx="2725271" cy="1469817"/>
-          </a:xfrm>
-          <a:prstGeom prst="rect">
-            <a:avLst/>
-          </a:prstGeom>
-        </p:spPr>
-      </p:pic>
-    </p:spTree>
-    <p:extLst>
-      <p:ext uri="{BB962C8B-B14F-4D97-AF65-F5344CB8AC3E}">
-        <p14:creationId xmlns:p14="http://schemas.microsoft.com/office/powerpoint/2010/main" val="4139719801"/>
-      </p:ext>
-    </p:extLst>
-  </p:cSld>
-  <p:clrMapOvr>
-    <a:masterClrMapping/>
-  </p:clrMapOvr>
-</p:sld>
-</file>
-
-<file path=ppt/slides/slide9.xml><?xml version="1.0" encoding="utf-8"?>
-<p:sld xmlns:a="http://schemas.openxmlformats.org/drawingml/2006/main" xmlns:r="http://schemas.openxmlformats.org/officeDocument/2006/relationships" xmlns:p="http://schemas.openxmlformats.org/presentationml/2006/main">
-  <p:cSld>
-    <p:spTree>
-      <p:nvGrpSpPr>
-        <p:cNvPr id="1" name=""/>
-        <p:cNvGrpSpPr/>
-        <p:nvPr/>
-      </p:nvGrpSpPr>
-      <p:grpSpPr>
-        <a:xfrm>
-          <a:off x="0" y="0"/>
-          <a:ext cx="0" cy="0"/>
-          <a:chOff x="0" y="0"/>
-          <a:chExt cx="0" cy="0"/>
-        </a:xfrm>
-      </p:grpSpPr>
-      <p:sp>
-        <p:nvSpPr>
-          <p:cNvPr id="2" name="タイトル 1">
-            <a:extLst>
-              <a:ext uri="{FF2B5EF4-FFF2-40B4-BE49-F238E27FC236}">
-                <a16:creationId xmlns:a16="http://schemas.microsoft.com/office/drawing/2014/main" id="{11FF109B-1A52-4682-9479-0DCAC48B3C35}"/>
-              </a:ext>
-            </a:extLst>
-          </p:cNvPr>
-          <p:cNvSpPr>
-            <a:spLocks noGrp="1"/>
-          </p:cNvSpPr>
-          <p:nvPr>
-            <p:ph type="title"/>
-          </p:nvPr>
-        </p:nvSpPr>
-        <p:spPr/>
-        <p:txBody>
-          <a:bodyPr/>
-          <a:lstStyle/>
-          <a:p>
-            <a:r>
-              <a:rPr lang="ja-JP" altLang="en-US" dirty="0"/>
-              <a:t>各ユーザーに</a:t>
-            </a:r>
-            <a:br>
-              <a:rPr lang="en-US" altLang="ja-JP" dirty="0"/>
-            </a:br>
-            <a:r>
-              <a:rPr lang="ja-JP" altLang="en-US" dirty="0"/>
-              <a:t>とっての</a:t>
-            </a:r>
-            <a:br>
-              <a:rPr lang="en-US" altLang="ja-JP" dirty="0"/>
-            </a:br>
-            <a:r>
-              <a:rPr lang="ja-JP" altLang="en-US" dirty="0"/>
+              <a:rPr lang="ja-JP" altLang="en-US" sz="3200" dirty="0"/>
               <a:t>メリット</a:t>
             </a:r>
-            <a:endParaRPr kumimoji="1" lang="ja-JP" altLang="en-US" dirty="0"/>
+            <a:endParaRPr kumimoji="1" lang="ja-JP" altLang="en-US" sz="3200" dirty="0"/>
           </a:p>
         </p:txBody>
       </p:sp>
@@ -7965,13 +12717,13 @@
         </p:nvSpPr>
         <p:spPr>
           <a:xfrm>
-            <a:off x="3489834" y="662602"/>
+            <a:off x="3489834" y="451713"/>
             <a:ext cx="6812406" cy="3132202"/>
           </a:xfrm>
           <a:prstGeom prst="wedgeRoundRectCallout">
             <a:avLst>
-              <a:gd name="adj1" fmla="val 58439"/>
-              <a:gd name="adj2" fmla="val -50238"/>
+              <a:gd name="adj1" fmla="val 55613"/>
+              <a:gd name="adj2" fmla="val -33336"/>
               <a:gd name="adj3" fmla="val 16667"/>
             </a:avLst>
           </a:prstGeom>
@@ -8001,58 +12753,87 @@
           <a:lstStyle/>
           <a:p>
             <a:r>
-              <a:rPr kumimoji="1" lang="ja-JP" altLang="en-US" sz="2800" dirty="0">
-                <a:solidFill>
-                  <a:schemeClr val="accent1"/>
-                </a:solidFill>
-              </a:rPr>
-              <a:t>・質問内容を考える手間を省ける。</a:t>
-            </a:r>
-            <a:endParaRPr kumimoji="1" lang="en-US" altLang="ja-JP" sz="2800" dirty="0">
+              <a:rPr kumimoji="1" lang="ja-JP" altLang="en-US" sz="2400" dirty="0">
+                <a:solidFill>
+                  <a:schemeClr val="tx1">
+                    <a:lumMod val="65000"/>
+                    <a:lumOff val="35000"/>
+                  </a:schemeClr>
+                </a:solidFill>
+              </a:rPr>
+              <a:t>・講師や事務局の返事を待たずとも回答が得られる！</a:t>
+            </a:r>
+            <a:endParaRPr kumimoji="1" lang="en-US" altLang="ja-JP" sz="2400" dirty="0">
               <a:solidFill>
-                <a:schemeClr val="accent1"/>
+                <a:schemeClr val="tx1">
+                  <a:lumMod val="65000"/>
+                  <a:lumOff val="35000"/>
+                </a:schemeClr>
               </a:solidFill>
             </a:endParaRPr>
           </a:p>
           <a:p>
             <a:r>
-              <a:rPr kumimoji="1" lang="ja-JP" altLang="en-US" sz="2800" dirty="0">
-                <a:solidFill>
-                  <a:schemeClr val="accent1"/>
-                </a:solidFill>
-              </a:rPr>
-              <a:t>・宛先が違っても同じプラットフォームで質問できる</a:t>
-            </a:r>
-            <a:endParaRPr kumimoji="1" lang="en-US" altLang="ja-JP" sz="2800" dirty="0">
+              <a:rPr kumimoji="1" lang="ja-JP" altLang="en-US" sz="2400" dirty="0">
+                <a:solidFill>
+                  <a:schemeClr val="tx1">
+                    <a:lumMod val="65000"/>
+                    <a:lumOff val="35000"/>
+                  </a:schemeClr>
+                </a:solidFill>
+              </a:rPr>
+              <a:t>・質問内容を考える手間を省ける！</a:t>
+            </a:r>
+            <a:endParaRPr kumimoji="1" lang="en-US" altLang="ja-JP" sz="2400" dirty="0">
               <a:solidFill>
-                <a:schemeClr val="accent1"/>
+                <a:schemeClr val="tx1">
+                  <a:lumMod val="65000"/>
+                  <a:lumOff val="35000"/>
+                </a:schemeClr>
               </a:solidFill>
             </a:endParaRPr>
           </a:p>
           <a:p>
             <a:r>
-              <a:rPr kumimoji="1" lang="ja-JP" altLang="en-US" sz="2800" dirty="0">
-                <a:solidFill>
-                  <a:schemeClr val="accent1"/>
-                </a:solidFill>
-              </a:rPr>
-              <a:t>・テンプレート挿入により、質問入力の手間が軽減。</a:t>
-            </a:r>
-            <a:endParaRPr kumimoji="1" lang="en-US" altLang="ja-JP" sz="2800" dirty="0">
+              <a:rPr kumimoji="1" lang="ja-JP" altLang="en-US" sz="2400" dirty="0">
+                <a:solidFill>
+                  <a:schemeClr val="tx1">
+                    <a:lumMod val="65000"/>
+                    <a:lumOff val="35000"/>
+                  </a:schemeClr>
+                </a:solidFill>
+              </a:rPr>
+              <a:t>・宛先が違っても同じプラットフォームで質問できる！</a:t>
+            </a:r>
+            <a:endParaRPr kumimoji="1" lang="en-US" altLang="ja-JP" sz="2400" dirty="0">
               <a:solidFill>
-                <a:schemeClr val="accent1"/>
+                <a:schemeClr val="tx1">
+                  <a:lumMod val="65000"/>
+                  <a:lumOff val="35000"/>
+                </a:schemeClr>
               </a:solidFill>
             </a:endParaRPr>
           </a:p>
           <a:p>
             <a:r>
-              <a:rPr kumimoji="1" lang="ja-JP" altLang="en-US" sz="2800" dirty="0">
-                <a:solidFill>
-                  <a:schemeClr val="accent1"/>
-                </a:solidFill>
-              </a:rPr>
-              <a:t>・質問タグにより、検索時のキーワード入力の手間が省ける</a:t>
-            </a:r>
+              <a:rPr kumimoji="1" lang="ja-JP" altLang="en-US" sz="2400" dirty="0">
+                <a:solidFill>
+                  <a:schemeClr val="tx1">
+                    <a:lumMod val="65000"/>
+                    <a:lumOff val="35000"/>
+                  </a:schemeClr>
+                </a:solidFill>
+              </a:rPr>
+              <a:t>・自分の持っているノウハウを他の受講生に共有できる</a:t>
+            </a:r>
+            <a:endParaRPr kumimoji="1" lang="en-US" altLang="ja-JP" sz="2400" dirty="0">
+              <a:solidFill>
+                <a:schemeClr val="tx1">
+                  <a:lumMod val="65000"/>
+                  <a:lumOff val="35000"/>
+                </a:schemeClr>
+              </a:solidFill>
+            </a:endParaRPr>
           </a:p>
         </p:txBody>
       </p:sp>
@@ -8070,13 +12851,13 @@
         </p:nvSpPr>
         <p:spPr>
           <a:xfrm>
-            <a:off x="7363608" y="3927631"/>
-            <a:ext cx="4706471" cy="1202491"/>
+            <a:off x="7016942" y="3680357"/>
+            <a:ext cx="4980809" cy="1671442"/>
           </a:xfrm>
           <a:prstGeom prst="wedgeRoundRectCallout">
             <a:avLst>
               <a:gd name="adj1" fmla="val -54950"/>
-              <a:gd name="adj2" fmla="val 85867"/>
+              <a:gd name="adj2" fmla="val 75309"/>
               <a:gd name="adj3" fmla="val 16667"/>
             </a:avLst>
           </a:prstGeom>
@@ -8106,28 +12887,45 @@
           <a:lstStyle/>
           <a:p>
             <a:r>
-              <a:rPr kumimoji="1" lang="ja-JP" altLang="en-US" sz="2800" dirty="0">
-                <a:solidFill>
-                  <a:schemeClr val="accent1"/>
-                </a:solidFill>
-              </a:rPr>
-              <a:t>・未解決の質問を素早く</a:t>
-            </a:r>
-            <a:endParaRPr kumimoji="1" lang="en-US" altLang="ja-JP" sz="2800" dirty="0">
+              <a:rPr kumimoji="1" lang="ja-JP" altLang="en-US" sz="2400" dirty="0">
+                <a:solidFill>
+                  <a:schemeClr val="tx1">
+                    <a:lumMod val="65000"/>
+                    <a:lumOff val="35000"/>
+                  </a:schemeClr>
+                </a:solidFill>
+              </a:rPr>
+              <a:t>・何度も似たような質問に答える必要がなくなる！</a:t>
+            </a:r>
+            <a:endParaRPr kumimoji="1" lang="en-US" altLang="ja-JP" sz="2400" dirty="0">
               <a:solidFill>
-                <a:schemeClr val="accent1"/>
+                <a:schemeClr val="tx1">
+                  <a:lumMod val="65000"/>
+                  <a:lumOff val="35000"/>
+                </a:schemeClr>
               </a:solidFill>
             </a:endParaRPr>
           </a:p>
           <a:p>
             <a:r>
-              <a:rPr kumimoji="1" lang="ja-JP" altLang="en-US" sz="2800" dirty="0">
-                <a:solidFill>
-                  <a:schemeClr val="accent1"/>
-                </a:solidFill>
-              </a:rPr>
-              <a:t>見つけることができる</a:t>
-            </a:r>
+              <a:rPr kumimoji="1" lang="ja-JP" altLang="en-US" sz="2400" dirty="0">
+                <a:solidFill>
+                  <a:schemeClr val="tx1">
+                    <a:lumMod val="65000"/>
+                    <a:lumOff val="35000"/>
+                  </a:schemeClr>
+                </a:solidFill>
+              </a:rPr>
+              <a:t>・未解決の質問が見つけやすくなる！</a:t>
+            </a:r>
+            <a:endParaRPr kumimoji="1" lang="en-US" altLang="ja-JP" sz="2400" dirty="0">
+              <a:solidFill>
+                <a:schemeClr val="tx1">
+                  <a:lumMod val="65000"/>
+                  <a:lumOff val="35000"/>
+                </a:schemeClr>
+              </a:solidFill>
+            </a:endParaRPr>
           </a:p>
         </p:txBody>
       </p:sp>
@@ -8135,6 +12933,488 @@
     <p:extLst>
       <p:ext uri="{BB962C8B-B14F-4D97-AF65-F5344CB8AC3E}">
         <p14:creationId xmlns:p14="http://schemas.microsoft.com/office/powerpoint/2010/main" val="1905991866"/>
+      </p:ext>
+    </p:extLst>
+  </p:cSld>
+  <p:clrMapOvr>
+    <a:masterClrMapping/>
+  </p:clrMapOvr>
+</p:sld>
+</file>
+
+<file path=ppt/slides/slide7.xml><?xml version="1.0" encoding="utf-8"?>
+<p:sld xmlns:a="http://schemas.openxmlformats.org/drawingml/2006/main" xmlns:r="http://schemas.openxmlformats.org/officeDocument/2006/relationships" xmlns:p="http://schemas.openxmlformats.org/presentationml/2006/main">
+  <p:cSld>
+    <p:spTree>
+      <p:nvGrpSpPr>
+        <p:cNvPr id="1" name=""/>
+        <p:cNvGrpSpPr/>
+        <p:nvPr/>
+      </p:nvGrpSpPr>
+      <p:grpSpPr>
+        <a:xfrm>
+          <a:off x="0" y="0"/>
+          <a:ext cx="0" cy="0"/>
+          <a:chOff x="0" y="0"/>
+          <a:chExt cx="0" cy="0"/>
+        </a:xfrm>
+      </p:grpSpPr>
+      <p:sp>
+        <p:nvSpPr>
+          <p:cNvPr id="2" name="タイトル 1">
+            <a:extLst>
+              <a:ext uri="{FF2B5EF4-FFF2-40B4-BE49-F238E27FC236}">
+                <a16:creationId xmlns:a16="http://schemas.microsoft.com/office/drawing/2014/main" id="{11FF109B-1A52-4682-9479-0DCAC48B3C35}"/>
+              </a:ext>
+            </a:extLst>
+          </p:cNvPr>
+          <p:cNvSpPr>
+            <a:spLocks noGrp="1"/>
+          </p:cNvSpPr>
+          <p:nvPr>
+            <p:ph type="title"/>
+          </p:nvPr>
+        </p:nvSpPr>
+        <p:spPr/>
+        <p:txBody>
+          <a:bodyPr/>
+          <a:lstStyle/>
+          <a:p>
+            <a:r>
+              <a:rPr kumimoji="1" lang="ja-JP" altLang="en-US" dirty="0">
+                <a:solidFill>
+                  <a:schemeClr val="bg1"/>
+                </a:solidFill>
+              </a:rPr>
+              <a:t>システムの</a:t>
+            </a:r>
+            <a:br>
+              <a:rPr kumimoji="1" lang="en-US" altLang="ja-JP" dirty="0">
+                <a:solidFill>
+                  <a:schemeClr val="bg1"/>
+                </a:solidFill>
+              </a:rPr>
+            </a:br>
+            <a:r>
+              <a:rPr kumimoji="1" lang="ja-JP" altLang="en-US" dirty="0">
+                <a:solidFill>
+                  <a:schemeClr val="bg1"/>
+                </a:solidFill>
+              </a:rPr>
+              <a:t>コンセプト</a:t>
+            </a:r>
+          </a:p>
+        </p:txBody>
+      </p:sp>
+      <p:sp>
+        <p:nvSpPr>
+          <p:cNvPr id="3" name="コンテンツ プレースホルダー 2">
+            <a:extLst>
+              <a:ext uri="{FF2B5EF4-FFF2-40B4-BE49-F238E27FC236}">
+                <a16:creationId xmlns:a16="http://schemas.microsoft.com/office/drawing/2014/main" id="{E23551B5-FD73-4043-9D9D-F069178EC83A}"/>
+              </a:ext>
+            </a:extLst>
+          </p:cNvPr>
+          <p:cNvSpPr>
+            <a:spLocks noGrp="1"/>
+          </p:cNvSpPr>
+          <p:nvPr>
+            <p:ph idx="1"/>
+          </p:nvPr>
+        </p:nvSpPr>
+        <p:spPr>
+          <a:xfrm>
+            <a:off x="3945468" y="868680"/>
+            <a:ext cx="7315200" cy="5120640"/>
+          </a:xfrm>
+        </p:spPr>
+        <p:txBody>
+          <a:bodyPr>
+            <a:normAutofit/>
+          </a:bodyPr>
+          <a:lstStyle/>
+          <a:p>
+            <a:pPr marL="0" indent="0">
+              <a:buNone/>
+            </a:pPr>
+            <a:r>
+              <a:rPr kumimoji="1" lang="ja-JP" altLang="en-US" sz="4000" i="1" dirty="0"/>
+              <a:t>シンプルで使いやすいシステム</a:t>
+            </a:r>
+          </a:p>
+        </p:txBody>
+      </p:sp>
+      <p:pic>
+        <p:nvPicPr>
+          <p:cNvPr id="4" name="図 3" descr="アイコン&#10;&#10;自動的に生成された説明">
+            <a:extLst>
+              <a:ext uri="{FF2B5EF4-FFF2-40B4-BE49-F238E27FC236}">
+                <a16:creationId xmlns:a16="http://schemas.microsoft.com/office/drawing/2014/main" id="{F80B5929-9B90-4E9C-B9E6-44E443331DB5}"/>
+              </a:ext>
+            </a:extLst>
+          </p:cNvPr>
+          <p:cNvPicPr>
+            <a:picLocks noChangeAspect="1"/>
+          </p:cNvPicPr>
+          <p:nvPr/>
+        </p:nvPicPr>
+        <p:blipFill>
+          <a:blip r:embed="rId3">
+            <a:alphaModFix amt="85000"/>
+            <a:extLst>
+              <a:ext uri="{28A0092B-C50C-407E-A947-70E740481C1C}">
+                <a14:useLocalDpi xmlns:a14="http://schemas.microsoft.com/office/drawing/2010/main" val="0"/>
+              </a:ext>
+            </a:extLst>
+          </a:blip>
+          <a:stretch>
+            <a:fillRect/>
+          </a:stretch>
+        </p:blipFill>
+        <p:spPr>
+          <a:xfrm>
+            <a:off x="9466729" y="5262949"/>
+            <a:ext cx="2725271" cy="1469817"/>
+          </a:xfrm>
+          <a:prstGeom prst="rect">
+            <a:avLst/>
+          </a:prstGeom>
+        </p:spPr>
+      </p:pic>
+    </p:spTree>
+    <p:extLst>
+      <p:ext uri="{BB962C8B-B14F-4D97-AF65-F5344CB8AC3E}">
+        <p14:creationId xmlns:p14="http://schemas.microsoft.com/office/powerpoint/2010/main" val="1216690026"/>
+      </p:ext>
+    </p:extLst>
+  </p:cSld>
+  <p:clrMapOvr>
+    <a:masterClrMapping/>
+  </p:clrMapOvr>
+</p:sld>
+</file>
+
+<file path=ppt/slides/slide8.xml><?xml version="1.0" encoding="utf-8"?>
+<p:sld xmlns:a="http://schemas.openxmlformats.org/drawingml/2006/main" xmlns:r="http://schemas.openxmlformats.org/officeDocument/2006/relationships" xmlns:p="http://schemas.openxmlformats.org/presentationml/2006/main">
+  <p:cSld>
+    <p:spTree>
+      <p:nvGrpSpPr>
+        <p:cNvPr id="1" name=""/>
+        <p:cNvGrpSpPr/>
+        <p:nvPr/>
+      </p:nvGrpSpPr>
+      <p:grpSpPr>
+        <a:xfrm>
+          <a:off x="0" y="0"/>
+          <a:ext cx="0" cy="0"/>
+          <a:chOff x="0" y="0"/>
+          <a:chExt cx="0" cy="0"/>
+        </a:xfrm>
+      </p:grpSpPr>
+      <p:sp>
+        <p:nvSpPr>
+          <p:cNvPr id="2" name="タイトル 1">
+            <a:extLst>
+              <a:ext uri="{FF2B5EF4-FFF2-40B4-BE49-F238E27FC236}">
+                <a16:creationId xmlns:a16="http://schemas.microsoft.com/office/drawing/2014/main" id="{11FF109B-1A52-4682-9479-0DCAC48B3C35}"/>
+              </a:ext>
+            </a:extLst>
+          </p:cNvPr>
+          <p:cNvSpPr>
+            <a:spLocks noGrp="1"/>
+          </p:cNvSpPr>
+          <p:nvPr>
+            <p:ph type="title"/>
+          </p:nvPr>
+        </p:nvSpPr>
+        <p:spPr/>
+        <p:txBody>
+          <a:bodyPr/>
+          <a:lstStyle/>
+          <a:p>
+            <a:r>
+              <a:rPr kumimoji="1" lang="ja-JP" altLang="en-US" dirty="0"/>
+              <a:t>シンプル</a:t>
+            </a:r>
+            <a:r>
+              <a:rPr lang="ja-JP" altLang="en-US" dirty="0"/>
+              <a:t>さ</a:t>
+            </a:r>
+            <a:endParaRPr kumimoji="1" lang="ja-JP" altLang="en-US" dirty="0"/>
+          </a:p>
+        </p:txBody>
+      </p:sp>
+      <p:sp>
+        <p:nvSpPr>
+          <p:cNvPr id="3" name="コンテンツ プレースホルダー 2">
+            <a:extLst>
+              <a:ext uri="{FF2B5EF4-FFF2-40B4-BE49-F238E27FC236}">
+                <a16:creationId xmlns:a16="http://schemas.microsoft.com/office/drawing/2014/main" id="{E23551B5-FD73-4043-9D9D-F069178EC83A}"/>
+              </a:ext>
+            </a:extLst>
+          </p:cNvPr>
+          <p:cNvSpPr>
+            <a:spLocks noGrp="1"/>
+          </p:cNvSpPr>
+          <p:nvPr>
+            <p:ph idx="1"/>
+          </p:nvPr>
+        </p:nvSpPr>
+        <p:spPr/>
+        <p:txBody>
+          <a:bodyPr/>
+          <a:lstStyle/>
+          <a:p>
+            <a:r>
+              <a:rPr kumimoji="1" lang="ja-JP" altLang="en-US" dirty="0"/>
+              <a:t>デザインのスクリーンショットを貼る</a:t>
+            </a:r>
+          </a:p>
+        </p:txBody>
+      </p:sp>
+      <p:pic>
+        <p:nvPicPr>
+          <p:cNvPr id="4" name="図 3" descr="アイコン&#10;&#10;自動的に生成された説明">
+            <a:extLst>
+              <a:ext uri="{FF2B5EF4-FFF2-40B4-BE49-F238E27FC236}">
+                <a16:creationId xmlns:a16="http://schemas.microsoft.com/office/drawing/2014/main" id="{F80B5929-9B90-4E9C-B9E6-44E443331DB5}"/>
+              </a:ext>
+            </a:extLst>
+          </p:cNvPr>
+          <p:cNvPicPr>
+            <a:picLocks noChangeAspect="1"/>
+          </p:cNvPicPr>
+          <p:nvPr/>
+        </p:nvPicPr>
+        <p:blipFill>
+          <a:blip r:embed="rId3">
+            <a:alphaModFix amt="85000"/>
+            <a:extLst>
+              <a:ext uri="{28A0092B-C50C-407E-A947-70E740481C1C}">
+                <a14:useLocalDpi xmlns:a14="http://schemas.microsoft.com/office/drawing/2010/main" val="0"/>
+              </a:ext>
+            </a:extLst>
+          </a:blip>
+          <a:stretch>
+            <a:fillRect/>
+          </a:stretch>
+        </p:blipFill>
+        <p:spPr>
+          <a:xfrm>
+            <a:off x="9466729" y="5262949"/>
+            <a:ext cx="2725271" cy="1469817"/>
+          </a:xfrm>
+          <a:prstGeom prst="rect">
+            <a:avLst/>
+          </a:prstGeom>
+        </p:spPr>
+      </p:pic>
+    </p:spTree>
+    <p:extLst>
+      <p:ext uri="{BB962C8B-B14F-4D97-AF65-F5344CB8AC3E}">
+        <p14:creationId xmlns:p14="http://schemas.microsoft.com/office/powerpoint/2010/main" val="1493009484"/>
+      </p:ext>
+    </p:extLst>
+  </p:cSld>
+  <p:clrMapOvr>
+    <a:masterClrMapping/>
+  </p:clrMapOvr>
+</p:sld>
+</file>
+
+<file path=ppt/slides/slide9.xml><?xml version="1.0" encoding="utf-8"?>
+<p:sld xmlns:a="http://schemas.openxmlformats.org/drawingml/2006/main" xmlns:r="http://schemas.openxmlformats.org/officeDocument/2006/relationships" xmlns:p="http://schemas.openxmlformats.org/presentationml/2006/main">
+  <p:cSld>
+    <p:spTree>
+      <p:nvGrpSpPr>
+        <p:cNvPr id="1" name=""/>
+        <p:cNvGrpSpPr/>
+        <p:nvPr/>
+      </p:nvGrpSpPr>
+      <p:grpSpPr>
+        <a:xfrm>
+          <a:off x="0" y="0"/>
+          <a:ext cx="0" cy="0"/>
+          <a:chOff x="0" y="0"/>
+          <a:chExt cx="0" cy="0"/>
+        </a:xfrm>
+      </p:grpSpPr>
+      <p:sp>
+        <p:nvSpPr>
+          <p:cNvPr id="2" name="タイトル 1">
+            <a:extLst>
+              <a:ext uri="{FF2B5EF4-FFF2-40B4-BE49-F238E27FC236}">
+                <a16:creationId xmlns:a16="http://schemas.microsoft.com/office/drawing/2014/main" id="{11FF109B-1A52-4682-9479-0DCAC48B3C35}"/>
+              </a:ext>
+            </a:extLst>
+          </p:cNvPr>
+          <p:cNvSpPr>
+            <a:spLocks noGrp="1"/>
+          </p:cNvSpPr>
+          <p:nvPr>
+            <p:ph type="title"/>
+          </p:nvPr>
+        </p:nvSpPr>
+        <p:spPr/>
+        <p:txBody>
+          <a:bodyPr/>
+          <a:lstStyle/>
+          <a:p>
+            <a:r>
+              <a:rPr lang="ja-JP" altLang="en-US" dirty="0"/>
+              <a:t>利便性の高い機能</a:t>
+            </a:r>
+            <a:endParaRPr kumimoji="1" lang="ja-JP" altLang="en-US" dirty="0"/>
+          </a:p>
+        </p:txBody>
+      </p:sp>
+      <p:sp>
+        <p:nvSpPr>
+          <p:cNvPr id="3" name="コンテンツ プレースホルダー 2">
+            <a:extLst>
+              <a:ext uri="{FF2B5EF4-FFF2-40B4-BE49-F238E27FC236}">
+                <a16:creationId xmlns:a16="http://schemas.microsoft.com/office/drawing/2014/main" id="{E23551B5-FD73-4043-9D9D-F069178EC83A}"/>
+              </a:ext>
+            </a:extLst>
+          </p:cNvPr>
+          <p:cNvSpPr>
+            <a:spLocks noGrp="1"/>
+          </p:cNvSpPr>
+          <p:nvPr>
+            <p:ph idx="1"/>
+          </p:nvPr>
+        </p:nvSpPr>
+        <p:spPr>
+          <a:xfrm>
+            <a:off x="3838788" y="494671"/>
+            <a:ext cx="7315200" cy="5859514"/>
+          </a:xfrm>
+        </p:spPr>
+        <p:txBody>
+          <a:bodyPr>
+            <a:normAutofit/>
+          </a:bodyPr>
+          <a:lstStyle/>
+          <a:p>
+            <a:r>
+              <a:rPr kumimoji="1" lang="ja-JP" altLang="en-US" sz="2800" dirty="0"/>
+              <a:t>質問投稿機能</a:t>
+            </a:r>
+            <a:endParaRPr kumimoji="1" lang="en-US" altLang="ja-JP" sz="2800" dirty="0"/>
+          </a:p>
+          <a:p>
+            <a:pPr lvl="1"/>
+            <a:r>
+              <a:rPr kumimoji="1" lang="ja-JP" altLang="en-US" sz="2400" dirty="0"/>
+              <a:t>テンプレート挿入機能</a:t>
+            </a:r>
+            <a:endParaRPr kumimoji="1" lang="en-US" altLang="ja-JP" sz="2400" dirty="0"/>
+          </a:p>
+          <a:p>
+            <a:pPr lvl="1"/>
+            <a:r>
+              <a:rPr lang="ja-JP" altLang="en-US" sz="2400" dirty="0"/>
+              <a:t>ファイル添付機能</a:t>
+            </a:r>
+            <a:endParaRPr kumimoji="1" lang="en-US" altLang="ja-JP" sz="2400" dirty="0"/>
+          </a:p>
+          <a:p>
+            <a:r>
+              <a:rPr lang="ja-JP" altLang="en-US" sz="2800" dirty="0"/>
+              <a:t>検索機能</a:t>
+            </a:r>
+            <a:endParaRPr lang="en-US" altLang="ja-JP" sz="2800" dirty="0"/>
+          </a:p>
+          <a:p>
+            <a:pPr lvl="1"/>
+            <a:r>
+              <a:rPr lang="ja-JP" altLang="en-US" sz="2400" dirty="0"/>
+              <a:t>質問タグによる検索</a:t>
+            </a:r>
+            <a:endParaRPr lang="en-US" altLang="ja-JP" sz="2400" dirty="0"/>
+          </a:p>
+          <a:p>
+            <a:pPr lvl="1"/>
+            <a:r>
+              <a:rPr lang="ja-JP" altLang="en-US" sz="2400" dirty="0"/>
+              <a:t>質問の閲覧回数順に表示</a:t>
+            </a:r>
+            <a:endParaRPr lang="en-US" altLang="ja-JP" sz="2400" dirty="0"/>
+          </a:p>
+          <a:p>
+            <a:pPr lvl="1"/>
+            <a:r>
+              <a:rPr lang="ja-JP" altLang="en-US" sz="2400" dirty="0"/>
+              <a:t>解決</a:t>
+            </a:r>
+            <a:r>
+              <a:rPr lang="en-US" altLang="ja-JP" sz="2400" dirty="0"/>
+              <a:t>/</a:t>
+            </a:r>
+            <a:r>
+              <a:rPr lang="ja-JP" altLang="en-US" sz="2400" dirty="0"/>
+              <a:t>未解決ラベルによる検索</a:t>
+            </a:r>
+            <a:endParaRPr lang="en-US" altLang="ja-JP" sz="2400" dirty="0"/>
+          </a:p>
+          <a:p>
+            <a:r>
+              <a:rPr lang="ja-JP" altLang="en-US" sz="2800" dirty="0"/>
+              <a:t>マイページ機能</a:t>
+            </a:r>
+            <a:endParaRPr lang="en-US" altLang="ja-JP" sz="2800" dirty="0"/>
+          </a:p>
+          <a:p>
+            <a:pPr lvl="1"/>
+            <a:r>
+              <a:rPr lang="ja-JP" altLang="en-US" sz="2400" dirty="0"/>
+              <a:t>自分の質問が一覧で見られる</a:t>
+            </a:r>
+            <a:endParaRPr lang="en-US" altLang="ja-JP" sz="2400" dirty="0"/>
+          </a:p>
+        </p:txBody>
+      </p:sp>
+      <p:pic>
+        <p:nvPicPr>
+          <p:cNvPr id="4" name="図 3" descr="アイコン&#10;&#10;自動的に生成された説明">
+            <a:extLst>
+              <a:ext uri="{FF2B5EF4-FFF2-40B4-BE49-F238E27FC236}">
+                <a16:creationId xmlns:a16="http://schemas.microsoft.com/office/drawing/2014/main" id="{F80B5929-9B90-4E9C-B9E6-44E443331DB5}"/>
+              </a:ext>
+            </a:extLst>
+          </p:cNvPr>
+          <p:cNvPicPr>
+            <a:picLocks noChangeAspect="1"/>
+          </p:cNvPicPr>
+          <p:nvPr/>
+        </p:nvPicPr>
+        <p:blipFill>
+          <a:blip r:embed="rId3">
+            <a:alphaModFix amt="85000"/>
+            <a:extLst>
+              <a:ext uri="{28A0092B-C50C-407E-A947-70E740481C1C}">
+                <a14:useLocalDpi xmlns:a14="http://schemas.microsoft.com/office/drawing/2010/main" val="0"/>
+              </a:ext>
+            </a:extLst>
+          </a:blip>
+          <a:stretch>
+            <a:fillRect/>
+          </a:stretch>
+        </p:blipFill>
+        <p:spPr>
+          <a:xfrm>
+            <a:off x="9466729" y="5262949"/>
+            <a:ext cx="2725271" cy="1469817"/>
+          </a:xfrm>
+          <a:prstGeom prst="rect">
+            <a:avLst/>
+          </a:prstGeom>
+        </p:spPr>
+      </p:pic>
+    </p:spTree>
+    <p:extLst>
+      <p:ext uri="{BB962C8B-B14F-4D97-AF65-F5344CB8AC3E}">
+        <p14:creationId xmlns:p14="http://schemas.microsoft.com/office/powerpoint/2010/main" val="4139719801"/>
       </p:ext>
     </p:extLst>
   </p:cSld>

--- a/発表資料/成果発表　D4チーム.pptx
+++ b/発表資料/成果発表　D4チーム.pptx
@@ -5,7 +5,7 @@
     <p:sldMasterId id="2147483678" r:id="rId1"/>
   </p:sldMasterIdLst>
   <p:notesMasterIdLst>
-    <p:notesMasterId r:id="rId25"/>
+    <p:notesMasterId r:id="rId30"/>
   </p:notesMasterIdLst>
   <p:sldIdLst>
     <p:sldId id="256" r:id="rId2"/>
@@ -15,22 +15,27 @@
     <p:sldId id="258" r:id="rId6"/>
     <p:sldId id="265" r:id="rId7"/>
     <p:sldId id="262" r:id="rId8"/>
-    <p:sldId id="263" r:id="rId9"/>
+    <p:sldId id="287" r:id="rId9"/>
     <p:sldId id="264" r:id="rId10"/>
-    <p:sldId id="269" r:id="rId11"/>
-    <p:sldId id="270" r:id="rId12"/>
-    <p:sldId id="268" r:id="rId13"/>
-    <p:sldId id="275" r:id="rId14"/>
-    <p:sldId id="276" r:id="rId15"/>
-    <p:sldId id="267" r:id="rId16"/>
-    <p:sldId id="273" r:id="rId17"/>
-    <p:sldId id="271" r:id="rId18"/>
-    <p:sldId id="277" r:id="rId19"/>
-    <p:sldId id="278" r:id="rId20"/>
-    <p:sldId id="279" r:id="rId21"/>
-    <p:sldId id="280" r:id="rId22"/>
-    <p:sldId id="281" r:id="rId23"/>
-    <p:sldId id="272" r:id="rId24"/>
+    <p:sldId id="282" r:id="rId11"/>
+    <p:sldId id="283" r:id="rId12"/>
+    <p:sldId id="284" r:id="rId13"/>
+    <p:sldId id="285" r:id="rId14"/>
+    <p:sldId id="286" r:id="rId15"/>
+    <p:sldId id="269" r:id="rId16"/>
+    <p:sldId id="270" r:id="rId17"/>
+    <p:sldId id="268" r:id="rId18"/>
+    <p:sldId id="275" r:id="rId19"/>
+    <p:sldId id="276" r:id="rId20"/>
+    <p:sldId id="267" r:id="rId21"/>
+    <p:sldId id="273" r:id="rId22"/>
+    <p:sldId id="271" r:id="rId23"/>
+    <p:sldId id="277" r:id="rId24"/>
+    <p:sldId id="278" r:id="rId25"/>
+    <p:sldId id="279" r:id="rId26"/>
+    <p:sldId id="280" r:id="rId27"/>
+    <p:sldId id="281" r:id="rId28"/>
+    <p:sldId id="272" r:id="rId29"/>
   </p:sldIdLst>
   <p:sldSz cx="12192000" cy="6858000"/>
   <p:notesSz cx="6858000" cy="9144000"/>
@@ -219,7 +224,7 @@
           <a:p>
             <a:fld id="{7940F67D-29D4-4898-A6D4-061F8A7BAB25}" type="datetimeFigureOut">
               <a:rPr kumimoji="1" lang="ja-JP" altLang="en-US" smtClean="0"/>
-              <a:t>2021/6/24</a:t>
+              <a:t>2021/6/25</a:t>
             </a:fld>
             <a:endParaRPr kumimoji="1" lang="ja-JP" altLang="en-US"/>
           </a:p>
@@ -667,7 +672,7 @@
           <a:p>
             <a:fld id="{3E09690F-D3E5-4E8F-AD4A-5CFF09FCF1A7}" type="slidenum">
               <a:rPr kumimoji="1" lang="ja-JP" altLang="en-US" smtClean="0"/>
-              <a:t>18</a:t>
+              <a:t>24</a:t>
             </a:fld>
             <a:endParaRPr kumimoji="1" lang="ja-JP" altLang="en-US"/>
           </a:p>
@@ -676,7 +681,7 @@
     </p:spTree>
     <p:extLst>
       <p:ext uri="{BB962C8B-B14F-4D97-AF65-F5344CB8AC3E}">
-        <p14:creationId xmlns:p14="http://schemas.microsoft.com/office/powerpoint/2010/main" val="1204652253"/>
+        <p14:creationId xmlns:p14="http://schemas.microsoft.com/office/powerpoint/2010/main" val="2308555231"/>
       </p:ext>
     </p:extLst>
   </p:cSld>
@@ -751,7 +756,7 @@
           <a:p>
             <a:fld id="{3E09690F-D3E5-4E8F-AD4A-5CFF09FCF1A7}" type="slidenum">
               <a:rPr kumimoji="1" lang="ja-JP" altLang="en-US" smtClean="0"/>
-              <a:t>19</a:t>
+              <a:t>25</a:t>
             </a:fld>
             <a:endParaRPr kumimoji="1" lang="ja-JP" altLang="en-US"/>
           </a:p>
@@ -760,7 +765,7 @@
     </p:spTree>
     <p:extLst>
       <p:ext uri="{BB962C8B-B14F-4D97-AF65-F5344CB8AC3E}">
-        <p14:creationId xmlns:p14="http://schemas.microsoft.com/office/powerpoint/2010/main" val="2308555231"/>
+        <p14:creationId xmlns:p14="http://schemas.microsoft.com/office/powerpoint/2010/main" val="2970961455"/>
       </p:ext>
     </p:extLst>
   </p:cSld>
@@ -835,7 +840,7 @@
           <a:p>
             <a:fld id="{3E09690F-D3E5-4E8F-AD4A-5CFF09FCF1A7}" type="slidenum">
               <a:rPr kumimoji="1" lang="ja-JP" altLang="en-US" smtClean="0"/>
-              <a:t>20</a:t>
+              <a:t>26</a:t>
             </a:fld>
             <a:endParaRPr kumimoji="1" lang="ja-JP" altLang="en-US"/>
           </a:p>
@@ -844,7 +849,7 @@
     </p:spTree>
     <p:extLst>
       <p:ext uri="{BB962C8B-B14F-4D97-AF65-F5344CB8AC3E}">
-        <p14:creationId xmlns:p14="http://schemas.microsoft.com/office/powerpoint/2010/main" val="2970961455"/>
+        <p14:creationId xmlns:p14="http://schemas.microsoft.com/office/powerpoint/2010/main" val="4198393642"/>
       </p:ext>
     </p:extLst>
   </p:cSld>
@@ -919,7 +924,7 @@
           <a:p>
             <a:fld id="{3E09690F-D3E5-4E8F-AD4A-5CFF09FCF1A7}" type="slidenum">
               <a:rPr kumimoji="1" lang="ja-JP" altLang="en-US" smtClean="0"/>
-              <a:t>21</a:t>
+              <a:t>27</a:t>
             </a:fld>
             <a:endParaRPr kumimoji="1" lang="ja-JP" altLang="en-US"/>
           </a:p>
@@ -928,7 +933,7 @@
     </p:spTree>
     <p:extLst>
       <p:ext uri="{BB962C8B-B14F-4D97-AF65-F5344CB8AC3E}">
-        <p14:creationId xmlns:p14="http://schemas.microsoft.com/office/powerpoint/2010/main" val="4198393642"/>
+        <p14:creationId xmlns:p14="http://schemas.microsoft.com/office/powerpoint/2010/main" val="3015109726"/>
       </p:ext>
     </p:extLst>
   </p:cSld>
@@ -1003,91 +1008,7 @@
           <a:p>
             <a:fld id="{3E09690F-D3E5-4E8F-AD4A-5CFF09FCF1A7}" type="slidenum">
               <a:rPr kumimoji="1" lang="ja-JP" altLang="en-US" smtClean="0"/>
-              <a:t>22</a:t>
-            </a:fld>
-            <a:endParaRPr kumimoji="1" lang="ja-JP" altLang="en-US"/>
-          </a:p>
-        </p:txBody>
-      </p:sp>
-    </p:spTree>
-    <p:extLst>
-      <p:ext uri="{BB962C8B-B14F-4D97-AF65-F5344CB8AC3E}">
-        <p14:creationId xmlns:p14="http://schemas.microsoft.com/office/powerpoint/2010/main" val="3015109726"/>
-      </p:ext>
-    </p:extLst>
-  </p:cSld>
-  <p:clrMapOvr>
-    <a:masterClrMapping/>
-  </p:clrMapOvr>
-</p:notes>
-</file>
-
-<file path=ppt/notesSlides/notesSlide15.xml><?xml version="1.0" encoding="utf-8"?>
-<p:notes xmlns:a="http://schemas.openxmlformats.org/drawingml/2006/main" xmlns:r="http://schemas.openxmlformats.org/officeDocument/2006/relationships" xmlns:p="http://schemas.openxmlformats.org/presentationml/2006/main">
-  <p:cSld>
-    <p:spTree>
-      <p:nvGrpSpPr>
-        <p:cNvPr id="1" name=""/>
-        <p:cNvGrpSpPr/>
-        <p:nvPr/>
-      </p:nvGrpSpPr>
-      <p:grpSpPr>
-        <a:xfrm>
-          <a:off x="0" y="0"/>
-          <a:ext cx="0" cy="0"/>
-          <a:chOff x="0" y="0"/>
-          <a:chExt cx="0" cy="0"/>
-        </a:xfrm>
-      </p:grpSpPr>
-      <p:sp>
-        <p:nvSpPr>
-          <p:cNvPr id="2" name="スライド イメージ プレースホルダー 1"/>
-          <p:cNvSpPr>
-            <a:spLocks noGrp="1" noRot="1" noChangeAspect="1"/>
-          </p:cNvSpPr>
-          <p:nvPr>
-            <p:ph type="sldImg"/>
-          </p:nvPr>
-        </p:nvSpPr>
-        <p:spPr/>
-      </p:sp>
-      <p:sp>
-        <p:nvSpPr>
-          <p:cNvPr id="3" name="ノート プレースホルダー 2"/>
-          <p:cNvSpPr>
-            <a:spLocks noGrp="1"/>
-          </p:cNvSpPr>
-          <p:nvPr>
-            <p:ph type="body" idx="1"/>
-          </p:nvPr>
-        </p:nvSpPr>
-        <p:spPr/>
-        <p:txBody>
-          <a:bodyPr/>
-          <a:lstStyle/>
-          <a:p>
-            <a:endParaRPr kumimoji="1" lang="ja-JP" altLang="en-US" dirty="0"/>
-          </a:p>
-        </p:txBody>
-      </p:sp>
-      <p:sp>
-        <p:nvSpPr>
-          <p:cNvPr id="4" name="スライド番号プレースホルダー 3"/>
-          <p:cNvSpPr>
-            <a:spLocks noGrp="1"/>
-          </p:cNvSpPr>
-          <p:nvPr>
-            <p:ph type="sldNum" sz="quarter" idx="5"/>
-          </p:nvPr>
-        </p:nvSpPr>
-        <p:spPr/>
-        <p:txBody>
-          <a:bodyPr/>
-          <a:lstStyle/>
-          <a:p>
-            <a:fld id="{3E09690F-D3E5-4E8F-AD4A-5CFF09FCF1A7}" type="slidenum">
-              <a:rPr kumimoji="1" lang="ja-JP" altLang="en-US" smtClean="0"/>
-              <a:t>23</a:t>
+              <a:t>28</a:t>
             </a:fld>
             <a:endParaRPr kumimoji="1" lang="ja-JP" altLang="en-US"/>
           </a:p>
@@ -1259,108 +1180,23 @@
           <a:bodyPr/>
           <a:lstStyle/>
           <a:p>
-            <a:pPr rtl="0">
-              <a:spcBef>
-                <a:spcPts val="0"/>
-              </a:spcBef>
-              <a:spcAft>
-                <a:spcPts val="0"/>
-              </a:spcAft>
-            </a:pPr>
-            <a:r>
-              <a:rPr lang="ja-JP" altLang="en-US" sz="1800" b="0" i="0" u="none" strike="noStrike" dirty="0">
-                <a:solidFill>
-                  <a:srgbClr val="000000"/>
-                </a:solidFill>
-                <a:effectLst/>
-                <a:latin typeface="Arial" panose="020B0604020202020204" pitchFamily="34" charset="0"/>
-              </a:rPr>
-              <a:t>・色を統一してごちゃごちゃしないようにした（デザイン面）。</a:t>
-            </a:r>
-            <a:endParaRPr lang="ja-JP" altLang="en-US" b="0" dirty="0">
-              <a:effectLst/>
-            </a:endParaRPr>
-          </a:p>
-          <a:p>
-            <a:pPr rtl="0">
-              <a:spcBef>
-                <a:spcPts val="0"/>
-              </a:spcBef>
-              <a:spcAft>
-                <a:spcPts val="0"/>
-              </a:spcAft>
-            </a:pPr>
-            <a:r>
-              <a:rPr lang="ja-JP" altLang="en-US" sz="1800" b="0" i="0" u="none" strike="noStrike" dirty="0">
-                <a:solidFill>
-                  <a:srgbClr val="000000"/>
-                </a:solidFill>
-                <a:effectLst/>
-                <a:latin typeface="Arial" panose="020B0604020202020204" pitchFamily="34" charset="0"/>
-              </a:rPr>
-              <a:t>・パッとみて操作がしやすいことを意識した（ユーザーが使っているときにどうすればいいの？と戸惑わないようにした。）</a:t>
-            </a:r>
-            <a:endParaRPr lang="en-US" altLang="ja-JP" sz="1800" b="0" i="0" u="none" strike="noStrike" dirty="0">
-              <a:solidFill>
-                <a:srgbClr val="000000"/>
-              </a:solidFill>
-              <a:effectLst/>
-              <a:latin typeface="Arial" panose="020B0604020202020204" pitchFamily="34" charset="0"/>
-            </a:endParaRPr>
-          </a:p>
-          <a:p>
-            <a:pPr rtl="0">
-              <a:spcBef>
-                <a:spcPts val="0"/>
-              </a:spcBef>
-              <a:spcAft>
-                <a:spcPts val="0"/>
-              </a:spcAft>
-            </a:pPr>
-            <a:r>
-              <a:rPr lang="ja-JP" altLang="en-US" sz="1800" b="0" i="0" u="none" strike="noStrike" dirty="0">
-                <a:solidFill>
-                  <a:srgbClr val="000000"/>
-                </a:solidFill>
-                <a:effectLst/>
-                <a:latin typeface="Arial" panose="020B0604020202020204" pitchFamily="34" charset="0"/>
-              </a:rPr>
-              <a:t>・余計な機能は付けない</a:t>
-            </a:r>
-            <a:endParaRPr lang="en-US" altLang="ja-JP" sz="1800" b="0" i="0" u="none" strike="noStrike" dirty="0">
-              <a:solidFill>
-                <a:srgbClr val="000000"/>
-              </a:solidFill>
-              <a:effectLst/>
-              <a:latin typeface="Arial" panose="020B0604020202020204" pitchFamily="34" charset="0"/>
-            </a:endParaRPr>
-          </a:p>
-          <a:p>
-            <a:pPr rtl="0">
-              <a:spcBef>
-                <a:spcPts val="0"/>
-              </a:spcBef>
-              <a:spcAft>
-                <a:spcPts val="0"/>
-              </a:spcAft>
-            </a:pPr>
-            <a:r>
-              <a:rPr lang="ja-JP" altLang="en-US" b="0" dirty="0">
-                <a:effectLst/>
-              </a:rPr>
-              <a:t>→この</a:t>
-            </a:r>
-            <a:r>
-              <a:rPr lang="en-US" altLang="ja-JP" b="0" dirty="0">
-                <a:effectLst/>
-              </a:rPr>
-              <a:t>2</a:t>
-            </a:r>
-            <a:r>
-              <a:rPr lang="ja-JP" altLang="en-US" b="0" dirty="0">
-                <a:effectLst/>
-              </a:rPr>
-              <a:t>点を</a:t>
+            <a:r>
+              <a:rPr kumimoji="1" lang="ja-JP" altLang="en-US" dirty="0"/>
+              <a:t>デモンストレーションにて紹介</a:t>
+            </a:r>
+            <a:endParaRPr kumimoji="1" lang="en-US" altLang="ja-JP" dirty="0"/>
+          </a:p>
+          <a:p>
+            <a:r>
+              <a:rPr kumimoji="1" lang="ja-JP" altLang="en-US" dirty="0"/>
+              <a:t>デモ中に、その機能があることでどんな利便性の高さが実現できるか紹介</a:t>
+            </a:r>
+            <a:endParaRPr kumimoji="1" lang="en-US" altLang="ja-JP" dirty="0"/>
+          </a:p>
+          <a:p>
+            <a:r>
+              <a:rPr kumimoji="1" lang="ja-JP" altLang="en-US" dirty="0"/>
+              <a:t>テンプレート昨日</a:t>
             </a:r>
           </a:p>
         </p:txBody>
@@ -1382,7 +1218,7 @@
           <a:p>
             <a:fld id="{3E09690F-D3E5-4E8F-AD4A-5CFF09FCF1A7}" type="slidenum">
               <a:rPr kumimoji="1" lang="ja-JP" altLang="en-US" smtClean="0"/>
-              <a:t>8</a:t>
+              <a:t>9</a:t>
             </a:fld>
             <a:endParaRPr kumimoji="1" lang="ja-JP" altLang="en-US"/>
           </a:p>
@@ -1391,7 +1227,7 @@
     </p:spTree>
     <p:extLst>
       <p:ext uri="{BB962C8B-B14F-4D97-AF65-F5344CB8AC3E}">
-        <p14:creationId xmlns:p14="http://schemas.microsoft.com/office/powerpoint/2010/main" val="2207568408"/>
+        <p14:creationId xmlns:p14="http://schemas.microsoft.com/office/powerpoint/2010/main" val="4025642921"/>
       </p:ext>
     </p:extLst>
   </p:cSld>
@@ -1445,24 +1281,7 @@
           <a:bodyPr/>
           <a:lstStyle/>
           <a:p>
-            <a:r>
-              <a:rPr kumimoji="1" lang="ja-JP" altLang="en-US" dirty="0"/>
-              <a:t>デモンストレーションにて紹介</a:t>
-            </a:r>
-            <a:endParaRPr kumimoji="1" lang="en-US" altLang="ja-JP" dirty="0"/>
-          </a:p>
-          <a:p>
-            <a:r>
-              <a:rPr kumimoji="1" lang="ja-JP" altLang="en-US" dirty="0"/>
-              <a:t>デモ中に、その機能があることでどんな利便性の高さが実現できるか紹介</a:t>
-            </a:r>
-            <a:endParaRPr kumimoji="1" lang="en-US" altLang="ja-JP" dirty="0"/>
-          </a:p>
-          <a:p>
-            <a:r>
-              <a:rPr kumimoji="1" lang="ja-JP" altLang="en-US" dirty="0"/>
-              <a:t>テンプレート昨日</a:t>
-            </a:r>
+            <a:endParaRPr kumimoji="1" lang="ja-JP" altLang="en-US" dirty="0"/>
           </a:p>
         </p:txBody>
       </p:sp>
@@ -1483,7 +1302,7 @@
           <a:p>
             <a:fld id="{3E09690F-D3E5-4E8F-AD4A-5CFF09FCF1A7}" type="slidenum">
               <a:rPr kumimoji="1" lang="ja-JP" altLang="en-US" smtClean="0"/>
-              <a:t>9</a:t>
+              <a:t>16</a:t>
             </a:fld>
             <a:endParaRPr kumimoji="1" lang="ja-JP" altLang="en-US"/>
           </a:p>
@@ -1492,7 +1311,7 @@
     </p:spTree>
     <p:extLst>
       <p:ext uri="{BB962C8B-B14F-4D97-AF65-F5344CB8AC3E}">
-        <p14:creationId xmlns:p14="http://schemas.microsoft.com/office/powerpoint/2010/main" val="4025642921"/>
+        <p14:creationId xmlns:p14="http://schemas.microsoft.com/office/powerpoint/2010/main" val="27146478"/>
       </p:ext>
     </p:extLst>
   </p:cSld>
@@ -1546,7 +1365,10 @@
           <a:bodyPr/>
           <a:lstStyle/>
           <a:p>
-            <a:endParaRPr kumimoji="1" lang="ja-JP" altLang="en-US" dirty="0"/>
+            <a:r>
+              <a:rPr kumimoji="1" lang="ja-JP" altLang="en-US" dirty="0"/>
+              <a:t>①②仲間に作業報告する場を頻繁に設けることで、各自が担当する作業の現状を的確に把握し、助けが必要な際には自分で仲間に依頼する、という主体的行動につながった。</a:t>
+            </a:r>
           </a:p>
         </p:txBody>
       </p:sp>
@@ -1567,7 +1389,7 @@
           <a:p>
             <a:fld id="{3E09690F-D3E5-4E8F-AD4A-5CFF09FCF1A7}" type="slidenum">
               <a:rPr kumimoji="1" lang="ja-JP" altLang="en-US" smtClean="0"/>
-              <a:t>11</a:t>
+              <a:t>17</a:t>
             </a:fld>
             <a:endParaRPr kumimoji="1" lang="ja-JP" altLang="en-US"/>
           </a:p>
@@ -1576,7 +1398,7 @@
     </p:spTree>
     <p:extLst>
       <p:ext uri="{BB962C8B-B14F-4D97-AF65-F5344CB8AC3E}">
-        <p14:creationId xmlns:p14="http://schemas.microsoft.com/office/powerpoint/2010/main" val="27146478"/>
+        <p14:creationId xmlns:p14="http://schemas.microsoft.com/office/powerpoint/2010/main" val="2427096512"/>
       </p:ext>
     </p:extLst>
   </p:cSld>
@@ -1630,10 +1452,7 @@
           <a:bodyPr/>
           <a:lstStyle/>
           <a:p>
-            <a:r>
-              <a:rPr kumimoji="1" lang="ja-JP" altLang="en-US" dirty="0"/>
-              <a:t>①②仲間に作業報告する場を頻繁に設けることで、各自が担当する作業の現状を的確に把握し、助けが必要な際には自分で仲間に依頼する、という主体的行動につながった。</a:t>
-            </a:r>
+            <a:endParaRPr kumimoji="1" lang="ja-JP" altLang="en-US" dirty="0"/>
           </a:p>
         </p:txBody>
       </p:sp>
@@ -1654,7 +1473,7 @@
           <a:p>
             <a:fld id="{3E09690F-D3E5-4E8F-AD4A-5CFF09FCF1A7}" type="slidenum">
               <a:rPr kumimoji="1" lang="ja-JP" altLang="en-US" smtClean="0"/>
-              <a:t>12</a:t>
+              <a:t>18</a:t>
             </a:fld>
             <a:endParaRPr kumimoji="1" lang="ja-JP" altLang="en-US"/>
           </a:p>
@@ -1663,7 +1482,7 @@
     </p:spTree>
     <p:extLst>
       <p:ext uri="{BB962C8B-B14F-4D97-AF65-F5344CB8AC3E}">
-        <p14:creationId xmlns:p14="http://schemas.microsoft.com/office/powerpoint/2010/main" val="2427096512"/>
+        <p14:creationId xmlns:p14="http://schemas.microsoft.com/office/powerpoint/2010/main" val="1391051691"/>
       </p:ext>
     </p:extLst>
   </p:cSld>
@@ -1738,7 +1557,7 @@
           <a:p>
             <a:fld id="{3E09690F-D3E5-4E8F-AD4A-5CFF09FCF1A7}" type="slidenum">
               <a:rPr kumimoji="1" lang="ja-JP" altLang="en-US" smtClean="0"/>
-              <a:t>13</a:t>
+              <a:t>19</a:t>
             </a:fld>
             <a:endParaRPr kumimoji="1" lang="ja-JP" altLang="en-US"/>
           </a:p>
@@ -1747,7 +1566,7 @@
     </p:spTree>
     <p:extLst>
       <p:ext uri="{BB962C8B-B14F-4D97-AF65-F5344CB8AC3E}">
-        <p14:creationId xmlns:p14="http://schemas.microsoft.com/office/powerpoint/2010/main" val="1391051691"/>
+        <p14:creationId xmlns:p14="http://schemas.microsoft.com/office/powerpoint/2010/main" val="3879779105"/>
       </p:ext>
     </p:extLst>
   </p:cSld>
@@ -1822,7 +1641,7 @@
           <a:p>
             <a:fld id="{3E09690F-D3E5-4E8F-AD4A-5CFF09FCF1A7}" type="slidenum">
               <a:rPr kumimoji="1" lang="ja-JP" altLang="en-US" smtClean="0"/>
-              <a:t>14</a:t>
+              <a:t>22</a:t>
             </a:fld>
             <a:endParaRPr kumimoji="1" lang="ja-JP" altLang="en-US"/>
           </a:p>
@@ -1831,7 +1650,7 @@
     </p:spTree>
     <p:extLst>
       <p:ext uri="{BB962C8B-B14F-4D97-AF65-F5344CB8AC3E}">
-        <p14:creationId xmlns:p14="http://schemas.microsoft.com/office/powerpoint/2010/main" val="3879779105"/>
+        <p14:creationId xmlns:p14="http://schemas.microsoft.com/office/powerpoint/2010/main" val="552774"/>
       </p:ext>
     </p:extLst>
   </p:cSld>
@@ -1906,7 +1725,7 @@
           <a:p>
             <a:fld id="{3E09690F-D3E5-4E8F-AD4A-5CFF09FCF1A7}" type="slidenum">
               <a:rPr kumimoji="1" lang="ja-JP" altLang="en-US" smtClean="0"/>
-              <a:t>17</a:t>
+              <a:t>23</a:t>
             </a:fld>
             <a:endParaRPr kumimoji="1" lang="ja-JP" altLang="en-US"/>
           </a:p>
@@ -1915,7 +1734,7 @@
     </p:spTree>
     <p:extLst>
       <p:ext uri="{BB962C8B-B14F-4D97-AF65-F5344CB8AC3E}">
-        <p14:creationId xmlns:p14="http://schemas.microsoft.com/office/powerpoint/2010/main" val="552774"/>
+        <p14:creationId xmlns:p14="http://schemas.microsoft.com/office/powerpoint/2010/main" val="1204652253"/>
       </p:ext>
     </p:extLst>
   </p:cSld>
@@ -2149,7 +1968,7 @@
           <a:p>
             <a:fld id="{8CDA64B4-71C7-4A8E-85E0-82D458E45FBE}" type="datetimeFigureOut">
               <a:rPr kumimoji="1" lang="ja-JP" altLang="en-US" smtClean="0"/>
-              <a:t>2021/6/24</a:t>
+              <a:t>2021/6/25</a:t>
             </a:fld>
             <a:endParaRPr kumimoji="1" lang="ja-JP" altLang="en-US"/>
           </a:p>
@@ -2351,7 +2170,7 @@
           <a:p>
             <a:fld id="{8CDA64B4-71C7-4A8E-85E0-82D458E45FBE}" type="datetimeFigureOut">
               <a:rPr kumimoji="1" lang="ja-JP" altLang="en-US" smtClean="0"/>
-              <a:t>2021/6/24</a:t>
+              <a:t>2021/6/25</a:t>
             </a:fld>
             <a:endParaRPr kumimoji="1" lang="ja-JP" altLang="en-US"/>
           </a:p>
@@ -2563,7 +2382,7 @@
           <a:p>
             <a:fld id="{8CDA64B4-71C7-4A8E-85E0-82D458E45FBE}" type="datetimeFigureOut">
               <a:rPr kumimoji="1" lang="ja-JP" altLang="en-US" smtClean="0"/>
-              <a:t>2021/6/24</a:t>
+              <a:t>2021/6/25</a:t>
             </a:fld>
             <a:endParaRPr kumimoji="1" lang="ja-JP" altLang="en-US"/>
           </a:p>
@@ -2765,7 +2584,7 @@
           <a:p>
             <a:fld id="{8CDA64B4-71C7-4A8E-85E0-82D458E45FBE}" type="datetimeFigureOut">
               <a:rPr kumimoji="1" lang="ja-JP" altLang="en-US" smtClean="0"/>
-              <a:t>2021/6/24</a:t>
+              <a:t>2021/6/25</a:t>
             </a:fld>
             <a:endParaRPr kumimoji="1" lang="ja-JP" altLang="en-US"/>
           </a:p>
@@ -3023,7 +2842,7 @@
           <a:p>
             <a:fld id="{8CDA64B4-71C7-4A8E-85E0-82D458E45FBE}" type="datetimeFigureOut">
               <a:rPr kumimoji="1" lang="ja-JP" altLang="en-US" smtClean="0"/>
-              <a:t>2021/6/24</a:t>
+              <a:t>2021/6/25</a:t>
             </a:fld>
             <a:endParaRPr kumimoji="1" lang="ja-JP" altLang="en-US"/>
           </a:p>
@@ -3375,7 +3194,7 @@
           <a:p>
             <a:fld id="{8CDA64B4-71C7-4A8E-85E0-82D458E45FBE}" type="datetimeFigureOut">
               <a:rPr kumimoji="1" lang="ja-JP" altLang="en-US" smtClean="0"/>
-              <a:t>2021/6/24</a:t>
+              <a:t>2021/6/25</a:t>
             </a:fld>
             <a:endParaRPr kumimoji="1" lang="ja-JP" altLang="en-US"/>
           </a:p>
@@ -3881,7 +3700,7 @@
           <a:p>
             <a:fld id="{8CDA64B4-71C7-4A8E-85E0-82D458E45FBE}" type="datetimeFigureOut">
               <a:rPr kumimoji="1" lang="ja-JP" altLang="en-US" smtClean="0"/>
-              <a:t>2021/6/24</a:t>
+              <a:t>2021/6/25</a:t>
             </a:fld>
             <a:endParaRPr kumimoji="1" lang="ja-JP" altLang="en-US"/>
           </a:p>
@@ -3999,7 +3818,7 @@
           <a:p>
             <a:fld id="{8CDA64B4-71C7-4A8E-85E0-82D458E45FBE}" type="datetimeFigureOut">
               <a:rPr kumimoji="1" lang="ja-JP" altLang="en-US" smtClean="0"/>
-              <a:t>2021/6/24</a:t>
+              <a:t>2021/6/25</a:t>
             </a:fld>
             <a:endParaRPr kumimoji="1" lang="ja-JP" altLang="en-US"/>
           </a:p>
@@ -4094,7 +3913,7 @@
           <a:p>
             <a:fld id="{8CDA64B4-71C7-4A8E-85E0-82D458E45FBE}" type="datetimeFigureOut">
               <a:rPr kumimoji="1" lang="ja-JP" altLang="en-US" smtClean="0"/>
-              <a:t>2021/6/24</a:t>
+              <a:t>2021/6/25</a:t>
             </a:fld>
             <a:endParaRPr kumimoji="1" lang="ja-JP" altLang="en-US"/>
           </a:p>
@@ -4414,7 +4233,7 @@
           <a:p>
             <a:fld id="{8CDA64B4-71C7-4A8E-85E0-82D458E45FBE}" type="datetimeFigureOut">
               <a:rPr kumimoji="1" lang="ja-JP" altLang="en-US" smtClean="0"/>
-              <a:t>2021/6/24</a:t>
+              <a:t>2021/6/25</a:t>
             </a:fld>
             <a:endParaRPr kumimoji="1" lang="ja-JP" altLang="en-US"/>
           </a:p>
@@ -4687,7 +4506,7 @@
           <a:p>
             <a:fld id="{8CDA64B4-71C7-4A8E-85E0-82D458E45FBE}" type="datetimeFigureOut">
               <a:rPr kumimoji="1" lang="ja-JP" altLang="en-US" smtClean="0"/>
-              <a:t>2021/6/24</a:t>
+              <a:t>2021/6/25</a:t>
             </a:fld>
             <a:endParaRPr kumimoji="1" lang="ja-JP" altLang="en-US"/>
           </a:p>
@@ -5016,7 +4835,7 @@
           <a:p>
             <a:fld id="{8CDA64B4-71C7-4A8E-85E0-82D458E45FBE}" type="datetimeFigureOut">
               <a:rPr kumimoji="1" lang="ja-JP" altLang="en-US" smtClean="0"/>
-              <a:t>2021/6/24</a:t>
+              <a:t>2021/6/25</a:t>
             </a:fld>
             <a:endParaRPr kumimoji="1" lang="ja-JP" altLang="en-US"/>
           </a:p>
@@ -5639,6 +5458,2433 @@
 <file path=ppt/slides/slide10.xml><?xml version="1.0" encoding="utf-8"?>
 <p:sld xmlns:a="http://schemas.openxmlformats.org/drawingml/2006/main" xmlns:r="http://schemas.openxmlformats.org/officeDocument/2006/relationships" xmlns:p="http://schemas.openxmlformats.org/presentationml/2006/main">
   <p:cSld>
+    <p:bg>
+      <p:bgPr>
+        <a:solidFill>
+          <a:schemeClr val="bg1"/>
+        </a:solidFill>
+        <a:effectLst/>
+      </p:bgPr>
+    </p:bg>
+    <p:spTree>
+      <p:nvGrpSpPr>
+        <p:cNvPr id="1" name=""/>
+        <p:cNvGrpSpPr/>
+        <p:nvPr/>
+      </p:nvGrpSpPr>
+      <p:grpSpPr>
+        <a:xfrm>
+          <a:off x="0" y="0"/>
+          <a:ext cx="0" cy="0"/>
+          <a:chOff x="0" y="0"/>
+          <a:chExt cx="0" cy="0"/>
+        </a:xfrm>
+      </p:grpSpPr>
+      <p:sp>
+        <p:nvSpPr>
+          <p:cNvPr id="10" name="Rectangle 9">
+            <a:extLst>
+              <a:ext uri="{FF2B5EF4-FFF2-40B4-BE49-F238E27FC236}">
+                <a16:creationId xmlns:a16="http://schemas.microsoft.com/office/drawing/2014/main" id="{DB8424AB-D56B-4256-866A-5B54DE93C20F}"/>
+              </a:ext>
+              <a:ext uri="{C183D7F6-B498-43B3-948B-1728B52AA6E4}">
+                <adec:decorative xmlns:adec="http://schemas.microsoft.com/office/drawing/2017/decorative" val="1"/>
+              </a:ext>
+            </a:extLst>
+          </p:cNvPr>
+          <p:cNvSpPr>
+            <a:spLocks noGrp="1" noRot="1" noChangeAspect="1" noMove="1" noResize="1" noEditPoints="1" noAdjustHandles="1" noChangeArrowheads="1" noChangeShapeType="1" noTextEdit="1"/>
+          </p:cNvSpPr>
+          <p:nvPr>
+            <p:extLst>
+              <p:ext uri="{386F3935-93C4-4BCD-93E2-E3B085C9AB24}">
+                <p16:designElem xmlns:p16="http://schemas.microsoft.com/office/powerpoint/2015/main" val="1"/>
+              </p:ext>
+            </p:extLst>
+          </p:nvPr>
+        </p:nvSpPr>
+        <p:spPr>
+          <a:xfrm>
+            <a:off x="0" y="761999"/>
+            <a:ext cx="9141619" cy="5334001"/>
+          </a:xfrm>
+          <a:prstGeom prst="rect">
+            <a:avLst/>
+          </a:prstGeom>
+          <a:solidFill>
+            <a:schemeClr val="accent1"/>
+          </a:solidFill>
+          <a:ln>
+            <a:noFill/>
+          </a:ln>
+        </p:spPr>
+        <p:style>
+          <a:lnRef idx="2">
+            <a:schemeClr val="accent1">
+              <a:shade val="50000"/>
+            </a:schemeClr>
+          </a:lnRef>
+          <a:fillRef idx="1">
+            <a:schemeClr val="accent1"/>
+          </a:fillRef>
+          <a:effectRef idx="0">
+            <a:schemeClr val="accent1"/>
+          </a:effectRef>
+          <a:fontRef idx="minor">
+            <a:schemeClr val="lt1"/>
+          </a:fontRef>
+        </p:style>
+      </p:sp>
+      <p:sp>
+        <p:nvSpPr>
+          <p:cNvPr id="12" name="Rectangle 11">
+            <a:extLst>
+              <a:ext uri="{FF2B5EF4-FFF2-40B4-BE49-F238E27FC236}">
+                <a16:creationId xmlns:a16="http://schemas.microsoft.com/office/drawing/2014/main" id="{FC999C28-AD33-4EB7-A5F1-C06D10A5FDF7}"/>
+              </a:ext>
+              <a:ext uri="{C183D7F6-B498-43B3-948B-1728B52AA6E4}">
+                <adec:decorative xmlns:adec="http://schemas.microsoft.com/office/drawing/2017/decorative" val="1"/>
+              </a:ext>
+            </a:extLst>
+          </p:cNvPr>
+          <p:cNvSpPr>
+            <a:spLocks noGrp="1" noRot="1" noChangeAspect="1" noMove="1" noResize="1" noEditPoints="1" noAdjustHandles="1" noChangeArrowheads="1" noChangeShapeType="1" noTextEdit="1"/>
+          </p:cNvSpPr>
+          <p:nvPr>
+            <p:extLst>
+              <p:ext uri="{386F3935-93C4-4BCD-93E2-E3B085C9AB24}">
+                <p16:designElem xmlns:p16="http://schemas.microsoft.com/office/powerpoint/2015/main" val="1"/>
+              </p:ext>
+            </p:extLst>
+          </p:nvPr>
+        </p:nvSpPr>
+        <p:spPr>
+          <a:xfrm>
+            <a:off x="9270263" y="761999"/>
+            <a:ext cx="2925318" cy="5334001"/>
+          </a:xfrm>
+          <a:prstGeom prst="rect">
+            <a:avLst/>
+          </a:prstGeom>
+          <a:solidFill>
+            <a:srgbClr val="C8C8C8">
+              <a:alpha val="49804"/>
+            </a:srgbClr>
+          </a:solidFill>
+          <a:ln>
+            <a:noFill/>
+          </a:ln>
+        </p:spPr>
+        <p:style>
+          <a:lnRef idx="2">
+            <a:schemeClr val="accent1">
+              <a:shade val="50000"/>
+            </a:schemeClr>
+          </a:lnRef>
+          <a:fillRef idx="1">
+            <a:schemeClr val="accent1"/>
+          </a:fillRef>
+          <a:effectRef idx="0">
+            <a:schemeClr val="accent1"/>
+          </a:effectRef>
+          <a:fontRef idx="minor">
+            <a:schemeClr val="lt1"/>
+          </a:fontRef>
+        </p:style>
+      </p:sp>
+      <p:sp useBgFill="1">
+        <p:nvSpPr>
+          <p:cNvPr id="14" name="Rectangle 13">
+            <a:extLst>
+              <a:ext uri="{FF2B5EF4-FFF2-40B4-BE49-F238E27FC236}">
+                <a16:creationId xmlns:a16="http://schemas.microsoft.com/office/drawing/2014/main" id="{9203ABB4-7E2A-4248-9FE7-4A419AFF2F17}"/>
+              </a:ext>
+              <a:ext uri="{C183D7F6-B498-43B3-948B-1728B52AA6E4}">
+                <adec:decorative xmlns:adec="http://schemas.microsoft.com/office/drawing/2017/decorative" val="1"/>
+              </a:ext>
+            </a:extLst>
+          </p:cNvPr>
+          <p:cNvSpPr>
+            <a:spLocks noGrp="1" noRot="1" noChangeAspect="1" noMove="1" noResize="1" noEditPoints="1" noAdjustHandles="1" noChangeArrowheads="1" noChangeShapeType="1" noTextEdit="1"/>
+          </p:cNvSpPr>
+          <p:nvPr>
+            <p:extLst>
+              <p:ext uri="{386F3935-93C4-4BCD-93E2-E3B085C9AB24}">
+                <p16:designElem xmlns:p16="http://schemas.microsoft.com/office/powerpoint/2015/main" val="1"/>
+              </p:ext>
+            </p:extLst>
+          </p:nvPr>
+        </p:nvSpPr>
+        <p:spPr>
+          <a:xfrm>
+            <a:off x="0" y="0"/>
+            <a:ext cx="12191999" cy="6858000"/>
+          </a:xfrm>
+          <a:prstGeom prst="rect">
+            <a:avLst/>
+          </a:prstGeom>
+          <a:ln>
+            <a:noFill/>
+          </a:ln>
+        </p:spPr>
+        <p:style>
+          <a:lnRef idx="2">
+            <a:schemeClr val="accent1">
+              <a:shade val="50000"/>
+            </a:schemeClr>
+          </a:lnRef>
+          <a:fillRef idx="1">
+            <a:schemeClr val="accent1"/>
+          </a:fillRef>
+          <a:effectRef idx="0">
+            <a:schemeClr val="accent1"/>
+          </a:effectRef>
+          <a:fontRef idx="minor">
+            <a:schemeClr val="lt1"/>
+          </a:fontRef>
+        </p:style>
+        <p:txBody>
+          <a:bodyPr rtlCol="0" anchor="ctr"/>
+          <a:lstStyle/>
+          <a:p>
+            <a:pPr algn="ctr"/>
+            <a:endParaRPr lang="en-US"/>
+          </a:p>
+        </p:txBody>
+      </p:sp>
+      <p:sp>
+        <p:nvSpPr>
+          <p:cNvPr id="16" name="Rectangle 15">
+            <a:extLst>
+              <a:ext uri="{FF2B5EF4-FFF2-40B4-BE49-F238E27FC236}">
+                <a16:creationId xmlns:a16="http://schemas.microsoft.com/office/drawing/2014/main" id="{3126970D-C1E5-4FB1-84E8-86CB9CED1C80}"/>
+              </a:ext>
+              <a:ext uri="{C183D7F6-B498-43B3-948B-1728B52AA6E4}">
+                <adec:decorative xmlns:adec="http://schemas.microsoft.com/office/drawing/2017/decorative" val="1"/>
+              </a:ext>
+            </a:extLst>
+          </p:cNvPr>
+          <p:cNvSpPr>
+            <a:spLocks noGrp="1" noRot="1" noChangeAspect="1" noMove="1" noResize="1" noEditPoints="1" noAdjustHandles="1" noChangeArrowheads="1" noChangeShapeType="1" noTextEdit="1"/>
+          </p:cNvSpPr>
+          <p:nvPr>
+            <p:extLst>
+              <p:ext uri="{386F3935-93C4-4BCD-93E2-E3B085C9AB24}">
+                <p16:designElem xmlns:p16="http://schemas.microsoft.com/office/powerpoint/2015/main" val="1"/>
+              </p:ext>
+            </p:extLst>
+          </p:nvPr>
+        </p:nvSpPr>
+        <p:spPr>
+          <a:xfrm>
+            <a:off x="0" y="4367639"/>
+            <a:ext cx="11707367" cy="1852186"/>
+          </a:xfrm>
+          <a:prstGeom prst="rect">
+            <a:avLst/>
+          </a:prstGeom>
+          <a:solidFill>
+            <a:schemeClr val="accent1"/>
+          </a:solidFill>
+          <a:ln>
+            <a:noFill/>
+          </a:ln>
+        </p:spPr>
+        <p:style>
+          <a:lnRef idx="2">
+            <a:schemeClr val="accent1">
+              <a:shade val="50000"/>
+            </a:schemeClr>
+          </a:lnRef>
+          <a:fillRef idx="1">
+            <a:schemeClr val="accent1"/>
+          </a:fillRef>
+          <a:effectRef idx="0">
+            <a:schemeClr val="accent1"/>
+          </a:effectRef>
+          <a:fontRef idx="minor">
+            <a:schemeClr val="lt1"/>
+          </a:fontRef>
+        </p:style>
+      </p:sp>
+      <p:sp>
+        <p:nvSpPr>
+          <p:cNvPr id="2" name="タイトル 1">
+            <a:extLst>
+              <a:ext uri="{FF2B5EF4-FFF2-40B4-BE49-F238E27FC236}">
+                <a16:creationId xmlns:a16="http://schemas.microsoft.com/office/drawing/2014/main" id="{B588FAA4-7E96-4FF5-B251-22AD68F3F329}"/>
+              </a:ext>
+            </a:extLst>
+          </p:cNvPr>
+          <p:cNvSpPr>
+            <a:spLocks noGrp="1"/>
+          </p:cNvSpPr>
+          <p:nvPr>
+            <p:ph type="title"/>
+          </p:nvPr>
+        </p:nvSpPr>
+        <p:spPr>
+          <a:xfrm>
+            <a:off x="0" y="5563155"/>
+            <a:ext cx="10210862" cy="1065690"/>
+          </a:xfrm>
+        </p:spPr>
+        <p:txBody>
+          <a:bodyPr vert="horz" lIns="91440" tIns="45720" rIns="91440" bIns="45720" rtlCol="0" anchor="b">
+            <a:normAutofit/>
+          </a:bodyPr>
+          <a:lstStyle/>
+          <a:p>
+            <a:r>
+              <a:rPr kumimoji="1" lang="ja-JP" altLang="en-US" sz="3200" spc="-100" dirty="0"/>
+              <a:t>テンプレート挿入機能</a:t>
+            </a:r>
+            <a:br>
+              <a:rPr kumimoji="1" lang="en-US" altLang="ja-JP" sz="3200" spc="-100" dirty="0"/>
+            </a:br>
+            <a:endParaRPr kumimoji="1" lang="en-US" altLang="ja-JP" sz="3200" spc="-100" dirty="0"/>
+          </a:p>
+        </p:txBody>
+      </p:sp>
+      <p:pic>
+        <p:nvPicPr>
+          <p:cNvPr id="7" name="ビデオ 6">
+            <a:hlinkClick r:id="" action="ppaction://media"/>
+            <a:extLst>
+              <a:ext uri="{FF2B5EF4-FFF2-40B4-BE49-F238E27FC236}">
+                <a16:creationId xmlns:a16="http://schemas.microsoft.com/office/drawing/2014/main" id="{D6606B39-E497-4297-B667-53D50D622162}"/>
+              </a:ext>
+            </a:extLst>
+          </p:cNvPr>
+          <p:cNvPicPr>
+            <a:picLocks noChangeAspect="1"/>
+          </p:cNvPicPr>
+          <p:nvPr>
+            <a:videoFile r:link="rId2"/>
+            <p:extLst>
+              <p:ext uri="{DAA4B4D4-6D71-4841-9C94-3DE7FCFB9230}">
+                <p14:media xmlns:p14="http://schemas.microsoft.com/office/powerpoint/2010/main" r:embed="rId1"/>
+              </p:ext>
+            </p:extLst>
+          </p:nvPr>
+        </p:nvPicPr>
+        <p:blipFill>
+          <a:blip r:embed="rId4"/>
+          <a:stretch>
+            <a:fillRect/>
+          </a:stretch>
+        </p:blipFill>
+        <p:spPr>
+          <a:xfrm>
+            <a:off x="204612" y="-586507"/>
+            <a:ext cx="11743320" cy="6281453"/>
+          </a:xfrm>
+          <a:prstGeom prst="rect">
+            <a:avLst/>
+          </a:prstGeom>
+        </p:spPr>
+      </p:pic>
+    </p:spTree>
+    <p:extLst>
+      <p:ext uri="{BB962C8B-B14F-4D97-AF65-F5344CB8AC3E}">
+        <p14:creationId xmlns:p14="http://schemas.microsoft.com/office/powerpoint/2010/main" val="989697342"/>
+      </p:ext>
+    </p:extLst>
+  </p:cSld>
+  <p:clrMapOvr>
+    <a:masterClrMapping/>
+  </p:clrMapOvr>
+  <p:timing>
+    <p:tnLst>
+      <p:par>
+        <p:cTn id="1" dur="indefinite" restart="never" nodeType="tmRoot">
+          <p:childTnLst>
+            <p:seq concurrent="1" nextAc="seek">
+              <p:cTn id="2" dur="indefinite" nodeType="mainSeq">
+                <p:childTnLst>
+                  <p:par>
+                    <p:cTn id="3" fill="hold">
+                      <p:stCondLst>
+                        <p:cond delay="indefinite"/>
+                        <p:cond evt="onBegin" delay="0">
+                          <p:tn val="2"/>
+                        </p:cond>
+                      </p:stCondLst>
+                      <p:childTnLst>
+                        <p:par>
+                          <p:cTn id="4" fill="hold">
+                            <p:stCondLst>
+                              <p:cond delay="0"/>
+                            </p:stCondLst>
+                            <p:childTnLst>
+                              <p:par>
+                                <p:cTn id="5" presetID="1" presetClass="mediacall" presetSubtype="0" fill="hold" nodeType="withEffect">
+                                  <p:stCondLst>
+                                    <p:cond delay="0"/>
+                                  </p:stCondLst>
+                                  <p:childTnLst>
+                                    <p:cmd type="call" cmd="playFrom(0.0)">
+                                      <p:cBhvr>
+                                        <p:cTn id="6" dur="3647" fill="hold"/>
+                                        <p:tgtEl>
+                                          <p:spTgt spid="7"/>
+                                        </p:tgtEl>
+                                      </p:cBhvr>
+                                    </p:cmd>
+                                  </p:childTnLst>
+                                </p:cTn>
+                              </p:par>
+                            </p:childTnLst>
+                          </p:cTn>
+                        </p:par>
+                      </p:childTnLst>
+                    </p:cTn>
+                  </p:par>
+                </p:childTnLst>
+              </p:cTn>
+              <p:prevCondLst>
+                <p:cond evt="onPrev" delay="0">
+                  <p:tgtEl>
+                    <p:sldTgt/>
+                  </p:tgtEl>
+                </p:cond>
+              </p:prevCondLst>
+              <p:nextCondLst>
+                <p:cond evt="onNext" delay="0">
+                  <p:tgtEl>
+                    <p:sldTgt/>
+                  </p:tgtEl>
+                </p:cond>
+              </p:nextCondLst>
+            </p:seq>
+            <p:video>
+              <p:cMediaNode vol="80000" mute="1">
+                <p:cTn id="7" repeatCount="indefinite" fill="hold" display="0">
+                  <p:stCondLst>
+                    <p:cond delay="indefinite"/>
+                  </p:stCondLst>
+                </p:cTn>
+                <p:tgtEl>
+                  <p:spTgt spid="7"/>
+                </p:tgtEl>
+              </p:cMediaNode>
+            </p:video>
+            <p:seq concurrent="1" nextAc="seek">
+              <p:cTn id="8" restart="whenNotActive" fill="hold" evtFilter="cancelBubble" nodeType="interactiveSeq">
+                <p:stCondLst>
+                  <p:cond evt="onClick" delay="0">
+                    <p:tgtEl>
+                      <p:spTgt spid="7"/>
+                    </p:tgtEl>
+                  </p:cond>
+                </p:stCondLst>
+                <p:endSync evt="end" delay="0">
+                  <p:rtn val="all"/>
+                </p:endSync>
+                <p:childTnLst>
+                  <p:par>
+                    <p:cTn id="9" fill="hold">
+                      <p:stCondLst>
+                        <p:cond delay="0"/>
+                      </p:stCondLst>
+                      <p:childTnLst>
+                        <p:par>
+                          <p:cTn id="10" fill="hold">
+                            <p:stCondLst>
+                              <p:cond delay="0"/>
+                            </p:stCondLst>
+                            <p:childTnLst>
+                              <p:par>
+                                <p:cTn id="11" presetID="2" presetClass="mediacall" presetSubtype="0" fill="hold" nodeType="clickEffect">
+                                  <p:stCondLst>
+                                    <p:cond delay="0"/>
+                                  </p:stCondLst>
+                                  <p:childTnLst>
+                                    <p:cmd type="call" cmd="togglePause">
+                                      <p:cBhvr>
+                                        <p:cTn id="12" dur="1" fill="hold"/>
+                                        <p:tgtEl>
+                                          <p:spTgt spid="7"/>
+                                        </p:tgtEl>
+                                      </p:cBhvr>
+                                    </p:cmd>
+                                  </p:childTnLst>
+                                </p:cTn>
+                              </p:par>
+                            </p:childTnLst>
+                          </p:cTn>
+                        </p:par>
+                      </p:childTnLst>
+                    </p:cTn>
+                  </p:par>
+                </p:childTnLst>
+              </p:cTn>
+              <p:nextCondLst>
+                <p:cond evt="onClick" delay="0">
+                  <p:tgtEl>
+                    <p:spTgt spid="7"/>
+                  </p:tgtEl>
+                </p:cond>
+              </p:nextCondLst>
+            </p:seq>
+          </p:childTnLst>
+        </p:cTn>
+      </p:par>
+    </p:tnLst>
+  </p:timing>
+</p:sld>
+</file>
+
+<file path=ppt/slides/slide11.xml><?xml version="1.0" encoding="utf-8"?>
+<p:sld xmlns:a="http://schemas.openxmlformats.org/drawingml/2006/main" xmlns:r="http://schemas.openxmlformats.org/officeDocument/2006/relationships" xmlns:p="http://schemas.openxmlformats.org/presentationml/2006/main">
+  <p:cSld>
+    <p:bg>
+      <p:bgPr>
+        <a:solidFill>
+          <a:schemeClr val="bg1"/>
+        </a:solidFill>
+        <a:effectLst/>
+      </p:bgPr>
+    </p:bg>
+    <p:spTree>
+      <p:nvGrpSpPr>
+        <p:cNvPr id="1" name=""/>
+        <p:cNvGrpSpPr/>
+        <p:nvPr/>
+      </p:nvGrpSpPr>
+      <p:grpSpPr>
+        <a:xfrm>
+          <a:off x="0" y="0"/>
+          <a:ext cx="0" cy="0"/>
+          <a:chOff x="0" y="0"/>
+          <a:chExt cx="0" cy="0"/>
+        </a:xfrm>
+      </p:grpSpPr>
+      <p:sp>
+        <p:nvSpPr>
+          <p:cNvPr id="10" name="Rectangle 9">
+            <a:extLst>
+              <a:ext uri="{FF2B5EF4-FFF2-40B4-BE49-F238E27FC236}">
+                <a16:creationId xmlns:a16="http://schemas.microsoft.com/office/drawing/2014/main" id="{DB8424AB-D56B-4256-866A-5B54DE93C20F}"/>
+              </a:ext>
+              <a:ext uri="{C183D7F6-B498-43B3-948B-1728B52AA6E4}">
+                <adec:decorative xmlns:adec="http://schemas.microsoft.com/office/drawing/2017/decorative" val="1"/>
+              </a:ext>
+            </a:extLst>
+          </p:cNvPr>
+          <p:cNvSpPr>
+            <a:spLocks noGrp="1" noRot="1" noChangeAspect="1" noMove="1" noResize="1" noEditPoints="1" noAdjustHandles="1" noChangeArrowheads="1" noChangeShapeType="1" noTextEdit="1"/>
+          </p:cNvSpPr>
+          <p:nvPr>
+            <p:extLst>
+              <p:ext uri="{386F3935-93C4-4BCD-93E2-E3B085C9AB24}">
+                <p16:designElem xmlns:p16="http://schemas.microsoft.com/office/powerpoint/2015/main" val="1"/>
+              </p:ext>
+            </p:extLst>
+          </p:nvPr>
+        </p:nvSpPr>
+        <p:spPr>
+          <a:xfrm>
+            <a:off x="0" y="761999"/>
+            <a:ext cx="9141619" cy="5334001"/>
+          </a:xfrm>
+          <a:prstGeom prst="rect">
+            <a:avLst/>
+          </a:prstGeom>
+          <a:solidFill>
+            <a:schemeClr val="accent1"/>
+          </a:solidFill>
+          <a:ln>
+            <a:noFill/>
+          </a:ln>
+        </p:spPr>
+        <p:style>
+          <a:lnRef idx="2">
+            <a:schemeClr val="accent1">
+              <a:shade val="50000"/>
+            </a:schemeClr>
+          </a:lnRef>
+          <a:fillRef idx="1">
+            <a:schemeClr val="accent1"/>
+          </a:fillRef>
+          <a:effectRef idx="0">
+            <a:schemeClr val="accent1"/>
+          </a:effectRef>
+          <a:fontRef idx="minor">
+            <a:schemeClr val="lt1"/>
+          </a:fontRef>
+        </p:style>
+      </p:sp>
+      <p:sp>
+        <p:nvSpPr>
+          <p:cNvPr id="12" name="Rectangle 11">
+            <a:extLst>
+              <a:ext uri="{FF2B5EF4-FFF2-40B4-BE49-F238E27FC236}">
+                <a16:creationId xmlns:a16="http://schemas.microsoft.com/office/drawing/2014/main" id="{FC999C28-AD33-4EB7-A5F1-C06D10A5FDF7}"/>
+              </a:ext>
+              <a:ext uri="{C183D7F6-B498-43B3-948B-1728B52AA6E4}">
+                <adec:decorative xmlns:adec="http://schemas.microsoft.com/office/drawing/2017/decorative" val="1"/>
+              </a:ext>
+            </a:extLst>
+          </p:cNvPr>
+          <p:cNvSpPr>
+            <a:spLocks noGrp="1" noRot="1" noChangeAspect="1" noMove="1" noResize="1" noEditPoints="1" noAdjustHandles="1" noChangeArrowheads="1" noChangeShapeType="1" noTextEdit="1"/>
+          </p:cNvSpPr>
+          <p:nvPr>
+            <p:extLst>
+              <p:ext uri="{386F3935-93C4-4BCD-93E2-E3B085C9AB24}">
+                <p16:designElem xmlns:p16="http://schemas.microsoft.com/office/powerpoint/2015/main" val="1"/>
+              </p:ext>
+            </p:extLst>
+          </p:nvPr>
+        </p:nvSpPr>
+        <p:spPr>
+          <a:xfrm>
+            <a:off x="9270263" y="761999"/>
+            <a:ext cx="2925318" cy="5334001"/>
+          </a:xfrm>
+          <a:prstGeom prst="rect">
+            <a:avLst/>
+          </a:prstGeom>
+          <a:solidFill>
+            <a:srgbClr val="C8C8C8">
+              <a:alpha val="49804"/>
+            </a:srgbClr>
+          </a:solidFill>
+          <a:ln>
+            <a:noFill/>
+          </a:ln>
+        </p:spPr>
+        <p:style>
+          <a:lnRef idx="2">
+            <a:schemeClr val="accent1">
+              <a:shade val="50000"/>
+            </a:schemeClr>
+          </a:lnRef>
+          <a:fillRef idx="1">
+            <a:schemeClr val="accent1"/>
+          </a:fillRef>
+          <a:effectRef idx="0">
+            <a:schemeClr val="accent1"/>
+          </a:effectRef>
+          <a:fontRef idx="minor">
+            <a:schemeClr val="lt1"/>
+          </a:fontRef>
+        </p:style>
+      </p:sp>
+      <p:sp useBgFill="1">
+        <p:nvSpPr>
+          <p:cNvPr id="14" name="Rectangle 13">
+            <a:extLst>
+              <a:ext uri="{FF2B5EF4-FFF2-40B4-BE49-F238E27FC236}">
+                <a16:creationId xmlns:a16="http://schemas.microsoft.com/office/drawing/2014/main" id="{9203ABB4-7E2A-4248-9FE7-4A419AFF2F17}"/>
+              </a:ext>
+              <a:ext uri="{C183D7F6-B498-43B3-948B-1728B52AA6E4}">
+                <adec:decorative xmlns:adec="http://schemas.microsoft.com/office/drawing/2017/decorative" val="1"/>
+              </a:ext>
+            </a:extLst>
+          </p:cNvPr>
+          <p:cNvSpPr>
+            <a:spLocks noGrp="1" noRot="1" noChangeAspect="1" noMove="1" noResize="1" noEditPoints="1" noAdjustHandles="1" noChangeArrowheads="1" noChangeShapeType="1" noTextEdit="1"/>
+          </p:cNvSpPr>
+          <p:nvPr>
+            <p:extLst>
+              <p:ext uri="{386F3935-93C4-4BCD-93E2-E3B085C9AB24}">
+                <p16:designElem xmlns:p16="http://schemas.microsoft.com/office/powerpoint/2015/main" val="1"/>
+              </p:ext>
+            </p:extLst>
+          </p:nvPr>
+        </p:nvSpPr>
+        <p:spPr>
+          <a:xfrm>
+            <a:off x="0" y="0"/>
+            <a:ext cx="12191999" cy="6858000"/>
+          </a:xfrm>
+          <a:prstGeom prst="rect">
+            <a:avLst/>
+          </a:prstGeom>
+          <a:ln>
+            <a:noFill/>
+          </a:ln>
+        </p:spPr>
+        <p:style>
+          <a:lnRef idx="2">
+            <a:schemeClr val="accent1">
+              <a:shade val="50000"/>
+            </a:schemeClr>
+          </a:lnRef>
+          <a:fillRef idx="1">
+            <a:schemeClr val="accent1"/>
+          </a:fillRef>
+          <a:effectRef idx="0">
+            <a:schemeClr val="accent1"/>
+          </a:effectRef>
+          <a:fontRef idx="minor">
+            <a:schemeClr val="lt1"/>
+          </a:fontRef>
+        </p:style>
+        <p:txBody>
+          <a:bodyPr rtlCol="0" anchor="ctr"/>
+          <a:lstStyle/>
+          <a:p>
+            <a:pPr algn="ctr"/>
+            <a:endParaRPr lang="en-US"/>
+          </a:p>
+        </p:txBody>
+      </p:sp>
+      <p:sp>
+        <p:nvSpPr>
+          <p:cNvPr id="16" name="Rectangle 15">
+            <a:extLst>
+              <a:ext uri="{FF2B5EF4-FFF2-40B4-BE49-F238E27FC236}">
+                <a16:creationId xmlns:a16="http://schemas.microsoft.com/office/drawing/2014/main" id="{3126970D-C1E5-4FB1-84E8-86CB9CED1C80}"/>
+              </a:ext>
+              <a:ext uri="{C183D7F6-B498-43B3-948B-1728B52AA6E4}">
+                <adec:decorative xmlns:adec="http://schemas.microsoft.com/office/drawing/2017/decorative" val="1"/>
+              </a:ext>
+            </a:extLst>
+          </p:cNvPr>
+          <p:cNvSpPr>
+            <a:spLocks noGrp="1" noRot="1" noChangeAspect="1" noMove="1" noResize="1" noEditPoints="1" noAdjustHandles="1" noChangeArrowheads="1" noChangeShapeType="1" noTextEdit="1"/>
+          </p:cNvSpPr>
+          <p:nvPr>
+            <p:extLst>
+              <p:ext uri="{386F3935-93C4-4BCD-93E2-E3B085C9AB24}">
+                <p16:designElem xmlns:p16="http://schemas.microsoft.com/office/powerpoint/2015/main" val="1"/>
+              </p:ext>
+            </p:extLst>
+          </p:nvPr>
+        </p:nvSpPr>
+        <p:spPr>
+          <a:xfrm>
+            <a:off x="0" y="4367639"/>
+            <a:ext cx="11707367" cy="1852186"/>
+          </a:xfrm>
+          <a:prstGeom prst="rect">
+            <a:avLst/>
+          </a:prstGeom>
+          <a:solidFill>
+            <a:schemeClr val="accent1"/>
+          </a:solidFill>
+          <a:ln>
+            <a:noFill/>
+          </a:ln>
+        </p:spPr>
+        <p:style>
+          <a:lnRef idx="2">
+            <a:schemeClr val="accent1">
+              <a:shade val="50000"/>
+            </a:schemeClr>
+          </a:lnRef>
+          <a:fillRef idx="1">
+            <a:schemeClr val="accent1"/>
+          </a:fillRef>
+          <a:effectRef idx="0">
+            <a:schemeClr val="accent1"/>
+          </a:effectRef>
+          <a:fontRef idx="minor">
+            <a:schemeClr val="lt1"/>
+          </a:fontRef>
+        </p:style>
+      </p:sp>
+      <p:sp>
+        <p:nvSpPr>
+          <p:cNvPr id="2" name="タイトル 1">
+            <a:extLst>
+              <a:ext uri="{FF2B5EF4-FFF2-40B4-BE49-F238E27FC236}">
+                <a16:creationId xmlns:a16="http://schemas.microsoft.com/office/drawing/2014/main" id="{F085B8D2-473E-4747-8082-17859E0245DE}"/>
+              </a:ext>
+            </a:extLst>
+          </p:cNvPr>
+          <p:cNvSpPr>
+            <a:spLocks noGrp="1"/>
+          </p:cNvSpPr>
+          <p:nvPr>
+            <p:ph type="title"/>
+          </p:nvPr>
+        </p:nvSpPr>
+        <p:spPr>
+          <a:xfrm>
+            <a:off x="0" y="5164658"/>
+            <a:ext cx="10210862" cy="1065690"/>
+          </a:xfrm>
+        </p:spPr>
+        <p:txBody>
+          <a:bodyPr vert="horz" lIns="91440" tIns="45720" rIns="91440" bIns="45720" rtlCol="0" anchor="b">
+            <a:normAutofit/>
+          </a:bodyPr>
+          <a:lstStyle/>
+          <a:p>
+            <a:r>
+              <a:rPr kumimoji="1" lang="ja-JP" altLang="en-US" sz="3200" spc="-100" dirty="0"/>
+              <a:t>ファイル添付機能</a:t>
+            </a:r>
+            <a:br>
+              <a:rPr kumimoji="1" lang="ja-JP" altLang="en-US" sz="1900" spc="-100" dirty="0"/>
+            </a:br>
+            <a:endParaRPr kumimoji="1" lang="ja-JP" altLang="en-US" sz="1900" spc="-100" dirty="0"/>
+          </a:p>
+        </p:txBody>
+      </p:sp>
+      <p:pic>
+        <p:nvPicPr>
+          <p:cNvPr id="5" name="図 4">
+            <a:extLst>
+              <a:ext uri="{FF2B5EF4-FFF2-40B4-BE49-F238E27FC236}">
+                <a16:creationId xmlns:a16="http://schemas.microsoft.com/office/drawing/2014/main" id="{38B75639-A7EF-4C6E-B1B0-CD36152FFF4E}"/>
+              </a:ext>
+            </a:extLst>
+          </p:cNvPr>
+          <p:cNvPicPr>
+            <a:picLocks noChangeAspect="1"/>
+          </p:cNvPicPr>
+          <p:nvPr/>
+        </p:nvPicPr>
+        <p:blipFill rotWithShape="1">
+          <a:blip r:embed="rId2"/>
+          <a:srcRect l="18787" r="24432"/>
+          <a:stretch/>
+        </p:blipFill>
+        <p:spPr>
+          <a:xfrm>
+            <a:off x="0" y="742789"/>
+            <a:ext cx="5954420" cy="3644060"/>
+          </a:xfrm>
+          <a:prstGeom prst="rect">
+            <a:avLst/>
+          </a:prstGeom>
+        </p:spPr>
+      </p:pic>
+      <p:pic>
+        <p:nvPicPr>
+          <p:cNvPr id="7" name="図 6">
+            <a:extLst>
+              <a:ext uri="{FF2B5EF4-FFF2-40B4-BE49-F238E27FC236}">
+                <a16:creationId xmlns:a16="http://schemas.microsoft.com/office/drawing/2014/main" id="{27137F6E-D018-41BB-840E-F5ABAB5EDBF3}"/>
+              </a:ext>
+            </a:extLst>
+          </p:cNvPr>
+          <p:cNvPicPr>
+            <a:picLocks noChangeAspect="1"/>
+          </p:cNvPicPr>
+          <p:nvPr/>
+        </p:nvPicPr>
+        <p:blipFill rotWithShape="1">
+          <a:blip r:embed="rId3"/>
+          <a:srcRect l="8352" r="5383"/>
+          <a:stretch/>
+        </p:blipFill>
+        <p:spPr>
+          <a:xfrm>
+            <a:off x="5902658" y="1336308"/>
+            <a:ext cx="6072749" cy="3066349"/>
+          </a:xfrm>
+          <a:prstGeom prst="rect">
+            <a:avLst/>
+          </a:prstGeom>
+        </p:spPr>
+      </p:pic>
+      <p:sp>
+        <p:nvSpPr>
+          <p:cNvPr id="8" name="矢印: 右 7">
+            <a:extLst>
+              <a:ext uri="{FF2B5EF4-FFF2-40B4-BE49-F238E27FC236}">
+                <a16:creationId xmlns:a16="http://schemas.microsoft.com/office/drawing/2014/main" id="{06A545F9-3AD1-4E47-B222-D11D176E8B66}"/>
+              </a:ext>
+            </a:extLst>
+          </p:cNvPr>
+          <p:cNvSpPr/>
+          <p:nvPr/>
+        </p:nvSpPr>
+        <p:spPr>
+          <a:xfrm>
+            <a:off x="4844716" y="2597137"/>
+            <a:ext cx="2374231" cy="657727"/>
+          </a:xfrm>
+          <a:prstGeom prst="rightArrow">
+            <a:avLst/>
+          </a:prstGeom>
+        </p:spPr>
+        <p:style>
+          <a:lnRef idx="2">
+            <a:schemeClr val="accent1">
+              <a:shade val="50000"/>
+            </a:schemeClr>
+          </a:lnRef>
+          <a:fillRef idx="1">
+            <a:schemeClr val="accent1"/>
+          </a:fillRef>
+          <a:effectRef idx="0">
+            <a:schemeClr val="accent1"/>
+          </a:effectRef>
+          <a:fontRef idx="minor">
+            <a:schemeClr val="lt1"/>
+          </a:fontRef>
+        </p:style>
+        <p:txBody>
+          <a:bodyPr rtlCol="0" anchor="ctr"/>
+          <a:lstStyle/>
+          <a:p>
+            <a:pPr algn="ctr"/>
+            <a:endParaRPr kumimoji="1" lang="ja-JP" altLang="en-US"/>
+          </a:p>
+        </p:txBody>
+      </p:sp>
+    </p:spTree>
+    <p:extLst>
+      <p:ext uri="{BB962C8B-B14F-4D97-AF65-F5344CB8AC3E}">
+        <p14:creationId xmlns:p14="http://schemas.microsoft.com/office/powerpoint/2010/main" val="1239171899"/>
+      </p:ext>
+    </p:extLst>
+  </p:cSld>
+  <p:clrMapOvr>
+    <a:masterClrMapping/>
+  </p:clrMapOvr>
+</p:sld>
+</file>
+
+<file path=ppt/slides/slide12.xml><?xml version="1.0" encoding="utf-8"?>
+<p:sld xmlns:a="http://schemas.openxmlformats.org/drawingml/2006/main" xmlns:r="http://schemas.openxmlformats.org/officeDocument/2006/relationships" xmlns:p="http://schemas.openxmlformats.org/presentationml/2006/main">
+  <p:cSld>
+    <p:bg>
+      <p:bgPr>
+        <a:solidFill>
+          <a:schemeClr val="bg1"/>
+        </a:solidFill>
+        <a:effectLst/>
+      </p:bgPr>
+    </p:bg>
+    <p:spTree>
+      <p:nvGrpSpPr>
+        <p:cNvPr id="1" name=""/>
+        <p:cNvGrpSpPr/>
+        <p:nvPr/>
+      </p:nvGrpSpPr>
+      <p:grpSpPr>
+        <a:xfrm>
+          <a:off x="0" y="0"/>
+          <a:ext cx="0" cy="0"/>
+          <a:chOff x="0" y="0"/>
+          <a:chExt cx="0" cy="0"/>
+        </a:xfrm>
+      </p:grpSpPr>
+      <p:sp>
+        <p:nvSpPr>
+          <p:cNvPr id="10" name="Rectangle 9">
+            <a:extLst>
+              <a:ext uri="{FF2B5EF4-FFF2-40B4-BE49-F238E27FC236}">
+                <a16:creationId xmlns:a16="http://schemas.microsoft.com/office/drawing/2014/main" id="{DB8424AB-D56B-4256-866A-5B54DE93C20F}"/>
+              </a:ext>
+              <a:ext uri="{C183D7F6-B498-43B3-948B-1728B52AA6E4}">
+                <adec:decorative xmlns:adec="http://schemas.microsoft.com/office/drawing/2017/decorative" val="1"/>
+              </a:ext>
+            </a:extLst>
+          </p:cNvPr>
+          <p:cNvSpPr>
+            <a:spLocks noGrp="1" noRot="1" noChangeAspect="1" noMove="1" noResize="1" noEditPoints="1" noAdjustHandles="1" noChangeArrowheads="1" noChangeShapeType="1" noTextEdit="1"/>
+          </p:cNvSpPr>
+          <p:nvPr>
+            <p:extLst>
+              <p:ext uri="{386F3935-93C4-4BCD-93E2-E3B085C9AB24}">
+                <p16:designElem xmlns:p16="http://schemas.microsoft.com/office/powerpoint/2015/main" val="1"/>
+              </p:ext>
+            </p:extLst>
+          </p:nvPr>
+        </p:nvSpPr>
+        <p:spPr>
+          <a:xfrm>
+            <a:off x="0" y="761999"/>
+            <a:ext cx="9141619" cy="5334001"/>
+          </a:xfrm>
+          <a:prstGeom prst="rect">
+            <a:avLst/>
+          </a:prstGeom>
+          <a:solidFill>
+            <a:schemeClr val="accent1"/>
+          </a:solidFill>
+          <a:ln>
+            <a:noFill/>
+          </a:ln>
+        </p:spPr>
+        <p:style>
+          <a:lnRef idx="2">
+            <a:schemeClr val="accent1">
+              <a:shade val="50000"/>
+            </a:schemeClr>
+          </a:lnRef>
+          <a:fillRef idx="1">
+            <a:schemeClr val="accent1"/>
+          </a:fillRef>
+          <a:effectRef idx="0">
+            <a:schemeClr val="accent1"/>
+          </a:effectRef>
+          <a:fontRef idx="minor">
+            <a:schemeClr val="lt1"/>
+          </a:fontRef>
+        </p:style>
+      </p:sp>
+      <p:sp>
+        <p:nvSpPr>
+          <p:cNvPr id="12" name="Rectangle 11">
+            <a:extLst>
+              <a:ext uri="{FF2B5EF4-FFF2-40B4-BE49-F238E27FC236}">
+                <a16:creationId xmlns:a16="http://schemas.microsoft.com/office/drawing/2014/main" id="{FC999C28-AD33-4EB7-A5F1-C06D10A5FDF7}"/>
+              </a:ext>
+              <a:ext uri="{C183D7F6-B498-43B3-948B-1728B52AA6E4}">
+                <adec:decorative xmlns:adec="http://schemas.microsoft.com/office/drawing/2017/decorative" val="1"/>
+              </a:ext>
+            </a:extLst>
+          </p:cNvPr>
+          <p:cNvSpPr>
+            <a:spLocks noGrp="1" noRot="1" noChangeAspect="1" noMove="1" noResize="1" noEditPoints="1" noAdjustHandles="1" noChangeArrowheads="1" noChangeShapeType="1" noTextEdit="1"/>
+          </p:cNvSpPr>
+          <p:nvPr>
+            <p:extLst>
+              <p:ext uri="{386F3935-93C4-4BCD-93E2-E3B085C9AB24}">
+                <p16:designElem xmlns:p16="http://schemas.microsoft.com/office/powerpoint/2015/main" val="1"/>
+              </p:ext>
+            </p:extLst>
+          </p:nvPr>
+        </p:nvSpPr>
+        <p:spPr>
+          <a:xfrm>
+            <a:off x="9270263" y="761999"/>
+            <a:ext cx="2925318" cy="5334001"/>
+          </a:xfrm>
+          <a:prstGeom prst="rect">
+            <a:avLst/>
+          </a:prstGeom>
+          <a:solidFill>
+            <a:srgbClr val="C8C8C8">
+              <a:alpha val="49804"/>
+            </a:srgbClr>
+          </a:solidFill>
+          <a:ln>
+            <a:noFill/>
+          </a:ln>
+        </p:spPr>
+        <p:style>
+          <a:lnRef idx="2">
+            <a:schemeClr val="accent1">
+              <a:shade val="50000"/>
+            </a:schemeClr>
+          </a:lnRef>
+          <a:fillRef idx="1">
+            <a:schemeClr val="accent1"/>
+          </a:fillRef>
+          <a:effectRef idx="0">
+            <a:schemeClr val="accent1"/>
+          </a:effectRef>
+          <a:fontRef idx="minor">
+            <a:schemeClr val="lt1"/>
+          </a:fontRef>
+        </p:style>
+      </p:sp>
+      <p:sp useBgFill="1">
+        <p:nvSpPr>
+          <p:cNvPr id="14" name="Rectangle 13">
+            <a:extLst>
+              <a:ext uri="{FF2B5EF4-FFF2-40B4-BE49-F238E27FC236}">
+                <a16:creationId xmlns:a16="http://schemas.microsoft.com/office/drawing/2014/main" id="{9203ABB4-7E2A-4248-9FE7-4A419AFF2F17}"/>
+              </a:ext>
+              <a:ext uri="{C183D7F6-B498-43B3-948B-1728B52AA6E4}">
+                <adec:decorative xmlns:adec="http://schemas.microsoft.com/office/drawing/2017/decorative" val="1"/>
+              </a:ext>
+            </a:extLst>
+          </p:cNvPr>
+          <p:cNvSpPr>
+            <a:spLocks noGrp="1" noRot="1" noChangeAspect="1" noMove="1" noResize="1" noEditPoints="1" noAdjustHandles="1" noChangeArrowheads="1" noChangeShapeType="1" noTextEdit="1"/>
+          </p:cNvSpPr>
+          <p:nvPr>
+            <p:extLst>
+              <p:ext uri="{386F3935-93C4-4BCD-93E2-E3B085C9AB24}">
+                <p16:designElem xmlns:p16="http://schemas.microsoft.com/office/powerpoint/2015/main" val="1"/>
+              </p:ext>
+            </p:extLst>
+          </p:nvPr>
+        </p:nvSpPr>
+        <p:spPr>
+          <a:xfrm>
+            <a:off x="0" y="0"/>
+            <a:ext cx="12191999" cy="6858000"/>
+          </a:xfrm>
+          <a:prstGeom prst="rect">
+            <a:avLst/>
+          </a:prstGeom>
+          <a:ln>
+            <a:noFill/>
+          </a:ln>
+        </p:spPr>
+        <p:style>
+          <a:lnRef idx="2">
+            <a:schemeClr val="accent1">
+              <a:shade val="50000"/>
+            </a:schemeClr>
+          </a:lnRef>
+          <a:fillRef idx="1">
+            <a:schemeClr val="accent1"/>
+          </a:fillRef>
+          <a:effectRef idx="0">
+            <a:schemeClr val="accent1"/>
+          </a:effectRef>
+          <a:fontRef idx="minor">
+            <a:schemeClr val="lt1"/>
+          </a:fontRef>
+        </p:style>
+        <p:txBody>
+          <a:bodyPr rtlCol="0" anchor="ctr"/>
+          <a:lstStyle/>
+          <a:p>
+            <a:pPr marL="0" marR="0" lvl="0" indent="0" algn="ctr" defTabSz="457200" rtl="0" eaLnBrk="1" fontAlgn="auto" latinLnBrk="0" hangingPunct="1">
+              <a:lnSpc>
+                <a:spcPct val="100000"/>
+              </a:lnSpc>
+              <a:spcBef>
+                <a:spcPts val="0"/>
+              </a:spcBef>
+              <a:spcAft>
+                <a:spcPts val="0"/>
+              </a:spcAft>
+              <a:buClrTx/>
+              <a:buSzTx/>
+              <a:buFontTx/>
+              <a:buNone/>
+              <a:tabLst/>
+              <a:defRPr/>
+            </a:pPr>
+            <a:endParaRPr kumimoji="0" lang="en-US" sz="1800" b="0" i="0" u="none" strike="noStrike" kern="1200" cap="none" spc="0" normalizeH="0" baseline="0" noProof="0">
+              <a:ln>
+                <a:noFill/>
+              </a:ln>
+              <a:solidFill>
+                <a:srgbClr val="FFFFFF"/>
+              </a:solidFill>
+              <a:effectLst/>
+              <a:uLnTx/>
+              <a:uFillTx/>
+              <a:latin typeface="Corbel" panose="020B0503020204020204"/>
+              <a:ea typeface="+mn-ea"/>
+              <a:cs typeface="+mn-cs"/>
+            </a:endParaRPr>
+          </a:p>
+        </p:txBody>
+      </p:sp>
+      <p:sp>
+        <p:nvSpPr>
+          <p:cNvPr id="16" name="Rectangle 15">
+            <a:extLst>
+              <a:ext uri="{FF2B5EF4-FFF2-40B4-BE49-F238E27FC236}">
+                <a16:creationId xmlns:a16="http://schemas.microsoft.com/office/drawing/2014/main" id="{3126970D-C1E5-4FB1-84E8-86CB9CED1C80}"/>
+              </a:ext>
+              <a:ext uri="{C183D7F6-B498-43B3-948B-1728B52AA6E4}">
+                <adec:decorative xmlns:adec="http://schemas.microsoft.com/office/drawing/2017/decorative" val="1"/>
+              </a:ext>
+            </a:extLst>
+          </p:cNvPr>
+          <p:cNvSpPr>
+            <a:spLocks noGrp="1" noRot="1" noChangeAspect="1" noMove="1" noResize="1" noEditPoints="1" noAdjustHandles="1" noChangeArrowheads="1" noChangeShapeType="1" noTextEdit="1"/>
+          </p:cNvSpPr>
+          <p:nvPr>
+            <p:extLst>
+              <p:ext uri="{386F3935-93C4-4BCD-93E2-E3B085C9AB24}">
+                <p16:designElem xmlns:p16="http://schemas.microsoft.com/office/powerpoint/2015/main" val="1"/>
+              </p:ext>
+            </p:extLst>
+          </p:nvPr>
+        </p:nvSpPr>
+        <p:spPr>
+          <a:xfrm>
+            <a:off x="0" y="4367639"/>
+            <a:ext cx="11707367" cy="1852186"/>
+          </a:xfrm>
+          <a:prstGeom prst="rect">
+            <a:avLst/>
+          </a:prstGeom>
+          <a:solidFill>
+            <a:schemeClr val="accent1"/>
+          </a:solidFill>
+          <a:ln>
+            <a:noFill/>
+          </a:ln>
+        </p:spPr>
+        <p:style>
+          <a:lnRef idx="2">
+            <a:schemeClr val="accent1">
+              <a:shade val="50000"/>
+            </a:schemeClr>
+          </a:lnRef>
+          <a:fillRef idx="1">
+            <a:schemeClr val="accent1"/>
+          </a:fillRef>
+          <a:effectRef idx="0">
+            <a:schemeClr val="accent1"/>
+          </a:effectRef>
+          <a:fontRef idx="minor">
+            <a:schemeClr val="lt1"/>
+          </a:fontRef>
+        </p:style>
+      </p:sp>
+      <p:sp>
+        <p:nvSpPr>
+          <p:cNvPr id="2" name="タイトル 1">
+            <a:extLst>
+              <a:ext uri="{FF2B5EF4-FFF2-40B4-BE49-F238E27FC236}">
+                <a16:creationId xmlns:a16="http://schemas.microsoft.com/office/drawing/2014/main" id="{B588FAA4-7E96-4FF5-B251-22AD68F3F329}"/>
+              </a:ext>
+            </a:extLst>
+          </p:cNvPr>
+          <p:cNvSpPr>
+            <a:spLocks noGrp="1"/>
+          </p:cNvSpPr>
+          <p:nvPr>
+            <p:ph type="title"/>
+          </p:nvPr>
+        </p:nvSpPr>
+        <p:spPr>
+          <a:xfrm>
+            <a:off x="-3582" y="6219825"/>
+            <a:ext cx="10210862" cy="1065690"/>
+          </a:xfrm>
+        </p:spPr>
+        <p:txBody>
+          <a:bodyPr vert="horz" lIns="91440" tIns="45720" rIns="91440" bIns="45720" rtlCol="0" anchor="b">
+            <a:normAutofit fontScale="90000"/>
+          </a:bodyPr>
+          <a:lstStyle/>
+          <a:p>
+            <a:r>
+              <a:rPr lang="ja-JP" altLang="en-US" sz="3200" dirty="0"/>
+              <a:t>質問タグによる検索・解決</a:t>
+            </a:r>
+            <a:r>
+              <a:rPr lang="en-US" altLang="ja-JP" sz="3200" dirty="0"/>
+              <a:t>/</a:t>
+            </a:r>
+            <a:r>
+              <a:rPr lang="ja-JP" altLang="en-US" sz="3200" dirty="0"/>
+              <a:t>未解決ラベルによる検索</a:t>
+            </a:r>
+            <a:br>
+              <a:rPr lang="en-US" altLang="ja-JP" sz="3200" dirty="0"/>
+            </a:br>
+            <a:br>
+              <a:rPr lang="en-US" altLang="ja-JP" sz="3200" dirty="0"/>
+            </a:br>
+            <a:br>
+              <a:rPr kumimoji="1" lang="en-US" altLang="ja-JP" sz="3200" spc="-100" dirty="0"/>
+            </a:br>
+            <a:endParaRPr kumimoji="1" lang="en-US" altLang="ja-JP" sz="3200" spc="-100" dirty="0"/>
+          </a:p>
+        </p:txBody>
+      </p:sp>
+      <p:pic>
+        <p:nvPicPr>
+          <p:cNvPr id="4" name="図 3">
+            <a:extLst>
+              <a:ext uri="{FF2B5EF4-FFF2-40B4-BE49-F238E27FC236}">
+                <a16:creationId xmlns:a16="http://schemas.microsoft.com/office/drawing/2014/main" id="{F44300CB-5F1A-4F63-BE58-FD0153F193D9}"/>
+              </a:ext>
+            </a:extLst>
+          </p:cNvPr>
+          <p:cNvPicPr>
+            <a:picLocks noChangeAspect="1"/>
+          </p:cNvPicPr>
+          <p:nvPr/>
+        </p:nvPicPr>
+        <p:blipFill rotWithShape="1">
+          <a:blip r:embed="rId2"/>
+          <a:srcRect t="2626" r="5482" b="14836"/>
+          <a:stretch/>
+        </p:blipFill>
+        <p:spPr>
+          <a:xfrm>
+            <a:off x="914982" y="230049"/>
+            <a:ext cx="9877402" cy="5063683"/>
+          </a:xfrm>
+          <a:prstGeom prst="rect">
+            <a:avLst/>
+          </a:prstGeom>
+        </p:spPr>
+      </p:pic>
+      <p:sp>
+        <p:nvSpPr>
+          <p:cNvPr id="5" name="正方形/長方形 4">
+            <a:extLst>
+              <a:ext uri="{FF2B5EF4-FFF2-40B4-BE49-F238E27FC236}">
+                <a16:creationId xmlns:a16="http://schemas.microsoft.com/office/drawing/2014/main" id="{FD37C345-FDD6-49B6-8B1A-5F402C1B9ED9}"/>
+              </a:ext>
+            </a:extLst>
+          </p:cNvPr>
+          <p:cNvSpPr/>
+          <p:nvPr/>
+        </p:nvSpPr>
+        <p:spPr>
+          <a:xfrm>
+            <a:off x="3048000" y="2117558"/>
+            <a:ext cx="5307280" cy="1611906"/>
+          </a:xfrm>
+          <a:prstGeom prst="rect">
+            <a:avLst/>
+          </a:prstGeom>
+          <a:noFill/>
+          <a:ln w="57150" cap="flat" cmpd="sng" algn="ctr">
+            <a:solidFill>
+              <a:schemeClr val="accent2"/>
+            </a:solidFill>
+            <a:prstDash val="solid"/>
+            <a:round/>
+            <a:headEnd type="none" w="med" len="med"/>
+            <a:tailEnd type="none" w="med" len="med"/>
+          </a:ln>
+        </p:spPr>
+        <p:style>
+          <a:lnRef idx="0">
+            <a:scrgbClr r="0" g="0" b="0"/>
+          </a:lnRef>
+          <a:fillRef idx="0">
+            <a:scrgbClr r="0" g="0" b="0"/>
+          </a:fillRef>
+          <a:effectRef idx="0">
+            <a:scrgbClr r="0" g="0" b="0"/>
+          </a:effectRef>
+          <a:fontRef idx="minor">
+            <a:schemeClr val="accent2"/>
+          </a:fontRef>
+        </p:style>
+        <p:txBody>
+          <a:bodyPr rtlCol="0" anchor="ctr"/>
+          <a:lstStyle/>
+          <a:p>
+            <a:pPr algn="ctr"/>
+            <a:endParaRPr kumimoji="1" lang="ja-JP" altLang="en-US"/>
+          </a:p>
+        </p:txBody>
+      </p:sp>
+      <p:sp>
+        <p:nvSpPr>
+          <p:cNvPr id="6" name="正方形/長方形 5">
+            <a:extLst>
+              <a:ext uri="{FF2B5EF4-FFF2-40B4-BE49-F238E27FC236}">
+                <a16:creationId xmlns:a16="http://schemas.microsoft.com/office/drawing/2014/main" id="{5F6231A9-F476-4B2D-ABD9-D0CB008EBA94}"/>
+              </a:ext>
+            </a:extLst>
+          </p:cNvPr>
+          <p:cNvSpPr/>
+          <p:nvPr/>
+        </p:nvSpPr>
+        <p:spPr>
+          <a:xfrm>
+            <a:off x="3737811" y="4261414"/>
+            <a:ext cx="3064042" cy="438923"/>
+          </a:xfrm>
+          <a:prstGeom prst="rect">
+            <a:avLst/>
+          </a:prstGeom>
+          <a:noFill/>
+          <a:ln w="76200" cap="flat" cmpd="sng" algn="ctr">
+            <a:solidFill>
+              <a:schemeClr val="accent2"/>
+            </a:solidFill>
+            <a:prstDash val="solid"/>
+            <a:round/>
+            <a:headEnd type="none" w="med" len="med"/>
+            <a:tailEnd type="none" w="med" len="med"/>
+          </a:ln>
+        </p:spPr>
+        <p:style>
+          <a:lnRef idx="0">
+            <a:scrgbClr r="0" g="0" b="0"/>
+          </a:lnRef>
+          <a:fillRef idx="0">
+            <a:scrgbClr r="0" g="0" b="0"/>
+          </a:fillRef>
+          <a:effectRef idx="0">
+            <a:scrgbClr r="0" g="0" b="0"/>
+          </a:effectRef>
+          <a:fontRef idx="minor">
+            <a:schemeClr val="accent2"/>
+          </a:fontRef>
+        </p:style>
+        <p:txBody>
+          <a:bodyPr rtlCol="0" anchor="ctr"/>
+          <a:lstStyle/>
+          <a:p>
+            <a:pPr algn="ctr"/>
+            <a:endParaRPr kumimoji="1" lang="ja-JP" altLang="en-US"/>
+          </a:p>
+        </p:txBody>
+      </p:sp>
+      <p:cxnSp>
+        <p:nvCxnSpPr>
+          <p:cNvPr id="9" name="直線矢印コネクタ 8">
+            <a:extLst>
+              <a:ext uri="{FF2B5EF4-FFF2-40B4-BE49-F238E27FC236}">
+                <a16:creationId xmlns:a16="http://schemas.microsoft.com/office/drawing/2014/main" id="{D238707E-177A-4871-9E35-9508B8F3FC15}"/>
+              </a:ext>
+            </a:extLst>
+          </p:cNvPr>
+          <p:cNvCxnSpPr>
+            <a:cxnSpLocks/>
+          </p:cNvCxnSpPr>
+          <p:nvPr/>
+        </p:nvCxnSpPr>
+        <p:spPr>
+          <a:xfrm>
+            <a:off x="1749676" y="1736198"/>
+            <a:ext cx="1294372" cy="604669"/>
+          </a:xfrm>
+          <a:prstGeom prst="straightConnector1">
+            <a:avLst/>
+          </a:prstGeom>
+          <a:ln w="76200">
+            <a:tailEnd type="triangle"/>
+          </a:ln>
+        </p:spPr>
+        <p:style>
+          <a:lnRef idx="1">
+            <a:schemeClr val="accent2"/>
+          </a:lnRef>
+          <a:fillRef idx="0">
+            <a:schemeClr val="accent2"/>
+          </a:fillRef>
+          <a:effectRef idx="0">
+            <a:schemeClr val="accent2"/>
+          </a:effectRef>
+          <a:fontRef idx="minor">
+            <a:schemeClr val="tx1"/>
+          </a:fontRef>
+        </p:style>
+      </p:cxnSp>
+      <p:sp>
+        <p:nvSpPr>
+          <p:cNvPr id="11" name="テキスト ボックス 10">
+            <a:extLst>
+              <a:ext uri="{FF2B5EF4-FFF2-40B4-BE49-F238E27FC236}">
+                <a16:creationId xmlns:a16="http://schemas.microsoft.com/office/drawing/2014/main" id="{EEE663C1-847A-4A28-BA9E-7FBAD5B9E363}"/>
+              </a:ext>
+            </a:extLst>
+          </p:cNvPr>
+          <p:cNvSpPr txBox="1"/>
+          <p:nvPr/>
+        </p:nvSpPr>
+        <p:spPr>
+          <a:xfrm>
+            <a:off x="939198" y="1266902"/>
+            <a:ext cx="1620957" cy="523220"/>
+          </a:xfrm>
+          <a:prstGeom prst="rect">
+            <a:avLst/>
+          </a:prstGeom>
+          <a:noFill/>
+        </p:spPr>
+        <p:txBody>
+          <a:bodyPr wrap="none" rtlCol="0">
+            <a:spAutoFit/>
+          </a:bodyPr>
+          <a:lstStyle/>
+          <a:p>
+            <a:r>
+              <a:rPr kumimoji="1" lang="ja-JP" altLang="en-US" sz="2800" dirty="0">
+                <a:solidFill>
+                  <a:srgbClr val="FFC000"/>
+                </a:solidFill>
+              </a:rPr>
+              <a:t>質問タグ</a:t>
+            </a:r>
+          </a:p>
+        </p:txBody>
+      </p:sp>
+      <p:cxnSp>
+        <p:nvCxnSpPr>
+          <p:cNvPr id="15" name="直線矢印コネクタ 14">
+            <a:extLst>
+              <a:ext uri="{FF2B5EF4-FFF2-40B4-BE49-F238E27FC236}">
+                <a16:creationId xmlns:a16="http://schemas.microsoft.com/office/drawing/2014/main" id="{71576EB8-3DBB-44D8-B2F8-C51B92093FF3}"/>
+              </a:ext>
+            </a:extLst>
+          </p:cNvPr>
+          <p:cNvCxnSpPr>
+            <a:cxnSpLocks/>
+            <a:stCxn id="20" idx="1"/>
+          </p:cNvCxnSpPr>
+          <p:nvPr/>
+        </p:nvCxnSpPr>
+        <p:spPr>
+          <a:xfrm flipH="1" flipV="1">
+            <a:off x="6819953" y="4491463"/>
+            <a:ext cx="1732572" cy="582042"/>
+          </a:xfrm>
+          <a:prstGeom prst="straightConnector1">
+            <a:avLst/>
+          </a:prstGeom>
+          <a:ln w="76200">
+            <a:tailEnd type="triangle"/>
+          </a:ln>
+        </p:spPr>
+        <p:style>
+          <a:lnRef idx="1">
+            <a:schemeClr val="accent2"/>
+          </a:lnRef>
+          <a:fillRef idx="0">
+            <a:schemeClr val="accent2"/>
+          </a:fillRef>
+          <a:effectRef idx="0">
+            <a:schemeClr val="accent2"/>
+          </a:effectRef>
+          <a:fontRef idx="minor">
+            <a:schemeClr val="tx1"/>
+          </a:fontRef>
+        </p:style>
+      </p:cxnSp>
+      <p:sp>
+        <p:nvSpPr>
+          <p:cNvPr id="20" name="テキスト ボックス 19">
+            <a:extLst>
+              <a:ext uri="{FF2B5EF4-FFF2-40B4-BE49-F238E27FC236}">
+                <a16:creationId xmlns:a16="http://schemas.microsoft.com/office/drawing/2014/main" id="{E45D17CE-EBBA-484C-8520-67D5861197C5}"/>
+              </a:ext>
+            </a:extLst>
+          </p:cNvPr>
+          <p:cNvSpPr txBox="1"/>
+          <p:nvPr/>
+        </p:nvSpPr>
+        <p:spPr>
+          <a:xfrm>
+            <a:off x="8552525" y="4811895"/>
+            <a:ext cx="3156633" cy="523220"/>
+          </a:xfrm>
+          <a:prstGeom prst="rect">
+            <a:avLst/>
+          </a:prstGeom>
+          <a:noFill/>
+        </p:spPr>
+        <p:txBody>
+          <a:bodyPr wrap="none" rtlCol="0">
+            <a:spAutoFit/>
+          </a:bodyPr>
+          <a:lstStyle/>
+          <a:p>
+            <a:r>
+              <a:rPr kumimoji="1" lang="ja-JP" altLang="en-US" sz="2800" dirty="0">
+                <a:solidFill>
+                  <a:srgbClr val="FFC000"/>
+                </a:solidFill>
+              </a:rPr>
+              <a:t>解決</a:t>
+            </a:r>
+            <a:r>
+              <a:rPr kumimoji="1" lang="en-US" altLang="ja-JP" sz="2800" dirty="0">
+                <a:solidFill>
+                  <a:srgbClr val="FFC000"/>
+                </a:solidFill>
+              </a:rPr>
+              <a:t>/</a:t>
+            </a:r>
+            <a:r>
+              <a:rPr kumimoji="1" lang="ja-JP" altLang="en-US" sz="2800" dirty="0">
+                <a:solidFill>
+                  <a:srgbClr val="FFC000"/>
+                </a:solidFill>
+              </a:rPr>
+              <a:t>未解決ラベル</a:t>
+            </a:r>
+          </a:p>
+        </p:txBody>
+      </p:sp>
+    </p:spTree>
+    <p:extLst>
+      <p:ext uri="{BB962C8B-B14F-4D97-AF65-F5344CB8AC3E}">
+        <p14:creationId xmlns:p14="http://schemas.microsoft.com/office/powerpoint/2010/main" val="4136271805"/>
+      </p:ext>
+    </p:extLst>
+  </p:cSld>
+  <p:clrMapOvr>
+    <a:masterClrMapping/>
+  </p:clrMapOvr>
+</p:sld>
+</file>
+
+<file path=ppt/slides/slide13.xml><?xml version="1.0" encoding="utf-8"?>
+<p:sld xmlns:a="http://schemas.openxmlformats.org/drawingml/2006/main" xmlns:r="http://schemas.openxmlformats.org/officeDocument/2006/relationships" xmlns:p="http://schemas.openxmlformats.org/presentationml/2006/main">
+  <p:cSld>
+    <p:bg>
+      <p:bgPr>
+        <a:solidFill>
+          <a:schemeClr val="bg1"/>
+        </a:solidFill>
+        <a:effectLst/>
+      </p:bgPr>
+    </p:bg>
+    <p:spTree>
+      <p:nvGrpSpPr>
+        <p:cNvPr id="1" name=""/>
+        <p:cNvGrpSpPr/>
+        <p:nvPr/>
+      </p:nvGrpSpPr>
+      <p:grpSpPr>
+        <a:xfrm>
+          <a:off x="0" y="0"/>
+          <a:ext cx="0" cy="0"/>
+          <a:chOff x="0" y="0"/>
+          <a:chExt cx="0" cy="0"/>
+        </a:xfrm>
+      </p:grpSpPr>
+      <p:sp>
+        <p:nvSpPr>
+          <p:cNvPr id="10" name="Rectangle 9">
+            <a:extLst>
+              <a:ext uri="{FF2B5EF4-FFF2-40B4-BE49-F238E27FC236}">
+                <a16:creationId xmlns:a16="http://schemas.microsoft.com/office/drawing/2014/main" id="{DB8424AB-D56B-4256-866A-5B54DE93C20F}"/>
+              </a:ext>
+              <a:ext uri="{C183D7F6-B498-43B3-948B-1728B52AA6E4}">
+                <adec:decorative xmlns:adec="http://schemas.microsoft.com/office/drawing/2017/decorative" val="1"/>
+              </a:ext>
+            </a:extLst>
+          </p:cNvPr>
+          <p:cNvSpPr>
+            <a:spLocks noGrp="1" noRot="1" noChangeAspect="1" noMove="1" noResize="1" noEditPoints="1" noAdjustHandles="1" noChangeArrowheads="1" noChangeShapeType="1" noTextEdit="1"/>
+          </p:cNvSpPr>
+          <p:nvPr>
+            <p:extLst>
+              <p:ext uri="{386F3935-93C4-4BCD-93E2-E3B085C9AB24}">
+                <p16:designElem xmlns:p16="http://schemas.microsoft.com/office/powerpoint/2015/main" val="1"/>
+              </p:ext>
+            </p:extLst>
+          </p:nvPr>
+        </p:nvSpPr>
+        <p:spPr>
+          <a:xfrm>
+            <a:off x="0" y="761999"/>
+            <a:ext cx="9141619" cy="5334001"/>
+          </a:xfrm>
+          <a:prstGeom prst="rect">
+            <a:avLst/>
+          </a:prstGeom>
+          <a:solidFill>
+            <a:schemeClr val="accent1"/>
+          </a:solidFill>
+          <a:ln>
+            <a:noFill/>
+          </a:ln>
+        </p:spPr>
+        <p:style>
+          <a:lnRef idx="2">
+            <a:schemeClr val="accent1">
+              <a:shade val="50000"/>
+            </a:schemeClr>
+          </a:lnRef>
+          <a:fillRef idx="1">
+            <a:schemeClr val="accent1"/>
+          </a:fillRef>
+          <a:effectRef idx="0">
+            <a:schemeClr val="accent1"/>
+          </a:effectRef>
+          <a:fontRef idx="minor">
+            <a:schemeClr val="lt1"/>
+          </a:fontRef>
+        </p:style>
+      </p:sp>
+      <p:sp>
+        <p:nvSpPr>
+          <p:cNvPr id="12" name="Rectangle 11">
+            <a:extLst>
+              <a:ext uri="{FF2B5EF4-FFF2-40B4-BE49-F238E27FC236}">
+                <a16:creationId xmlns:a16="http://schemas.microsoft.com/office/drawing/2014/main" id="{FC999C28-AD33-4EB7-A5F1-C06D10A5FDF7}"/>
+              </a:ext>
+              <a:ext uri="{C183D7F6-B498-43B3-948B-1728B52AA6E4}">
+                <adec:decorative xmlns:adec="http://schemas.microsoft.com/office/drawing/2017/decorative" val="1"/>
+              </a:ext>
+            </a:extLst>
+          </p:cNvPr>
+          <p:cNvSpPr>
+            <a:spLocks noGrp="1" noRot="1" noChangeAspect="1" noMove="1" noResize="1" noEditPoints="1" noAdjustHandles="1" noChangeArrowheads="1" noChangeShapeType="1" noTextEdit="1"/>
+          </p:cNvSpPr>
+          <p:nvPr>
+            <p:extLst>
+              <p:ext uri="{386F3935-93C4-4BCD-93E2-E3B085C9AB24}">
+                <p16:designElem xmlns:p16="http://schemas.microsoft.com/office/powerpoint/2015/main" val="1"/>
+              </p:ext>
+            </p:extLst>
+          </p:nvPr>
+        </p:nvSpPr>
+        <p:spPr>
+          <a:xfrm>
+            <a:off x="9270263" y="761999"/>
+            <a:ext cx="2925318" cy="5334001"/>
+          </a:xfrm>
+          <a:prstGeom prst="rect">
+            <a:avLst/>
+          </a:prstGeom>
+          <a:solidFill>
+            <a:srgbClr val="C8C8C8">
+              <a:alpha val="49804"/>
+            </a:srgbClr>
+          </a:solidFill>
+          <a:ln>
+            <a:noFill/>
+          </a:ln>
+        </p:spPr>
+        <p:style>
+          <a:lnRef idx="2">
+            <a:schemeClr val="accent1">
+              <a:shade val="50000"/>
+            </a:schemeClr>
+          </a:lnRef>
+          <a:fillRef idx="1">
+            <a:schemeClr val="accent1"/>
+          </a:fillRef>
+          <a:effectRef idx="0">
+            <a:schemeClr val="accent1"/>
+          </a:effectRef>
+          <a:fontRef idx="minor">
+            <a:schemeClr val="lt1"/>
+          </a:fontRef>
+        </p:style>
+      </p:sp>
+      <p:sp useBgFill="1">
+        <p:nvSpPr>
+          <p:cNvPr id="14" name="Rectangle 13">
+            <a:extLst>
+              <a:ext uri="{FF2B5EF4-FFF2-40B4-BE49-F238E27FC236}">
+                <a16:creationId xmlns:a16="http://schemas.microsoft.com/office/drawing/2014/main" id="{9203ABB4-7E2A-4248-9FE7-4A419AFF2F17}"/>
+              </a:ext>
+              <a:ext uri="{C183D7F6-B498-43B3-948B-1728B52AA6E4}">
+                <adec:decorative xmlns:adec="http://schemas.microsoft.com/office/drawing/2017/decorative" val="1"/>
+              </a:ext>
+            </a:extLst>
+          </p:cNvPr>
+          <p:cNvSpPr>
+            <a:spLocks noGrp="1" noRot="1" noChangeAspect="1" noMove="1" noResize="1" noEditPoints="1" noAdjustHandles="1" noChangeArrowheads="1" noChangeShapeType="1" noTextEdit="1"/>
+          </p:cNvSpPr>
+          <p:nvPr>
+            <p:extLst>
+              <p:ext uri="{386F3935-93C4-4BCD-93E2-E3B085C9AB24}">
+                <p16:designElem xmlns:p16="http://schemas.microsoft.com/office/powerpoint/2015/main" val="1"/>
+              </p:ext>
+            </p:extLst>
+          </p:nvPr>
+        </p:nvSpPr>
+        <p:spPr>
+          <a:xfrm>
+            <a:off x="0" y="0"/>
+            <a:ext cx="12191999" cy="6858000"/>
+          </a:xfrm>
+          <a:prstGeom prst="rect">
+            <a:avLst/>
+          </a:prstGeom>
+          <a:ln>
+            <a:noFill/>
+          </a:ln>
+        </p:spPr>
+        <p:style>
+          <a:lnRef idx="2">
+            <a:schemeClr val="accent1">
+              <a:shade val="50000"/>
+            </a:schemeClr>
+          </a:lnRef>
+          <a:fillRef idx="1">
+            <a:schemeClr val="accent1"/>
+          </a:fillRef>
+          <a:effectRef idx="0">
+            <a:schemeClr val="accent1"/>
+          </a:effectRef>
+          <a:fontRef idx="minor">
+            <a:schemeClr val="lt1"/>
+          </a:fontRef>
+        </p:style>
+        <p:txBody>
+          <a:bodyPr rtlCol="0" anchor="ctr"/>
+          <a:lstStyle/>
+          <a:p>
+            <a:pPr marL="0" marR="0" lvl="0" indent="0" algn="ctr" defTabSz="457200" rtl="0" eaLnBrk="1" fontAlgn="auto" latinLnBrk="0" hangingPunct="1">
+              <a:lnSpc>
+                <a:spcPct val="100000"/>
+              </a:lnSpc>
+              <a:spcBef>
+                <a:spcPts val="0"/>
+              </a:spcBef>
+              <a:spcAft>
+                <a:spcPts val="0"/>
+              </a:spcAft>
+              <a:buClrTx/>
+              <a:buSzTx/>
+              <a:buFontTx/>
+              <a:buNone/>
+              <a:tabLst/>
+              <a:defRPr/>
+            </a:pPr>
+            <a:endParaRPr kumimoji="0" lang="en-US" sz="1800" b="0" i="0" u="none" strike="noStrike" kern="1200" cap="none" spc="0" normalizeH="0" baseline="0" noProof="0">
+              <a:ln>
+                <a:noFill/>
+              </a:ln>
+              <a:solidFill>
+                <a:srgbClr val="FFFFFF"/>
+              </a:solidFill>
+              <a:effectLst/>
+              <a:uLnTx/>
+              <a:uFillTx/>
+              <a:latin typeface="Corbel" panose="020B0503020204020204"/>
+              <a:ea typeface="+mn-ea"/>
+              <a:cs typeface="+mn-cs"/>
+            </a:endParaRPr>
+          </a:p>
+        </p:txBody>
+      </p:sp>
+      <p:sp>
+        <p:nvSpPr>
+          <p:cNvPr id="16" name="Rectangle 15">
+            <a:extLst>
+              <a:ext uri="{FF2B5EF4-FFF2-40B4-BE49-F238E27FC236}">
+                <a16:creationId xmlns:a16="http://schemas.microsoft.com/office/drawing/2014/main" id="{3126970D-C1E5-4FB1-84E8-86CB9CED1C80}"/>
+              </a:ext>
+              <a:ext uri="{C183D7F6-B498-43B3-948B-1728B52AA6E4}">
+                <adec:decorative xmlns:adec="http://schemas.microsoft.com/office/drawing/2017/decorative" val="1"/>
+              </a:ext>
+            </a:extLst>
+          </p:cNvPr>
+          <p:cNvSpPr>
+            <a:spLocks noGrp="1" noRot="1" noChangeAspect="1" noMove="1" noResize="1" noEditPoints="1" noAdjustHandles="1" noChangeArrowheads="1" noChangeShapeType="1" noTextEdit="1"/>
+          </p:cNvSpPr>
+          <p:nvPr>
+            <p:extLst>
+              <p:ext uri="{386F3935-93C4-4BCD-93E2-E3B085C9AB24}">
+                <p16:designElem xmlns:p16="http://schemas.microsoft.com/office/powerpoint/2015/main" val="1"/>
+              </p:ext>
+            </p:extLst>
+          </p:nvPr>
+        </p:nvSpPr>
+        <p:spPr>
+          <a:xfrm>
+            <a:off x="0" y="4367639"/>
+            <a:ext cx="11707367" cy="1852186"/>
+          </a:xfrm>
+          <a:prstGeom prst="rect">
+            <a:avLst/>
+          </a:prstGeom>
+          <a:solidFill>
+            <a:schemeClr val="accent1"/>
+          </a:solidFill>
+          <a:ln>
+            <a:noFill/>
+          </a:ln>
+        </p:spPr>
+        <p:style>
+          <a:lnRef idx="2">
+            <a:schemeClr val="accent1">
+              <a:shade val="50000"/>
+            </a:schemeClr>
+          </a:lnRef>
+          <a:fillRef idx="1">
+            <a:schemeClr val="accent1"/>
+          </a:fillRef>
+          <a:effectRef idx="0">
+            <a:schemeClr val="accent1"/>
+          </a:effectRef>
+          <a:fontRef idx="minor">
+            <a:schemeClr val="lt1"/>
+          </a:fontRef>
+        </p:style>
+      </p:sp>
+      <p:sp>
+        <p:nvSpPr>
+          <p:cNvPr id="2" name="タイトル 1">
+            <a:extLst>
+              <a:ext uri="{FF2B5EF4-FFF2-40B4-BE49-F238E27FC236}">
+                <a16:creationId xmlns:a16="http://schemas.microsoft.com/office/drawing/2014/main" id="{B588FAA4-7E96-4FF5-B251-22AD68F3F329}"/>
+              </a:ext>
+            </a:extLst>
+          </p:cNvPr>
+          <p:cNvSpPr>
+            <a:spLocks noGrp="1"/>
+          </p:cNvSpPr>
+          <p:nvPr>
+            <p:ph type="title"/>
+          </p:nvPr>
+        </p:nvSpPr>
+        <p:spPr>
+          <a:xfrm>
+            <a:off x="-3582" y="5944154"/>
+            <a:ext cx="10210862" cy="1065690"/>
+          </a:xfrm>
+        </p:spPr>
+        <p:txBody>
+          <a:bodyPr vert="horz" lIns="91440" tIns="45720" rIns="91440" bIns="45720" rtlCol="0" anchor="b">
+            <a:normAutofit fontScale="90000"/>
+          </a:bodyPr>
+          <a:lstStyle/>
+          <a:p>
+            <a:r>
+              <a:rPr lang="ja-JP" altLang="en-US" dirty="0"/>
+              <a:t>質問の閲覧回数順に表示</a:t>
+            </a:r>
+            <a:br>
+              <a:rPr lang="en-US" altLang="ja-JP" sz="3200" dirty="0"/>
+            </a:br>
+            <a:br>
+              <a:rPr kumimoji="1" lang="en-US" altLang="ja-JP" sz="3200" spc="-100" dirty="0"/>
+            </a:br>
+            <a:endParaRPr kumimoji="1" lang="en-US" altLang="ja-JP" sz="3200" spc="-100" dirty="0"/>
+          </a:p>
+        </p:txBody>
+      </p:sp>
+      <p:pic>
+        <p:nvPicPr>
+          <p:cNvPr id="4" name="図 3">
+            <a:extLst>
+              <a:ext uri="{FF2B5EF4-FFF2-40B4-BE49-F238E27FC236}">
+                <a16:creationId xmlns:a16="http://schemas.microsoft.com/office/drawing/2014/main" id="{7140ECD1-9FAC-4904-81B3-1296AC091B7E}"/>
+              </a:ext>
+            </a:extLst>
+          </p:cNvPr>
+          <p:cNvPicPr>
+            <a:picLocks noChangeAspect="1"/>
+          </p:cNvPicPr>
+          <p:nvPr/>
+        </p:nvPicPr>
+        <p:blipFill>
+          <a:blip r:embed="rId2"/>
+          <a:stretch>
+            <a:fillRect/>
+          </a:stretch>
+        </p:blipFill>
+        <p:spPr>
+          <a:xfrm>
+            <a:off x="-3582" y="476946"/>
+            <a:ext cx="12192000" cy="4705209"/>
+          </a:xfrm>
+          <a:prstGeom prst="rect">
+            <a:avLst/>
+          </a:prstGeom>
+        </p:spPr>
+      </p:pic>
+    </p:spTree>
+    <p:extLst>
+      <p:ext uri="{BB962C8B-B14F-4D97-AF65-F5344CB8AC3E}">
+        <p14:creationId xmlns:p14="http://schemas.microsoft.com/office/powerpoint/2010/main" val="1006703512"/>
+      </p:ext>
+    </p:extLst>
+  </p:cSld>
+  <p:clrMapOvr>
+    <a:masterClrMapping/>
+  </p:clrMapOvr>
+</p:sld>
+</file>
+
+<file path=ppt/slides/slide14.xml><?xml version="1.0" encoding="utf-8"?>
+<p:sld xmlns:a="http://schemas.openxmlformats.org/drawingml/2006/main" xmlns:r="http://schemas.openxmlformats.org/officeDocument/2006/relationships" xmlns:p="http://schemas.openxmlformats.org/presentationml/2006/main">
+  <p:cSld>
+    <p:bg>
+      <p:bgPr>
+        <a:solidFill>
+          <a:schemeClr val="bg1"/>
+        </a:solidFill>
+        <a:effectLst/>
+      </p:bgPr>
+    </p:bg>
+    <p:spTree>
+      <p:nvGrpSpPr>
+        <p:cNvPr id="1" name=""/>
+        <p:cNvGrpSpPr/>
+        <p:nvPr/>
+      </p:nvGrpSpPr>
+      <p:grpSpPr>
+        <a:xfrm>
+          <a:off x="0" y="0"/>
+          <a:ext cx="0" cy="0"/>
+          <a:chOff x="0" y="0"/>
+          <a:chExt cx="0" cy="0"/>
+        </a:xfrm>
+      </p:grpSpPr>
+      <p:sp>
+        <p:nvSpPr>
+          <p:cNvPr id="10" name="Rectangle 9">
+            <a:extLst>
+              <a:ext uri="{FF2B5EF4-FFF2-40B4-BE49-F238E27FC236}">
+                <a16:creationId xmlns:a16="http://schemas.microsoft.com/office/drawing/2014/main" id="{DB8424AB-D56B-4256-866A-5B54DE93C20F}"/>
+              </a:ext>
+              <a:ext uri="{C183D7F6-B498-43B3-948B-1728B52AA6E4}">
+                <adec:decorative xmlns:adec="http://schemas.microsoft.com/office/drawing/2017/decorative" val="1"/>
+              </a:ext>
+            </a:extLst>
+          </p:cNvPr>
+          <p:cNvSpPr>
+            <a:spLocks noGrp="1" noRot="1" noChangeAspect="1" noMove="1" noResize="1" noEditPoints="1" noAdjustHandles="1" noChangeArrowheads="1" noChangeShapeType="1" noTextEdit="1"/>
+          </p:cNvSpPr>
+          <p:nvPr>
+            <p:extLst>
+              <p:ext uri="{386F3935-93C4-4BCD-93E2-E3B085C9AB24}">
+                <p16:designElem xmlns:p16="http://schemas.microsoft.com/office/powerpoint/2015/main" val="1"/>
+              </p:ext>
+            </p:extLst>
+          </p:nvPr>
+        </p:nvSpPr>
+        <p:spPr>
+          <a:xfrm>
+            <a:off x="0" y="761999"/>
+            <a:ext cx="9141619" cy="5334001"/>
+          </a:xfrm>
+          <a:prstGeom prst="rect">
+            <a:avLst/>
+          </a:prstGeom>
+          <a:solidFill>
+            <a:schemeClr val="accent1"/>
+          </a:solidFill>
+          <a:ln>
+            <a:noFill/>
+          </a:ln>
+        </p:spPr>
+        <p:style>
+          <a:lnRef idx="2">
+            <a:schemeClr val="accent1">
+              <a:shade val="50000"/>
+            </a:schemeClr>
+          </a:lnRef>
+          <a:fillRef idx="1">
+            <a:schemeClr val="accent1"/>
+          </a:fillRef>
+          <a:effectRef idx="0">
+            <a:schemeClr val="accent1"/>
+          </a:effectRef>
+          <a:fontRef idx="minor">
+            <a:schemeClr val="lt1"/>
+          </a:fontRef>
+        </p:style>
+      </p:sp>
+      <p:sp>
+        <p:nvSpPr>
+          <p:cNvPr id="12" name="Rectangle 11">
+            <a:extLst>
+              <a:ext uri="{FF2B5EF4-FFF2-40B4-BE49-F238E27FC236}">
+                <a16:creationId xmlns:a16="http://schemas.microsoft.com/office/drawing/2014/main" id="{FC999C28-AD33-4EB7-A5F1-C06D10A5FDF7}"/>
+              </a:ext>
+              <a:ext uri="{C183D7F6-B498-43B3-948B-1728B52AA6E4}">
+                <adec:decorative xmlns:adec="http://schemas.microsoft.com/office/drawing/2017/decorative" val="1"/>
+              </a:ext>
+            </a:extLst>
+          </p:cNvPr>
+          <p:cNvSpPr>
+            <a:spLocks noGrp="1" noRot="1" noChangeAspect="1" noMove="1" noResize="1" noEditPoints="1" noAdjustHandles="1" noChangeArrowheads="1" noChangeShapeType="1" noTextEdit="1"/>
+          </p:cNvSpPr>
+          <p:nvPr>
+            <p:extLst>
+              <p:ext uri="{386F3935-93C4-4BCD-93E2-E3B085C9AB24}">
+                <p16:designElem xmlns:p16="http://schemas.microsoft.com/office/powerpoint/2015/main" val="1"/>
+              </p:ext>
+            </p:extLst>
+          </p:nvPr>
+        </p:nvSpPr>
+        <p:spPr>
+          <a:xfrm>
+            <a:off x="9270263" y="761999"/>
+            <a:ext cx="2925318" cy="5334001"/>
+          </a:xfrm>
+          <a:prstGeom prst="rect">
+            <a:avLst/>
+          </a:prstGeom>
+          <a:solidFill>
+            <a:srgbClr val="C8C8C8">
+              <a:alpha val="49804"/>
+            </a:srgbClr>
+          </a:solidFill>
+          <a:ln>
+            <a:noFill/>
+          </a:ln>
+        </p:spPr>
+        <p:style>
+          <a:lnRef idx="2">
+            <a:schemeClr val="accent1">
+              <a:shade val="50000"/>
+            </a:schemeClr>
+          </a:lnRef>
+          <a:fillRef idx="1">
+            <a:schemeClr val="accent1"/>
+          </a:fillRef>
+          <a:effectRef idx="0">
+            <a:schemeClr val="accent1"/>
+          </a:effectRef>
+          <a:fontRef idx="minor">
+            <a:schemeClr val="lt1"/>
+          </a:fontRef>
+        </p:style>
+      </p:sp>
+      <p:sp useBgFill="1">
+        <p:nvSpPr>
+          <p:cNvPr id="14" name="Rectangle 13">
+            <a:extLst>
+              <a:ext uri="{FF2B5EF4-FFF2-40B4-BE49-F238E27FC236}">
+                <a16:creationId xmlns:a16="http://schemas.microsoft.com/office/drawing/2014/main" id="{9203ABB4-7E2A-4248-9FE7-4A419AFF2F17}"/>
+              </a:ext>
+              <a:ext uri="{C183D7F6-B498-43B3-948B-1728B52AA6E4}">
+                <adec:decorative xmlns:adec="http://schemas.microsoft.com/office/drawing/2017/decorative" val="1"/>
+              </a:ext>
+            </a:extLst>
+          </p:cNvPr>
+          <p:cNvSpPr>
+            <a:spLocks noGrp="1" noRot="1" noChangeAspect="1" noMove="1" noResize="1" noEditPoints="1" noAdjustHandles="1" noChangeArrowheads="1" noChangeShapeType="1" noTextEdit="1"/>
+          </p:cNvSpPr>
+          <p:nvPr>
+            <p:extLst>
+              <p:ext uri="{386F3935-93C4-4BCD-93E2-E3B085C9AB24}">
+                <p16:designElem xmlns:p16="http://schemas.microsoft.com/office/powerpoint/2015/main" val="1"/>
+              </p:ext>
+            </p:extLst>
+          </p:nvPr>
+        </p:nvSpPr>
+        <p:spPr>
+          <a:xfrm>
+            <a:off x="0" y="0"/>
+            <a:ext cx="12191999" cy="6858000"/>
+          </a:xfrm>
+          <a:prstGeom prst="rect">
+            <a:avLst/>
+          </a:prstGeom>
+          <a:ln>
+            <a:noFill/>
+          </a:ln>
+        </p:spPr>
+        <p:style>
+          <a:lnRef idx="2">
+            <a:schemeClr val="accent1">
+              <a:shade val="50000"/>
+            </a:schemeClr>
+          </a:lnRef>
+          <a:fillRef idx="1">
+            <a:schemeClr val="accent1"/>
+          </a:fillRef>
+          <a:effectRef idx="0">
+            <a:schemeClr val="accent1"/>
+          </a:effectRef>
+          <a:fontRef idx="minor">
+            <a:schemeClr val="lt1"/>
+          </a:fontRef>
+        </p:style>
+        <p:txBody>
+          <a:bodyPr rtlCol="0" anchor="ctr"/>
+          <a:lstStyle/>
+          <a:p>
+            <a:pPr marL="0" marR="0" lvl="0" indent="0" algn="ctr" defTabSz="457200" rtl="0" eaLnBrk="1" fontAlgn="auto" latinLnBrk="0" hangingPunct="1">
+              <a:lnSpc>
+                <a:spcPct val="100000"/>
+              </a:lnSpc>
+              <a:spcBef>
+                <a:spcPts val="0"/>
+              </a:spcBef>
+              <a:spcAft>
+                <a:spcPts val="0"/>
+              </a:spcAft>
+              <a:buClrTx/>
+              <a:buSzTx/>
+              <a:buFontTx/>
+              <a:buNone/>
+              <a:tabLst/>
+              <a:defRPr/>
+            </a:pPr>
+            <a:endParaRPr kumimoji="0" lang="en-US" sz="1800" b="0" i="0" u="none" strike="noStrike" kern="1200" cap="none" spc="0" normalizeH="0" baseline="0" noProof="0">
+              <a:ln>
+                <a:noFill/>
+              </a:ln>
+              <a:solidFill>
+                <a:srgbClr val="FFFFFF"/>
+              </a:solidFill>
+              <a:effectLst/>
+              <a:uLnTx/>
+              <a:uFillTx/>
+              <a:latin typeface="Corbel" panose="020B0503020204020204"/>
+              <a:ea typeface="+mn-ea"/>
+              <a:cs typeface="+mn-cs"/>
+            </a:endParaRPr>
+          </a:p>
+        </p:txBody>
+      </p:sp>
+      <p:sp>
+        <p:nvSpPr>
+          <p:cNvPr id="16" name="Rectangle 15">
+            <a:extLst>
+              <a:ext uri="{FF2B5EF4-FFF2-40B4-BE49-F238E27FC236}">
+                <a16:creationId xmlns:a16="http://schemas.microsoft.com/office/drawing/2014/main" id="{3126970D-C1E5-4FB1-84E8-86CB9CED1C80}"/>
+              </a:ext>
+              <a:ext uri="{C183D7F6-B498-43B3-948B-1728B52AA6E4}">
+                <adec:decorative xmlns:adec="http://schemas.microsoft.com/office/drawing/2017/decorative" val="1"/>
+              </a:ext>
+            </a:extLst>
+          </p:cNvPr>
+          <p:cNvSpPr>
+            <a:spLocks noGrp="1" noRot="1" noChangeAspect="1" noMove="1" noResize="1" noEditPoints="1" noAdjustHandles="1" noChangeArrowheads="1" noChangeShapeType="1" noTextEdit="1"/>
+          </p:cNvSpPr>
+          <p:nvPr>
+            <p:extLst>
+              <p:ext uri="{386F3935-93C4-4BCD-93E2-E3B085C9AB24}">
+                <p16:designElem xmlns:p16="http://schemas.microsoft.com/office/powerpoint/2015/main" val="1"/>
+              </p:ext>
+            </p:extLst>
+          </p:nvPr>
+        </p:nvSpPr>
+        <p:spPr>
+          <a:xfrm>
+            <a:off x="0" y="4367639"/>
+            <a:ext cx="11707367" cy="1852186"/>
+          </a:xfrm>
+          <a:prstGeom prst="rect">
+            <a:avLst/>
+          </a:prstGeom>
+          <a:solidFill>
+            <a:schemeClr val="accent1"/>
+          </a:solidFill>
+          <a:ln>
+            <a:noFill/>
+          </a:ln>
+        </p:spPr>
+        <p:style>
+          <a:lnRef idx="2">
+            <a:schemeClr val="accent1">
+              <a:shade val="50000"/>
+            </a:schemeClr>
+          </a:lnRef>
+          <a:fillRef idx="1">
+            <a:schemeClr val="accent1"/>
+          </a:fillRef>
+          <a:effectRef idx="0">
+            <a:schemeClr val="accent1"/>
+          </a:effectRef>
+          <a:fontRef idx="minor">
+            <a:schemeClr val="lt1"/>
+          </a:fontRef>
+        </p:style>
+      </p:sp>
+      <p:sp>
+        <p:nvSpPr>
+          <p:cNvPr id="2" name="タイトル 1">
+            <a:extLst>
+              <a:ext uri="{FF2B5EF4-FFF2-40B4-BE49-F238E27FC236}">
+                <a16:creationId xmlns:a16="http://schemas.microsoft.com/office/drawing/2014/main" id="{B588FAA4-7E96-4FF5-B251-22AD68F3F329}"/>
+              </a:ext>
+            </a:extLst>
+          </p:cNvPr>
+          <p:cNvSpPr>
+            <a:spLocks noGrp="1"/>
+          </p:cNvSpPr>
+          <p:nvPr>
+            <p:ph type="title"/>
+          </p:nvPr>
+        </p:nvSpPr>
+        <p:spPr>
+          <a:xfrm>
+            <a:off x="-3582" y="5882243"/>
+            <a:ext cx="10210862" cy="1065690"/>
+          </a:xfrm>
+        </p:spPr>
+        <p:txBody>
+          <a:bodyPr vert="horz" lIns="91440" tIns="45720" rIns="91440" bIns="45720" rtlCol="0" anchor="b">
+            <a:normAutofit fontScale="90000"/>
+          </a:bodyPr>
+          <a:lstStyle/>
+          <a:p>
+            <a:r>
+              <a:rPr lang="ja-JP" altLang="en-US" dirty="0"/>
+              <a:t>自分の質問が一覧で見られる</a:t>
+            </a:r>
+            <a:br>
+              <a:rPr lang="en-US" altLang="ja-JP" sz="3200" dirty="0"/>
+            </a:br>
+            <a:br>
+              <a:rPr kumimoji="1" lang="en-US" altLang="ja-JP" sz="3200" spc="-100" dirty="0"/>
+            </a:br>
+            <a:endParaRPr kumimoji="1" lang="en-US" altLang="ja-JP" sz="3200" spc="-100" dirty="0"/>
+          </a:p>
+        </p:txBody>
+      </p:sp>
+      <p:pic>
+        <p:nvPicPr>
+          <p:cNvPr id="5" name="ビデオ 3">
+            <a:hlinkClick r:id="" action="ppaction://media"/>
+            <a:extLst>
+              <a:ext uri="{FF2B5EF4-FFF2-40B4-BE49-F238E27FC236}">
+                <a16:creationId xmlns:a16="http://schemas.microsoft.com/office/drawing/2014/main" id="{B8445037-30CE-40BC-873F-D9204235FA6F}"/>
+              </a:ext>
+            </a:extLst>
+          </p:cNvPr>
+          <p:cNvPicPr>
+            <a:picLocks noChangeAspect="1"/>
+          </p:cNvPicPr>
+          <p:nvPr>
+            <a:videoFile r:link="rId2"/>
+            <p:extLst>
+              <p:ext uri="{DAA4B4D4-6D71-4841-9C94-3DE7FCFB9230}">
+                <p14:media xmlns:p14="http://schemas.microsoft.com/office/powerpoint/2010/main" r:embed="rId1"/>
+              </p:ext>
+            </p:extLst>
+          </p:nvPr>
+        </p:nvPicPr>
+        <p:blipFill>
+          <a:blip r:embed="rId4"/>
+          <a:stretch>
+            <a:fillRect/>
+          </a:stretch>
+        </p:blipFill>
+        <p:spPr>
+          <a:xfrm>
+            <a:off x="484633" y="-580615"/>
+            <a:ext cx="11555135" cy="6180794"/>
+          </a:xfrm>
+          <a:prstGeom prst="rect">
+            <a:avLst/>
+          </a:prstGeom>
+        </p:spPr>
+      </p:pic>
+    </p:spTree>
+    <p:extLst>
+      <p:ext uri="{BB962C8B-B14F-4D97-AF65-F5344CB8AC3E}">
+        <p14:creationId xmlns:p14="http://schemas.microsoft.com/office/powerpoint/2010/main" val="1374524774"/>
+      </p:ext>
+    </p:extLst>
+  </p:cSld>
+  <p:clrMapOvr>
+    <a:masterClrMapping/>
+  </p:clrMapOvr>
+  <p:timing>
+    <p:tnLst>
+      <p:par>
+        <p:cTn id="1" dur="indefinite" restart="never" nodeType="tmRoot">
+          <p:childTnLst>
+            <p:seq concurrent="1" nextAc="seek">
+              <p:cTn id="2" dur="indefinite" nodeType="mainSeq">
+                <p:childTnLst>
+                  <p:par>
+                    <p:cTn id="3" fill="hold">
+                      <p:stCondLst>
+                        <p:cond delay="indefinite"/>
+                        <p:cond evt="onBegin" delay="0">
+                          <p:tn val="2"/>
+                        </p:cond>
+                      </p:stCondLst>
+                      <p:childTnLst>
+                        <p:par>
+                          <p:cTn id="4" fill="hold">
+                            <p:stCondLst>
+                              <p:cond delay="0"/>
+                            </p:stCondLst>
+                            <p:childTnLst>
+                              <p:par>
+                                <p:cTn id="5" presetID="1" presetClass="mediacall" presetSubtype="0" fill="hold" nodeType="withEffect">
+                                  <p:stCondLst>
+                                    <p:cond delay="0"/>
+                                  </p:stCondLst>
+                                  <p:childTnLst>
+                                    <p:cmd type="call" cmd="playFrom(0.0)">
+                                      <p:cBhvr>
+                                        <p:cTn id="6" dur="14015" fill="hold"/>
+                                        <p:tgtEl>
+                                          <p:spTgt spid="5"/>
+                                        </p:tgtEl>
+                                      </p:cBhvr>
+                                    </p:cmd>
+                                  </p:childTnLst>
+                                </p:cTn>
+                              </p:par>
+                            </p:childTnLst>
+                          </p:cTn>
+                        </p:par>
+                      </p:childTnLst>
+                    </p:cTn>
+                  </p:par>
+                </p:childTnLst>
+              </p:cTn>
+              <p:prevCondLst>
+                <p:cond evt="onPrev" delay="0">
+                  <p:tgtEl>
+                    <p:sldTgt/>
+                  </p:tgtEl>
+                </p:cond>
+              </p:prevCondLst>
+              <p:nextCondLst>
+                <p:cond evt="onNext" delay="0">
+                  <p:tgtEl>
+                    <p:sldTgt/>
+                  </p:tgtEl>
+                </p:cond>
+              </p:nextCondLst>
+            </p:seq>
+            <p:video>
+              <p:cMediaNode vol="80000" mute="1">
+                <p:cTn id="7" repeatCount="indefinite" fill="hold" display="0">
+                  <p:stCondLst>
+                    <p:cond delay="indefinite"/>
+                  </p:stCondLst>
+                </p:cTn>
+                <p:tgtEl>
+                  <p:spTgt spid="5"/>
+                </p:tgtEl>
+              </p:cMediaNode>
+            </p:video>
+            <p:seq concurrent="1" nextAc="seek">
+              <p:cTn id="8" restart="whenNotActive" fill="hold" evtFilter="cancelBubble" nodeType="interactiveSeq">
+                <p:stCondLst>
+                  <p:cond evt="onClick" delay="0">
+                    <p:tgtEl>
+                      <p:spTgt spid="5"/>
+                    </p:tgtEl>
+                  </p:cond>
+                </p:stCondLst>
+                <p:endSync evt="end" delay="0">
+                  <p:rtn val="all"/>
+                </p:endSync>
+                <p:childTnLst>
+                  <p:par>
+                    <p:cTn id="9" fill="hold">
+                      <p:stCondLst>
+                        <p:cond delay="0"/>
+                      </p:stCondLst>
+                      <p:childTnLst>
+                        <p:par>
+                          <p:cTn id="10" fill="hold">
+                            <p:stCondLst>
+                              <p:cond delay="0"/>
+                            </p:stCondLst>
+                            <p:childTnLst>
+                              <p:par>
+                                <p:cTn id="11" presetID="2" presetClass="mediacall" presetSubtype="0" fill="hold" nodeType="clickEffect">
+                                  <p:stCondLst>
+                                    <p:cond delay="0"/>
+                                  </p:stCondLst>
+                                  <p:childTnLst>
+                                    <p:cmd type="call" cmd="togglePause">
+                                      <p:cBhvr>
+                                        <p:cTn id="12" dur="1" fill="hold"/>
+                                        <p:tgtEl>
+                                          <p:spTgt spid="5"/>
+                                        </p:tgtEl>
+                                      </p:cBhvr>
+                                    </p:cmd>
+                                  </p:childTnLst>
+                                </p:cTn>
+                              </p:par>
+                            </p:childTnLst>
+                          </p:cTn>
+                        </p:par>
+                      </p:childTnLst>
+                    </p:cTn>
+                  </p:par>
+                </p:childTnLst>
+              </p:cTn>
+              <p:nextCondLst>
+                <p:cond evt="onClick" delay="0">
+                  <p:tgtEl>
+                    <p:spTgt spid="5"/>
+                  </p:tgtEl>
+                </p:cond>
+              </p:nextCondLst>
+            </p:seq>
+          </p:childTnLst>
+        </p:cTn>
+      </p:par>
+    </p:tnLst>
+  </p:timing>
+</p:sld>
+</file>
+
+<file path=ppt/slides/slide15.xml><?xml version="1.0" encoding="utf-8"?>
+<p:sld xmlns:a="http://schemas.openxmlformats.org/drawingml/2006/main" xmlns:r="http://schemas.openxmlformats.org/officeDocument/2006/relationships" xmlns:p="http://schemas.openxmlformats.org/presentationml/2006/main">
+  <p:cSld>
     <p:spTree>
       <p:nvGrpSpPr>
         <p:cNvPr id="1" name=""/>
@@ -6145,7 +8391,7 @@
 </p:sld>
 </file>
 
-<file path=ppt/slides/slide11.xml><?xml version="1.0" encoding="utf-8"?>
+<file path=ppt/slides/slide16.xml><?xml version="1.0" encoding="utf-8"?>
 <p:sld xmlns:a="http://schemas.openxmlformats.org/drawingml/2006/main" xmlns:r="http://schemas.openxmlformats.org/officeDocument/2006/relationships" xmlns:p="http://schemas.openxmlformats.org/presentationml/2006/main">
   <p:cSld>
     <p:spTree>
@@ -6842,7 +9088,7 @@
 </p:sld>
 </file>
 
-<file path=ppt/slides/slide12.xml><?xml version="1.0" encoding="utf-8"?>
+<file path=ppt/slides/slide17.xml><?xml version="1.0" encoding="utf-8"?>
 <p:sld xmlns:a="http://schemas.openxmlformats.org/drawingml/2006/main" xmlns:r="http://schemas.openxmlformats.org/officeDocument/2006/relationships" xmlns:p="http://schemas.openxmlformats.org/presentationml/2006/main">
   <p:cSld>
     <p:spTree>
@@ -7185,7 +9431,7 @@
 </p:sld>
 </file>
 
-<file path=ppt/slides/slide13.xml><?xml version="1.0" encoding="utf-8"?>
+<file path=ppt/slides/slide18.xml><?xml version="1.0" encoding="utf-8"?>
 <p:sld xmlns:a="http://schemas.openxmlformats.org/drawingml/2006/main" xmlns:r="http://schemas.openxmlformats.org/officeDocument/2006/relationships" xmlns:p="http://schemas.openxmlformats.org/presentationml/2006/main">
   <p:cSld>
     <p:spTree>
@@ -7410,7 +9656,7 @@
 </p:sld>
 </file>
 
-<file path=ppt/slides/slide14.xml><?xml version="1.0" encoding="utf-8"?>
+<file path=ppt/slides/slide19.xml><?xml version="1.0" encoding="utf-8"?>
 <p:sld xmlns:a="http://schemas.openxmlformats.org/drawingml/2006/main" xmlns:r="http://schemas.openxmlformats.org/officeDocument/2006/relationships" xmlns:p="http://schemas.openxmlformats.org/presentationml/2006/main">
   <p:cSld>
     <p:spTree>
@@ -7588,7 +9834,424 @@
 </p:sld>
 </file>
 
-<file path=ppt/slides/slide15.xml><?xml version="1.0" encoding="utf-8"?>
+<file path=ppt/slides/slide2.xml><?xml version="1.0" encoding="utf-8"?>
+<p:sld xmlns:a="http://schemas.openxmlformats.org/drawingml/2006/main" xmlns:r="http://schemas.openxmlformats.org/officeDocument/2006/relationships" xmlns:p="http://schemas.openxmlformats.org/presentationml/2006/main">
+  <p:cSld>
+    <p:spTree>
+      <p:nvGrpSpPr>
+        <p:cNvPr id="1" name=""/>
+        <p:cNvGrpSpPr/>
+        <p:nvPr/>
+      </p:nvGrpSpPr>
+      <p:grpSpPr>
+        <a:xfrm>
+          <a:off x="0" y="0"/>
+          <a:ext cx="0" cy="0"/>
+          <a:chOff x="0" y="0"/>
+          <a:chExt cx="0" cy="0"/>
+        </a:xfrm>
+      </p:grpSpPr>
+      <p:sp>
+        <p:nvSpPr>
+          <p:cNvPr id="2" name="タイトル 1">
+            <a:extLst>
+              <a:ext uri="{FF2B5EF4-FFF2-40B4-BE49-F238E27FC236}">
+                <a16:creationId xmlns:a16="http://schemas.microsoft.com/office/drawing/2014/main" id="{11FF109B-1A52-4682-9479-0DCAC48B3C35}"/>
+              </a:ext>
+            </a:extLst>
+          </p:cNvPr>
+          <p:cNvSpPr>
+            <a:spLocks noGrp="1"/>
+          </p:cNvSpPr>
+          <p:nvPr>
+            <p:ph type="title"/>
+          </p:nvPr>
+        </p:nvSpPr>
+        <p:spPr/>
+        <p:txBody>
+          <a:bodyPr/>
+          <a:lstStyle/>
+          <a:p>
+            <a:r>
+              <a:rPr kumimoji="1" lang="en-US" altLang="ja-JP" dirty="0"/>
+              <a:t>Agenda</a:t>
+            </a:r>
+            <a:endParaRPr kumimoji="1" lang="ja-JP" altLang="en-US" dirty="0"/>
+          </a:p>
+        </p:txBody>
+      </p:sp>
+      <p:sp>
+        <p:nvSpPr>
+          <p:cNvPr id="3" name="コンテンツ プレースホルダー 2">
+            <a:extLst>
+              <a:ext uri="{FF2B5EF4-FFF2-40B4-BE49-F238E27FC236}">
+                <a16:creationId xmlns:a16="http://schemas.microsoft.com/office/drawing/2014/main" id="{E23551B5-FD73-4043-9D9D-F069178EC83A}"/>
+              </a:ext>
+            </a:extLst>
+          </p:cNvPr>
+          <p:cNvSpPr>
+            <a:spLocks noGrp="1"/>
+          </p:cNvSpPr>
+          <p:nvPr>
+            <p:ph idx="1"/>
+          </p:nvPr>
+        </p:nvSpPr>
+        <p:spPr/>
+        <p:txBody>
+          <a:bodyPr/>
+          <a:lstStyle/>
+          <a:p>
+            <a:pPr marL="457200" indent="-457200">
+              <a:buFont typeface="+mj-lt"/>
+              <a:buAutoNum type="arabicPeriod"/>
+            </a:pPr>
+            <a:r>
+              <a:rPr kumimoji="1" lang="ja-JP" altLang="en-US" dirty="0">
+                <a:solidFill>
+                  <a:schemeClr val="accent1">
+                    <a:lumMod val="50000"/>
+                  </a:schemeClr>
+                </a:solidFill>
+              </a:rPr>
+              <a:t>プロダクトの成果</a:t>
+            </a:r>
+            <a:endParaRPr lang="en-US" altLang="ja-JP" dirty="0">
+              <a:solidFill>
+                <a:schemeClr val="accent1">
+                  <a:lumMod val="50000"/>
+                </a:schemeClr>
+              </a:solidFill>
+            </a:endParaRPr>
+          </a:p>
+          <a:p>
+            <a:pPr marL="960120" lvl="1" indent="-457200">
+              <a:buFont typeface="+mj-lt"/>
+              <a:buAutoNum type="arabicPeriod"/>
+            </a:pPr>
+            <a:r>
+              <a:rPr lang="ja-JP" altLang="en-US" dirty="0">
+                <a:solidFill>
+                  <a:schemeClr val="accent1">
+                    <a:lumMod val="50000"/>
+                  </a:schemeClr>
+                </a:solidFill>
+              </a:rPr>
+              <a:t>製品化に至ったきっかけ</a:t>
+            </a:r>
+            <a:endParaRPr lang="en-US" altLang="ja-JP" dirty="0">
+              <a:solidFill>
+                <a:schemeClr val="accent1">
+                  <a:lumMod val="50000"/>
+                </a:schemeClr>
+              </a:solidFill>
+            </a:endParaRPr>
+          </a:p>
+          <a:p>
+            <a:pPr marL="960120" lvl="1" indent="-457200">
+              <a:buFont typeface="+mj-lt"/>
+              <a:buAutoNum type="arabicPeriod"/>
+            </a:pPr>
+            <a:r>
+              <a:rPr kumimoji="1" lang="en-US" altLang="ja-JP" dirty="0">
+                <a:solidFill>
+                  <a:schemeClr val="accent1">
+                    <a:lumMod val="50000"/>
+                  </a:schemeClr>
+                </a:solidFill>
+              </a:rPr>
+              <a:t>Qbox</a:t>
+            </a:r>
+            <a:r>
+              <a:rPr kumimoji="1" lang="ja-JP" altLang="en-US" dirty="0">
+                <a:solidFill>
+                  <a:schemeClr val="accent1">
+                    <a:lumMod val="50000"/>
+                  </a:schemeClr>
+                </a:solidFill>
+              </a:rPr>
+              <a:t>とは</a:t>
+            </a:r>
+            <a:endParaRPr kumimoji="1" lang="en-US" altLang="ja-JP" dirty="0">
+              <a:solidFill>
+                <a:schemeClr val="accent1">
+                  <a:lumMod val="50000"/>
+                </a:schemeClr>
+              </a:solidFill>
+            </a:endParaRPr>
+          </a:p>
+          <a:p>
+            <a:pPr marL="960120" lvl="1" indent="-457200">
+              <a:buFont typeface="+mj-lt"/>
+              <a:buAutoNum type="arabicPeriod"/>
+            </a:pPr>
+            <a:r>
+              <a:rPr kumimoji="1" lang="ja-JP" altLang="en-US" dirty="0">
+                <a:solidFill>
+                  <a:schemeClr val="accent1">
+                    <a:lumMod val="50000"/>
+                  </a:schemeClr>
+                </a:solidFill>
+              </a:rPr>
+              <a:t>想定ユーザにとってのメリット</a:t>
+            </a:r>
+            <a:endParaRPr lang="en-US" altLang="ja-JP" dirty="0">
+              <a:solidFill>
+                <a:schemeClr val="accent1">
+                  <a:lumMod val="50000"/>
+                </a:schemeClr>
+              </a:solidFill>
+            </a:endParaRPr>
+          </a:p>
+          <a:p>
+            <a:pPr marL="960120" lvl="1" indent="-457200">
+              <a:buFont typeface="+mj-lt"/>
+              <a:buAutoNum type="arabicPeriod"/>
+            </a:pPr>
+            <a:r>
+              <a:rPr kumimoji="1" lang="ja-JP" altLang="en-US" dirty="0">
+                <a:solidFill>
+                  <a:schemeClr val="accent1">
+                    <a:lumMod val="50000"/>
+                  </a:schemeClr>
+                </a:solidFill>
+              </a:rPr>
+              <a:t>システムのコンセプト</a:t>
+            </a:r>
+            <a:endParaRPr kumimoji="1" lang="en-US" altLang="ja-JP" dirty="0">
+              <a:solidFill>
+                <a:schemeClr val="accent1">
+                  <a:lumMod val="50000"/>
+                </a:schemeClr>
+              </a:solidFill>
+            </a:endParaRPr>
+          </a:p>
+          <a:p>
+            <a:pPr marL="960120" lvl="1" indent="-457200">
+              <a:buFont typeface="+mj-lt"/>
+              <a:buAutoNum type="arabicPeriod"/>
+            </a:pPr>
+            <a:r>
+              <a:rPr lang="ja-JP" altLang="en-US" dirty="0">
+                <a:solidFill>
+                  <a:schemeClr val="accent1">
+                    <a:lumMod val="50000"/>
+                  </a:schemeClr>
+                </a:solidFill>
+              </a:rPr>
+              <a:t>デザイン面での工夫点</a:t>
+            </a:r>
+            <a:endParaRPr lang="en-US" altLang="ja-JP" dirty="0">
+              <a:solidFill>
+                <a:schemeClr val="accent1">
+                  <a:lumMod val="50000"/>
+                </a:schemeClr>
+              </a:solidFill>
+            </a:endParaRPr>
+          </a:p>
+          <a:p>
+            <a:pPr marL="960120" lvl="1" indent="-457200">
+              <a:buFont typeface="+mj-lt"/>
+              <a:buAutoNum type="arabicPeriod"/>
+            </a:pPr>
+            <a:r>
+              <a:rPr kumimoji="1" lang="ja-JP" altLang="en-US" dirty="0">
+                <a:solidFill>
+                  <a:schemeClr val="accent1">
+                    <a:lumMod val="50000"/>
+                  </a:schemeClr>
+                </a:solidFill>
+              </a:rPr>
+              <a:t>機能面での工夫点・</a:t>
+            </a:r>
+            <a:r>
+              <a:rPr lang="ja-JP" altLang="en-US" dirty="0">
+                <a:solidFill>
+                  <a:schemeClr val="accent1">
+                    <a:lumMod val="50000"/>
+                  </a:schemeClr>
+                </a:solidFill>
+              </a:rPr>
+              <a:t>デモンストレーション</a:t>
+            </a:r>
+            <a:endParaRPr lang="en-US" altLang="ja-JP" dirty="0">
+              <a:solidFill>
+                <a:schemeClr val="accent1">
+                  <a:lumMod val="50000"/>
+                </a:schemeClr>
+              </a:solidFill>
+            </a:endParaRPr>
+          </a:p>
+          <a:p>
+            <a:pPr marL="960120" lvl="1" indent="-457200">
+              <a:buFont typeface="+mj-lt"/>
+              <a:buAutoNum type="arabicPeriod"/>
+            </a:pPr>
+            <a:endParaRPr kumimoji="1" lang="en-US" altLang="ja-JP" dirty="0">
+              <a:solidFill>
+                <a:schemeClr val="accent1">
+                  <a:lumMod val="50000"/>
+                </a:schemeClr>
+              </a:solidFill>
+            </a:endParaRPr>
+          </a:p>
+          <a:p>
+            <a:pPr marL="457200" indent="-457200">
+              <a:buFont typeface="+mj-lt"/>
+              <a:buAutoNum type="arabicPeriod"/>
+            </a:pPr>
+            <a:r>
+              <a:rPr lang="ja-JP" altLang="en-US" dirty="0">
+                <a:solidFill>
+                  <a:schemeClr val="accent1">
+                    <a:lumMod val="50000"/>
+                  </a:schemeClr>
+                </a:solidFill>
+              </a:rPr>
+              <a:t>研修の成果</a:t>
+            </a:r>
+            <a:endParaRPr lang="en-US" altLang="ja-JP" dirty="0">
+              <a:solidFill>
+                <a:schemeClr val="accent1">
+                  <a:lumMod val="50000"/>
+                </a:schemeClr>
+              </a:solidFill>
+            </a:endParaRPr>
+          </a:p>
+          <a:p>
+            <a:pPr marL="960120" lvl="1" indent="-457200">
+              <a:buFont typeface="+mj-lt"/>
+              <a:buAutoNum type="arabicPeriod"/>
+            </a:pPr>
+            <a:r>
+              <a:rPr kumimoji="1" lang="ja-JP" altLang="en-US" dirty="0">
+                <a:solidFill>
+                  <a:schemeClr val="accent1">
+                    <a:lumMod val="50000"/>
+                  </a:schemeClr>
+                </a:solidFill>
+              </a:rPr>
+              <a:t>チーム目標とその成果</a:t>
+            </a:r>
+            <a:endParaRPr kumimoji="1" lang="en-US" altLang="ja-JP" dirty="0">
+              <a:solidFill>
+                <a:schemeClr val="accent1">
+                  <a:lumMod val="50000"/>
+                </a:schemeClr>
+              </a:solidFill>
+            </a:endParaRPr>
+          </a:p>
+          <a:p>
+            <a:pPr marL="960120" lvl="1" indent="-457200">
+              <a:buFont typeface="+mj-lt"/>
+              <a:buAutoNum type="arabicPeriod"/>
+            </a:pPr>
+            <a:r>
+              <a:rPr lang="ja-JP" altLang="en-US" dirty="0">
+                <a:solidFill>
+                  <a:schemeClr val="accent1">
+                    <a:lumMod val="50000"/>
+                  </a:schemeClr>
+                </a:solidFill>
+              </a:rPr>
+              <a:t>円滑なコミュニケーションのために行った工夫</a:t>
+            </a:r>
+            <a:endParaRPr kumimoji="1" lang="en-US" altLang="ja-JP" dirty="0">
+              <a:solidFill>
+                <a:schemeClr val="accent1">
+                  <a:lumMod val="50000"/>
+                </a:schemeClr>
+              </a:solidFill>
+            </a:endParaRPr>
+          </a:p>
+          <a:p>
+            <a:pPr marL="960120" lvl="1" indent="-457200">
+              <a:buFont typeface="+mj-lt"/>
+              <a:buAutoNum type="arabicPeriod"/>
+            </a:pPr>
+            <a:r>
+              <a:rPr lang="ja-JP" altLang="en-US" dirty="0">
+                <a:solidFill>
+                  <a:schemeClr val="accent1">
+                    <a:lumMod val="50000"/>
+                  </a:schemeClr>
+                </a:solidFill>
+              </a:rPr>
+              <a:t>個人としての成長・課題</a:t>
+            </a:r>
+            <a:endParaRPr lang="en-US" altLang="ja-JP" dirty="0">
+              <a:solidFill>
+                <a:schemeClr val="accent1">
+                  <a:lumMod val="50000"/>
+                </a:schemeClr>
+              </a:solidFill>
+            </a:endParaRPr>
+          </a:p>
+          <a:p>
+            <a:pPr marL="960120" lvl="1" indent="-457200">
+              <a:buFont typeface="+mj-lt"/>
+              <a:buAutoNum type="arabicPeriod"/>
+            </a:pPr>
+            <a:endParaRPr kumimoji="1" lang="ja-JP" altLang="en-US" dirty="0">
+              <a:solidFill>
+                <a:schemeClr val="accent1">
+                  <a:lumMod val="50000"/>
+                </a:schemeClr>
+              </a:solidFill>
+            </a:endParaRPr>
+          </a:p>
+        </p:txBody>
+      </p:sp>
+      <p:pic>
+        <p:nvPicPr>
+          <p:cNvPr id="4" name="図 3" descr="アイコン&#10;&#10;自動的に生成された説明">
+            <a:extLst>
+              <a:ext uri="{FF2B5EF4-FFF2-40B4-BE49-F238E27FC236}">
+                <a16:creationId xmlns:a16="http://schemas.microsoft.com/office/drawing/2014/main" id="{F80B5929-9B90-4E9C-B9E6-44E443331DB5}"/>
+              </a:ext>
+            </a:extLst>
+          </p:cNvPr>
+          <p:cNvPicPr>
+            <a:picLocks noChangeAspect="1"/>
+          </p:cNvPicPr>
+          <p:nvPr/>
+        </p:nvPicPr>
+        <p:blipFill>
+          <a:blip r:embed="rId2">
+            <a:alphaModFix amt="85000"/>
+            <a:extLst>
+              <a:ext uri="{28A0092B-C50C-407E-A947-70E740481C1C}">
+                <a14:useLocalDpi xmlns:a14="http://schemas.microsoft.com/office/drawing/2010/main" val="0"/>
+              </a:ext>
+            </a:extLst>
+          </a:blip>
+          <a:stretch>
+            <a:fillRect/>
+          </a:stretch>
+        </p:blipFill>
+        <p:spPr>
+          <a:xfrm>
+            <a:off x="9466729" y="5262949"/>
+            <a:ext cx="2725271" cy="1469817"/>
+          </a:xfrm>
+          <a:prstGeom prst="rect">
+            <a:avLst/>
+          </a:prstGeom>
+        </p:spPr>
+      </p:pic>
+    </p:spTree>
+    <p:extLst>
+      <p:ext uri="{BB962C8B-B14F-4D97-AF65-F5344CB8AC3E}">
+        <p14:creationId xmlns:p14="http://schemas.microsoft.com/office/powerpoint/2010/main" val="1904817533"/>
+      </p:ext>
+    </p:extLst>
+  </p:cSld>
+  <p:clrMapOvr>
+    <a:masterClrMapping/>
+  </p:clrMapOvr>
+</p:sld>
+</file>
+
+<file path=ppt/slides/slide20.xml><?xml version="1.0" encoding="utf-8"?>
 <p:sld xmlns:a="http://schemas.openxmlformats.org/drawingml/2006/main" xmlns:r="http://schemas.openxmlformats.org/officeDocument/2006/relationships" xmlns:p="http://schemas.openxmlformats.org/presentationml/2006/main">
   <p:cSld>
     <p:spTree>
@@ -8023,7 +10686,7 @@
 </p:sld>
 </file>
 
-<file path=ppt/slides/slide16.xml><?xml version="1.0" encoding="utf-8"?>
+<file path=ppt/slides/slide21.xml><?xml version="1.0" encoding="utf-8"?>
 <p:sld xmlns:a="http://schemas.openxmlformats.org/drawingml/2006/main" xmlns:r="http://schemas.openxmlformats.org/officeDocument/2006/relationships" xmlns:p="http://schemas.openxmlformats.org/presentationml/2006/main">
   <p:cSld>
     <p:spTree>
@@ -8211,7 +10874,7 @@
 </p:sld>
 </file>
 
-<file path=ppt/slides/slide17.xml><?xml version="1.0" encoding="utf-8"?>
+<file path=ppt/slides/slide22.xml><?xml version="1.0" encoding="utf-8"?>
 <p:sld xmlns:a="http://schemas.openxmlformats.org/drawingml/2006/main" xmlns:r="http://schemas.openxmlformats.org/officeDocument/2006/relationships" xmlns:p="http://schemas.openxmlformats.org/presentationml/2006/main">
   <p:cSld>
     <p:spTree>
@@ -8721,7 +11384,7 @@
 </p:sld>
 </file>
 
-<file path=ppt/slides/slide18.xml><?xml version="1.0" encoding="utf-8"?>
+<file path=ppt/slides/slide23.xml><?xml version="1.0" encoding="utf-8"?>
 <p:sld xmlns:a="http://schemas.openxmlformats.org/drawingml/2006/main" xmlns:r="http://schemas.openxmlformats.org/officeDocument/2006/relationships" xmlns:p="http://schemas.openxmlformats.org/presentationml/2006/main">
   <p:cSld>
     <p:spTree>
@@ -9188,7 +11851,7 @@
 </p:sld>
 </file>
 
-<file path=ppt/slides/slide19.xml><?xml version="1.0" encoding="utf-8"?>
+<file path=ppt/slides/slide24.xml><?xml version="1.0" encoding="utf-8"?>
 <p:sld xmlns:a="http://schemas.openxmlformats.org/drawingml/2006/main" xmlns:r="http://schemas.openxmlformats.org/officeDocument/2006/relationships" xmlns:p="http://schemas.openxmlformats.org/presentationml/2006/main">
   <p:cSld>
     <p:spTree>
@@ -9706,424 +12369,7 @@
 </p:sld>
 </file>
 
-<file path=ppt/slides/slide2.xml><?xml version="1.0" encoding="utf-8"?>
-<p:sld xmlns:a="http://schemas.openxmlformats.org/drawingml/2006/main" xmlns:r="http://schemas.openxmlformats.org/officeDocument/2006/relationships" xmlns:p="http://schemas.openxmlformats.org/presentationml/2006/main">
-  <p:cSld>
-    <p:spTree>
-      <p:nvGrpSpPr>
-        <p:cNvPr id="1" name=""/>
-        <p:cNvGrpSpPr/>
-        <p:nvPr/>
-      </p:nvGrpSpPr>
-      <p:grpSpPr>
-        <a:xfrm>
-          <a:off x="0" y="0"/>
-          <a:ext cx="0" cy="0"/>
-          <a:chOff x="0" y="0"/>
-          <a:chExt cx="0" cy="0"/>
-        </a:xfrm>
-      </p:grpSpPr>
-      <p:sp>
-        <p:nvSpPr>
-          <p:cNvPr id="2" name="タイトル 1">
-            <a:extLst>
-              <a:ext uri="{FF2B5EF4-FFF2-40B4-BE49-F238E27FC236}">
-                <a16:creationId xmlns:a16="http://schemas.microsoft.com/office/drawing/2014/main" id="{11FF109B-1A52-4682-9479-0DCAC48B3C35}"/>
-              </a:ext>
-            </a:extLst>
-          </p:cNvPr>
-          <p:cNvSpPr>
-            <a:spLocks noGrp="1"/>
-          </p:cNvSpPr>
-          <p:nvPr>
-            <p:ph type="title"/>
-          </p:nvPr>
-        </p:nvSpPr>
-        <p:spPr/>
-        <p:txBody>
-          <a:bodyPr/>
-          <a:lstStyle/>
-          <a:p>
-            <a:r>
-              <a:rPr kumimoji="1" lang="en-US" altLang="ja-JP" dirty="0"/>
-              <a:t>Agenda</a:t>
-            </a:r>
-            <a:endParaRPr kumimoji="1" lang="ja-JP" altLang="en-US" dirty="0"/>
-          </a:p>
-        </p:txBody>
-      </p:sp>
-      <p:sp>
-        <p:nvSpPr>
-          <p:cNvPr id="3" name="コンテンツ プレースホルダー 2">
-            <a:extLst>
-              <a:ext uri="{FF2B5EF4-FFF2-40B4-BE49-F238E27FC236}">
-                <a16:creationId xmlns:a16="http://schemas.microsoft.com/office/drawing/2014/main" id="{E23551B5-FD73-4043-9D9D-F069178EC83A}"/>
-              </a:ext>
-            </a:extLst>
-          </p:cNvPr>
-          <p:cNvSpPr>
-            <a:spLocks noGrp="1"/>
-          </p:cNvSpPr>
-          <p:nvPr>
-            <p:ph idx="1"/>
-          </p:nvPr>
-        </p:nvSpPr>
-        <p:spPr/>
-        <p:txBody>
-          <a:bodyPr/>
-          <a:lstStyle/>
-          <a:p>
-            <a:pPr marL="457200" indent="-457200">
-              <a:buFont typeface="+mj-lt"/>
-              <a:buAutoNum type="arabicPeriod"/>
-            </a:pPr>
-            <a:r>
-              <a:rPr kumimoji="1" lang="ja-JP" altLang="en-US" dirty="0">
-                <a:solidFill>
-                  <a:schemeClr val="accent1">
-                    <a:lumMod val="50000"/>
-                  </a:schemeClr>
-                </a:solidFill>
-              </a:rPr>
-              <a:t>プロダクトの成果</a:t>
-            </a:r>
-            <a:endParaRPr lang="en-US" altLang="ja-JP" dirty="0">
-              <a:solidFill>
-                <a:schemeClr val="accent1">
-                  <a:lumMod val="50000"/>
-                </a:schemeClr>
-              </a:solidFill>
-            </a:endParaRPr>
-          </a:p>
-          <a:p>
-            <a:pPr marL="960120" lvl="1" indent="-457200">
-              <a:buFont typeface="+mj-lt"/>
-              <a:buAutoNum type="arabicPeriod"/>
-            </a:pPr>
-            <a:r>
-              <a:rPr lang="ja-JP" altLang="en-US" dirty="0">
-                <a:solidFill>
-                  <a:schemeClr val="accent1">
-                    <a:lumMod val="50000"/>
-                  </a:schemeClr>
-                </a:solidFill>
-              </a:rPr>
-              <a:t>製品化に至ったきっかけ</a:t>
-            </a:r>
-            <a:endParaRPr lang="en-US" altLang="ja-JP" dirty="0">
-              <a:solidFill>
-                <a:schemeClr val="accent1">
-                  <a:lumMod val="50000"/>
-                </a:schemeClr>
-              </a:solidFill>
-            </a:endParaRPr>
-          </a:p>
-          <a:p>
-            <a:pPr marL="960120" lvl="1" indent="-457200">
-              <a:buFont typeface="+mj-lt"/>
-              <a:buAutoNum type="arabicPeriod"/>
-            </a:pPr>
-            <a:r>
-              <a:rPr kumimoji="1" lang="en-US" altLang="ja-JP" dirty="0">
-                <a:solidFill>
-                  <a:schemeClr val="accent1">
-                    <a:lumMod val="50000"/>
-                  </a:schemeClr>
-                </a:solidFill>
-              </a:rPr>
-              <a:t>Qbox</a:t>
-            </a:r>
-            <a:r>
-              <a:rPr kumimoji="1" lang="ja-JP" altLang="en-US" dirty="0">
-                <a:solidFill>
-                  <a:schemeClr val="accent1">
-                    <a:lumMod val="50000"/>
-                  </a:schemeClr>
-                </a:solidFill>
-              </a:rPr>
-              <a:t>とは</a:t>
-            </a:r>
-            <a:endParaRPr kumimoji="1" lang="en-US" altLang="ja-JP" dirty="0">
-              <a:solidFill>
-                <a:schemeClr val="accent1">
-                  <a:lumMod val="50000"/>
-                </a:schemeClr>
-              </a:solidFill>
-            </a:endParaRPr>
-          </a:p>
-          <a:p>
-            <a:pPr marL="960120" lvl="1" indent="-457200">
-              <a:buFont typeface="+mj-lt"/>
-              <a:buAutoNum type="arabicPeriod"/>
-            </a:pPr>
-            <a:r>
-              <a:rPr kumimoji="1" lang="ja-JP" altLang="en-US" dirty="0">
-                <a:solidFill>
-                  <a:schemeClr val="accent1">
-                    <a:lumMod val="50000"/>
-                  </a:schemeClr>
-                </a:solidFill>
-              </a:rPr>
-              <a:t>想定ユーザにとってのメリット</a:t>
-            </a:r>
-            <a:endParaRPr lang="en-US" altLang="ja-JP" dirty="0">
-              <a:solidFill>
-                <a:schemeClr val="accent1">
-                  <a:lumMod val="50000"/>
-                </a:schemeClr>
-              </a:solidFill>
-            </a:endParaRPr>
-          </a:p>
-          <a:p>
-            <a:pPr marL="960120" lvl="1" indent="-457200">
-              <a:buFont typeface="+mj-lt"/>
-              <a:buAutoNum type="arabicPeriod"/>
-            </a:pPr>
-            <a:r>
-              <a:rPr kumimoji="1" lang="ja-JP" altLang="en-US" dirty="0">
-                <a:solidFill>
-                  <a:schemeClr val="accent1">
-                    <a:lumMod val="50000"/>
-                  </a:schemeClr>
-                </a:solidFill>
-              </a:rPr>
-              <a:t>システムのコンセプト</a:t>
-            </a:r>
-            <a:endParaRPr kumimoji="1" lang="en-US" altLang="ja-JP" dirty="0">
-              <a:solidFill>
-                <a:schemeClr val="accent1">
-                  <a:lumMod val="50000"/>
-                </a:schemeClr>
-              </a:solidFill>
-            </a:endParaRPr>
-          </a:p>
-          <a:p>
-            <a:pPr marL="960120" lvl="1" indent="-457200">
-              <a:buFont typeface="+mj-lt"/>
-              <a:buAutoNum type="arabicPeriod"/>
-            </a:pPr>
-            <a:r>
-              <a:rPr lang="ja-JP" altLang="en-US" dirty="0">
-                <a:solidFill>
-                  <a:schemeClr val="accent1">
-                    <a:lumMod val="50000"/>
-                  </a:schemeClr>
-                </a:solidFill>
-              </a:rPr>
-              <a:t>デザイン面での工夫点</a:t>
-            </a:r>
-            <a:endParaRPr lang="en-US" altLang="ja-JP" dirty="0">
-              <a:solidFill>
-                <a:schemeClr val="accent1">
-                  <a:lumMod val="50000"/>
-                </a:schemeClr>
-              </a:solidFill>
-            </a:endParaRPr>
-          </a:p>
-          <a:p>
-            <a:pPr marL="960120" lvl="1" indent="-457200">
-              <a:buFont typeface="+mj-lt"/>
-              <a:buAutoNum type="arabicPeriod"/>
-            </a:pPr>
-            <a:r>
-              <a:rPr kumimoji="1" lang="ja-JP" altLang="en-US" dirty="0">
-                <a:solidFill>
-                  <a:schemeClr val="accent1">
-                    <a:lumMod val="50000"/>
-                  </a:schemeClr>
-                </a:solidFill>
-              </a:rPr>
-              <a:t>機能面での工夫点・</a:t>
-            </a:r>
-            <a:r>
-              <a:rPr lang="ja-JP" altLang="en-US" dirty="0">
-                <a:solidFill>
-                  <a:schemeClr val="accent1">
-                    <a:lumMod val="50000"/>
-                  </a:schemeClr>
-                </a:solidFill>
-              </a:rPr>
-              <a:t>デモンストレーション</a:t>
-            </a:r>
-            <a:endParaRPr lang="en-US" altLang="ja-JP" dirty="0">
-              <a:solidFill>
-                <a:schemeClr val="accent1">
-                  <a:lumMod val="50000"/>
-                </a:schemeClr>
-              </a:solidFill>
-            </a:endParaRPr>
-          </a:p>
-          <a:p>
-            <a:pPr marL="960120" lvl="1" indent="-457200">
-              <a:buFont typeface="+mj-lt"/>
-              <a:buAutoNum type="arabicPeriod"/>
-            </a:pPr>
-            <a:endParaRPr kumimoji="1" lang="en-US" altLang="ja-JP" dirty="0">
-              <a:solidFill>
-                <a:schemeClr val="accent1">
-                  <a:lumMod val="50000"/>
-                </a:schemeClr>
-              </a:solidFill>
-            </a:endParaRPr>
-          </a:p>
-          <a:p>
-            <a:pPr marL="457200" indent="-457200">
-              <a:buFont typeface="+mj-lt"/>
-              <a:buAutoNum type="arabicPeriod"/>
-            </a:pPr>
-            <a:r>
-              <a:rPr lang="ja-JP" altLang="en-US" dirty="0">
-                <a:solidFill>
-                  <a:schemeClr val="accent1">
-                    <a:lumMod val="50000"/>
-                  </a:schemeClr>
-                </a:solidFill>
-              </a:rPr>
-              <a:t>研修の成果</a:t>
-            </a:r>
-            <a:endParaRPr lang="en-US" altLang="ja-JP" dirty="0">
-              <a:solidFill>
-                <a:schemeClr val="accent1">
-                  <a:lumMod val="50000"/>
-                </a:schemeClr>
-              </a:solidFill>
-            </a:endParaRPr>
-          </a:p>
-          <a:p>
-            <a:pPr marL="960120" lvl="1" indent="-457200">
-              <a:buFont typeface="+mj-lt"/>
-              <a:buAutoNum type="arabicPeriod"/>
-            </a:pPr>
-            <a:r>
-              <a:rPr kumimoji="1" lang="ja-JP" altLang="en-US" dirty="0">
-                <a:solidFill>
-                  <a:schemeClr val="accent1">
-                    <a:lumMod val="50000"/>
-                  </a:schemeClr>
-                </a:solidFill>
-              </a:rPr>
-              <a:t>チーム目標とその成果</a:t>
-            </a:r>
-            <a:endParaRPr kumimoji="1" lang="en-US" altLang="ja-JP" dirty="0">
-              <a:solidFill>
-                <a:schemeClr val="accent1">
-                  <a:lumMod val="50000"/>
-                </a:schemeClr>
-              </a:solidFill>
-            </a:endParaRPr>
-          </a:p>
-          <a:p>
-            <a:pPr marL="960120" lvl="1" indent="-457200">
-              <a:buFont typeface="+mj-lt"/>
-              <a:buAutoNum type="arabicPeriod"/>
-            </a:pPr>
-            <a:r>
-              <a:rPr lang="ja-JP" altLang="en-US" dirty="0">
-                <a:solidFill>
-                  <a:schemeClr val="accent1">
-                    <a:lumMod val="50000"/>
-                  </a:schemeClr>
-                </a:solidFill>
-              </a:rPr>
-              <a:t>円滑なコミュニケーションのために行った工夫</a:t>
-            </a:r>
-            <a:endParaRPr kumimoji="1" lang="en-US" altLang="ja-JP" dirty="0">
-              <a:solidFill>
-                <a:schemeClr val="accent1">
-                  <a:lumMod val="50000"/>
-                </a:schemeClr>
-              </a:solidFill>
-            </a:endParaRPr>
-          </a:p>
-          <a:p>
-            <a:pPr marL="960120" lvl="1" indent="-457200">
-              <a:buFont typeface="+mj-lt"/>
-              <a:buAutoNum type="arabicPeriod"/>
-            </a:pPr>
-            <a:r>
-              <a:rPr lang="ja-JP" altLang="en-US" dirty="0">
-                <a:solidFill>
-                  <a:schemeClr val="accent1">
-                    <a:lumMod val="50000"/>
-                  </a:schemeClr>
-                </a:solidFill>
-              </a:rPr>
-              <a:t>個人としての成長・課題</a:t>
-            </a:r>
-            <a:endParaRPr lang="en-US" altLang="ja-JP" dirty="0">
-              <a:solidFill>
-                <a:schemeClr val="accent1">
-                  <a:lumMod val="50000"/>
-                </a:schemeClr>
-              </a:solidFill>
-            </a:endParaRPr>
-          </a:p>
-          <a:p>
-            <a:pPr marL="960120" lvl="1" indent="-457200">
-              <a:buFont typeface="+mj-lt"/>
-              <a:buAutoNum type="arabicPeriod"/>
-            </a:pPr>
-            <a:endParaRPr kumimoji="1" lang="ja-JP" altLang="en-US" dirty="0">
-              <a:solidFill>
-                <a:schemeClr val="accent1">
-                  <a:lumMod val="50000"/>
-                </a:schemeClr>
-              </a:solidFill>
-            </a:endParaRPr>
-          </a:p>
-        </p:txBody>
-      </p:sp>
-      <p:pic>
-        <p:nvPicPr>
-          <p:cNvPr id="4" name="図 3" descr="アイコン&#10;&#10;自動的に生成された説明">
-            <a:extLst>
-              <a:ext uri="{FF2B5EF4-FFF2-40B4-BE49-F238E27FC236}">
-                <a16:creationId xmlns:a16="http://schemas.microsoft.com/office/drawing/2014/main" id="{F80B5929-9B90-4E9C-B9E6-44E443331DB5}"/>
-              </a:ext>
-            </a:extLst>
-          </p:cNvPr>
-          <p:cNvPicPr>
-            <a:picLocks noChangeAspect="1"/>
-          </p:cNvPicPr>
-          <p:nvPr/>
-        </p:nvPicPr>
-        <p:blipFill>
-          <a:blip r:embed="rId2">
-            <a:alphaModFix amt="85000"/>
-            <a:extLst>
-              <a:ext uri="{28A0092B-C50C-407E-A947-70E740481C1C}">
-                <a14:useLocalDpi xmlns:a14="http://schemas.microsoft.com/office/drawing/2010/main" val="0"/>
-              </a:ext>
-            </a:extLst>
-          </a:blip>
-          <a:stretch>
-            <a:fillRect/>
-          </a:stretch>
-        </p:blipFill>
-        <p:spPr>
-          <a:xfrm>
-            <a:off x="9466729" y="5262949"/>
-            <a:ext cx="2725271" cy="1469817"/>
-          </a:xfrm>
-          <a:prstGeom prst="rect">
-            <a:avLst/>
-          </a:prstGeom>
-        </p:spPr>
-      </p:pic>
-    </p:spTree>
-    <p:extLst>
-      <p:ext uri="{BB962C8B-B14F-4D97-AF65-F5344CB8AC3E}">
-        <p14:creationId xmlns:p14="http://schemas.microsoft.com/office/powerpoint/2010/main" val="1904817533"/>
-      </p:ext>
-    </p:extLst>
-  </p:cSld>
-  <p:clrMapOvr>
-    <a:masterClrMapping/>
-  </p:clrMapOvr>
-</p:sld>
-</file>
-
-<file path=ppt/slides/slide20.xml><?xml version="1.0" encoding="utf-8"?>
+<file path=ppt/slides/slide25.xml><?xml version="1.0" encoding="utf-8"?>
 <p:sld xmlns:a="http://schemas.openxmlformats.org/drawingml/2006/main" xmlns:r="http://schemas.openxmlformats.org/officeDocument/2006/relationships" xmlns:p="http://schemas.openxmlformats.org/presentationml/2006/main">
   <p:cSld>
     <p:spTree>
@@ -10567,7 +12813,7 @@
 </p:sld>
 </file>
 
-<file path=ppt/slides/slide21.xml><?xml version="1.0" encoding="utf-8"?>
+<file path=ppt/slides/slide26.xml><?xml version="1.0" encoding="utf-8"?>
 <p:sld xmlns:a="http://schemas.openxmlformats.org/drawingml/2006/main" xmlns:r="http://schemas.openxmlformats.org/officeDocument/2006/relationships" xmlns:p="http://schemas.openxmlformats.org/presentationml/2006/main">
   <p:cSld>
     <p:spTree>
@@ -10862,7 +13108,7 @@
 </p:sld>
 </file>
 
-<file path=ppt/slides/slide22.xml><?xml version="1.0" encoding="utf-8"?>
+<file path=ppt/slides/slide27.xml><?xml version="1.0" encoding="utf-8"?>
 <p:sld xmlns:a="http://schemas.openxmlformats.org/drawingml/2006/main" xmlns:r="http://schemas.openxmlformats.org/officeDocument/2006/relationships" xmlns:p="http://schemas.openxmlformats.org/presentationml/2006/main">
   <p:cSld>
     <p:spTree>
@@ -10979,7 +13225,7 @@
 </p:sld>
 </file>
 
-<file path=ppt/slides/slide23.xml><?xml version="1.0" encoding="utf-8"?>
+<file path=ppt/slides/slide28.xml><?xml version="1.0" encoding="utf-8"?>
 <p:sld xmlns:a="http://schemas.openxmlformats.org/drawingml/2006/main" xmlns:r="http://schemas.openxmlformats.org/officeDocument/2006/relationships" xmlns:p="http://schemas.openxmlformats.org/presentationml/2006/main">
   <p:cSld>
     <p:spTree>
@@ -13097,6 +15343,14 @@
 <file path=ppt/slides/slide8.xml><?xml version="1.0" encoding="utf-8"?>
 <p:sld xmlns:a="http://schemas.openxmlformats.org/drawingml/2006/main" xmlns:r="http://schemas.openxmlformats.org/officeDocument/2006/relationships" xmlns:p="http://schemas.openxmlformats.org/presentationml/2006/main">
   <p:cSld>
+    <p:bg>
+      <p:bgPr>
+        <a:solidFill>
+          <a:schemeClr val="bg1"/>
+        </a:solidFill>
+        <a:effectLst/>
+      </p:bgPr>
+    </p:bg>
     <p:spTree>
       <p:nvGrpSpPr>
         <p:cNvPr id="1" name=""/>
@@ -13113,10 +15367,266 @@
       </p:grpSpPr>
       <p:sp>
         <p:nvSpPr>
+          <p:cNvPr id="10" name="Rectangle 9">
+            <a:extLst>
+              <a:ext uri="{FF2B5EF4-FFF2-40B4-BE49-F238E27FC236}">
+                <a16:creationId xmlns:a16="http://schemas.microsoft.com/office/drawing/2014/main" id="{DB8424AB-D56B-4256-866A-5B54DE93C20F}"/>
+              </a:ext>
+              <a:ext uri="{C183D7F6-B498-43B3-948B-1728B52AA6E4}">
+                <adec:decorative xmlns:adec="http://schemas.microsoft.com/office/drawing/2017/decorative" val="1"/>
+              </a:ext>
+            </a:extLst>
+          </p:cNvPr>
+          <p:cNvSpPr>
+            <a:spLocks noGrp="1" noRot="1" noChangeAspect="1" noMove="1" noResize="1" noEditPoints="1" noAdjustHandles="1" noChangeArrowheads="1" noChangeShapeType="1" noTextEdit="1"/>
+          </p:cNvSpPr>
+          <p:nvPr>
+            <p:extLst>
+              <p:ext uri="{386F3935-93C4-4BCD-93E2-E3B085C9AB24}">
+                <p16:designElem xmlns:p16="http://schemas.microsoft.com/office/powerpoint/2015/main" val="1"/>
+              </p:ext>
+            </p:extLst>
+          </p:nvPr>
+        </p:nvSpPr>
+        <p:spPr>
+          <a:xfrm>
+            <a:off x="0" y="761999"/>
+            <a:ext cx="9141619" cy="5334001"/>
+          </a:xfrm>
+          <a:prstGeom prst="rect">
+            <a:avLst/>
+          </a:prstGeom>
+          <a:solidFill>
+            <a:schemeClr val="accent1"/>
+          </a:solidFill>
+          <a:ln>
+            <a:noFill/>
+          </a:ln>
+        </p:spPr>
+        <p:style>
+          <a:lnRef idx="2">
+            <a:schemeClr val="accent1">
+              <a:shade val="50000"/>
+            </a:schemeClr>
+          </a:lnRef>
+          <a:fillRef idx="1">
+            <a:schemeClr val="accent1"/>
+          </a:fillRef>
+          <a:effectRef idx="0">
+            <a:schemeClr val="accent1"/>
+          </a:effectRef>
+          <a:fontRef idx="minor">
+            <a:schemeClr val="lt1"/>
+          </a:fontRef>
+        </p:style>
+      </p:sp>
+      <p:sp>
+        <p:nvSpPr>
+          <p:cNvPr id="12" name="Rectangle 11">
+            <a:extLst>
+              <a:ext uri="{FF2B5EF4-FFF2-40B4-BE49-F238E27FC236}">
+                <a16:creationId xmlns:a16="http://schemas.microsoft.com/office/drawing/2014/main" id="{FC999C28-AD33-4EB7-A5F1-C06D10A5FDF7}"/>
+              </a:ext>
+              <a:ext uri="{C183D7F6-B498-43B3-948B-1728B52AA6E4}">
+                <adec:decorative xmlns:adec="http://schemas.microsoft.com/office/drawing/2017/decorative" val="1"/>
+              </a:ext>
+            </a:extLst>
+          </p:cNvPr>
+          <p:cNvSpPr>
+            <a:spLocks noGrp="1" noRot="1" noChangeAspect="1" noMove="1" noResize="1" noEditPoints="1" noAdjustHandles="1" noChangeArrowheads="1" noChangeShapeType="1" noTextEdit="1"/>
+          </p:cNvSpPr>
+          <p:nvPr>
+            <p:extLst>
+              <p:ext uri="{386F3935-93C4-4BCD-93E2-E3B085C9AB24}">
+                <p16:designElem xmlns:p16="http://schemas.microsoft.com/office/powerpoint/2015/main" val="1"/>
+              </p:ext>
+            </p:extLst>
+          </p:nvPr>
+        </p:nvSpPr>
+        <p:spPr>
+          <a:xfrm>
+            <a:off x="9270263" y="761999"/>
+            <a:ext cx="2925318" cy="5334001"/>
+          </a:xfrm>
+          <a:prstGeom prst="rect">
+            <a:avLst/>
+          </a:prstGeom>
+          <a:solidFill>
+            <a:srgbClr val="C8C8C8">
+              <a:alpha val="49804"/>
+            </a:srgbClr>
+          </a:solidFill>
+          <a:ln>
+            <a:noFill/>
+          </a:ln>
+        </p:spPr>
+        <p:style>
+          <a:lnRef idx="2">
+            <a:schemeClr val="accent1">
+              <a:shade val="50000"/>
+            </a:schemeClr>
+          </a:lnRef>
+          <a:fillRef idx="1">
+            <a:schemeClr val="accent1"/>
+          </a:fillRef>
+          <a:effectRef idx="0">
+            <a:schemeClr val="accent1"/>
+          </a:effectRef>
+          <a:fontRef idx="minor">
+            <a:schemeClr val="lt1"/>
+          </a:fontRef>
+        </p:style>
+      </p:sp>
+      <p:sp useBgFill="1">
+        <p:nvSpPr>
+          <p:cNvPr id="14" name="Rectangle 13">
+            <a:extLst>
+              <a:ext uri="{FF2B5EF4-FFF2-40B4-BE49-F238E27FC236}">
+                <a16:creationId xmlns:a16="http://schemas.microsoft.com/office/drawing/2014/main" id="{9203ABB4-7E2A-4248-9FE7-4A419AFF2F17}"/>
+              </a:ext>
+              <a:ext uri="{C183D7F6-B498-43B3-948B-1728B52AA6E4}">
+                <adec:decorative xmlns:adec="http://schemas.microsoft.com/office/drawing/2017/decorative" val="1"/>
+              </a:ext>
+            </a:extLst>
+          </p:cNvPr>
+          <p:cNvSpPr>
+            <a:spLocks noGrp="1" noRot="1" noChangeAspect="1" noMove="1" noResize="1" noEditPoints="1" noAdjustHandles="1" noChangeArrowheads="1" noChangeShapeType="1" noTextEdit="1"/>
+          </p:cNvSpPr>
+          <p:nvPr>
+            <p:extLst>
+              <p:ext uri="{386F3935-93C4-4BCD-93E2-E3B085C9AB24}">
+                <p16:designElem xmlns:p16="http://schemas.microsoft.com/office/powerpoint/2015/main" val="1"/>
+              </p:ext>
+            </p:extLst>
+          </p:nvPr>
+        </p:nvSpPr>
+        <p:spPr>
+          <a:xfrm>
+            <a:off x="0" y="0"/>
+            <a:ext cx="12191999" cy="6858000"/>
+          </a:xfrm>
+          <a:prstGeom prst="rect">
+            <a:avLst/>
+          </a:prstGeom>
+          <a:ln>
+            <a:noFill/>
+          </a:ln>
+        </p:spPr>
+        <p:style>
+          <a:lnRef idx="2">
+            <a:schemeClr val="accent1">
+              <a:shade val="50000"/>
+            </a:schemeClr>
+          </a:lnRef>
+          <a:fillRef idx="1">
+            <a:schemeClr val="accent1"/>
+          </a:fillRef>
+          <a:effectRef idx="0">
+            <a:schemeClr val="accent1"/>
+          </a:effectRef>
+          <a:fontRef idx="minor">
+            <a:schemeClr val="lt1"/>
+          </a:fontRef>
+        </p:style>
+        <p:txBody>
+          <a:bodyPr rtlCol="0" anchor="ctr"/>
+          <a:lstStyle/>
+          <a:p>
+            <a:pPr marL="0" marR="0" lvl="0" indent="0" algn="ctr" defTabSz="457200" rtl="0" eaLnBrk="1" fontAlgn="auto" latinLnBrk="0" hangingPunct="1">
+              <a:lnSpc>
+                <a:spcPct val="100000"/>
+              </a:lnSpc>
+              <a:spcBef>
+                <a:spcPts val="0"/>
+              </a:spcBef>
+              <a:spcAft>
+                <a:spcPts val="0"/>
+              </a:spcAft>
+              <a:buClrTx/>
+              <a:buSzTx/>
+              <a:buFontTx/>
+              <a:buNone/>
+              <a:tabLst/>
+              <a:defRPr/>
+            </a:pPr>
+            <a:endParaRPr kumimoji="0" lang="en-US" sz="1800" b="0" i="0" u="none" strike="noStrike" kern="1200" cap="none" spc="0" normalizeH="0" baseline="0" noProof="0">
+              <a:ln>
+                <a:noFill/>
+              </a:ln>
+              <a:solidFill>
+                <a:srgbClr val="FFFFFF"/>
+              </a:solidFill>
+              <a:effectLst/>
+              <a:uLnTx/>
+              <a:uFillTx/>
+              <a:latin typeface="Corbel" panose="020B0503020204020204"/>
+              <a:ea typeface="+mn-ea"/>
+              <a:cs typeface="+mn-cs"/>
+            </a:endParaRPr>
+          </a:p>
+        </p:txBody>
+      </p:sp>
+      <p:sp>
+        <p:nvSpPr>
+          <p:cNvPr id="16" name="Rectangle 15">
+            <a:extLst>
+              <a:ext uri="{FF2B5EF4-FFF2-40B4-BE49-F238E27FC236}">
+                <a16:creationId xmlns:a16="http://schemas.microsoft.com/office/drawing/2014/main" id="{3126970D-C1E5-4FB1-84E8-86CB9CED1C80}"/>
+              </a:ext>
+              <a:ext uri="{C183D7F6-B498-43B3-948B-1728B52AA6E4}">
+                <adec:decorative xmlns:adec="http://schemas.microsoft.com/office/drawing/2017/decorative" val="1"/>
+              </a:ext>
+            </a:extLst>
+          </p:cNvPr>
+          <p:cNvSpPr>
+            <a:spLocks noGrp="1" noRot="1" noChangeAspect="1" noMove="1" noResize="1" noEditPoints="1" noAdjustHandles="1" noChangeArrowheads="1" noChangeShapeType="1" noTextEdit="1"/>
+          </p:cNvSpPr>
+          <p:nvPr>
+            <p:extLst>
+              <p:ext uri="{386F3935-93C4-4BCD-93E2-E3B085C9AB24}">
+                <p16:designElem xmlns:p16="http://schemas.microsoft.com/office/powerpoint/2015/main" val="1"/>
+              </p:ext>
+            </p:extLst>
+          </p:nvPr>
+        </p:nvSpPr>
+        <p:spPr>
+          <a:xfrm>
+            <a:off x="0" y="4367639"/>
+            <a:ext cx="11707367" cy="1852186"/>
+          </a:xfrm>
+          <a:prstGeom prst="rect">
+            <a:avLst/>
+          </a:prstGeom>
+          <a:solidFill>
+            <a:schemeClr val="accent1"/>
+          </a:solidFill>
+          <a:ln>
+            <a:noFill/>
+          </a:ln>
+        </p:spPr>
+        <p:style>
+          <a:lnRef idx="2">
+            <a:schemeClr val="accent1">
+              <a:shade val="50000"/>
+            </a:schemeClr>
+          </a:lnRef>
+          <a:fillRef idx="1">
+            <a:schemeClr val="accent1"/>
+          </a:fillRef>
+          <a:effectRef idx="0">
+            <a:schemeClr val="accent1"/>
+          </a:effectRef>
+          <a:fontRef idx="minor">
+            <a:schemeClr val="lt1"/>
+          </a:fontRef>
+        </p:style>
+      </p:sp>
+      <p:sp>
+        <p:nvSpPr>
           <p:cNvPr id="2" name="タイトル 1">
             <a:extLst>
               <a:ext uri="{FF2B5EF4-FFF2-40B4-BE49-F238E27FC236}">
-                <a16:creationId xmlns:a16="http://schemas.microsoft.com/office/drawing/2014/main" id="{11FF109B-1A52-4682-9479-0DCAC48B3C35}"/>
+                <a16:creationId xmlns:a16="http://schemas.microsoft.com/office/drawing/2014/main" id="{B588FAA4-7E96-4FF5-B251-22AD68F3F329}"/>
               </a:ext>
             </a:extLst>
           </p:cNvPr>
@@ -13127,57 +15637,35 @@
             <p:ph type="title"/>
           </p:nvPr>
         </p:nvSpPr>
-        <p:spPr/>
-        <p:txBody>
-          <a:bodyPr/>
+        <p:spPr>
+          <a:xfrm>
+            <a:off x="0" y="5563155"/>
+            <a:ext cx="10210862" cy="1065690"/>
+          </a:xfrm>
+        </p:spPr>
+        <p:txBody>
+          <a:bodyPr vert="horz" lIns="91440" tIns="45720" rIns="91440" bIns="45720" rtlCol="0" anchor="b">
+            <a:normAutofit/>
+          </a:bodyPr>
           <a:lstStyle/>
           <a:p>
             <a:r>
-              <a:rPr kumimoji="1" lang="ja-JP" altLang="en-US" dirty="0"/>
-              <a:t>シンプル</a:t>
-            </a:r>
-            <a:r>
-              <a:rPr lang="ja-JP" altLang="en-US" dirty="0"/>
-              <a:t>さ</a:t>
-            </a:r>
-            <a:endParaRPr kumimoji="1" lang="ja-JP" altLang="en-US" dirty="0"/>
-          </a:p>
-        </p:txBody>
-      </p:sp>
-      <p:sp>
-        <p:nvSpPr>
-          <p:cNvPr id="3" name="コンテンツ プレースホルダー 2">
-            <a:extLst>
-              <a:ext uri="{FF2B5EF4-FFF2-40B4-BE49-F238E27FC236}">
-                <a16:creationId xmlns:a16="http://schemas.microsoft.com/office/drawing/2014/main" id="{E23551B5-FD73-4043-9D9D-F069178EC83A}"/>
-              </a:ext>
-            </a:extLst>
-          </p:cNvPr>
-          <p:cNvSpPr>
-            <a:spLocks noGrp="1"/>
-          </p:cNvSpPr>
-          <p:nvPr>
-            <p:ph idx="1"/>
-          </p:nvPr>
-        </p:nvSpPr>
-        <p:spPr/>
-        <p:txBody>
-          <a:bodyPr/>
-          <a:lstStyle/>
-          <a:p>
-            <a:r>
-              <a:rPr kumimoji="1" lang="ja-JP" altLang="en-US" dirty="0"/>
-              <a:t>デザインのスクリーンショットを貼る</a:t>
-            </a:r>
+              <a:rPr kumimoji="1" lang="ja-JP" altLang="en-US" sz="3200" spc="-100" dirty="0"/>
+              <a:t>シンプルさ</a:t>
+            </a:r>
+            <a:br>
+              <a:rPr kumimoji="1" lang="en-US" altLang="ja-JP" sz="3200" spc="-100" dirty="0"/>
+            </a:br>
+            <a:endParaRPr kumimoji="1" lang="en-US" altLang="ja-JP" sz="3200" spc="-100" dirty="0"/>
           </a:p>
         </p:txBody>
       </p:sp>
       <p:pic>
         <p:nvPicPr>
-          <p:cNvPr id="4" name="図 3" descr="アイコン&#10;&#10;自動的に生成された説明">
+          <p:cNvPr id="4" name="図 3">
             <a:extLst>
               <a:ext uri="{FF2B5EF4-FFF2-40B4-BE49-F238E27FC236}">
-                <a16:creationId xmlns:a16="http://schemas.microsoft.com/office/drawing/2014/main" id="{F80B5929-9B90-4E9C-B9E6-44E443331DB5}"/>
+                <a16:creationId xmlns:a16="http://schemas.microsoft.com/office/drawing/2014/main" id="{D7F04328-32BE-45C7-8259-6C94343AD37B}"/>
               </a:ext>
             </a:extLst>
           </p:cNvPr>
@@ -13187,22 +15675,15 @@
           <p:nvPr/>
         </p:nvPicPr>
         <p:blipFill>
-          <a:blip r:embed="rId3">
-            <a:alphaModFix amt="85000"/>
-            <a:extLst>
-              <a:ext uri="{28A0092B-C50C-407E-A947-70E740481C1C}">
-                <a14:useLocalDpi xmlns:a14="http://schemas.microsoft.com/office/drawing/2010/main" val="0"/>
-              </a:ext>
-            </a:extLst>
-          </a:blip>
+          <a:blip r:embed="rId2"/>
           <a:stretch>
             <a:fillRect/>
           </a:stretch>
         </p:blipFill>
         <p:spPr>
           <a:xfrm>
-            <a:off x="9466729" y="5262949"/>
-            <a:ext cx="2725271" cy="1469817"/>
+            <a:off x="0" y="229155"/>
+            <a:ext cx="12192000" cy="5426600"/>
           </a:xfrm>
           <a:prstGeom prst="rect">
             <a:avLst/>
@@ -13212,7 +15693,7 @@
     </p:spTree>
     <p:extLst>
       <p:ext uri="{BB962C8B-B14F-4D97-AF65-F5344CB8AC3E}">
-        <p14:creationId xmlns:p14="http://schemas.microsoft.com/office/powerpoint/2010/main" val="1493009484"/>
+        <p14:creationId xmlns:p14="http://schemas.microsoft.com/office/powerpoint/2010/main" val="2791418516"/>
       </p:ext>
     </p:extLst>
   </p:cSld>
@@ -13337,14 +15818,6 @@
             <a:pPr lvl="1"/>
             <a:r>
               <a:rPr lang="ja-JP" altLang="en-US" sz="2400" dirty="0"/>
-              <a:t>質問の閲覧回数順に表示</a:t>
-            </a:r>
-            <a:endParaRPr lang="en-US" altLang="ja-JP" sz="2400" dirty="0"/>
-          </a:p>
-          <a:p>
-            <a:pPr lvl="1"/>
-            <a:r>
-              <a:rPr lang="ja-JP" altLang="en-US" sz="2400" dirty="0"/>
               <a:t>解決</a:t>
             </a:r>
             <a:r>
@@ -13354,6 +15827,14 @@
             <a:r>
               <a:rPr lang="ja-JP" altLang="en-US" sz="2400" dirty="0"/>
               <a:t>未解決ラベルによる検索</a:t>
+            </a:r>
+            <a:endParaRPr lang="en-US" altLang="ja-JP" sz="2400" dirty="0"/>
+          </a:p>
+          <a:p>
+            <a:pPr lvl="1"/>
+            <a:r>
+              <a:rPr lang="ja-JP" altLang="en-US" sz="2400" dirty="0"/>
+              <a:t>質問の閲覧回数順に表示</a:t>
             </a:r>
             <a:endParaRPr lang="en-US" altLang="ja-JP" sz="2400" dirty="0"/>
           </a:p>

--- a/発表資料/成果発表　D4チーム.pptx
+++ b/発表資料/成果発表　D4チーム.pptx
@@ -5,7 +5,7 @@
     <p:sldMasterId id="2147483678" r:id="rId1"/>
   </p:sldMasterIdLst>
   <p:notesMasterIdLst>
-    <p:notesMasterId r:id="rId29"/>
+    <p:notesMasterId r:id="rId30"/>
   </p:notesMasterIdLst>
   <p:sldIdLst>
     <p:sldId id="256" r:id="rId2"/>
@@ -33,8 +33,9 @@
     <p:sldId id="278" r:id="rId24"/>
     <p:sldId id="279" r:id="rId25"/>
     <p:sldId id="280" r:id="rId26"/>
-    <p:sldId id="285" r:id="rId27"/>
-    <p:sldId id="284" r:id="rId28"/>
+    <p:sldId id="296" r:id="rId27"/>
+    <p:sldId id="285" r:id="rId28"/>
+    <p:sldId id="284" r:id="rId29"/>
   </p:sldIdLst>
   <p:sldSz cx="12192000" cy="6858000"/>
   <p:notesSz cx="6858000" cy="9144000"/>
@@ -1007,7 +1008,7 @@
           <a:p>
             <a:fld id="{3E09690F-D3E5-4E8F-AD4A-5CFF09FCF1A7}" type="slidenum">
               <a:rPr kumimoji="1" lang="ja-JP" altLang="en-US" smtClean="0"/>
-              <a:t>26</a:t>
+              <a:t>27</a:t>
             </a:fld>
             <a:endParaRPr kumimoji="1" lang="ja-JP" altLang="en-US"/>
           </a:p>
@@ -1091,7 +1092,7 @@
           <a:p>
             <a:fld id="{3E09690F-D3E5-4E8F-AD4A-5CFF09FCF1A7}" type="slidenum">
               <a:rPr kumimoji="1" lang="ja-JP" altLang="en-US" smtClean="0"/>
-              <a:t>27</a:t>
+              <a:t>28</a:t>
             </a:fld>
             <a:endParaRPr kumimoji="1" lang="ja-JP" altLang="en-US"/>
           </a:p>
@@ -7849,14 +7850,10 @@
               <a:buAutoNum type="arabicPeriod"/>
             </a:pPr>
             <a:r>
-              <a:rPr kumimoji="1" lang="ja-JP" altLang="en-US" dirty="0"/>
-              <a:t>チーム目標とその</a:t>
-            </a:r>
-            <a:r>
               <a:rPr lang="ja-JP" altLang="en-US" dirty="0"/>
-              <a:t>成果</a:t>
-            </a:r>
-            <a:endParaRPr kumimoji="1" lang="en-US" altLang="ja-JP" dirty="0"/>
+              <a:t>チーム目標とその成果</a:t>
+            </a:r>
+            <a:endParaRPr lang="en-US" altLang="ja-JP" dirty="0"/>
           </a:p>
           <a:p>
             <a:pPr marL="960120" lvl="1" indent="-457200">
@@ -7865,9 +7862,9 @@
             </a:pPr>
             <a:r>
               <a:rPr lang="ja-JP" altLang="en-US" dirty="0"/>
-              <a:t>円滑なコミュニケーションのために行った工夫</a:t>
-            </a:r>
-            <a:endParaRPr kumimoji="1" lang="en-US" altLang="ja-JP" dirty="0"/>
+              <a:t>円滑なプロジェクト進行のために行った工夫</a:t>
+            </a:r>
+            <a:endParaRPr lang="en-US" altLang="ja-JP" dirty="0"/>
           </a:p>
           <a:p>
             <a:pPr marL="960120" lvl="1" indent="-457200">
@@ -7878,6 +7875,30 @@
               <a:rPr lang="ja-JP" altLang="en-US" dirty="0"/>
               <a:t>個人としての成長・課題</a:t>
             </a:r>
+            <a:endParaRPr lang="en-US" altLang="ja-JP" dirty="0"/>
+          </a:p>
+          <a:p>
+            <a:pPr marL="960120" lvl="1" indent="-457200">
+              <a:buFont typeface="+mj-lt"/>
+              <a:buAutoNum type="arabicPeriod"/>
+            </a:pPr>
+            <a:endParaRPr lang="en-US" altLang="ja-JP" dirty="0"/>
+          </a:p>
+          <a:p>
+            <a:pPr marL="457200" indent="-457200">
+              <a:buFont typeface="+mj-lt"/>
+              <a:buAutoNum type="arabicPeriod"/>
+            </a:pPr>
+            <a:r>
+              <a:rPr lang="ja-JP" altLang="en-US" dirty="0"/>
+              <a:t>まとめ</a:t>
+            </a:r>
+            <a:endParaRPr lang="en-US" altLang="ja-JP" dirty="0"/>
+          </a:p>
+          <a:p>
+            <a:pPr marL="502920" lvl="1" indent="0">
+              <a:buNone/>
+            </a:pPr>
             <a:endParaRPr lang="en-US" altLang="ja-JP" dirty="0"/>
           </a:p>
           <a:p>
@@ -7996,6 +8017,214 @@
                       </p:childTnLst>
                     </p:cTn>
                   </p:par>
+                  <p:par>
+                    <p:cTn id="8" fill="hold">
+                      <p:stCondLst>
+                        <p:cond delay="indefinite"/>
+                      </p:stCondLst>
+                      <p:childTnLst>
+                        <p:par>
+                          <p:cTn id="9" fill="hold">
+                            <p:stCondLst>
+                              <p:cond delay="0"/>
+                            </p:stCondLst>
+                            <p:childTnLst>
+                              <p:par>
+                                <p:cTn id="10" presetID="26" presetClass="emph" presetSubtype="0" fill="hold" nodeType="clickEffect">
+                                  <p:stCondLst>
+                                    <p:cond delay="0"/>
+                                  </p:stCondLst>
+                                  <p:childTnLst>
+                                    <p:animEffect transition="out" filter="fade">
+                                      <p:cBhvr>
+                                        <p:cTn id="11" dur="500" tmFilter="0, 0; .2, .5; .8, .5; 1, 0"/>
+                                        <p:tgtEl>
+                                          <p:spTgt spid="3">
+                                            <p:txEl>
+                                              <p:pRg st="9" end="9"/>
+                                            </p:txEl>
+                                          </p:spTgt>
+                                        </p:tgtEl>
+                                      </p:cBhvr>
+                                    </p:animEffect>
+                                    <p:animScale>
+                                      <p:cBhvr>
+                                        <p:cTn id="12" dur="250" autoRev="1" fill="hold"/>
+                                        <p:tgtEl>
+                                          <p:spTgt spid="3">
+                                            <p:txEl>
+                                              <p:pRg st="9" end="9"/>
+                                            </p:txEl>
+                                          </p:spTgt>
+                                        </p:tgtEl>
+                                      </p:cBhvr>
+                                      <p:by x="105000" y="105000"/>
+                                    </p:animScale>
+                                  </p:childTnLst>
+                                </p:cTn>
+                              </p:par>
+                            </p:childTnLst>
+                          </p:cTn>
+                        </p:par>
+                      </p:childTnLst>
+                    </p:cTn>
+                  </p:par>
+                  <p:par>
+                    <p:cTn id="13" fill="hold">
+                      <p:stCondLst>
+                        <p:cond delay="indefinite"/>
+                      </p:stCondLst>
+                      <p:childTnLst>
+                        <p:par>
+                          <p:cTn id="14" fill="hold">
+                            <p:stCondLst>
+                              <p:cond delay="0"/>
+                            </p:stCondLst>
+                            <p:childTnLst>
+                              <p:par>
+                                <p:cTn id="15" presetID="26" presetClass="emph" presetSubtype="0" fill="hold" nodeType="clickEffect">
+                                  <p:stCondLst>
+                                    <p:cond delay="0"/>
+                                  </p:stCondLst>
+                                  <p:childTnLst>
+                                    <p:animEffect transition="out" filter="fade">
+                                      <p:cBhvr>
+                                        <p:cTn id="16" dur="500" tmFilter="0, 0; .2, .5; .8, .5; 1, 0"/>
+                                        <p:tgtEl>
+                                          <p:spTgt spid="3">
+                                            <p:txEl>
+                                              <p:pRg st="10" end="10"/>
+                                            </p:txEl>
+                                          </p:spTgt>
+                                        </p:tgtEl>
+                                      </p:cBhvr>
+                                    </p:animEffect>
+                                    <p:animScale>
+                                      <p:cBhvr>
+                                        <p:cTn id="17" dur="250" autoRev="1" fill="hold"/>
+                                        <p:tgtEl>
+                                          <p:spTgt spid="3">
+                                            <p:txEl>
+                                              <p:pRg st="10" end="10"/>
+                                            </p:txEl>
+                                          </p:spTgt>
+                                        </p:tgtEl>
+                                      </p:cBhvr>
+                                      <p:by x="105000" y="105000"/>
+                                    </p:animScale>
+                                  </p:childTnLst>
+                                </p:cTn>
+                              </p:par>
+                            </p:childTnLst>
+                          </p:cTn>
+                        </p:par>
+                      </p:childTnLst>
+                    </p:cTn>
+                  </p:par>
+                  <p:par>
+                    <p:cTn id="18" fill="hold">
+                      <p:stCondLst>
+                        <p:cond delay="indefinite"/>
+                      </p:stCondLst>
+                      <p:childTnLst>
+                        <p:par>
+                          <p:cTn id="19" fill="hold">
+                            <p:stCondLst>
+                              <p:cond delay="0"/>
+                            </p:stCondLst>
+                            <p:childTnLst>
+                              <p:par>
+                                <p:cTn id="20" presetID="26" presetClass="emph" presetSubtype="0" fill="hold" nodeType="clickEffect">
+                                  <p:stCondLst>
+                                    <p:cond delay="0"/>
+                                  </p:stCondLst>
+                                  <p:childTnLst>
+                                    <p:animEffect transition="out" filter="fade">
+                                      <p:cBhvr>
+                                        <p:cTn id="21" dur="500" tmFilter="0, 0; .2, .5; .8, .5; 1, 0"/>
+                                        <p:tgtEl>
+                                          <p:spTgt spid="3">
+                                            <p:txEl>
+                                              <p:pRg st="11" end="11"/>
+                                            </p:txEl>
+                                          </p:spTgt>
+                                        </p:tgtEl>
+                                      </p:cBhvr>
+                                    </p:animEffect>
+                                    <p:animScale>
+                                      <p:cBhvr>
+                                        <p:cTn id="22" dur="250" autoRev="1" fill="hold"/>
+                                        <p:tgtEl>
+                                          <p:spTgt spid="3">
+                                            <p:txEl>
+                                              <p:pRg st="11" end="11"/>
+                                            </p:txEl>
+                                          </p:spTgt>
+                                        </p:tgtEl>
+                                      </p:cBhvr>
+                                      <p:by x="105000" y="105000"/>
+                                    </p:animScale>
+                                  </p:childTnLst>
+                                </p:cTn>
+                              </p:par>
+                            </p:childTnLst>
+                          </p:cTn>
+                        </p:par>
+                      </p:childTnLst>
+                    </p:cTn>
+                  </p:par>
+                  <p:par>
+                    <p:cTn id="23" fill="hold">
+                      <p:stCondLst>
+                        <p:cond delay="indefinite"/>
+                      </p:stCondLst>
+                      <p:childTnLst>
+                        <p:par>
+                          <p:cTn id="24" fill="hold">
+                            <p:stCondLst>
+                              <p:cond delay="0"/>
+                            </p:stCondLst>
+                            <p:childTnLst>
+                              <p:par>
+                                <p:cTn id="25" presetID="26" presetClass="emph" presetSubtype="0" fill="hold" nodeType="clickEffect">
+                                  <p:stCondLst>
+                                    <p:cond delay="0"/>
+                                  </p:stCondLst>
+                                  <p:childTnLst>
+                                    <p:animEffect transition="out" filter="fade">
+                                      <p:cBhvr>
+                                        <p:cTn id="26" dur="500" tmFilter="0, 0; .2, .5; .8, .5; 1, 0"/>
+                                        <p:tgtEl>
+                                          <p:spTgt spid="3">
+                                            <p:txEl>
+                                              <p:pRg st="13" end="13"/>
+                                            </p:txEl>
+                                          </p:spTgt>
+                                        </p:tgtEl>
+                                      </p:cBhvr>
+                                    </p:animEffect>
+                                    <p:animScale>
+                                      <p:cBhvr>
+                                        <p:cTn id="27" dur="250" autoRev="1" fill="hold"/>
+                                        <p:tgtEl>
+                                          <p:spTgt spid="3">
+                                            <p:txEl>
+                                              <p:pRg st="13" end="13"/>
+                                            </p:txEl>
+                                          </p:spTgt>
+                                        </p:tgtEl>
+                                      </p:cBhvr>
+                                      <p:by x="105000" y="105000"/>
+                                    </p:animScale>
+                                  </p:childTnLst>
+                                </p:cTn>
+                              </p:par>
+                            </p:childTnLst>
+                          </p:cTn>
+                        </p:par>
+                      </p:childTnLst>
+                    </p:cTn>
+                  </p:par>
                 </p:childTnLst>
               </p:cTn>
               <p:prevCondLst>
@@ -8213,7 +8442,7 @@
                   </a:schemeClr>
                 </a:solidFill>
               </a:rPr>
-              <a:t>進行できている。</a:t>
+              <a:t>進行すること。</a:t>
             </a:r>
             <a:endParaRPr kumimoji="1" lang="en-US" altLang="ja-JP" sz="2800" dirty="0">
               <a:solidFill>
@@ -8339,7 +8568,7 @@
         </p:nvSpPr>
         <p:spPr>
           <a:xfrm>
-            <a:off x="3815575" y="854678"/>
+            <a:off x="3767449" y="868362"/>
             <a:ext cx="7315200" cy="5121275"/>
           </a:xfrm>
           <a:prstGeom prst="roundRect">
@@ -8408,6 +8637,9 @@
             </a:r>
           </a:p>
           <a:p>
+            <a:pPr marL="0" indent="0">
+              <a:buNone/>
+            </a:pPr>
             <a:r>
               <a:rPr kumimoji="1" lang="ja-JP" altLang="en-US" dirty="0">
                 <a:solidFill>
@@ -8429,13 +8661,14 @@
             </a:endParaRPr>
           </a:p>
           <a:p>
-            <a:pPr rtl="0">
+            <a:pPr marL="0" indent="0" rtl="0">
               <a:spcBef>
                 <a:spcPts val="0"/>
               </a:spcBef>
               <a:spcAft>
                 <a:spcPts val="0"/>
               </a:spcAft>
+              <a:buNone/>
             </a:pPr>
             <a:r>
               <a:rPr lang="ja-JP" altLang="en-US" sz="1800" b="0" i="0" u="none" strike="noStrike" dirty="0">
@@ -8474,7 +8707,7 @@
                 <a:effectLst/>
                 <a:latin typeface="Arial" panose="020B0604020202020204" pitchFamily="34" charset="0"/>
               </a:rPr>
-              <a:t>自分の作業の現状や課題点について、当日中に報告できている。</a:t>
+              <a:t>自分の作業の現状や課題点について、チーム内で当日中に報告できている。</a:t>
             </a:r>
             <a:endParaRPr lang="ja-JP" altLang="en-US" b="0" dirty="0">
               <a:solidFill>
@@ -8487,13 +8720,14 @@
             </a:endParaRPr>
           </a:p>
           <a:p>
-            <a:pPr rtl="0">
+            <a:pPr marL="0" indent="0" rtl="0">
               <a:spcBef>
                 <a:spcPts val="0"/>
               </a:spcBef>
               <a:spcAft>
                 <a:spcPts val="0"/>
               </a:spcAft>
+              <a:buNone/>
             </a:pPr>
             <a:r>
               <a:rPr lang="ja-JP" altLang="en-US" sz="1800" b="0" i="0" u="none" strike="noStrike" dirty="0">
@@ -8545,13 +8779,14 @@
             </a:endParaRPr>
           </a:p>
           <a:p>
-            <a:pPr rtl="0">
+            <a:pPr marL="0" indent="0" rtl="0">
               <a:spcBef>
                 <a:spcPts val="0"/>
               </a:spcBef>
               <a:spcAft>
                 <a:spcPts val="0"/>
               </a:spcAft>
+              <a:buNone/>
             </a:pPr>
             <a:endParaRPr lang="en-US" altLang="ja-JP" sz="1800" b="0" i="0" u="none" strike="noStrike" dirty="0">
               <a:solidFill>
@@ -8565,13 +8800,14 @@
             </a:endParaRPr>
           </a:p>
           <a:p>
-            <a:pPr rtl="0">
+            <a:pPr marL="0" indent="0" rtl="0">
               <a:spcBef>
                 <a:spcPts val="0"/>
               </a:spcBef>
               <a:spcAft>
                 <a:spcPts val="0"/>
               </a:spcAft>
+              <a:buNone/>
             </a:pPr>
             <a:r>
               <a:rPr lang="ja-JP" altLang="en-US" dirty="0">
@@ -8596,13 +8832,14 @@
             </a:endParaRPr>
           </a:p>
           <a:p>
-            <a:pPr rtl="0">
+            <a:pPr marL="0" indent="0" rtl="0">
               <a:spcBef>
                 <a:spcPts val="0"/>
               </a:spcBef>
               <a:spcAft>
                 <a:spcPts val="0"/>
               </a:spcAft>
+              <a:buNone/>
             </a:pPr>
             <a:r>
               <a:rPr lang="ja-JP" altLang="en-US" sz="1800" b="0" i="0" u="none" strike="noStrike" dirty="0">
@@ -8654,13 +8891,14 @@
             </a:endParaRPr>
           </a:p>
           <a:p>
-            <a:pPr rtl="0">
+            <a:pPr marL="0" indent="0" rtl="0">
               <a:spcBef>
                 <a:spcPts val="0"/>
               </a:spcBef>
               <a:spcAft>
                 <a:spcPts val="0"/>
               </a:spcAft>
+              <a:buNone/>
             </a:pPr>
             <a:r>
               <a:rPr lang="ja-JP" altLang="en-US" sz="1800" b="0" i="0" u="none" strike="noStrike" dirty="0">
@@ -8712,13 +8950,14 @@
             </a:endParaRPr>
           </a:p>
           <a:p>
-            <a:pPr rtl="0">
+            <a:pPr marL="0" indent="0" rtl="0">
               <a:spcBef>
                 <a:spcPts val="0"/>
               </a:spcBef>
               <a:spcAft>
                 <a:spcPts val="300"/>
               </a:spcAft>
+              <a:buNone/>
             </a:pPr>
             <a:r>
               <a:rPr lang="ja-JP" altLang="en-US" sz="1800" b="0" i="0" u="none" strike="noStrike" dirty="0">
@@ -11032,14 +11271,10 @@
               <a:buAutoNum type="arabicPeriod"/>
             </a:pPr>
             <a:r>
-              <a:rPr kumimoji="1" lang="ja-JP" altLang="en-US" dirty="0"/>
-              <a:t>チーム目標とその</a:t>
-            </a:r>
-            <a:r>
               <a:rPr lang="ja-JP" altLang="en-US" dirty="0"/>
-              <a:t>成果</a:t>
-            </a:r>
-            <a:endParaRPr kumimoji="1" lang="en-US" altLang="ja-JP" dirty="0"/>
+              <a:t>チーム目標とその成果</a:t>
+            </a:r>
+            <a:endParaRPr lang="en-US" altLang="ja-JP" dirty="0"/>
           </a:p>
           <a:p>
             <a:pPr marL="960120" lvl="1" indent="-457200">
@@ -11048,9 +11283,9 @@
             </a:pPr>
             <a:r>
               <a:rPr lang="ja-JP" altLang="en-US" dirty="0"/>
-              <a:t>円滑なコミュニケーションのために行った工夫</a:t>
-            </a:r>
-            <a:endParaRPr kumimoji="1" lang="en-US" altLang="ja-JP" dirty="0"/>
+              <a:t>円滑なプロジェクト進行のために行った工夫</a:t>
+            </a:r>
+            <a:endParaRPr lang="en-US" altLang="ja-JP" dirty="0"/>
           </a:p>
           <a:p>
             <a:pPr marL="960120" lvl="1" indent="-457200">
@@ -11060,6 +11295,24 @@
             <a:r>
               <a:rPr lang="ja-JP" altLang="en-US" dirty="0"/>
               <a:t>個人としての成長・課題</a:t>
+            </a:r>
+            <a:endParaRPr lang="en-US" altLang="ja-JP" dirty="0"/>
+          </a:p>
+          <a:p>
+            <a:pPr marL="960120" lvl="1" indent="-457200">
+              <a:buFont typeface="+mj-lt"/>
+              <a:buAutoNum type="arabicPeriod"/>
+            </a:pPr>
+            <a:endParaRPr lang="en-US" altLang="ja-JP" dirty="0"/>
+          </a:p>
+          <a:p>
+            <a:pPr marL="457200" indent="-457200">
+              <a:buFont typeface="+mj-lt"/>
+              <a:buAutoNum type="arabicPeriod"/>
+            </a:pPr>
+            <a:r>
+              <a:rPr lang="ja-JP" altLang="en-US" dirty="0"/>
+              <a:t>まとめ</a:t>
             </a:r>
             <a:endParaRPr lang="en-US" altLang="ja-JP" dirty="0"/>
           </a:p>
@@ -11239,7 +11492,7 @@
         </p:nvSpPr>
         <p:spPr>
           <a:xfrm>
-            <a:off x="0" y="1128408"/>
+            <a:off x="46212" y="1128408"/>
             <a:ext cx="3404681" cy="4601183"/>
           </a:xfrm>
         </p:spPr>
@@ -11295,17 +11548,18 @@
               <a:rPr kumimoji="1" lang="ja-JP" altLang="en-US" sz="2400" dirty="0"/>
               <a:t>進捗管理表の運用</a:t>
             </a:r>
-            <a:endParaRPr kumimoji="1" lang="en-US" altLang="ja-JP" sz="2400" dirty="0"/>
-          </a:p>
-          <a:p>
-            <a:r>
-              <a:rPr kumimoji="1" lang="ja-JP" altLang="en-US" sz="2400" dirty="0"/>
+            <a:endParaRPr lang="en-US" altLang="ja-JP" sz="2400" dirty="0"/>
+          </a:p>
+          <a:p>
+            <a:pPr lvl="1"/>
+            <a:r>
+              <a:rPr kumimoji="1" lang="ja-JP" altLang="en-US" sz="2200" dirty="0"/>
               <a:t>資料のリアルタイム共有</a:t>
             </a:r>
-            <a:endParaRPr kumimoji="1" lang="en-US" altLang="ja-JP" sz="2400" dirty="0"/>
-          </a:p>
-          <a:p>
-            <a:pPr marL="0" indent="0">
+            <a:endParaRPr lang="en-US" altLang="ja-JP" sz="2200" dirty="0"/>
+          </a:p>
+          <a:p>
+            <a:pPr marL="502920" lvl="1" indent="0">
               <a:buNone/>
             </a:pPr>
             <a:r>
@@ -11632,7 +11886,7 @@
                                         <p:tgtEl>
                                           <p:spTgt spid="3">
                                             <p:txEl>
-                                              <p:pRg st="1" end="1"/>
+                                              <p:pRg st="3" end="3"/>
                                             </p:txEl>
                                           </p:spTgt>
                                         </p:tgtEl>
@@ -11647,110 +11901,6 @@
                                     <p:animEffect transition="in" filter="fade">
                                       <p:cBhvr>
                                         <p:cTn id="14" dur="500"/>
-                                        <p:tgtEl>
-                                          <p:spTgt spid="3">
-                                            <p:txEl>
-                                              <p:pRg st="1" end="1"/>
-                                            </p:txEl>
-                                          </p:spTgt>
-                                        </p:tgtEl>
-                                      </p:cBhvr>
-                                    </p:animEffect>
-                                  </p:childTnLst>
-                                </p:cTn>
-                              </p:par>
-                              <p:par>
-                                <p:cTn id="15" presetID="10" presetClass="entr" presetSubtype="0" fill="hold" nodeType="withEffect">
-                                  <p:stCondLst>
-                                    <p:cond delay="0"/>
-                                  </p:stCondLst>
-                                  <p:childTnLst>
-                                    <p:set>
-                                      <p:cBhvr>
-                                        <p:cTn id="16" dur="1" fill="hold">
-                                          <p:stCondLst>
-                                            <p:cond delay="0"/>
-                                          </p:stCondLst>
-                                        </p:cTn>
-                                        <p:tgtEl>
-                                          <p:spTgt spid="3">
-                                            <p:txEl>
-                                              <p:pRg st="2" end="2"/>
-                                            </p:txEl>
-                                          </p:spTgt>
-                                        </p:tgtEl>
-                                        <p:attrNameLst>
-                                          <p:attrName>style.visibility</p:attrName>
-                                        </p:attrNameLst>
-                                      </p:cBhvr>
-                                      <p:to>
-                                        <p:strVal val="visible"/>
-                                      </p:to>
-                                    </p:set>
-                                    <p:animEffect transition="in" filter="fade">
-                                      <p:cBhvr>
-                                        <p:cTn id="17" dur="500"/>
-                                        <p:tgtEl>
-                                          <p:spTgt spid="3">
-                                            <p:txEl>
-                                              <p:pRg st="2" end="2"/>
-                                            </p:txEl>
-                                          </p:spTgt>
-                                        </p:tgtEl>
-                                      </p:cBhvr>
-                                    </p:animEffect>
-                                  </p:childTnLst>
-                                </p:cTn>
-                              </p:par>
-                            </p:childTnLst>
-                          </p:cTn>
-                        </p:par>
-                      </p:childTnLst>
-                    </p:cTn>
-                  </p:par>
-                  <p:par>
-                    <p:cTn id="18" fill="hold">
-                      <p:stCondLst>
-                        <p:cond delay="indefinite"/>
-                      </p:stCondLst>
-                      <p:childTnLst>
-                        <p:par>
-                          <p:cTn id="19" fill="hold">
-                            <p:stCondLst>
-                              <p:cond delay="0"/>
-                            </p:stCondLst>
-                            <p:childTnLst>
-                              <p:par>
-                                <p:cTn id="20" presetID="10" presetClass="entr" presetSubtype="0" fill="hold" nodeType="clickEffect">
-                                  <p:stCondLst>
-                                    <p:cond delay="0"/>
-                                  </p:stCondLst>
-                                  <p:childTnLst>
-                                    <p:set>
-                                      <p:cBhvr>
-                                        <p:cTn id="21" dur="1" fill="hold">
-                                          <p:stCondLst>
-                                            <p:cond delay="0"/>
-                                          </p:stCondLst>
-                                        </p:cTn>
-                                        <p:tgtEl>
-                                          <p:spTgt spid="3">
-                                            <p:txEl>
-                                              <p:pRg st="3" end="3"/>
-                                            </p:txEl>
-                                          </p:spTgt>
-                                        </p:tgtEl>
-                                        <p:attrNameLst>
-                                          <p:attrName>style.visibility</p:attrName>
-                                        </p:attrNameLst>
-                                      </p:cBhvr>
-                                      <p:to>
-                                        <p:strVal val="visible"/>
-                                      </p:to>
-                                    </p:set>
-                                    <p:animEffect transition="in" filter="fade">
-                                      <p:cBhvr>
-                                        <p:cTn id="22" dur="500"/>
                                         <p:tgtEl>
                                           <p:spTgt spid="3">
                                             <p:txEl>
@@ -11770,26 +11920,26 @@
                     </p:cTn>
                   </p:par>
                   <p:par>
-                    <p:cTn id="23" fill="hold">
+                    <p:cTn id="15" fill="hold">
                       <p:stCondLst>
                         <p:cond delay="indefinite"/>
                       </p:stCondLst>
                       <p:childTnLst>
                         <p:par>
-                          <p:cTn id="24" fill="hold">
+                          <p:cTn id="16" fill="hold">
                             <p:stCondLst>
                               <p:cond delay="0"/>
                             </p:stCondLst>
                             <p:childTnLst>
                               <p:par>
-                                <p:cTn id="25" presetID="42" presetClass="entr" presetSubtype="0" fill="hold" nodeType="clickEffect">
+                                <p:cTn id="17" presetID="42" presetClass="entr" presetSubtype="0" fill="hold" nodeType="clickEffect">
                                   <p:stCondLst>
                                     <p:cond delay="0"/>
                                   </p:stCondLst>
                                   <p:childTnLst>
                                     <p:set>
                                       <p:cBhvr>
-                                        <p:cTn id="26" dur="1" fill="hold">
+                                        <p:cTn id="18" dur="1" fill="hold">
                                           <p:stCondLst>
                                             <p:cond delay="0"/>
                                           </p:stCondLst>
@@ -11807,7 +11957,7 @@
                                     </p:set>
                                     <p:animEffect transition="in" filter="fade">
                                       <p:cBhvr>
-                                        <p:cTn id="27" dur="1000"/>
+                                        <p:cTn id="19" dur="1000"/>
                                         <p:tgtEl>
                                           <p:spTgt spid="6"/>
                                         </p:tgtEl>
@@ -11815,7 +11965,7 @@
                                     </p:animEffect>
                                     <p:anim calcmode="lin" valueType="num">
                                       <p:cBhvr>
-                                        <p:cTn id="28" dur="1000" fill="hold"/>
+                                        <p:cTn id="20" dur="1000" fill="hold"/>
                                         <p:tgtEl>
                                           <p:spTgt spid="6"/>
                                         </p:tgtEl>
@@ -11838,7 +11988,7 @@
                                     </p:anim>
                                     <p:anim calcmode="lin" valueType="num">
                                       <p:cBhvr>
-                                        <p:cTn id="29" dur="1000" fill="hold"/>
+                                        <p:cTn id="21" dur="1000" fill="hold"/>
                                         <p:tgtEl>
                                           <p:spTgt spid="6"/>
                                         </p:tgtEl>
@@ -11869,26 +12019,26 @@
                     </p:cTn>
                   </p:par>
                   <p:par>
-                    <p:cTn id="30" fill="hold">
+                    <p:cTn id="22" fill="hold">
                       <p:stCondLst>
                         <p:cond delay="indefinite"/>
                       </p:stCondLst>
                       <p:childTnLst>
                         <p:par>
-                          <p:cTn id="31" fill="hold">
+                          <p:cTn id="23" fill="hold">
                             <p:stCondLst>
                               <p:cond delay="0"/>
                             </p:stCondLst>
                             <p:childTnLst>
                               <p:par>
-                                <p:cTn id="32" presetID="10" presetClass="entr" presetSubtype="0" fill="hold" nodeType="clickEffect">
+                                <p:cTn id="24" presetID="10" presetClass="entr" presetSubtype="0" fill="hold" nodeType="clickEffect">
                                   <p:stCondLst>
                                     <p:cond delay="0"/>
                                   </p:stCondLst>
                                   <p:childTnLst>
                                     <p:set>
                                       <p:cBhvr>
-                                        <p:cTn id="33" dur="1" fill="hold">
+                                        <p:cTn id="25" dur="1" fill="hold">
                                           <p:stCondLst>
                                             <p:cond delay="0"/>
                                           </p:stCondLst>
@@ -11910,7 +12060,7 @@
                                     </p:set>
                                     <p:animEffect transition="in" filter="fade">
                                       <p:cBhvr>
-                                        <p:cTn id="34" dur="500"/>
+                                        <p:cTn id="26" dur="500"/>
                                         <p:tgtEl>
                                           <p:spTgt spid="3">
                                             <p:txEl>
@@ -11930,26 +12080,26 @@
                     </p:cTn>
                   </p:par>
                   <p:par>
-                    <p:cTn id="35" fill="hold">
+                    <p:cTn id="27" fill="hold">
                       <p:stCondLst>
                         <p:cond delay="indefinite"/>
                       </p:stCondLst>
                       <p:childTnLst>
                         <p:par>
-                          <p:cTn id="36" fill="hold">
+                          <p:cTn id="28" fill="hold">
                             <p:stCondLst>
                               <p:cond delay="0"/>
                             </p:stCondLst>
                             <p:childTnLst>
                               <p:par>
-                                <p:cTn id="37" presetID="42" presetClass="entr" presetSubtype="0" fill="hold" nodeType="clickEffect">
+                                <p:cTn id="29" presetID="42" presetClass="entr" presetSubtype="0" fill="hold" nodeType="clickEffect">
                                   <p:stCondLst>
                                     <p:cond delay="0"/>
                                   </p:stCondLst>
                                   <p:childTnLst>
                                     <p:set>
                                       <p:cBhvr>
-                                        <p:cTn id="38" dur="1" fill="hold">
+                                        <p:cTn id="30" dur="1" fill="hold">
                                           <p:stCondLst>
                                             <p:cond delay="0"/>
                                           </p:stCondLst>
@@ -11967,7 +12117,7 @@
                                     </p:set>
                                     <p:animEffect transition="in" filter="fade">
                                       <p:cBhvr>
-                                        <p:cTn id="39" dur="1000"/>
+                                        <p:cTn id="31" dur="1000"/>
                                         <p:tgtEl>
                                           <p:spTgt spid="7"/>
                                         </p:tgtEl>
@@ -11975,7 +12125,7 @@
                                     </p:animEffect>
                                     <p:anim calcmode="lin" valueType="num">
                                       <p:cBhvr>
-                                        <p:cTn id="40" dur="1000" fill="hold"/>
+                                        <p:cTn id="32" dur="1000" fill="hold"/>
                                         <p:tgtEl>
                                           <p:spTgt spid="7"/>
                                         </p:tgtEl>
@@ -11998,7 +12148,7 @@
                                     </p:anim>
                                     <p:anim calcmode="lin" valueType="num">
                                       <p:cBhvr>
-                                        <p:cTn id="41" dur="1000" fill="hold"/>
+                                        <p:cTn id="33" dur="1000" fill="hold"/>
                                         <p:tgtEl>
                                           <p:spTgt spid="7"/>
                                         </p:tgtEl>
@@ -15525,6 +15675,373 @@
           <a:lstStyle/>
           <a:p>
             <a:r>
+              <a:rPr kumimoji="1" lang="en-US" altLang="ja-JP" dirty="0"/>
+              <a:t>Agenda</a:t>
+            </a:r>
+            <a:endParaRPr kumimoji="1" lang="ja-JP" altLang="en-US" dirty="0"/>
+          </a:p>
+        </p:txBody>
+      </p:sp>
+      <p:sp>
+        <p:nvSpPr>
+          <p:cNvPr id="3" name="コンテンツ プレースホルダー 2">
+            <a:extLst>
+              <a:ext uri="{FF2B5EF4-FFF2-40B4-BE49-F238E27FC236}">
+                <a16:creationId xmlns:a16="http://schemas.microsoft.com/office/drawing/2014/main" id="{E23551B5-FD73-4043-9D9D-F069178EC83A}"/>
+              </a:ext>
+            </a:extLst>
+          </p:cNvPr>
+          <p:cNvSpPr>
+            <a:spLocks noGrp="1"/>
+          </p:cNvSpPr>
+          <p:nvPr>
+            <p:ph idx="1"/>
+          </p:nvPr>
+        </p:nvSpPr>
+        <p:spPr/>
+        <p:txBody>
+          <a:bodyPr/>
+          <a:lstStyle/>
+          <a:p>
+            <a:pPr marL="457200" indent="-457200">
+              <a:buFont typeface="+mj-lt"/>
+              <a:buAutoNum type="arabicPeriod"/>
+            </a:pPr>
+            <a:r>
+              <a:rPr kumimoji="1" lang="ja-JP" altLang="en-US" dirty="0"/>
+              <a:t>プロダクトの成果</a:t>
+            </a:r>
+            <a:endParaRPr lang="en-US" altLang="ja-JP" dirty="0"/>
+          </a:p>
+          <a:p>
+            <a:pPr marL="960120" lvl="1" indent="-457200">
+              <a:buFont typeface="+mj-lt"/>
+              <a:buAutoNum type="arabicPeriod"/>
+            </a:pPr>
+            <a:r>
+              <a:rPr lang="ja-JP" altLang="en-US" dirty="0"/>
+              <a:t>製品化に至ったきっかけ</a:t>
+            </a:r>
+            <a:endParaRPr lang="en-US" altLang="ja-JP" dirty="0"/>
+          </a:p>
+          <a:p>
+            <a:pPr marL="960120" lvl="1" indent="-457200">
+              <a:buFont typeface="+mj-lt"/>
+              <a:buAutoNum type="arabicPeriod"/>
+            </a:pPr>
+            <a:r>
+              <a:rPr kumimoji="1" lang="en-US" altLang="ja-JP" dirty="0"/>
+              <a:t>Qbox</a:t>
+            </a:r>
+            <a:r>
+              <a:rPr kumimoji="1" lang="ja-JP" altLang="en-US" dirty="0"/>
+              <a:t>とは</a:t>
+            </a:r>
+            <a:endParaRPr kumimoji="1" lang="en-US" altLang="ja-JP" dirty="0"/>
+          </a:p>
+          <a:p>
+            <a:pPr marL="960120" lvl="1" indent="-457200">
+              <a:buFont typeface="+mj-lt"/>
+              <a:buAutoNum type="arabicPeriod"/>
+            </a:pPr>
+            <a:r>
+              <a:rPr kumimoji="1" lang="ja-JP" altLang="en-US" dirty="0"/>
+              <a:t>想定ユーザにとってのメリット</a:t>
+            </a:r>
+            <a:endParaRPr lang="en-US" altLang="ja-JP" dirty="0"/>
+          </a:p>
+          <a:p>
+            <a:pPr marL="960120" lvl="1" indent="-457200">
+              <a:buFont typeface="+mj-lt"/>
+              <a:buAutoNum type="arabicPeriod"/>
+            </a:pPr>
+            <a:r>
+              <a:rPr kumimoji="1" lang="ja-JP" altLang="en-US" dirty="0"/>
+              <a:t>システムのコンセプト</a:t>
+            </a:r>
+            <a:endParaRPr kumimoji="1" lang="en-US" altLang="ja-JP" dirty="0"/>
+          </a:p>
+          <a:p>
+            <a:pPr marL="960120" lvl="1" indent="-457200">
+              <a:buFont typeface="+mj-lt"/>
+              <a:buAutoNum type="arabicPeriod"/>
+            </a:pPr>
+            <a:r>
+              <a:rPr lang="ja-JP" altLang="en-US" dirty="0"/>
+              <a:t>デザイン面での工夫点</a:t>
+            </a:r>
+            <a:endParaRPr lang="en-US" altLang="ja-JP" dirty="0"/>
+          </a:p>
+          <a:p>
+            <a:pPr marL="960120" lvl="1" indent="-457200">
+              <a:buFont typeface="+mj-lt"/>
+              <a:buAutoNum type="arabicPeriod"/>
+            </a:pPr>
+            <a:r>
+              <a:rPr kumimoji="1" lang="ja-JP" altLang="en-US" dirty="0"/>
+              <a:t>機能面での工夫点・</a:t>
+            </a:r>
+            <a:r>
+              <a:rPr lang="ja-JP" altLang="en-US" dirty="0"/>
+              <a:t>デモンストレーション</a:t>
+            </a:r>
+            <a:endParaRPr lang="en-US" altLang="ja-JP" dirty="0"/>
+          </a:p>
+          <a:p>
+            <a:pPr marL="960120" lvl="1" indent="-457200">
+              <a:buFont typeface="+mj-lt"/>
+              <a:buAutoNum type="arabicPeriod"/>
+            </a:pPr>
+            <a:endParaRPr kumimoji="1" lang="en-US" altLang="ja-JP" dirty="0"/>
+          </a:p>
+          <a:p>
+            <a:pPr marL="457200" indent="-457200">
+              <a:buFont typeface="+mj-lt"/>
+              <a:buAutoNum type="arabicPeriod"/>
+            </a:pPr>
+            <a:r>
+              <a:rPr lang="ja-JP" altLang="en-US" dirty="0"/>
+              <a:t>研修の成果</a:t>
+            </a:r>
+            <a:endParaRPr lang="en-US" altLang="ja-JP" dirty="0"/>
+          </a:p>
+          <a:p>
+            <a:pPr marL="960120" lvl="1" indent="-457200">
+              <a:buFont typeface="+mj-lt"/>
+              <a:buAutoNum type="arabicPeriod"/>
+            </a:pPr>
+            <a:r>
+              <a:rPr lang="ja-JP" altLang="en-US" dirty="0"/>
+              <a:t>チーム目標とその成果</a:t>
+            </a:r>
+            <a:endParaRPr lang="en-US" altLang="ja-JP" dirty="0"/>
+          </a:p>
+          <a:p>
+            <a:pPr marL="960120" lvl="1" indent="-457200">
+              <a:buFont typeface="+mj-lt"/>
+              <a:buAutoNum type="arabicPeriod"/>
+            </a:pPr>
+            <a:r>
+              <a:rPr lang="ja-JP" altLang="en-US" dirty="0"/>
+              <a:t>円滑なプロジェクト進行のために行った工夫</a:t>
+            </a:r>
+            <a:endParaRPr lang="en-US" altLang="ja-JP" dirty="0"/>
+          </a:p>
+          <a:p>
+            <a:pPr marL="960120" lvl="1" indent="-457200">
+              <a:buFont typeface="+mj-lt"/>
+              <a:buAutoNum type="arabicPeriod"/>
+            </a:pPr>
+            <a:r>
+              <a:rPr lang="ja-JP" altLang="en-US" dirty="0"/>
+              <a:t>個人としての成長・課題</a:t>
+            </a:r>
+            <a:endParaRPr lang="en-US" altLang="ja-JP" dirty="0"/>
+          </a:p>
+          <a:p>
+            <a:pPr marL="960120" lvl="1" indent="-457200">
+              <a:buFont typeface="+mj-lt"/>
+              <a:buAutoNum type="arabicPeriod"/>
+            </a:pPr>
+            <a:endParaRPr lang="en-US" altLang="ja-JP" dirty="0"/>
+          </a:p>
+          <a:p>
+            <a:pPr marL="457200" indent="-457200">
+              <a:buFont typeface="+mj-lt"/>
+              <a:buAutoNum type="arabicPeriod"/>
+            </a:pPr>
+            <a:r>
+              <a:rPr lang="ja-JP" altLang="en-US" dirty="0"/>
+              <a:t>まとめ</a:t>
+            </a:r>
+            <a:endParaRPr lang="en-US" altLang="ja-JP" dirty="0"/>
+          </a:p>
+          <a:p>
+            <a:pPr marL="502920" lvl="1" indent="0">
+              <a:buNone/>
+            </a:pPr>
+            <a:endParaRPr lang="en-US" altLang="ja-JP" dirty="0"/>
+          </a:p>
+          <a:p>
+            <a:pPr marL="960120" lvl="1" indent="-457200">
+              <a:buFont typeface="+mj-lt"/>
+              <a:buAutoNum type="arabicPeriod"/>
+            </a:pPr>
+            <a:endParaRPr kumimoji="1" lang="ja-JP" altLang="en-US" dirty="0"/>
+          </a:p>
+        </p:txBody>
+      </p:sp>
+      <p:pic>
+        <p:nvPicPr>
+          <p:cNvPr id="4" name="図 3" descr="アイコン&#10;&#10;自動的に生成された説明">
+            <a:extLst>
+              <a:ext uri="{FF2B5EF4-FFF2-40B4-BE49-F238E27FC236}">
+                <a16:creationId xmlns:a16="http://schemas.microsoft.com/office/drawing/2014/main" id="{F80B5929-9B90-4E9C-B9E6-44E443331DB5}"/>
+              </a:ext>
+            </a:extLst>
+          </p:cNvPr>
+          <p:cNvPicPr>
+            <a:picLocks noChangeAspect="1"/>
+          </p:cNvPicPr>
+          <p:nvPr/>
+        </p:nvPicPr>
+        <p:blipFill>
+          <a:blip r:embed="rId2">
+            <a:alphaModFix amt="85000"/>
+            <a:extLst>
+              <a:ext uri="{28A0092B-C50C-407E-A947-70E740481C1C}">
+                <a14:useLocalDpi xmlns:a14="http://schemas.microsoft.com/office/drawing/2010/main" val="0"/>
+              </a:ext>
+            </a:extLst>
+          </a:blip>
+          <a:stretch>
+            <a:fillRect/>
+          </a:stretch>
+        </p:blipFill>
+        <p:spPr>
+          <a:xfrm>
+            <a:off x="9466729" y="5262949"/>
+            <a:ext cx="2725271" cy="1469817"/>
+          </a:xfrm>
+          <a:prstGeom prst="rect">
+            <a:avLst/>
+          </a:prstGeom>
+        </p:spPr>
+      </p:pic>
+    </p:spTree>
+    <p:extLst>
+      <p:ext uri="{BB962C8B-B14F-4D97-AF65-F5344CB8AC3E}">
+        <p14:creationId xmlns:p14="http://schemas.microsoft.com/office/powerpoint/2010/main" val="54468470"/>
+      </p:ext>
+    </p:extLst>
+  </p:cSld>
+  <p:clrMapOvr>
+    <a:masterClrMapping/>
+  </p:clrMapOvr>
+  <p:timing>
+    <p:tnLst>
+      <p:par>
+        <p:cTn id="1" dur="indefinite" restart="never" nodeType="tmRoot">
+          <p:childTnLst>
+            <p:seq concurrent="1" nextAc="seek">
+              <p:cTn id="2" dur="indefinite" nodeType="mainSeq">
+                <p:childTnLst>
+                  <p:par>
+                    <p:cTn id="3" fill="hold">
+                      <p:stCondLst>
+                        <p:cond delay="indefinite"/>
+                      </p:stCondLst>
+                      <p:childTnLst>
+                        <p:par>
+                          <p:cTn id="4" fill="hold">
+                            <p:stCondLst>
+                              <p:cond delay="0"/>
+                            </p:stCondLst>
+                            <p:childTnLst>
+                              <p:par>
+                                <p:cTn id="5" presetID="26" presetClass="emph" presetSubtype="0" fill="hold" nodeType="clickEffect">
+                                  <p:stCondLst>
+                                    <p:cond delay="0"/>
+                                  </p:stCondLst>
+                                  <p:childTnLst>
+                                    <p:animEffect transition="out" filter="fade">
+                                      <p:cBhvr>
+                                        <p:cTn id="6" dur="500" tmFilter="0, 0; .2, .5; .8, .5; 1, 0"/>
+                                        <p:tgtEl>
+                                          <p:spTgt spid="3">
+                                            <p:txEl>
+                                              <p:pRg st="13" end="13"/>
+                                            </p:txEl>
+                                          </p:spTgt>
+                                        </p:tgtEl>
+                                      </p:cBhvr>
+                                    </p:animEffect>
+                                    <p:animScale>
+                                      <p:cBhvr>
+                                        <p:cTn id="7" dur="250" autoRev="1" fill="hold"/>
+                                        <p:tgtEl>
+                                          <p:spTgt spid="3">
+                                            <p:txEl>
+                                              <p:pRg st="13" end="13"/>
+                                            </p:txEl>
+                                          </p:spTgt>
+                                        </p:tgtEl>
+                                      </p:cBhvr>
+                                      <p:by x="105000" y="105000"/>
+                                    </p:animScale>
+                                  </p:childTnLst>
+                                </p:cTn>
+                              </p:par>
+                            </p:childTnLst>
+                          </p:cTn>
+                        </p:par>
+                      </p:childTnLst>
+                    </p:cTn>
+                  </p:par>
+                </p:childTnLst>
+              </p:cTn>
+              <p:prevCondLst>
+                <p:cond evt="onPrev" delay="0">
+                  <p:tgtEl>
+                    <p:sldTgt/>
+                  </p:tgtEl>
+                </p:cond>
+              </p:prevCondLst>
+              <p:nextCondLst>
+                <p:cond evt="onNext" delay="0">
+                  <p:tgtEl>
+                    <p:sldTgt/>
+                  </p:tgtEl>
+                </p:cond>
+              </p:nextCondLst>
+            </p:seq>
+          </p:childTnLst>
+        </p:cTn>
+      </p:par>
+    </p:tnLst>
+  </p:timing>
+</p:sld>
+</file>
+
+<file path=ppt/slides/slide27.xml><?xml version="1.0" encoding="utf-8"?>
+<p:sld xmlns:a="http://schemas.openxmlformats.org/drawingml/2006/main" xmlns:r="http://schemas.openxmlformats.org/officeDocument/2006/relationships" xmlns:p="http://schemas.openxmlformats.org/presentationml/2006/main">
+  <p:cSld>
+    <p:spTree>
+      <p:nvGrpSpPr>
+        <p:cNvPr id="1" name=""/>
+        <p:cNvGrpSpPr/>
+        <p:nvPr/>
+      </p:nvGrpSpPr>
+      <p:grpSpPr>
+        <a:xfrm>
+          <a:off x="0" y="0"/>
+          <a:ext cx="0" cy="0"/>
+          <a:chOff x="0" y="0"/>
+          <a:chExt cx="0" cy="0"/>
+        </a:xfrm>
+      </p:grpSpPr>
+      <p:sp>
+        <p:nvSpPr>
+          <p:cNvPr id="2" name="タイトル 1">
+            <a:extLst>
+              <a:ext uri="{FF2B5EF4-FFF2-40B4-BE49-F238E27FC236}">
+                <a16:creationId xmlns:a16="http://schemas.microsoft.com/office/drawing/2014/main" id="{11FF109B-1A52-4682-9479-0DCAC48B3C35}"/>
+              </a:ext>
+            </a:extLst>
+          </p:cNvPr>
+          <p:cNvSpPr>
+            <a:spLocks noGrp="1"/>
+          </p:cNvSpPr>
+          <p:nvPr>
+            <p:ph type="title"/>
+          </p:nvPr>
+        </p:nvSpPr>
+        <p:spPr/>
+        <p:txBody>
+          <a:bodyPr/>
+          <a:lstStyle/>
+          <a:p>
+            <a:r>
               <a:rPr lang="ja-JP" altLang="en-US" dirty="0"/>
               <a:t>まとめ</a:t>
             </a:r>
@@ -16221,7 +16738,7 @@
 </p:sld>
 </file>
 
-<file path=ppt/slides/slide27.xml><?xml version="1.0" encoding="utf-8"?>
+<file path=ppt/slides/slide28.xml><?xml version="1.0" encoding="utf-8"?>
 <p:sld xmlns:a="http://schemas.openxmlformats.org/drawingml/2006/main" xmlns:r="http://schemas.openxmlformats.org/officeDocument/2006/relationships" xmlns:p="http://schemas.openxmlformats.org/presentationml/2006/main">
   <p:cSld>
     <p:spTree>

--- a/発表資料/成果発表　D4チーム.pptx
+++ b/発表資料/成果発表　D4チーム.pptx
@@ -8017,214 +8017,6 @@
                       </p:childTnLst>
                     </p:cTn>
                   </p:par>
-                  <p:par>
-                    <p:cTn id="8" fill="hold">
-                      <p:stCondLst>
-                        <p:cond delay="indefinite"/>
-                      </p:stCondLst>
-                      <p:childTnLst>
-                        <p:par>
-                          <p:cTn id="9" fill="hold">
-                            <p:stCondLst>
-                              <p:cond delay="0"/>
-                            </p:stCondLst>
-                            <p:childTnLst>
-                              <p:par>
-                                <p:cTn id="10" presetID="26" presetClass="emph" presetSubtype="0" fill="hold" nodeType="clickEffect">
-                                  <p:stCondLst>
-                                    <p:cond delay="0"/>
-                                  </p:stCondLst>
-                                  <p:childTnLst>
-                                    <p:animEffect transition="out" filter="fade">
-                                      <p:cBhvr>
-                                        <p:cTn id="11" dur="500" tmFilter="0, 0; .2, .5; .8, .5; 1, 0"/>
-                                        <p:tgtEl>
-                                          <p:spTgt spid="3">
-                                            <p:txEl>
-                                              <p:pRg st="9" end="9"/>
-                                            </p:txEl>
-                                          </p:spTgt>
-                                        </p:tgtEl>
-                                      </p:cBhvr>
-                                    </p:animEffect>
-                                    <p:animScale>
-                                      <p:cBhvr>
-                                        <p:cTn id="12" dur="250" autoRev="1" fill="hold"/>
-                                        <p:tgtEl>
-                                          <p:spTgt spid="3">
-                                            <p:txEl>
-                                              <p:pRg st="9" end="9"/>
-                                            </p:txEl>
-                                          </p:spTgt>
-                                        </p:tgtEl>
-                                      </p:cBhvr>
-                                      <p:by x="105000" y="105000"/>
-                                    </p:animScale>
-                                  </p:childTnLst>
-                                </p:cTn>
-                              </p:par>
-                            </p:childTnLst>
-                          </p:cTn>
-                        </p:par>
-                      </p:childTnLst>
-                    </p:cTn>
-                  </p:par>
-                  <p:par>
-                    <p:cTn id="13" fill="hold">
-                      <p:stCondLst>
-                        <p:cond delay="indefinite"/>
-                      </p:stCondLst>
-                      <p:childTnLst>
-                        <p:par>
-                          <p:cTn id="14" fill="hold">
-                            <p:stCondLst>
-                              <p:cond delay="0"/>
-                            </p:stCondLst>
-                            <p:childTnLst>
-                              <p:par>
-                                <p:cTn id="15" presetID="26" presetClass="emph" presetSubtype="0" fill="hold" nodeType="clickEffect">
-                                  <p:stCondLst>
-                                    <p:cond delay="0"/>
-                                  </p:stCondLst>
-                                  <p:childTnLst>
-                                    <p:animEffect transition="out" filter="fade">
-                                      <p:cBhvr>
-                                        <p:cTn id="16" dur="500" tmFilter="0, 0; .2, .5; .8, .5; 1, 0"/>
-                                        <p:tgtEl>
-                                          <p:spTgt spid="3">
-                                            <p:txEl>
-                                              <p:pRg st="10" end="10"/>
-                                            </p:txEl>
-                                          </p:spTgt>
-                                        </p:tgtEl>
-                                      </p:cBhvr>
-                                    </p:animEffect>
-                                    <p:animScale>
-                                      <p:cBhvr>
-                                        <p:cTn id="17" dur="250" autoRev="1" fill="hold"/>
-                                        <p:tgtEl>
-                                          <p:spTgt spid="3">
-                                            <p:txEl>
-                                              <p:pRg st="10" end="10"/>
-                                            </p:txEl>
-                                          </p:spTgt>
-                                        </p:tgtEl>
-                                      </p:cBhvr>
-                                      <p:by x="105000" y="105000"/>
-                                    </p:animScale>
-                                  </p:childTnLst>
-                                </p:cTn>
-                              </p:par>
-                            </p:childTnLst>
-                          </p:cTn>
-                        </p:par>
-                      </p:childTnLst>
-                    </p:cTn>
-                  </p:par>
-                  <p:par>
-                    <p:cTn id="18" fill="hold">
-                      <p:stCondLst>
-                        <p:cond delay="indefinite"/>
-                      </p:stCondLst>
-                      <p:childTnLst>
-                        <p:par>
-                          <p:cTn id="19" fill="hold">
-                            <p:stCondLst>
-                              <p:cond delay="0"/>
-                            </p:stCondLst>
-                            <p:childTnLst>
-                              <p:par>
-                                <p:cTn id="20" presetID="26" presetClass="emph" presetSubtype="0" fill="hold" nodeType="clickEffect">
-                                  <p:stCondLst>
-                                    <p:cond delay="0"/>
-                                  </p:stCondLst>
-                                  <p:childTnLst>
-                                    <p:animEffect transition="out" filter="fade">
-                                      <p:cBhvr>
-                                        <p:cTn id="21" dur="500" tmFilter="0, 0; .2, .5; .8, .5; 1, 0"/>
-                                        <p:tgtEl>
-                                          <p:spTgt spid="3">
-                                            <p:txEl>
-                                              <p:pRg st="11" end="11"/>
-                                            </p:txEl>
-                                          </p:spTgt>
-                                        </p:tgtEl>
-                                      </p:cBhvr>
-                                    </p:animEffect>
-                                    <p:animScale>
-                                      <p:cBhvr>
-                                        <p:cTn id="22" dur="250" autoRev="1" fill="hold"/>
-                                        <p:tgtEl>
-                                          <p:spTgt spid="3">
-                                            <p:txEl>
-                                              <p:pRg st="11" end="11"/>
-                                            </p:txEl>
-                                          </p:spTgt>
-                                        </p:tgtEl>
-                                      </p:cBhvr>
-                                      <p:by x="105000" y="105000"/>
-                                    </p:animScale>
-                                  </p:childTnLst>
-                                </p:cTn>
-                              </p:par>
-                            </p:childTnLst>
-                          </p:cTn>
-                        </p:par>
-                      </p:childTnLst>
-                    </p:cTn>
-                  </p:par>
-                  <p:par>
-                    <p:cTn id="23" fill="hold">
-                      <p:stCondLst>
-                        <p:cond delay="indefinite"/>
-                      </p:stCondLst>
-                      <p:childTnLst>
-                        <p:par>
-                          <p:cTn id="24" fill="hold">
-                            <p:stCondLst>
-                              <p:cond delay="0"/>
-                            </p:stCondLst>
-                            <p:childTnLst>
-                              <p:par>
-                                <p:cTn id="25" presetID="26" presetClass="emph" presetSubtype="0" fill="hold" nodeType="clickEffect">
-                                  <p:stCondLst>
-                                    <p:cond delay="0"/>
-                                  </p:stCondLst>
-                                  <p:childTnLst>
-                                    <p:animEffect transition="out" filter="fade">
-                                      <p:cBhvr>
-                                        <p:cTn id="26" dur="500" tmFilter="0, 0; .2, .5; .8, .5; 1, 0"/>
-                                        <p:tgtEl>
-                                          <p:spTgt spid="3">
-                                            <p:txEl>
-                                              <p:pRg st="13" end="13"/>
-                                            </p:txEl>
-                                          </p:spTgt>
-                                        </p:tgtEl>
-                                      </p:cBhvr>
-                                    </p:animEffect>
-                                    <p:animScale>
-                                      <p:cBhvr>
-                                        <p:cTn id="27" dur="250" autoRev="1" fill="hold"/>
-                                        <p:tgtEl>
-                                          <p:spTgt spid="3">
-                                            <p:txEl>
-                                              <p:pRg st="13" end="13"/>
-                                            </p:txEl>
-                                          </p:spTgt>
-                                        </p:tgtEl>
-                                      </p:cBhvr>
-                                      <p:by x="105000" y="105000"/>
-                                    </p:animScale>
-                                  </p:childTnLst>
-                                </p:cTn>
-                              </p:par>
-                            </p:childTnLst>
-                          </p:cTn>
-                        </p:par>
-                      </p:childTnLst>
-                    </p:cTn>
-                  </p:par>
                 </p:childTnLst>
               </p:cTn>
               <p:prevCondLst>
@@ -8487,6 +8279,475 @@
       </p:grpSpPr>
       <p:sp>
         <p:nvSpPr>
+          <p:cNvPr id="5" name="コンテンツ プレースホルダー 4">
+            <a:extLst>
+              <a:ext uri="{FF2B5EF4-FFF2-40B4-BE49-F238E27FC236}">
+                <a16:creationId xmlns:a16="http://schemas.microsoft.com/office/drawing/2014/main" id="{91B13B31-DBAB-4B5F-9D11-A31993582363}"/>
+              </a:ext>
+            </a:extLst>
+          </p:cNvPr>
+          <p:cNvSpPr>
+            <a:spLocks noGrp="1"/>
+          </p:cNvSpPr>
+          <p:nvPr>
+            <p:ph idx="1"/>
+          </p:nvPr>
+        </p:nvSpPr>
+        <p:spPr>
+          <a:xfrm>
+            <a:off x="3767449" y="868362"/>
+            <a:ext cx="7315200" cy="5121275"/>
+          </a:xfrm>
+          <a:prstGeom prst="roundRect">
+            <a:avLst/>
+          </a:prstGeom>
+          <a:solidFill>
+            <a:schemeClr val="bg1"/>
+          </a:solidFill>
+          <a:ln w="28575"/>
+        </p:spPr>
+        <p:style>
+          <a:lnRef idx="2">
+            <a:schemeClr val="accent1">
+              <a:shade val="50000"/>
+            </a:schemeClr>
+          </a:lnRef>
+          <a:fillRef idx="1">
+            <a:schemeClr val="accent1"/>
+          </a:fillRef>
+          <a:effectRef idx="0">
+            <a:schemeClr val="accent1"/>
+          </a:effectRef>
+          <a:fontRef idx="minor">
+            <a:schemeClr val="lt1"/>
+          </a:fontRef>
+        </p:style>
+        <p:txBody>
+          <a:bodyPr rtlCol="0" anchor="ctr"/>
+          <a:lstStyle/>
+          <a:p>
+            <a:pPr marL="0" indent="0">
+              <a:buNone/>
+            </a:pPr>
+            <a:r>
+              <a:rPr kumimoji="1" lang="en-US" altLang="ja-JP" dirty="0">
+                <a:solidFill>
+                  <a:schemeClr val="tx1">
+                    <a:lumMod val="65000"/>
+                    <a:lumOff val="35000"/>
+                  </a:schemeClr>
+                </a:solidFill>
+              </a:rPr>
+              <a:t>【</a:t>
+            </a:r>
+            <a:r>
+              <a:rPr kumimoji="1" lang="ja-JP" altLang="en-US" dirty="0">
+                <a:solidFill>
+                  <a:schemeClr val="tx1">
+                    <a:lumMod val="65000"/>
+                    <a:lumOff val="35000"/>
+                  </a:schemeClr>
+                </a:solidFill>
+              </a:rPr>
+              <a:t>達成基準</a:t>
+            </a:r>
+            <a:r>
+              <a:rPr kumimoji="1" lang="en-US" altLang="ja-JP" dirty="0">
+                <a:solidFill>
+                  <a:schemeClr val="tx1">
+                    <a:lumMod val="65000"/>
+                    <a:lumOff val="35000"/>
+                  </a:schemeClr>
+                </a:solidFill>
+              </a:rPr>
+              <a:t>】</a:t>
+            </a:r>
+          </a:p>
+          <a:p>
+            <a:pPr marL="0" indent="0">
+              <a:buNone/>
+            </a:pPr>
+            <a:r>
+              <a:rPr kumimoji="1" lang="ja-JP" altLang="en-US" dirty="0">
+                <a:solidFill>
+                  <a:schemeClr val="tx1">
+                    <a:lumMod val="65000"/>
+                    <a:lumOff val="35000"/>
+                  </a:schemeClr>
+                </a:solidFill>
+              </a:rPr>
+              <a:t>＜チームの一員としての主体性＞</a:t>
+            </a:r>
+            <a:endParaRPr kumimoji="1" lang="en-US" altLang="ja-JP" dirty="0">
+              <a:solidFill>
+                <a:schemeClr val="tx1">
+                  <a:lumMod val="65000"/>
+                  <a:lumOff val="35000"/>
+                </a:schemeClr>
+              </a:solidFill>
+            </a:endParaRPr>
+          </a:p>
+          <a:p>
+            <a:pPr marL="0" indent="0" rtl="0">
+              <a:spcBef>
+                <a:spcPts val="0"/>
+              </a:spcBef>
+              <a:spcAft>
+                <a:spcPts val="0"/>
+              </a:spcAft>
+              <a:buNone/>
+            </a:pPr>
+            <a:r>
+              <a:rPr lang="ja-JP" altLang="en-US" sz="1800" b="0" i="0" u="none" strike="noStrike" dirty="0">
+                <a:solidFill>
+                  <a:schemeClr val="tx1">
+                    <a:lumMod val="65000"/>
+                    <a:lumOff val="35000"/>
+                  </a:schemeClr>
+                </a:solidFill>
+                <a:effectLst/>
+                <a:latin typeface="Arial" panose="020B0604020202020204" pitchFamily="34" charset="0"/>
+              </a:rPr>
+              <a:t>①</a:t>
+            </a:r>
+            <a:r>
+              <a:rPr lang="en-US" altLang="ja-JP" sz="1800" b="0" i="0" u="none" strike="noStrike" dirty="0">
+                <a:solidFill>
+                  <a:schemeClr val="tx1">
+                    <a:lumMod val="65000"/>
+                    <a:lumOff val="35000"/>
+                  </a:schemeClr>
+                </a:solidFill>
+                <a:effectLst/>
+                <a:latin typeface="Arial" panose="020B0604020202020204" pitchFamily="34" charset="0"/>
+              </a:rPr>
+              <a:t>-1</a:t>
+            </a:r>
+            <a:r>
+              <a:rPr lang="ja-JP" altLang="en-US" sz="1800" b="0" i="0" u="none" strike="noStrike" dirty="0">
+                <a:solidFill>
+                  <a:schemeClr val="tx1">
+                    <a:lumMod val="65000"/>
+                    <a:lumOff val="35000"/>
+                  </a:schemeClr>
+                </a:solidFill>
+                <a:effectLst/>
+                <a:latin typeface="Arial" panose="020B0604020202020204" pitchFamily="34" charset="0"/>
+              </a:rPr>
+              <a:t>自分の作業の現状や課題点について、チーム内で当日中に報告できている。</a:t>
+            </a:r>
+            <a:endParaRPr lang="ja-JP" altLang="en-US" b="0" dirty="0">
+              <a:solidFill>
+                <a:schemeClr val="tx1">
+                  <a:lumMod val="65000"/>
+                  <a:lumOff val="35000"/>
+                </a:schemeClr>
+              </a:solidFill>
+              <a:effectLst/>
+            </a:endParaRPr>
+          </a:p>
+          <a:p>
+            <a:pPr marL="0" indent="0" rtl="0">
+              <a:spcBef>
+                <a:spcPts val="0"/>
+              </a:spcBef>
+              <a:spcAft>
+                <a:spcPts val="0"/>
+              </a:spcAft>
+              <a:buNone/>
+            </a:pPr>
+            <a:r>
+              <a:rPr lang="ja-JP" altLang="en-US" sz="1800" b="0" i="0" u="none" strike="noStrike" dirty="0">
+                <a:solidFill>
+                  <a:schemeClr val="tx1">
+                    <a:lumMod val="65000"/>
+                    <a:lumOff val="35000"/>
+                  </a:schemeClr>
+                </a:solidFill>
+                <a:effectLst/>
+                <a:latin typeface="Arial" panose="020B0604020202020204" pitchFamily="34" charset="0"/>
+              </a:rPr>
+              <a:t>①</a:t>
+            </a:r>
+            <a:r>
+              <a:rPr lang="en-US" altLang="ja-JP" sz="1800" b="0" i="0" u="none" strike="noStrike" dirty="0">
+                <a:solidFill>
+                  <a:schemeClr val="tx1">
+                    <a:lumMod val="65000"/>
+                    <a:lumOff val="35000"/>
+                  </a:schemeClr>
+                </a:solidFill>
+                <a:effectLst/>
+                <a:latin typeface="Arial" panose="020B0604020202020204" pitchFamily="34" charset="0"/>
+              </a:rPr>
+              <a:t>-2</a:t>
+            </a:r>
+            <a:r>
+              <a:rPr lang="ja-JP" altLang="en-US" sz="1800" b="0" i="0" u="none" strike="noStrike" dirty="0">
+                <a:solidFill>
+                  <a:schemeClr val="tx1">
+                    <a:lumMod val="65000"/>
+                    <a:lumOff val="35000"/>
+                  </a:schemeClr>
+                </a:solidFill>
+                <a:effectLst/>
+                <a:latin typeface="Arial" panose="020B0604020202020204" pitchFamily="34" charset="0"/>
+              </a:rPr>
+              <a:t>プロジェクト全体の進捗状況を全員が把握し、日報にて会社の上司に説明することができる。</a:t>
+            </a:r>
+            <a:endParaRPr lang="ja-JP" altLang="en-US" b="0" dirty="0">
+              <a:solidFill>
+                <a:schemeClr val="tx1">
+                  <a:lumMod val="65000"/>
+                  <a:lumOff val="35000"/>
+                </a:schemeClr>
+              </a:solidFill>
+              <a:effectLst/>
+            </a:endParaRPr>
+          </a:p>
+          <a:p>
+            <a:pPr marL="0" indent="0" rtl="0">
+              <a:spcBef>
+                <a:spcPts val="0"/>
+              </a:spcBef>
+              <a:spcAft>
+                <a:spcPts val="0"/>
+              </a:spcAft>
+              <a:buNone/>
+            </a:pPr>
+            <a:endParaRPr lang="en-US" altLang="ja-JP" sz="1800" b="0" i="0" u="none" strike="noStrike" dirty="0">
+              <a:solidFill>
+                <a:schemeClr val="tx1">
+                  <a:lumMod val="65000"/>
+                  <a:lumOff val="35000"/>
+                </a:schemeClr>
+              </a:solidFill>
+              <a:effectLst/>
+              <a:latin typeface="Arial" panose="020B0604020202020204" pitchFamily="34" charset="0"/>
+            </a:endParaRPr>
+          </a:p>
+          <a:p>
+            <a:pPr marL="0" indent="0" rtl="0">
+              <a:spcBef>
+                <a:spcPts val="0"/>
+              </a:spcBef>
+              <a:spcAft>
+                <a:spcPts val="0"/>
+              </a:spcAft>
+              <a:buNone/>
+            </a:pPr>
+            <a:r>
+              <a:rPr lang="ja-JP" altLang="en-US" dirty="0">
+                <a:solidFill>
+                  <a:schemeClr val="tx1">
+                    <a:lumMod val="65000"/>
+                    <a:lumOff val="35000"/>
+                  </a:schemeClr>
+                </a:solidFill>
+                <a:latin typeface="Arial" panose="020B0604020202020204" pitchFamily="34" charset="0"/>
+              </a:rPr>
+              <a:t>＜各担当としての主体性＞→個人の成果として発表</a:t>
+            </a:r>
+            <a:endParaRPr lang="en-US" altLang="ja-JP" dirty="0">
+              <a:solidFill>
+                <a:schemeClr val="tx1">
+                  <a:lumMod val="65000"/>
+                  <a:lumOff val="35000"/>
+                </a:schemeClr>
+              </a:solidFill>
+              <a:latin typeface="Arial" panose="020B0604020202020204" pitchFamily="34" charset="0"/>
+            </a:endParaRPr>
+          </a:p>
+          <a:p>
+            <a:pPr marL="0" indent="0" rtl="0">
+              <a:spcBef>
+                <a:spcPts val="0"/>
+              </a:spcBef>
+              <a:spcAft>
+                <a:spcPts val="0"/>
+              </a:spcAft>
+              <a:buNone/>
+            </a:pPr>
+            <a:r>
+              <a:rPr lang="ja-JP" altLang="en-US" sz="1800" b="0" i="0" u="none" strike="noStrike" dirty="0">
+                <a:solidFill>
+                  <a:schemeClr val="tx1">
+                    <a:lumMod val="65000"/>
+                    <a:lumOff val="35000"/>
+                  </a:schemeClr>
+                </a:solidFill>
+                <a:effectLst/>
+                <a:latin typeface="Arial" panose="020B0604020202020204" pitchFamily="34" charset="0"/>
+              </a:rPr>
+              <a:t>②</a:t>
+            </a:r>
+            <a:r>
+              <a:rPr lang="en-US" altLang="ja-JP" sz="1800" b="0" i="0" u="none" strike="noStrike" dirty="0">
+                <a:solidFill>
+                  <a:schemeClr val="tx1">
+                    <a:lumMod val="65000"/>
+                    <a:lumOff val="35000"/>
+                  </a:schemeClr>
+                </a:solidFill>
+                <a:effectLst/>
+                <a:latin typeface="Arial" panose="020B0604020202020204" pitchFamily="34" charset="0"/>
+              </a:rPr>
+              <a:t>-1</a:t>
+            </a:r>
+            <a:r>
+              <a:rPr lang="ja-JP" altLang="en-US" sz="1800" b="0" i="0" u="none" strike="noStrike" dirty="0">
+                <a:solidFill>
+                  <a:schemeClr val="tx1">
+                    <a:lumMod val="65000"/>
+                    <a:lumOff val="35000"/>
+                  </a:schemeClr>
+                </a:solidFill>
+                <a:effectLst/>
+                <a:latin typeface="Arial" panose="020B0604020202020204" pitchFamily="34" charset="0"/>
+              </a:rPr>
+              <a:t>自分の役割について説明できる。</a:t>
+            </a:r>
+            <a:endParaRPr lang="ja-JP" altLang="en-US" b="0" dirty="0">
+              <a:solidFill>
+                <a:schemeClr val="tx1">
+                  <a:lumMod val="65000"/>
+                  <a:lumOff val="35000"/>
+                </a:schemeClr>
+              </a:solidFill>
+              <a:effectLst/>
+            </a:endParaRPr>
+          </a:p>
+          <a:p>
+            <a:pPr marL="0" indent="0" rtl="0">
+              <a:spcBef>
+                <a:spcPts val="0"/>
+              </a:spcBef>
+              <a:spcAft>
+                <a:spcPts val="0"/>
+              </a:spcAft>
+              <a:buNone/>
+            </a:pPr>
+            <a:r>
+              <a:rPr lang="ja-JP" altLang="en-US" sz="1800" b="0" i="0" u="none" strike="noStrike" dirty="0">
+                <a:solidFill>
+                  <a:schemeClr val="tx1">
+                    <a:lumMod val="65000"/>
+                    <a:lumOff val="35000"/>
+                  </a:schemeClr>
+                </a:solidFill>
+                <a:effectLst/>
+                <a:latin typeface="Arial" panose="020B0604020202020204" pitchFamily="34" charset="0"/>
+              </a:rPr>
+              <a:t>②</a:t>
+            </a:r>
+            <a:r>
+              <a:rPr lang="en-US" altLang="ja-JP" sz="1800" b="0" i="0" u="none" strike="noStrike" dirty="0">
+                <a:solidFill>
+                  <a:schemeClr val="tx1">
+                    <a:lumMod val="65000"/>
+                    <a:lumOff val="35000"/>
+                  </a:schemeClr>
+                </a:solidFill>
+                <a:effectLst/>
+                <a:latin typeface="Arial" panose="020B0604020202020204" pitchFamily="34" charset="0"/>
+              </a:rPr>
+              <a:t>-2</a:t>
+            </a:r>
+            <a:r>
+              <a:rPr lang="ja-JP" altLang="en-US" sz="1800" b="0" i="0" u="none" strike="noStrike" dirty="0">
+                <a:solidFill>
+                  <a:schemeClr val="tx1">
+                    <a:lumMod val="65000"/>
+                    <a:lumOff val="35000"/>
+                  </a:schemeClr>
+                </a:solidFill>
+                <a:effectLst/>
+                <a:latin typeface="Arial" panose="020B0604020202020204" pitchFamily="34" charset="0"/>
+              </a:rPr>
+              <a:t>自分の担当の仕事を、誰かに指摘されなくても行うことができている。</a:t>
+            </a:r>
+            <a:endParaRPr lang="ja-JP" altLang="en-US" b="0" dirty="0">
+              <a:solidFill>
+                <a:schemeClr val="tx1">
+                  <a:lumMod val="65000"/>
+                  <a:lumOff val="35000"/>
+                </a:schemeClr>
+              </a:solidFill>
+              <a:effectLst/>
+            </a:endParaRPr>
+          </a:p>
+          <a:p>
+            <a:pPr marL="0" indent="0" rtl="0">
+              <a:spcBef>
+                <a:spcPts val="0"/>
+              </a:spcBef>
+              <a:spcAft>
+                <a:spcPts val="300"/>
+              </a:spcAft>
+              <a:buNone/>
+            </a:pPr>
+            <a:r>
+              <a:rPr lang="ja-JP" altLang="en-US" sz="1800" b="0" i="0" u="none" strike="noStrike" dirty="0">
+                <a:solidFill>
+                  <a:schemeClr val="tx1">
+                    <a:lumMod val="65000"/>
+                    <a:lumOff val="35000"/>
+                  </a:schemeClr>
+                </a:solidFill>
+                <a:effectLst/>
+                <a:latin typeface="Arial" panose="020B0604020202020204" pitchFamily="34" charset="0"/>
+              </a:rPr>
+              <a:t>②</a:t>
+            </a:r>
+            <a:r>
+              <a:rPr lang="en-US" altLang="ja-JP" sz="1800" b="0" i="0" u="none" strike="noStrike" dirty="0">
+                <a:solidFill>
+                  <a:schemeClr val="tx1">
+                    <a:lumMod val="65000"/>
+                    <a:lumOff val="35000"/>
+                  </a:schemeClr>
+                </a:solidFill>
+                <a:effectLst/>
+                <a:latin typeface="Arial" panose="020B0604020202020204" pitchFamily="34" charset="0"/>
+              </a:rPr>
+              <a:t>-3</a:t>
+            </a:r>
+            <a:r>
+              <a:rPr lang="ja-JP" altLang="en-US" sz="1800" b="0" i="0" u="none" strike="noStrike" dirty="0">
+                <a:solidFill>
+                  <a:schemeClr val="tx1">
+                    <a:lumMod val="65000"/>
+                    <a:lumOff val="35000"/>
+                  </a:schemeClr>
+                </a:solidFill>
+                <a:effectLst/>
+                <a:latin typeface="Arial" panose="020B0604020202020204" pitchFamily="34" charset="0"/>
+              </a:rPr>
+              <a:t>役割に基づいて主体的に行動した結果について説明できる。</a:t>
+            </a:r>
+            <a:br>
+              <a:rPr lang="ja-JP" altLang="en-US" dirty="0">
+                <a:solidFill>
+                  <a:schemeClr val="tx1">
+                    <a:lumMod val="65000"/>
+                    <a:lumOff val="35000"/>
+                  </a:schemeClr>
+                </a:solidFill>
+              </a:rPr>
+            </a:br>
+            <a:endParaRPr kumimoji="1" lang="ja-JP" altLang="en-US" dirty="0">
+              <a:solidFill>
+                <a:schemeClr val="tx1">
+                  <a:lumMod val="65000"/>
+                  <a:lumOff val="35000"/>
+                </a:schemeClr>
+              </a:solidFill>
+            </a:endParaRPr>
+          </a:p>
+        </p:txBody>
+      </p:sp>
+      <p:sp>
+        <p:nvSpPr>
           <p:cNvPr id="2" name="タイトル 1">
             <a:extLst>
               <a:ext uri="{FF2B5EF4-FFF2-40B4-BE49-F238E27FC236}">
@@ -8552,475 +8813,6 @@
       </p:pic>
       <p:sp>
         <p:nvSpPr>
-          <p:cNvPr id="5" name="コンテンツ プレースホルダー 4">
-            <a:extLst>
-              <a:ext uri="{FF2B5EF4-FFF2-40B4-BE49-F238E27FC236}">
-                <a16:creationId xmlns:a16="http://schemas.microsoft.com/office/drawing/2014/main" id="{91B13B31-DBAB-4B5F-9D11-A31993582363}"/>
-              </a:ext>
-            </a:extLst>
-          </p:cNvPr>
-          <p:cNvSpPr>
-            <a:spLocks noGrp="1"/>
-          </p:cNvSpPr>
-          <p:nvPr>
-            <p:ph idx="1"/>
-          </p:nvPr>
-        </p:nvSpPr>
-        <p:spPr>
-          <a:xfrm>
-            <a:off x="3767449" y="868362"/>
-            <a:ext cx="7315200" cy="5121275"/>
-          </a:xfrm>
-          <a:prstGeom prst="roundRect">
-            <a:avLst/>
-          </a:prstGeom>
-          <a:solidFill>
-            <a:schemeClr val="bg1"/>
-          </a:solidFill>
-          <a:ln w="28575"/>
-        </p:spPr>
-        <p:style>
-          <a:lnRef idx="2">
-            <a:schemeClr val="accent1">
-              <a:shade val="50000"/>
-            </a:schemeClr>
-          </a:lnRef>
-          <a:fillRef idx="1">
-            <a:schemeClr val="accent1"/>
-          </a:fillRef>
-          <a:effectRef idx="0">
-            <a:schemeClr val="accent1"/>
-          </a:effectRef>
-          <a:fontRef idx="minor">
-            <a:schemeClr val="lt1"/>
-          </a:fontRef>
-        </p:style>
-        <p:txBody>
-          <a:bodyPr rtlCol="0" anchor="ctr"/>
-          <a:lstStyle/>
-          <a:p>
-            <a:pPr marL="0" indent="0">
-              <a:buNone/>
-            </a:pPr>
-            <a:r>
-              <a:rPr kumimoji="1" lang="en-US" altLang="ja-JP" dirty="0">
-                <a:solidFill>
-                  <a:schemeClr val="tx1">
-                    <a:lumMod val="65000"/>
-                    <a:lumOff val="35000"/>
-                  </a:schemeClr>
-                </a:solidFill>
-              </a:rPr>
-              <a:t>【</a:t>
-            </a:r>
-            <a:r>
-              <a:rPr kumimoji="1" lang="ja-JP" altLang="en-US" dirty="0">
-                <a:solidFill>
-                  <a:schemeClr val="tx1">
-                    <a:lumMod val="65000"/>
-                    <a:lumOff val="35000"/>
-                  </a:schemeClr>
-                </a:solidFill>
-              </a:rPr>
-              <a:t>達成基準</a:t>
-            </a:r>
-            <a:r>
-              <a:rPr kumimoji="1" lang="en-US" altLang="ja-JP" dirty="0">
-                <a:solidFill>
-                  <a:schemeClr val="tx1">
-                    <a:lumMod val="65000"/>
-                    <a:lumOff val="35000"/>
-                  </a:schemeClr>
-                </a:solidFill>
-              </a:rPr>
-              <a:t>】</a:t>
-            </a:r>
-          </a:p>
-          <a:p>
-            <a:pPr marL="0" indent="0">
-              <a:buNone/>
-            </a:pPr>
-            <a:r>
-              <a:rPr kumimoji="1" lang="ja-JP" altLang="en-US" dirty="0">
-                <a:solidFill>
-                  <a:schemeClr val="tx1">
-                    <a:lumMod val="65000"/>
-                    <a:lumOff val="35000"/>
-                  </a:schemeClr>
-                </a:solidFill>
-              </a:rPr>
-              <a:t>＜チームの一員として＞</a:t>
-            </a:r>
-            <a:endParaRPr kumimoji="1" lang="en-US" altLang="ja-JP" dirty="0">
-              <a:solidFill>
-                <a:schemeClr val="tx1">
-                  <a:lumMod val="65000"/>
-                  <a:lumOff val="35000"/>
-                </a:schemeClr>
-              </a:solidFill>
-            </a:endParaRPr>
-          </a:p>
-          <a:p>
-            <a:pPr marL="0" indent="0" rtl="0">
-              <a:spcBef>
-                <a:spcPts val="0"/>
-              </a:spcBef>
-              <a:spcAft>
-                <a:spcPts val="0"/>
-              </a:spcAft>
-              <a:buNone/>
-            </a:pPr>
-            <a:r>
-              <a:rPr lang="ja-JP" altLang="en-US" sz="1800" b="0" i="0" u="none" strike="noStrike" dirty="0">
-                <a:solidFill>
-                  <a:schemeClr val="tx1">
-                    <a:lumMod val="65000"/>
-                    <a:lumOff val="35000"/>
-                  </a:schemeClr>
-                </a:solidFill>
-                <a:effectLst/>
-                <a:latin typeface="Arial" panose="020B0604020202020204" pitchFamily="34" charset="0"/>
-              </a:rPr>
-              <a:t>①</a:t>
-            </a:r>
-            <a:r>
-              <a:rPr lang="en-US" altLang="ja-JP" sz="1800" b="0" i="0" u="none" strike="noStrike" dirty="0">
-                <a:solidFill>
-                  <a:schemeClr val="tx1">
-                    <a:lumMod val="65000"/>
-                    <a:lumOff val="35000"/>
-                  </a:schemeClr>
-                </a:solidFill>
-                <a:effectLst/>
-                <a:latin typeface="Arial" panose="020B0604020202020204" pitchFamily="34" charset="0"/>
-              </a:rPr>
-              <a:t>-1</a:t>
-            </a:r>
-            <a:r>
-              <a:rPr lang="ja-JP" altLang="en-US" sz="1800" b="0" i="0" u="none" strike="noStrike" dirty="0">
-                <a:solidFill>
-                  <a:schemeClr val="tx1">
-                    <a:lumMod val="65000"/>
-                    <a:lumOff val="35000"/>
-                  </a:schemeClr>
-                </a:solidFill>
-                <a:effectLst/>
-                <a:latin typeface="Arial" panose="020B0604020202020204" pitchFamily="34" charset="0"/>
-              </a:rPr>
-              <a:t>自分の作業の現状や課題点について、チーム内で当日中に報告できている。</a:t>
-            </a:r>
-            <a:endParaRPr lang="ja-JP" altLang="en-US" b="0" dirty="0">
-              <a:solidFill>
-                <a:schemeClr val="tx1">
-                  <a:lumMod val="65000"/>
-                  <a:lumOff val="35000"/>
-                </a:schemeClr>
-              </a:solidFill>
-              <a:effectLst/>
-            </a:endParaRPr>
-          </a:p>
-          <a:p>
-            <a:pPr marL="0" indent="0" rtl="0">
-              <a:spcBef>
-                <a:spcPts val="0"/>
-              </a:spcBef>
-              <a:spcAft>
-                <a:spcPts val="0"/>
-              </a:spcAft>
-              <a:buNone/>
-            </a:pPr>
-            <a:r>
-              <a:rPr lang="ja-JP" altLang="en-US" sz="1800" b="0" i="0" u="none" strike="noStrike" dirty="0">
-                <a:solidFill>
-                  <a:schemeClr val="tx1">
-                    <a:lumMod val="65000"/>
-                    <a:lumOff val="35000"/>
-                  </a:schemeClr>
-                </a:solidFill>
-                <a:effectLst/>
-                <a:latin typeface="Arial" panose="020B0604020202020204" pitchFamily="34" charset="0"/>
-              </a:rPr>
-              <a:t>①</a:t>
-            </a:r>
-            <a:r>
-              <a:rPr lang="en-US" altLang="ja-JP" sz="1800" b="0" i="0" u="none" strike="noStrike" dirty="0">
-                <a:solidFill>
-                  <a:schemeClr val="tx1">
-                    <a:lumMod val="65000"/>
-                    <a:lumOff val="35000"/>
-                  </a:schemeClr>
-                </a:solidFill>
-                <a:effectLst/>
-                <a:latin typeface="Arial" panose="020B0604020202020204" pitchFamily="34" charset="0"/>
-              </a:rPr>
-              <a:t>-2</a:t>
-            </a:r>
-            <a:r>
-              <a:rPr lang="ja-JP" altLang="en-US" sz="1800" b="0" i="0" u="none" strike="noStrike" dirty="0">
-                <a:solidFill>
-                  <a:schemeClr val="tx1">
-                    <a:lumMod val="65000"/>
-                    <a:lumOff val="35000"/>
-                  </a:schemeClr>
-                </a:solidFill>
-                <a:effectLst/>
-                <a:latin typeface="Arial" panose="020B0604020202020204" pitchFamily="34" charset="0"/>
-              </a:rPr>
-              <a:t>プロジェクト全体の進捗状況を全員が把握し、日報にて会社の上司に説明することができる。</a:t>
-            </a:r>
-            <a:endParaRPr lang="ja-JP" altLang="en-US" b="0" dirty="0">
-              <a:solidFill>
-                <a:schemeClr val="tx1">
-                  <a:lumMod val="65000"/>
-                  <a:lumOff val="35000"/>
-                </a:schemeClr>
-              </a:solidFill>
-              <a:effectLst/>
-            </a:endParaRPr>
-          </a:p>
-          <a:p>
-            <a:pPr marL="0" indent="0" rtl="0">
-              <a:spcBef>
-                <a:spcPts val="0"/>
-              </a:spcBef>
-              <a:spcAft>
-                <a:spcPts val="0"/>
-              </a:spcAft>
-              <a:buNone/>
-            </a:pPr>
-            <a:endParaRPr lang="en-US" altLang="ja-JP" sz="1800" b="0" i="0" u="none" strike="noStrike" dirty="0">
-              <a:solidFill>
-                <a:schemeClr val="tx1">
-                  <a:lumMod val="65000"/>
-                  <a:lumOff val="35000"/>
-                </a:schemeClr>
-              </a:solidFill>
-              <a:effectLst/>
-              <a:latin typeface="Arial" panose="020B0604020202020204" pitchFamily="34" charset="0"/>
-            </a:endParaRPr>
-          </a:p>
-          <a:p>
-            <a:pPr marL="0" indent="0" rtl="0">
-              <a:spcBef>
-                <a:spcPts val="0"/>
-              </a:spcBef>
-              <a:spcAft>
-                <a:spcPts val="0"/>
-              </a:spcAft>
-              <a:buNone/>
-            </a:pPr>
-            <a:r>
-              <a:rPr lang="ja-JP" altLang="en-US" dirty="0">
-                <a:solidFill>
-                  <a:schemeClr val="tx1">
-                    <a:lumMod val="65000"/>
-                    <a:lumOff val="35000"/>
-                  </a:schemeClr>
-                </a:solidFill>
-                <a:latin typeface="Arial" panose="020B0604020202020204" pitchFamily="34" charset="0"/>
-              </a:rPr>
-              <a:t>＜各担当としての主体性＞→個人の成果として発表</a:t>
-            </a:r>
-            <a:endParaRPr lang="en-US" altLang="ja-JP" dirty="0">
-              <a:solidFill>
-                <a:schemeClr val="tx1">
-                  <a:lumMod val="65000"/>
-                  <a:lumOff val="35000"/>
-                </a:schemeClr>
-              </a:solidFill>
-              <a:latin typeface="Arial" panose="020B0604020202020204" pitchFamily="34" charset="0"/>
-            </a:endParaRPr>
-          </a:p>
-          <a:p>
-            <a:pPr marL="0" indent="0" rtl="0">
-              <a:spcBef>
-                <a:spcPts val="0"/>
-              </a:spcBef>
-              <a:spcAft>
-                <a:spcPts val="0"/>
-              </a:spcAft>
-              <a:buNone/>
-            </a:pPr>
-            <a:r>
-              <a:rPr lang="ja-JP" altLang="en-US" sz="1800" b="0" i="0" u="none" strike="noStrike" dirty="0">
-                <a:solidFill>
-                  <a:schemeClr val="tx1">
-                    <a:lumMod val="65000"/>
-                    <a:lumOff val="35000"/>
-                  </a:schemeClr>
-                </a:solidFill>
-                <a:effectLst/>
-                <a:latin typeface="Arial" panose="020B0604020202020204" pitchFamily="34" charset="0"/>
-              </a:rPr>
-              <a:t>②</a:t>
-            </a:r>
-            <a:r>
-              <a:rPr lang="en-US" altLang="ja-JP" sz="1800" b="0" i="0" u="none" strike="noStrike" dirty="0">
-                <a:solidFill>
-                  <a:schemeClr val="tx1">
-                    <a:lumMod val="65000"/>
-                    <a:lumOff val="35000"/>
-                  </a:schemeClr>
-                </a:solidFill>
-                <a:effectLst/>
-                <a:latin typeface="Arial" panose="020B0604020202020204" pitchFamily="34" charset="0"/>
-              </a:rPr>
-              <a:t>-1</a:t>
-            </a:r>
-            <a:r>
-              <a:rPr lang="ja-JP" altLang="en-US" sz="1800" b="0" i="0" u="none" strike="noStrike" dirty="0">
-                <a:solidFill>
-                  <a:schemeClr val="tx1">
-                    <a:lumMod val="65000"/>
-                    <a:lumOff val="35000"/>
-                  </a:schemeClr>
-                </a:solidFill>
-                <a:effectLst/>
-                <a:latin typeface="Arial" panose="020B0604020202020204" pitchFamily="34" charset="0"/>
-              </a:rPr>
-              <a:t>自分の役割について説明できる。</a:t>
-            </a:r>
-            <a:endParaRPr lang="ja-JP" altLang="en-US" b="0" dirty="0">
-              <a:solidFill>
-                <a:schemeClr val="tx1">
-                  <a:lumMod val="65000"/>
-                  <a:lumOff val="35000"/>
-                </a:schemeClr>
-              </a:solidFill>
-              <a:effectLst/>
-            </a:endParaRPr>
-          </a:p>
-          <a:p>
-            <a:pPr marL="0" indent="0" rtl="0">
-              <a:spcBef>
-                <a:spcPts val="0"/>
-              </a:spcBef>
-              <a:spcAft>
-                <a:spcPts val="0"/>
-              </a:spcAft>
-              <a:buNone/>
-            </a:pPr>
-            <a:r>
-              <a:rPr lang="ja-JP" altLang="en-US" sz="1800" b="0" i="0" u="none" strike="noStrike" dirty="0">
-                <a:solidFill>
-                  <a:schemeClr val="tx1">
-                    <a:lumMod val="65000"/>
-                    <a:lumOff val="35000"/>
-                  </a:schemeClr>
-                </a:solidFill>
-                <a:effectLst/>
-                <a:latin typeface="Arial" panose="020B0604020202020204" pitchFamily="34" charset="0"/>
-              </a:rPr>
-              <a:t>②</a:t>
-            </a:r>
-            <a:r>
-              <a:rPr lang="en-US" altLang="ja-JP" sz="1800" b="0" i="0" u="none" strike="noStrike" dirty="0">
-                <a:solidFill>
-                  <a:schemeClr val="tx1">
-                    <a:lumMod val="65000"/>
-                    <a:lumOff val="35000"/>
-                  </a:schemeClr>
-                </a:solidFill>
-                <a:effectLst/>
-                <a:latin typeface="Arial" panose="020B0604020202020204" pitchFamily="34" charset="0"/>
-              </a:rPr>
-              <a:t>-2</a:t>
-            </a:r>
-            <a:r>
-              <a:rPr lang="ja-JP" altLang="en-US" sz="1800" b="0" i="0" u="none" strike="noStrike" dirty="0">
-                <a:solidFill>
-                  <a:schemeClr val="tx1">
-                    <a:lumMod val="65000"/>
-                    <a:lumOff val="35000"/>
-                  </a:schemeClr>
-                </a:solidFill>
-                <a:effectLst/>
-                <a:latin typeface="Arial" panose="020B0604020202020204" pitchFamily="34" charset="0"/>
-              </a:rPr>
-              <a:t>自分の担当の仕事を、誰かに指摘されなくても行うことができている。</a:t>
-            </a:r>
-            <a:endParaRPr lang="ja-JP" altLang="en-US" b="0" dirty="0">
-              <a:solidFill>
-                <a:schemeClr val="tx1">
-                  <a:lumMod val="65000"/>
-                  <a:lumOff val="35000"/>
-                </a:schemeClr>
-              </a:solidFill>
-              <a:effectLst/>
-            </a:endParaRPr>
-          </a:p>
-          <a:p>
-            <a:pPr marL="0" indent="0" rtl="0">
-              <a:spcBef>
-                <a:spcPts val="0"/>
-              </a:spcBef>
-              <a:spcAft>
-                <a:spcPts val="300"/>
-              </a:spcAft>
-              <a:buNone/>
-            </a:pPr>
-            <a:r>
-              <a:rPr lang="ja-JP" altLang="en-US" sz="1800" b="0" i="0" u="none" strike="noStrike" dirty="0">
-                <a:solidFill>
-                  <a:schemeClr val="tx1">
-                    <a:lumMod val="65000"/>
-                    <a:lumOff val="35000"/>
-                  </a:schemeClr>
-                </a:solidFill>
-                <a:effectLst/>
-                <a:latin typeface="Arial" panose="020B0604020202020204" pitchFamily="34" charset="0"/>
-              </a:rPr>
-              <a:t>②</a:t>
-            </a:r>
-            <a:r>
-              <a:rPr lang="en-US" altLang="ja-JP" sz="1800" b="0" i="0" u="none" strike="noStrike" dirty="0">
-                <a:solidFill>
-                  <a:schemeClr val="tx1">
-                    <a:lumMod val="65000"/>
-                    <a:lumOff val="35000"/>
-                  </a:schemeClr>
-                </a:solidFill>
-                <a:effectLst/>
-                <a:latin typeface="Arial" panose="020B0604020202020204" pitchFamily="34" charset="0"/>
-              </a:rPr>
-              <a:t>-3</a:t>
-            </a:r>
-            <a:r>
-              <a:rPr lang="ja-JP" altLang="en-US" sz="1800" b="0" i="0" u="none" strike="noStrike" dirty="0">
-                <a:solidFill>
-                  <a:schemeClr val="tx1">
-                    <a:lumMod val="65000"/>
-                    <a:lumOff val="35000"/>
-                  </a:schemeClr>
-                </a:solidFill>
-                <a:effectLst/>
-                <a:latin typeface="Arial" panose="020B0604020202020204" pitchFamily="34" charset="0"/>
-              </a:rPr>
-              <a:t>役割に基づいて主体的に行動した結果について説明できる。</a:t>
-            </a:r>
-            <a:br>
-              <a:rPr lang="ja-JP" altLang="en-US" dirty="0">
-                <a:solidFill>
-                  <a:schemeClr val="tx1">
-                    <a:lumMod val="65000"/>
-                    <a:lumOff val="35000"/>
-                  </a:schemeClr>
-                </a:solidFill>
-              </a:rPr>
-            </a:br>
-            <a:endParaRPr kumimoji="1" lang="ja-JP" altLang="en-US" dirty="0">
-              <a:solidFill>
-                <a:schemeClr val="tx1">
-                  <a:lumMod val="65000"/>
-                  <a:lumOff val="35000"/>
-                </a:schemeClr>
-              </a:solidFill>
-            </a:endParaRPr>
-          </a:p>
-        </p:txBody>
-      </p:sp>
-      <p:sp>
-        <p:nvSpPr>
           <p:cNvPr id="7" name="小波 6">
             <a:extLst>
               <a:ext uri="{FF2B5EF4-FFF2-40B4-BE49-F238E27FC236}">
@@ -9077,7 +8869,7 @@
                   </a:schemeClr>
                 </a:solidFill>
               </a:rPr>
-              <a:t>達成することができた！！</a:t>
+              <a:t>目標達成することができた！！</a:t>
             </a:r>
           </a:p>
         </p:txBody>
@@ -9668,7 +9460,7 @@
                 <a:ea typeface="ＭＳ ゴシック" panose="020B0609070205080204" pitchFamily="49" charset="-128"/>
                 <a:cs typeface="+mn-cs"/>
               </a:rPr>
-              <a:t>で各自自分の担当作業について、現状・問題点を口頭で説明する。</a:t>
+              <a:t>で各自自分の担当作業について、現状・問題点を口頭で説明する時間を設ける。</a:t>
             </a:r>
             <a:endParaRPr kumimoji="1" lang="ja-JP" altLang="en-US" sz="2400" b="0" i="0" u="none" strike="noStrike" kern="1200" cap="none" spc="0" normalizeH="0" baseline="0" noProof="0" dirty="0">
               <a:ln>
@@ -9781,10 +9573,6 @@
               <a:ea typeface="ＭＳ ゴシック" panose="020B0609070205080204" pitchFamily="49" charset="-128"/>
               <a:cs typeface="+mn-cs"/>
             </a:endParaRPr>
-          </a:p>
-          <a:p>
-            <a:pPr algn="ctr"/>
-            <a:endParaRPr kumimoji="1" lang="ja-JP" altLang="en-US" sz="2400" dirty="0"/>
           </a:p>
         </p:txBody>
       </p:sp>
@@ -9942,6 +9730,42 @@
           <a:chExt cx="0" cy="0"/>
         </a:xfrm>
       </p:grpSpPr>
+      <p:pic>
+        <p:nvPicPr>
+          <p:cNvPr id="6" name="図 5" descr="グラフィカル ユーザー インターフェイス, アプリケーション, テーブル&#10;&#10;自動的に生成された説明">
+            <a:extLst>
+              <a:ext uri="{FF2B5EF4-FFF2-40B4-BE49-F238E27FC236}">
+                <a16:creationId xmlns:a16="http://schemas.microsoft.com/office/drawing/2014/main" id="{6DF8CE01-C81D-4382-9B49-7BD3F0FCE571}"/>
+              </a:ext>
+            </a:extLst>
+          </p:cNvPr>
+          <p:cNvPicPr>
+            <a:picLocks noChangeAspect="1"/>
+          </p:cNvPicPr>
+          <p:nvPr/>
+        </p:nvPicPr>
+        <p:blipFill>
+          <a:blip r:embed="rId3">
+            <a:extLst>
+              <a:ext uri="{28A0092B-C50C-407E-A947-70E740481C1C}">
+                <a14:useLocalDpi xmlns:a14="http://schemas.microsoft.com/office/drawing/2010/main" val="0"/>
+              </a:ext>
+            </a:extLst>
+          </a:blip>
+          <a:stretch>
+            <a:fillRect/>
+          </a:stretch>
+        </p:blipFill>
+        <p:spPr>
+          <a:xfrm>
+            <a:off x="3645221" y="2531276"/>
+            <a:ext cx="8045504" cy="4011037"/>
+          </a:xfrm>
+          <a:prstGeom prst="rect">
+            <a:avLst/>
+          </a:prstGeom>
+        </p:spPr>
+      </p:pic>
       <p:sp>
         <p:nvSpPr>
           <p:cNvPr id="2" name="タイトル 1">
@@ -10034,7 +9858,7 @@
           <p:nvPr/>
         </p:nvPicPr>
         <p:blipFill>
-          <a:blip r:embed="rId3">
+          <a:blip r:embed="rId4">
             <a:alphaModFix amt="85000"/>
             <a:extLst>
               <a:ext uri="{28A0092B-C50C-407E-A947-70E740481C1C}">
@@ -10119,38 +9943,7 @@
                 </a:solidFill>
                 <a:latin typeface="Arial" panose="020B0604020202020204" pitchFamily="34" charset="0"/>
               </a:rPr>
-              <a:t>②　振り返りシートにて、課題点と良かった点を各自</a:t>
-            </a:r>
-            <a:endParaRPr kumimoji="1" lang="en-US" altLang="ja-JP" sz="2400" dirty="0">
-              <a:solidFill>
-                <a:srgbClr val="000000">
-                  <a:lumMod val="65000"/>
-                  <a:lumOff val="35000"/>
-                </a:srgbClr>
-              </a:solidFill>
-              <a:latin typeface="Arial" panose="020B0604020202020204" pitchFamily="34" charset="0"/>
-            </a:endParaRPr>
-          </a:p>
-          <a:p>
-            <a:pPr lvl="0" defTabSz="914400">
-              <a:lnSpc>
-                <a:spcPct val="90000"/>
-              </a:lnSpc>
-              <a:buClr>
-                <a:srgbClr val="40BAD2"/>
-              </a:buClr>
-            </a:pPr>
-            <a:r>
-              <a:rPr kumimoji="1" lang="ja-JP" altLang="en-US" sz="2400" dirty="0">
-                <a:solidFill>
-                  <a:srgbClr val="000000">
-                    <a:lumMod val="65000"/>
-                    <a:lumOff val="35000"/>
-                  </a:srgbClr>
-                </a:solidFill>
-                <a:latin typeface="Arial" panose="020B0604020202020204" pitchFamily="34" charset="0"/>
-              </a:rPr>
-              <a:t>記載。翌日改善策を考案し、実行。</a:t>
+              <a:t>②　振り返りシートにて、チームの課題点と良かった点を各自記載。翌日改善策を考案し、実行。</a:t>
             </a:r>
             <a:endParaRPr kumimoji="1" lang="ja-JP" altLang="en-US" sz="2400" b="0" i="0" u="none" strike="noStrike" kern="1200" cap="none" spc="0" normalizeH="0" baseline="0" noProof="0" dirty="0">
               <a:ln>
@@ -10200,7 +9993,9 @@
               <a:gd name="adj3" fmla="val 16667"/>
             </a:avLst>
           </a:prstGeom>
-          <a:noFill/>
+          <a:solidFill>
+            <a:schemeClr val="bg1"/>
+          </a:solidFill>
           <a:ln w="28575">
             <a:solidFill>
               <a:schemeClr val="accent1"/>
@@ -10235,7 +10030,7 @@
                   </a:srgbClr>
                 </a:solidFill>
               </a:rPr>
-              <a:t>チーム内の</a:t>
+              <a:t>チーム単位で</a:t>
             </a:r>
             <a:r>
               <a:rPr kumimoji="1" lang="en-US" altLang="ja-JP" sz="2400" dirty="0">
@@ -10263,42 +10058,6 @@
           </a:p>
         </p:txBody>
       </p:sp>
-      <p:pic>
-        <p:nvPicPr>
-          <p:cNvPr id="6" name="図 5" descr="グラフィカル ユーザー インターフェイス, アプリケーション, テーブル&#10;&#10;自動的に生成された説明">
-            <a:extLst>
-              <a:ext uri="{FF2B5EF4-FFF2-40B4-BE49-F238E27FC236}">
-                <a16:creationId xmlns:a16="http://schemas.microsoft.com/office/drawing/2014/main" id="{6DF8CE01-C81D-4382-9B49-7BD3F0FCE571}"/>
-              </a:ext>
-            </a:extLst>
-          </p:cNvPr>
-          <p:cNvPicPr>
-            <a:picLocks noChangeAspect="1"/>
-          </p:cNvPicPr>
-          <p:nvPr/>
-        </p:nvPicPr>
-        <p:blipFill>
-          <a:blip r:embed="rId4">
-            <a:extLst>
-              <a:ext uri="{28A0092B-C50C-407E-A947-70E740481C1C}">
-                <a14:useLocalDpi xmlns:a14="http://schemas.microsoft.com/office/drawing/2010/main" val="0"/>
-              </a:ext>
-            </a:extLst>
-          </a:blip>
-          <a:stretch>
-            <a:fillRect/>
-          </a:stretch>
-        </p:blipFill>
-        <p:spPr>
-          <a:xfrm>
-            <a:off x="3645221" y="2531276"/>
-            <a:ext cx="8045504" cy="4011037"/>
-          </a:xfrm>
-          <a:prstGeom prst="rect">
-            <a:avLst/>
-          </a:prstGeom>
-        </p:spPr>
-      </p:pic>
     </p:spTree>
     <p:extLst>
       <p:ext uri="{BB962C8B-B14F-4D97-AF65-F5344CB8AC3E}">
@@ -10408,97 +10167,6 @@
                       </p:childTnLst>
                     </p:cTn>
                   </p:par>
-                  <p:par>
-                    <p:cTn id="9" fill="hold">
-                      <p:stCondLst>
-                        <p:cond delay="indefinite"/>
-                      </p:stCondLst>
-                      <p:childTnLst>
-                        <p:par>
-                          <p:cTn id="10" fill="hold">
-                            <p:stCondLst>
-                              <p:cond delay="0"/>
-                            </p:stCondLst>
-                            <p:childTnLst>
-                              <p:par>
-                                <p:cTn id="11" presetID="2" presetClass="entr" presetSubtype="4" fill="hold" nodeType="clickEffect">
-                                  <p:stCondLst>
-                                    <p:cond delay="0"/>
-                                  </p:stCondLst>
-                                  <p:childTnLst>
-                                    <p:set>
-                                      <p:cBhvr>
-                                        <p:cTn id="12" dur="1" fill="hold">
-                                          <p:stCondLst>
-                                            <p:cond delay="0"/>
-                                          </p:stCondLst>
-                                        </p:cTn>
-                                        <p:tgtEl>
-                                          <p:spTgt spid="6"/>
-                                        </p:tgtEl>
-                                        <p:attrNameLst>
-                                          <p:attrName>style.visibility</p:attrName>
-                                        </p:attrNameLst>
-                                      </p:cBhvr>
-                                      <p:to>
-                                        <p:strVal val="visible"/>
-                                      </p:to>
-                                    </p:set>
-                                    <p:anim calcmode="lin" valueType="num">
-                                      <p:cBhvr additive="base">
-                                        <p:cTn id="13" dur="500" fill="hold"/>
-                                        <p:tgtEl>
-                                          <p:spTgt spid="6"/>
-                                        </p:tgtEl>
-                                        <p:attrNameLst>
-                                          <p:attrName>ppt_x</p:attrName>
-                                        </p:attrNameLst>
-                                      </p:cBhvr>
-                                      <p:tavLst>
-                                        <p:tav tm="0">
-                                          <p:val>
-                                            <p:strVal val="#ppt_x"/>
-                                          </p:val>
-                                        </p:tav>
-                                        <p:tav tm="100000">
-                                          <p:val>
-                                            <p:strVal val="#ppt_x"/>
-                                          </p:val>
-                                        </p:tav>
-                                      </p:tavLst>
-                                    </p:anim>
-                                    <p:anim calcmode="lin" valueType="num">
-                                      <p:cBhvr additive="base">
-                                        <p:cTn id="14" dur="500" fill="hold"/>
-                                        <p:tgtEl>
-                                          <p:spTgt spid="6"/>
-                                        </p:tgtEl>
-                                        <p:attrNameLst>
-                                          <p:attrName>ppt_y</p:attrName>
-                                        </p:attrNameLst>
-                                      </p:cBhvr>
-                                      <p:tavLst>
-                                        <p:tav tm="0">
-                                          <p:val>
-                                            <p:strVal val="1+#ppt_h/2"/>
-                                          </p:val>
-                                        </p:tav>
-                                        <p:tav tm="100000">
-                                          <p:val>
-                                            <p:strVal val="#ppt_y"/>
-                                          </p:val>
-                                        </p:tav>
-                                      </p:tavLst>
-                                    </p:anim>
-                                  </p:childTnLst>
-                                </p:cTn>
-                              </p:par>
-                            </p:childTnLst>
-                          </p:cTn>
-                        </p:par>
-                      </p:childTnLst>
-                    </p:cTn>
-                  </p:par>
                 </p:childTnLst>
               </p:cTn>
               <p:prevCondLst>
@@ -10766,72 +10434,6 @@
           </a:p>
         </p:txBody>
       </p:sp>
-      <p:sp>
-        <p:nvSpPr>
-          <p:cNvPr id="6" name="吹き出し: 角を丸めた四角形 5">
-            <a:extLst>
-              <a:ext uri="{FF2B5EF4-FFF2-40B4-BE49-F238E27FC236}">
-                <a16:creationId xmlns:a16="http://schemas.microsoft.com/office/drawing/2014/main" id="{AFB2671A-F639-409D-91BF-8D2871E395BD}"/>
-              </a:ext>
-            </a:extLst>
-          </p:cNvPr>
-          <p:cNvSpPr/>
-          <p:nvPr/>
-        </p:nvSpPr>
-        <p:spPr>
-          <a:xfrm>
-            <a:off x="3636335" y="3054912"/>
-            <a:ext cx="8102009" cy="1767696"/>
-          </a:xfrm>
-          <a:prstGeom prst="wedgeRoundRectCallout">
-            <a:avLst>
-              <a:gd name="adj1" fmla="val -3825"/>
-              <a:gd name="adj2" fmla="val -81123"/>
-              <a:gd name="adj3" fmla="val 16667"/>
-            </a:avLst>
-          </a:prstGeom>
-          <a:noFill/>
-          <a:ln w="28575">
-            <a:solidFill>
-              <a:schemeClr val="accent1"/>
-            </a:solidFill>
-          </a:ln>
-        </p:spPr>
-        <p:style>
-          <a:lnRef idx="2">
-            <a:schemeClr val="accent5"/>
-          </a:lnRef>
-          <a:fillRef idx="1">
-            <a:schemeClr val="lt1"/>
-          </a:fillRef>
-          <a:effectRef idx="0">
-            <a:schemeClr val="accent5"/>
-          </a:effectRef>
-          <a:fontRef idx="minor">
-            <a:schemeClr val="dk1"/>
-          </a:fontRef>
-        </p:style>
-        <p:txBody>
-          <a:bodyPr rtlCol="0" anchor="ctr"/>
-          <a:lstStyle/>
-          <a:p>
-            <a:pPr algn="ctr"/>
-            <a:r>
-              <a:rPr kumimoji="1" lang="ja-JP" altLang="en-US" sz="2400" dirty="0">
-                <a:solidFill>
-                  <a:srgbClr val="000000">
-                    <a:lumMod val="65000"/>
-                    <a:lumOff val="35000"/>
-                  </a:srgbClr>
-                </a:solidFill>
-                <a:latin typeface="Arial" panose="020B0604020202020204" pitchFamily="34" charset="0"/>
-              </a:rPr>
-              <a:t>チーム目標への意識を持ち続けられる。</a:t>
-            </a:r>
-            <a:endParaRPr kumimoji="1" lang="ja-JP" altLang="en-US" sz="2400" dirty="0"/>
-          </a:p>
-        </p:txBody>
-      </p:sp>
       <p:pic>
         <p:nvPicPr>
           <p:cNvPr id="8" name="図 7" descr="テーブル&#10;&#10;自動的に生成された説明">
@@ -10868,6 +10470,74 @@
           </a:prstGeom>
         </p:spPr>
       </p:pic>
+      <p:sp>
+        <p:nvSpPr>
+          <p:cNvPr id="6" name="吹き出し: 角を丸めた四角形 5">
+            <a:extLst>
+              <a:ext uri="{FF2B5EF4-FFF2-40B4-BE49-F238E27FC236}">
+                <a16:creationId xmlns:a16="http://schemas.microsoft.com/office/drawing/2014/main" id="{AFB2671A-F639-409D-91BF-8D2871E395BD}"/>
+              </a:ext>
+            </a:extLst>
+          </p:cNvPr>
+          <p:cNvSpPr/>
+          <p:nvPr/>
+        </p:nvSpPr>
+        <p:spPr>
+          <a:xfrm>
+            <a:off x="3636335" y="3054912"/>
+            <a:ext cx="8102009" cy="1767696"/>
+          </a:xfrm>
+          <a:prstGeom prst="wedgeRoundRectCallout">
+            <a:avLst>
+              <a:gd name="adj1" fmla="val -3825"/>
+              <a:gd name="adj2" fmla="val -81123"/>
+              <a:gd name="adj3" fmla="val 16667"/>
+            </a:avLst>
+          </a:prstGeom>
+          <a:solidFill>
+            <a:schemeClr val="bg1"/>
+          </a:solidFill>
+          <a:ln w="28575">
+            <a:solidFill>
+              <a:schemeClr val="accent1"/>
+            </a:solidFill>
+          </a:ln>
+        </p:spPr>
+        <p:style>
+          <a:lnRef idx="2">
+            <a:schemeClr val="accent5"/>
+          </a:lnRef>
+          <a:fillRef idx="1">
+            <a:schemeClr val="lt1"/>
+          </a:fillRef>
+          <a:effectRef idx="0">
+            <a:schemeClr val="accent5"/>
+          </a:effectRef>
+          <a:fontRef idx="minor">
+            <a:schemeClr val="dk1"/>
+          </a:fontRef>
+        </p:style>
+        <p:txBody>
+          <a:bodyPr rtlCol="0" anchor="ctr"/>
+          <a:lstStyle/>
+          <a:p>
+            <a:pPr algn="ctr"/>
+            <a:r>
+              <a:rPr kumimoji="1" lang="ja-JP" altLang="en-US" sz="2400" dirty="0">
+                <a:solidFill>
+                  <a:srgbClr val="000000">
+                    <a:lumMod val="65000"/>
+                    <a:lumOff val="35000"/>
+                  </a:srgbClr>
+                </a:solidFill>
+                <a:latin typeface="Arial" panose="020B0604020202020204" pitchFamily="34" charset="0"/>
+              </a:rPr>
+              <a:t>チーム目標への意識を持ち続けられる。</a:t>
+            </a:r>
+            <a:endParaRPr kumimoji="1" lang="ja-JP" altLang="en-US" sz="2400" dirty="0"/>
+          </a:p>
+        </p:txBody>
+      </p:sp>
     </p:spTree>
     <p:extLst>
       <p:ext uri="{BB962C8B-B14F-4D97-AF65-F5344CB8AC3E}">
@@ -10977,97 +10647,6 @@
                       </p:childTnLst>
                     </p:cTn>
                   </p:par>
-                  <p:par>
-                    <p:cTn id="9" fill="hold">
-                      <p:stCondLst>
-                        <p:cond delay="indefinite"/>
-                      </p:stCondLst>
-                      <p:childTnLst>
-                        <p:par>
-                          <p:cTn id="10" fill="hold">
-                            <p:stCondLst>
-                              <p:cond delay="0"/>
-                            </p:stCondLst>
-                            <p:childTnLst>
-                              <p:par>
-                                <p:cTn id="11" presetID="2" presetClass="entr" presetSubtype="4" fill="hold" nodeType="clickEffect">
-                                  <p:stCondLst>
-                                    <p:cond delay="0"/>
-                                  </p:stCondLst>
-                                  <p:childTnLst>
-                                    <p:set>
-                                      <p:cBhvr>
-                                        <p:cTn id="12" dur="1" fill="hold">
-                                          <p:stCondLst>
-                                            <p:cond delay="0"/>
-                                          </p:stCondLst>
-                                        </p:cTn>
-                                        <p:tgtEl>
-                                          <p:spTgt spid="8"/>
-                                        </p:tgtEl>
-                                        <p:attrNameLst>
-                                          <p:attrName>style.visibility</p:attrName>
-                                        </p:attrNameLst>
-                                      </p:cBhvr>
-                                      <p:to>
-                                        <p:strVal val="visible"/>
-                                      </p:to>
-                                    </p:set>
-                                    <p:anim calcmode="lin" valueType="num">
-                                      <p:cBhvr additive="base">
-                                        <p:cTn id="13" dur="500" fill="hold"/>
-                                        <p:tgtEl>
-                                          <p:spTgt spid="8"/>
-                                        </p:tgtEl>
-                                        <p:attrNameLst>
-                                          <p:attrName>ppt_x</p:attrName>
-                                        </p:attrNameLst>
-                                      </p:cBhvr>
-                                      <p:tavLst>
-                                        <p:tav tm="0">
-                                          <p:val>
-                                            <p:strVal val="#ppt_x"/>
-                                          </p:val>
-                                        </p:tav>
-                                        <p:tav tm="100000">
-                                          <p:val>
-                                            <p:strVal val="#ppt_x"/>
-                                          </p:val>
-                                        </p:tav>
-                                      </p:tavLst>
-                                    </p:anim>
-                                    <p:anim calcmode="lin" valueType="num">
-                                      <p:cBhvr additive="base">
-                                        <p:cTn id="14" dur="500" fill="hold"/>
-                                        <p:tgtEl>
-                                          <p:spTgt spid="8"/>
-                                        </p:tgtEl>
-                                        <p:attrNameLst>
-                                          <p:attrName>ppt_y</p:attrName>
-                                        </p:attrNameLst>
-                                      </p:cBhvr>
-                                      <p:tavLst>
-                                        <p:tav tm="0">
-                                          <p:val>
-                                            <p:strVal val="1+#ppt_h/2"/>
-                                          </p:val>
-                                        </p:tav>
-                                        <p:tav tm="100000">
-                                          <p:val>
-                                            <p:strVal val="#ppt_y"/>
-                                          </p:val>
-                                        </p:tav>
-                                      </p:tavLst>
-                                    </p:anim>
-                                  </p:childTnLst>
-                                </p:cTn>
-                              </p:par>
-                            </p:childTnLst>
-                          </p:cTn>
-                        </p:par>
-                      </p:childTnLst>
-                    </p:cTn>
-                  </p:par>
                 </p:childTnLst>
               </p:cTn>
               <p:prevCondLst>
@@ -11239,11 +10818,7 @@
             </a:pPr>
             <a:r>
               <a:rPr kumimoji="1" lang="ja-JP" altLang="en-US" dirty="0"/>
-              <a:t>機能面での工夫点・</a:t>
-            </a:r>
-            <a:r>
-              <a:rPr lang="ja-JP" altLang="en-US" dirty="0"/>
-              <a:t>デモンストレーション</a:t>
+              <a:t>機能面での工夫点</a:t>
             </a:r>
             <a:endParaRPr lang="en-US" altLang="ja-JP" dirty="0"/>
           </a:p>
@@ -13774,18 +13349,6 @@
               </a:rPr>
               <a:t>★この研修を通して自分が成長したと思う点</a:t>
             </a:r>
-            <a:endParaRPr lang="en-US" altLang="ja-JP" b="0" i="0" dirty="0">
-              <a:solidFill>
-                <a:schemeClr val="tx1">
-                  <a:lumMod val="65000"/>
-                  <a:lumOff val="35000"/>
-                </a:schemeClr>
-              </a:solidFill>
-              <a:effectLst/>
-              <a:latin typeface="Slack-Lato"/>
-            </a:endParaRPr>
-          </a:p>
-          <a:p>
             <a:endParaRPr kumimoji="1" lang="en-US" altLang="ja-JP" dirty="0">
               <a:solidFill>
                 <a:schemeClr val="tx1">
@@ -13798,32 +13361,7 @@
           </a:p>
           <a:p>
             <a:r>
-              <a:rPr lang="ja-JP" altLang="en-US" sz="2400" b="0" i="0" dirty="0">
-                <a:solidFill>
-                  <a:schemeClr val="tx1">
-                    <a:lumMod val="65000"/>
-                    <a:lumOff val="35000"/>
-                  </a:schemeClr>
-                </a:solidFill>
-                <a:effectLst/>
-                <a:latin typeface="Slack-Lato"/>
-              </a:rPr>
-              <a:t>・「情報共有がチーム内でできているか」を意識した点。</a:t>
-            </a:r>
-            <a:endParaRPr lang="en-US" altLang="ja-JP" sz="2400" b="0" i="0" dirty="0">
-              <a:solidFill>
-                <a:schemeClr val="tx1">
-                  <a:lumMod val="65000"/>
-                  <a:lumOff val="35000"/>
-                </a:schemeClr>
-              </a:solidFill>
-              <a:effectLst/>
-              <a:latin typeface="Slack-Lato"/>
-            </a:endParaRPr>
-          </a:p>
-          <a:p>
-            <a:r>
-              <a:rPr kumimoji="1" lang="ja-JP" altLang="en-US" sz="2400" dirty="0">
+              <a:rPr kumimoji="1" lang="ja-JP" altLang="en-US" sz="2400" b="1" dirty="0">
                 <a:solidFill>
                   <a:schemeClr val="tx1">
                     <a:lumMod val="65000"/>
@@ -13833,6 +13371,123 @@
               </a:rPr>
               <a:t>・自分の力量を鑑みて必要な行動をとることができた点</a:t>
             </a:r>
+            <a:r>
+              <a:rPr kumimoji="1" lang="ja-JP" altLang="en-US" b="1" dirty="0">
+                <a:solidFill>
+                  <a:srgbClr val="000000">
+                    <a:lumMod val="65000"/>
+                    <a:lumOff val="35000"/>
+                  </a:srgbClr>
+                </a:solidFill>
+              </a:rPr>
+              <a:t>（品質管理担当）</a:t>
+            </a:r>
+            <a:endParaRPr kumimoji="1" lang="en-US" altLang="ja-JP" b="1" dirty="0">
+              <a:solidFill>
+                <a:schemeClr val="tx1">
+                  <a:lumMod val="65000"/>
+                  <a:lumOff val="35000"/>
+                </a:schemeClr>
+              </a:solidFill>
+            </a:endParaRPr>
+          </a:p>
+          <a:p>
+            <a:pPr marL="0" marR="0" lvl="0" indent="0" algn="l" defTabSz="457200" rtl="0" eaLnBrk="1" fontAlgn="auto" latinLnBrk="0" hangingPunct="1">
+              <a:lnSpc>
+                <a:spcPct val="100000"/>
+              </a:lnSpc>
+              <a:spcBef>
+                <a:spcPts val="0"/>
+              </a:spcBef>
+              <a:spcAft>
+                <a:spcPts val="0"/>
+              </a:spcAft>
+              <a:buClrTx/>
+              <a:buSzTx/>
+              <a:buFontTx/>
+              <a:buNone/>
+              <a:tabLst/>
+              <a:defRPr/>
+            </a:pPr>
+            <a:r>
+              <a:rPr kumimoji="0" lang="ja-JP" altLang="en-US" b="0" i="0" u="none" strike="noStrike" kern="1200" cap="none" spc="0" normalizeH="0" baseline="0" noProof="0" dirty="0">
+                <a:ln>
+                  <a:noFill/>
+                </a:ln>
+                <a:solidFill>
+                  <a:srgbClr val="000000">
+                    <a:lumMod val="65000"/>
+                    <a:lumOff val="35000"/>
+                  </a:srgbClr>
+                </a:solidFill>
+                <a:effectLst/>
+                <a:uLnTx/>
+                <a:uFillTx/>
+                <a:latin typeface="Slack-Lato"/>
+                <a:ea typeface="ＭＳ ゴシック" panose="020B0609070205080204" pitchFamily="49" charset="-128"/>
+                <a:cs typeface="+mn-cs"/>
+              </a:rPr>
+              <a:t>・「情報共有がチーム内でできているか」を意識した点</a:t>
+            </a:r>
+            <a:r>
+              <a:rPr kumimoji="1" lang="ja-JP" altLang="en-US" sz="1800" b="0" i="0" u="none" strike="noStrike" kern="1200" cap="none" spc="0" normalizeH="0" baseline="0" noProof="0" dirty="0">
+                <a:ln>
+                  <a:noFill/>
+                </a:ln>
+                <a:solidFill>
+                  <a:srgbClr val="000000">
+                    <a:lumMod val="65000"/>
+                    <a:lumOff val="35000"/>
+                  </a:srgbClr>
+                </a:solidFill>
+                <a:effectLst/>
+                <a:uLnTx/>
+                <a:uFillTx/>
+                <a:latin typeface="Slack-Lato"/>
+                <a:ea typeface="ＭＳ ゴシック" panose="020B0609070205080204" pitchFamily="49" charset="-128"/>
+                <a:cs typeface="+mn-cs"/>
+              </a:rPr>
+              <a:t>（コミュニケーション担当） </a:t>
+            </a:r>
+            <a:r>
+              <a:rPr kumimoji="0" lang="ja-JP" altLang="en-US" sz="2400" b="0" i="0" u="none" strike="noStrike" kern="1200" cap="none" spc="0" normalizeH="0" baseline="0" noProof="0" dirty="0">
+                <a:ln>
+                  <a:noFill/>
+                </a:ln>
+                <a:solidFill>
+                  <a:srgbClr val="000000">
+                    <a:lumMod val="65000"/>
+                    <a:lumOff val="35000"/>
+                  </a:srgbClr>
+                </a:solidFill>
+                <a:effectLst/>
+                <a:uLnTx/>
+                <a:uFillTx/>
+                <a:latin typeface="Slack-Lato"/>
+                <a:ea typeface="ＭＳ ゴシック" panose="020B0609070205080204" pitchFamily="49" charset="-128"/>
+                <a:cs typeface="+mn-cs"/>
+              </a:rPr>
+              <a:t>。</a:t>
+            </a:r>
+            <a:endParaRPr kumimoji="0" lang="en-US" altLang="ja-JP" sz="2400" b="0" i="0" u="none" strike="noStrike" kern="1200" cap="none" spc="0" normalizeH="0" baseline="0" noProof="0" dirty="0">
+              <a:ln>
+                <a:noFill/>
+              </a:ln>
+              <a:solidFill>
+                <a:srgbClr val="000000">
+                  <a:lumMod val="65000"/>
+                  <a:lumOff val="35000"/>
+                </a:srgbClr>
+              </a:solidFill>
+              <a:effectLst/>
+              <a:uLnTx/>
+              <a:uFillTx/>
+              <a:latin typeface="Slack-Lato"/>
+              <a:ea typeface="ＭＳ ゴシック" panose="020B0609070205080204" pitchFamily="49" charset="-128"/>
+              <a:cs typeface="+mn-cs"/>
+            </a:endParaRPr>
+          </a:p>
+          <a:p>
             <a:endParaRPr kumimoji="1" lang="en-US" altLang="ja-JP" sz="2400" dirty="0">
               <a:solidFill>
                 <a:schemeClr val="tx1">
@@ -13858,8 +13513,8 @@
         </p:nvSpPr>
         <p:spPr>
           <a:xfrm>
-            <a:off x="3756972" y="2341585"/>
-            <a:ext cx="7985850" cy="1844842"/>
+            <a:off x="3756972" y="2341586"/>
+            <a:ext cx="7985850" cy="1634992"/>
           </a:xfrm>
           <a:prstGeom prst="roundRect">
             <a:avLst/>
@@ -13888,7 +13543,7 @@
           <a:lstStyle/>
           <a:p>
             <a:r>
-              <a:rPr lang="ja-JP" altLang="en-US" b="0" i="0" dirty="0">
+              <a:rPr lang="ja-JP" altLang="en-US" sz="2000" b="0" i="0" dirty="0">
                 <a:solidFill>
                   <a:schemeClr val="tx1">
                     <a:lumMod val="65000"/>
@@ -13900,7 +13555,7 @@
               </a:rPr>
               <a:t>★チームのために主体的に行動したこと</a:t>
             </a:r>
-            <a:endParaRPr lang="en-US" altLang="ja-JP" dirty="0">
+            <a:endParaRPr lang="en-US" altLang="ja-JP" sz="2000" dirty="0">
               <a:solidFill>
                 <a:schemeClr val="tx1">
                   <a:lumMod val="65000"/>
@@ -13912,7 +13567,51 @@
           </a:p>
           <a:p>
             <a:r>
-              <a:rPr kumimoji="1" lang="ja-JP" altLang="en-US" sz="2000" dirty="0">
+              <a:rPr kumimoji="1" lang="ja-JP" altLang="en-US" sz="2400" b="1" dirty="0">
+                <a:solidFill>
+                  <a:srgbClr val="000000">
+                    <a:lumMod val="65000"/>
+                    <a:lumOff val="35000"/>
+                  </a:srgbClr>
+                </a:solidFill>
+              </a:rPr>
+              <a:t>テスト項目の作成、テスト項目の添削依頼</a:t>
+            </a:r>
+            <a:r>
+              <a:rPr kumimoji="1" lang="ja-JP" altLang="en-US" b="1" dirty="0">
+                <a:solidFill>
+                  <a:srgbClr val="000000">
+                    <a:lumMod val="65000"/>
+                    <a:lumOff val="35000"/>
+                  </a:srgbClr>
+                </a:solidFill>
+              </a:rPr>
+              <a:t>（品質管理担当）</a:t>
+            </a:r>
+            <a:endParaRPr kumimoji="1" lang="en-US" altLang="ja-JP" b="1" dirty="0">
+              <a:solidFill>
+                <a:schemeClr val="tx1">
+                  <a:lumMod val="65000"/>
+                  <a:lumOff val="35000"/>
+                </a:schemeClr>
+              </a:solidFill>
+              <a:latin typeface="Slack-Lato"/>
+            </a:endParaRPr>
+          </a:p>
+          <a:p>
+            <a:r>
+              <a:rPr kumimoji="1" lang="ja-JP" altLang="en-US" dirty="0">
+                <a:solidFill>
+                  <a:schemeClr val="tx1">
+                    <a:lumMod val="65000"/>
+                    <a:lumOff val="35000"/>
+                  </a:schemeClr>
+                </a:solidFill>
+              </a:rPr>
+              <a:t>議事録共有時の確認スタンプの利用</a:t>
+            </a:r>
+            <a:r>
+              <a:rPr kumimoji="1" lang="ja-JP" altLang="en-US" dirty="0">
                 <a:solidFill>
                   <a:schemeClr val="tx1">
                     <a:lumMod val="65000"/>
@@ -13921,9 +13620,9 @@
                 </a:solidFill>
                 <a:latin typeface="Slack-Lato"/>
               </a:rPr>
-              <a:t>（コミュニケーション担当）</a:t>
-            </a:r>
-            <a:endParaRPr kumimoji="1" lang="en-US" altLang="ja-JP" sz="2000" dirty="0">
+              <a:t>（コミュニケーション担当）。</a:t>
+            </a:r>
+            <a:endParaRPr kumimoji="1" lang="en-US" altLang="ja-JP" dirty="0">
               <a:solidFill>
                 <a:schemeClr val="tx1">
                   <a:lumMod val="65000"/>
@@ -13931,79 +13630,6 @@
                 </a:schemeClr>
               </a:solidFill>
               <a:latin typeface="Slack-Lato"/>
-            </a:endParaRPr>
-          </a:p>
-          <a:p>
-            <a:r>
-              <a:rPr kumimoji="1" lang="ja-JP" altLang="en-US" sz="2000" dirty="0">
-                <a:solidFill>
-                  <a:schemeClr val="tx1">
-                    <a:lumMod val="65000"/>
-                    <a:lumOff val="35000"/>
-                  </a:schemeClr>
-                </a:solidFill>
-              </a:rPr>
-              <a:t>議事録共有時の確認スタンプの利用。</a:t>
-            </a:r>
-            <a:endParaRPr kumimoji="1" lang="en-US" altLang="ja-JP" sz="2000" dirty="0">
-              <a:solidFill>
-                <a:schemeClr val="tx1">
-                  <a:lumMod val="65000"/>
-                  <a:lumOff val="35000"/>
-                </a:schemeClr>
-              </a:solidFill>
-            </a:endParaRPr>
-          </a:p>
-          <a:p>
-            <a:r>
-              <a:rPr kumimoji="1" lang="ja-JP" altLang="en-US" sz="2000" dirty="0">
-                <a:solidFill>
-                  <a:schemeClr val="tx1">
-                    <a:lumMod val="65000"/>
-                    <a:lumOff val="35000"/>
-                  </a:schemeClr>
-                </a:solidFill>
-              </a:rPr>
-              <a:t>（品質管理担当）</a:t>
-            </a:r>
-            <a:endParaRPr kumimoji="1" lang="en-US" altLang="ja-JP" sz="2000" dirty="0">
-              <a:solidFill>
-                <a:schemeClr val="tx1">
-                  <a:lumMod val="65000"/>
-                  <a:lumOff val="35000"/>
-                </a:schemeClr>
-              </a:solidFill>
-            </a:endParaRPr>
-          </a:p>
-          <a:p>
-            <a:r>
-              <a:rPr kumimoji="1" lang="ja-JP" altLang="en-US" sz="2000" dirty="0">
-                <a:solidFill>
-                  <a:schemeClr val="tx1">
-                    <a:lumMod val="65000"/>
-                    <a:lumOff val="35000"/>
-                  </a:schemeClr>
-                </a:solidFill>
-              </a:rPr>
-              <a:t>テスト項目の作成、テスト項目の添削依頼</a:t>
-            </a:r>
-            <a:endParaRPr kumimoji="1" lang="en-US" altLang="ja-JP" sz="2000" dirty="0">
-              <a:solidFill>
-                <a:schemeClr val="tx1">
-                  <a:lumMod val="65000"/>
-                  <a:lumOff val="35000"/>
-                </a:schemeClr>
-              </a:solidFill>
-            </a:endParaRPr>
-          </a:p>
-          <a:p>
-            <a:endParaRPr kumimoji="1" lang="ja-JP" altLang="en-US" dirty="0">
-              <a:solidFill>
-                <a:schemeClr val="tx1">
-                  <a:lumMod val="65000"/>
-                  <a:lumOff val="35000"/>
-                </a:schemeClr>
-              </a:solidFill>
             </a:endParaRPr>
           </a:p>
         </p:txBody>
@@ -14022,8 +13648,8 @@
         </p:nvSpPr>
         <p:spPr>
           <a:xfrm>
-            <a:off x="3756972" y="4347411"/>
-            <a:ext cx="7985850" cy="1998380"/>
+            <a:off x="3756972" y="4153015"/>
+            <a:ext cx="7985850" cy="1844842"/>
           </a:xfrm>
           <a:prstGeom prst="roundRect">
             <a:avLst/>
@@ -14074,6 +13700,62 @@
             </a:endParaRPr>
           </a:p>
           <a:p>
+            <a:pPr lvl="0"/>
+            <a:r>
+              <a:rPr kumimoji="1" lang="ja-JP" altLang="en-US" sz="2400" b="1" dirty="0">
+                <a:solidFill>
+                  <a:schemeClr val="tx1">
+                    <a:lumMod val="65000"/>
+                    <a:lumOff val="35000"/>
+                  </a:schemeClr>
+                </a:solidFill>
+              </a:rPr>
+              <a:t>・品質のために、周囲が納得できるようなコミュニケーションを実践できなかった点</a:t>
+            </a:r>
+            <a:r>
+              <a:rPr kumimoji="1" lang="ja-JP" altLang="en-US" b="1" dirty="0">
+                <a:solidFill>
+                  <a:srgbClr val="000000">
+                    <a:lumMod val="65000"/>
+                    <a:lumOff val="35000"/>
+                  </a:srgbClr>
+                </a:solidFill>
+              </a:rPr>
+              <a:t>（品質管理担当）</a:t>
+            </a:r>
+            <a:endParaRPr kumimoji="1" lang="ja-JP" altLang="en-US" sz="2400" b="1" dirty="0">
+              <a:solidFill>
+                <a:schemeClr val="tx1">
+                  <a:lumMod val="65000"/>
+                  <a:lumOff val="35000"/>
+                </a:schemeClr>
+              </a:solidFill>
+            </a:endParaRPr>
+          </a:p>
+          <a:p>
+            <a:r>
+              <a:rPr kumimoji="1" lang="ja-JP" altLang="en-US" dirty="0">
+                <a:solidFill>
+                  <a:schemeClr val="tx1">
+                    <a:lumMod val="65000"/>
+                    <a:lumOff val="35000"/>
+                  </a:schemeClr>
+                </a:solidFill>
+              </a:rPr>
+              <a:t>・「気づきスレッド」を有効に活用できなかった点</a:t>
+            </a:r>
+            <a:r>
+              <a:rPr kumimoji="1" lang="ja-JP" altLang="en-US" dirty="0">
+                <a:solidFill>
+                  <a:schemeClr val="tx1">
+                    <a:lumMod val="65000"/>
+                    <a:lumOff val="35000"/>
+                  </a:schemeClr>
+                </a:solidFill>
+                <a:latin typeface="Slack-Lato"/>
+              </a:rPr>
+              <a:t>（コミュニケーション担当）。</a:t>
+            </a:r>
             <a:endParaRPr kumimoji="1" lang="en-US" altLang="ja-JP" dirty="0">
               <a:solidFill>
                 <a:schemeClr val="tx1">
@@ -14082,40 +13764,6 @@
                 </a:schemeClr>
               </a:solidFill>
             </a:endParaRPr>
-          </a:p>
-          <a:p>
-            <a:r>
-              <a:rPr kumimoji="1" lang="ja-JP" altLang="en-US" sz="2400" dirty="0">
-                <a:solidFill>
-                  <a:schemeClr val="tx1">
-                    <a:lumMod val="65000"/>
-                    <a:lumOff val="35000"/>
-                  </a:schemeClr>
-                </a:solidFill>
-              </a:rPr>
-              <a:t>・「気づきスレッド」を有効に活用できなかった点</a:t>
-            </a:r>
-            <a:endParaRPr kumimoji="1" lang="en-US" altLang="ja-JP" sz="2400" dirty="0">
-              <a:solidFill>
-                <a:schemeClr val="tx1">
-                  <a:lumMod val="65000"/>
-                  <a:lumOff val="35000"/>
-                </a:schemeClr>
-              </a:solidFill>
-            </a:endParaRPr>
-          </a:p>
-          <a:p>
-            <a:r>
-              <a:rPr kumimoji="1" lang="ja-JP" altLang="en-US" sz="2400" dirty="0">
-                <a:solidFill>
-                  <a:schemeClr val="tx1">
-                    <a:lumMod val="65000"/>
-                    <a:lumOff val="35000"/>
-                  </a:schemeClr>
-                </a:solidFill>
-              </a:rPr>
-              <a:t>・品質のために、周囲が納得できるようなコミュニケーションを実践できなかった点。</a:t>
-            </a:r>
           </a:p>
         </p:txBody>
       </p:sp>
@@ -15779,19 +15427,8 @@
             </a:pPr>
             <a:r>
               <a:rPr kumimoji="1" lang="ja-JP" altLang="en-US" dirty="0"/>
-              <a:t>機能面での工夫点・</a:t>
-            </a:r>
-            <a:r>
-              <a:rPr lang="ja-JP" altLang="en-US" dirty="0"/>
-              <a:t>デモンストレーション</a:t>
-            </a:r>
-            <a:endParaRPr lang="en-US" altLang="ja-JP" dirty="0"/>
-          </a:p>
-          <a:p>
-            <a:pPr marL="960120" lvl="1" indent="-457200">
-              <a:buFont typeface="+mj-lt"/>
-              <a:buAutoNum type="arabicPeriod"/>
-            </a:pPr>
+              <a:t>機能面での工夫点</a:t>
+            </a:r>
             <a:endParaRPr kumimoji="1" lang="en-US" altLang="ja-JP" dirty="0"/>
           </a:p>
           <a:p>
@@ -15950,7 +15587,7 @@
                                         <p:tgtEl>
                                           <p:spTgt spid="3">
                                             <p:txEl>
-                                              <p:pRg st="13" end="13"/>
+                                              <p:pRg st="12" end="12"/>
                                             </p:txEl>
                                           </p:spTgt>
                                         </p:tgtEl>
@@ -15962,7 +15599,7 @@
                                         <p:tgtEl>
                                           <p:spTgt spid="3">
                                             <p:txEl>
-                                              <p:pRg st="13" end="13"/>
+                                              <p:pRg st="12" end="12"/>
                                             </p:txEl>
                                           </p:spTgt>
                                         </p:tgtEl>

--- a/発表資料/成果発表　D4チーム.pptx
+++ b/発表資料/成果発表　D4チーム.pptx
@@ -5,37 +5,38 @@
     <p:sldMasterId id="2147483678" r:id="rId1"/>
   </p:sldMasterIdLst>
   <p:notesMasterIdLst>
-    <p:notesMasterId r:id="rId30"/>
+    <p:notesMasterId r:id="rId31"/>
   </p:notesMasterIdLst>
   <p:sldIdLst>
     <p:sldId id="256" r:id="rId2"/>
     <p:sldId id="261" r:id="rId3"/>
     <p:sldId id="260" r:id="rId4"/>
-    <p:sldId id="258" r:id="rId5"/>
-    <p:sldId id="265" r:id="rId6"/>
-    <p:sldId id="262" r:id="rId7"/>
-    <p:sldId id="287" r:id="rId8"/>
-    <p:sldId id="264" r:id="rId9"/>
-    <p:sldId id="292" r:id="rId10"/>
-    <p:sldId id="291" r:id="rId11"/>
-    <p:sldId id="293" r:id="rId12"/>
-    <p:sldId id="294" r:id="rId13"/>
-    <p:sldId id="295" r:id="rId14"/>
-    <p:sldId id="269" r:id="rId15"/>
-    <p:sldId id="270" r:id="rId16"/>
-    <p:sldId id="282" r:id="rId17"/>
-    <p:sldId id="268" r:id="rId18"/>
-    <p:sldId id="275" r:id="rId19"/>
-    <p:sldId id="276" r:id="rId20"/>
-    <p:sldId id="267" r:id="rId21"/>
-    <p:sldId id="271" r:id="rId22"/>
-    <p:sldId id="277" r:id="rId23"/>
-    <p:sldId id="278" r:id="rId24"/>
-    <p:sldId id="279" r:id="rId25"/>
-    <p:sldId id="280" r:id="rId26"/>
-    <p:sldId id="296" r:id="rId27"/>
-    <p:sldId id="285" r:id="rId28"/>
-    <p:sldId id="284" r:id="rId29"/>
+    <p:sldId id="298" r:id="rId5"/>
+    <p:sldId id="258" r:id="rId6"/>
+    <p:sldId id="265" r:id="rId7"/>
+    <p:sldId id="262" r:id="rId8"/>
+    <p:sldId id="287" r:id="rId9"/>
+    <p:sldId id="264" r:id="rId10"/>
+    <p:sldId id="292" r:id="rId11"/>
+    <p:sldId id="291" r:id="rId12"/>
+    <p:sldId id="293" r:id="rId13"/>
+    <p:sldId id="294" r:id="rId14"/>
+    <p:sldId id="295" r:id="rId15"/>
+    <p:sldId id="269" r:id="rId16"/>
+    <p:sldId id="270" r:id="rId17"/>
+    <p:sldId id="282" r:id="rId18"/>
+    <p:sldId id="268" r:id="rId19"/>
+    <p:sldId id="275" r:id="rId20"/>
+    <p:sldId id="276" r:id="rId21"/>
+    <p:sldId id="267" r:id="rId22"/>
+    <p:sldId id="271" r:id="rId23"/>
+    <p:sldId id="277" r:id="rId24"/>
+    <p:sldId id="278" r:id="rId25"/>
+    <p:sldId id="279" r:id="rId26"/>
+    <p:sldId id="280" r:id="rId27"/>
+    <p:sldId id="296" r:id="rId28"/>
+    <p:sldId id="285" r:id="rId29"/>
+    <p:sldId id="284" r:id="rId30"/>
   </p:sldIdLst>
   <p:sldSz cx="12192000" cy="6858000"/>
   <p:notesSz cx="6858000" cy="9144000"/>
@@ -672,7 +673,7 @@
           <a:p>
             <a:fld id="{3E09690F-D3E5-4E8F-AD4A-5CFF09FCF1A7}" type="slidenum">
               <a:rPr kumimoji="1" lang="ja-JP" altLang="en-US" smtClean="0"/>
-              <a:t>22</a:t>
+              <a:t>23</a:t>
             </a:fld>
             <a:endParaRPr kumimoji="1" lang="ja-JP" altLang="en-US"/>
           </a:p>
@@ -756,7 +757,7 @@
           <a:p>
             <a:fld id="{3E09690F-D3E5-4E8F-AD4A-5CFF09FCF1A7}" type="slidenum">
               <a:rPr kumimoji="1" lang="ja-JP" altLang="en-US" smtClean="0"/>
-              <a:t>23</a:t>
+              <a:t>24</a:t>
             </a:fld>
             <a:endParaRPr kumimoji="1" lang="ja-JP" altLang="en-US"/>
           </a:p>
@@ -840,7 +841,7 @@
           <a:p>
             <a:fld id="{3E09690F-D3E5-4E8F-AD4A-5CFF09FCF1A7}" type="slidenum">
               <a:rPr kumimoji="1" lang="ja-JP" altLang="en-US" smtClean="0"/>
-              <a:t>24</a:t>
+              <a:t>25</a:t>
             </a:fld>
             <a:endParaRPr kumimoji="1" lang="ja-JP" altLang="en-US"/>
           </a:p>
@@ -924,7 +925,7 @@
           <a:p>
             <a:fld id="{3E09690F-D3E5-4E8F-AD4A-5CFF09FCF1A7}" type="slidenum">
               <a:rPr kumimoji="1" lang="ja-JP" altLang="en-US" smtClean="0"/>
-              <a:t>25</a:t>
+              <a:t>26</a:t>
             </a:fld>
             <a:endParaRPr kumimoji="1" lang="ja-JP" altLang="en-US"/>
           </a:p>
@@ -1008,7 +1009,7 @@
           <a:p>
             <a:fld id="{3E09690F-D3E5-4E8F-AD4A-5CFF09FCF1A7}" type="slidenum">
               <a:rPr kumimoji="1" lang="ja-JP" altLang="en-US" smtClean="0"/>
-              <a:t>27</a:t>
+              <a:t>28</a:t>
             </a:fld>
             <a:endParaRPr kumimoji="1" lang="ja-JP" altLang="en-US"/>
           </a:p>
@@ -1092,7 +1093,7 @@
           <a:p>
             <a:fld id="{3E09690F-D3E5-4E8F-AD4A-5CFF09FCF1A7}" type="slidenum">
               <a:rPr kumimoji="1" lang="ja-JP" altLang="en-US" smtClean="0"/>
-              <a:t>28</a:t>
+              <a:t>29</a:t>
             </a:fld>
             <a:endParaRPr kumimoji="1" lang="ja-JP" altLang="en-US"/>
           </a:p>
@@ -1201,7 +1202,7 @@
           <a:p>
             <a:fld id="{3E09690F-D3E5-4E8F-AD4A-5CFF09FCF1A7}" type="slidenum">
               <a:rPr kumimoji="1" lang="ja-JP" altLang="en-US" smtClean="0"/>
-              <a:t>6</a:t>
+              <a:t>7</a:t>
             </a:fld>
             <a:endParaRPr kumimoji="1" lang="ja-JP" altLang="en-US"/>
           </a:p>
@@ -1302,7 +1303,7 @@
           <a:p>
             <a:fld id="{3E09690F-D3E5-4E8F-AD4A-5CFF09FCF1A7}" type="slidenum">
               <a:rPr kumimoji="1" lang="ja-JP" altLang="en-US" smtClean="0"/>
-              <a:t>8</a:t>
+              <a:t>9</a:t>
             </a:fld>
             <a:endParaRPr kumimoji="1" lang="ja-JP" altLang="en-US"/>
           </a:p>
@@ -1389,7 +1390,7 @@
           <a:p>
             <a:fld id="{3E09690F-D3E5-4E8F-AD4A-5CFF09FCF1A7}" type="slidenum">
               <a:rPr kumimoji="1" lang="ja-JP" altLang="en-US" smtClean="0"/>
-              <a:t>15</a:t>
+              <a:t>16</a:t>
             </a:fld>
             <a:endParaRPr kumimoji="1" lang="ja-JP" altLang="en-US"/>
           </a:p>
@@ -1473,7 +1474,7 @@
           <a:p>
             <a:fld id="{3E09690F-D3E5-4E8F-AD4A-5CFF09FCF1A7}" type="slidenum">
               <a:rPr kumimoji="1" lang="ja-JP" altLang="en-US" smtClean="0"/>
-              <a:t>16</a:t>
+              <a:t>17</a:t>
             </a:fld>
             <a:endParaRPr kumimoji="1" lang="ja-JP" altLang="en-US"/>
           </a:p>
@@ -1560,7 +1561,7 @@
           <a:p>
             <a:fld id="{3E09690F-D3E5-4E8F-AD4A-5CFF09FCF1A7}" type="slidenum">
               <a:rPr kumimoji="1" lang="ja-JP" altLang="en-US" smtClean="0"/>
-              <a:t>17</a:t>
+              <a:t>18</a:t>
             </a:fld>
             <a:endParaRPr kumimoji="1" lang="ja-JP" altLang="en-US"/>
           </a:p>
@@ -1644,7 +1645,7 @@
           <a:p>
             <a:fld id="{3E09690F-D3E5-4E8F-AD4A-5CFF09FCF1A7}" type="slidenum">
               <a:rPr kumimoji="1" lang="ja-JP" altLang="en-US" smtClean="0"/>
-              <a:t>18</a:t>
+              <a:t>19</a:t>
             </a:fld>
             <a:endParaRPr kumimoji="1" lang="ja-JP" altLang="en-US"/>
           </a:p>
@@ -1728,7 +1729,7 @@
           <a:p>
             <a:fld id="{3E09690F-D3E5-4E8F-AD4A-5CFF09FCF1A7}" type="slidenum">
               <a:rPr kumimoji="1" lang="ja-JP" altLang="en-US" smtClean="0"/>
-              <a:t>19</a:t>
+              <a:t>20</a:t>
             </a:fld>
             <a:endParaRPr kumimoji="1" lang="ja-JP" altLang="en-US"/>
           </a:p>
@@ -1812,7 +1813,7 @@
           <a:p>
             <a:fld id="{3E09690F-D3E5-4E8F-AD4A-5CFF09FCF1A7}" type="slidenum">
               <a:rPr kumimoji="1" lang="ja-JP" altLang="en-US" smtClean="0"/>
-              <a:t>21</a:t>
+              <a:t>22</a:t>
             </a:fld>
             <a:endParaRPr kumimoji="1" lang="ja-JP" altLang="en-US"/>
           </a:p>
@@ -5828,6 +5829,515 @@
           <p:cNvPr id="2" name="タイトル 1">
             <a:extLst>
               <a:ext uri="{FF2B5EF4-FFF2-40B4-BE49-F238E27FC236}">
+                <a16:creationId xmlns:a16="http://schemas.microsoft.com/office/drawing/2014/main" id="{B588FAA4-7E96-4FF5-B251-22AD68F3F329}"/>
+              </a:ext>
+            </a:extLst>
+          </p:cNvPr>
+          <p:cNvSpPr>
+            <a:spLocks noGrp="1"/>
+          </p:cNvSpPr>
+          <p:nvPr>
+            <p:ph type="title"/>
+          </p:nvPr>
+        </p:nvSpPr>
+        <p:spPr>
+          <a:xfrm>
+            <a:off x="0" y="5563155"/>
+            <a:ext cx="10210862" cy="1065690"/>
+          </a:xfrm>
+        </p:spPr>
+        <p:txBody>
+          <a:bodyPr vert="horz" lIns="91440" tIns="45720" rIns="91440" bIns="45720" rtlCol="0" anchor="b">
+            <a:normAutofit/>
+          </a:bodyPr>
+          <a:lstStyle/>
+          <a:p>
+            <a:r>
+              <a:rPr kumimoji="1" lang="ja-JP" altLang="en-US" sz="3200" spc="-100" dirty="0"/>
+              <a:t>テンプレート挿入機能</a:t>
+            </a:r>
+            <a:br>
+              <a:rPr kumimoji="1" lang="en-US" altLang="ja-JP" sz="3200" spc="-100" dirty="0"/>
+            </a:br>
+            <a:endParaRPr kumimoji="1" lang="en-US" altLang="ja-JP" sz="3200" spc="-100" dirty="0"/>
+          </a:p>
+        </p:txBody>
+      </p:sp>
+      <p:pic>
+        <p:nvPicPr>
+          <p:cNvPr id="7" name="ビデオ 6">
+            <a:hlinkClick r:id="" action="ppaction://media"/>
+            <a:extLst>
+              <a:ext uri="{FF2B5EF4-FFF2-40B4-BE49-F238E27FC236}">
+                <a16:creationId xmlns:a16="http://schemas.microsoft.com/office/drawing/2014/main" id="{D6606B39-E497-4297-B667-53D50D622162}"/>
+              </a:ext>
+            </a:extLst>
+          </p:cNvPr>
+          <p:cNvPicPr>
+            <a:picLocks noChangeAspect="1"/>
+          </p:cNvPicPr>
+          <p:nvPr>
+            <a:videoFile r:link="rId2"/>
+            <p:extLst>
+              <p:ext uri="{DAA4B4D4-6D71-4841-9C94-3DE7FCFB9230}">
+                <p14:media xmlns:p14="http://schemas.microsoft.com/office/powerpoint/2010/main" r:embed="rId1"/>
+              </p:ext>
+            </p:extLst>
+          </p:nvPr>
+        </p:nvPicPr>
+        <p:blipFill>
+          <a:blip r:embed="rId4"/>
+          <a:stretch>
+            <a:fillRect/>
+          </a:stretch>
+        </p:blipFill>
+        <p:spPr>
+          <a:xfrm>
+            <a:off x="204612" y="-586507"/>
+            <a:ext cx="11743320" cy="6281453"/>
+          </a:xfrm>
+          <a:prstGeom prst="rect">
+            <a:avLst/>
+          </a:prstGeom>
+        </p:spPr>
+      </p:pic>
+    </p:spTree>
+    <p:extLst>
+      <p:ext uri="{BB962C8B-B14F-4D97-AF65-F5344CB8AC3E}">
+        <p14:creationId xmlns:p14="http://schemas.microsoft.com/office/powerpoint/2010/main" val="989697342"/>
+      </p:ext>
+    </p:extLst>
+  </p:cSld>
+  <p:clrMapOvr>
+    <a:masterClrMapping/>
+  </p:clrMapOvr>
+  <p:timing>
+    <p:tnLst>
+      <p:par>
+        <p:cTn id="1" dur="indefinite" restart="never" nodeType="tmRoot">
+          <p:childTnLst>
+            <p:seq concurrent="1" nextAc="seek">
+              <p:cTn id="2" dur="indefinite" nodeType="mainSeq">
+                <p:childTnLst>
+                  <p:par>
+                    <p:cTn id="3" fill="hold">
+                      <p:stCondLst>
+                        <p:cond delay="indefinite"/>
+                        <p:cond evt="onBegin" delay="0">
+                          <p:tn val="2"/>
+                        </p:cond>
+                      </p:stCondLst>
+                      <p:childTnLst>
+                        <p:par>
+                          <p:cTn id="4" fill="hold">
+                            <p:stCondLst>
+                              <p:cond delay="0"/>
+                            </p:stCondLst>
+                            <p:childTnLst>
+                              <p:par>
+                                <p:cTn id="5" presetID="1" presetClass="mediacall" presetSubtype="0" fill="hold" nodeType="withEffect">
+                                  <p:stCondLst>
+                                    <p:cond delay="0"/>
+                                  </p:stCondLst>
+                                  <p:childTnLst>
+                                    <p:cmd type="call" cmd="playFrom(0.0)">
+                                      <p:cBhvr>
+                                        <p:cTn id="6" dur="3647" fill="hold"/>
+                                        <p:tgtEl>
+                                          <p:spTgt spid="7"/>
+                                        </p:tgtEl>
+                                      </p:cBhvr>
+                                    </p:cmd>
+                                  </p:childTnLst>
+                                </p:cTn>
+                              </p:par>
+                            </p:childTnLst>
+                          </p:cTn>
+                        </p:par>
+                      </p:childTnLst>
+                    </p:cTn>
+                  </p:par>
+                </p:childTnLst>
+              </p:cTn>
+              <p:prevCondLst>
+                <p:cond evt="onPrev" delay="0">
+                  <p:tgtEl>
+                    <p:sldTgt/>
+                  </p:tgtEl>
+                </p:cond>
+              </p:prevCondLst>
+              <p:nextCondLst>
+                <p:cond evt="onNext" delay="0">
+                  <p:tgtEl>
+                    <p:sldTgt/>
+                  </p:tgtEl>
+                </p:cond>
+              </p:nextCondLst>
+            </p:seq>
+            <p:video>
+              <p:cMediaNode vol="80000" mute="1">
+                <p:cTn id="7" repeatCount="indefinite" fill="hold" display="0">
+                  <p:stCondLst>
+                    <p:cond delay="indefinite"/>
+                  </p:stCondLst>
+                </p:cTn>
+                <p:tgtEl>
+                  <p:spTgt spid="7"/>
+                </p:tgtEl>
+              </p:cMediaNode>
+            </p:video>
+            <p:seq concurrent="1" nextAc="seek">
+              <p:cTn id="8" restart="whenNotActive" fill="hold" evtFilter="cancelBubble" nodeType="interactiveSeq">
+                <p:stCondLst>
+                  <p:cond evt="onClick" delay="0">
+                    <p:tgtEl>
+                      <p:spTgt spid="7"/>
+                    </p:tgtEl>
+                  </p:cond>
+                </p:stCondLst>
+                <p:endSync evt="end" delay="0">
+                  <p:rtn val="all"/>
+                </p:endSync>
+                <p:childTnLst>
+                  <p:par>
+                    <p:cTn id="9" fill="hold">
+                      <p:stCondLst>
+                        <p:cond delay="0"/>
+                      </p:stCondLst>
+                      <p:childTnLst>
+                        <p:par>
+                          <p:cTn id="10" fill="hold">
+                            <p:stCondLst>
+                              <p:cond delay="0"/>
+                            </p:stCondLst>
+                            <p:childTnLst>
+                              <p:par>
+                                <p:cTn id="11" presetID="2" presetClass="mediacall" presetSubtype="0" fill="hold" nodeType="clickEffect">
+                                  <p:stCondLst>
+                                    <p:cond delay="0"/>
+                                  </p:stCondLst>
+                                  <p:childTnLst>
+                                    <p:cmd type="call" cmd="togglePause">
+                                      <p:cBhvr>
+                                        <p:cTn id="12" dur="1" fill="hold"/>
+                                        <p:tgtEl>
+                                          <p:spTgt spid="7"/>
+                                        </p:tgtEl>
+                                      </p:cBhvr>
+                                    </p:cmd>
+                                  </p:childTnLst>
+                                </p:cTn>
+                              </p:par>
+                            </p:childTnLst>
+                          </p:cTn>
+                        </p:par>
+                      </p:childTnLst>
+                    </p:cTn>
+                  </p:par>
+                </p:childTnLst>
+              </p:cTn>
+              <p:nextCondLst>
+                <p:cond evt="onClick" delay="0">
+                  <p:tgtEl>
+                    <p:spTgt spid="7"/>
+                  </p:tgtEl>
+                </p:cond>
+              </p:nextCondLst>
+            </p:seq>
+          </p:childTnLst>
+        </p:cTn>
+      </p:par>
+    </p:tnLst>
+  </p:timing>
+</p:sld>
+</file>
+
+<file path=ppt/slides/slide11.xml><?xml version="1.0" encoding="utf-8"?>
+<p:sld xmlns:a="http://schemas.openxmlformats.org/drawingml/2006/main" xmlns:r="http://schemas.openxmlformats.org/officeDocument/2006/relationships" xmlns:p="http://schemas.openxmlformats.org/presentationml/2006/main">
+  <p:cSld>
+    <p:bg>
+      <p:bgPr>
+        <a:solidFill>
+          <a:schemeClr val="bg1"/>
+        </a:solidFill>
+        <a:effectLst/>
+      </p:bgPr>
+    </p:bg>
+    <p:spTree>
+      <p:nvGrpSpPr>
+        <p:cNvPr id="1" name=""/>
+        <p:cNvGrpSpPr/>
+        <p:nvPr/>
+      </p:nvGrpSpPr>
+      <p:grpSpPr>
+        <a:xfrm>
+          <a:off x="0" y="0"/>
+          <a:ext cx="0" cy="0"/>
+          <a:chOff x="0" y="0"/>
+          <a:chExt cx="0" cy="0"/>
+        </a:xfrm>
+      </p:grpSpPr>
+      <p:sp>
+        <p:nvSpPr>
+          <p:cNvPr id="10" name="Rectangle 9">
+            <a:extLst>
+              <a:ext uri="{FF2B5EF4-FFF2-40B4-BE49-F238E27FC236}">
+                <a16:creationId xmlns:a16="http://schemas.microsoft.com/office/drawing/2014/main" id="{DB8424AB-D56B-4256-866A-5B54DE93C20F}"/>
+              </a:ext>
+              <a:ext uri="{C183D7F6-B498-43B3-948B-1728B52AA6E4}">
+                <adec:decorative xmlns:adec="http://schemas.microsoft.com/office/drawing/2017/decorative" val="1"/>
+              </a:ext>
+            </a:extLst>
+          </p:cNvPr>
+          <p:cNvSpPr>
+            <a:spLocks noGrp="1" noRot="1" noChangeAspect="1" noMove="1" noResize="1" noEditPoints="1" noAdjustHandles="1" noChangeArrowheads="1" noChangeShapeType="1" noTextEdit="1"/>
+          </p:cNvSpPr>
+          <p:nvPr>
+            <p:extLst>
+              <p:ext uri="{386F3935-93C4-4BCD-93E2-E3B085C9AB24}">
+                <p16:designElem xmlns:p16="http://schemas.microsoft.com/office/powerpoint/2015/main" val="1"/>
+              </p:ext>
+            </p:extLst>
+          </p:nvPr>
+        </p:nvSpPr>
+        <p:spPr>
+          <a:xfrm>
+            <a:off x="0" y="761999"/>
+            <a:ext cx="9141619" cy="5334001"/>
+          </a:xfrm>
+          <a:prstGeom prst="rect">
+            <a:avLst/>
+          </a:prstGeom>
+          <a:solidFill>
+            <a:schemeClr val="accent1"/>
+          </a:solidFill>
+          <a:ln>
+            <a:noFill/>
+          </a:ln>
+        </p:spPr>
+        <p:style>
+          <a:lnRef idx="2">
+            <a:schemeClr val="accent1">
+              <a:shade val="50000"/>
+            </a:schemeClr>
+          </a:lnRef>
+          <a:fillRef idx="1">
+            <a:schemeClr val="accent1"/>
+          </a:fillRef>
+          <a:effectRef idx="0">
+            <a:schemeClr val="accent1"/>
+          </a:effectRef>
+          <a:fontRef idx="minor">
+            <a:schemeClr val="lt1"/>
+          </a:fontRef>
+        </p:style>
+      </p:sp>
+      <p:sp>
+        <p:nvSpPr>
+          <p:cNvPr id="12" name="Rectangle 11">
+            <a:extLst>
+              <a:ext uri="{FF2B5EF4-FFF2-40B4-BE49-F238E27FC236}">
+                <a16:creationId xmlns:a16="http://schemas.microsoft.com/office/drawing/2014/main" id="{FC999C28-AD33-4EB7-A5F1-C06D10A5FDF7}"/>
+              </a:ext>
+              <a:ext uri="{C183D7F6-B498-43B3-948B-1728B52AA6E4}">
+                <adec:decorative xmlns:adec="http://schemas.microsoft.com/office/drawing/2017/decorative" val="1"/>
+              </a:ext>
+            </a:extLst>
+          </p:cNvPr>
+          <p:cNvSpPr>
+            <a:spLocks noGrp="1" noRot="1" noChangeAspect="1" noMove="1" noResize="1" noEditPoints="1" noAdjustHandles="1" noChangeArrowheads="1" noChangeShapeType="1" noTextEdit="1"/>
+          </p:cNvSpPr>
+          <p:nvPr>
+            <p:extLst>
+              <p:ext uri="{386F3935-93C4-4BCD-93E2-E3B085C9AB24}">
+                <p16:designElem xmlns:p16="http://schemas.microsoft.com/office/powerpoint/2015/main" val="1"/>
+              </p:ext>
+            </p:extLst>
+          </p:nvPr>
+        </p:nvSpPr>
+        <p:spPr>
+          <a:xfrm>
+            <a:off x="9270263" y="761999"/>
+            <a:ext cx="2925318" cy="5334001"/>
+          </a:xfrm>
+          <a:prstGeom prst="rect">
+            <a:avLst/>
+          </a:prstGeom>
+          <a:solidFill>
+            <a:srgbClr val="C8C8C8">
+              <a:alpha val="49804"/>
+            </a:srgbClr>
+          </a:solidFill>
+          <a:ln>
+            <a:noFill/>
+          </a:ln>
+        </p:spPr>
+        <p:style>
+          <a:lnRef idx="2">
+            <a:schemeClr val="accent1">
+              <a:shade val="50000"/>
+            </a:schemeClr>
+          </a:lnRef>
+          <a:fillRef idx="1">
+            <a:schemeClr val="accent1"/>
+          </a:fillRef>
+          <a:effectRef idx="0">
+            <a:schemeClr val="accent1"/>
+          </a:effectRef>
+          <a:fontRef idx="minor">
+            <a:schemeClr val="lt1"/>
+          </a:fontRef>
+        </p:style>
+      </p:sp>
+      <p:sp useBgFill="1">
+        <p:nvSpPr>
+          <p:cNvPr id="14" name="Rectangle 13">
+            <a:extLst>
+              <a:ext uri="{FF2B5EF4-FFF2-40B4-BE49-F238E27FC236}">
+                <a16:creationId xmlns:a16="http://schemas.microsoft.com/office/drawing/2014/main" id="{9203ABB4-7E2A-4248-9FE7-4A419AFF2F17}"/>
+              </a:ext>
+              <a:ext uri="{C183D7F6-B498-43B3-948B-1728B52AA6E4}">
+                <adec:decorative xmlns:adec="http://schemas.microsoft.com/office/drawing/2017/decorative" val="1"/>
+              </a:ext>
+            </a:extLst>
+          </p:cNvPr>
+          <p:cNvSpPr>
+            <a:spLocks noGrp="1" noRot="1" noChangeAspect="1" noMove="1" noResize="1" noEditPoints="1" noAdjustHandles="1" noChangeArrowheads="1" noChangeShapeType="1" noTextEdit="1"/>
+          </p:cNvSpPr>
+          <p:nvPr>
+            <p:extLst>
+              <p:ext uri="{386F3935-93C4-4BCD-93E2-E3B085C9AB24}">
+                <p16:designElem xmlns:p16="http://schemas.microsoft.com/office/powerpoint/2015/main" val="1"/>
+              </p:ext>
+            </p:extLst>
+          </p:nvPr>
+        </p:nvSpPr>
+        <p:spPr>
+          <a:xfrm>
+            <a:off x="0" y="0"/>
+            <a:ext cx="12191999" cy="6858000"/>
+          </a:xfrm>
+          <a:prstGeom prst="rect">
+            <a:avLst/>
+          </a:prstGeom>
+          <a:ln>
+            <a:noFill/>
+          </a:ln>
+        </p:spPr>
+        <p:style>
+          <a:lnRef idx="2">
+            <a:schemeClr val="accent1">
+              <a:shade val="50000"/>
+            </a:schemeClr>
+          </a:lnRef>
+          <a:fillRef idx="1">
+            <a:schemeClr val="accent1"/>
+          </a:fillRef>
+          <a:effectRef idx="0">
+            <a:schemeClr val="accent1"/>
+          </a:effectRef>
+          <a:fontRef idx="minor">
+            <a:schemeClr val="lt1"/>
+          </a:fontRef>
+        </p:style>
+        <p:txBody>
+          <a:bodyPr rtlCol="0" anchor="ctr"/>
+          <a:lstStyle/>
+          <a:p>
+            <a:pPr marL="0" marR="0" lvl="0" indent="0" algn="ctr" defTabSz="457200" rtl="0" eaLnBrk="1" fontAlgn="auto" latinLnBrk="0" hangingPunct="1">
+              <a:lnSpc>
+                <a:spcPct val="100000"/>
+              </a:lnSpc>
+              <a:spcBef>
+                <a:spcPts val="0"/>
+              </a:spcBef>
+              <a:spcAft>
+                <a:spcPts val="0"/>
+              </a:spcAft>
+              <a:buClrTx/>
+              <a:buSzTx/>
+              <a:buFontTx/>
+              <a:buNone/>
+              <a:tabLst/>
+              <a:defRPr/>
+            </a:pPr>
+            <a:endParaRPr kumimoji="0" lang="en-US" sz="1800" b="0" i="0" u="none" strike="noStrike" kern="1200" cap="none" spc="0" normalizeH="0" baseline="0" noProof="0">
+              <a:ln>
+                <a:noFill/>
+              </a:ln>
+              <a:solidFill>
+                <a:srgbClr val="FFFFFF"/>
+              </a:solidFill>
+              <a:effectLst/>
+              <a:uLnTx/>
+              <a:uFillTx/>
+              <a:latin typeface="Corbel" panose="020B0503020204020204"/>
+              <a:ea typeface="+mn-ea"/>
+              <a:cs typeface="+mn-cs"/>
+            </a:endParaRPr>
+          </a:p>
+        </p:txBody>
+      </p:sp>
+      <p:sp>
+        <p:nvSpPr>
+          <p:cNvPr id="16" name="Rectangle 15">
+            <a:extLst>
+              <a:ext uri="{FF2B5EF4-FFF2-40B4-BE49-F238E27FC236}">
+                <a16:creationId xmlns:a16="http://schemas.microsoft.com/office/drawing/2014/main" id="{3126970D-C1E5-4FB1-84E8-86CB9CED1C80}"/>
+              </a:ext>
+              <a:ext uri="{C183D7F6-B498-43B3-948B-1728B52AA6E4}">
+                <adec:decorative xmlns:adec="http://schemas.microsoft.com/office/drawing/2017/decorative" val="1"/>
+              </a:ext>
+            </a:extLst>
+          </p:cNvPr>
+          <p:cNvSpPr>
+            <a:spLocks noGrp="1" noRot="1" noChangeAspect="1" noMove="1" noResize="1" noEditPoints="1" noAdjustHandles="1" noChangeArrowheads="1" noChangeShapeType="1" noTextEdit="1"/>
+          </p:cNvSpPr>
+          <p:nvPr>
+            <p:extLst>
+              <p:ext uri="{386F3935-93C4-4BCD-93E2-E3B085C9AB24}">
+                <p16:designElem xmlns:p16="http://schemas.microsoft.com/office/powerpoint/2015/main" val="1"/>
+              </p:ext>
+            </p:extLst>
+          </p:nvPr>
+        </p:nvSpPr>
+        <p:spPr>
+          <a:xfrm>
+            <a:off x="0" y="4367639"/>
+            <a:ext cx="11707367" cy="1852186"/>
+          </a:xfrm>
+          <a:prstGeom prst="rect">
+            <a:avLst/>
+          </a:prstGeom>
+          <a:solidFill>
+            <a:schemeClr val="accent1"/>
+          </a:solidFill>
+          <a:ln>
+            <a:noFill/>
+          </a:ln>
+        </p:spPr>
+        <p:style>
+          <a:lnRef idx="2">
+            <a:schemeClr val="accent1">
+              <a:shade val="50000"/>
+            </a:schemeClr>
+          </a:lnRef>
+          <a:fillRef idx="1">
+            <a:schemeClr val="accent1"/>
+          </a:fillRef>
+          <a:effectRef idx="0">
+            <a:schemeClr val="accent1"/>
+          </a:effectRef>
+          <a:fontRef idx="minor">
+            <a:schemeClr val="lt1"/>
+          </a:fontRef>
+        </p:style>
+      </p:sp>
+      <p:sp>
+        <p:nvSpPr>
+          <p:cNvPr id="2" name="タイトル 1">
+            <a:extLst>
+              <a:ext uri="{FF2B5EF4-FFF2-40B4-BE49-F238E27FC236}">
                 <a16:creationId xmlns:a16="http://schemas.microsoft.com/office/drawing/2014/main" id="{F085B8D2-473E-4747-8082-17859E0245DE}"/>
               </a:ext>
             </a:extLst>
@@ -6008,7 +6518,7 @@
 </p:sld>
 </file>
 
-<file path=ppt/slides/slide11.xml><?xml version="1.0" encoding="utf-8"?>
+<file path=ppt/slides/slide12.xml><?xml version="1.0" encoding="utf-8"?>
 <p:sld xmlns:a="http://schemas.openxmlformats.org/drawingml/2006/main" xmlns:r="http://schemas.openxmlformats.org/officeDocument/2006/relationships" xmlns:p="http://schemas.openxmlformats.org/presentationml/2006/main">
   <p:cSld>
     <p:bg>
@@ -6797,7 +7307,7 @@
 </p:sld>
 </file>
 
-<file path=ppt/slides/slide12.xml><?xml version="1.0" encoding="utf-8"?>
+<file path=ppt/slides/slide13.xml><?xml version="1.0" encoding="utf-8"?>
 <p:sld xmlns:a="http://schemas.openxmlformats.org/drawingml/2006/main" xmlns:r="http://schemas.openxmlformats.org/officeDocument/2006/relationships" xmlns:p="http://schemas.openxmlformats.org/presentationml/2006/main">
   <p:cSld>
     <p:bg>
@@ -7163,7 +7673,7 @@
 </p:sld>
 </file>
 
-<file path=ppt/slides/slide13.xml><?xml version="1.0" encoding="utf-8"?>
+<file path=ppt/slides/slide14.xml><?xml version="1.0" encoding="utf-8"?>
 <p:sld xmlns:a="http://schemas.openxmlformats.org/drawingml/2006/main" xmlns:r="http://schemas.openxmlformats.org/officeDocument/2006/relationships" xmlns:p="http://schemas.openxmlformats.org/presentationml/2006/main">
   <p:cSld>
     <p:bg>
@@ -7675,7 +8185,7 @@
 </p:sld>
 </file>
 
-<file path=ppt/slides/slide14.xml><?xml version="1.0" encoding="utf-8"?>
+<file path=ppt/slides/slide15.xml><?xml version="1.0" encoding="utf-8"?>
 <p:sld xmlns:a="http://schemas.openxmlformats.org/drawingml/2006/main" xmlns:r="http://schemas.openxmlformats.org/officeDocument/2006/relationships" xmlns:p="http://schemas.openxmlformats.org/presentationml/2006/main">
   <p:cSld>
     <p:spTree>
@@ -8042,7 +8552,7 @@
 </p:sld>
 </file>
 
-<file path=ppt/slides/slide15.xml><?xml version="1.0" encoding="utf-8"?>
+<file path=ppt/slides/slide16.xml><?xml version="1.0" encoding="utf-8"?>
 <p:sld xmlns:a="http://schemas.openxmlformats.org/drawingml/2006/main" xmlns:r="http://schemas.openxmlformats.org/officeDocument/2006/relationships" xmlns:p="http://schemas.openxmlformats.org/presentationml/2006/main">
   <p:cSld>
     <p:spTree>
@@ -8247,576 +8757,12 @@
           </a:p>
         </p:txBody>
       </p:sp>
-    </p:spTree>
-    <p:extLst>
-      <p:ext uri="{BB962C8B-B14F-4D97-AF65-F5344CB8AC3E}">
-        <p14:creationId xmlns:p14="http://schemas.microsoft.com/office/powerpoint/2010/main" val="2146826603"/>
-      </p:ext>
-    </p:extLst>
-  </p:cSld>
-  <p:clrMapOvr>
-    <a:masterClrMapping/>
-  </p:clrMapOvr>
-</p:sld>
-</file>
-
-<file path=ppt/slides/slide16.xml><?xml version="1.0" encoding="utf-8"?>
-<p:sld xmlns:a="http://schemas.openxmlformats.org/drawingml/2006/main" xmlns:r="http://schemas.openxmlformats.org/officeDocument/2006/relationships" xmlns:p="http://schemas.openxmlformats.org/presentationml/2006/main">
-  <p:cSld>
-    <p:spTree>
-      <p:nvGrpSpPr>
-        <p:cNvPr id="1" name=""/>
-        <p:cNvGrpSpPr/>
-        <p:nvPr/>
-      </p:nvGrpSpPr>
-      <p:grpSpPr>
-        <a:xfrm>
-          <a:off x="0" y="0"/>
-          <a:ext cx="0" cy="0"/>
-          <a:chOff x="0" y="0"/>
-          <a:chExt cx="0" cy="0"/>
-        </a:xfrm>
-      </p:grpSpPr>
-      <p:sp>
-        <p:nvSpPr>
-          <p:cNvPr id="5" name="コンテンツ プレースホルダー 4">
+      <p:sp>
+        <p:nvSpPr>
+          <p:cNvPr id="6" name="小波 5">
             <a:extLst>
               <a:ext uri="{FF2B5EF4-FFF2-40B4-BE49-F238E27FC236}">
-                <a16:creationId xmlns:a16="http://schemas.microsoft.com/office/drawing/2014/main" id="{91B13B31-DBAB-4B5F-9D11-A31993582363}"/>
-              </a:ext>
-            </a:extLst>
-          </p:cNvPr>
-          <p:cNvSpPr>
-            <a:spLocks noGrp="1"/>
-          </p:cNvSpPr>
-          <p:nvPr>
-            <p:ph idx="1"/>
-          </p:nvPr>
-        </p:nvSpPr>
-        <p:spPr>
-          <a:xfrm>
-            <a:off x="3767449" y="868362"/>
-            <a:ext cx="7315200" cy="5121275"/>
-          </a:xfrm>
-          <a:prstGeom prst="roundRect">
-            <a:avLst/>
-          </a:prstGeom>
-          <a:solidFill>
-            <a:schemeClr val="bg1"/>
-          </a:solidFill>
-          <a:ln w="28575"/>
-        </p:spPr>
-        <p:style>
-          <a:lnRef idx="2">
-            <a:schemeClr val="accent1">
-              <a:shade val="50000"/>
-            </a:schemeClr>
-          </a:lnRef>
-          <a:fillRef idx="1">
-            <a:schemeClr val="accent1"/>
-          </a:fillRef>
-          <a:effectRef idx="0">
-            <a:schemeClr val="accent1"/>
-          </a:effectRef>
-          <a:fontRef idx="minor">
-            <a:schemeClr val="lt1"/>
-          </a:fontRef>
-        </p:style>
-        <p:txBody>
-          <a:bodyPr rtlCol="0" anchor="ctr"/>
-          <a:lstStyle/>
-          <a:p>
-            <a:pPr marL="0" indent="0">
-              <a:buNone/>
-            </a:pPr>
-            <a:r>
-              <a:rPr kumimoji="1" lang="en-US" altLang="ja-JP" dirty="0">
-                <a:solidFill>
-                  <a:schemeClr val="tx1">
-                    <a:lumMod val="65000"/>
-                    <a:lumOff val="35000"/>
-                  </a:schemeClr>
-                </a:solidFill>
-              </a:rPr>
-              <a:t>【</a:t>
-            </a:r>
-            <a:r>
-              <a:rPr kumimoji="1" lang="ja-JP" altLang="en-US" dirty="0">
-                <a:solidFill>
-                  <a:schemeClr val="tx1">
-                    <a:lumMod val="65000"/>
-                    <a:lumOff val="35000"/>
-                  </a:schemeClr>
-                </a:solidFill>
-              </a:rPr>
-              <a:t>達成基準</a:t>
-            </a:r>
-            <a:r>
-              <a:rPr kumimoji="1" lang="en-US" altLang="ja-JP" dirty="0">
-                <a:solidFill>
-                  <a:schemeClr val="tx1">
-                    <a:lumMod val="65000"/>
-                    <a:lumOff val="35000"/>
-                  </a:schemeClr>
-                </a:solidFill>
-              </a:rPr>
-              <a:t>】</a:t>
-            </a:r>
-          </a:p>
-          <a:p>
-            <a:pPr marL="0" indent="0">
-              <a:buNone/>
-            </a:pPr>
-            <a:r>
-              <a:rPr kumimoji="1" lang="ja-JP" altLang="en-US" dirty="0">
-                <a:solidFill>
-                  <a:schemeClr val="tx1">
-                    <a:lumMod val="65000"/>
-                    <a:lumOff val="35000"/>
-                  </a:schemeClr>
-                </a:solidFill>
-              </a:rPr>
-              <a:t>＜チームの一員としての主体性＞</a:t>
-            </a:r>
-            <a:endParaRPr kumimoji="1" lang="en-US" altLang="ja-JP" dirty="0">
-              <a:solidFill>
-                <a:schemeClr val="tx1">
-                  <a:lumMod val="65000"/>
-                  <a:lumOff val="35000"/>
-                </a:schemeClr>
-              </a:solidFill>
-            </a:endParaRPr>
-          </a:p>
-          <a:p>
-            <a:pPr marL="0" indent="0" rtl="0">
-              <a:spcBef>
-                <a:spcPts val="0"/>
-              </a:spcBef>
-              <a:spcAft>
-                <a:spcPts val="0"/>
-              </a:spcAft>
-              <a:buNone/>
-            </a:pPr>
-            <a:r>
-              <a:rPr lang="ja-JP" altLang="en-US" sz="1800" b="0" i="0" u="none" strike="noStrike" dirty="0">
-                <a:solidFill>
-                  <a:schemeClr val="tx1">
-                    <a:lumMod val="65000"/>
-                    <a:lumOff val="35000"/>
-                  </a:schemeClr>
-                </a:solidFill>
-                <a:effectLst/>
-                <a:latin typeface="Arial" panose="020B0604020202020204" pitchFamily="34" charset="0"/>
-              </a:rPr>
-              <a:t>①</a:t>
-            </a:r>
-            <a:r>
-              <a:rPr lang="en-US" altLang="ja-JP" sz="1800" b="0" i="0" u="none" strike="noStrike" dirty="0">
-                <a:solidFill>
-                  <a:schemeClr val="tx1">
-                    <a:lumMod val="65000"/>
-                    <a:lumOff val="35000"/>
-                  </a:schemeClr>
-                </a:solidFill>
-                <a:effectLst/>
-                <a:latin typeface="Arial" panose="020B0604020202020204" pitchFamily="34" charset="0"/>
-              </a:rPr>
-              <a:t>-1</a:t>
-            </a:r>
-            <a:r>
-              <a:rPr lang="ja-JP" altLang="en-US" sz="1800" b="0" i="0" u="none" strike="noStrike" dirty="0">
-                <a:solidFill>
-                  <a:schemeClr val="tx1">
-                    <a:lumMod val="65000"/>
-                    <a:lumOff val="35000"/>
-                  </a:schemeClr>
-                </a:solidFill>
-                <a:effectLst/>
-                <a:latin typeface="Arial" panose="020B0604020202020204" pitchFamily="34" charset="0"/>
-              </a:rPr>
-              <a:t>自分の作業の現状や課題点について、チーム内で当日中に報告できている。</a:t>
-            </a:r>
-            <a:endParaRPr lang="ja-JP" altLang="en-US" b="0" dirty="0">
-              <a:solidFill>
-                <a:schemeClr val="tx1">
-                  <a:lumMod val="65000"/>
-                  <a:lumOff val="35000"/>
-                </a:schemeClr>
-              </a:solidFill>
-              <a:effectLst/>
-            </a:endParaRPr>
-          </a:p>
-          <a:p>
-            <a:pPr marL="0" indent="0" rtl="0">
-              <a:spcBef>
-                <a:spcPts val="0"/>
-              </a:spcBef>
-              <a:spcAft>
-                <a:spcPts val="0"/>
-              </a:spcAft>
-              <a:buNone/>
-            </a:pPr>
-            <a:r>
-              <a:rPr lang="ja-JP" altLang="en-US" sz="1800" b="0" i="0" u="none" strike="noStrike" dirty="0">
-                <a:solidFill>
-                  <a:schemeClr val="tx1">
-                    <a:lumMod val="65000"/>
-                    <a:lumOff val="35000"/>
-                  </a:schemeClr>
-                </a:solidFill>
-                <a:effectLst/>
-                <a:latin typeface="Arial" panose="020B0604020202020204" pitchFamily="34" charset="0"/>
-              </a:rPr>
-              <a:t>①</a:t>
-            </a:r>
-            <a:r>
-              <a:rPr lang="en-US" altLang="ja-JP" sz="1800" b="0" i="0" u="none" strike="noStrike" dirty="0">
-                <a:solidFill>
-                  <a:schemeClr val="tx1">
-                    <a:lumMod val="65000"/>
-                    <a:lumOff val="35000"/>
-                  </a:schemeClr>
-                </a:solidFill>
-                <a:effectLst/>
-                <a:latin typeface="Arial" panose="020B0604020202020204" pitchFamily="34" charset="0"/>
-              </a:rPr>
-              <a:t>-2</a:t>
-            </a:r>
-            <a:r>
-              <a:rPr lang="ja-JP" altLang="en-US" sz="1800" b="0" i="0" u="none" strike="noStrike" dirty="0">
-                <a:solidFill>
-                  <a:schemeClr val="tx1">
-                    <a:lumMod val="65000"/>
-                    <a:lumOff val="35000"/>
-                  </a:schemeClr>
-                </a:solidFill>
-                <a:effectLst/>
-                <a:latin typeface="Arial" panose="020B0604020202020204" pitchFamily="34" charset="0"/>
-              </a:rPr>
-              <a:t>プロジェクト全体の進捗状況を全員が把握し、日報にて会社の上司に説明することができる。</a:t>
-            </a:r>
-            <a:endParaRPr lang="ja-JP" altLang="en-US" b="0" dirty="0">
-              <a:solidFill>
-                <a:schemeClr val="tx1">
-                  <a:lumMod val="65000"/>
-                  <a:lumOff val="35000"/>
-                </a:schemeClr>
-              </a:solidFill>
-              <a:effectLst/>
-            </a:endParaRPr>
-          </a:p>
-          <a:p>
-            <a:pPr marL="0" indent="0" rtl="0">
-              <a:spcBef>
-                <a:spcPts val="0"/>
-              </a:spcBef>
-              <a:spcAft>
-                <a:spcPts val="0"/>
-              </a:spcAft>
-              <a:buNone/>
-            </a:pPr>
-            <a:endParaRPr lang="en-US" altLang="ja-JP" sz="1800" b="0" i="0" u="none" strike="noStrike" dirty="0">
-              <a:solidFill>
-                <a:schemeClr val="tx1">
-                  <a:lumMod val="65000"/>
-                  <a:lumOff val="35000"/>
-                </a:schemeClr>
-              </a:solidFill>
-              <a:effectLst/>
-              <a:latin typeface="Arial" panose="020B0604020202020204" pitchFamily="34" charset="0"/>
-            </a:endParaRPr>
-          </a:p>
-          <a:p>
-            <a:pPr marL="0" indent="0" rtl="0">
-              <a:spcBef>
-                <a:spcPts val="0"/>
-              </a:spcBef>
-              <a:spcAft>
-                <a:spcPts val="0"/>
-              </a:spcAft>
-              <a:buNone/>
-            </a:pPr>
-            <a:r>
-              <a:rPr lang="ja-JP" altLang="en-US" dirty="0">
-                <a:solidFill>
-                  <a:schemeClr val="tx1">
-                    <a:lumMod val="65000"/>
-                    <a:lumOff val="35000"/>
-                  </a:schemeClr>
-                </a:solidFill>
-                <a:latin typeface="Arial" panose="020B0604020202020204" pitchFamily="34" charset="0"/>
-              </a:rPr>
-              <a:t>＜各担当としての主体性＞→個人の成果として発表</a:t>
-            </a:r>
-            <a:endParaRPr lang="en-US" altLang="ja-JP" dirty="0">
-              <a:solidFill>
-                <a:schemeClr val="tx1">
-                  <a:lumMod val="65000"/>
-                  <a:lumOff val="35000"/>
-                </a:schemeClr>
-              </a:solidFill>
-              <a:latin typeface="Arial" panose="020B0604020202020204" pitchFamily="34" charset="0"/>
-            </a:endParaRPr>
-          </a:p>
-          <a:p>
-            <a:pPr marL="0" indent="0" rtl="0">
-              <a:spcBef>
-                <a:spcPts val="0"/>
-              </a:spcBef>
-              <a:spcAft>
-                <a:spcPts val="0"/>
-              </a:spcAft>
-              <a:buNone/>
-            </a:pPr>
-            <a:r>
-              <a:rPr lang="ja-JP" altLang="en-US" sz="1800" b="0" i="0" u="none" strike="noStrike" dirty="0">
-                <a:solidFill>
-                  <a:schemeClr val="tx1">
-                    <a:lumMod val="65000"/>
-                    <a:lumOff val="35000"/>
-                  </a:schemeClr>
-                </a:solidFill>
-                <a:effectLst/>
-                <a:latin typeface="Arial" panose="020B0604020202020204" pitchFamily="34" charset="0"/>
-              </a:rPr>
-              <a:t>②</a:t>
-            </a:r>
-            <a:r>
-              <a:rPr lang="en-US" altLang="ja-JP" sz="1800" b="0" i="0" u="none" strike="noStrike" dirty="0">
-                <a:solidFill>
-                  <a:schemeClr val="tx1">
-                    <a:lumMod val="65000"/>
-                    <a:lumOff val="35000"/>
-                  </a:schemeClr>
-                </a:solidFill>
-                <a:effectLst/>
-                <a:latin typeface="Arial" panose="020B0604020202020204" pitchFamily="34" charset="0"/>
-              </a:rPr>
-              <a:t>-1</a:t>
-            </a:r>
-            <a:r>
-              <a:rPr lang="ja-JP" altLang="en-US" sz="1800" b="0" i="0" u="none" strike="noStrike" dirty="0">
-                <a:solidFill>
-                  <a:schemeClr val="tx1">
-                    <a:lumMod val="65000"/>
-                    <a:lumOff val="35000"/>
-                  </a:schemeClr>
-                </a:solidFill>
-                <a:effectLst/>
-                <a:latin typeface="Arial" panose="020B0604020202020204" pitchFamily="34" charset="0"/>
-              </a:rPr>
-              <a:t>自分の役割について説明できる。</a:t>
-            </a:r>
-            <a:endParaRPr lang="ja-JP" altLang="en-US" b="0" dirty="0">
-              <a:solidFill>
-                <a:schemeClr val="tx1">
-                  <a:lumMod val="65000"/>
-                  <a:lumOff val="35000"/>
-                </a:schemeClr>
-              </a:solidFill>
-              <a:effectLst/>
-            </a:endParaRPr>
-          </a:p>
-          <a:p>
-            <a:pPr marL="0" indent="0" rtl="0">
-              <a:spcBef>
-                <a:spcPts val="0"/>
-              </a:spcBef>
-              <a:spcAft>
-                <a:spcPts val="0"/>
-              </a:spcAft>
-              <a:buNone/>
-            </a:pPr>
-            <a:r>
-              <a:rPr lang="ja-JP" altLang="en-US" sz="1800" b="0" i="0" u="none" strike="noStrike" dirty="0">
-                <a:solidFill>
-                  <a:schemeClr val="tx1">
-                    <a:lumMod val="65000"/>
-                    <a:lumOff val="35000"/>
-                  </a:schemeClr>
-                </a:solidFill>
-                <a:effectLst/>
-                <a:latin typeface="Arial" panose="020B0604020202020204" pitchFamily="34" charset="0"/>
-              </a:rPr>
-              <a:t>②</a:t>
-            </a:r>
-            <a:r>
-              <a:rPr lang="en-US" altLang="ja-JP" sz="1800" b="0" i="0" u="none" strike="noStrike" dirty="0">
-                <a:solidFill>
-                  <a:schemeClr val="tx1">
-                    <a:lumMod val="65000"/>
-                    <a:lumOff val="35000"/>
-                  </a:schemeClr>
-                </a:solidFill>
-                <a:effectLst/>
-                <a:latin typeface="Arial" panose="020B0604020202020204" pitchFamily="34" charset="0"/>
-              </a:rPr>
-              <a:t>-2</a:t>
-            </a:r>
-            <a:r>
-              <a:rPr lang="ja-JP" altLang="en-US" sz="1800" b="0" i="0" u="none" strike="noStrike" dirty="0">
-                <a:solidFill>
-                  <a:schemeClr val="tx1">
-                    <a:lumMod val="65000"/>
-                    <a:lumOff val="35000"/>
-                  </a:schemeClr>
-                </a:solidFill>
-                <a:effectLst/>
-                <a:latin typeface="Arial" panose="020B0604020202020204" pitchFamily="34" charset="0"/>
-              </a:rPr>
-              <a:t>自分の担当の仕事を、誰かに指摘されなくても行うことができている。</a:t>
-            </a:r>
-            <a:endParaRPr lang="ja-JP" altLang="en-US" b="0" dirty="0">
-              <a:solidFill>
-                <a:schemeClr val="tx1">
-                  <a:lumMod val="65000"/>
-                  <a:lumOff val="35000"/>
-                </a:schemeClr>
-              </a:solidFill>
-              <a:effectLst/>
-            </a:endParaRPr>
-          </a:p>
-          <a:p>
-            <a:pPr marL="0" indent="0" rtl="0">
-              <a:spcBef>
-                <a:spcPts val="0"/>
-              </a:spcBef>
-              <a:spcAft>
-                <a:spcPts val="300"/>
-              </a:spcAft>
-              <a:buNone/>
-            </a:pPr>
-            <a:r>
-              <a:rPr lang="ja-JP" altLang="en-US" sz="1800" b="0" i="0" u="none" strike="noStrike" dirty="0">
-                <a:solidFill>
-                  <a:schemeClr val="tx1">
-                    <a:lumMod val="65000"/>
-                    <a:lumOff val="35000"/>
-                  </a:schemeClr>
-                </a:solidFill>
-                <a:effectLst/>
-                <a:latin typeface="Arial" panose="020B0604020202020204" pitchFamily="34" charset="0"/>
-              </a:rPr>
-              <a:t>②</a:t>
-            </a:r>
-            <a:r>
-              <a:rPr lang="en-US" altLang="ja-JP" sz="1800" b="0" i="0" u="none" strike="noStrike" dirty="0">
-                <a:solidFill>
-                  <a:schemeClr val="tx1">
-                    <a:lumMod val="65000"/>
-                    <a:lumOff val="35000"/>
-                  </a:schemeClr>
-                </a:solidFill>
-                <a:effectLst/>
-                <a:latin typeface="Arial" panose="020B0604020202020204" pitchFamily="34" charset="0"/>
-              </a:rPr>
-              <a:t>-3</a:t>
-            </a:r>
-            <a:r>
-              <a:rPr lang="ja-JP" altLang="en-US" sz="1800" b="0" i="0" u="none" strike="noStrike" dirty="0">
-                <a:solidFill>
-                  <a:schemeClr val="tx1">
-                    <a:lumMod val="65000"/>
-                    <a:lumOff val="35000"/>
-                  </a:schemeClr>
-                </a:solidFill>
-                <a:effectLst/>
-                <a:latin typeface="Arial" panose="020B0604020202020204" pitchFamily="34" charset="0"/>
-              </a:rPr>
-              <a:t>役割に基づいて主体的に行動した結果について説明できる。</a:t>
-            </a:r>
-            <a:br>
-              <a:rPr lang="ja-JP" altLang="en-US" dirty="0">
-                <a:solidFill>
-                  <a:schemeClr val="tx1">
-                    <a:lumMod val="65000"/>
-                    <a:lumOff val="35000"/>
-                  </a:schemeClr>
-                </a:solidFill>
-              </a:rPr>
-            </a:br>
-            <a:endParaRPr kumimoji="1" lang="ja-JP" altLang="en-US" dirty="0">
-              <a:solidFill>
-                <a:schemeClr val="tx1">
-                  <a:lumMod val="65000"/>
-                  <a:lumOff val="35000"/>
-                </a:schemeClr>
-              </a:solidFill>
-            </a:endParaRPr>
-          </a:p>
-        </p:txBody>
-      </p:sp>
-      <p:sp>
-        <p:nvSpPr>
-          <p:cNvPr id="2" name="タイトル 1">
-            <a:extLst>
-              <a:ext uri="{FF2B5EF4-FFF2-40B4-BE49-F238E27FC236}">
-                <a16:creationId xmlns:a16="http://schemas.microsoft.com/office/drawing/2014/main" id="{11FF109B-1A52-4682-9479-0DCAC48B3C35}"/>
-              </a:ext>
-            </a:extLst>
-          </p:cNvPr>
-          <p:cNvSpPr>
-            <a:spLocks noGrp="1"/>
-          </p:cNvSpPr>
-          <p:nvPr>
-            <p:ph type="title"/>
-          </p:nvPr>
-        </p:nvSpPr>
-        <p:spPr/>
-        <p:txBody>
-          <a:bodyPr/>
-          <a:lstStyle/>
-          <a:p>
-            <a:r>
-              <a:rPr kumimoji="1" lang="ja-JP" altLang="en-US" dirty="0"/>
-              <a:t>達成基準</a:t>
-            </a:r>
-          </a:p>
-        </p:txBody>
-      </p:sp>
-      <p:pic>
-        <p:nvPicPr>
-          <p:cNvPr id="4" name="図 3" descr="アイコン&#10;&#10;自動的に生成された説明">
-            <a:extLst>
-              <a:ext uri="{FF2B5EF4-FFF2-40B4-BE49-F238E27FC236}">
-                <a16:creationId xmlns:a16="http://schemas.microsoft.com/office/drawing/2014/main" id="{F80B5929-9B90-4E9C-B9E6-44E443331DB5}"/>
-              </a:ext>
-            </a:extLst>
-          </p:cNvPr>
-          <p:cNvPicPr>
-            <a:picLocks noChangeAspect="1"/>
-          </p:cNvPicPr>
-          <p:nvPr/>
-        </p:nvPicPr>
-        <p:blipFill>
-          <a:blip r:embed="rId3">
-            <a:alphaModFix amt="85000"/>
-            <a:extLst>
-              <a:ext uri="{28A0092B-C50C-407E-A947-70E740481C1C}">
-                <a14:useLocalDpi xmlns:a14="http://schemas.microsoft.com/office/drawing/2010/main" val="0"/>
-              </a:ext>
-            </a:extLst>
-          </a:blip>
-          <a:stretch>
-            <a:fillRect/>
-          </a:stretch>
-        </p:blipFill>
-        <p:spPr>
-          <a:xfrm>
-            <a:off x="9466729" y="5262949"/>
-            <a:ext cx="2725271" cy="1469817"/>
-          </a:xfrm>
-          <a:prstGeom prst="rect">
-            <a:avLst/>
-          </a:prstGeom>
-        </p:spPr>
-      </p:pic>
-      <p:sp>
-        <p:nvSpPr>
-          <p:cNvPr id="7" name="小波 6">
-            <a:extLst>
-              <a:ext uri="{FF2B5EF4-FFF2-40B4-BE49-F238E27FC236}">
-                <a16:creationId xmlns:a16="http://schemas.microsoft.com/office/drawing/2014/main" id="{74934D46-C529-4767-8A4B-2246B9A2A793}"/>
+                <a16:creationId xmlns:a16="http://schemas.microsoft.com/office/drawing/2014/main" id="{5A29BFF6-CD3A-409B-885F-ECBEAADA9723}"/>
               </a:ext>
             </a:extLst>
           </p:cNvPr>
@@ -8877,7 +8823,7 @@
     </p:spTree>
     <p:extLst>
       <p:ext uri="{BB962C8B-B14F-4D97-AF65-F5344CB8AC3E}">
-        <p14:creationId xmlns:p14="http://schemas.microsoft.com/office/powerpoint/2010/main" val="1841675847"/>
+        <p14:creationId xmlns:p14="http://schemas.microsoft.com/office/powerpoint/2010/main" val="2146826603"/>
       </p:ext>
     </p:extLst>
   </p:cSld>
@@ -8918,7 +8864,7 @@
                                           </p:stCondLst>
                                         </p:cTn>
                                         <p:tgtEl>
-                                          <p:spTgt spid="7"/>
+                                          <p:spTgt spid="6"/>
                                         </p:tgtEl>
                                         <p:attrNameLst>
                                           <p:attrName>style.visibility</p:attrName>
@@ -8936,7 +8882,7 @@
                                           </p:stCondLst>
                                         </p:cTn>
                                         <p:tgtEl>
-                                          <p:spTgt spid="7"/>
+                                          <p:spTgt spid="6"/>
                                         </p:tgtEl>
                                       </p:cBhvr>
                                     </p:animEffect>
@@ -8948,7 +8894,7 @@
                                           </p:stCondLst>
                                         </p:cTn>
                                         <p:tgtEl>
-                                          <p:spTgt spid="7"/>
+                                          <p:spTgt spid="6"/>
                                         </p:tgtEl>
                                         <p:attrNameLst>
                                           <p:attrName>ppt_x</p:attrName>
@@ -8975,7 +8921,7 @@
                                           </p:stCondLst>
                                         </p:cTn>
                                         <p:tgtEl>
-                                          <p:spTgt spid="7"/>
+                                          <p:spTgt spid="6"/>
                                         </p:tgtEl>
                                         <p:attrNameLst>
                                           <p:attrName>ppt_y</p:attrName>
@@ -9002,7 +8948,7 @@
                                           </p:stCondLst>
                                         </p:cTn>
                                         <p:tgtEl>
-                                          <p:spTgt spid="7"/>
+                                          <p:spTgt spid="6"/>
                                         </p:tgtEl>
                                         <p:attrNameLst>
                                           <p:attrName>ppt_y</p:attrName>
@@ -9029,7 +8975,7 @@
                                           </p:stCondLst>
                                         </p:cTn>
                                         <p:tgtEl>
-                                          <p:spTgt spid="7"/>
+                                          <p:spTgt spid="6"/>
                                         </p:tgtEl>
                                         <p:attrNameLst>
                                           <p:attrName>ppt_y</p:attrName>
@@ -9056,7 +9002,7 @@
                                           </p:stCondLst>
                                         </p:cTn>
                                         <p:tgtEl>
-                                          <p:spTgt spid="7"/>
+                                          <p:spTgt spid="6"/>
                                         </p:tgtEl>
                                         <p:attrNameLst>
                                           <p:attrName>ppt_y</p:attrName>
@@ -9083,7 +9029,7 @@
                                           </p:stCondLst>
                                         </p:cTn>
                                         <p:tgtEl>
-                                          <p:spTgt spid="7"/>
+                                          <p:spTgt spid="6"/>
                                         </p:tgtEl>
                                       </p:cBhvr>
                                       <p:to x="100000" y="60000"/>
@@ -9096,7 +9042,7 @@
                                           </p:stCondLst>
                                         </p:cTn>
                                         <p:tgtEl>
-                                          <p:spTgt spid="7"/>
+                                          <p:spTgt spid="6"/>
                                         </p:tgtEl>
                                       </p:cBhvr>
                                       <p:to x="100000" y="100000"/>
@@ -9109,7 +9055,7 @@
                                           </p:stCondLst>
                                         </p:cTn>
                                         <p:tgtEl>
-                                          <p:spTgt spid="7"/>
+                                          <p:spTgt spid="6"/>
                                         </p:tgtEl>
                                       </p:cBhvr>
                                       <p:to x="100000" y="80000"/>
@@ -9122,7 +9068,7 @@
                                           </p:stCondLst>
                                         </p:cTn>
                                         <p:tgtEl>
-                                          <p:spTgt spid="7"/>
+                                          <p:spTgt spid="6"/>
                                         </p:tgtEl>
                                       </p:cBhvr>
                                       <p:to x="100000" y="100000"/>
@@ -9135,7 +9081,7 @@
                                           </p:stCondLst>
                                         </p:cTn>
                                         <p:tgtEl>
-                                          <p:spTgt spid="7"/>
+                                          <p:spTgt spid="6"/>
                                         </p:tgtEl>
                                       </p:cBhvr>
                                       <p:to x="100000" y="90000"/>
@@ -9148,7 +9094,7 @@
                                           </p:stCondLst>
                                         </p:cTn>
                                         <p:tgtEl>
-                                          <p:spTgt spid="7"/>
+                                          <p:spTgt spid="6"/>
                                         </p:tgtEl>
                                       </p:cBhvr>
                                       <p:to x="100000" y="100000"/>
@@ -9161,7 +9107,7 @@
                                           </p:stCondLst>
                                         </p:cTn>
                                         <p:tgtEl>
-                                          <p:spTgt spid="7"/>
+                                          <p:spTgt spid="6"/>
                                         </p:tgtEl>
                                       </p:cBhvr>
                                       <p:to x="100000" y="95000"/>
@@ -9174,7 +9120,7 @@
                                           </p:stCondLst>
                                         </p:cTn>
                                         <p:tgtEl>
-                                          <p:spTgt spid="7"/>
+                                          <p:spTgt spid="6"/>
                                         </p:tgtEl>
                                       </p:cBhvr>
                                       <p:to x="100000" y="100000"/>
@@ -9210,13 +9156,577 @@
       </p:par>
     </p:tnLst>
     <p:bldLst>
-      <p:bldP spid="7" grpId="0" animBg="1"/>
+      <p:bldP spid="6" grpId="0" animBg="1"/>
     </p:bldLst>
   </p:timing>
 </p:sld>
 </file>
 
 <file path=ppt/slides/slide17.xml><?xml version="1.0" encoding="utf-8"?>
+<p:sld xmlns:a="http://schemas.openxmlformats.org/drawingml/2006/main" xmlns:r="http://schemas.openxmlformats.org/officeDocument/2006/relationships" xmlns:p="http://schemas.openxmlformats.org/presentationml/2006/main">
+  <p:cSld>
+    <p:spTree>
+      <p:nvGrpSpPr>
+        <p:cNvPr id="1" name=""/>
+        <p:cNvGrpSpPr/>
+        <p:nvPr/>
+      </p:nvGrpSpPr>
+      <p:grpSpPr>
+        <a:xfrm>
+          <a:off x="0" y="0"/>
+          <a:ext cx="0" cy="0"/>
+          <a:chOff x="0" y="0"/>
+          <a:chExt cx="0" cy="0"/>
+        </a:xfrm>
+      </p:grpSpPr>
+      <p:sp>
+        <p:nvSpPr>
+          <p:cNvPr id="5" name="コンテンツ プレースホルダー 4">
+            <a:extLst>
+              <a:ext uri="{FF2B5EF4-FFF2-40B4-BE49-F238E27FC236}">
+                <a16:creationId xmlns:a16="http://schemas.microsoft.com/office/drawing/2014/main" id="{91B13B31-DBAB-4B5F-9D11-A31993582363}"/>
+              </a:ext>
+            </a:extLst>
+          </p:cNvPr>
+          <p:cNvSpPr>
+            <a:spLocks noGrp="1"/>
+          </p:cNvSpPr>
+          <p:nvPr>
+            <p:ph idx="1"/>
+          </p:nvPr>
+        </p:nvSpPr>
+        <p:spPr>
+          <a:xfrm>
+            <a:off x="3767449" y="868362"/>
+            <a:ext cx="7315200" cy="5121275"/>
+          </a:xfrm>
+          <a:prstGeom prst="roundRect">
+            <a:avLst/>
+          </a:prstGeom>
+          <a:solidFill>
+            <a:schemeClr val="bg1"/>
+          </a:solidFill>
+          <a:ln w="28575"/>
+        </p:spPr>
+        <p:style>
+          <a:lnRef idx="2">
+            <a:schemeClr val="accent1">
+              <a:shade val="50000"/>
+            </a:schemeClr>
+          </a:lnRef>
+          <a:fillRef idx="1">
+            <a:schemeClr val="accent1"/>
+          </a:fillRef>
+          <a:effectRef idx="0">
+            <a:schemeClr val="accent1"/>
+          </a:effectRef>
+          <a:fontRef idx="minor">
+            <a:schemeClr val="lt1"/>
+          </a:fontRef>
+        </p:style>
+        <p:txBody>
+          <a:bodyPr rtlCol="0" anchor="ctr"/>
+          <a:lstStyle/>
+          <a:p>
+            <a:pPr marL="0" indent="0">
+              <a:buNone/>
+            </a:pPr>
+            <a:r>
+              <a:rPr kumimoji="1" lang="en-US" altLang="ja-JP" dirty="0">
+                <a:solidFill>
+                  <a:schemeClr val="tx1">
+                    <a:lumMod val="65000"/>
+                    <a:lumOff val="35000"/>
+                  </a:schemeClr>
+                </a:solidFill>
+              </a:rPr>
+              <a:t>【</a:t>
+            </a:r>
+            <a:r>
+              <a:rPr kumimoji="1" lang="ja-JP" altLang="en-US" dirty="0">
+                <a:solidFill>
+                  <a:schemeClr val="tx1">
+                    <a:lumMod val="65000"/>
+                    <a:lumOff val="35000"/>
+                  </a:schemeClr>
+                </a:solidFill>
+              </a:rPr>
+              <a:t>達成基準</a:t>
+            </a:r>
+            <a:r>
+              <a:rPr kumimoji="1" lang="en-US" altLang="ja-JP" dirty="0">
+                <a:solidFill>
+                  <a:schemeClr val="tx1">
+                    <a:lumMod val="65000"/>
+                    <a:lumOff val="35000"/>
+                  </a:schemeClr>
+                </a:solidFill>
+              </a:rPr>
+              <a:t>】</a:t>
+            </a:r>
+          </a:p>
+          <a:p>
+            <a:pPr marL="0" indent="0">
+              <a:buNone/>
+            </a:pPr>
+            <a:r>
+              <a:rPr kumimoji="1" lang="ja-JP" altLang="en-US" dirty="0">
+                <a:solidFill>
+                  <a:schemeClr val="tx1">
+                    <a:lumMod val="65000"/>
+                    <a:lumOff val="35000"/>
+                  </a:schemeClr>
+                </a:solidFill>
+              </a:rPr>
+              <a:t>＜チームの一員としての主体性＞</a:t>
+            </a:r>
+            <a:endParaRPr kumimoji="1" lang="en-US" altLang="ja-JP" dirty="0">
+              <a:solidFill>
+                <a:schemeClr val="tx1">
+                  <a:lumMod val="65000"/>
+                  <a:lumOff val="35000"/>
+                </a:schemeClr>
+              </a:solidFill>
+            </a:endParaRPr>
+          </a:p>
+          <a:p>
+            <a:pPr marL="0" indent="0" rtl="0">
+              <a:spcBef>
+                <a:spcPts val="0"/>
+              </a:spcBef>
+              <a:spcAft>
+                <a:spcPts val="0"/>
+              </a:spcAft>
+              <a:buNone/>
+            </a:pPr>
+            <a:r>
+              <a:rPr lang="ja-JP" altLang="en-US" sz="1800" b="0" i="0" u="none" strike="noStrike" dirty="0">
+                <a:solidFill>
+                  <a:schemeClr val="tx1">
+                    <a:lumMod val="65000"/>
+                    <a:lumOff val="35000"/>
+                  </a:schemeClr>
+                </a:solidFill>
+                <a:effectLst/>
+                <a:latin typeface="Arial" panose="020B0604020202020204" pitchFamily="34" charset="0"/>
+              </a:rPr>
+              <a:t>①</a:t>
+            </a:r>
+            <a:r>
+              <a:rPr lang="en-US" altLang="ja-JP" sz="1800" b="0" i="0" u="none" strike="noStrike" dirty="0">
+                <a:solidFill>
+                  <a:schemeClr val="tx1">
+                    <a:lumMod val="65000"/>
+                    <a:lumOff val="35000"/>
+                  </a:schemeClr>
+                </a:solidFill>
+                <a:effectLst/>
+                <a:latin typeface="Arial" panose="020B0604020202020204" pitchFamily="34" charset="0"/>
+              </a:rPr>
+              <a:t>-1</a:t>
+            </a:r>
+            <a:r>
+              <a:rPr lang="ja-JP" altLang="en-US" sz="1800" b="0" i="0" u="none" strike="noStrike" dirty="0">
+                <a:solidFill>
+                  <a:schemeClr val="tx1">
+                    <a:lumMod val="65000"/>
+                    <a:lumOff val="35000"/>
+                  </a:schemeClr>
+                </a:solidFill>
+                <a:effectLst/>
+                <a:latin typeface="Arial" panose="020B0604020202020204" pitchFamily="34" charset="0"/>
+              </a:rPr>
+              <a:t>自分の作業の現状や課題点について、チーム内で当日中に報告できている。</a:t>
+            </a:r>
+            <a:endParaRPr lang="ja-JP" altLang="en-US" b="0" dirty="0">
+              <a:solidFill>
+                <a:schemeClr val="tx1">
+                  <a:lumMod val="65000"/>
+                  <a:lumOff val="35000"/>
+                </a:schemeClr>
+              </a:solidFill>
+              <a:effectLst/>
+            </a:endParaRPr>
+          </a:p>
+          <a:p>
+            <a:pPr marL="0" indent="0" rtl="0">
+              <a:spcBef>
+                <a:spcPts val="0"/>
+              </a:spcBef>
+              <a:spcAft>
+                <a:spcPts val="0"/>
+              </a:spcAft>
+              <a:buNone/>
+            </a:pPr>
+            <a:r>
+              <a:rPr lang="ja-JP" altLang="en-US" sz="1800" b="0" i="0" u="none" strike="noStrike" dirty="0">
+                <a:solidFill>
+                  <a:schemeClr val="tx1">
+                    <a:lumMod val="65000"/>
+                    <a:lumOff val="35000"/>
+                  </a:schemeClr>
+                </a:solidFill>
+                <a:effectLst/>
+                <a:latin typeface="Arial" panose="020B0604020202020204" pitchFamily="34" charset="0"/>
+              </a:rPr>
+              <a:t>①</a:t>
+            </a:r>
+            <a:r>
+              <a:rPr lang="en-US" altLang="ja-JP" sz="1800" b="0" i="0" u="none" strike="noStrike" dirty="0">
+                <a:solidFill>
+                  <a:schemeClr val="tx1">
+                    <a:lumMod val="65000"/>
+                    <a:lumOff val="35000"/>
+                  </a:schemeClr>
+                </a:solidFill>
+                <a:effectLst/>
+                <a:latin typeface="Arial" panose="020B0604020202020204" pitchFamily="34" charset="0"/>
+              </a:rPr>
+              <a:t>-2</a:t>
+            </a:r>
+            <a:r>
+              <a:rPr lang="ja-JP" altLang="en-US" sz="1800" b="0" i="0" u="none" strike="noStrike" dirty="0">
+                <a:solidFill>
+                  <a:schemeClr val="tx1">
+                    <a:lumMod val="65000"/>
+                    <a:lumOff val="35000"/>
+                  </a:schemeClr>
+                </a:solidFill>
+                <a:effectLst/>
+                <a:latin typeface="Arial" panose="020B0604020202020204" pitchFamily="34" charset="0"/>
+              </a:rPr>
+              <a:t>プロジェクト全体の進捗状況を全員が把握し、日報にて会社の上司に説明することができる。</a:t>
+            </a:r>
+            <a:endParaRPr lang="ja-JP" altLang="en-US" b="0" dirty="0">
+              <a:solidFill>
+                <a:schemeClr val="tx1">
+                  <a:lumMod val="65000"/>
+                  <a:lumOff val="35000"/>
+                </a:schemeClr>
+              </a:solidFill>
+              <a:effectLst/>
+            </a:endParaRPr>
+          </a:p>
+          <a:p>
+            <a:pPr marL="0" indent="0" rtl="0">
+              <a:spcBef>
+                <a:spcPts val="0"/>
+              </a:spcBef>
+              <a:spcAft>
+                <a:spcPts val="0"/>
+              </a:spcAft>
+              <a:buNone/>
+            </a:pPr>
+            <a:endParaRPr lang="en-US" altLang="ja-JP" sz="1800" b="0" i="0" u="none" strike="noStrike" dirty="0">
+              <a:solidFill>
+                <a:schemeClr val="tx1">
+                  <a:lumMod val="65000"/>
+                  <a:lumOff val="35000"/>
+                </a:schemeClr>
+              </a:solidFill>
+              <a:effectLst/>
+              <a:latin typeface="Arial" panose="020B0604020202020204" pitchFamily="34" charset="0"/>
+            </a:endParaRPr>
+          </a:p>
+          <a:p>
+            <a:pPr marL="0" indent="0" rtl="0">
+              <a:spcBef>
+                <a:spcPts val="0"/>
+              </a:spcBef>
+              <a:spcAft>
+                <a:spcPts val="0"/>
+              </a:spcAft>
+              <a:buNone/>
+            </a:pPr>
+            <a:r>
+              <a:rPr lang="ja-JP" altLang="en-US" dirty="0">
+                <a:solidFill>
+                  <a:schemeClr val="tx1">
+                    <a:lumMod val="65000"/>
+                    <a:lumOff val="35000"/>
+                  </a:schemeClr>
+                </a:solidFill>
+                <a:latin typeface="Arial" panose="020B0604020202020204" pitchFamily="34" charset="0"/>
+              </a:rPr>
+              <a:t>＜各担当としての主体性＞→個人の成果として発表</a:t>
+            </a:r>
+            <a:endParaRPr lang="en-US" altLang="ja-JP" dirty="0">
+              <a:solidFill>
+                <a:schemeClr val="tx1">
+                  <a:lumMod val="65000"/>
+                  <a:lumOff val="35000"/>
+                </a:schemeClr>
+              </a:solidFill>
+              <a:latin typeface="Arial" panose="020B0604020202020204" pitchFamily="34" charset="0"/>
+            </a:endParaRPr>
+          </a:p>
+          <a:p>
+            <a:pPr marL="0" indent="0" rtl="0">
+              <a:spcBef>
+                <a:spcPts val="0"/>
+              </a:spcBef>
+              <a:spcAft>
+                <a:spcPts val="0"/>
+              </a:spcAft>
+              <a:buNone/>
+            </a:pPr>
+            <a:r>
+              <a:rPr lang="ja-JP" altLang="en-US" sz="1800" b="0" i="0" u="none" strike="noStrike" dirty="0">
+                <a:solidFill>
+                  <a:schemeClr val="tx1">
+                    <a:lumMod val="65000"/>
+                    <a:lumOff val="35000"/>
+                  </a:schemeClr>
+                </a:solidFill>
+                <a:effectLst/>
+                <a:latin typeface="Arial" panose="020B0604020202020204" pitchFamily="34" charset="0"/>
+              </a:rPr>
+              <a:t>②</a:t>
+            </a:r>
+            <a:r>
+              <a:rPr lang="en-US" altLang="ja-JP" sz="1800" b="0" i="0" u="none" strike="noStrike" dirty="0">
+                <a:solidFill>
+                  <a:schemeClr val="tx1">
+                    <a:lumMod val="65000"/>
+                    <a:lumOff val="35000"/>
+                  </a:schemeClr>
+                </a:solidFill>
+                <a:effectLst/>
+                <a:latin typeface="Arial" panose="020B0604020202020204" pitchFamily="34" charset="0"/>
+              </a:rPr>
+              <a:t>-1</a:t>
+            </a:r>
+            <a:r>
+              <a:rPr lang="ja-JP" altLang="en-US" sz="1800" b="0" i="0" u="none" strike="noStrike" dirty="0">
+                <a:solidFill>
+                  <a:schemeClr val="tx1">
+                    <a:lumMod val="65000"/>
+                    <a:lumOff val="35000"/>
+                  </a:schemeClr>
+                </a:solidFill>
+                <a:effectLst/>
+                <a:latin typeface="Arial" panose="020B0604020202020204" pitchFamily="34" charset="0"/>
+              </a:rPr>
+              <a:t>自分の役割について説明できる。</a:t>
+            </a:r>
+            <a:endParaRPr lang="ja-JP" altLang="en-US" b="0" dirty="0">
+              <a:solidFill>
+                <a:schemeClr val="tx1">
+                  <a:lumMod val="65000"/>
+                  <a:lumOff val="35000"/>
+                </a:schemeClr>
+              </a:solidFill>
+              <a:effectLst/>
+            </a:endParaRPr>
+          </a:p>
+          <a:p>
+            <a:pPr marL="0" indent="0" rtl="0">
+              <a:spcBef>
+                <a:spcPts val="0"/>
+              </a:spcBef>
+              <a:spcAft>
+                <a:spcPts val="0"/>
+              </a:spcAft>
+              <a:buNone/>
+            </a:pPr>
+            <a:r>
+              <a:rPr lang="ja-JP" altLang="en-US" sz="1800" b="0" i="0" u="none" strike="noStrike" dirty="0">
+                <a:solidFill>
+                  <a:schemeClr val="tx1">
+                    <a:lumMod val="65000"/>
+                    <a:lumOff val="35000"/>
+                  </a:schemeClr>
+                </a:solidFill>
+                <a:effectLst/>
+                <a:latin typeface="Arial" panose="020B0604020202020204" pitchFamily="34" charset="0"/>
+              </a:rPr>
+              <a:t>②</a:t>
+            </a:r>
+            <a:r>
+              <a:rPr lang="en-US" altLang="ja-JP" sz="1800" b="0" i="0" u="none" strike="noStrike" dirty="0">
+                <a:solidFill>
+                  <a:schemeClr val="tx1">
+                    <a:lumMod val="65000"/>
+                    <a:lumOff val="35000"/>
+                  </a:schemeClr>
+                </a:solidFill>
+                <a:effectLst/>
+                <a:latin typeface="Arial" panose="020B0604020202020204" pitchFamily="34" charset="0"/>
+              </a:rPr>
+              <a:t>-2</a:t>
+            </a:r>
+            <a:r>
+              <a:rPr lang="ja-JP" altLang="en-US" sz="1800" b="0" i="0" u="none" strike="noStrike" dirty="0">
+                <a:solidFill>
+                  <a:schemeClr val="tx1">
+                    <a:lumMod val="65000"/>
+                    <a:lumOff val="35000"/>
+                  </a:schemeClr>
+                </a:solidFill>
+                <a:effectLst/>
+                <a:latin typeface="Arial" panose="020B0604020202020204" pitchFamily="34" charset="0"/>
+              </a:rPr>
+              <a:t>自分の担当の仕事を、誰かに指摘されなくても行うことができている。</a:t>
+            </a:r>
+            <a:endParaRPr lang="ja-JP" altLang="en-US" b="0" dirty="0">
+              <a:solidFill>
+                <a:schemeClr val="tx1">
+                  <a:lumMod val="65000"/>
+                  <a:lumOff val="35000"/>
+                </a:schemeClr>
+              </a:solidFill>
+              <a:effectLst/>
+            </a:endParaRPr>
+          </a:p>
+          <a:p>
+            <a:pPr marL="0" indent="0" rtl="0">
+              <a:spcBef>
+                <a:spcPts val="0"/>
+              </a:spcBef>
+              <a:spcAft>
+                <a:spcPts val="300"/>
+              </a:spcAft>
+              <a:buNone/>
+            </a:pPr>
+            <a:r>
+              <a:rPr lang="ja-JP" altLang="en-US" sz="1800" b="0" i="0" u="none" strike="noStrike" dirty="0">
+                <a:solidFill>
+                  <a:schemeClr val="tx1">
+                    <a:lumMod val="65000"/>
+                    <a:lumOff val="35000"/>
+                  </a:schemeClr>
+                </a:solidFill>
+                <a:effectLst/>
+                <a:latin typeface="Arial" panose="020B0604020202020204" pitchFamily="34" charset="0"/>
+              </a:rPr>
+              <a:t>②</a:t>
+            </a:r>
+            <a:r>
+              <a:rPr lang="en-US" altLang="ja-JP" sz="1800" b="0" i="0" u="none" strike="noStrike" dirty="0">
+                <a:solidFill>
+                  <a:schemeClr val="tx1">
+                    <a:lumMod val="65000"/>
+                    <a:lumOff val="35000"/>
+                  </a:schemeClr>
+                </a:solidFill>
+                <a:effectLst/>
+                <a:latin typeface="Arial" panose="020B0604020202020204" pitchFamily="34" charset="0"/>
+              </a:rPr>
+              <a:t>-3</a:t>
+            </a:r>
+            <a:r>
+              <a:rPr lang="ja-JP" altLang="en-US" sz="1800" b="0" i="0" u="none" strike="noStrike" dirty="0">
+                <a:solidFill>
+                  <a:schemeClr val="tx1">
+                    <a:lumMod val="65000"/>
+                    <a:lumOff val="35000"/>
+                  </a:schemeClr>
+                </a:solidFill>
+                <a:effectLst/>
+                <a:latin typeface="Arial" panose="020B0604020202020204" pitchFamily="34" charset="0"/>
+              </a:rPr>
+              <a:t>役割に基づいて主体的に行動した結果について説明できる。</a:t>
+            </a:r>
+            <a:br>
+              <a:rPr lang="ja-JP" altLang="en-US" dirty="0">
+                <a:solidFill>
+                  <a:schemeClr val="tx1">
+                    <a:lumMod val="65000"/>
+                    <a:lumOff val="35000"/>
+                  </a:schemeClr>
+                </a:solidFill>
+              </a:rPr>
+            </a:br>
+            <a:endParaRPr kumimoji="1" lang="ja-JP" altLang="en-US" dirty="0">
+              <a:solidFill>
+                <a:schemeClr val="tx1">
+                  <a:lumMod val="65000"/>
+                  <a:lumOff val="35000"/>
+                </a:schemeClr>
+              </a:solidFill>
+            </a:endParaRPr>
+          </a:p>
+        </p:txBody>
+      </p:sp>
+      <p:sp>
+        <p:nvSpPr>
+          <p:cNvPr id="2" name="タイトル 1">
+            <a:extLst>
+              <a:ext uri="{FF2B5EF4-FFF2-40B4-BE49-F238E27FC236}">
+                <a16:creationId xmlns:a16="http://schemas.microsoft.com/office/drawing/2014/main" id="{11FF109B-1A52-4682-9479-0DCAC48B3C35}"/>
+              </a:ext>
+            </a:extLst>
+          </p:cNvPr>
+          <p:cNvSpPr>
+            <a:spLocks noGrp="1"/>
+          </p:cNvSpPr>
+          <p:nvPr>
+            <p:ph type="title"/>
+          </p:nvPr>
+        </p:nvSpPr>
+        <p:spPr/>
+        <p:txBody>
+          <a:bodyPr/>
+          <a:lstStyle/>
+          <a:p>
+            <a:r>
+              <a:rPr kumimoji="1" lang="ja-JP" altLang="en-US" dirty="0"/>
+              <a:t>達成基準</a:t>
+            </a:r>
+          </a:p>
+        </p:txBody>
+      </p:sp>
+      <p:pic>
+        <p:nvPicPr>
+          <p:cNvPr id="4" name="図 3" descr="アイコン&#10;&#10;自動的に生成された説明">
+            <a:extLst>
+              <a:ext uri="{FF2B5EF4-FFF2-40B4-BE49-F238E27FC236}">
+                <a16:creationId xmlns:a16="http://schemas.microsoft.com/office/drawing/2014/main" id="{F80B5929-9B90-4E9C-B9E6-44E443331DB5}"/>
+              </a:ext>
+            </a:extLst>
+          </p:cNvPr>
+          <p:cNvPicPr>
+            <a:picLocks noChangeAspect="1"/>
+          </p:cNvPicPr>
+          <p:nvPr/>
+        </p:nvPicPr>
+        <p:blipFill>
+          <a:blip r:embed="rId3">
+            <a:alphaModFix amt="85000"/>
+            <a:extLst>
+              <a:ext uri="{28A0092B-C50C-407E-A947-70E740481C1C}">
+                <a14:useLocalDpi xmlns:a14="http://schemas.microsoft.com/office/drawing/2010/main" val="0"/>
+              </a:ext>
+            </a:extLst>
+          </a:blip>
+          <a:stretch>
+            <a:fillRect/>
+          </a:stretch>
+        </p:blipFill>
+        <p:spPr>
+          <a:xfrm>
+            <a:off x="9466729" y="5262949"/>
+            <a:ext cx="2725271" cy="1469817"/>
+          </a:xfrm>
+          <a:prstGeom prst="rect">
+            <a:avLst/>
+          </a:prstGeom>
+        </p:spPr>
+      </p:pic>
+    </p:spTree>
+    <p:extLst>
+      <p:ext uri="{BB962C8B-B14F-4D97-AF65-F5344CB8AC3E}">
+        <p14:creationId xmlns:p14="http://schemas.microsoft.com/office/powerpoint/2010/main" val="1841675847"/>
+      </p:ext>
+    </p:extLst>
+  </p:cSld>
+  <p:clrMapOvr>
+    <a:masterClrMapping/>
+  </p:clrMapOvr>
+</p:sld>
+</file>
+
+<file path=ppt/slides/slide18.xml><?xml version="1.0" encoding="utf-8"?>
 <p:sld xmlns:a="http://schemas.openxmlformats.org/drawingml/2006/main" xmlns:r="http://schemas.openxmlformats.org/officeDocument/2006/relationships" xmlns:p="http://schemas.openxmlformats.org/presentationml/2006/main">
   <p:cSld>
     <p:spTree>
@@ -9713,7 +10223,7 @@
 </p:sld>
 </file>
 
-<file path=ppt/slides/slide18.xml><?xml version="1.0" encoding="utf-8"?>
+<file path=ppt/slides/slide19.xml><?xml version="1.0" encoding="utf-8"?>
 <p:sld xmlns:a="http://schemas.openxmlformats.org/drawingml/2006/main" xmlns:r="http://schemas.openxmlformats.org/officeDocument/2006/relationships" xmlns:p="http://schemas.openxmlformats.org/presentationml/2006/main">
   <p:cSld>
     <p:spTree>
@@ -10195,7 +10705,364 @@
 </p:sld>
 </file>
 
-<file path=ppt/slides/slide19.xml><?xml version="1.0" encoding="utf-8"?>
+<file path=ppt/slides/slide2.xml><?xml version="1.0" encoding="utf-8"?>
+<p:sld xmlns:a="http://schemas.openxmlformats.org/drawingml/2006/main" xmlns:r="http://schemas.openxmlformats.org/officeDocument/2006/relationships" xmlns:p="http://schemas.openxmlformats.org/presentationml/2006/main">
+  <p:cSld>
+    <p:spTree>
+      <p:nvGrpSpPr>
+        <p:cNvPr id="1" name=""/>
+        <p:cNvGrpSpPr/>
+        <p:nvPr/>
+      </p:nvGrpSpPr>
+      <p:grpSpPr>
+        <a:xfrm>
+          <a:off x="0" y="0"/>
+          <a:ext cx="0" cy="0"/>
+          <a:chOff x="0" y="0"/>
+          <a:chExt cx="0" cy="0"/>
+        </a:xfrm>
+      </p:grpSpPr>
+      <p:sp>
+        <p:nvSpPr>
+          <p:cNvPr id="2" name="タイトル 1">
+            <a:extLst>
+              <a:ext uri="{FF2B5EF4-FFF2-40B4-BE49-F238E27FC236}">
+                <a16:creationId xmlns:a16="http://schemas.microsoft.com/office/drawing/2014/main" id="{11FF109B-1A52-4682-9479-0DCAC48B3C35}"/>
+              </a:ext>
+            </a:extLst>
+          </p:cNvPr>
+          <p:cNvSpPr>
+            <a:spLocks noGrp="1"/>
+          </p:cNvSpPr>
+          <p:nvPr>
+            <p:ph type="title"/>
+          </p:nvPr>
+        </p:nvSpPr>
+        <p:spPr/>
+        <p:txBody>
+          <a:bodyPr/>
+          <a:lstStyle/>
+          <a:p>
+            <a:r>
+              <a:rPr kumimoji="1" lang="en-US" altLang="ja-JP" dirty="0"/>
+              <a:t>Agenda</a:t>
+            </a:r>
+            <a:endParaRPr kumimoji="1" lang="ja-JP" altLang="en-US" dirty="0"/>
+          </a:p>
+        </p:txBody>
+      </p:sp>
+      <p:sp>
+        <p:nvSpPr>
+          <p:cNvPr id="3" name="コンテンツ プレースホルダー 2">
+            <a:extLst>
+              <a:ext uri="{FF2B5EF4-FFF2-40B4-BE49-F238E27FC236}">
+                <a16:creationId xmlns:a16="http://schemas.microsoft.com/office/drawing/2014/main" id="{E23551B5-FD73-4043-9D9D-F069178EC83A}"/>
+              </a:ext>
+            </a:extLst>
+          </p:cNvPr>
+          <p:cNvSpPr>
+            <a:spLocks noGrp="1"/>
+          </p:cNvSpPr>
+          <p:nvPr>
+            <p:ph idx="1"/>
+          </p:nvPr>
+        </p:nvSpPr>
+        <p:spPr/>
+        <p:txBody>
+          <a:bodyPr/>
+          <a:lstStyle/>
+          <a:p>
+            <a:pPr marL="457200" indent="-457200">
+              <a:buFont typeface="+mj-lt"/>
+              <a:buAutoNum type="arabicPeriod"/>
+            </a:pPr>
+            <a:r>
+              <a:rPr kumimoji="1" lang="ja-JP" altLang="en-US" dirty="0"/>
+              <a:t>プロダクトの成果</a:t>
+            </a:r>
+            <a:endParaRPr lang="en-US" altLang="ja-JP" dirty="0"/>
+          </a:p>
+          <a:p>
+            <a:pPr marL="960120" lvl="1" indent="-457200">
+              <a:buFont typeface="+mj-lt"/>
+              <a:buAutoNum type="arabicPeriod"/>
+            </a:pPr>
+            <a:r>
+              <a:rPr lang="ja-JP" altLang="en-US" dirty="0"/>
+              <a:t>製品化に至ったきっかけ</a:t>
+            </a:r>
+            <a:endParaRPr lang="en-US" altLang="ja-JP" dirty="0"/>
+          </a:p>
+          <a:p>
+            <a:pPr marL="960120" lvl="1" indent="-457200">
+              <a:buFont typeface="+mj-lt"/>
+              <a:buAutoNum type="arabicPeriod"/>
+            </a:pPr>
+            <a:r>
+              <a:rPr kumimoji="1" lang="en-US" altLang="ja-JP" dirty="0"/>
+              <a:t>Qbox</a:t>
+            </a:r>
+            <a:r>
+              <a:rPr kumimoji="1" lang="ja-JP" altLang="en-US" dirty="0"/>
+              <a:t>とは</a:t>
+            </a:r>
+            <a:endParaRPr kumimoji="1" lang="en-US" altLang="ja-JP" dirty="0"/>
+          </a:p>
+          <a:p>
+            <a:pPr marL="960120" lvl="1" indent="-457200">
+              <a:buFont typeface="+mj-lt"/>
+              <a:buAutoNum type="arabicPeriod"/>
+            </a:pPr>
+            <a:r>
+              <a:rPr lang="ja-JP" altLang="en-US" dirty="0"/>
+              <a:t>想定ユーザにとってのメリット</a:t>
+            </a:r>
+            <a:endParaRPr kumimoji="1" lang="en-US" altLang="ja-JP" dirty="0"/>
+          </a:p>
+          <a:p>
+            <a:pPr marL="960120" lvl="1" indent="-457200">
+              <a:buFont typeface="+mj-lt"/>
+              <a:buAutoNum type="arabicPeriod"/>
+            </a:pPr>
+            <a:r>
+              <a:rPr kumimoji="1" lang="ja-JP" altLang="en-US" dirty="0"/>
+              <a:t>システムのコンセプト</a:t>
+            </a:r>
+            <a:endParaRPr kumimoji="1" lang="en-US" altLang="ja-JP" dirty="0"/>
+          </a:p>
+          <a:p>
+            <a:pPr marL="960120" lvl="1" indent="-457200">
+              <a:buFont typeface="+mj-lt"/>
+              <a:buAutoNum type="arabicPeriod"/>
+            </a:pPr>
+            <a:r>
+              <a:rPr lang="ja-JP" altLang="en-US" dirty="0"/>
+              <a:t>デザイン面での工夫点</a:t>
+            </a:r>
+            <a:endParaRPr lang="en-US" altLang="ja-JP" dirty="0"/>
+          </a:p>
+          <a:p>
+            <a:pPr marL="960120" lvl="1" indent="-457200">
+              <a:buFont typeface="+mj-lt"/>
+              <a:buAutoNum type="arabicPeriod"/>
+            </a:pPr>
+            <a:r>
+              <a:rPr kumimoji="1" lang="ja-JP" altLang="en-US" dirty="0"/>
+              <a:t>機能面での工夫点</a:t>
+            </a:r>
+            <a:endParaRPr lang="en-US" altLang="ja-JP" dirty="0"/>
+          </a:p>
+          <a:p>
+            <a:pPr marL="960120" lvl="1" indent="-457200">
+              <a:buFont typeface="+mj-lt"/>
+              <a:buAutoNum type="arabicPeriod"/>
+            </a:pPr>
+            <a:endParaRPr kumimoji="1" lang="en-US" altLang="ja-JP" dirty="0"/>
+          </a:p>
+          <a:p>
+            <a:pPr marL="457200" indent="-457200">
+              <a:buFont typeface="+mj-lt"/>
+              <a:buAutoNum type="arabicPeriod"/>
+            </a:pPr>
+            <a:r>
+              <a:rPr lang="ja-JP" altLang="en-US" dirty="0"/>
+              <a:t>研修の成果</a:t>
+            </a:r>
+            <a:endParaRPr lang="en-US" altLang="ja-JP" dirty="0"/>
+          </a:p>
+          <a:p>
+            <a:pPr marL="960120" lvl="1" indent="-457200">
+              <a:buFont typeface="+mj-lt"/>
+              <a:buAutoNum type="arabicPeriod"/>
+            </a:pPr>
+            <a:r>
+              <a:rPr lang="ja-JP" altLang="en-US" dirty="0"/>
+              <a:t>チーム目標とその成果</a:t>
+            </a:r>
+            <a:endParaRPr lang="en-US" altLang="ja-JP" dirty="0"/>
+          </a:p>
+          <a:p>
+            <a:pPr marL="960120" lvl="1" indent="-457200">
+              <a:buFont typeface="+mj-lt"/>
+              <a:buAutoNum type="arabicPeriod"/>
+            </a:pPr>
+            <a:r>
+              <a:rPr lang="ja-JP" altLang="en-US" dirty="0"/>
+              <a:t>円滑なプロジェクト進行のために行った工夫</a:t>
+            </a:r>
+            <a:endParaRPr lang="en-US" altLang="ja-JP" dirty="0"/>
+          </a:p>
+          <a:p>
+            <a:pPr marL="960120" lvl="1" indent="-457200">
+              <a:buFont typeface="+mj-lt"/>
+              <a:buAutoNum type="arabicPeriod"/>
+            </a:pPr>
+            <a:r>
+              <a:rPr lang="ja-JP" altLang="en-US" dirty="0"/>
+              <a:t>個人としての成長・課題</a:t>
+            </a:r>
+            <a:endParaRPr lang="en-US" altLang="ja-JP" dirty="0"/>
+          </a:p>
+          <a:p>
+            <a:pPr marL="960120" lvl="1" indent="-457200">
+              <a:buFont typeface="+mj-lt"/>
+              <a:buAutoNum type="arabicPeriod"/>
+            </a:pPr>
+            <a:endParaRPr lang="en-US" altLang="ja-JP" dirty="0"/>
+          </a:p>
+          <a:p>
+            <a:pPr marL="457200" indent="-457200">
+              <a:buFont typeface="+mj-lt"/>
+              <a:buAutoNum type="arabicPeriod"/>
+            </a:pPr>
+            <a:r>
+              <a:rPr lang="ja-JP" altLang="en-US" dirty="0"/>
+              <a:t>まとめ</a:t>
+            </a:r>
+            <a:endParaRPr lang="en-US" altLang="ja-JP" dirty="0"/>
+          </a:p>
+          <a:p>
+            <a:pPr marL="960120" lvl="1" indent="-457200">
+              <a:buFont typeface="+mj-lt"/>
+              <a:buAutoNum type="arabicPeriod"/>
+            </a:pPr>
+            <a:endParaRPr kumimoji="1" lang="ja-JP" altLang="en-US" dirty="0"/>
+          </a:p>
+        </p:txBody>
+      </p:sp>
+      <p:pic>
+        <p:nvPicPr>
+          <p:cNvPr id="4" name="図 3" descr="アイコン&#10;&#10;自動的に生成された説明">
+            <a:extLst>
+              <a:ext uri="{FF2B5EF4-FFF2-40B4-BE49-F238E27FC236}">
+                <a16:creationId xmlns:a16="http://schemas.microsoft.com/office/drawing/2014/main" id="{F80B5929-9B90-4E9C-B9E6-44E443331DB5}"/>
+              </a:ext>
+            </a:extLst>
+          </p:cNvPr>
+          <p:cNvPicPr>
+            <a:picLocks noChangeAspect="1"/>
+          </p:cNvPicPr>
+          <p:nvPr/>
+        </p:nvPicPr>
+        <p:blipFill>
+          <a:blip r:embed="rId3">
+            <a:alphaModFix amt="85000"/>
+            <a:extLst>
+              <a:ext uri="{28A0092B-C50C-407E-A947-70E740481C1C}">
+                <a14:useLocalDpi xmlns:a14="http://schemas.microsoft.com/office/drawing/2010/main" val="0"/>
+              </a:ext>
+            </a:extLst>
+          </a:blip>
+          <a:stretch>
+            <a:fillRect/>
+          </a:stretch>
+        </p:blipFill>
+        <p:spPr>
+          <a:xfrm>
+            <a:off x="9466729" y="5262949"/>
+            <a:ext cx="2725271" cy="1469817"/>
+          </a:xfrm>
+          <a:prstGeom prst="rect">
+            <a:avLst/>
+          </a:prstGeom>
+        </p:spPr>
+      </p:pic>
+    </p:spTree>
+    <p:extLst>
+      <p:ext uri="{BB962C8B-B14F-4D97-AF65-F5344CB8AC3E}">
+        <p14:creationId xmlns:p14="http://schemas.microsoft.com/office/powerpoint/2010/main" val="4213430680"/>
+      </p:ext>
+    </p:extLst>
+  </p:cSld>
+  <p:clrMapOvr>
+    <a:masterClrMapping/>
+  </p:clrMapOvr>
+  <p:timing>
+    <p:tnLst>
+      <p:par>
+        <p:cTn id="1" dur="indefinite" restart="never" nodeType="tmRoot">
+          <p:childTnLst>
+            <p:seq concurrent="1" nextAc="seek">
+              <p:cTn id="2" dur="indefinite" nodeType="mainSeq">
+                <p:childTnLst>
+                  <p:par>
+                    <p:cTn id="3" fill="hold">
+                      <p:stCondLst>
+                        <p:cond delay="indefinite"/>
+                      </p:stCondLst>
+                      <p:childTnLst>
+                        <p:par>
+                          <p:cTn id="4" fill="hold">
+                            <p:stCondLst>
+                              <p:cond delay="0"/>
+                            </p:stCondLst>
+                            <p:childTnLst>
+                              <p:par>
+                                <p:cTn id="5" presetID="26" presetClass="emph" presetSubtype="0" fill="hold" nodeType="clickEffect">
+                                  <p:stCondLst>
+                                    <p:cond delay="0"/>
+                                  </p:stCondLst>
+                                  <p:childTnLst>
+                                    <p:animEffect transition="out" filter="fade">
+                                      <p:cBhvr>
+                                        <p:cTn id="6" dur="500" tmFilter="0, 0; .2, .5; .8, .5; 1, 0"/>
+                                        <p:tgtEl>
+                                          <p:spTgt spid="3">
+                                            <p:txEl>
+                                              <p:pRg st="0" end="0"/>
+                                            </p:txEl>
+                                          </p:spTgt>
+                                        </p:tgtEl>
+                                      </p:cBhvr>
+                                    </p:animEffect>
+                                    <p:animScale>
+                                      <p:cBhvr>
+                                        <p:cTn id="7" dur="250" autoRev="1" fill="hold"/>
+                                        <p:tgtEl>
+                                          <p:spTgt spid="3">
+                                            <p:txEl>
+                                              <p:pRg st="0" end="0"/>
+                                            </p:txEl>
+                                          </p:spTgt>
+                                        </p:tgtEl>
+                                      </p:cBhvr>
+                                      <p:by x="105000" y="105000"/>
+                                    </p:animScale>
+                                  </p:childTnLst>
+                                </p:cTn>
+                              </p:par>
+                            </p:childTnLst>
+                          </p:cTn>
+                        </p:par>
+                      </p:childTnLst>
+                    </p:cTn>
+                  </p:par>
+                </p:childTnLst>
+              </p:cTn>
+              <p:prevCondLst>
+                <p:cond evt="onPrev" delay="0">
+                  <p:tgtEl>
+                    <p:sldTgt/>
+                  </p:tgtEl>
+                </p:cond>
+              </p:prevCondLst>
+              <p:nextCondLst>
+                <p:cond evt="onNext" delay="0">
+                  <p:tgtEl>
+                    <p:sldTgt/>
+                  </p:tgtEl>
+                </p:cond>
+              </p:nextCondLst>
+            </p:seq>
+          </p:childTnLst>
+        </p:cTn>
+      </p:par>
+    </p:tnLst>
+  </p:timing>
+</p:sld>
+</file>
+
+<file path=ppt/slides/slide20.xml><?xml version="1.0" encoding="utf-8"?>
 <p:sld xmlns:a="http://schemas.openxmlformats.org/drawingml/2006/main" xmlns:r="http://schemas.openxmlformats.org/officeDocument/2006/relationships" xmlns:p="http://schemas.openxmlformats.org/presentationml/2006/main">
   <p:cSld>
     <p:spTree>
@@ -10532,7 +11399,7 @@
                 </a:solidFill>
                 <a:latin typeface="Arial" panose="020B0604020202020204" pitchFamily="34" charset="0"/>
               </a:rPr>
-              <a:t>チーム目標への意識を持ち続けられる。</a:t>
+              <a:t>チーム目標への意識を持ち続けられた。</a:t>
             </a:r>
             <a:endParaRPr kumimoji="1" lang="ja-JP" altLang="en-US" sz="2400" dirty="0"/>
           </a:p>
@@ -10675,364 +11542,7 @@
 </p:sld>
 </file>
 
-<file path=ppt/slides/slide2.xml><?xml version="1.0" encoding="utf-8"?>
-<p:sld xmlns:a="http://schemas.openxmlformats.org/drawingml/2006/main" xmlns:r="http://schemas.openxmlformats.org/officeDocument/2006/relationships" xmlns:p="http://schemas.openxmlformats.org/presentationml/2006/main">
-  <p:cSld>
-    <p:spTree>
-      <p:nvGrpSpPr>
-        <p:cNvPr id="1" name=""/>
-        <p:cNvGrpSpPr/>
-        <p:nvPr/>
-      </p:nvGrpSpPr>
-      <p:grpSpPr>
-        <a:xfrm>
-          <a:off x="0" y="0"/>
-          <a:ext cx="0" cy="0"/>
-          <a:chOff x="0" y="0"/>
-          <a:chExt cx="0" cy="0"/>
-        </a:xfrm>
-      </p:grpSpPr>
-      <p:sp>
-        <p:nvSpPr>
-          <p:cNvPr id="2" name="タイトル 1">
-            <a:extLst>
-              <a:ext uri="{FF2B5EF4-FFF2-40B4-BE49-F238E27FC236}">
-                <a16:creationId xmlns:a16="http://schemas.microsoft.com/office/drawing/2014/main" id="{11FF109B-1A52-4682-9479-0DCAC48B3C35}"/>
-              </a:ext>
-            </a:extLst>
-          </p:cNvPr>
-          <p:cNvSpPr>
-            <a:spLocks noGrp="1"/>
-          </p:cNvSpPr>
-          <p:nvPr>
-            <p:ph type="title"/>
-          </p:nvPr>
-        </p:nvSpPr>
-        <p:spPr/>
-        <p:txBody>
-          <a:bodyPr/>
-          <a:lstStyle/>
-          <a:p>
-            <a:r>
-              <a:rPr kumimoji="1" lang="en-US" altLang="ja-JP" dirty="0"/>
-              <a:t>Agenda</a:t>
-            </a:r>
-            <a:endParaRPr kumimoji="1" lang="ja-JP" altLang="en-US" dirty="0"/>
-          </a:p>
-        </p:txBody>
-      </p:sp>
-      <p:sp>
-        <p:nvSpPr>
-          <p:cNvPr id="3" name="コンテンツ プレースホルダー 2">
-            <a:extLst>
-              <a:ext uri="{FF2B5EF4-FFF2-40B4-BE49-F238E27FC236}">
-                <a16:creationId xmlns:a16="http://schemas.microsoft.com/office/drawing/2014/main" id="{E23551B5-FD73-4043-9D9D-F069178EC83A}"/>
-              </a:ext>
-            </a:extLst>
-          </p:cNvPr>
-          <p:cNvSpPr>
-            <a:spLocks noGrp="1"/>
-          </p:cNvSpPr>
-          <p:nvPr>
-            <p:ph idx="1"/>
-          </p:nvPr>
-        </p:nvSpPr>
-        <p:spPr/>
-        <p:txBody>
-          <a:bodyPr/>
-          <a:lstStyle/>
-          <a:p>
-            <a:pPr marL="457200" indent="-457200">
-              <a:buFont typeface="+mj-lt"/>
-              <a:buAutoNum type="arabicPeriod"/>
-            </a:pPr>
-            <a:r>
-              <a:rPr kumimoji="1" lang="ja-JP" altLang="en-US" dirty="0"/>
-              <a:t>プロダクトの成果</a:t>
-            </a:r>
-            <a:endParaRPr lang="en-US" altLang="ja-JP" dirty="0"/>
-          </a:p>
-          <a:p>
-            <a:pPr marL="960120" lvl="1" indent="-457200">
-              <a:buFont typeface="+mj-lt"/>
-              <a:buAutoNum type="arabicPeriod"/>
-            </a:pPr>
-            <a:r>
-              <a:rPr lang="ja-JP" altLang="en-US" dirty="0"/>
-              <a:t>製品化に至ったきっかけ</a:t>
-            </a:r>
-            <a:endParaRPr lang="en-US" altLang="ja-JP" dirty="0"/>
-          </a:p>
-          <a:p>
-            <a:pPr marL="960120" lvl="1" indent="-457200">
-              <a:buFont typeface="+mj-lt"/>
-              <a:buAutoNum type="arabicPeriod"/>
-            </a:pPr>
-            <a:r>
-              <a:rPr kumimoji="1" lang="en-US" altLang="ja-JP" dirty="0"/>
-              <a:t>Qbox</a:t>
-            </a:r>
-            <a:r>
-              <a:rPr kumimoji="1" lang="ja-JP" altLang="en-US" dirty="0"/>
-              <a:t>とは</a:t>
-            </a:r>
-            <a:endParaRPr kumimoji="1" lang="en-US" altLang="ja-JP" dirty="0"/>
-          </a:p>
-          <a:p>
-            <a:pPr marL="960120" lvl="1" indent="-457200">
-              <a:buFont typeface="+mj-lt"/>
-              <a:buAutoNum type="arabicPeriod"/>
-            </a:pPr>
-            <a:r>
-              <a:rPr lang="ja-JP" altLang="en-US" dirty="0"/>
-              <a:t>想定ユーザにとってのメリット</a:t>
-            </a:r>
-            <a:endParaRPr kumimoji="1" lang="en-US" altLang="ja-JP" dirty="0"/>
-          </a:p>
-          <a:p>
-            <a:pPr marL="960120" lvl="1" indent="-457200">
-              <a:buFont typeface="+mj-lt"/>
-              <a:buAutoNum type="arabicPeriod"/>
-            </a:pPr>
-            <a:r>
-              <a:rPr kumimoji="1" lang="ja-JP" altLang="en-US" dirty="0"/>
-              <a:t>システムのコンセプト</a:t>
-            </a:r>
-            <a:endParaRPr kumimoji="1" lang="en-US" altLang="ja-JP" dirty="0"/>
-          </a:p>
-          <a:p>
-            <a:pPr marL="960120" lvl="1" indent="-457200">
-              <a:buFont typeface="+mj-lt"/>
-              <a:buAutoNum type="arabicPeriod"/>
-            </a:pPr>
-            <a:r>
-              <a:rPr lang="ja-JP" altLang="en-US" dirty="0"/>
-              <a:t>デザイン面での工夫点</a:t>
-            </a:r>
-            <a:endParaRPr lang="en-US" altLang="ja-JP" dirty="0"/>
-          </a:p>
-          <a:p>
-            <a:pPr marL="960120" lvl="1" indent="-457200">
-              <a:buFont typeface="+mj-lt"/>
-              <a:buAutoNum type="arabicPeriod"/>
-            </a:pPr>
-            <a:r>
-              <a:rPr kumimoji="1" lang="ja-JP" altLang="en-US" dirty="0"/>
-              <a:t>機能面での工夫点</a:t>
-            </a:r>
-            <a:endParaRPr lang="en-US" altLang="ja-JP" dirty="0"/>
-          </a:p>
-          <a:p>
-            <a:pPr marL="960120" lvl="1" indent="-457200">
-              <a:buFont typeface="+mj-lt"/>
-              <a:buAutoNum type="arabicPeriod"/>
-            </a:pPr>
-            <a:endParaRPr kumimoji="1" lang="en-US" altLang="ja-JP" dirty="0"/>
-          </a:p>
-          <a:p>
-            <a:pPr marL="457200" indent="-457200">
-              <a:buFont typeface="+mj-lt"/>
-              <a:buAutoNum type="arabicPeriod"/>
-            </a:pPr>
-            <a:r>
-              <a:rPr lang="ja-JP" altLang="en-US" dirty="0"/>
-              <a:t>研修の成果</a:t>
-            </a:r>
-            <a:endParaRPr lang="en-US" altLang="ja-JP" dirty="0"/>
-          </a:p>
-          <a:p>
-            <a:pPr marL="960120" lvl="1" indent="-457200">
-              <a:buFont typeface="+mj-lt"/>
-              <a:buAutoNum type="arabicPeriod"/>
-            </a:pPr>
-            <a:r>
-              <a:rPr lang="ja-JP" altLang="en-US" dirty="0"/>
-              <a:t>チーム目標とその成果</a:t>
-            </a:r>
-            <a:endParaRPr lang="en-US" altLang="ja-JP" dirty="0"/>
-          </a:p>
-          <a:p>
-            <a:pPr marL="960120" lvl="1" indent="-457200">
-              <a:buFont typeface="+mj-lt"/>
-              <a:buAutoNum type="arabicPeriod"/>
-            </a:pPr>
-            <a:r>
-              <a:rPr lang="ja-JP" altLang="en-US" dirty="0"/>
-              <a:t>円滑なプロジェクト進行のために行った工夫</a:t>
-            </a:r>
-            <a:endParaRPr lang="en-US" altLang="ja-JP" dirty="0"/>
-          </a:p>
-          <a:p>
-            <a:pPr marL="960120" lvl="1" indent="-457200">
-              <a:buFont typeface="+mj-lt"/>
-              <a:buAutoNum type="arabicPeriod"/>
-            </a:pPr>
-            <a:r>
-              <a:rPr lang="ja-JP" altLang="en-US" dirty="0"/>
-              <a:t>個人としての成長・課題</a:t>
-            </a:r>
-            <a:endParaRPr lang="en-US" altLang="ja-JP" dirty="0"/>
-          </a:p>
-          <a:p>
-            <a:pPr marL="960120" lvl="1" indent="-457200">
-              <a:buFont typeface="+mj-lt"/>
-              <a:buAutoNum type="arabicPeriod"/>
-            </a:pPr>
-            <a:endParaRPr lang="en-US" altLang="ja-JP" dirty="0"/>
-          </a:p>
-          <a:p>
-            <a:pPr marL="457200" indent="-457200">
-              <a:buFont typeface="+mj-lt"/>
-              <a:buAutoNum type="arabicPeriod"/>
-            </a:pPr>
-            <a:r>
-              <a:rPr lang="ja-JP" altLang="en-US" dirty="0"/>
-              <a:t>まとめ</a:t>
-            </a:r>
-            <a:endParaRPr lang="en-US" altLang="ja-JP" dirty="0"/>
-          </a:p>
-          <a:p>
-            <a:pPr marL="960120" lvl="1" indent="-457200">
-              <a:buFont typeface="+mj-lt"/>
-              <a:buAutoNum type="arabicPeriod"/>
-            </a:pPr>
-            <a:endParaRPr kumimoji="1" lang="ja-JP" altLang="en-US" dirty="0"/>
-          </a:p>
-        </p:txBody>
-      </p:sp>
-      <p:pic>
-        <p:nvPicPr>
-          <p:cNvPr id="4" name="図 3" descr="アイコン&#10;&#10;自動的に生成された説明">
-            <a:extLst>
-              <a:ext uri="{FF2B5EF4-FFF2-40B4-BE49-F238E27FC236}">
-                <a16:creationId xmlns:a16="http://schemas.microsoft.com/office/drawing/2014/main" id="{F80B5929-9B90-4E9C-B9E6-44E443331DB5}"/>
-              </a:ext>
-            </a:extLst>
-          </p:cNvPr>
-          <p:cNvPicPr>
-            <a:picLocks noChangeAspect="1"/>
-          </p:cNvPicPr>
-          <p:nvPr/>
-        </p:nvPicPr>
-        <p:blipFill>
-          <a:blip r:embed="rId3">
-            <a:alphaModFix amt="85000"/>
-            <a:extLst>
-              <a:ext uri="{28A0092B-C50C-407E-A947-70E740481C1C}">
-                <a14:useLocalDpi xmlns:a14="http://schemas.microsoft.com/office/drawing/2010/main" val="0"/>
-              </a:ext>
-            </a:extLst>
-          </a:blip>
-          <a:stretch>
-            <a:fillRect/>
-          </a:stretch>
-        </p:blipFill>
-        <p:spPr>
-          <a:xfrm>
-            <a:off x="9466729" y="5262949"/>
-            <a:ext cx="2725271" cy="1469817"/>
-          </a:xfrm>
-          <a:prstGeom prst="rect">
-            <a:avLst/>
-          </a:prstGeom>
-        </p:spPr>
-      </p:pic>
-    </p:spTree>
-    <p:extLst>
-      <p:ext uri="{BB962C8B-B14F-4D97-AF65-F5344CB8AC3E}">
-        <p14:creationId xmlns:p14="http://schemas.microsoft.com/office/powerpoint/2010/main" val="4213430680"/>
-      </p:ext>
-    </p:extLst>
-  </p:cSld>
-  <p:clrMapOvr>
-    <a:masterClrMapping/>
-  </p:clrMapOvr>
-  <p:timing>
-    <p:tnLst>
-      <p:par>
-        <p:cTn id="1" dur="indefinite" restart="never" nodeType="tmRoot">
-          <p:childTnLst>
-            <p:seq concurrent="1" nextAc="seek">
-              <p:cTn id="2" dur="indefinite" nodeType="mainSeq">
-                <p:childTnLst>
-                  <p:par>
-                    <p:cTn id="3" fill="hold">
-                      <p:stCondLst>
-                        <p:cond delay="indefinite"/>
-                      </p:stCondLst>
-                      <p:childTnLst>
-                        <p:par>
-                          <p:cTn id="4" fill="hold">
-                            <p:stCondLst>
-                              <p:cond delay="0"/>
-                            </p:stCondLst>
-                            <p:childTnLst>
-                              <p:par>
-                                <p:cTn id="5" presetID="26" presetClass="emph" presetSubtype="0" fill="hold" nodeType="clickEffect">
-                                  <p:stCondLst>
-                                    <p:cond delay="0"/>
-                                  </p:stCondLst>
-                                  <p:childTnLst>
-                                    <p:animEffect transition="out" filter="fade">
-                                      <p:cBhvr>
-                                        <p:cTn id="6" dur="500" tmFilter="0, 0; .2, .5; .8, .5; 1, 0"/>
-                                        <p:tgtEl>
-                                          <p:spTgt spid="3">
-                                            <p:txEl>
-                                              <p:pRg st="0" end="0"/>
-                                            </p:txEl>
-                                          </p:spTgt>
-                                        </p:tgtEl>
-                                      </p:cBhvr>
-                                    </p:animEffect>
-                                    <p:animScale>
-                                      <p:cBhvr>
-                                        <p:cTn id="7" dur="250" autoRev="1" fill="hold"/>
-                                        <p:tgtEl>
-                                          <p:spTgt spid="3">
-                                            <p:txEl>
-                                              <p:pRg st="0" end="0"/>
-                                            </p:txEl>
-                                          </p:spTgt>
-                                        </p:tgtEl>
-                                      </p:cBhvr>
-                                      <p:by x="105000" y="105000"/>
-                                    </p:animScale>
-                                  </p:childTnLst>
-                                </p:cTn>
-                              </p:par>
-                            </p:childTnLst>
-                          </p:cTn>
-                        </p:par>
-                      </p:childTnLst>
-                    </p:cTn>
-                  </p:par>
-                </p:childTnLst>
-              </p:cTn>
-              <p:prevCondLst>
-                <p:cond evt="onPrev" delay="0">
-                  <p:tgtEl>
-                    <p:sldTgt/>
-                  </p:tgtEl>
-                </p:cond>
-              </p:prevCondLst>
-              <p:nextCondLst>
-                <p:cond evt="onNext" delay="0">
-                  <p:tgtEl>
-                    <p:sldTgt/>
-                  </p:tgtEl>
-                </p:cond>
-              </p:nextCondLst>
-            </p:seq>
-          </p:childTnLst>
-        </p:cTn>
-      </p:par>
-    </p:tnLst>
-  </p:timing>
-</p:sld>
-</file>
-
-<file path=ppt/slides/slide20.xml><?xml version="1.0" encoding="utf-8"?>
+<file path=ppt/slides/slide21.xml><?xml version="1.0" encoding="utf-8"?>
 <p:sld xmlns:a="http://schemas.openxmlformats.org/drawingml/2006/main" xmlns:r="http://schemas.openxmlformats.org/officeDocument/2006/relationships" xmlns:p="http://schemas.openxmlformats.org/presentationml/2006/main">
   <p:cSld>
     <p:spTree>
@@ -11778,7 +12288,7 @@
 </p:sld>
 </file>
 
-<file path=ppt/slides/slide21.xml><?xml version="1.0" encoding="utf-8"?>
+<file path=ppt/slides/slide22.xml><?xml version="1.0" encoding="utf-8"?>
 <p:sld xmlns:a="http://schemas.openxmlformats.org/drawingml/2006/main" xmlns:r="http://schemas.openxmlformats.org/officeDocument/2006/relationships" xmlns:p="http://schemas.openxmlformats.org/presentationml/2006/main">
   <p:cSld>
     <p:spTree>
@@ -12506,7 +13016,7 @@
 </p:sld>
 </file>
 
-<file path=ppt/slides/slide22.xml><?xml version="1.0" encoding="utf-8"?>
+<file path=ppt/slides/slide23.xml><?xml version="1.0" encoding="utf-8"?>
 <p:sld xmlns:a="http://schemas.openxmlformats.org/drawingml/2006/main" xmlns:r="http://schemas.openxmlformats.org/officeDocument/2006/relationships" xmlns:p="http://schemas.openxmlformats.org/presentationml/2006/main">
   <p:cSld>
     <p:spTree>
@@ -12788,7 +13298,33 @@
                 <a:effectLst/>
                 <a:latin typeface="Slack-Lato"/>
               </a:rPr>
-              <a:t>・発表準備スケジュール・発表アジェンダの原案</a:t>
+              <a:t>・発表準備スケジュール</a:t>
+            </a:r>
+            <a:r>
+              <a:rPr lang="en-US" altLang="ja-JP" sz="2400" b="0" i="0" dirty="0">
+                <a:solidFill>
+                  <a:schemeClr val="tx1">
+                    <a:lumMod val="65000"/>
+                    <a:lumOff val="35000"/>
+                  </a:schemeClr>
+                </a:solidFill>
+                <a:effectLst/>
+                <a:latin typeface="Slack-Lato"/>
+              </a:rPr>
+              <a:t>/</a:t>
+            </a:r>
+            <a:r>
+              <a:rPr lang="ja-JP" altLang="en-US" sz="2400" b="0" i="0" dirty="0">
+                <a:solidFill>
+                  <a:schemeClr val="tx1">
+                    <a:lumMod val="65000"/>
+                    <a:lumOff val="35000"/>
+                  </a:schemeClr>
+                </a:solidFill>
+                <a:effectLst/>
+                <a:latin typeface="Slack-Lato"/>
+              </a:rPr>
+              <a:t>発表アジェンダの原案</a:t>
             </a:r>
             <a:br>
               <a:rPr lang="ja-JP" altLang="en-US" sz="2400" dirty="0">
@@ -12936,19 +13472,6 @@
               </a:rPr>
               <a:t>口頭で意見や質問、連絡事項を伝える際に、簡潔に分かりやすく話すことができていない点</a:t>
             </a:r>
-            <a:r>
-              <a:rPr kumimoji="1" lang="ja-JP" altLang="en-US" sz="2400" b="0" i="0" dirty="0">
-                <a:solidFill>
-                  <a:schemeClr val="tx1">
-                    <a:lumMod val="65000"/>
-                    <a:lumOff val="35000"/>
-                  </a:schemeClr>
-                </a:solidFill>
-                <a:effectLst/>
-                <a:latin typeface="Slack-Lato"/>
-              </a:rPr>
-              <a:t>。</a:t>
-            </a:r>
             <a:endParaRPr kumimoji="1" lang="ja-JP" altLang="en-US" sz="2400" dirty="0">
               <a:solidFill>
                 <a:schemeClr val="tx1">
@@ -12964,813 +13487,6 @@
     <p:extLst>
       <p:ext uri="{BB962C8B-B14F-4D97-AF65-F5344CB8AC3E}">
         <p14:creationId xmlns:p14="http://schemas.microsoft.com/office/powerpoint/2010/main" val="3340445707"/>
-      </p:ext>
-    </p:extLst>
-  </p:cSld>
-  <p:clrMapOvr>
-    <a:masterClrMapping/>
-  </p:clrMapOvr>
-  <p:timing>
-    <p:tnLst>
-      <p:par>
-        <p:cTn id="1" dur="indefinite" restart="never" nodeType="tmRoot">
-          <p:childTnLst>
-            <p:seq concurrent="1" nextAc="seek">
-              <p:cTn id="2" dur="indefinite" nodeType="mainSeq">
-                <p:childTnLst>
-                  <p:par>
-                    <p:cTn id="3" fill="hold">
-                      <p:stCondLst>
-                        <p:cond delay="indefinite"/>
-                      </p:stCondLst>
-                      <p:childTnLst>
-                        <p:par>
-                          <p:cTn id="4" fill="hold">
-                            <p:stCondLst>
-                              <p:cond delay="0"/>
-                            </p:stCondLst>
-                            <p:childTnLst>
-                              <p:par>
-                                <p:cTn id="5" presetID="2" presetClass="entr" presetSubtype="4" fill="hold" grpId="0" nodeType="clickEffect">
-                                  <p:stCondLst>
-                                    <p:cond delay="0"/>
-                                  </p:stCondLst>
-                                  <p:childTnLst>
-                                    <p:set>
-                                      <p:cBhvr>
-                                        <p:cTn id="6" dur="1" fill="hold">
-                                          <p:stCondLst>
-                                            <p:cond delay="0"/>
-                                          </p:stCondLst>
-                                        </p:cTn>
-                                        <p:tgtEl>
-                                          <p:spTgt spid="9"/>
-                                        </p:tgtEl>
-                                        <p:attrNameLst>
-                                          <p:attrName>style.visibility</p:attrName>
-                                        </p:attrNameLst>
-                                      </p:cBhvr>
-                                      <p:to>
-                                        <p:strVal val="visible"/>
-                                      </p:to>
-                                    </p:set>
-                                    <p:anim calcmode="lin" valueType="num">
-                                      <p:cBhvr additive="base">
-                                        <p:cTn id="7" dur="500" fill="hold"/>
-                                        <p:tgtEl>
-                                          <p:spTgt spid="9"/>
-                                        </p:tgtEl>
-                                        <p:attrNameLst>
-                                          <p:attrName>ppt_x</p:attrName>
-                                        </p:attrNameLst>
-                                      </p:cBhvr>
-                                      <p:tavLst>
-                                        <p:tav tm="0">
-                                          <p:val>
-                                            <p:strVal val="#ppt_x"/>
-                                          </p:val>
-                                        </p:tav>
-                                        <p:tav tm="100000">
-                                          <p:val>
-                                            <p:strVal val="#ppt_x"/>
-                                          </p:val>
-                                        </p:tav>
-                                      </p:tavLst>
-                                    </p:anim>
-                                    <p:anim calcmode="lin" valueType="num">
-                                      <p:cBhvr additive="base">
-                                        <p:cTn id="8" dur="500" fill="hold"/>
-                                        <p:tgtEl>
-                                          <p:spTgt spid="9"/>
-                                        </p:tgtEl>
-                                        <p:attrNameLst>
-                                          <p:attrName>ppt_y</p:attrName>
-                                        </p:attrNameLst>
-                                      </p:cBhvr>
-                                      <p:tavLst>
-                                        <p:tav tm="0">
-                                          <p:val>
-                                            <p:strVal val="1+#ppt_h/2"/>
-                                          </p:val>
-                                        </p:tav>
-                                        <p:tav tm="100000">
-                                          <p:val>
-                                            <p:strVal val="#ppt_y"/>
-                                          </p:val>
-                                        </p:tav>
-                                      </p:tavLst>
-                                    </p:anim>
-                                  </p:childTnLst>
-                                </p:cTn>
-                              </p:par>
-                            </p:childTnLst>
-                          </p:cTn>
-                        </p:par>
-                      </p:childTnLst>
-                    </p:cTn>
-                  </p:par>
-                  <p:par>
-                    <p:cTn id="9" fill="hold">
-                      <p:stCondLst>
-                        <p:cond delay="indefinite"/>
-                      </p:stCondLst>
-                      <p:childTnLst>
-                        <p:par>
-                          <p:cTn id="10" fill="hold">
-                            <p:stCondLst>
-                              <p:cond delay="0"/>
-                            </p:stCondLst>
-                            <p:childTnLst>
-                              <p:par>
-                                <p:cTn id="11" presetID="2" presetClass="entr" presetSubtype="4" fill="hold" grpId="0" nodeType="clickEffect">
-                                  <p:stCondLst>
-                                    <p:cond delay="0"/>
-                                  </p:stCondLst>
-                                  <p:childTnLst>
-                                    <p:set>
-                                      <p:cBhvr>
-                                        <p:cTn id="12" dur="1" fill="hold">
-                                          <p:stCondLst>
-                                            <p:cond delay="0"/>
-                                          </p:stCondLst>
-                                        </p:cTn>
-                                        <p:tgtEl>
-                                          <p:spTgt spid="10"/>
-                                        </p:tgtEl>
-                                        <p:attrNameLst>
-                                          <p:attrName>style.visibility</p:attrName>
-                                        </p:attrNameLst>
-                                      </p:cBhvr>
-                                      <p:to>
-                                        <p:strVal val="visible"/>
-                                      </p:to>
-                                    </p:set>
-                                    <p:anim calcmode="lin" valueType="num">
-                                      <p:cBhvr additive="base">
-                                        <p:cTn id="13" dur="500" fill="hold"/>
-                                        <p:tgtEl>
-                                          <p:spTgt spid="10"/>
-                                        </p:tgtEl>
-                                        <p:attrNameLst>
-                                          <p:attrName>ppt_x</p:attrName>
-                                        </p:attrNameLst>
-                                      </p:cBhvr>
-                                      <p:tavLst>
-                                        <p:tav tm="0">
-                                          <p:val>
-                                            <p:strVal val="#ppt_x"/>
-                                          </p:val>
-                                        </p:tav>
-                                        <p:tav tm="100000">
-                                          <p:val>
-                                            <p:strVal val="#ppt_x"/>
-                                          </p:val>
-                                        </p:tav>
-                                      </p:tavLst>
-                                    </p:anim>
-                                    <p:anim calcmode="lin" valueType="num">
-                                      <p:cBhvr additive="base">
-                                        <p:cTn id="14" dur="500" fill="hold"/>
-                                        <p:tgtEl>
-                                          <p:spTgt spid="10"/>
-                                        </p:tgtEl>
-                                        <p:attrNameLst>
-                                          <p:attrName>ppt_y</p:attrName>
-                                        </p:attrNameLst>
-                                      </p:cBhvr>
-                                      <p:tavLst>
-                                        <p:tav tm="0">
-                                          <p:val>
-                                            <p:strVal val="1+#ppt_h/2"/>
-                                          </p:val>
-                                        </p:tav>
-                                        <p:tav tm="100000">
-                                          <p:val>
-                                            <p:strVal val="#ppt_y"/>
-                                          </p:val>
-                                        </p:tav>
-                                      </p:tavLst>
-                                    </p:anim>
-                                  </p:childTnLst>
-                                </p:cTn>
-                              </p:par>
-                            </p:childTnLst>
-                          </p:cTn>
-                        </p:par>
-                      </p:childTnLst>
-                    </p:cTn>
-                  </p:par>
-                </p:childTnLst>
-              </p:cTn>
-              <p:prevCondLst>
-                <p:cond evt="onPrev" delay="0">
-                  <p:tgtEl>
-                    <p:sldTgt/>
-                  </p:tgtEl>
-                </p:cond>
-              </p:prevCondLst>
-              <p:nextCondLst>
-                <p:cond evt="onNext" delay="0">
-                  <p:tgtEl>
-                    <p:sldTgt/>
-                  </p:tgtEl>
-                </p:cond>
-              </p:nextCondLst>
-            </p:seq>
-          </p:childTnLst>
-        </p:cTn>
-      </p:par>
-    </p:tnLst>
-    <p:bldLst>
-      <p:bldP spid="9" grpId="0" animBg="1"/>
-      <p:bldP spid="10" grpId="0" animBg="1"/>
-    </p:bldLst>
-  </p:timing>
-</p:sld>
-</file>
-
-<file path=ppt/slides/slide23.xml><?xml version="1.0" encoding="utf-8"?>
-<p:sld xmlns:a="http://schemas.openxmlformats.org/drawingml/2006/main" xmlns:r="http://schemas.openxmlformats.org/officeDocument/2006/relationships" xmlns:p="http://schemas.openxmlformats.org/presentationml/2006/main">
-  <p:cSld>
-    <p:spTree>
-      <p:nvGrpSpPr>
-        <p:cNvPr id="1" name=""/>
-        <p:cNvGrpSpPr/>
-        <p:nvPr/>
-      </p:nvGrpSpPr>
-      <p:grpSpPr>
-        <a:xfrm>
-          <a:off x="0" y="0"/>
-          <a:ext cx="0" cy="0"/>
-          <a:chOff x="0" y="0"/>
-          <a:chExt cx="0" cy="0"/>
-        </a:xfrm>
-      </p:grpSpPr>
-      <p:sp>
-        <p:nvSpPr>
-          <p:cNvPr id="2" name="タイトル 1">
-            <a:extLst>
-              <a:ext uri="{FF2B5EF4-FFF2-40B4-BE49-F238E27FC236}">
-                <a16:creationId xmlns:a16="http://schemas.microsoft.com/office/drawing/2014/main" id="{11FF109B-1A52-4682-9479-0DCAC48B3C35}"/>
-              </a:ext>
-            </a:extLst>
-          </p:cNvPr>
-          <p:cNvSpPr>
-            <a:spLocks noGrp="1"/>
-          </p:cNvSpPr>
-          <p:nvPr>
-            <p:ph type="title"/>
-          </p:nvPr>
-        </p:nvSpPr>
-        <p:spPr>
-          <a:xfrm>
-            <a:off x="0" y="1123837"/>
-            <a:ext cx="3869268" cy="4601183"/>
-          </a:xfrm>
-        </p:spPr>
-        <p:txBody>
-          <a:bodyPr>
-            <a:normAutofit/>
-          </a:bodyPr>
-          <a:lstStyle/>
-          <a:p>
-            <a:r>
-              <a:rPr kumimoji="1" lang="ja-JP" altLang="en-US" sz="2800" dirty="0"/>
-              <a:t>コミュニケーション</a:t>
-            </a:r>
-            <a:br>
-              <a:rPr lang="en-US" altLang="ja-JP" sz="2800" dirty="0"/>
-            </a:br>
-            <a:r>
-              <a:rPr lang="ja-JP" altLang="en-US" sz="2800" dirty="0"/>
-              <a:t>品質管理担当</a:t>
-            </a:r>
-            <a:br>
-              <a:rPr lang="en-US" altLang="ja-JP" sz="2800" dirty="0"/>
-            </a:br>
-            <a:r>
-              <a:rPr lang="ja-JP" altLang="en-US" sz="2800" dirty="0"/>
-              <a:t>千田ひかる</a:t>
-            </a:r>
-            <a:endParaRPr kumimoji="1" lang="ja-JP" altLang="en-US" sz="2800" dirty="0"/>
-          </a:p>
-        </p:txBody>
-      </p:sp>
-      <p:pic>
-        <p:nvPicPr>
-          <p:cNvPr id="4" name="図 3" descr="アイコン&#10;&#10;自動的に生成された説明">
-            <a:extLst>
-              <a:ext uri="{FF2B5EF4-FFF2-40B4-BE49-F238E27FC236}">
-                <a16:creationId xmlns:a16="http://schemas.microsoft.com/office/drawing/2014/main" id="{F80B5929-9B90-4E9C-B9E6-44E443331DB5}"/>
-              </a:ext>
-            </a:extLst>
-          </p:cNvPr>
-          <p:cNvPicPr>
-            <a:picLocks noChangeAspect="1"/>
-          </p:cNvPicPr>
-          <p:nvPr/>
-        </p:nvPicPr>
-        <p:blipFill>
-          <a:blip r:embed="rId3">
-            <a:alphaModFix amt="85000"/>
-            <a:extLst>
-              <a:ext uri="{28A0092B-C50C-407E-A947-70E740481C1C}">
-                <a14:useLocalDpi xmlns:a14="http://schemas.microsoft.com/office/drawing/2010/main" val="0"/>
-              </a:ext>
-            </a:extLst>
-          </a:blip>
-          <a:stretch>
-            <a:fillRect/>
-          </a:stretch>
-        </p:blipFill>
-        <p:spPr>
-          <a:xfrm>
-            <a:off x="9466729" y="5262949"/>
-            <a:ext cx="2725271" cy="1469817"/>
-          </a:xfrm>
-          <a:prstGeom prst="rect">
-            <a:avLst/>
-          </a:prstGeom>
-        </p:spPr>
-      </p:pic>
-      <p:sp>
-        <p:nvSpPr>
-          <p:cNvPr id="8" name="四角形: 角を丸くする 7">
-            <a:extLst>
-              <a:ext uri="{FF2B5EF4-FFF2-40B4-BE49-F238E27FC236}">
-                <a16:creationId xmlns:a16="http://schemas.microsoft.com/office/drawing/2014/main" id="{B4048DCE-9E13-420A-BA63-F584B2EAE0BA}"/>
-              </a:ext>
-            </a:extLst>
-          </p:cNvPr>
-          <p:cNvSpPr/>
-          <p:nvPr/>
-        </p:nvSpPr>
-        <p:spPr>
-          <a:xfrm>
-            <a:off x="3756972" y="360137"/>
-            <a:ext cx="7985850" cy="1844842"/>
-          </a:xfrm>
-          <a:prstGeom prst="roundRect">
-            <a:avLst/>
-          </a:prstGeom>
-          <a:noFill/>
-          <a:ln w="28575"/>
-        </p:spPr>
-        <p:style>
-          <a:lnRef idx="2">
-            <a:schemeClr val="accent1">
-              <a:shade val="50000"/>
-            </a:schemeClr>
-          </a:lnRef>
-          <a:fillRef idx="1">
-            <a:schemeClr val="accent1"/>
-          </a:fillRef>
-          <a:effectRef idx="0">
-            <a:schemeClr val="accent1"/>
-          </a:effectRef>
-          <a:fontRef idx="minor">
-            <a:schemeClr val="lt1"/>
-          </a:fontRef>
-        </p:style>
-        <p:txBody>
-          <a:bodyPr rtlCol="0" anchor="t"/>
-          <a:lstStyle/>
-          <a:p>
-            <a:r>
-              <a:rPr lang="ja-JP" altLang="en-US" b="0" i="0" dirty="0">
-                <a:solidFill>
-                  <a:schemeClr val="tx1">
-                    <a:lumMod val="65000"/>
-                    <a:lumOff val="35000"/>
-                  </a:schemeClr>
-                </a:solidFill>
-                <a:effectLst/>
-                <a:latin typeface="Slack-Lato"/>
-              </a:rPr>
-              <a:t>★この研修を通して自分が成長したと思う点</a:t>
-            </a:r>
-            <a:endParaRPr kumimoji="1" lang="en-US" altLang="ja-JP" dirty="0">
-              <a:solidFill>
-                <a:schemeClr val="tx1">
-                  <a:lumMod val="65000"/>
-                  <a:lumOff val="35000"/>
-                </a:schemeClr>
-              </a:solidFill>
-              <a:latin typeface="Slack-Lato"/>
-            </a:endParaRPr>
-          </a:p>
-          <a:p>
-            <a:r>
-              <a:rPr kumimoji="1" lang="ja-JP" altLang="en-US" sz="2400" b="1" dirty="0">
-                <a:solidFill>
-                  <a:schemeClr val="tx1">
-                    <a:lumMod val="65000"/>
-                    <a:lumOff val="35000"/>
-                  </a:schemeClr>
-                </a:solidFill>
-              </a:rPr>
-              <a:t>・自分の力量を鑑みて必要な行動をとることができた点</a:t>
-            </a:r>
-            <a:r>
-              <a:rPr kumimoji="1" lang="ja-JP" altLang="en-US" b="1" dirty="0">
-                <a:solidFill>
-                  <a:srgbClr val="000000">
-                    <a:lumMod val="65000"/>
-                    <a:lumOff val="35000"/>
-                  </a:srgbClr>
-                </a:solidFill>
-              </a:rPr>
-              <a:t>（品質管理担当）</a:t>
-            </a:r>
-            <a:endParaRPr kumimoji="1" lang="en-US" altLang="ja-JP" b="1" dirty="0">
-              <a:solidFill>
-                <a:schemeClr val="tx1">
-                  <a:lumMod val="65000"/>
-                  <a:lumOff val="35000"/>
-                </a:schemeClr>
-              </a:solidFill>
-            </a:endParaRPr>
-          </a:p>
-          <a:p>
-            <a:pPr marL="0" marR="0" lvl="0" indent="0" algn="l" defTabSz="457200" rtl="0" eaLnBrk="1" fontAlgn="auto" latinLnBrk="0" hangingPunct="1">
-              <a:lnSpc>
-                <a:spcPct val="100000"/>
-              </a:lnSpc>
-              <a:spcBef>
-                <a:spcPts val="0"/>
-              </a:spcBef>
-              <a:spcAft>
-                <a:spcPts val="0"/>
-              </a:spcAft>
-              <a:buClrTx/>
-              <a:buSzTx/>
-              <a:buFontTx/>
-              <a:buNone/>
-              <a:tabLst/>
-              <a:defRPr/>
-            </a:pPr>
-            <a:r>
-              <a:rPr kumimoji="0" lang="ja-JP" altLang="en-US" b="0" i="0" u="none" strike="noStrike" kern="1200" cap="none" spc="0" normalizeH="0" baseline="0" noProof="0" dirty="0">
-                <a:ln>
-                  <a:noFill/>
-                </a:ln>
-                <a:solidFill>
-                  <a:srgbClr val="000000">
-                    <a:lumMod val="65000"/>
-                    <a:lumOff val="35000"/>
-                  </a:srgbClr>
-                </a:solidFill>
-                <a:effectLst/>
-                <a:uLnTx/>
-                <a:uFillTx/>
-                <a:latin typeface="Slack-Lato"/>
-                <a:ea typeface="ＭＳ ゴシック" panose="020B0609070205080204" pitchFamily="49" charset="-128"/>
-                <a:cs typeface="+mn-cs"/>
-              </a:rPr>
-              <a:t>・「情報共有がチーム内でできているか」を意識した点</a:t>
-            </a:r>
-            <a:r>
-              <a:rPr kumimoji="1" lang="ja-JP" altLang="en-US" sz="1800" b="0" i="0" u="none" strike="noStrike" kern="1200" cap="none" spc="0" normalizeH="0" baseline="0" noProof="0" dirty="0">
-                <a:ln>
-                  <a:noFill/>
-                </a:ln>
-                <a:solidFill>
-                  <a:srgbClr val="000000">
-                    <a:lumMod val="65000"/>
-                    <a:lumOff val="35000"/>
-                  </a:srgbClr>
-                </a:solidFill>
-                <a:effectLst/>
-                <a:uLnTx/>
-                <a:uFillTx/>
-                <a:latin typeface="Slack-Lato"/>
-                <a:ea typeface="ＭＳ ゴシック" panose="020B0609070205080204" pitchFamily="49" charset="-128"/>
-                <a:cs typeface="+mn-cs"/>
-              </a:rPr>
-              <a:t>（コミュニケーション担当） </a:t>
-            </a:r>
-            <a:r>
-              <a:rPr kumimoji="0" lang="ja-JP" altLang="en-US" sz="2400" b="0" i="0" u="none" strike="noStrike" kern="1200" cap="none" spc="0" normalizeH="0" baseline="0" noProof="0" dirty="0">
-                <a:ln>
-                  <a:noFill/>
-                </a:ln>
-                <a:solidFill>
-                  <a:srgbClr val="000000">
-                    <a:lumMod val="65000"/>
-                    <a:lumOff val="35000"/>
-                  </a:srgbClr>
-                </a:solidFill>
-                <a:effectLst/>
-                <a:uLnTx/>
-                <a:uFillTx/>
-                <a:latin typeface="Slack-Lato"/>
-                <a:ea typeface="ＭＳ ゴシック" panose="020B0609070205080204" pitchFamily="49" charset="-128"/>
-                <a:cs typeface="+mn-cs"/>
-              </a:rPr>
-              <a:t>。</a:t>
-            </a:r>
-            <a:endParaRPr kumimoji="0" lang="en-US" altLang="ja-JP" sz="2400" b="0" i="0" u="none" strike="noStrike" kern="1200" cap="none" spc="0" normalizeH="0" baseline="0" noProof="0" dirty="0">
-              <a:ln>
-                <a:noFill/>
-              </a:ln>
-              <a:solidFill>
-                <a:srgbClr val="000000">
-                  <a:lumMod val="65000"/>
-                  <a:lumOff val="35000"/>
-                </a:srgbClr>
-              </a:solidFill>
-              <a:effectLst/>
-              <a:uLnTx/>
-              <a:uFillTx/>
-              <a:latin typeface="Slack-Lato"/>
-              <a:ea typeface="ＭＳ ゴシック" panose="020B0609070205080204" pitchFamily="49" charset="-128"/>
-              <a:cs typeface="+mn-cs"/>
-            </a:endParaRPr>
-          </a:p>
-          <a:p>
-            <a:endParaRPr kumimoji="1" lang="en-US" altLang="ja-JP" sz="2400" dirty="0">
-              <a:solidFill>
-                <a:schemeClr val="tx1">
-                  <a:lumMod val="65000"/>
-                  <a:lumOff val="35000"/>
-                </a:schemeClr>
-              </a:solidFill>
-            </a:endParaRPr>
-          </a:p>
-        </p:txBody>
-      </p:sp>
-      <p:sp>
-        <p:nvSpPr>
-          <p:cNvPr id="9" name="四角形: 角を丸くする 8">
-            <a:extLst>
-              <a:ext uri="{FF2B5EF4-FFF2-40B4-BE49-F238E27FC236}">
-                <a16:creationId xmlns:a16="http://schemas.microsoft.com/office/drawing/2014/main" id="{CF4922A8-C585-4B07-9D26-36A9B1FDC254}"/>
-              </a:ext>
-            </a:extLst>
-          </p:cNvPr>
-          <p:cNvSpPr/>
-          <p:nvPr/>
-        </p:nvSpPr>
-        <p:spPr>
-          <a:xfrm>
-            <a:off x="3756972" y="2341586"/>
-            <a:ext cx="7985850" cy="1634992"/>
-          </a:xfrm>
-          <a:prstGeom prst="roundRect">
-            <a:avLst/>
-          </a:prstGeom>
-          <a:noFill/>
-          <a:ln w="28575"/>
-        </p:spPr>
-        <p:style>
-          <a:lnRef idx="2">
-            <a:schemeClr val="accent1">
-              <a:shade val="50000"/>
-            </a:schemeClr>
-          </a:lnRef>
-          <a:fillRef idx="1">
-            <a:schemeClr val="accent1"/>
-          </a:fillRef>
-          <a:effectRef idx="0">
-            <a:schemeClr val="accent1"/>
-          </a:effectRef>
-          <a:fontRef idx="minor">
-            <a:schemeClr val="lt1"/>
-          </a:fontRef>
-        </p:style>
-        <p:txBody>
-          <a:bodyPr rtlCol="0" anchor="t"/>
-          <a:lstStyle/>
-          <a:p>
-            <a:r>
-              <a:rPr lang="ja-JP" altLang="en-US" sz="2000" b="0" i="0" dirty="0">
-                <a:solidFill>
-                  <a:schemeClr val="tx1">
-                    <a:lumMod val="65000"/>
-                    <a:lumOff val="35000"/>
-                  </a:schemeClr>
-                </a:solidFill>
-                <a:effectLst/>
-                <a:latin typeface="Slack-Lato"/>
-              </a:rPr>
-              <a:t>★チームのために主体的に行動したこと</a:t>
-            </a:r>
-            <a:endParaRPr lang="en-US" altLang="ja-JP" sz="2000" dirty="0">
-              <a:solidFill>
-                <a:schemeClr val="tx1">
-                  <a:lumMod val="65000"/>
-                  <a:lumOff val="35000"/>
-                </a:schemeClr>
-              </a:solidFill>
-              <a:latin typeface="Slack-Lato"/>
-            </a:endParaRPr>
-          </a:p>
-          <a:p>
-            <a:r>
-              <a:rPr kumimoji="1" lang="ja-JP" altLang="en-US" sz="2400" b="1" dirty="0">
-                <a:solidFill>
-                  <a:srgbClr val="000000">
-                    <a:lumMod val="65000"/>
-                    <a:lumOff val="35000"/>
-                  </a:srgbClr>
-                </a:solidFill>
-              </a:rPr>
-              <a:t>テスト項目の作成、テスト項目の添削依頼</a:t>
-            </a:r>
-            <a:r>
-              <a:rPr kumimoji="1" lang="ja-JP" altLang="en-US" b="1" dirty="0">
-                <a:solidFill>
-                  <a:srgbClr val="000000">
-                    <a:lumMod val="65000"/>
-                    <a:lumOff val="35000"/>
-                  </a:srgbClr>
-                </a:solidFill>
-              </a:rPr>
-              <a:t>（品質管理担当）</a:t>
-            </a:r>
-            <a:endParaRPr kumimoji="1" lang="en-US" altLang="ja-JP" b="1" dirty="0">
-              <a:solidFill>
-                <a:schemeClr val="tx1">
-                  <a:lumMod val="65000"/>
-                  <a:lumOff val="35000"/>
-                </a:schemeClr>
-              </a:solidFill>
-              <a:latin typeface="Slack-Lato"/>
-            </a:endParaRPr>
-          </a:p>
-          <a:p>
-            <a:r>
-              <a:rPr kumimoji="1" lang="ja-JP" altLang="en-US" dirty="0">
-                <a:solidFill>
-                  <a:schemeClr val="tx1">
-                    <a:lumMod val="65000"/>
-                    <a:lumOff val="35000"/>
-                  </a:schemeClr>
-                </a:solidFill>
-              </a:rPr>
-              <a:t>議事録共有時の確認スタンプの利用</a:t>
-            </a:r>
-            <a:r>
-              <a:rPr kumimoji="1" lang="ja-JP" altLang="en-US" dirty="0">
-                <a:solidFill>
-                  <a:schemeClr val="tx1">
-                    <a:lumMod val="65000"/>
-                    <a:lumOff val="35000"/>
-                  </a:schemeClr>
-                </a:solidFill>
-                <a:latin typeface="Slack-Lato"/>
-              </a:rPr>
-              <a:t>（コミュニケーション担当）。</a:t>
-            </a:r>
-            <a:endParaRPr kumimoji="1" lang="en-US" altLang="ja-JP" dirty="0">
-              <a:solidFill>
-                <a:schemeClr val="tx1">
-                  <a:lumMod val="65000"/>
-                  <a:lumOff val="35000"/>
-                </a:schemeClr>
-              </a:solidFill>
-              <a:latin typeface="Slack-Lato"/>
-            </a:endParaRPr>
-          </a:p>
-        </p:txBody>
-      </p:sp>
-      <p:sp>
-        <p:nvSpPr>
-          <p:cNvPr id="10" name="四角形: 角を丸くする 9">
-            <a:extLst>
-              <a:ext uri="{FF2B5EF4-FFF2-40B4-BE49-F238E27FC236}">
-                <a16:creationId xmlns:a16="http://schemas.microsoft.com/office/drawing/2014/main" id="{F7501C0E-E178-4762-BE15-2E09B23C0A19}"/>
-              </a:ext>
-            </a:extLst>
-          </p:cNvPr>
-          <p:cNvSpPr/>
-          <p:nvPr/>
-        </p:nvSpPr>
-        <p:spPr>
-          <a:xfrm>
-            <a:off x="3756972" y="4153015"/>
-            <a:ext cx="7985850" cy="1844842"/>
-          </a:xfrm>
-          <a:prstGeom prst="roundRect">
-            <a:avLst/>
-          </a:prstGeom>
-          <a:solidFill>
-            <a:schemeClr val="bg1"/>
-          </a:solidFill>
-          <a:ln w="28575"/>
-        </p:spPr>
-        <p:style>
-          <a:lnRef idx="2">
-            <a:schemeClr val="accent1">
-              <a:shade val="50000"/>
-            </a:schemeClr>
-          </a:lnRef>
-          <a:fillRef idx="1">
-            <a:schemeClr val="accent1"/>
-          </a:fillRef>
-          <a:effectRef idx="0">
-            <a:schemeClr val="accent1"/>
-          </a:effectRef>
-          <a:fontRef idx="minor">
-            <a:schemeClr val="lt1"/>
-          </a:fontRef>
-        </p:style>
-        <p:txBody>
-          <a:bodyPr rtlCol="0" anchor="t"/>
-          <a:lstStyle/>
-          <a:p>
-            <a:r>
-              <a:rPr kumimoji="1" lang="ja-JP" altLang="en-US" dirty="0">
-                <a:solidFill>
-                  <a:schemeClr val="tx1">
-                    <a:lumMod val="65000"/>
-                    <a:lumOff val="35000"/>
-                  </a:schemeClr>
-                </a:solidFill>
-              </a:rPr>
-              <a:t>★残された課題</a:t>
-            </a:r>
-            <a:endParaRPr kumimoji="1" lang="en-US" altLang="ja-JP" dirty="0">
-              <a:solidFill>
-                <a:schemeClr val="tx1">
-                  <a:lumMod val="65000"/>
-                  <a:lumOff val="35000"/>
-                </a:schemeClr>
-              </a:solidFill>
-            </a:endParaRPr>
-          </a:p>
-          <a:p>
-            <a:pPr lvl="0"/>
-            <a:r>
-              <a:rPr kumimoji="1" lang="ja-JP" altLang="en-US" sz="2400" b="1" dirty="0">
-                <a:solidFill>
-                  <a:schemeClr val="tx1">
-                    <a:lumMod val="65000"/>
-                    <a:lumOff val="35000"/>
-                  </a:schemeClr>
-                </a:solidFill>
-              </a:rPr>
-              <a:t>・品質のために、周囲が納得できるようなコミュニケーションを実践できなかった点</a:t>
-            </a:r>
-            <a:r>
-              <a:rPr kumimoji="1" lang="ja-JP" altLang="en-US" b="1" dirty="0">
-                <a:solidFill>
-                  <a:srgbClr val="000000">
-                    <a:lumMod val="65000"/>
-                    <a:lumOff val="35000"/>
-                  </a:srgbClr>
-                </a:solidFill>
-              </a:rPr>
-              <a:t>（品質管理担当）</a:t>
-            </a:r>
-            <a:endParaRPr kumimoji="1" lang="ja-JP" altLang="en-US" sz="2400" b="1" dirty="0">
-              <a:solidFill>
-                <a:schemeClr val="tx1">
-                  <a:lumMod val="65000"/>
-                  <a:lumOff val="35000"/>
-                </a:schemeClr>
-              </a:solidFill>
-            </a:endParaRPr>
-          </a:p>
-          <a:p>
-            <a:r>
-              <a:rPr kumimoji="1" lang="ja-JP" altLang="en-US" dirty="0">
-                <a:solidFill>
-                  <a:schemeClr val="tx1">
-                    <a:lumMod val="65000"/>
-                    <a:lumOff val="35000"/>
-                  </a:schemeClr>
-                </a:solidFill>
-              </a:rPr>
-              <a:t>・「気づきスレッド」を有効に活用できなかった点</a:t>
-            </a:r>
-            <a:r>
-              <a:rPr kumimoji="1" lang="ja-JP" altLang="en-US" dirty="0">
-                <a:solidFill>
-                  <a:schemeClr val="tx1">
-                    <a:lumMod val="65000"/>
-                    <a:lumOff val="35000"/>
-                  </a:schemeClr>
-                </a:solidFill>
-                <a:latin typeface="Slack-Lato"/>
-              </a:rPr>
-              <a:t>（コミュニケーション担当）。</a:t>
-            </a:r>
-            <a:endParaRPr kumimoji="1" lang="en-US" altLang="ja-JP" dirty="0">
-              <a:solidFill>
-                <a:schemeClr val="tx1">
-                  <a:lumMod val="65000"/>
-                  <a:lumOff val="35000"/>
-                </a:schemeClr>
-              </a:solidFill>
-            </a:endParaRPr>
-          </a:p>
-        </p:txBody>
-      </p:sp>
-    </p:spTree>
-    <p:extLst>
-      <p:ext uri="{BB962C8B-B14F-4D97-AF65-F5344CB8AC3E}">
-        <p14:creationId xmlns:p14="http://schemas.microsoft.com/office/powerpoint/2010/main" val="749566633"/>
       </p:ext>
     </p:extLst>
   </p:cSld>
@@ -14029,22 +13745,37 @@
             <p:ph type="title"/>
           </p:nvPr>
         </p:nvSpPr>
-        <p:spPr/>
+        <p:spPr>
+          <a:xfrm>
+            <a:off x="0" y="1123837"/>
+            <a:ext cx="3869268" cy="4601183"/>
+          </a:xfrm>
+        </p:spPr>
         <p:txBody>
-          <a:bodyPr/>
+          <a:bodyPr>
+            <a:normAutofit/>
+          </a:bodyPr>
           <a:lstStyle/>
           <a:p>
             <a:r>
-              <a:rPr kumimoji="1" lang="ja-JP" altLang="en-US" dirty="0"/>
-              <a:t>構成管理担当</a:t>
+              <a:rPr kumimoji="1" lang="ja-JP" altLang="en-US" sz="2800" dirty="0"/>
+              <a:t>コミュニケーション</a:t>
             </a:r>
             <a:br>
-              <a:rPr kumimoji="1" lang="en-US" altLang="ja-JP" dirty="0"/>
+              <a:rPr lang="en-US" altLang="ja-JP" sz="2800" dirty="0"/>
             </a:br>
             <a:r>
-              <a:rPr kumimoji="1" lang="ja-JP" altLang="en-US" dirty="0"/>
-              <a:t>鈴木佑</a:t>
-            </a:r>
+              <a:rPr lang="ja-JP" altLang="en-US" sz="2800" dirty="0"/>
+              <a:t>品質管理担当</a:t>
+            </a:r>
+            <a:br>
+              <a:rPr lang="en-US" altLang="ja-JP" sz="2800" dirty="0"/>
+            </a:br>
+            <a:r>
+              <a:rPr lang="ja-JP" altLang="en-US" sz="2800" dirty="0"/>
+              <a:t>千田ひかる</a:t>
+            </a:r>
+            <a:endParaRPr kumimoji="1" lang="ja-JP" altLang="en-US" sz="2800" dirty="0"/>
           </a:p>
         </p:txBody>
       </p:sp>
@@ -14077,7 +13808,7 @@
         </p:blipFill>
         <p:spPr>
           <a:xfrm>
-            <a:off x="9466729" y="5388183"/>
+            <a:off x="9466729" y="5262949"/>
             <a:ext cx="2725271" cy="1469817"/>
           </a:xfrm>
           <a:prstGeom prst="rect">
@@ -14090,7 +13821,7 @@
           <p:cNvPr id="8" name="四角形: 角を丸くする 7">
             <a:extLst>
               <a:ext uri="{FF2B5EF4-FFF2-40B4-BE49-F238E27FC236}">
-                <a16:creationId xmlns:a16="http://schemas.microsoft.com/office/drawing/2014/main" id="{542D6C01-EA5D-4CFB-8518-85DD125F9D32}"/>
+                <a16:creationId xmlns:a16="http://schemas.microsoft.com/office/drawing/2014/main" id="{B4048DCE-9E13-420A-BA63-F584B2EAE0BA}"/>
               </a:ext>
             </a:extLst>
           </p:cNvPr>
@@ -14099,8 +13830,8 @@
         </p:nvSpPr>
         <p:spPr>
           <a:xfrm>
-            <a:off x="3756972" y="360137"/>
-            <a:ext cx="7552712" cy="1844842"/>
+            <a:off x="3756972" y="552492"/>
+            <a:ext cx="7985850" cy="1844842"/>
           </a:xfrm>
           <a:prstGeom prst="roundRect">
             <a:avLst/>
@@ -14141,19 +13872,7 @@
               </a:rPr>
               <a:t>★この研修を通して自分が成長したと思う点</a:t>
             </a:r>
-            <a:endParaRPr lang="en-US" altLang="ja-JP" b="0" i="0" dirty="0">
-              <a:solidFill>
-                <a:schemeClr val="tx1">
-                  <a:lumMod val="65000"/>
-                  <a:lumOff val="35000"/>
-                </a:schemeClr>
-              </a:solidFill>
-              <a:effectLst/>
-              <a:latin typeface="Slack-Lato"/>
-            </a:endParaRPr>
-          </a:p>
-          <a:p>
-            <a:endParaRPr kumimoji="1" lang="en-US" altLang="ja-JP" sz="2400" dirty="0">
+            <a:endParaRPr kumimoji="1" lang="en-US" altLang="ja-JP" dirty="0">
               <a:solidFill>
                 <a:schemeClr val="tx1">
                   <a:lumMod val="65000"/>
@@ -14165,32 +13884,28 @@
           </a:p>
           <a:p>
             <a:r>
-              <a:rPr lang="ja-JP" altLang="en-US" sz="2400" b="0" i="0" dirty="0">
+              <a:rPr kumimoji="1" lang="ja-JP" altLang="en-US" sz="2400" b="1" dirty="0">
                 <a:solidFill>
                   <a:schemeClr val="tx1">
                     <a:lumMod val="65000"/>
                     <a:lumOff val="35000"/>
                   </a:schemeClr>
                 </a:solidFill>
-                <a:effectLst/>
-                <a:latin typeface="Slack-Lato"/>
               </a:rPr>
-              <a:t>コミュニケーションの取り方を学べた</a:t>
-            </a:r>
-            <a:r>
-              <a:rPr kumimoji="1" lang="ja-JP" altLang="en-US" sz="2400" b="0" i="0" dirty="0">
+              <a:t>・自分の力量を鑑みて必要な行動をとることができた点</a:t>
+            </a:r>
+            <a:r>
+              <a:rPr kumimoji="1" lang="ja-JP" altLang="en-US" b="1" dirty="0">
                 <a:solidFill>
-                  <a:schemeClr val="tx1">
+                  <a:srgbClr val="000000">
                     <a:lumMod val="65000"/>
                     <a:lumOff val="35000"/>
-                  </a:schemeClr>
+                  </a:srgbClr>
                 </a:solidFill>
-                <a:effectLst/>
-                <a:latin typeface="Slack-Lato"/>
               </a:rPr>
-              <a:t>点</a:t>
-            </a:r>
-            <a:endParaRPr kumimoji="1" lang="ja-JP" altLang="en-US" sz="2400" dirty="0">
+              <a:t>（品質管理担当）</a:t>
+            </a:r>
+            <a:endParaRPr kumimoji="1" lang="en-US" altLang="ja-JP" b="1" dirty="0">
               <a:solidFill>
                 <a:schemeClr val="tx1">
                   <a:lumMod val="65000"/>
@@ -14199,6 +13914,92 @@
               </a:solidFill>
             </a:endParaRPr>
           </a:p>
+          <a:p>
+            <a:pPr marL="0" marR="0" lvl="0" indent="0" algn="l" defTabSz="457200" rtl="0" eaLnBrk="1" fontAlgn="auto" latinLnBrk="0" hangingPunct="1">
+              <a:lnSpc>
+                <a:spcPct val="100000"/>
+              </a:lnSpc>
+              <a:spcBef>
+                <a:spcPts val="0"/>
+              </a:spcBef>
+              <a:spcAft>
+                <a:spcPts val="0"/>
+              </a:spcAft>
+              <a:buClrTx/>
+              <a:buSzTx/>
+              <a:buFontTx/>
+              <a:buNone/>
+              <a:tabLst/>
+              <a:defRPr/>
+            </a:pPr>
+            <a:r>
+              <a:rPr kumimoji="0" lang="ja-JP" altLang="en-US" b="0" i="0" u="none" strike="noStrike" kern="1200" cap="none" spc="0" normalizeH="0" baseline="0" noProof="0" dirty="0">
+                <a:ln>
+                  <a:noFill/>
+                </a:ln>
+                <a:solidFill>
+                  <a:srgbClr val="000000">
+                    <a:lumMod val="65000"/>
+                    <a:lumOff val="35000"/>
+                  </a:srgbClr>
+                </a:solidFill>
+                <a:effectLst/>
+                <a:uLnTx/>
+                <a:uFillTx/>
+                <a:latin typeface="Slack-Lato"/>
+                <a:ea typeface="ＭＳ ゴシック" panose="020B0609070205080204" pitchFamily="49" charset="-128"/>
+                <a:cs typeface="+mn-cs"/>
+              </a:rPr>
+              <a:t>・「情報共有がチーム内でできているか」を意識した点</a:t>
+            </a:r>
+            <a:r>
+              <a:rPr kumimoji="1" lang="ja-JP" altLang="en-US" sz="1800" b="0" i="0" u="none" strike="noStrike" kern="1200" cap="none" spc="0" normalizeH="0" baseline="0" noProof="0" dirty="0">
+                <a:ln>
+                  <a:noFill/>
+                </a:ln>
+                <a:solidFill>
+                  <a:srgbClr val="000000">
+                    <a:lumMod val="65000"/>
+                    <a:lumOff val="35000"/>
+                  </a:srgbClr>
+                </a:solidFill>
+                <a:effectLst/>
+                <a:uLnTx/>
+                <a:uFillTx/>
+                <a:latin typeface="Slack-Lato"/>
+                <a:ea typeface="ＭＳ ゴシック" panose="020B0609070205080204" pitchFamily="49" charset="-128"/>
+                <a:cs typeface="+mn-cs"/>
+              </a:rPr>
+              <a:t>（コミュニケーション担当） </a:t>
+            </a:r>
+            <a:endParaRPr kumimoji="0" lang="en-US" altLang="ja-JP" sz="2400" b="0" i="0" u="none" strike="noStrike" kern="1200" cap="none" spc="0" normalizeH="0" baseline="0" noProof="0" dirty="0">
+              <a:ln>
+                <a:noFill/>
+              </a:ln>
+              <a:solidFill>
+                <a:srgbClr val="000000">
+                  <a:lumMod val="65000"/>
+                  <a:lumOff val="35000"/>
+                </a:srgbClr>
+              </a:solidFill>
+              <a:effectLst/>
+              <a:uLnTx/>
+              <a:uFillTx/>
+              <a:latin typeface="Slack-Lato"/>
+              <a:ea typeface="ＭＳ ゴシック" panose="020B0609070205080204" pitchFamily="49" charset="-128"/>
+              <a:cs typeface="+mn-cs"/>
+            </a:endParaRPr>
+          </a:p>
+          <a:p>
+            <a:endParaRPr kumimoji="1" lang="en-US" altLang="ja-JP" sz="2400" dirty="0">
+              <a:solidFill>
+                <a:schemeClr val="tx1">
+                  <a:lumMod val="65000"/>
+                  <a:lumOff val="35000"/>
+                </a:schemeClr>
+              </a:solidFill>
+            </a:endParaRPr>
+          </a:p>
         </p:txBody>
       </p:sp>
       <p:sp>
@@ -14206,7 +14007,7 @@
           <p:cNvPr id="9" name="四角形: 角を丸くする 8">
             <a:extLst>
               <a:ext uri="{FF2B5EF4-FFF2-40B4-BE49-F238E27FC236}">
-                <a16:creationId xmlns:a16="http://schemas.microsoft.com/office/drawing/2014/main" id="{D7557FF1-82BB-438F-B656-777FED2356EA}"/>
+                <a16:creationId xmlns:a16="http://schemas.microsoft.com/office/drawing/2014/main" id="{CF4922A8-C585-4B07-9D26-36A9B1FDC254}"/>
               </a:ext>
             </a:extLst>
           </p:cNvPr>
@@ -14215,8 +14016,8 @@
         </p:nvSpPr>
         <p:spPr>
           <a:xfrm>
-            <a:off x="3756972" y="2341585"/>
-            <a:ext cx="7552712" cy="1844842"/>
+            <a:off x="3756972" y="2606932"/>
+            <a:ext cx="7985850" cy="1634992"/>
           </a:xfrm>
           <a:prstGeom prst="roundRect">
             <a:avLst/>
@@ -14245,7 +14046,7 @@
           <a:lstStyle/>
           <a:p>
             <a:r>
-              <a:rPr lang="ja-JP" altLang="en-US" b="0" i="0" dirty="0">
+              <a:rPr lang="ja-JP" altLang="en-US" sz="2000" b="0" i="0" dirty="0">
                 <a:solidFill>
                   <a:schemeClr val="tx1">
                     <a:lumMod val="65000"/>
@@ -14257,18 +14058,73 @@
               </a:rPr>
               <a:t>★チームのために主体的に行動したこと</a:t>
             </a:r>
-            <a:endParaRPr lang="en-US" altLang="ja-JP" b="0" i="0" dirty="0">
+            <a:endParaRPr lang="en-US" altLang="ja-JP" sz="2000" dirty="0">
               <a:solidFill>
                 <a:schemeClr val="tx1">
                   <a:lumMod val="65000"/>
                   <a:lumOff val="35000"/>
                 </a:schemeClr>
               </a:solidFill>
-              <a:effectLst/>
               <a:latin typeface="Slack-Lato"/>
             </a:endParaRPr>
           </a:p>
           <a:p>
+            <a:r>
+              <a:rPr kumimoji="1" lang="ja-JP" altLang="en-US" sz="2400" b="1" dirty="0">
+                <a:solidFill>
+                  <a:srgbClr val="000000">
+                    <a:lumMod val="65000"/>
+                    <a:lumOff val="35000"/>
+                  </a:srgbClr>
+                </a:solidFill>
+              </a:rPr>
+              <a:t>・テスト項目の作成、テスト項目の添削依頼</a:t>
+            </a:r>
+            <a:r>
+              <a:rPr kumimoji="1" lang="ja-JP" altLang="en-US" b="1" dirty="0">
+                <a:solidFill>
+                  <a:srgbClr val="000000">
+                    <a:lumMod val="65000"/>
+                    <a:lumOff val="35000"/>
+                  </a:srgbClr>
+                </a:solidFill>
+              </a:rPr>
+              <a:t>（品質管理担当）</a:t>
+            </a:r>
+            <a:endParaRPr kumimoji="1" lang="en-US" altLang="ja-JP" b="1" dirty="0">
+              <a:solidFill>
+                <a:schemeClr val="tx1">
+                  <a:lumMod val="65000"/>
+                  <a:lumOff val="35000"/>
+                </a:schemeClr>
+              </a:solidFill>
+              <a:latin typeface="Slack-Lato"/>
+            </a:endParaRPr>
+          </a:p>
+          <a:p>
+            <a:r>
+              <a:rPr kumimoji="1" lang="ja-JP" altLang="en-US" dirty="0">
+                <a:solidFill>
+                  <a:schemeClr val="tx1">
+                    <a:lumMod val="65000"/>
+                    <a:lumOff val="35000"/>
+                  </a:schemeClr>
+                </a:solidFill>
+              </a:rPr>
+              <a:t>・議事録共有時の確認スタンプの利用</a:t>
+            </a:r>
+            <a:r>
+              <a:rPr kumimoji="1" lang="ja-JP" altLang="en-US" dirty="0">
+                <a:solidFill>
+                  <a:schemeClr val="tx1">
+                    <a:lumMod val="65000"/>
+                    <a:lumOff val="35000"/>
+                  </a:schemeClr>
+                </a:solidFill>
+                <a:latin typeface="Slack-Lato"/>
+              </a:rPr>
+              <a:t>（コミュニケーション担当）</a:t>
+            </a:r>
             <a:endParaRPr kumimoji="1" lang="en-US" altLang="ja-JP" dirty="0">
               <a:solidFill>
                 <a:schemeClr val="tx1">
@@ -14279,39 +14135,6 @@
               <a:latin typeface="Slack-Lato"/>
             </a:endParaRPr>
           </a:p>
-          <a:p>
-            <a:r>
-              <a:rPr lang="ja-JP" altLang="en-US" sz="2400" b="0" i="0" dirty="0">
-                <a:solidFill>
-                  <a:schemeClr val="tx1">
-                    <a:lumMod val="65000"/>
-                    <a:lumOff val="35000"/>
-                  </a:schemeClr>
-                </a:solidFill>
-                <a:effectLst/>
-                <a:latin typeface="Slack-Lato"/>
-              </a:rPr>
-              <a:t>内部設計の作成、エラーの対処</a:t>
-            </a:r>
-            <a:br>
-              <a:rPr lang="ja-JP" altLang="en-US" dirty="0">
-                <a:solidFill>
-                  <a:schemeClr val="tx1">
-                    <a:lumMod val="65000"/>
-                    <a:lumOff val="35000"/>
-                  </a:schemeClr>
-                </a:solidFill>
-              </a:rPr>
-            </a:br>
-            <a:endParaRPr kumimoji="1" lang="ja-JP" altLang="en-US" dirty="0">
-              <a:solidFill>
-                <a:schemeClr val="tx1">
-                  <a:lumMod val="65000"/>
-                  <a:lumOff val="35000"/>
-                </a:schemeClr>
-              </a:solidFill>
-            </a:endParaRPr>
-          </a:p>
         </p:txBody>
       </p:sp>
       <p:sp>
@@ -14319,7 +14142,7 @@
           <p:cNvPr id="10" name="四角形: 角を丸くする 9">
             <a:extLst>
               <a:ext uri="{FF2B5EF4-FFF2-40B4-BE49-F238E27FC236}">
-                <a16:creationId xmlns:a16="http://schemas.microsoft.com/office/drawing/2014/main" id="{5B5B053D-FE14-4223-9F13-8B7DB897D56B}"/>
+                <a16:creationId xmlns:a16="http://schemas.microsoft.com/office/drawing/2014/main" id="{F7501C0E-E178-4762-BE15-2E09B23C0A19}"/>
               </a:ext>
             </a:extLst>
           </p:cNvPr>
@@ -14328,8 +14151,8 @@
         </p:nvSpPr>
         <p:spPr>
           <a:xfrm>
-            <a:off x="3756972" y="4347411"/>
-            <a:ext cx="7552712" cy="1998380"/>
+            <a:off x="3756972" y="4523364"/>
+            <a:ext cx="7985850" cy="1844842"/>
           </a:xfrm>
           <a:prstGeom prst="roundRect">
             <a:avLst/>
@@ -14380,6 +14203,62 @@
             </a:endParaRPr>
           </a:p>
           <a:p>
+            <a:pPr lvl="0"/>
+            <a:r>
+              <a:rPr kumimoji="1" lang="ja-JP" altLang="en-US" sz="2400" b="1" dirty="0">
+                <a:solidFill>
+                  <a:schemeClr val="tx1">
+                    <a:lumMod val="65000"/>
+                    <a:lumOff val="35000"/>
+                  </a:schemeClr>
+                </a:solidFill>
+              </a:rPr>
+              <a:t>・品質のために、周囲が納得できるようなコミュニケーションを実践できなかった点</a:t>
+            </a:r>
+            <a:r>
+              <a:rPr kumimoji="1" lang="ja-JP" altLang="en-US" b="1" dirty="0">
+                <a:solidFill>
+                  <a:srgbClr val="000000">
+                    <a:lumMod val="65000"/>
+                    <a:lumOff val="35000"/>
+                  </a:srgbClr>
+                </a:solidFill>
+              </a:rPr>
+              <a:t>（品質管理担当）</a:t>
+            </a:r>
+            <a:endParaRPr kumimoji="1" lang="ja-JP" altLang="en-US" sz="2400" b="1" dirty="0">
+              <a:solidFill>
+                <a:schemeClr val="tx1">
+                  <a:lumMod val="65000"/>
+                  <a:lumOff val="35000"/>
+                </a:schemeClr>
+              </a:solidFill>
+            </a:endParaRPr>
+          </a:p>
+          <a:p>
+            <a:r>
+              <a:rPr kumimoji="1" lang="ja-JP" altLang="en-US" dirty="0">
+                <a:solidFill>
+                  <a:schemeClr val="tx1">
+                    <a:lumMod val="65000"/>
+                    <a:lumOff val="35000"/>
+                  </a:schemeClr>
+                </a:solidFill>
+              </a:rPr>
+              <a:t>・「気づきスレッド」を有効に活用できなかった点</a:t>
+            </a:r>
+            <a:r>
+              <a:rPr kumimoji="1" lang="ja-JP" altLang="en-US" dirty="0">
+                <a:solidFill>
+                  <a:schemeClr val="tx1">
+                    <a:lumMod val="65000"/>
+                    <a:lumOff val="35000"/>
+                  </a:schemeClr>
+                </a:solidFill>
+                <a:latin typeface="Slack-Lato"/>
+              </a:rPr>
+              <a:t>（コミュニケーション担当）</a:t>
+            </a:r>
             <a:endParaRPr kumimoji="1" lang="en-US" altLang="ja-JP" dirty="0">
               <a:solidFill>
                 <a:schemeClr val="tx1">
@@ -14389,48 +14268,12 @@
               </a:solidFill>
             </a:endParaRPr>
           </a:p>
-          <a:p>
-            <a:r>
-              <a:rPr lang="ja-JP" altLang="en-US" sz="2400" b="0" i="0" dirty="0">
-                <a:solidFill>
-                  <a:schemeClr val="tx1">
-                    <a:lumMod val="65000"/>
-                    <a:lumOff val="35000"/>
-                  </a:schemeClr>
-                </a:solidFill>
-                <a:effectLst/>
-                <a:latin typeface="Slack-Lato"/>
-              </a:rPr>
-              <a:t>意見などをあまりわかりやすく伝えられていない</a:t>
-            </a:r>
-            <a:r>
-              <a:rPr kumimoji="1" lang="ja-JP" altLang="en-US" sz="2400" b="0" i="0" dirty="0">
-                <a:solidFill>
-                  <a:schemeClr val="tx1">
-                    <a:lumMod val="65000"/>
-                    <a:lumOff val="35000"/>
-                  </a:schemeClr>
-                </a:solidFill>
-                <a:effectLst/>
-                <a:latin typeface="Slack-Lato"/>
-              </a:rPr>
-              <a:t>点</a:t>
-            </a:r>
-            <a:endParaRPr kumimoji="1" lang="ja-JP" altLang="en-US" sz="2400" dirty="0">
-              <a:solidFill>
-                <a:schemeClr val="tx1">
-                  <a:lumMod val="65000"/>
-                  <a:lumOff val="35000"/>
-                </a:schemeClr>
-              </a:solidFill>
-            </a:endParaRPr>
-          </a:p>
         </p:txBody>
       </p:sp>
     </p:spTree>
     <p:extLst>
       <p:ext uri="{BB962C8B-B14F-4D97-AF65-F5344CB8AC3E}">
-        <p14:creationId xmlns:p14="http://schemas.microsoft.com/office/powerpoint/2010/main" val="3218360431"/>
+        <p14:creationId xmlns:p14="http://schemas.microsoft.com/office/powerpoint/2010/main" val="749566633"/>
       </p:ext>
     </p:extLst>
   </p:cSld>
@@ -14695,15 +14538,15 @@
           <a:lstStyle/>
           <a:p>
             <a:r>
-              <a:rPr kumimoji="1" lang="en-US" altLang="ja-JP" dirty="0"/>
-              <a:t>DBA</a:t>
+              <a:rPr kumimoji="1" lang="ja-JP" altLang="en-US" dirty="0"/>
+              <a:t>構成管理担当</a:t>
             </a:r>
             <a:br>
               <a:rPr kumimoji="1" lang="en-US" altLang="ja-JP" dirty="0"/>
             </a:br>
             <a:r>
               <a:rPr kumimoji="1" lang="ja-JP" altLang="en-US" dirty="0"/>
-              <a:t>中岡稜</a:t>
+              <a:t>鈴木佑</a:t>
             </a:r>
           </a:p>
         </p:txBody>
@@ -14737,7 +14580,7 @@
         </p:blipFill>
         <p:spPr>
           <a:xfrm>
-            <a:off x="9466729" y="5262949"/>
+            <a:off x="9466729" y="5388183"/>
             <a:ext cx="2725271" cy="1469817"/>
           </a:xfrm>
           <a:prstGeom prst="rect">
@@ -14750,7 +14593,7 @@
           <p:cNvPr id="8" name="四角形: 角を丸くする 7">
             <a:extLst>
               <a:ext uri="{FF2B5EF4-FFF2-40B4-BE49-F238E27FC236}">
-                <a16:creationId xmlns:a16="http://schemas.microsoft.com/office/drawing/2014/main" id="{FAB637BA-6B89-4CFC-8303-E23C211977F2}"/>
+                <a16:creationId xmlns:a16="http://schemas.microsoft.com/office/drawing/2014/main" id="{542D6C01-EA5D-4CFB-8518-85DD125F9D32}"/>
               </a:ext>
             </a:extLst>
           </p:cNvPr>
@@ -14813,7 +14656,7 @@
             </a:endParaRPr>
           </a:p>
           <a:p>
-            <a:endParaRPr kumimoji="1" lang="en-US" altLang="ja-JP" dirty="0">
+            <a:endParaRPr kumimoji="1" lang="en-US" altLang="ja-JP" sz="2400" dirty="0">
               <a:solidFill>
                 <a:schemeClr val="tx1">
                   <a:lumMod val="65000"/>
@@ -14825,16 +14668,39 @@
           </a:p>
           <a:p>
             <a:r>
-              <a:rPr kumimoji="1" lang="ja-JP" altLang="en-US" sz="2400" dirty="0">
+              <a:rPr lang="ja-JP" altLang="en-US" sz="2400" b="0" i="0" dirty="0">
                 <a:solidFill>
                   <a:schemeClr val="tx1">
                     <a:lumMod val="65000"/>
                     <a:lumOff val="35000"/>
                   </a:schemeClr>
                 </a:solidFill>
+                <a:effectLst/>
+                <a:latin typeface="Slack-Lato"/>
               </a:rPr>
-              <a:t>作成するシステムのデータベースの構造に対しての理解</a:t>
-            </a:r>
+              <a:t>コミュニケーションの取り方を学べた</a:t>
+            </a:r>
+            <a:r>
+              <a:rPr kumimoji="1" lang="ja-JP" altLang="en-US" sz="2400" b="0" i="0" dirty="0">
+                <a:solidFill>
+                  <a:schemeClr val="tx1">
+                    <a:lumMod val="65000"/>
+                    <a:lumOff val="35000"/>
+                  </a:schemeClr>
+                </a:solidFill>
+                <a:effectLst/>
+                <a:latin typeface="Slack-Lato"/>
+              </a:rPr>
+              <a:t>点</a:t>
+            </a:r>
+            <a:endParaRPr kumimoji="1" lang="ja-JP" altLang="en-US" sz="2400" dirty="0">
+              <a:solidFill>
+                <a:schemeClr val="tx1">
+                  <a:lumMod val="65000"/>
+                  <a:lumOff val="35000"/>
+                </a:schemeClr>
+              </a:solidFill>
+            </a:endParaRPr>
           </a:p>
         </p:txBody>
       </p:sp>
@@ -14843,7 +14709,7 @@
           <p:cNvPr id="9" name="四角形: 角を丸くする 8">
             <a:extLst>
               <a:ext uri="{FF2B5EF4-FFF2-40B4-BE49-F238E27FC236}">
-                <a16:creationId xmlns:a16="http://schemas.microsoft.com/office/drawing/2014/main" id="{6597059A-34DB-4E3D-B92E-79A95208ADF4}"/>
+                <a16:creationId xmlns:a16="http://schemas.microsoft.com/office/drawing/2014/main" id="{D7557FF1-82BB-438F-B656-777FED2356EA}"/>
               </a:ext>
             </a:extLst>
           </p:cNvPr>
@@ -14918,7 +14784,57 @@
           </a:p>
           <a:p>
             <a:r>
-              <a:rPr kumimoji="1" lang="ja-JP" altLang="en-US" sz="2400" dirty="0">
+              <a:rPr lang="ja-JP" altLang="en-US" sz="2400" b="0" i="0" dirty="0">
+                <a:solidFill>
+                  <a:schemeClr val="tx1">
+                    <a:lumMod val="65000"/>
+                    <a:lumOff val="35000"/>
+                  </a:schemeClr>
+                </a:solidFill>
+                <a:effectLst/>
+                <a:latin typeface="Slack-Lato"/>
+              </a:rPr>
+              <a:t>・内部設計の作成</a:t>
+            </a:r>
+            <a:endParaRPr lang="en-US" altLang="ja-JP" sz="2400" b="0" i="0" dirty="0">
+              <a:solidFill>
+                <a:schemeClr val="tx1">
+                  <a:lumMod val="65000"/>
+                  <a:lumOff val="35000"/>
+                </a:schemeClr>
+              </a:solidFill>
+              <a:effectLst/>
+              <a:latin typeface="Slack-Lato"/>
+            </a:endParaRPr>
+          </a:p>
+          <a:p>
+            <a:r>
+              <a:rPr lang="ja-JP" altLang="en-US" sz="2400" dirty="0">
+                <a:solidFill>
+                  <a:schemeClr val="tx1">
+                    <a:lumMod val="65000"/>
+                    <a:lumOff val="35000"/>
+                  </a:schemeClr>
+                </a:solidFill>
+                <a:latin typeface="Slack-Lato"/>
+              </a:rPr>
+              <a:t>・</a:t>
+            </a:r>
+            <a:r>
+              <a:rPr lang="ja-JP" altLang="en-US" sz="2400" b="0" i="0" dirty="0">
+                <a:solidFill>
+                  <a:schemeClr val="tx1">
+                    <a:lumMod val="65000"/>
+                    <a:lumOff val="35000"/>
+                  </a:schemeClr>
+                </a:solidFill>
+                <a:effectLst/>
+                <a:latin typeface="Slack-Lato"/>
+              </a:rPr>
+              <a:t>エラーの対処</a:t>
+            </a:r>
+            <a:br>
+              <a:rPr lang="ja-JP" altLang="en-US" dirty="0">
                 <a:solidFill>
                   <a:schemeClr val="tx1">
                     <a:lumMod val="65000"/>
@@ -14926,22 +14842,8 @@
                   </a:schemeClr>
                 </a:solidFill>
               </a:rPr>
-              <a:t>①自らデータベース設計をした点</a:t>
-            </a:r>
-          </a:p>
-          <a:p>
-            <a:r>
-              <a:rPr kumimoji="1" lang="ja-JP" altLang="en-US" sz="2400" dirty="0">
-                <a:solidFill>
-                  <a:schemeClr val="tx1">
-                    <a:lumMod val="65000"/>
-                    <a:lumOff val="35000"/>
-                  </a:schemeClr>
-                </a:solidFill>
-              </a:rPr>
-              <a:t>②テストを行うためのサンプルデータを自主的に</a:t>
-            </a:r>
-            <a:endParaRPr kumimoji="1" lang="en-US" altLang="ja-JP" sz="2400" dirty="0">
+            </a:br>
+            <a:endParaRPr kumimoji="1" lang="ja-JP" altLang="en-US" dirty="0">
               <a:solidFill>
                 <a:schemeClr val="tx1">
                   <a:lumMod val="65000"/>
@@ -14950,19 +14852,6 @@
               </a:solidFill>
             </a:endParaRPr>
           </a:p>
-          <a:p>
-            <a:r>
-              <a:rPr kumimoji="1" lang="ja-JP" altLang="en-US" sz="2400" dirty="0">
-                <a:solidFill>
-                  <a:schemeClr val="tx1">
-                    <a:lumMod val="65000"/>
-                    <a:lumOff val="35000"/>
-                  </a:schemeClr>
-                </a:solidFill>
-              </a:rPr>
-              <a:t>作成した点</a:t>
-            </a:r>
-          </a:p>
         </p:txBody>
       </p:sp>
       <p:sp>
@@ -14970,7 +14859,7 @@
           <p:cNvPr id="10" name="四角形: 角を丸くする 9">
             <a:extLst>
               <a:ext uri="{FF2B5EF4-FFF2-40B4-BE49-F238E27FC236}">
-                <a16:creationId xmlns:a16="http://schemas.microsoft.com/office/drawing/2014/main" id="{534088A4-2D11-4FCA-ABC3-FF63C00EC9E0}"/>
+                <a16:creationId xmlns:a16="http://schemas.microsoft.com/office/drawing/2014/main" id="{5B5B053D-FE14-4223-9F13-8B7DB897D56B}"/>
               </a:ext>
             </a:extLst>
           </p:cNvPr>
@@ -15042,23 +14931,46 @@
           </a:p>
           <a:p>
             <a:r>
-              <a:rPr kumimoji="1" lang="ja-JP" altLang="en-US" sz="2000" dirty="0">
+              <a:rPr lang="ja-JP" altLang="en-US" sz="2400" b="0" i="0" dirty="0">
                 <a:solidFill>
                   <a:schemeClr val="tx1">
                     <a:lumMod val="65000"/>
                     <a:lumOff val="35000"/>
                   </a:schemeClr>
                 </a:solidFill>
+                <a:effectLst/>
+                <a:latin typeface="Slack-Lato"/>
               </a:rPr>
-              <a:t>一つのカラムに対してなぜそれが必要なのか、なぜそのデータ型なのか、どうして主キーとしているのかを簡潔に説明することができていない</a:t>
-            </a:r>
+              <a:t>意見などをあまりわかりやすく伝えられていない</a:t>
+            </a:r>
+            <a:r>
+              <a:rPr kumimoji="1" lang="ja-JP" altLang="en-US" sz="2400" b="0" i="0" dirty="0">
+                <a:solidFill>
+                  <a:schemeClr val="tx1">
+                    <a:lumMod val="65000"/>
+                    <a:lumOff val="35000"/>
+                  </a:schemeClr>
+                </a:solidFill>
+                <a:effectLst/>
+                <a:latin typeface="Slack-Lato"/>
+              </a:rPr>
+              <a:t>点</a:t>
+            </a:r>
+            <a:endParaRPr kumimoji="1" lang="ja-JP" altLang="en-US" sz="2400" dirty="0">
+              <a:solidFill>
+                <a:schemeClr val="tx1">
+                  <a:lumMod val="65000"/>
+                  <a:lumOff val="35000"/>
+                </a:schemeClr>
+              </a:solidFill>
+            </a:endParaRPr>
           </a:p>
         </p:txBody>
       </p:sp>
     </p:spTree>
     <p:extLst>
       <p:ext uri="{BB962C8B-B14F-4D97-AF65-F5344CB8AC3E}">
-        <p14:creationId xmlns:p14="http://schemas.microsoft.com/office/powerpoint/2010/main" val="1787575135"/>
+        <p14:creationId xmlns:p14="http://schemas.microsoft.com/office/powerpoint/2010/main" val="3218360431"/>
       </p:ext>
     </p:extLst>
   </p:cSld>
@@ -15324,6 +15236,634 @@
           <a:p>
             <a:r>
               <a:rPr kumimoji="1" lang="en-US" altLang="ja-JP" dirty="0"/>
+              <a:t>DBA</a:t>
+            </a:r>
+            <a:br>
+              <a:rPr kumimoji="1" lang="en-US" altLang="ja-JP" dirty="0"/>
+            </a:br>
+            <a:r>
+              <a:rPr kumimoji="1" lang="ja-JP" altLang="en-US" dirty="0"/>
+              <a:t>中岡稜</a:t>
+            </a:r>
+          </a:p>
+        </p:txBody>
+      </p:sp>
+      <p:pic>
+        <p:nvPicPr>
+          <p:cNvPr id="4" name="図 3" descr="アイコン&#10;&#10;自動的に生成された説明">
+            <a:extLst>
+              <a:ext uri="{FF2B5EF4-FFF2-40B4-BE49-F238E27FC236}">
+                <a16:creationId xmlns:a16="http://schemas.microsoft.com/office/drawing/2014/main" id="{F80B5929-9B90-4E9C-B9E6-44E443331DB5}"/>
+              </a:ext>
+            </a:extLst>
+          </p:cNvPr>
+          <p:cNvPicPr>
+            <a:picLocks noChangeAspect="1"/>
+          </p:cNvPicPr>
+          <p:nvPr/>
+        </p:nvPicPr>
+        <p:blipFill>
+          <a:blip r:embed="rId3">
+            <a:alphaModFix amt="85000"/>
+            <a:extLst>
+              <a:ext uri="{28A0092B-C50C-407E-A947-70E740481C1C}">
+                <a14:useLocalDpi xmlns:a14="http://schemas.microsoft.com/office/drawing/2010/main" val="0"/>
+              </a:ext>
+            </a:extLst>
+          </a:blip>
+          <a:stretch>
+            <a:fillRect/>
+          </a:stretch>
+        </p:blipFill>
+        <p:spPr>
+          <a:xfrm>
+            <a:off x="9466729" y="5262949"/>
+            <a:ext cx="2725271" cy="1469817"/>
+          </a:xfrm>
+          <a:prstGeom prst="rect">
+            <a:avLst/>
+          </a:prstGeom>
+        </p:spPr>
+      </p:pic>
+      <p:sp>
+        <p:nvSpPr>
+          <p:cNvPr id="8" name="四角形: 角を丸くする 7">
+            <a:extLst>
+              <a:ext uri="{FF2B5EF4-FFF2-40B4-BE49-F238E27FC236}">
+                <a16:creationId xmlns:a16="http://schemas.microsoft.com/office/drawing/2014/main" id="{FAB637BA-6B89-4CFC-8303-E23C211977F2}"/>
+              </a:ext>
+            </a:extLst>
+          </p:cNvPr>
+          <p:cNvSpPr/>
+          <p:nvPr/>
+        </p:nvSpPr>
+        <p:spPr>
+          <a:xfrm>
+            <a:off x="3756972" y="360137"/>
+            <a:ext cx="7552712" cy="1844842"/>
+          </a:xfrm>
+          <a:prstGeom prst="roundRect">
+            <a:avLst/>
+          </a:prstGeom>
+          <a:noFill/>
+          <a:ln w="28575"/>
+        </p:spPr>
+        <p:style>
+          <a:lnRef idx="2">
+            <a:schemeClr val="accent1">
+              <a:shade val="50000"/>
+            </a:schemeClr>
+          </a:lnRef>
+          <a:fillRef idx="1">
+            <a:schemeClr val="accent1"/>
+          </a:fillRef>
+          <a:effectRef idx="0">
+            <a:schemeClr val="accent1"/>
+          </a:effectRef>
+          <a:fontRef idx="minor">
+            <a:schemeClr val="lt1"/>
+          </a:fontRef>
+        </p:style>
+        <p:txBody>
+          <a:bodyPr rtlCol="0" anchor="t"/>
+          <a:lstStyle/>
+          <a:p>
+            <a:r>
+              <a:rPr lang="ja-JP" altLang="en-US" b="0" i="0" dirty="0">
+                <a:solidFill>
+                  <a:schemeClr val="tx1">
+                    <a:lumMod val="65000"/>
+                    <a:lumOff val="35000"/>
+                  </a:schemeClr>
+                </a:solidFill>
+                <a:effectLst/>
+                <a:latin typeface="Slack-Lato"/>
+              </a:rPr>
+              <a:t>★この研修を通して自分が成長したと思う点</a:t>
+            </a:r>
+            <a:endParaRPr lang="en-US" altLang="ja-JP" b="0" i="0" dirty="0">
+              <a:solidFill>
+                <a:schemeClr val="tx1">
+                  <a:lumMod val="65000"/>
+                  <a:lumOff val="35000"/>
+                </a:schemeClr>
+              </a:solidFill>
+              <a:effectLst/>
+              <a:latin typeface="Slack-Lato"/>
+            </a:endParaRPr>
+          </a:p>
+          <a:p>
+            <a:endParaRPr kumimoji="1" lang="en-US" altLang="ja-JP" dirty="0">
+              <a:solidFill>
+                <a:schemeClr val="tx1">
+                  <a:lumMod val="65000"/>
+                  <a:lumOff val="35000"/>
+                </a:schemeClr>
+              </a:solidFill>
+              <a:latin typeface="Slack-Lato"/>
+            </a:endParaRPr>
+          </a:p>
+          <a:p>
+            <a:r>
+              <a:rPr kumimoji="1" lang="ja-JP" altLang="en-US" sz="2400" dirty="0">
+                <a:solidFill>
+                  <a:schemeClr val="tx1">
+                    <a:lumMod val="65000"/>
+                    <a:lumOff val="35000"/>
+                  </a:schemeClr>
+                </a:solidFill>
+              </a:rPr>
+              <a:t>作成するシステムのデータベースの構造に対しての理解</a:t>
+            </a:r>
+          </a:p>
+        </p:txBody>
+      </p:sp>
+      <p:sp>
+        <p:nvSpPr>
+          <p:cNvPr id="9" name="四角形: 角を丸くする 8">
+            <a:extLst>
+              <a:ext uri="{FF2B5EF4-FFF2-40B4-BE49-F238E27FC236}">
+                <a16:creationId xmlns:a16="http://schemas.microsoft.com/office/drawing/2014/main" id="{6597059A-34DB-4E3D-B92E-79A95208ADF4}"/>
+              </a:ext>
+            </a:extLst>
+          </p:cNvPr>
+          <p:cNvSpPr/>
+          <p:nvPr/>
+        </p:nvSpPr>
+        <p:spPr>
+          <a:xfrm>
+            <a:off x="3756972" y="2341585"/>
+            <a:ext cx="7552712" cy="1844842"/>
+          </a:xfrm>
+          <a:prstGeom prst="roundRect">
+            <a:avLst/>
+          </a:prstGeom>
+          <a:noFill/>
+          <a:ln w="28575"/>
+        </p:spPr>
+        <p:style>
+          <a:lnRef idx="2">
+            <a:schemeClr val="accent1">
+              <a:shade val="50000"/>
+            </a:schemeClr>
+          </a:lnRef>
+          <a:fillRef idx="1">
+            <a:schemeClr val="accent1"/>
+          </a:fillRef>
+          <a:effectRef idx="0">
+            <a:schemeClr val="accent1"/>
+          </a:effectRef>
+          <a:fontRef idx="minor">
+            <a:schemeClr val="lt1"/>
+          </a:fontRef>
+        </p:style>
+        <p:txBody>
+          <a:bodyPr rtlCol="0" anchor="t"/>
+          <a:lstStyle/>
+          <a:p>
+            <a:r>
+              <a:rPr lang="ja-JP" altLang="en-US" b="0" i="0" dirty="0">
+                <a:solidFill>
+                  <a:schemeClr val="tx1">
+                    <a:lumMod val="65000"/>
+                    <a:lumOff val="35000"/>
+                  </a:schemeClr>
+                </a:solidFill>
+                <a:effectLst/>
+                <a:latin typeface="Slack-Lato"/>
+              </a:rPr>
+              <a:t>★チームのために主体的に行動したこと</a:t>
+            </a:r>
+            <a:endParaRPr lang="en-US" altLang="ja-JP" b="0" i="0" dirty="0">
+              <a:solidFill>
+                <a:schemeClr val="tx1">
+                  <a:lumMod val="65000"/>
+                  <a:lumOff val="35000"/>
+                </a:schemeClr>
+              </a:solidFill>
+              <a:effectLst/>
+              <a:latin typeface="Slack-Lato"/>
+            </a:endParaRPr>
+          </a:p>
+          <a:p>
+            <a:endParaRPr kumimoji="1" lang="en-US" altLang="ja-JP" dirty="0">
+              <a:solidFill>
+                <a:schemeClr val="tx1">
+                  <a:lumMod val="65000"/>
+                  <a:lumOff val="35000"/>
+                </a:schemeClr>
+              </a:solidFill>
+              <a:latin typeface="Slack-Lato"/>
+            </a:endParaRPr>
+          </a:p>
+          <a:p>
+            <a:r>
+              <a:rPr kumimoji="1" lang="ja-JP" altLang="en-US" sz="2400" dirty="0">
+                <a:solidFill>
+                  <a:schemeClr val="tx1">
+                    <a:lumMod val="65000"/>
+                    <a:lumOff val="35000"/>
+                  </a:schemeClr>
+                </a:solidFill>
+              </a:rPr>
+              <a:t>・自らデータベース設計をした点</a:t>
+            </a:r>
+          </a:p>
+          <a:p>
+            <a:r>
+              <a:rPr kumimoji="1" lang="ja-JP" altLang="en-US" sz="2400" dirty="0">
+                <a:solidFill>
+                  <a:schemeClr val="tx1">
+                    <a:lumMod val="65000"/>
+                    <a:lumOff val="35000"/>
+                  </a:schemeClr>
+                </a:solidFill>
+              </a:rPr>
+              <a:t>・テストを行うためのサンプルデータを自主的に</a:t>
+            </a:r>
+            <a:endParaRPr kumimoji="1" lang="en-US" altLang="ja-JP" sz="2400" dirty="0">
+              <a:solidFill>
+                <a:schemeClr val="tx1">
+                  <a:lumMod val="65000"/>
+                  <a:lumOff val="35000"/>
+                </a:schemeClr>
+              </a:solidFill>
+            </a:endParaRPr>
+          </a:p>
+          <a:p>
+            <a:r>
+              <a:rPr kumimoji="1" lang="ja-JP" altLang="en-US" sz="2400" dirty="0">
+                <a:solidFill>
+                  <a:schemeClr val="tx1">
+                    <a:lumMod val="65000"/>
+                    <a:lumOff val="35000"/>
+                  </a:schemeClr>
+                </a:solidFill>
+              </a:rPr>
+              <a:t>作成した点</a:t>
+            </a:r>
+          </a:p>
+        </p:txBody>
+      </p:sp>
+      <p:sp>
+        <p:nvSpPr>
+          <p:cNvPr id="10" name="四角形: 角を丸くする 9">
+            <a:extLst>
+              <a:ext uri="{FF2B5EF4-FFF2-40B4-BE49-F238E27FC236}">
+                <a16:creationId xmlns:a16="http://schemas.microsoft.com/office/drawing/2014/main" id="{534088A4-2D11-4FCA-ABC3-FF63C00EC9E0}"/>
+              </a:ext>
+            </a:extLst>
+          </p:cNvPr>
+          <p:cNvSpPr/>
+          <p:nvPr/>
+        </p:nvSpPr>
+        <p:spPr>
+          <a:xfrm>
+            <a:off x="3756972" y="4347411"/>
+            <a:ext cx="7552712" cy="1998380"/>
+          </a:xfrm>
+          <a:prstGeom prst="roundRect">
+            <a:avLst/>
+          </a:prstGeom>
+          <a:solidFill>
+            <a:schemeClr val="bg1"/>
+          </a:solidFill>
+          <a:ln w="28575"/>
+        </p:spPr>
+        <p:style>
+          <a:lnRef idx="2">
+            <a:schemeClr val="accent1">
+              <a:shade val="50000"/>
+            </a:schemeClr>
+          </a:lnRef>
+          <a:fillRef idx="1">
+            <a:schemeClr val="accent1"/>
+          </a:fillRef>
+          <a:effectRef idx="0">
+            <a:schemeClr val="accent1"/>
+          </a:effectRef>
+          <a:fontRef idx="minor">
+            <a:schemeClr val="lt1"/>
+          </a:fontRef>
+        </p:style>
+        <p:txBody>
+          <a:bodyPr rtlCol="0" anchor="t"/>
+          <a:lstStyle/>
+          <a:p>
+            <a:r>
+              <a:rPr kumimoji="1" lang="ja-JP" altLang="en-US" dirty="0">
+                <a:solidFill>
+                  <a:schemeClr val="tx1">
+                    <a:lumMod val="65000"/>
+                    <a:lumOff val="35000"/>
+                  </a:schemeClr>
+                </a:solidFill>
+              </a:rPr>
+              <a:t>★残された課題</a:t>
+            </a:r>
+            <a:endParaRPr kumimoji="1" lang="en-US" altLang="ja-JP" dirty="0">
+              <a:solidFill>
+                <a:schemeClr val="tx1">
+                  <a:lumMod val="65000"/>
+                  <a:lumOff val="35000"/>
+                </a:schemeClr>
+              </a:solidFill>
+            </a:endParaRPr>
+          </a:p>
+          <a:p>
+            <a:endParaRPr kumimoji="1" lang="en-US" altLang="ja-JP" dirty="0">
+              <a:solidFill>
+                <a:schemeClr val="tx1">
+                  <a:lumMod val="65000"/>
+                  <a:lumOff val="35000"/>
+                </a:schemeClr>
+              </a:solidFill>
+            </a:endParaRPr>
+          </a:p>
+          <a:p>
+            <a:r>
+              <a:rPr kumimoji="1" lang="ja-JP" altLang="en-US" sz="2000" dirty="0">
+                <a:solidFill>
+                  <a:schemeClr val="tx1">
+                    <a:lumMod val="65000"/>
+                    <a:lumOff val="35000"/>
+                  </a:schemeClr>
+                </a:solidFill>
+              </a:rPr>
+              <a:t>一つのカラムに対してなぜそれが必要なのか、なぜそのデータ型なのか、どうして主キーとしているのかを簡潔に説明することができていない</a:t>
+            </a:r>
+          </a:p>
+        </p:txBody>
+      </p:sp>
+    </p:spTree>
+    <p:extLst>
+      <p:ext uri="{BB962C8B-B14F-4D97-AF65-F5344CB8AC3E}">
+        <p14:creationId xmlns:p14="http://schemas.microsoft.com/office/powerpoint/2010/main" val="1787575135"/>
+      </p:ext>
+    </p:extLst>
+  </p:cSld>
+  <p:clrMapOvr>
+    <a:masterClrMapping/>
+  </p:clrMapOvr>
+  <p:timing>
+    <p:tnLst>
+      <p:par>
+        <p:cTn id="1" dur="indefinite" restart="never" nodeType="tmRoot">
+          <p:childTnLst>
+            <p:seq concurrent="1" nextAc="seek">
+              <p:cTn id="2" dur="indefinite" nodeType="mainSeq">
+                <p:childTnLst>
+                  <p:par>
+                    <p:cTn id="3" fill="hold">
+                      <p:stCondLst>
+                        <p:cond delay="indefinite"/>
+                      </p:stCondLst>
+                      <p:childTnLst>
+                        <p:par>
+                          <p:cTn id="4" fill="hold">
+                            <p:stCondLst>
+                              <p:cond delay="0"/>
+                            </p:stCondLst>
+                            <p:childTnLst>
+                              <p:par>
+                                <p:cTn id="5" presetID="2" presetClass="entr" presetSubtype="4" fill="hold" grpId="0" nodeType="clickEffect">
+                                  <p:stCondLst>
+                                    <p:cond delay="0"/>
+                                  </p:stCondLst>
+                                  <p:childTnLst>
+                                    <p:set>
+                                      <p:cBhvr>
+                                        <p:cTn id="6" dur="1" fill="hold">
+                                          <p:stCondLst>
+                                            <p:cond delay="0"/>
+                                          </p:stCondLst>
+                                        </p:cTn>
+                                        <p:tgtEl>
+                                          <p:spTgt spid="9"/>
+                                        </p:tgtEl>
+                                        <p:attrNameLst>
+                                          <p:attrName>style.visibility</p:attrName>
+                                        </p:attrNameLst>
+                                      </p:cBhvr>
+                                      <p:to>
+                                        <p:strVal val="visible"/>
+                                      </p:to>
+                                    </p:set>
+                                    <p:anim calcmode="lin" valueType="num">
+                                      <p:cBhvr additive="base">
+                                        <p:cTn id="7" dur="500" fill="hold"/>
+                                        <p:tgtEl>
+                                          <p:spTgt spid="9"/>
+                                        </p:tgtEl>
+                                        <p:attrNameLst>
+                                          <p:attrName>ppt_x</p:attrName>
+                                        </p:attrNameLst>
+                                      </p:cBhvr>
+                                      <p:tavLst>
+                                        <p:tav tm="0">
+                                          <p:val>
+                                            <p:strVal val="#ppt_x"/>
+                                          </p:val>
+                                        </p:tav>
+                                        <p:tav tm="100000">
+                                          <p:val>
+                                            <p:strVal val="#ppt_x"/>
+                                          </p:val>
+                                        </p:tav>
+                                      </p:tavLst>
+                                    </p:anim>
+                                    <p:anim calcmode="lin" valueType="num">
+                                      <p:cBhvr additive="base">
+                                        <p:cTn id="8" dur="500" fill="hold"/>
+                                        <p:tgtEl>
+                                          <p:spTgt spid="9"/>
+                                        </p:tgtEl>
+                                        <p:attrNameLst>
+                                          <p:attrName>ppt_y</p:attrName>
+                                        </p:attrNameLst>
+                                      </p:cBhvr>
+                                      <p:tavLst>
+                                        <p:tav tm="0">
+                                          <p:val>
+                                            <p:strVal val="1+#ppt_h/2"/>
+                                          </p:val>
+                                        </p:tav>
+                                        <p:tav tm="100000">
+                                          <p:val>
+                                            <p:strVal val="#ppt_y"/>
+                                          </p:val>
+                                        </p:tav>
+                                      </p:tavLst>
+                                    </p:anim>
+                                  </p:childTnLst>
+                                </p:cTn>
+                              </p:par>
+                            </p:childTnLst>
+                          </p:cTn>
+                        </p:par>
+                      </p:childTnLst>
+                    </p:cTn>
+                  </p:par>
+                  <p:par>
+                    <p:cTn id="9" fill="hold">
+                      <p:stCondLst>
+                        <p:cond delay="indefinite"/>
+                      </p:stCondLst>
+                      <p:childTnLst>
+                        <p:par>
+                          <p:cTn id="10" fill="hold">
+                            <p:stCondLst>
+                              <p:cond delay="0"/>
+                            </p:stCondLst>
+                            <p:childTnLst>
+                              <p:par>
+                                <p:cTn id="11" presetID="2" presetClass="entr" presetSubtype="4" fill="hold" grpId="0" nodeType="clickEffect">
+                                  <p:stCondLst>
+                                    <p:cond delay="0"/>
+                                  </p:stCondLst>
+                                  <p:childTnLst>
+                                    <p:set>
+                                      <p:cBhvr>
+                                        <p:cTn id="12" dur="1" fill="hold">
+                                          <p:stCondLst>
+                                            <p:cond delay="0"/>
+                                          </p:stCondLst>
+                                        </p:cTn>
+                                        <p:tgtEl>
+                                          <p:spTgt spid="10"/>
+                                        </p:tgtEl>
+                                        <p:attrNameLst>
+                                          <p:attrName>style.visibility</p:attrName>
+                                        </p:attrNameLst>
+                                      </p:cBhvr>
+                                      <p:to>
+                                        <p:strVal val="visible"/>
+                                      </p:to>
+                                    </p:set>
+                                    <p:anim calcmode="lin" valueType="num">
+                                      <p:cBhvr additive="base">
+                                        <p:cTn id="13" dur="500" fill="hold"/>
+                                        <p:tgtEl>
+                                          <p:spTgt spid="10"/>
+                                        </p:tgtEl>
+                                        <p:attrNameLst>
+                                          <p:attrName>ppt_x</p:attrName>
+                                        </p:attrNameLst>
+                                      </p:cBhvr>
+                                      <p:tavLst>
+                                        <p:tav tm="0">
+                                          <p:val>
+                                            <p:strVal val="#ppt_x"/>
+                                          </p:val>
+                                        </p:tav>
+                                        <p:tav tm="100000">
+                                          <p:val>
+                                            <p:strVal val="#ppt_x"/>
+                                          </p:val>
+                                        </p:tav>
+                                      </p:tavLst>
+                                    </p:anim>
+                                    <p:anim calcmode="lin" valueType="num">
+                                      <p:cBhvr additive="base">
+                                        <p:cTn id="14" dur="500" fill="hold"/>
+                                        <p:tgtEl>
+                                          <p:spTgt spid="10"/>
+                                        </p:tgtEl>
+                                        <p:attrNameLst>
+                                          <p:attrName>ppt_y</p:attrName>
+                                        </p:attrNameLst>
+                                      </p:cBhvr>
+                                      <p:tavLst>
+                                        <p:tav tm="0">
+                                          <p:val>
+                                            <p:strVal val="1+#ppt_h/2"/>
+                                          </p:val>
+                                        </p:tav>
+                                        <p:tav tm="100000">
+                                          <p:val>
+                                            <p:strVal val="#ppt_y"/>
+                                          </p:val>
+                                        </p:tav>
+                                      </p:tavLst>
+                                    </p:anim>
+                                  </p:childTnLst>
+                                </p:cTn>
+                              </p:par>
+                            </p:childTnLst>
+                          </p:cTn>
+                        </p:par>
+                      </p:childTnLst>
+                    </p:cTn>
+                  </p:par>
+                </p:childTnLst>
+              </p:cTn>
+              <p:prevCondLst>
+                <p:cond evt="onPrev" delay="0">
+                  <p:tgtEl>
+                    <p:sldTgt/>
+                  </p:tgtEl>
+                </p:cond>
+              </p:prevCondLst>
+              <p:nextCondLst>
+                <p:cond evt="onNext" delay="0">
+                  <p:tgtEl>
+                    <p:sldTgt/>
+                  </p:tgtEl>
+                </p:cond>
+              </p:nextCondLst>
+            </p:seq>
+          </p:childTnLst>
+        </p:cTn>
+      </p:par>
+    </p:tnLst>
+    <p:bldLst>
+      <p:bldP spid="9" grpId="0" animBg="1"/>
+      <p:bldP spid="10" grpId="0" animBg="1"/>
+    </p:bldLst>
+  </p:timing>
+</p:sld>
+</file>
+
+<file path=ppt/slides/slide27.xml><?xml version="1.0" encoding="utf-8"?>
+<p:sld xmlns:a="http://schemas.openxmlformats.org/drawingml/2006/main" xmlns:r="http://schemas.openxmlformats.org/officeDocument/2006/relationships" xmlns:p="http://schemas.openxmlformats.org/presentationml/2006/main">
+  <p:cSld>
+    <p:spTree>
+      <p:nvGrpSpPr>
+        <p:cNvPr id="1" name=""/>
+        <p:cNvGrpSpPr/>
+        <p:nvPr/>
+      </p:nvGrpSpPr>
+      <p:grpSpPr>
+        <a:xfrm>
+          <a:off x="0" y="0"/>
+          <a:ext cx="0" cy="0"/>
+          <a:chOff x="0" y="0"/>
+          <a:chExt cx="0" cy="0"/>
+        </a:xfrm>
+      </p:grpSpPr>
+      <p:sp>
+        <p:nvSpPr>
+          <p:cNvPr id="2" name="タイトル 1">
+            <a:extLst>
+              <a:ext uri="{FF2B5EF4-FFF2-40B4-BE49-F238E27FC236}">
+                <a16:creationId xmlns:a16="http://schemas.microsoft.com/office/drawing/2014/main" id="{11FF109B-1A52-4682-9479-0DCAC48B3C35}"/>
+              </a:ext>
+            </a:extLst>
+          </p:cNvPr>
+          <p:cNvSpPr>
+            <a:spLocks noGrp="1"/>
+          </p:cNvSpPr>
+          <p:nvPr>
+            <p:ph type="title"/>
+          </p:nvPr>
+        </p:nvSpPr>
+        <p:spPr/>
+        <p:txBody>
+          <a:bodyPr/>
+          <a:lstStyle/>
+          <a:p>
+            <a:r>
+              <a:rPr kumimoji="1" lang="en-US" altLang="ja-JP" dirty="0"/>
               <a:t>Agenda</a:t>
             </a:r>
             <a:endParaRPr kumimoji="1" lang="ja-JP" altLang="en-US" dirty="0"/>
@@ -15640,7 +16180,7 @@
 </p:sld>
 </file>
 
-<file path=ppt/slides/slide27.xml><?xml version="1.0" encoding="utf-8"?>
+<file path=ppt/slides/slide28.xml><?xml version="1.0" encoding="utf-8"?>
 <p:sld xmlns:a="http://schemas.openxmlformats.org/drawingml/2006/main" xmlns:r="http://schemas.openxmlformats.org/officeDocument/2006/relationships" xmlns:p="http://schemas.openxmlformats.org/presentationml/2006/main">
   <p:cSld>
     <p:spTree>
@@ -16375,7 +16915,7 @@
 </p:sld>
 </file>
 
-<file path=ppt/slides/slide28.xml><?xml version="1.0" encoding="utf-8"?>
+<file path=ppt/slides/slide29.xml><?xml version="1.0" encoding="utf-8"?>
 <p:sld xmlns:a="http://schemas.openxmlformats.org/drawingml/2006/main" xmlns:r="http://schemas.openxmlformats.org/officeDocument/2006/relationships" xmlns:p="http://schemas.openxmlformats.org/presentationml/2006/main">
   <p:cSld>
     <p:spTree>
@@ -16500,7 +17040,7 @@
                 <a:latin typeface="HGP教科書体" panose="02020600000000000000" pitchFamily="18" charset="-128"/>
                 <a:ea typeface="HGP教科書体" panose="02020600000000000000" pitchFamily="18" charset="-128"/>
               </a:rPr>
-              <a:t>事務局の皆様、</a:t>
+              <a:t>運営事務局の皆様、</a:t>
             </a:r>
             <a:endParaRPr lang="en-US" altLang="ja-JP" sz="2400" b="1" dirty="0">
               <a:latin typeface="HGP教科書体" panose="02020600000000000000" pitchFamily="18" charset="-128"/>
@@ -16997,6 +17537,141 @@
 </file>
 
 <file path=ppt/slides/slide4.xml><?xml version="1.0" encoding="utf-8"?>
+<p:sld xmlns:a="http://schemas.openxmlformats.org/drawingml/2006/main" xmlns:r="http://schemas.openxmlformats.org/officeDocument/2006/relationships" xmlns:p="http://schemas.openxmlformats.org/presentationml/2006/main">
+  <p:cSld>
+    <p:spTree>
+      <p:nvGrpSpPr>
+        <p:cNvPr id="1" name=""/>
+        <p:cNvGrpSpPr/>
+        <p:nvPr/>
+      </p:nvGrpSpPr>
+      <p:grpSpPr>
+        <a:xfrm>
+          <a:off x="0" y="0"/>
+          <a:ext cx="0" cy="0"/>
+          <a:chOff x="0" y="0"/>
+          <a:chExt cx="0" cy="0"/>
+        </a:xfrm>
+      </p:grpSpPr>
+      <p:pic>
+        <p:nvPicPr>
+          <p:cNvPr id="2" name="図 1" descr="アイコン&#10;&#10;自動的に生成された説明">
+            <a:extLst>
+              <a:ext uri="{FF2B5EF4-FFF2-40B4-BE49-F238E27FC236}">
+                <a16:creationId xmlns:a16="http://schemas.microsoft.com/office/drawing/2014/main" id="{25716CB9-3ED3-4287-85E2-84B49D213DAC}"/>
+              </a:ext>
+            </a:extLst>
+          </p:cNvPr>
+          <p:cNvPicPr>
+            <a:picLocks noChangeAspect="1"/>
+          </p:cNvPicPr>
+          <p:nvPr/>
+        </p:nvPicPr>
+        <p:blipFill>
+          <a:blip r:embed="rId2">
+            <a:alphaModFix amt="85000"/>
+            <a:extLst>
+              <a:ext uri="{28A0092B-C50C-407E-A947-70E740481C1C}">
+                <a14:useLocalDpi xmlns:a14="http://schemas.microsoft.com/office/drawing/2010/main" val="0"/>
+              </a:ext>
+            </a:extLst>
+          </a:blip>
+          <a:stretch>
+            <a:fillRect/>
+          </a:stretch>
+        </p:blipFill>
+        <p:spPr>
+          <a:xfrm>
+            <a:off x="9466729" y="5262949"/>
+            <a:ext cx="2725271" cy="1469817"/>
+          </a:xfrm>
+          <a:prstGeom prst="rect">
+            <a:avLst/>
+          </a:prstGeom>
+        </p:spPr>
+      </p:pic>
+      <p:sp>
+        <p:nvSpPr>
+          <p:cNvPr id="4" name="星: 6 pt 3">
+            <a:extLst>
+              <a:ext uri="{FF2B5EF4-FFF2-40B4-BE49-F238E27FC236}">
+                <a16:creationId xmlns:a16="http://schemas.microsoft.com/office/drawing/2014/main" id="{41D9B353-4000-479B-95AE-32C6441BCACB}"/>
+              </a:ext>
+            </a:extLst>
+          </p:cNvPr>
+          <p:cNvSpPr/>
+          <p:nvPr/>
+        </p:nvSpPr>
+        <p:spPr>
+          <a:xfrm rot="21080149">
+            <a:off x="232377" y="1283778"/>
+            <a:ext cx="11486838" cy="3955311"/>
+          </a:xfrm>
+          <a:prstGeom prst="star6">
+            <a:avLst/>
+          </a:prstGeom>
+          <a:ln w="28575"/>
+        </p:spPr>
+        <p:style>
+          <a:lnRef idx="2">
+            <a:schemeClr val="accent5"/>
+          </a:lnRef>
+          <a:fillRef idx="1">
+            <a:schemeClr val="lt1"/>
+          </a:fillRef>
+          <a:effectRef idx="0">
+            <a:schemeClr val="accent5"/>
+          </a:effectRef>
+          <a:fontRef idx="minor">
+            <a:schemeClr val="dk1"/>
+          </a:fontRef>
+        </p:style>
+        <p:txBody>
+          <a:bodyPr rtlCol="0" anchor="ctr"/>
+          <a:lstStyle/>
+          <a:p>
+            <a:pPr algn="ctr"/>
+            <a:r>
+              <a:rPr kumimoji="1" lang="en-US" altLang="ja-JP" sz="9600" dirty="0">
+                <a:solidFill>
+                  <a:schemeClr val="accent1"/>
+                </a:solidFill>
+              </a:rPr>
+              <a:t>Qbox</a:t>
+            </a:r>
+            <a:r>
+              <a:rPr kumimoji="1" lang="ja-JP" altLang="en-US" sz="9600" dirty="0">
+                <a:solidFill>
+                  <a:schemeClr val="accent1"/>
+                </a:solidFill>
+              </a:rPr>
+              <a:t>！！！</a:t>
+            </a:r>
+          </a:p>
+          <a:p>
+            <a:pPr algn="ctr"/>
+            <a:endParaRPr kumimoji="1" lang="ja-JP" altLang="en-US" dirty="0">
+              <a:solidFill>
+                <a:schemeClr val="accent1"/>
+              </a:solidFill>
+            </a:endParaRPr>
+          </a:p>
+        </p:txBody>
+      </p:sp>
+    </p:spTree>
+    <p:extLst>
+      <p:ext uri="{BB962C8B-B14F-4D97-AF65-F5344CB8AC3E}">
+        <p14:creationId xmlns:p14="http://schemas.microsoft.com/office/powerpoint/2010/main" val="942671585"/>
+      </p:ext>
+    </p:extLst>
+  </p:cSld>
+  <p:clrMapOvr>
+    <a:masterClrMapping/>
+  </p:clrMapOvr>
+</p:sld>
+</file>
+
+<file path=ppt/slides/slide5.xml><?xml version="1.0" encoding="utf-8"?>
 <p:sld xmlns:a="http://schemas.openxmlformats.org/drawingml/2006/main" xmlns:r="http://schemas.openxmlformats.org/officeDocument/2006/relationships" xmlns:p="http://schemas.openxmlformats.org/presentationml/2006/main">
   <p:cSld>
     <p:spTree>
@@ -17398,7 +18073,7 @@
 </p:sld>
 </file>
 
-<file path=ppt/slides/slide5.xml><?xml version="1.0" encoding="utf-8"?>
+<file path=ppt/slides/slide6.xml><?xml version="1.0" encoding="utf-8"?>
 <p:sld xmlns:a="http://schemas.openxmlformats.org/drawingml/2006/main" xmlns:r="http://schemas.openxmlformats.org/officeDocument/2006/relationships" xmlns:p="http://schemas.openxmlformats.org/presentationml/2006/main">
   <p:cSld>
     <p:spTree>
@@ -18604,7 +19279,7 @@
 </p:sld>
 </file>
 
-<file path=ppt/slides/slide6.xml><?xml version="1.0" encoding="utf-8"?>
+<file path=ppt/slides/slide7.xml><?xml version="1.0" encoding="utf-8"?>
 <p:sld xmlns:a="http://schemas.openxmlformats.org/drawingml/2006/main" xmlns:r="http://schemas.openxmlformats.org/officeDocument/2006/relationships" xmlns:p="http://schemas.openxmlformats.org/presentationml/2006/main">
   <p:cSld>
     <p:spTree>
@@ -18850,7 +19525,7 @@
 </p:sld>
 </file>
 
-<file path=ppt/slides/slide7.xml><?xml version="1.0" encoding="utf-8"?>
+<file path=ppt/slides/slide8.xml><?xml version="1.0" encoding="utf-8"?>
 <p:sld xmlns:a="http://schemas.openxmlformats.org/drawingml/2006/main" xmlns:r="http://schemas.openxmlformats.org/officeDocument/2006/relationships" xmlns:p="http://schemas.openxmlformats.org/presentationml/2006/main">
   <p:cSld>
     <p:bg>
@@ -19213,7 +19888,7 @@
 </p:sld>
 </file>
 
-<file path=ppt/slides/slide8.xml><?xml version="1.0" encoding="utf-8"?>
+<file path=ppt/slides/slide9.xml><?xml version="1.0" encoding="utf-8"?>
 <p:sld xmlns:a="http://schemas.openxmlformats.org/drawingml/2006/main" xmlns:r="http://schemas.openxmlformats.org/officeDocument/2006/relationships" xmlns:p="http://schemas.openxmlformats.org/presentationml/2006/main">
   <p:cSld>
     <p:spTree>
@@ -19412,515 +20087,6 @@
   <p:clrMapOvr>
     <a:masterClrMapping/>
   </p:clrMapOvr>
-</p:sld>
-</file>
-
-<file path=ppt/slides/slide9.xml><?xml version="1.0" encoding="utf-8"?>
-<p:sld xmlns:a="http://schemas.openxmlformats.org/drawingml/2006/main" xmlns:r="http://schemas.openxmlformats.org/officeDocument/2006/relationships" xmlns:p="http://schemas.openxmlformats.org/presentationml/2006/main">
-  <p:cSld>
-    <p:bg>
-      <p:bgPr>
-        <a:solidFill>
-          <a:schemeClr val="bg1"/>
-        </a:solidFill>
-        <a:effectLst/>
-      </p:bgPr>
-    </p:bg>
-    <p:spTree>
-      <p:nvGrpSpPr>
-        <p:cNvPr id="1" name=""/>
-        <p:cNvGrpSpPr/>
-        <p:nvPr/>
-      </p:nvGrpSpPr>
-      <p:grpSpPr>
-        <a:xfrm>
-          <a:off x="0" y="0"/>
-          <a:ext cx="0" cy="0"/>
-          <a:chOff x="0" y="0"/>
-          <a:chExt cx="0" cy="0"/>
-        </a:xfrm>
-      </p:grpSpPr>
-      <p:sp>
-        <p:nvSpPr>
-          <p:cNvPr id="10" name="Rectangle 9">
-            <a:extLst>
-              <a:ext uri="{FF2B5EF4-FFF2-40B4-BE49-F238E27FC236}">
-                <a16:creationId xmlns:a16="http://schemas.microsoft.com/office/drawing/2014/main" id="{DB8424AB-D56B-4256-866A-5B54DE93C20F}"/>
-              </a:ext>
-              <a:ext uri="{C183D7F6-B498-43B3-948B-1728B52AA6E4}">
-                <adec:decorative xmlns:adec="http://schemas.microsoft.com/office/drawing/2017/decorative" val="1"/>
-              </a:ext>
-            </a:extLst>
-          </p:cNvPr>
-          <p:cNvSpPr>
-            <a:spLocks noGrp="1" noRot="1" noChangeAspect="1" noMove="1" noResize="1" noEditPoints="1" noAdjustHandles="1" noChangeArrowheads="1" noChangeShapeType="1" noTextEdit="1"/>
-          </p:cNvSpPr>
-          <p:nvPr>
-            <p:extLst>
-              <p:ext uri="{386F3935-93C4-4BCD-93E2-E3B085C9AB24}">
-                <p16:designElem xmlns:p16="http://schemas.microsoft.com/office/powerpoint/2015/main" val="1"/>
-              </p:ext>
-            </p:extLst>
-          </p:nvPr>
-        </p:nvSpPr>
-        <p:spPr>
-          <a:xfrm>
-            <a:off x="0" y="761999"/>
-            <a:ext cx="9141619" cy="5334001"/>
-          </a:xfrm>
-          <a:prstGeom prst="rect">
-            <a:avLst/>
-          </a:prstGeom>
-          <a:solidFill>
-            <a:schemeClr val="accent1"/>
-          </a:solidFill>
-          <a:ln>
-            <a:noFill/>
-          </a:ln>
-        </p:spPr>
-        <p:style>
-          <a:lnRef idx="2">
-            <a:schemeClr val="accent1">
-              <a:shade val="50000"/>
-            </a:schemeClr>
-          </a:lnRef>
-          <a:fillRef idx="1">
-            <a:schemeClr val="accent1"/>
-          </a:fillRef>
-          <a:effectRef idx="0">
-            <a:schemeClr val="accent1"/>
-          </a:effectRef>
-          <a:fontRef idx="minor">
-            <a:schemeClr val="lt1"/>
-          </a:fontRef>
-        </p:style>
-      </p:sp>
-      <p:sp>
-        <p:nvSpPr>
-          <p:cNvPr id="12" name="Rectangle 11">
-            <a:extLst>
-              <a:ext uri="{FF2B5EF4-FFF2-40B4-BE49-F238E27FC236}">
-                <a16:creationId xmlns:a16="http://schemas.microsoft.com/office/drawing/2014/main" id="{FC999C28-AD33-4EB7-A5F1-C06D10A5FDF7}"/>
-              </a:ext>
-              <a:ext uri="{C183D7F6-B498-43B3-948B-1728B52AA6E4}">
-                <adec:decorative xmlns:adec="http://schemas.microsoft.com/office/drawing/2017/decorative" val="1"/>
-              </a:ext>
-            </a:extLst>
-          </p:cNvPr>
-          <p:cNvSpPr>
-            <a:spLocks noGrp="1" noRot="1" noChangeAspect="1" noMove="1" noResize="1" noEditPoints="1" noAdjustHandles="1" noChangeArrowheads="1" noChangeShapeType="1" noTextEdit="1"/>
-          </p:cNvSpPr>
-          <p:nvPr>
-            <p:extLst>
-              <p:ext uri="{386F3935-93C4-4BCD-93E2-E3B085C9AB24}">
-                <p16:designElem xmlns:p16="http://schemas.microsoft.com/office/powerpoint/2015/main" val="1"/>
-              </p:ext>
-            </p:extLst>
-          </p:nvPr>
-        </p:nvSpPr>
-        <p:spPr>
-          <a:xfrm>
-            <a:off x="9270263" y="761999"/>
-            <a:ext cx="2925318" cy="5334001"/>
-          </a:xfrm>
-          <a:prstGeom prst="rect">
-            <a:avLst/>
-          </a:prstGeom>
-          <a:solidFill>
-            <a:srgbClr val="C8C8C8">
-              <a:alpha val="49804"/>
-            </a:srgbClr>
-          </a:solidFill>
-          <a:ln>
-            <a:noFill/>
-          </a:ln>
-        </p:spPr>
-        <p:style>
-          <a:lnRef idx="2">
-            <a:schemeClr val="accent1">
-              <a:shade val="50000"/>
-            </a:schemeClr>
-          </a:lnRef>
-          <a:fillRef idx="1">
-            <a:schemeClr val="accent1"/>
-          </a:fillRef>
-          <a:effectRef idx="0">
-            <a:schemeClr val="accent1"/>
-          </a:effectRef>
-          <a:fontRef idx="minor">
-            <a:schemeClr val="lt1"/>
-          </a:fontRef>
-        </p:style>
-      </p:sp>
-      <p:sp useBgFill="1">
-        <p:nvSpPr>
-          <p:cNvPr id="14" name="Rectangle 13">
-            <a:extLst>
-              <a:ext uri="{FF2B5EF4-FFF2-40B4-BE49-F238E27FC236}">
-                <a16:creationId xmlns:a16="http://schemas.microsoft.com/office/drawing/2014/main" id="{9203ABB4-7E2A-4248-9FE7-4A419AFF2F17}"/>
-              </a:ext>
-              <a:ext uri="{C183D7F6-B498-43B3-948B-1728B52AA6E4}">
-                <adec:decorative xmlns:adec="http://schemas.microsoft.com/office/drawing/2017/decorative" val="1"/>
-              </a:ext>
-            </a:extLst>
-          </p:cNvPr>
-          <p:cNvSpPr>
-            <a:spLocks noGrp="1" noRot="1" noChangeAspect="1" noMove="1" noResize="1" noEditPoints="1" noAdjustHandles="1" noChangeArrowheads="1" noChangeShapeType="1" noTextEdit="1"/>
-          </p:cNvSpPr>
-          <p:nvPr>
-            <p:extLst>
-              <p:ext uri="{386F3935-93C4-4BCD-93E2-E3B085C9AB24}">
-                <p16:designElem xmlns:p16="http://schemas.microsoft.com/office/powerpoint/2015/main" val="1"/>
-              </p:ext>
-            </p:extLst>
-          </p:nvPr>
-        </p:nvSpPr>
-        <p:spPr>
-          <a:xfrm>
-            <a:off x="0" y="0"/>
-            <a:ext cx="12191999" cy="6858000"/>
-          </a:xfrm>
-          <a:prstGeom prst="rect">
-            <a:avLst/>
-          </a:prstGeom>
-          <a:ln>
-            <a:noFill/>
-          </a:ln>
-        </p:spPr>
-        <p:style>
-          <a:lnRef idx="2">
-            <a:schemeClr val="accent1">
-              <a:shade val="50000"/>
-            </a:schemeClr>
-          </a:lnRef>
-          <a:fillRef idx="1">
-            <a:schemeClr val="accent1"/>
-          </a:fillRef>
-          <a:effectRef idx="0">
-            <a:schemeClr val="accent1"/>
-          </a:effectRef>
-          <a:fontRef idx="minor">
-            <a:schemeClr val="lt1"/>
-          </a:fontRef>
-        </p:style>
-        <p:txBody>
-          <a:bodyPr rtlCol="0" anchor="ctr"/>
-          <a:lstStyle/>
-          <a:p>
-            <a:pPr marL="0" marR="0" lvl="0" indent="0" algn="ctr" defTabSz="457200" rtl="0" eaLnBrk="1" fontAlgn="auto" latinLnBrk="0" hangingPunct="1">
-              <a:lnSpc>
-                <a:spcPct val="100000"/>
-              </a:lnSpc>
-              <a:spcBef>
-                <a:spcPts val="0"/>
-              </a:spcBef>
-              <a:spcAft>
-                <a:spcPts val="0"/>
-              </a:spcAft>
-              <a:buClrTx/>
-              <a:buSzTx/>
-              <a:buFontTx/>
-              <a:buNone/>
-              <a:tabLst/>
-              <a:defRPr/>
-            </a:pPr>
-            <a:endParaRPr kumimoji="0" lang="en-US" sz="1800" b="0" i="0" u="none" strike="noStrike" kern="1200" cap="none" spc="0" normalizeH="0" baseline="0" noProof="0">
-              <a:ln>
-                <a:noFill/>
-              </a:ln>
-              <a:solidFill>
-                <a:srgbClr val="FFFFFF"/>
-              </a:solidFill>
-              <a:effectLst/>
-              <a:uLnTx/>
-              <a:uFillTx/>
-              <a:latin typeface="Corbel" panose="020B0503020204020204"/>
-              <a:ea typeface="+mn-ea"/>
-              <a:cs typeface="+mn-cs"/>
-            </a:endParaRPr>
-          </a:p>
-        </p:txBody>
-      </p:sp>
-      <p:sp>
-        <p:nvSpPr>
-          <p:cNvPr id="16" name="Rectangle 15">
-            <a:extLst>
-              <a:ext uri="{FF2B5EF4-FFF2-40B4-BE49-F238E27FC236}">
-                <a16:creationId xmlns:a16="http://schemas.microsoft.com/office/drawing/2014/main" id="{3126970D-C1E5-4FB1-84E8-86CB9CED1C80}"/>
-              </a:ext>
-              <a:ext uri="{C183D7F6-B498-43B3-948B-1728B52AA6E4}">
-                <adec:decorative xmlns:adec="http://schemas.microsoft.com/office/drawing/2017/decorative" val="1"/>
-              </a:ext>
-            </a:extLst>
-          </p:cNvPr>
-          <p:cNvSpPr>
-            <a:spLocks noGrp="1" noRot="1" noChangeAspect="1" noMove="1" noResize="1" noEditPoints="1" noAdjustHandles="1" noChangeArrowheads="1" noChangeShapeType="1" noTextEdit="1"/>
-          </p:cNvSpPr>
-          <p:nvPr>
-            <p:extLst>
-              <p:ext uri="{386F3935-93C4-4BCD-93E2-E3B085C9AB24}">
-                <p16:designElem xmlns:p16="http://schemas.microsoft.com/office/powerpoint/2015/main" val="1"/>
-              </p:ext>
-            </p:extLst>
-          </p:nvPr>
-        </p:nvSpPr>
-        <p:spPr>
-          <a:xfrm>
-            <a:off x="0" y="4367639"/>
-            <a:ext cx="11707367" cy="1852186"/>
-          </a:xfrm>
-          <a:prstGeom prst="rect">
-            <a:avLst/>
-          </a:prstGeom>
-          <a:solidFill>
-            <a:schemeClr val="accent1"/>
-          </a:solidFill>
-          <a:ln>
-            <a:noFill/>
-          </a:ln>
-        </p:spPr>
-        <p:style>
-          <a:lnRef idx="2">
-            <a:schemeClr val="accent1">
-              <a:shade val="50000"/>
-            </a:schemeClr>
-          </a:lnRef>
-          <a:fillRef idx="1">
-            <a:schemeClr val="accent1"/>
-          </a:fillRef>
-          <a:effectRef idx="0">
-            <a:schemeClr val="accent1"/>
-          </a:effectRef>
-          <a:fontRef idx="minor">
-            <a:schemeClr val="lt1"/>
-          </a:fontRef>
-        </p:style>
-      </p:sp>
-      <p:sp>
-        <p:nvSpPr>
-          <p:cNvPr id="2" name="タイトル 1">
-            <a:extLst>
-              <a:ext uri="{FF2B5EF4-FFF2-40B4-BE49-F238E27FC236}">
-                <a16:creationId xmlns:a16="http://schemas.microsoft.com/office/drawing/2014/main" id="{B588FAA4-7E96-4FF5-B251-22AD68F3F329}"/>
-              </a:ext>
-            </a:extLst>
-          </p:cNvPr>
-          <p:cNvSpPr>
-            <a:spLocks noGrp="1"/>
-          </p:cNvSpPr>
-          <p:nvPr>
-            <p:ph type="title"/>
-          </p:nvPr>
-        </p:nvSpPr>
-        <p:spPr>
-          <a:xfrm>
-            <a:off x="0" y="5563155"/>
-            <a:ext cx="10210862" cy="1065690"/>
-          </a:xfrm>
-        </p:spPr>
-        <p:txBody>
-          <a:bodyPr vert="horz" lIns="91440" tIns="45720" rIns="91440" bIns="45720" rtlCol="0" anchor="b">
-            <a:normAutofit/>
-          </a:bodyPr>
-          <a:lstStyle/>
-          <a:p>
-            <a:r>
-              <a:rPr kumimoji="1" lang="ja-JP" altLang="en-US" sz="3200" spc="-100" dirty="0"/>
-              <a:t>テンプレート挿入機能</a:t>
-            </a:r>
-            <a:br>
-              <a:rPr kumimoji="1" lang="en-US" altLang="ja-JP" sz="3200" spc="-100" dirty="0"/>
-            </a:br>
-            <a:endParaRPr kumimoji="1" lang="en-US" altLang="ja-JP" sz="3200" spc="-100" dirty="0"/>
-          </a:p>
-        </p:txBody>
-      </p:sp>
-      <p:pic>
-        <p:nvPicPr>
-          <p:cNvPr id="7" name="ビデオ 6">
-            <a:hlinkClick r:id="" action="ppaction://media"/>
-            <a:extLst>
-              <a:ext uri="{FF2B5EF4-FFF2-40B4-BE49-F238E27FC236}">
-                <a16:creationId xmlns:a16="http://schemas.microsoft.com/office/drawing/2014/main" id="{D6606B39-E497-4297-B667-53D50D622162}"/>
-              </a:ext>
-            </a:extLst>
-          </p:cNvPr>
-          <p:cNvPicPr>
-            <a:picLocks noChangeAspect="1"/>
-          </p:cNvPicPr>
-          <p:nvPr>
-            <a:videoFile r:link="rId2"/>
-            <p:extLst>
-              <p:ext uri="{DAA4B4D4-6D71-4841-9C94-3DE7FCFB9230}">
-                <p14:media xmlns:p14="http://schemas.microsoft.com/office/powerpoint/2010/main" r:embed="rId1"/>
-              </p:ext>
-            </p:extLst>
-          </p:nvPr>
-        </p:nvPicPr>
-        <p:blipFill>
-          <a:blip r:embed="rId4"/>
-          <a:stretch>
-            <a:fillRect/>
-          </a:stretch>
-        </p:blipFill>
-        <p:spPr>
-          <a:xfrm>
-            <a:off x="204612" y="-586507"/>
-            <a:ext cx="11743320" cy="6281453"/>
-          </a:xfrm>
-          <a:prstGeom prst="rect">
-            <a:avLst/>
-          </a:prstGeom>
-        </p:spPr>
-      </p:pic>
-    </p:spTree>
-    <p:extLst>
-      <p:ext uri="{BB962C8B-B14F-4D97-AF65-F5344CB8AC3E}">
-        <p14:creationId xmlns:p14="http://schemas.microsoft.com/office/powerpoint/2010/main" val="989697342"/>
-      </p:ext>
-    </p:extLst>
-  </p:cSld>
-  <p:clrMapOvr>
-    <a:masterClrMapping/>
-  </p:clrMapOvr>
-  <p:timing>
-    <p:tnLst>
-      <p:par>
-        <p:cTn id="1" dur="indefinite" restart="never" nodeType="tmRoot">
-          <p:childTnLst>
-            <p:seq concurrent="1" nextAc="seek">
-              <p:cTn id="2" dur="indefinite" nodeType="mainSeq">
-                <p:childTnLst>
-                  <p:par>
-                    <p:cTn id="3" fill="hold">
-                      <p:stCondLst>
-                        <p:cond delay="indefinite"/>
-                        <p:cond evt="onBegin" delay="0">
-                          <p:tn val="2"/>
-                        </p:cond>
-                      </p:stCondLst>
-                      <p:childTnLst>
-                        <p:par>
-                          <p:cTn id="4" fill="hold">
-                            <p:stCondLst>
-                              <p:cond delay="0"/>
-                            </p:stCondLst>
-                            <p:childTnLst>
-                              <p:par>
-                                <p:cTn id="5" presetID="1" presetClass="mediacall" presetSubtype="0" fill="hold" nodeType="withEffect">
-                                  <p:stCondLst>
-                                    <p:cond delay="0"/>
-                                  </p:stCondLst>
-                                  <p:childTnLst>
-                                    <p:cmd type="call" cmd="playFrom(0.0)">
-                                      <p:cBhvr>
-                                        <p:cTn id="6" dur="3647" fill="hold"/>
-                                        <p:tgtEl>
-                                          <p:spTgt spid="7"/>
-                                        </p:tgtEl>
-                                      </p:cBhvr>
-                                    </p:cmd>
-                                  </p:childTnLst>
-                                </p:cTn>
-                              </p:par>
-                            </p:childTnLst>
-                          </p:cTn>
-                        </p:par>
-                      </p:childTnLst>
-                    </p:cTn>
-                  </p:par>
-                </p:childTnLst>
-              </p:cTn>
-              <p:prevCondLst>
-                <p:cond evt="onPrev" delay="0">
-                  <p:tgtEl>
-                    <p:sldTgt/>
-                  </p:tgtEl>
-                </p:cond>
-              </p:prevCondLst>
-              <p:nextCondLst>
-                <p:cond evt="onNext" delay="0">
-                  <p:tgtEl>
-                    <p:sldTgt/>
-                  </p:tgtEl>
-                </p:cond>
-              </p:nextCondLst>
-            </p:seq>
-            <p:video>
-              <p:cMediaNode vol="80000" mute="1">
-                <p:cTn id="7" repeatCount="indefinite" fill="hold" display="0">
-                  <p:stCondLst>
-                    <p:cond delay="indefinite"/>
-                  </p:stCondLst>
-                </p:cTn>
-                <p:tgtEl>
-                  <p:spTgt spid="7"/>
-                </p:tgtEl>
-              </p:cMediaNode>
-            </p:video>
-            <p:seq concurrent="1" nextAc="seek">
-              <p:cTn id="8" restart="whenNotActive" fill="hold" evtFilter="cancelBubble" nodeType="interactiveSeq">
-                <p:stCondLst>
-                  <p:cond evt="onClick" delay="0">
-                    <p:tgtEl>
-                      <p:spTgt spid="7"/>
-                    </p:tgtEl>
-                  </p:cond>
-                </p:stCondLst>
-                <p:endSync evt="end" delay="0">
-                  <p:rtn val="all"/>
-                </p:endSync>
-                <p:childTnLst>
-                  <p:par>
-                    <p:cTn id="9" fill="hold">
-                      <p:stCondLst>
-                        <p:cond delay="0"/>
-                      </p:stCondLst>
-                      <p:childTnLst>
-                        <p:par>
-                          <p:cTn id="10" fill="hold">
-                            <p:stCondLst>
-                              <p:cond delay="0"/>
-                            </p:stCondLst>
-                            <p:childTnLst>
-                              <p:par>
-                                <p:cTn id="11" presetID="2" presetClass="mediacall" presetSubtype="0" fill="hold" nodeType="clickEffect">
-                                  <p:stCondLst>
-                                    <p:cond delay="0"/>
-                                  </p:stCondLst>
-                                  <p:childTnLst>
-                                    <p:cmd type="call" cmd="togglePause">
-                                      <p:cBhvr>
-                                        <p:cTn id="12" dur="1" fill="hold"/>
-                                        <p:tgtEl>
-                                          <p:spTgt spid="7"/>
-                                        </p:tgtEl>
-                                      </p:cBhvr>
-                                    </p:cmd>
-                                  </p:childTnLst>
-                                </p:cTn>
-                              </p:par>
-                            </p:childTnLst>
-                          </p:cTn>
-                        </p:par>
-                      </p:childTnLst>
-                    </p:cTn>
-                  </p:par>
-                </p:childTnLst>
-              </p:cTn>
-              <p:nextCondLst>
-                <p:cond evt="onClick" delay="0">
-                  <p:tgtEl>
-                    <p:spTgt spid="7"/>
-                  </p:tgtEl>
-                </p:cond>
-              </p:nextCondLst>
-            </p:seq>
-          </p:childTnLst>
-        </p:cTn>
-      </p:par>
-    </p:tnLst>
-  </p:timing>
 </p:sld>
 </file>
 

--- a/発表資料/成果発表　D4チーム.pptx
+++ b/発表資料/成果発表　D4チーム.pptx
@@ -5,38 +5,43 @@
     <p:sldMasterId id="2147483678" r:id="rId1"/>
   </p:sldMasterIdLst>
   <p:notesMasterIdLst>
-    <p:notesMasterId r:id="rId31"/>
+    <p:notesMasterId r:id="rId36"/>
   </p:notesMasterIdLst>
   <p:sldIdLst>
     <p:sldId id="256" r:id="rId2"/>
-    <p:sldId id="261" r:id="rId3"/>
-    <p:sldId id="260" r:id="rId4"/>
-    <p:sldId id="298" r:id="rId5"/>
-    <p:sldId id="258" r:id="rId6"/>
-    <p:sldId id="265" r:id="rId7"/>
-    <p:sldId id="262" r:id="rId8"/>
-    <p:sldId id="287" r:id="rId9"/>
-    <p:sldId id="264" r:id="rId10"/>
-    <p:sldId id="292" r:id="rId11"/>
-    <p:sldId id="291" r:id="rId12"/>
-    <p:sldId id="293" r:id="rId13"/>
-    <p:sldId id="294" r:id="rId14"/>
-    <p:sldId id="295" r:id="rId15"/>
-    <p:sldId id="269" r:id="rId16"/>
-    <p:sldId id="270" r:id="rId17"/>
-    <p:sldId id="282" r:id="rId18"/>
-    <p:sldId id="268" r:id="rId19"/>
-    <p:sldId id="275" r:id="rId20"/>
-    <p:sldId id="276" r:id="rId21"/>
-    <p:sldId id="267" r:id="rId22"/>
-    <p:sldId id="271" r:id="rId23"/>
-    <p:sldId id="277" r:id="rId24"/>
-    <p:sldId id="278" r:id="rId25"/>
-    <p:sldId id="279" r:id="rId26"/>
-    <p:sldId id="280" r:id="rId27"/>
-    <p:sldId id="296" r:id="rId28"/>
-    <p:sldId id="285" r:id="rId29"/>
-    <p:sldId id="284" r:id="rId30"/>
+    <p:sldId id="302" r:id="rId3"/>
+    <p:sldId id="300" r:id="rId4"/>
+    <p:sldId id="261" r:id="rId5"/>
+    <p:sldId id="260" r:id="rId6"/>
+    <p:sldId id="298" r:id="rId7"/>
+    <p:sldId id="258" r:id="rId8"/>
+    <p:sldId id="299" r:id="rId9"/>
+    <p:sldId id="265" r:id="rId10"/>
+    <p:sldId id="262" r:id="rId11"/>
+    <p:sldId id="287" r:id="rId12"/>
+    <p:sldId id="264" r:id="rId13"/>
+    <p:sldId id="292" r:id="rId14"/>
+    <p:sldId id="291" r:id="rId15"/>
+    <p:sldId id="288" r:id="rId16"/>
+    <p:sldId id="293" r:id="rId17"/>
+    <p:sldId id="294" r:id="rId18"/>
+    <p:sldId id="295" r:id="rId19"/>
+    <p:sldId id="303" r:id="rId20"/>
+    <p:sldId id="270" r:id="rId21"/>
+    <p:sldId id="282" r:id="rId22"/>
+    <p:sldId id="268" r:id="rId23"/>
+    <p:sldId id="275" r:id="rId24"/>
+    <p:sldId id="276" r:id="rId25"/>
+    <p:sldId id="267" r:id="rId26"/>
+    <p:sldId id="301" r:id="rId27"/>
+    <p:sldId id="271" r:id="rId28"/>
+    <p:sldId id="277" r:id="rId29"/>
+    <p:sldId id="278" r:id="rId30"/>
+    <p:sldId id="279" r:id="rId31"/>
+    <p:sldId id="280" r:id="rId32"/>
+    <p:sldId id="304" r:id="rId33"/>
+    <p:sldId id="285" r:id="rId34"/>
+    <p:sldId id="284" r:id="rId35"/>
   </p:sldIdLst>
   <p:sldSz cx="12192000" cy="6858000"/>
   <p:notesSz cx="6858000" cy="9144000"/>
@@ -225,7 +230,7 @@
           <a:p>
             <a:fld id="{7940F67D-29D4-4898-A6D4-061F8A7BAB25}" type="datetimeFigureOut">
               <a:rPr kumimoji="1" lang="ja-JP" altLang="en-US" smtClean="0"/>
-              <a:t>2021/6/25</a:t>
+              <a:t>2021/6/28</a:t>
             </a:fld>
             <a:endParaRPr kumimoji="1" lang="ja-JP" altLang="en-US"/>
           </a:p>
@@ -598,7 +603,7 @@
     </p:spTree>
     <p:extLst>
       <p:ext uri="{BB962C8B-B14F-4D97-AF65-F5344CB8AC3E}">
-        <p14:creationId xmlns:p14="http://schemas.microsoft.com/office/powerpoint/2010/main" val="1694635832"/>
+        <p14:creationId xmlns:p14="http://schemas.microsoft.com/office/powerpoint/2010/main" val="2686939812"/>
       </p:ext>
     </p:extLst>
   </p:cSld>
@@ -673,7 +678,7 @@
           <a:p>
             <a:fld id="{3E09690F-D3E5-4E8F-AD4A-5CFF09FCF1A7}" type="slidenum">
               <a:rPr kumimoji="1" lang="ja-JP" altLang="en-US" smtClean="0"/>
-              <a:t>23</a:t>
+              <a:t>24</a:t>
             </a:fld>
             <a:endParaRPr kumimoji="1" lang="ja-JP" altLang="en-US"/>
           </a:p>
@@ -682,7 +687,7 @@
     </p:spTree>
     <p:extLst>
       <p:ext uri="{BB962C8B-B14F-4D97-AF65-F5344CB8AC3E}">
-        <p14:creationId xmlns:p14="http://schemas.microsoft.com/office/powerpoint/2010/main" val="1204652253"/>
+        <p14:creationId xmlns:p14="http://schemas.microsoft.com/office/powerpoint/2010/main" val="3879779105"/>
       </p:ext>
     </p:extLst>
   </p:cSld>
@@ -757,7 +762,7 @@
           <a:p>
             <a:fld id="{3E09690F-D3E5-4E8F-AD4A-5CFF09FCF1A7}" type="slidenum">
               <a:rPr kumimoji="1" lang="ja-JP" altLang="en-US" smtClean="0"/>
-              <a:t>24</a:t>
+              <a:t>27</a:t>
             </a:fld>
             <a:endParaRPr kumimoji="1" lang="ja-JP" altLang="en-US"/>
           </a:p>
@@ -766,7 +771,7 @@
     </p:spTree>
     <p:extLst>
       <p:ext uri="{BB962C8B-B14F-4D97-AF65-F5344CB8AC3E}">
-        <p14:creationId xmlns:p14="http://schemas.microsoft.com/office/powerpoint/2010/main" val="2308555231"/>
+        <p14:creationId xmlns:p14="http://schemas.microsoft.com/office/powerpoint/2010/main" val="552774"/>
       </p:ext>
     </p:extLst>
   </p:cSld>
@@ -841,7 +846,7 @@
           <a:p>
             <a:fld id="{3E09690F-D3E5-4E8F-AD4A-5CFF09FCF1A7}" type="slidenum">
               <a:rPr kumimoji="1" lang="ja-JP" altLang="en-US" smtClean="0"/>
-              <a:t>25</a:t>
+              <a:t>28</a:t>
             </a:fld>
             <a:endParaRPr kumimoji="1" lang="ja-JP" altLang="en-US"/>
           </a:p>
@@ -850,7 +855,7 @@
     </p:spTree>
     <p:extLst>
       <p:ext uri="{BB962C8B-B14F-4D97-AF65-F5344CB8AC3E}">
-        <p14:creationId xmlns:p14="http://schemas.microsoft.com/office/powerpoint/2010/main" val="2970961455"/>
+        <p14:creationId xmlns:p14="http://schemas.microsoft.com/office/powerpoint/2010/main" val="1204652253"/>
       </p:ext>
     </p:extLst>
   </p:cSld>
@@ -925,7 +930,7 @@
           <a:p>
             <a:fld id="{3E09690F-D3E5-4E8F-AD4A-5CFF09FCF1A7}" type="slidenum">
               <a:rPr kumimoji="1" lang="ja-JP" altLang="en-US" smtClean="0"/>
-              <a:t>26</a:t>
+              <a:t>29</a:t>
             </a:fld>
             <a:endParaRPr kumimoji="1" lang="ja-JP" altLang="en-US"/>
           </a:p>
@@ -934,7 +939,7 @@
     </p:spTree>
     <p:extLst>
       <p:ext uri="{BB962C8B-B14F-4D97-AF65-F5344CB8AC3E}">
-        <p14:creationId xmlns:p14="http://schemas.microsoft.com/office/powerpoint/2010/main" val="4198393642"/>
+        <p14:creationId xmlns:p14="http://schemas.microsoft.com/office/powerpoint/2010/main" val="2308555231"/>
       </p:ext>
     </p:extLst>
   </p:cSld>
@@ -1009,7 +1014,7 @@
           <a:p>
             <a:fld id="{3E09690F-D3E5-4E8F-AD4A-5CFF09FCF1A7}" type="slidenum">
               <a:rPr kumimoji="1" lang="ja-JP" altLang="en-US" smtClean="0"/>
-              <a:t>28</a:t>
+              <a:t>30</a:t>
             </a:fld>
             <a:endParaRPr kumimoji="1" lang="ja-JP" altLang="en-US"/>
           </a:p>
@@ -1018,7 +1023,7 @@
     </p:spTree>
     <p:extLst>
       <p:ext uri="{BB962C8B-B14F-4D97-AF65-F5344CB8AC3E}">
-        <p14:creationId xmlns:p14="http://schemas.microsoft.com/office/powerpoint/2010/main" val="972245171"/>
+        <p14:creationId xmlns:p14="http://schemas.microsoft.com/office/powerpoint/2010/main" val="2970961455"/>
       </p:ext>
     </p:extLst>
   </p:cSld>
@@ -1093,7 +1098,259 @@
           <a:p>
             <a:fld id="{3E09690F-D3E5-4E8F-AD4A-5CFF09FCF1A7}" type="slidenum">
               <a:rPr kumimoji="1" lang="ja-JP" altLang="en-US" smtClean="0"/>
-              <a:t>29</a:t>
+              <a:t>31</a:t>
+            </a:fld>
+            <a:endParaRPr kumimoji="1" lang="ja-JP" altLang="en-US"/>
+          </a:p>
+        </p:txBody>
+      </p:sp>
+    </p:spTree>
+    <p:extLst>
+      <p:ext uri="{BB962C8B-B14F-4D97-AF65-F5344CB8AC3E}">
+        <p14:creationId xmlns:p14="http://schemas.microsoft.com/office/powerpoint/2010/main" val="4198393642"/>
+      </p:ext>
+    </p:extLst>
+  </p:cSld>
+  <p:clrMapOvr>
+    <a:masterClrMapping/>
+  </p:clrMapOvr>
+</p:notes>
+</file>
+
+<file path=ppt/notesSlides/notesSlide16.xml><?xml version="1.0" encoding="utf-8"?>
+<p:notes xmlns:a="http://schemas.openxmlformats.org/drawingml/2006/main" xmlns:r="http://schemas.openxmlformats.org/officeDocument/2006/relationships" xmlns:p="http://schemas.openxmlformats.org/presentationml/2006/main">
+  <p:cSld>
+    <p:spTree>
+      <p:nvGrpSpPr>
+        <p:cNvPr id="1" name=""/>
+        <p:cNvGrpSpPr/>
+        <p:nvPr/>
+      </p:nvGrpSpPr>
+      <p:grpSpPr>
+        <a:xfrm>
+          <a:off x="0" y="0"/>
+          <a:ext cx="0" cy="0"/>
+          <a:chOff x="0" y="0"/>
+          <a:chExt cx="0" cy="0"/>
+        </a:xfrm>
+      </p:grpSpPr>
+      <p:sp>
+        <p:nvSpPr>
+          <p:cNvPr id="2" name="スライド イメージ プレースホルダー 1"/>
+          <p:cNvSpPr>
+            <a:spLocks noGrp="1" noRot="1" noChangeAspect="1"/>
+          </p:cNvSpPr>
+          <p:nvPr>
+            <p:ph type="sldImg"/>
+          </p:nvPr>
+        </p:nvSpPr>
+        <p:spPr/>
+      </p:sp>
+      <p:sp>
+        <p:nvSpPr>
+          <p:cNvPr id="3" name="ノート プレースホルダー 2"/>
+          <p:cNvSpPr>
+            <a:spLocks noGrp="1"/>
+          </p:cNvSpPr>
+          <p:nvPr>
+            <p:ph type="body" idx="1"/>
+          </p:nvPr>
+        </p:nvSpPr>
+        <p:spPr/>
+        <p:txBody>
+          <a:bodyPr/>
+          <a:lstStyle/>
+          <a:p>
+            <a:endParaRPr kumimoji="1" lang="ja-JP" altLang="en-US" dirty="0"/>
+          </a:p>
+        </p:txBody>
+      </p:sp>
+      <p:sp>
+        <p:nvSpPr>
+          <p:cNvPr id="4" name="スライド番号プレースホルダー 3"/>
+          <p:cNvSpPr>
+            <a:spLocks noGrp="1"/>
+          </p:cNvSpPr>
+          <p:nvPr>
+            <p:ph type="sldNum" sz="quarter" idx="5"/>
+          </p:nvPr>
+        </p:nvSpPr>
+        <p:spPr/>
+        <p:txBody>
+          <a:bodyPr/>
+          <a:lstStyle/>
+          <a:p>
+            <a:fld id="{3E09690F-D3E5-4E8F-AD4A-5CFF09FCF1A7}" type="slidenum">
+              <a:rPr kumimoji="1" lang="ja-JP" altLang="en-US" smtClean="0"/>
+              <a:t>32</a:t>
+            </a:fld>
+            <a:endParaRPr kumimoji="1" lang="ja-JP" altLang="en-US"/>
+          </a:p>
+        </p:txBody>
+      </p:sp>
+    </p:spTree>
+    <p:extLst>
+      <p:ext uri="{BB962C8B-B14F-4D97-AF65-F5344CB8AC3E}">
+        <p14:creationId xmlns:p14="http://schemas.microsoft.com/office/powerpoint/2010/main" val="2379389067"/>
+      </p:ext>
+    </p:extLst>
+  </p:cSld>
+  <p:clrMapOvr>
+    <a:masterClrMapping/>
+  </p:clrMapOvr>
+</p:notes>
+</file>
+
+<file path=ppt/notesSlides/notesSlide17.xml><?xml version="1.0" encoding="utf-8"?>
+<p:notes xmlns:a="http://schemas.openxmlformats.org/drawingml/2006/main" xmlns:r="http://schemas.openxmlformats.org/officeDocument/2006/relationships" xmlns:p="http://schemas.openxmlformats.org/presentationml/2006/main">
+  <p:cSld>
+    <p:spTree>
+      <p:nvGrpSpPr>
+        <p:cNvPr id="1" name=""/>
+        <p:cNvGrpSpPr/>
+        <p:nvPr/>
+      </p:nvGrpSpPr>
+      <p:grpSpPr>
+        <a:xfrm>
+          <a:off x="0" y="0"/>
+          <a:ext cx="0" cy="0"/>
+          <a:chOff x="0" y="0"/>
+          <a:chExt cx="0" cy="0"/>
+        </a:xfrm>
+      </p:grpSpPr>
+      <p:sp>
+        <p:nvSpPr>
+          <p:cNvPr id="2" name="スライド イメージ プレースホルダー 1"/>
+          <p:cNvSpPr>
+            <a:spLocks noGrp="1" noRot="1" noChangeAspect="1"/>
+          </p:cNvSpPr>
+          <p:nvPr>
+            <p:ph type="sldImg"/>
+          </p:nvPr>
+        </p:nvSpPr>
+        <p:spPr/>
+      </p:sp>
+      <p:sp>
+        <p:nvSpPr>
+          <p:cNvPr id="3" name="ノート プレースホルダー 2"/>
+          <p:cNvSpPr>
+            <a:spLocks noGrp="1"/>
+          </p:cNvSpPr>
+          <p:nvPr>
+            <p:ph type="body" idx="1"/>
+          </p:nvPr>
+        </p:nvSpPr>
+        <p:spPr/>
+        <p:txBody>
+          <a:bodyPr/>
+          <a:lstStyle/>
+          <a:p>
+            <a:endParaRPr kumimoji="1" lang="ja-JP" altLang="en-US" dirty="0"/>
+          </a:p>
+        </p:txBody>
+      </p:sp>
+      <p:sp>
+        <p:nvSpPr>
+          <p:cNvPr id="4" name="スライド番号プレースホルダー 3"/>
+          <p:cNvSpPr>
+            <a:spLocks noGrp="1"/>
+          </p:cNvSpPr>
+          <p:nvPr>
+            <p:ph type="sldNum" sz="quarter" idx="5"/>
+          </p:nvPr>
+        </p:nvSpPr>
+        <p:spPr/>
+        <p:txBody>
+          <a:bodyPr/>
+          <a:lstStyle/>
+          <a:p>
+            <a:fld id="{3E09690F-D3E5-4E8F-AD4A-5CFF09FCF1A7}" type="slidenum">
+              <a:rPr kumimoji="1" lang="ja-JP" altLang="en-US" smtClean="0"/>
+              <a:t>33</a:t>
+            </a:fld>
+            <a:endParaRPr kumimoji="1" lang="ja-JP" altLang="en-US"/>
+          </a:p>
+        </p:txBody>
+      </p:sp>
+    </p:spTree>
+    <p:extLst>
+      <p:ext uri="{BB962C8B-B14F-4D97-AF65-F5344CB8AC3E}">
+        <p14:creationId xmlns:p14="http://schemas.microsoft.com/office/powerpoint/2010/main" val="972245171"/>
+      </p:ext>
+    </p:extLst>
+  </p:cSld>
+  <p:clrMapOvr>
+    <a:masterClrMapping/>
+  </p:clrMapOvr>
+</p:notes>
+</file>
+
+<file path=ppt/notesSlides/notesSlide18.xml><?xml version="1.0" encoding="utf-8"?>
+<p:notes xmlns:a="http://schemas.openxmlformats.org/drawingml/2006/main" xmlns:r="http://schemas.openxmlformats.org/officeDocument/2006/relationships" xmlns:p="http://schemas.openxmlformats.org/presentationml/2006/main">
+  <p:cSld>
+    <p:spTree>
+      <p:nvGrpSpPr>
+        <p:cNvPr id="1" name=""/>
+        <p:cNvGrpSpPr/>
+        <p:nvPr/>
+      </p:nvGrpSpPr>
+      <p:grpSpPr>
+        <a:xfrm>
+          <a:off x="0" y="0"/>
+          <a:ext cx="0" cy="0"/>
+          <a:chOff x="0" y="0"/>
+          <a:chExt cx="0" cy="0"/>
+        </a:xfrm>
+      </p:grpSpPr>
+      <p:sp>
+        <p:nvSpPr>
+          <p:cNvPr id="2" name="スライド イメージ プレースホルダー 1"/>
+          <p:cNvSpPr>
+            <a:spLocks noGrp="1" noRot="1" noChangeAspect="1"/>
+          </p:cNvSpPr>
+          <p:nvPr>
+            <p:ph type="sldImg"/>
+          </p:nvPr>
+        </p:nvSpPr>
+        <p:spPr/>
+      </p:sp>
+      <p:sp>
+        <p:nvSpPr>
+          <p:cNvPr id="3" name="ノート プレースホルダー 2"/>
+          <p:cNvSpPr>
+            <a:spLocks noGrp="1"/>
+          </p:cNvSpPr>
+          <p:nvPr>
+            <p:ph type="body" idx="1"/>
+          </p:nvPr>
+        </p:nvSpPr>
+        <p:spPr/>
+        <p:txBody>
+          <a:bodyPr/>
+          <a:lstStyle/>
+          <a:p>
+            <a:endParaRPr kumimoji="1" lang="ja-JP" altLang="en-US" dirty="0"/>
+          </a:p>
+        </p:txBody>
+      </p:sp>
+      <p:sp>
+        <p:nvSpPr>
+          <p:cNvPr id="4" name="スライド番号プレースホルダー 3"/>
+          <p:cNvSpPr>
+            <a:spLocks noGrp="1"/>
+          </p:cNvSpPr>
+          <p:nvPr>
+            <p:ph type="sldNum" sz="quarter" idx="5"/>
+          </p:nvPr>
+        </p:nvSpPr>
+        <p:spPr/>
+        <p:txBody>
+          <a:bodyPr/>
+          <a:lstStyle/>
+          <a:p>
+            <a:fld id="{3E09690F-D3E5-4E8F-AD4A-5CFF09FCF1A7}" type="slidenum">
+              <a:rPr kumimoji="1" lang="ja-JP" altLang="en-US" smtClean="0"/>
+              <a:t>34</a:t>
             </a:fld>
             <a:endParaRPr kumimoji="1" lang="ja-JP" altLang="en-US"/>
           </a:p>
@@ -1156,32 +1413,7 @@
           <a:bodyPr/>
           <a:lstStyle/>
           <a:p>
-            <a:r>
-              <a:rPr kumimoji="1" lang="ja-JP" altLang="en-US" dirty="0"/>
-              <a:t>シンプル＝シンプルなデザイン</a:t>
-            </a:r>
-            <a:endParaRPr kumimoji="1" lang="en-US" altLang="ja-JP" dirty="0"/>
-          </a:p>
-          <a:p>
-            <a:r>
-              <a:rPr kumimoji="1" lang="ja-JP" altLang="en-US" dirty="0"/>
-              <a:t>使いやすい＝利便性の向上につながる機能</a:t>
-            </a:r>
-            <a:endParaRPr kumimoji="1" lang="en-US" altLang="ja-JP" dirty="0"/>
-          </a:p>
-          <a:p>
-            <a:r>
-              <a:rPr kumimoji="1" lang="ja-JP" altLang="en-US" dirty="0"/>
-              <a:t>→これら</a:t>
-            </a:r>
-            <a:r>
-              <a:rPr kumimoji="1" lang="en-US" altLang="ja-JP" dirty="0"/>
-              <a:t>2</a:t>
-            </a:r>
-            <a:r>
-              <a:rPr kumimoji="1" lang="ja-JP" altLang="en-US" dirty="0"/>
-              <a:t>点について次のスライドから紹介していく</a:t>
-            </a:r>
+            <a:endParaRPr kumimoji="1" lang="ja-JP" altLang="en-US" dirty="0"/>
           </a:p>
         </p:txBody>
       </p:sp>
@@ -1202,7 +1434,7 @@
           <a:p>
             <a:fld id="{3E09690F-D3E5-4E8F-AD4A-5CFF09FCF1A7}" type="slidenum">
               <a:rPr kumimoji="1" lang="ja-JP" altLang="en-US" smtClean="0"/>
-              <a:t>7</a:t>
+              <a:t>4</a:t>
             </a:fld>
             <a:endParaRPr kumimoji="1" lang="ja-JP" altLang="en-US"/>
           </a:p>
@@ -1211,7 +1443,7 @@
     </p:spTree>
     <p:extLst>
       <p:ext uri="{BB962C8B-B14F-4D97-AF65-F5344CB8AC3E}">
-        <p14:creationId xmlns:p14="http://schemas.microsoft.com/office/powerpoint/2010/main" val="3824213757"/>
+        <p14:creationId xmlns:p14="http://schemas.microsoft.com/office/powerpoint/2010/main" val="1694635832"/>
       </p:ext>
     </p:extLst>
   </p:cSld>
@@ -1267,21 +1499,29 @@
           <a:p>
             <a:r>
               <a:rPr kumimoji="1" lang="ja-JP" altLang="en-US" dirty="0"/>
-              <a:t>デモンストレーションにて紹介</a:t>
+              <a:t>シンプル＝シンプルなデザイン</a:t>
             </a:r>
             <a:endParaRPr kumimoji="1" lang="en-US" altLang="ja-JP" dirty="0"/>
           </a:p>
           <a:p>
             <a:r>
               <a:rPr kumimoji="1" lang="ja-JP" altLang="en-US" dirty="0"/>
-              <a:t>デモ中に、その機能があることでどんな利便性の高さが実現できるか紹介</a:t>
+              <a:t>使いやすい＝利便性の向上につながる機能</a:t>
             </a:r>
             <a:endParaRPr kumimoji="1" lang="en-US" altLang="ja-JP" dirty="0"/>
           </a:p>
           <a:p>
             <a:r>
               <a:rPr kumimoji="1" lang="ja-JP" altLang="en-US" dirty="0"/>
-              <a:t>テンプレート昨日</a:t>
+              <a:t>→これら</a:t>
+            </a:r>
+            <a:r>
+              <a:rPr kumimoji="1" lang="en-US" altLang="ja-JP" dirty="0"/>
+              <a:t>2</a:t>
+            </a:r>
+            <a:r>
+              <a:rPr kumimoji="1" lang="ja-JP" altLang="en-US" dirty="0"/>
+              <a:t>点について次のスライドから紹介していく</a:t>
             </a:r>
           </a:p>
         </p:txBody>
@@ -1303,7 +1543,7 @@
           <a:p>
             <a:fld id="{3E09690F-D3E5-4E8F-AD4A-5CFF09FCF1A7}" type="slidenum">
               <a:rPr kumimoji="1" lang="ja-JP" altLang="en-US" smtClean="0"/>
-              <a:t>9</a:t>
+              <a:t>10</a:t>
             </a:fld>
             <a:endParaRPr kumimoji="1" lang="ja-JP" altLang="en-US"/>
           </a:p>
@@ -1312,7 +1552,7 @@
     </p:spTree>
     <p:extLst>
       <p:ext uri="{BB962C8B-B14F-4D97-AF65-F5344CB8AC3E}">
-        <p14:creationId xmlns:p14="http://schemas.microsoft.com/office/powerpoint/2010/main" val="4025642921"/>
+        <p14:creationId xmlns:p14="http://schemas.microsoft.com/office/powerpoint/2010/main" val="3824213757"/>
       </p:ext>
     </p:extLst>
   </p:cSld>
@@ -1368,7 +1608,21 @@
           <a:p>
             <a:r>
               <a:rPr kumimoji="1" lang="ja-JP" altLang="en-US" dirty="0"/>
-              <a:t>結果については別ボックスにしてアニメーションで後から出す</a:t>
+              <a:t>デモンストレーションにて紹介</a:t>
+            </a:r>
+            <a:endParaRPr kumimoji="1" lang="en-US" altLang="ja-JP" dirty="0"/>
+          </a:p>
+          <a:p>
+            <a:r>
+              <a:rPr kumimoji="1" lang="ja-JP" altLang="en-US" dirty="0"/>
+              <a:t>デモ中に、その機能があることでどんな利便性の高さが実現できるか紹介</a:t>
+            </a:r>
+            <a:endParaRPr kumimoji="1" lang="en-US" altLang="ja-JP" dirty="0"/>
+          </a:p>
+          <a:p>
+            <a:r>
+              <a:rPr kumimoji="1" lang="ja-JP" altLang="en-US" dirty="0"/>
+              <a:t>テンプレート昨日</a:t>
             </a:r>
           </a:p>
         </p:txBody>
@@ -1390,7 +1644,7 @@
           <a:p>
             <a:fld id="{3E09690F-D3E5-4E8F-AD4A-5CFF09FCF1A7}" type="slidenum">
               <a:rPr kumimoji="1" lang="ja-JP" altLang="en-US" smtClean="0"/>
-              <a:t>16</a:t>
+              <a:t>12</a:t>
             </a:fld>
             <a:endParaRPr kumimoji="1" lang="ja-JP" altLang="en-US"/>
           </a:p>
@@ -1399,7 +1653,7 @@
     </p:spTree>
     <p:extLst>
       <p:ext uri="{BB962C8B-B14F-4D97-AF65-F5344CB8AC3E}">
-        <p14:creationId xmlns:p14="http://schemas.microsoft.com/office/powerpoint/2010/main" val="27146478"/>
+        <p14:creationId xmlns:p14="http://schemas.microsoft.com/office/powerpoint/2010/main" val="4025642921"/>
       </p:ext>
     </p:extLst>
   </p:cSld>
@@ -1474,7 +1728,7 @@
           <a:p>
             <a:fld id="{3E09690F-D3E5-4E8F-AD4A-5CFF09FCF1A7}" type="slidenum">
               <a:rPr kumimoji="1" lang="ja-JP" altLang="en-US" smtClean="0"/>
-              <a:t>17</a:t>
+              <a:t>19</a:t>
             </a:fld>
             <a:endParaRPr kumimoji="1" lang="ja-JP" altLang="en-US"/>
           </a:p>
@@ -1483,7 +1737,7 @@
     </p:spTree>
     <p:extLst>
       <p:ext uri="{BB962C8B-B14F-4D97-AF65-F5344CB8AC3E}">
-        <p14:creationId xmlns:p14="http://schemas.microsoft.com/office/powerpoint/2010/main" val="2275391573"/>
+        <p14:creationId xmlns:p14="http://schemas.microsoft.com/office/powerpoint/2010/main" val="2285308803"/>
       </p:ext>
     </p:extLst>
   </p:cSld>
@@ -1539,7 +1793,7 @@
           <a:p>
             <a:r>
               <a:rPr kumimoji="1" lang="ja-JP" altLang="en-US" dirty="0"/>
-              <a:t>①②仲間に作業報告する場を頻繁に設けることで、各自が担当する作業の現状を的確に把握し、助けが必要な際には自分で仲間に依頼する、という主体的行動につながった。</a:t>
+              <a:t>結果については別ボックスにしてアニメーションで後から出す</a:t>
             </a:r>
           </a:p>
         </p:txBody>
@@ -1561,7 +1815,7 @@
           <a:p>
             <a:fld id="{3E09690F-D3E5-4E8F-AD4A-5CFF09FCF1A7}" type="slidenum">
               <a:rPr kumimoji="1" lang="ja-JP" altLang="en-US" smtClean="0"/>
-              <a:t>18</a:t>
+              <a:t>20</a:t>
             </a:fld>
             <a:endParaRPr kumimoji="1" lang="ja-JP" altLang="en-US"/>
           </a:p>
@@ -1570,7 +1824,7 @@
     </p:spTree>
     <p:extLst>
       <p:ext uri="{BB962C8B-B14F-4D97-AF65-F5344CB8AC3E}">
-        <p14:creationId xmlns:p14="http://schemas.microsoft.com/office/powerpoint/2010/main" val="2427096512"/>
+        <p14:creationId xmlns:p14="http://schemas.microsoft.com/office/powerpoint/2010/main" val="27146478"/>
       </p:ext>
     </p:extLst>
   </p:cSld>
@@ -1645,7 +1899,7 @@
           <a:p>
             <a:fld id="{3E09690F-D3E5-4E8F-AD4A-5CFF09FCF1A7}" type="slidenum">
               <a:rPr kumimoji="1" lang="ja-JP" altLang="en-US" smtClean="0"/>
-              <a:t>19</a:t>
+              <a:t>21</a:t>
             </a:fld>
             <a:endParaRPr kumimoji="1" lang="ja-JP" altLang="en-US"/>
           </a:p>
@@ -1654,7 +1908,7 @@
     </p:spTree>
     <p:extLst>
       <p:ext uri="{BB962C8B-B14F-4D97-AF65-F5344CB8AC3E}">
-        <p14:creationId xmlns:p14="http://schemas.microsoft.com/office/powerpoint/2010/main" val="1391051691"/>
+        <p14:creationId xmlns:p14="http://schemas.microsoft.com/office/powerpoint/2010/main" val="2275391573"/>
       </p:ext>
     </p:extLst>
   </p:cSld>
@@ -1708,7 +1962,10 @@
           <a:bodyPr/>
           <a:lstStyle/>
           <a:p>
-            <a:endParaRPr kumimoji="1" lang="ja-JP" altLang="en-US" dirty="0"/>
+            <a:r>
+              <a:rPr kumimoji="1" lang="ja-JP" altLang="en-US" dirty="0"/>
+              <a:t>①②仲間に作業報告する場を頻繁に設けることで、各自が担当する作業の現状を的確に把握し、助けが必要な際には自分で仲間に依頼する、という主体的行動につながった。</a:t>
+            </a:r>
           </a:p>
         </p:txBody>
       </p:sp>
@@ -1729,7 +1986,7 @@
           <a:p>
             <a:fld id="{3E09690F-D3E5-4E8F-AD4A-5CFF09FCF1A7}" type="slidenum">
               <a:rPr kumimoji="1" lang="ja-JP" altLang="en-US" smtClean="0"/>
-              <a:t>20</a:t>
+              <a:t>22</a:t>
             </a:fld>
             <a:endParaRPr kumimoji="1" lang="ja-JP" altLang="en-US"/>
           </a:p>
@@ -1738,7 +1995,7 @@
     </p:spTree>
     <p:extLst>
       <p:ext uri="{BB962C8B-B14F-4D97-AF65-F5344CB8AC3E}">
-        <p14:creationId xmlns:p14="http://schemas.microsoft.com/office/powerpoint/2010/main" val="3879779105"/>
+        <p14:creationId xmlns:p14="http://schemas.microsoft.com/office/powerpoint/2010/main" val="2427096512"/>
       </p:ext>
     </p:extLst>
   </p:cSld>
@@ -1813,7 +2070,7 @@
           <a:p>
             <a:fld id="{3E09690F-D3E5-4E8F-AD4A-5CFF09FCF1A7}" type="slidenum">
               <a:rPr kumimoji="1" lang="ja-JP" altLang="en-US" smtClean="0"/>
-              <a:t>22</a:t>
+              <a:t>23</a:t>
             </a:fld>
             <a:endParaRPr kumimoji="1" lang="ja-JP" altLang="en-US"/>
           </a:p>
@@ -1822,7 +2079,7 @@
     </p:spTree>
     <p:extLst>
       <p:ext uri="{BB962C8B-B14F-4D97-AF65-F5344CB8AC3E}">
-        <p14:creationId xmlns:p14="http://schemas.microsoft.com/office/powerpoint/2010/main" val="552774"/>
+        <p14:creationId xmlns:p14="http://schemas.microsoft.com/office/powerpoint/2010/main" val="1391051691"/>
       </p:ext>
     </p:extLst>
   </p:cSld>
@@ -2056,7 +2313,7 @@
           <a:p>
             <a:fld id="{8CDA64B4-71C7-4A8E-85E0-82D458E45FBE}" type="datetimeFigureOut">
               <a:rPr kumimoji="1" lang="ja-JP" altLang="en-US" smtClean="0"/>
-              <a:t>2021/6/25</a:t>
+              <a:t>2021/6/28</a:t>
             </a:fld>
             <a:endParaRPr kumimoji="1" lang="ja-JP" altLang="en-US"/>
           </a:p>
@@ -2258,7 +2515,7 @@
           <a:p>
             <a:fld id="{8CDA64B4-71C7-4A8E-85E0-82D458E45FBE}" type="datetimeFigureOut">
               <a:rPr kumimoji="1" lang="ja-JP" altLang="en-US" smtClean="0"/>
-              <a:t>2021/6/25</a:t>
+              <a:t>2021/6/28</a:t>
             </a:fld>
             <a:endParaRPr kumimoji="1" lang="ja-JP" altLang="en-US"/>
           </a:p>
@@ -2470,7 +2727,7 @@
           <a:p>
             <a:fld id="{8CDA64B4-71C7-4A8E-85E0-82D458E45FBE}" type="datetimeFigureOut">
               <a:rPr kumimoji="1" lang="ja-JP" altLang="en-US" smtClean="0"/>
-              <a:t>2021/6/25</a:t>
+              <a:t>2021/6/28</a:t>
             </a:fld>
             <a:endParaRPr kumimoji="1" lang="ja-JP" altLang="en-US"/>
           </a:p>
@@ -2672,7 +2929,7 @@
           <a:p>
             <a:fld id="{8CDA64B4-71C7-4A8E-85E0-82D458E45FBE}" type="datetimeFigureOut">
               <a:rPr kumimoji="1" lang="ja-JP" altLang="en-US" smtClean="0"/>
-              <a:t>2021/6/25</a:t>
+              <a:t>2021/6/28</a:t>
             </a:fld>
             <a:endParaRPr kumimoji="1" lang="ja-JP" altLang="en-US"/>
           </a:p>
@@ -2930,7 +3187,7 @@
           <a:p>
             <a:fld id="{8CDA64B4-71C7-4A8E-85E0-82D458E45FBE}" type="datetimeFigureOut">
               <a:rPr kumimoji="1" lang="ja-JP" altLang="en-US" smtClean="0"/>
-              <a:t>2021/6/25</a:t>
+              <a:t>2021/6/28</a:t>
             </a:fld>
             <a:endParaRPr kumimoji="1" lang="ja-JP" altLang="en-US"/>
           </a:p>
@@ -3282,7 +3539,7 @@
           <a:p>
             <a:fld id="{8CDA64B4-71C7-4A8E-85E0-82D458E45FBE}" type="datetimeFigureOut">
               <a:rPr kumimoji="1" lang="ja-JP" altLang="en-US" smtClean="0"/>
-              <a:t>2021/6/25</a:t>
+              <a:t>2021/6/28</a:t>
             </a:fld>
             <a:endParaRPr kumimoji="1" lang="ja-JP" altLang="en-US"/>
           </a:p>
@@ -3788,7 +4045,7 @@
           <a:p>
             <a:fld id="{8CDA64B4-71C7-4A8E-85E0-82D458E45FBE}" type="datetimeFigureOut">
               <a:rPr kumimoji="1" lang="ja-JP" altLang="en-US" smtClean="0"/>
-              <a:t>2021/6/25</a:t>
+              <a:t>2021/6/28</a:t>
             </a:fld>
             <a:endParaRPr kumimoji="1" lang="ja-JP" altLang="en-US"/>
           </a:p>
@@ -3906,7 +4163,7 @@
           <a:p>
             <a:fld id="{8CDA64B4-71C7-4A8E-85E0-82D458E45FBE}" type="datetimeFigureOut">
               <a:rPr kumimoji="1" lang="ja-JP" altLang="en-US" smtClean="0"/>
-              <a:t>2021/6/25</a:t>
+              <a:t>2021/6/28</a:t>
             </a:fld>
             <a:endParaRPr kumimoji="1" lang="ja-JP" altLang="en-US"/>
           </a:p>
@@ -4001,7 +4258,7 @@
           <a:p>
             <a:fld id="{8CDA64B4-71C7-4A8E-85E0-82D458E45FBE}" type="datetimeFigureOut">
               <a:rPr kumimoji="1" lang="ja-JP" altLang="en-US" smtClean="0"/>
-              <a:t>2021/6/25</a:t>
+              <a:t>2021/6/28</a:t>
             </a:fld>
             <a:endParaRPr kumimoji="1" lang="ja-JP" altLang="en-US"/>
           </a:p>
@@ -4321,7 +4578,7 @@
           <a:p>
             <a:fld id="{8CDA64B4-71C7-4A8E-85E0-82D458E45FBE}" type="datetimeFigureOut">
               <a:rPr kumimoji="1" lang="ja-JP" altLang="en-US" smtClean="0"/>
-              <a:t>2021/6/25</a:t>
+              <a:t>2021/6/28</a:t>
             </a:fld>
             <a:endParaRPr kumimoji="1" lang="ja-JP" altLang="en-US"/>
           </a:p>
@@ -4594,7 +4851,7 @@
           <a:p>
             <a:fld id="{8CDA64B4-71C7-4A8E-85E0-82D458E45FBE}" type="datetimeFigureOut">
               <a:rPr kumimoji="1" lang="ja-JP" altLang="en-US" smtClean="0"/>
-              <a:t>2021/6/25</a:t>
+              <a:t>2021/6/28</a:t>
             </a:fld>
             <a:endParaRPr kumimoji="1" lang="ja-JP" altLang="en-US"/>
           </a:p>
@@ -4923,7 +5180,7 @@
           <a:p>
             <a:fld id="{8CDA64B4-71C7-4A8E-85E0-82D458E45FBE}" type="datetimeFigureOut">
               <a:rPr kumimoji="1" lang="ja-JP" altLang="en-US" smtClean="0"/>
-              <a:t>2021/6/25</a:t>
+              <a:t>2021/6/28</a:t>
             </a:fld>
             <a:endParaRPr kumimoji="1" lang="ja-JP" altLang="en-US"/>
           </a:p>
@@ -5471,7 +5728,7 @@
           <a:p>
             <a:r>
               <a:rPr kumimoji="1" lang="ja-JP" altLang="en-US" sz="2800" b="1" dirty="0"/>
-              <a:t>発表者：</a:t>
+              <a:t>発表者：富士山ファミリー（</a:t>
             </a:r>
             <a:r>
               <a:rPr kumimoji="1" lang="en-US" altLang="ja-JP" sz="2800" b="1" dirty="0"/>
@@ -5479,7 +5736,7 @@
             </a:r>
             <a:r>
               <a:rPr kumimoji="1" lang="ja-JP" altLang="en-US" sz="2800" b="1" dirty="0"/>
-              <a:t>チーム</a:t>
+              <a:t>）</a:t>
             </a:r>
             <a:endParaRPr kumimoji="1" lang="en-US" altLang="ja-JP" sz="2800" b="1" dirty="0"/>
           </a:p>
@@ -5493,10 +5750,10 @@
       </p:sp>
       <p:pic>
         <p:nvPicPr>
-          <p:cNvPr id="7" name="図 6" descr="アイコン&#10;&#10;自動的に生成された説明">
+          <p:cNvPr id="5" name="図 4" descr="アイコン&#10;&#10;自動的に生成された説明">
             <a:extLst>
               <a:ext uri="{FF2B5EF4-FFF2-40B4-BE49-F238E27FC236}">
-                <a16:creationId xmlns:a16="http://schemas.microsoft.com/office/drawing/2014/main" id="{8723424F-5ADD-4F2F-B3C9-ED3DC790A563}"/>
+                <a16:creationId xmlns:a16="http://schemas.microsoft.com/office/drawing/2014/main" id="{B92A0DF3-3E51-4786-9F6E-3FEEAFAA0A61}"/>
               </a:ext>
             </a:extLst>
           </p:cNvPr>
@@ -5507,12 +5764,10 @@
         </p:nvPicPr>
         <p:blipFill>
           <a:blip r:embed="rId2">
+            <a:alphaModFix amt="85000"/>
             <a:extLst>
               <a:ext uri="{28A0092B-C50C-407E-A947-70E740481C1C}">
                 <a14:useLocalDpi xmlns:a14="http://schemas.microsoft.com/office/drawing/2010/main" val="0"/>
-              </a:ext>
-              <a:ext uri="{837473B0-CC2E-450A-ABE3-18F120FF3D39}">
-                <a1611:picAttrSrcUrl xmlns:a1611="http://schemas.microsoft.com/office/drawing/2016/11/main" r:id="rId3"/>
               </a:ext>
             </a:extLst>
           </a:blip>
@@ -5522,8 +5777,8 @@
         </p:blipFill>
         <p:spPr>
           <a:xfrm>
-            <a:off x="9153525" y="3819525"/>
-            <a:ext cx="3038475" cy="3038475"/>
+            <a:off x="9466729" y="5262949"/>
+            <a:ext cx="2725271" cy="1469817"/>
           </a:xfrm>
           <a:prstGeom prst="rect">
             <a:avLst/>
@@ -5544,6 +5799,817 @@
 </file>
 
 <file path=ppt/slides/slide10.xml><?xml version="1.0" encoding="utf-8"?>
+<p:sld xmlns:a="http://schemas.openxmlformats.org/drawingml/2006/main" xmlns:r="http://schemas.openxmlformats.org/officeDocument/2006/relationships" xmlns:p="http://schemas.openxmlformats.org/presentationml/2006/main">
+  <p:cSld>
+    <p:spTree>
+      <p:nvGrpSpPr>
+        <p:cNvPr id="1" name=""/>
+        <p:cNvGrpSpPr/>
+        <p:nvPr/>
+      </p:nvGrpSpPr>
+      <p:grpSpPr>
+        <a:xfrm>
+          <a:off x="0" y="0"/>
+          <a:ext cx="0" cy="0"/>
+          <a:chOff x="0" y="0"/>
+          <a:chExt cx="0" cy="0"/>
+        </a:xfrm>
+      </p:grpSpPr>
+      <p:sp>
+        <p:nvSpPr>
+          <p:cNvPr id="2" name="タイトル 1">
+            <a:extLst>
+              <a:ext uri="{FF2B5EF4-FFF2-40B4-BE49-F238E27FC236}">
+                <a16:creationId xmlns:a16="http://schemas.microsoft.com/office/drawing/2014/main" id="{11FF109B-1A52-4682-9479-0DCAC48B3C35}"/>
+              </a:ext>
+            </a:extLst>
+          </p:cNvPr>
+          <p:cNvSpPr>
+            <a:spLocks noGrp="1"/>
+          </p:cNvSpPr>
+          <p:nvPr>
+            <p:ph type="title"/>
+          </p:nvPr>
+        </p:nvSpPr>
+        <p:spPr/>
+        <p:txBody>
+          <a:bodyPr/>
+          <a:lstStyle/>
+          <a:p>
+            <a:r>
+              <a:rPr kumimoji="1" lang="ja-JP" altLang="en-US" dirty="0">
+                <a:solidFill>
+                  <a:schemeClr val="bg1"/>
+                </a:solidFill>
+              </a:rPr>
+              <a:t>システムの</a:t>
+            </a:r>
+            <a:br>
+              <a:rPr kumimoji="1" lang="en-US" altLang="ja-JP" dirty="0">
+                <a:solidFill>
+                  <a:schemeClr val="bg1"/>
+                </a:solidFill>
+              </a:rPr>
+            </a:br>
+            <a:r>
+              <a:rPr kumimoji="1" lang="ja-JP" altLang="en-US" dirty="0">
+                <a:solidFill>
+                  <a:schemeClr val="bg1"/>
+                </a:solidFill>
+              </a:rPr>
+              <a:t>コンセプト</a:t>
+            </a:r>
+          </a:p>
+        </p:txBody>
+      </p:sp>
+      <p:sp>
+        <p:nvSpPr>
+          <p:cNvPr id="3" name="コンテンツ プレースホルダー 2">
+            <a:extLst>
+              <a:ext uri="{FF2B5EF4-FFF2-40B4-BE49-F238E27FC236}">
+                <a16:creationId xmlns:a16="http://schemas.microsoft.com/office/drawing/2014/main" id="{E23551B5-FD73-4043-9D9D-F069178EC83A}"/>
+              </a:ext>
+            </a:extLst>
+          </p:cNvPr>
+          <p:cNvSpPr>
+            <a:spLocks noGrp="1"/>
+          </p:cNvSpPr>
+          <p:nvPr>
+            <p:ph idx="1"/>
+          </p:nvPr>
+        </p:nvSpPr>
+        <p:spPr>
+          <a:xfrm>
+            <a:off x="3828510" y="2816777"/>
+            <a:ext cx="7484532" cy="1215301"/>
+          </a:xfrm>
+        </p:spPr>
+        <p:txBody>
+          <a:bodyPr>
+            <a:normAutofit/>
+          </a:bodyPr>
+          <a:lstStyle/>
+          <a:p>
+            <a:pPr marL="0" indent="0">
+              <a:buNone/>
+            </a:pPr>
+            <a:r>
+              <a:rPr kumimoji="1" lang="ja-JP" altLang="en-US" sz="4000" b="1" i="1" dirty="0"/>
+              <a:t>シンプルで使いやすいシステム</a:t>
+            </a:r>
+          </a:p>
+        </p:txBody>
+      </p:sp>
+      <p:pic>
+        <p:nvPicPr>
+          <p:cNvPr id="4" name="図 3" descr="アイコン&#10;&#10;自動的に生成された説明">
+            <a:extLst>
+              <a:ext uri="{FF2B5EF4-FFF2-40B4-BE49-F238E27FC236}">
+                <a16:creationId xmlns:a16="http://schemas.microsoft.com/office/drawing/2014/main" id="{F80B5929-9B90-4E9C-B9E6-44E443331DB5}"/>
+              </a:ext>
+            </a:extLst>
+          </p:cNvPr>
+          <p:cNvPicPr>
+            <a:picLocks noChangeAspect="1"/>
+          </p:cNvPicPr>
+          <p:nvPr/>
+        </p:nvPicPr>
+        <p:blipFill>
+          <a:blip r:embed="rId3">
+            <a:alphaModFix amt="85000"/>
+            <a:extLst>
+              <a:ext uri="{28A0092B-C50C-407E-A947-70E740481C1C}">
+                <a14:useLocalDpi xmlns:a14="http://schemas.microsoft.com/office/drawing/2010/main" val="0"/>
+              </a:ext>
+            </a:extLst>
+          </a:blip>
+          <a:stretch>
+            <a:fillRect/>
+          </a:stretch>
+        </p:blipFill>
+        <p:spPr>
+          <a:xfrm>
+            <a:off x="9466729" y="5262949"/>
+            <a:ext cx="2725271" cy="1469817"/>
+          </a:xfrm>
+          <a:prstGeom prst="rect">
+            <a:avLst/>
+          </a:prstGeom>
+        </p:spPr>
+      </p:pic>
+    </p:spTree>
+    <p:extLst>
+      <p:ext uri="{BB962C8B-B14F-4D97-AF65-F5344CB8AC3E}">
+        <p14:creationId xmlns:p14="http://schemas.microsoft.com/office/powerpoint/2010/main" val="1216690026"/>
+      </p:ext>
+    </p:extLst>
+  </p:cSld>
+  <p:clrMapOvr>
+    <a:masterClrMapping/>
+  </p:clrMapOvr>
+  <p:timing>
+    <p:tnLst>
+      <p:par>
+        <p:cTn id="1" dur="indefinite" restart="never" nodeType="tmRoot">
+          <p:childTnLst>
+            <p:seq concurrent="1" nextAc="seek">
+              <p:cTn id="2" dur="indefinite" nodeType="mainSeq">
+                <p:childTnLst>
+                  <p:par>
+                    <p:cTn id="3" fill="hold">
+                      <p:stCondLst>
+                        <p:cond delay="indefinite"/>
+                      </p:stCondLst>
+                      <p:childTnLst>
+                        <p:par>
+                          <p:cTn id="4" fill="hold">
+                            <p:stCondLst>
+                              <p:cond delay="0"/>
+                            </p:stCondLst>
+                            <p:childTnLst>
+                              <p:par>
+                                <p:cTn id="5" presetID="22" presetClass="entr" presetSubtype="4" fill="hold" grpId="0" nodeType="clickEffect">
+                                  <p:stCondLst>
+                                    <p:cond delay="0"/>
+                                  </p:stCondLst>
+                                  <p:childTnLst>
+                                    <p:set>
+                                      <p:cBhvr>
+                                        <p:cTn id="6" dur="1" fill="hold">
+                                          <p:stCondLst>
+                                            <p:cond delay="0"/>
+                                          </p:stCondLst>
+                                        </p:cTn>
+                                        <p:tgtEl>
+                                          <p:spTgt spid="3">
+                                            <p:txEl>
+                                              <p:pRg st="0" end="0"/>
+                                            </p:txEl>
+                                          </p:spTgt>
+                                        </p:tgtEl>
+                                        <p:attrNameLst>
+                                          <p:attrName>style.visibility</p:attrName>
+                                        </p:attrNameLst>
+                                      </p:cBhvr>
+                                      <p:to>
+                                        <p:strVal val="visible"/>
+                                      </p:to>
+                                    </p:set>
+                                    <p:animEffect transition="in" filter="wipe(down)">
+                                      <p:cBhvr>
+                                        <p:cTn id="7" dur="500"/>
+                                        <p:tgtEl>
+                                          <p:spTgt spid="3">
+                                            <p:txEl>
+                                              <p:pRg st="0" end="0"/>
+                                            </p:txEl>
+                                          </p:spTgt>
+                                        </p:tgtEl>
+                                      </p:cBhvr>
+                                    </p:animEffect>
+                                  </p:childTnLst>
+                                </p:cTn>
+                              </p:par>
+                            </p:childTnLst>
+                          </p:cTn>
+                        </p:par>
+                      </p:childTnLst>
+                    </p:cTn>
+                  </p:par>
+                </p:childTnLst>
+              </p:cTn>
+              <p:prevCondLst>
+                <p:cond evt="onPrev" delay="0">
+                  <p:tgtEl>
+                    <p:sldTgt/>
+                  </p:tgtEl>
+                </p:cond>
+              </p:prevCondLst>
+              <p:nextCondLst>
+                <p:cond evt="onNext" delay="0">
+                  <p:tgtEl>
+                    <p:sldTgt/>
+                  </p:tgtEl>
+                </p:cond>
+              </p:nextCondLst>
+            </p:seq>
+          </p:childTnLst>
+        </p:cTn>
+      </p:par>
+    </p:tnLst>
+    <p:bldLst>
+      <p:bldP spid="3" grpId="0" build="p"/>
+    </p:bldLst>
+  </p:timing>
+</p:sld>
+</file>
+
+<file path=ppt/slides/slide11.xml><?xml version="1.0" encoding="utf-8"?>
+<p:sld xmlns:a="http://schemas.openxmlformats.org/drawingml/2006/main" xmlns:r="http://schemas.openxmlformats.org/officeDocument/2006/relationships" xmlns:p="http://schemas.openxmlformats.org/presentationml/2006/main">
+  <p:cSld>
+    <p:bg>
+      <p:bgPr>
+        <a:solidFill>
+          <a:schemeClr val="bg1"/>
+        </a:solidFill>
+        <a:effectLst/>
+      </p:bgPr>
+    </p:bg>
+    <p:spTree>
+      <p:nvGrpSpPr>
+        <p:cNvPr id="1" name=""/>
+        <p:cNvGrpSpPr/>
+        <p:nvPr/>
+      </p:nvGrpSpPr>
+      <p:grpSpPr>
+        <a:xfrm>
+          <a:off x="0" y="0"/>
+          <a:ext cx="0" cy="0"/>
+          <a:chOff x="0" y="0"/>
+          <a:chExt cx="0" cy="0"/>
+        </a:xfrm>
+      </p:grpSpPr>
+      <p:sp>
+        <p:nvSpPr>
+          <p:cNvPr id="10" name="Rectangle 9">
+            <a:extLst>
+              <a:ext uri="{FF2B5EF4-FFF2-40B4-BE49-F238E27FC236}">
+                <a16:creationId xmlns:a16="http://schemas.microsoft.com/office/drawing/2014/main" id="{DB8424AB-D56B-4256-866A-5B54DE93C20F}"/>
+              </a:ext>
+              <a:ext uri="{C183D7F6-B498-43B3-948B-1728B52AA6E4}">
+                <adec:decorative xmlns:adec="http://schemas.microsoft.com/office/drawing/2017/decorative" val="1"/>
+              </a:ext>
+            </a:extLst>
+          </p:cNvPr>
+          <p:cNvSpPr>
+            <a:spLocks noGrp="1" noRot="1" noChangeAspect="1" noMove="1" noResize="1" noEditPoints="1" noAdjustHandles="1" noChangeArrowheads="1" noChangeShapeType="1" noTextEdit="1"/>
+          </p:cNvSpPr>
+          <p:nvPr>
+            <p:extLst>
+              <p:ext uri="{386F3935-93C4-4BCD-93E2-E3B085C9AB24}">
+                <p16:designElem xmlns:p16="http://schemas.microsoft.com/office/powerpoint/2015/main" val="1"/>
+              </p:ext>
+            </p:extLst>
+          </p:nvPr>
+        </p:nvSpPr>
+        <p:spPr>
+          <a:xfrm>
+            <a:off x="0" y="761999"/>
+            <a:ext cx="9141619" cy="5334001"/>
+          </a:xfrm>
+          <a:prstGeom prst="rect">
+            <a:avLst/>
+          </a:prstGeom>
+          <a:solidFill>
+            <a:schemeClr val="accent1"/>
+          </a:solidFill>
+          <a:ln>
+            <a:noFill/>
+          </a:ln>
+        </p:spPr>
+        <p:style>
+          <a:lnRef idx="2">
+            <a:schemeClr val="accent1">
+              <a:shade val="50000"/>
+            </a:schemeClr>
+          </a:lnRef>
+          <a:fillRef idx="1">
+            <a:schemeClr val="accent1"/>
+          </a:fillRef>
+          <a:effectRef idx="0">
+            <a:schemeClr val="accent1"/>
+          </a:effectRef>
+          <a:fontRef idx="minor">
+            <a:schemeClr val="lt1"/>
+          </a:fontRef>
+        </p:style>
+      </p:sp>
+      <p:sp>
+        <p:nvSpPr>
+          <p:cNvPr id="12" name="Rectangle 11">
+            <a:extLst>
+              <a:ext uri="{FF2B5EF4-FFF2-40B4-BE49-F238E27FC236}">
+                <a16:creationId xmlns:a16="http://schemas.microsoft.com/office/drawing/2014/main" id="{FC999C28-AD33-4EB7-A5F1-C06D10A5FDF7}"/>
+              </a:ext>
+              <a:ext uri="{C183D7F6-B498-43B3-948B-1728B52AA6E4}">
+                <adec:decorative xmlns:adec="http://schemas.microsoft.com/office/drawing/2017/decorative" val="1"/>
+              </a:ext>
+            </a:extLst>
+          </p:cNvPr>
+          <p:cNvSpPr>
+            <a:spLocks noGrp="1" noRot="1" noChangeAspect="1" noMove="1" noResize="1" noEditPoints="1" noAdjustHandles="1" noChangeArrowheads="1" noChangeShapeType="1" noTextEdit="1"/>
+          </p:cNvSpPr>
+          <p:nvPr>
+            <p:extLst>
+              <p:ext uri="{386F3935-93C4-4BCD-93E2-E3B085C9AB24}">
+                <p16:designElem xmlns:p16="http://schemas.microsoft.com/office/powerpoint/2015/main" val="1"/>
+              </p:ext>
+            </p:extLst>
+          </p:nvPr>
+        </p:nvSpPr>
+        <p:spPr>
+          <a:xfrm>
+            <a:off x="9270263" y="761999"/>
+            <a:ext cx="2925318" cy="5334001"/>
+          </a:xfrm>
+          <a:prstGeom prst="rect">
+            <a:avLst/>
+          </a:prstGeom>
+          <a:solidFill>
+            <a:srgbClr val="C8C8C8">
+              <a:alpha val="49804"/>
+            </a:srgbClr>
+          </a:solidFill>
+          <a:ln>
+            <a:noFill/>
+          </a:ln>
+        </p:spPr>
+        <p:style>
+          <a:lnRef idx="2">
+            <a:schemeClr val="accent1">
+              <a:shade val="50000"/>
+            </a:schemeClr>
+          </a:lnRef>
+          <a:fillRef idx="1">
+            <a:schemeClr val="accent1"/>
+          </a:fillRef>
+          <a:effectRef idx="0">
+            <a:schemeClr val="accent1"/>
+          </a:effectRef>
+          <a:fontRef idx="minor">
+            <a:schemeClr val="lt1"/>
+          </a:fontRef>
+        </p:style>
+      </p:sp>
+      <p:sp useBgFill="1">
+        <p:nvSpPr>
+          <p:cNvPr id="14" name="Rectangle 13">
+            <a:extLst>
+              <a:ext uri="{FF2B5EF4-FFF2-40B4-BE49-F238E27FC236}">
+                <a16:creationId xmlns:a16="http://schemas.microsoft.com/office/drawing/2014/main" id="{9203ABB4-7E2A-4248-9FE7-4A419AFF2F17}"/>
+              </a:ext>
+              <a:ext uri="{C183D7F6-B498-43B3-948B-1728B52AA6E4}">
+                <adec:decorative xmlns:adec="http://schemas.microsoft.com/office/drawing/2017/decorative" val="1"/>
+              </a:ext>
+            </a:extLst>
+          </p:cNvPr>
+          <p:cNvSpPr>
+            <a:spLocks noGrp="1" noRot="1" noChangeAspect="1" noMove="1" noResize="1" noEditPoints="1" noAdjustHandles="1" noChangeArrowheads="1" noChangeShapeType="1" noTextEdit="1"/>
+          </p:cNvSpPr>
+          <p:nvPr>
+            <p:extLst>
+              <p:ext uri="{386F3935-93C4-4BCD-93E2-E3B085C9AB24}">
+                <p16:designElem xmlns:p16="http://schemas.microsoft.com/office/powerpoint/2015/main" val="1"/>
+              </p:ext>
+            </p:extLst>
+          </p:nvPr>
+        </p:nvSpPr>
+        <p:spPr>
+          <a:xfrm>
+            <a:off x="0" y="0"/>
+            <a:ext cx="12191999" cy="6858000"/>
+          </a:xfrm>
+          <a:prstGeom prst="rect">
+            <a:avLst/>
+          </a:prstGeom>
+          <a:ln>
+            <a:noFill/>
+          </a:ln>
+        </p:spPr>
+        <p:style>
+          <a:lnRef idx="2">
+            <a:schemeClr val="accent1">
+              <a:shade val="50000"/>
+            </a:schemeClr>
+          </a:lnRef>
+          <a:fillRef idx="1">
+            <a:schemeClr val="accent1"/>
+          </a:fillRef>
+          <a:effectRef idx="0">
+            <a:schemeClr val="accent1"/>
+          </a:effectRef>
+          <a:fontRef idx="minor">
+            <a:schemeClr val="lt1"/>
+          </a:fontRef>
+        </p:style>
+        <p:txBody>
+          <a:bodyPr rtlCol="0" anchor="ctr"/>
+          <a:lstStyle/>
+          <a:p>
+            <a:pPr marL="0" marR="0" lvl="0" indent="0" algn="ctr" defTabSz="457200" rtl="0" eaLnBrk="1" fontAlgn="auto" latinLnBrk="0" hangingPunct="1">
+              <a:lnSpc>
+                <a:spcPct val="100000"/>
+              </a:lnSpc>
+              <a:spcBef>
+                <a:spcPts val="0"/>
+              </a:spcBef>
+              <a:spcAft>
+                <a:spcPts val="0"/>
+              </a:spcAft>
+              <a:buClrTx/>
+              <a:buSzTx/>
+              <a:buFontTx/>
+              <a:buNone/>
+              <a:tabLst/>
+              <a:defRPr/>
+            </a:pPr>
+            <a:endParaRPr kumimoji="0" lang="en-US" sz="1800" b="0" i="0" u="none" strike="noStrike" kern="1200" cap="none" spc="0" normalizeH="0" baseline="0" noProof="0">
+              <a:ln>
+                <a:noFill/>
+              </a:ln>
+              <a:solidFill>
+                <a:srgbClr val="FFFFFF"/>
+              </a:solidFill>
+              <a:effectLst/>
+              <a:uLnTx/>
+              <a:uFillTx/>
+              <a:latin typeface="Corbel" panose="020B0503020204020204"/>
+              <a:ea typeface="+mn-ea"/>
+              <a:cs typeface="+mn-cs"/>
+            </a:endParaRPr>
+          </a:p>
+        </p:txBody>
+      </p:sp>
+      <p:sp>
+        <p:nvSpPr>
+          <p:cNvPr id="16" name="Rectangle 15">
+            <a:extLst>
+              <a:ext uri="{FF2B5EF4-FFF2-40B4-BE49-F238E27FC236}">
+                <a16:creationId xmlns:a16="http://schemas.microsoft.com/office/drawing/2014/main" id="{3126970D-C1E5-4FB1-84E8-86CB9CED1C80}"/>
+              </a:ext>
+              <a:ext uri="{C183D7F6-B498-43B3-948B-1728B52AA6E4}">
+                <adec:decorative xmlns:adec="http://schemas.microsoft.com/office/drawing/2017/decorative" val="1"/>
+              </a:ext>
+            </a:extLst>
+          </p:cNvPr>
+          <p:cNvSpPr>
+            <a:spLocks noGrp="1" noRot="1" noChangeAspect="1" noMove="1" noResize="1" noEditPoints="1" noAdjustHandles="1" noChangeArrowheads="1" noChangeShapeType="1" noTextEdit="1"/>
+          </p:cNvSpPr>
+          <p:nvPr>
+            <p:extLst>
+              <p:ext uri="{386F3935-93C4-4BCD-93E2-E3B085C9AB24}">
+                <p16:designElem xmlns:p16="http://schemas.microsoft.com/office/powerpoint/2015/main" val="1"/>
+              </p:ext>
+            </p:extLst>
+          </p:nvPr>
+        </p:nvSpPr>
+        <p:spPr>
+          <a:xfrm>
+            <a:off x="0" y="4367639"/>
+            <a:ext cx="11707367" cy="1852186"/>
+          </a:xfrm>
+          <a:prstGeom prst="rect">
+            <a:avLst/>
+          </a:prstGeom>
+          <a:solidFill>
+            <a:schemeClr val="accent1"/>
+          </a:solidFill>
+          <a:ln>
+            <a:noFill/>
+          </a:ln>
+        </p:spPr>
+        <p:style>
+          <a:lnRef idx="2">
+            <a:schemeClr val="accent1">
+              <a:shade val="50000"/>
+            </a:schemeClr>
+          </a:lnRef>
+          <a:fillRef idx="1">
+            <a:schemeClr val="accent1"/>
+          </a:fillRef>
+          <a:effectRef idx="0">
+            <a:schemeClr val="accent1"/>
+          </a:effectRef>
+          <a:fontRef idx="minor">
+            <a:schemeClr val="lt1"/>
+          </a:fontRef>
+        </p:style>
+      </p:sp>
+      <p:sp>
+        <p:nvSpPr>
+          <p:cNvPr id="2" name="タイトル 1">
+            <a:extLst>
+              <a:ext uri="{FF2B5EF4-FFF2-40B4-BE49-F238E27FC236}">
+                <a16:creationId xmlns:a16="http://schemas.microsoft.com/office/drawing/2014/main" id="{B588FAA4-7E96-4FF5-B251-22AD68F3F329}"/>
+              </a:ext>
+            </a:extLst>
+          </p:cNvPr>
+          <p:cNvSpPr>
+            <a:spLocks noGrp="1"/>
+          </p:cNvSpPr>
+          <p:nvPr>
+            <p:ph type="title"/>
+          </p:nvPr>
+        </p:nvSpPr>
+        <p:spPr>
+          <a:xfrm>
+            <a:off x="0" y="5563155"/>
+            <a:ext cx="10210862" cy="1065690"/>
+          </a:xfrm>
+        </p:spPr>
+        <p:txBody>
+          <a:bodyPr vert="horz" lIns="91440" tIns="45720" rIns="91440" bIns="45720" rtlCol="0" anchor="b">
+            <a:normAutofit/>
+          </a:bodyPr>
+          <a:lstStyle/>
+          <a:p>
+            <a:r>
+              <a:rPr kumimoji="1" lang="ja-JP" altLang="en-US" sz="3200" spc="-100" dirty="0"/>
+              <a:t>シンプルさ</a:t>
+            </a:r>
+            <a:br>
+              <a:rPr kumimoji="1" lang="en-US" altLang="ja-JP" sz="3200" spc="-100" dirty="0"/>
+            </a:br>
+            <a:endParaRPr kumimoji="1" lang="en-US" altLang="ja-JP" sz="3200" spc="-100" dirty="0"/>
+          </a:p>
+        </p:txBody>
+      </p:sp>
+      <p:pic>
+        <p:nvPicPr>
+          <p:cNvPr id="4" name="図 3">
+            <a:extLst>
+              <a:ext uri="{FF2B5EF4-FFF2-40B4-BE49-F238E27FC236}">
+                <a16:creationId xmlns:a16="http://schemas.microsoft.com/office/drawing/2014/main" id="{D7F04328-32BE-45C7-8259-6C94343AD37B}"/>
+              </a:ext>
+            </a:extLst>
+          </p:cNvPr>
+          <p:cNvPicPr>
+            <a:picLocks noChangeAspect="1"/>
+          </p:cNvPicPr>
+          <p:nvPr/>
+        </p:nvPicPr>
+        <p:blipFill>
+          <a:blip r:embed="rId2"/>
+          <a:stretch>
+            <a:fillRect/>
+          </a:stretch>
+        </p:blipFill>
+        <p:spPr>
+          <a:xfrm>
+            <a:off x="0" y="229155"/>
+            <a:ext cx="12192000" cy="5426600"/>
+          </a:xfrm>
+          <a:prstGeom prst="rect">
+            <a:avLst/>
+          </a:prstGeom>
+        </p:spPr>
+      </p:pic>
+    </p:spTree>
+    <p:extLst>
+      <p:ext uri="{BB962C8B-B14F-4D97-AF65-F5344CB8AC3E}">
+        <p14:creationId xmlns:p14="http://schemas.microsoft.com/office/powerpoint/2010/main" val="2791418516"/>
+      </p:ext>
+    </p:extLst>
+  </p:cSld>
+  <p:clrMapOvr>
+    <a:masterClrMapping/>
+  </p:clrMapOvr>
+</p:sld>
+</file>
+
+<file path=ppt/slides/slide12.xml><?xml version="1.0" encoding="utf-8"?>
+<p:sld xmlns:a="http://schemas.openxmlformats.org/drawingml/2006/main" xmlns:r="http://schemas.openxmlformats.org/officeDocument/2006/relationships" xmlns:p="http://schemas.openxmlformats.org/presentationml/2006/main">
+  <p:cSld>
+    <p:spTree>
+      <p:nvGrpSpPr>
+        <p:cNvPr id="1" name=""/>
+        <p:cNvGrpSpPr/>
+        <p:nvPr/>
+      </p:nvGrpSpPr>
+      <p:grpSpPr>
+        <a:xfrm>
+          <a:off x="0" y="0"/>
+          <a:ext cx="0" cy="0"/>
+          <a:chOff x="0" y="0"/>
+          <a:chExt cx="0" cy="0"/>
+        </a:xfrm>
+      </p:grpSpPr>
+      <p:sp>
+        <p:nvSpPr>
+          <p:cNvPr id="2" name="タイトル 1">
+            <a:extLst>
+              <a:ext uri="{FF2B5EF4-FFF2-40B4-BE49-F238E27FC236}">
+                <a16:creationId xmlns:a16="http://schemas.microsoft.com/office/drawing/2014/main" id="{11FF109B-1A52-4682-9479-0DCAC48B3C35}"/>
+              </a:ext>
+            </a:extLst>
+          </p:cNvPr>
+          <p:cNvSpPr>
+            <a:spLocks noGrp="1"/>
+          </p:cNvSpPr>
+          <p:nvPr>
+            <p:ph type="title"/>
+          </p:nvPr>
+        </p:nvSpPr>
+        <p:spPr/>
+        <p:txBody>
+          <a:bodyPr/>
+          <a:lstStyle/>
+          <a:p>
+            <a:r>
+              <a:rPr lang="ja-JP" altLang="en-US" dirty="0"/>
+              <a:t>利便性の高い機能</a:t>
+            </a:r>
+            <a:endParaRPr kumimoji="1" lang="ja-JP" altLang="en-US" dirty="0"/>
+          </a:p>
+        </p:txBody>
+      </p:sp>
+      <p:sp>
+        <p:nvSpPr>
+          <p:cNvPr id="3" name="コンテンツ プレースホルダー 2">
+            <a:extLst>
+              <a:ext uri="{FF2B5EF4-FFF2-40B4-BE49-F238E27FC236}">
+                <a16:creationId xmlns:a16="http://schemas.microsoft.com/office/drawing/2014/main" id="{E23551B5-FD73-4043-9D9D-F069178EC83A}"/>
+              </a:ext>
+            </a:extLst>
+          </p:cNvPr>
+          <p:cNvSpPr>
+            <a:spLocks noGrp="1"/>
+          </p:cNvSpPr>
+          <p:nvPr>
+            <p:ph idx="1"/>
+          </p:nvPr>
+        </p:nvSpPr>
+        <p:spPr>
+          <a:xfrm>
+            <a:off x="3838788" y="494671"/>
+            <a:ext cx="7315200" cy="5859514"/>
+          </a:xfrm>
+        </p:spPr>
+        <p:txBody>
+          <a:bodyPr>
+            <a:normAutofit/>
+          </a:bodyPr>
+          <a:lstStyle/>
+          <a:p>
+            <a:r>
+              <a:rPr kumimoji="1" lang="ja-JP" altLang="en-US" sz="2800" dirty="0"/>
+              <a:t>質問投稿機能</a:t>
+            </a:r>
+            <a:endParaRPr kumimoji="1" lang="en-US" altLang="ja-JP" sz="2800" dirty="0"/>
+          </a:p>
+          <a:p>
+            <a:pPr lvl="1"/>
+            <a:r>
+              <a:rPr kumimoji="1" lang="ja-JP" altLang="en-US" sz="2400" dirty="0"/>
+              <a:t>テンプレート挿入機能</a:t>
+            </a:r>
+            <a:endParaRPr kumimoji="1" lang="en-US" altLang="ja-JP" sz="2400" dirty="0"/>
+          </a:p>
+          <a:p>
+            <a:pPr lvl="1"/>
+            <a:r>
+              <a:rPr lang="ja-JP" altLang="en-US" sz="2400" dirty="0"/>
+              <a:t>ファイル添付機能</a:t>
+            </a:r>
+            <a:endParaRPr kumimoji="1" lang="en-US" altLang="ja-JP" sz="2400" dirty="0"/>
+          </a:p>
+          <a:p>
+            <a:r>
+              <a:rPr lang="ja-JP" altLang="en-US" sz="2800" dirty="0"/>
+              <a:t>検索機能</a:t>
+            </a:r>
+            <a:endParaRPr lang="en-US" altLang="ja-JP" sz="2800" dirty="0"/>
+          </a:p>
+          <a:p>
+            <a:pPr lvl="1"/>
+            <a:r>
+              <a:rPr lang="ja-JP" altLang="en-US" sz="2400" dirty="0"/>
+              <a:t>質問タグによる検索</a:t>
+            </a:r>
+            <a:endParaRPr lang="en-US" altLang="ja-JP" sz="2400" dirty="0"/>
+          </a:p>
+          <a:p>
+            <a:pPr lvl="1"/>
+            <a:r>
+              <a:rPr lang="ja-JP" altLang="en-US" sz="2400" dirty="0"/>
+              <a:t>質問の閲覧回数順に表示</a:t>
+            </a:r>
+            <a:endParaRPr lang="en-US" altLang="ja-JP" sz="2400" dirty="0"/>
+          </a:p>
+          <a:p>
+            <a:pPr lvl="1"/>
+            <a:r>
+              <a:rPr lang="ja-JP" altLang="en-US" sz="2400" dirty="0"/>
+              <a:t>解決</a:t>
+            </a:r>
+            <a:r>
+              <a:rPr lang="en-US" altLang="ja-JP" sz="2400" dirty="0"/>
+              <a:t>/</a:t>
+            </a:r>
+            <a:r>
+              <a:rPr lang="ja-JP" altLang="en-US" sz="2400" dirty="0"/>
+              <a:t>未解決ラベルによる検索</a:t>
+            </a:r>
+            <a:endParaRPr lang="en-US" altLang="ja-JP" sz="2400" dirty="0"/>
+          </a:p>
+          <a:p>
+            <a:r>
+              <a:rPr lang="ja-JP" altLang="en-US" sz="2800" dirty="0"/>
+              <a:t>マイページ機能</a:t>
+            </a:r>
+            <a:endParaRPr lang="en-US" altLang="ja-JP" sz="2800" dirty="0"/>
+          </a:p>
+          <a:p>
+            <a:pPr lvl="1"/>
+            <a:r>
+              <a:rPr lang="ja-JP" altLang="en-US" sz="2400" dirty="0"/>
+              <a:t>自分の質問が一覧で見られる</a:t>
+            </a:r>
+            <a:endParaRPr lang="en-US" altLang="ja-JP" sz="2400" dirty="0"/>
+          </a:p>
+        </p:txBody>
+      </p:sp>
+      <p:pic>
+        <p:nvPicPr>
+          <p:cNvPr id="4" name="図 3" descr="アイコン&#10;&#10;自動的に生成された説明">
+            <a:extLst>
+              <a:ext uri="{FF2B5EF4-FFF2-40B4-BE49-F238E27FC236}">
+                <a16:creationId xmlns:a16="http://schemas.microsoft.com/office/drawing/2014/main" id="{F80B5929-9B90-4E9C-B9E6-44E443331DB5}"/>
+              </a:ext>
+            </a:extLst>
+          </p:cNvPr>
+          <p:cNvPicPr>
+            <a:picLocks noChangeAspect="1"/>
+          </p:cNvPicPr>
+          <p:nvPr/>
+        </p:nvPicPr>
+        <p:blipFill>
+          <a:blip r:embed="rId3">
+            <a:alphaModFix amt="85000"/>
+            <a:extLst>
+              <a:ext uri="{28A0092B-C50C-407E-A947-70E740481C1C}">
+                <a14:useLocalDpi xmlns:a14="http://schemas.microsoft.com/office/drawing/2010/main" val="0"/>
+              </a:ext>
+            </a:extLst>
+          </a:blip>
+          <a:stretch>
+            <a:fillRect/>
+          </a:stretch>
+        </p:blipFill>
+        <p:spPr>
+          <a:xfrm>
+            <a:off x="9466729" y="5262949"/>
+            <a:ext cx="2725271" cy="1469817"/>
+          </a:xfrm>
+          <a:prstGeom prst="rect">
+            <a:avLst/>
+          </a:prstGeom>
+        </p:spPr>
+      </p:pic>
+    </p:spTree>
+    <p:extLst>
+      <p:ext uri="{BB962C8B-B14F-4D97-AF65-F5344CB8AC3E}">
+        <p14:creationId xmlns:p14="http://schemas.microsoft.com/office/powerpoint/2010/main" val="4139719801"/>
+      </p:ext>
+    </p:extLst>
+  </p:cSld>
+  <p:clrMapOvr>
+    <a:masterClrMapping/>
+  </p:clrMapOvr>
+</p:sld>
+</file>
+
+<file path=ppt/slides/slide13.xml><?xml version="1.0" encoding="utf-8"?>
 <p:sld xmlns:a="http://schemas.openxmlformats.org/drawingml/2006/main" xmlns:r="http://schemas.openxmlformats.org/officeDocument/2006/relationships" xmlns:p="http://schemas.openxmlformats.org/presentationml/2006/main">
   <p:cSld>
     <p:bg>
@@ -6052,7 +7118,7 @@
 </p:sld>
 </file>
 
-<file path=ppt/slides/slide11.xml><?xml version="1.0" encoding="utf-8"?>
+<file path=ppt/slides/slide14.xml><?xml version="1.0" encoding="utf-8"?>
 <p:sld xmlns:a="http://schemas.openxmlformats.org/drawingml/2006/main" xmlns:r="http://schemas.openxmlformats.org/officeDocument/2006/relationships" xmlns:p="http://schemas.openxmlformats.org/presentationml/2006/main">
   <p:cSld>
     <p:bg>
@@ -6518,7 +7584,516 @@
 </p:sld>
 </file>
 
-<file path=ppt/slides/slide12.xml><?xml version="1.0" encoding="utf-8"?>
+<file path=ppt/slides/slide15.xml><?xml version="1.0" encoding="utf-8"?>
+<p:sld xmlns:a="http://schemas.openxmlformats.org/drawingml/2006/main" xmlns:r="http://schemas.openxmlformats.org/officeDocument/2006/relationships" xmlns:p="http://schemas.openxmlformats.org/presentationml/2006/main">
+  <p:cSld>
+    <p:bg>
+      <p:bgPr>
+        <a:solidFill>
+          <a:schemeClr val="bg1"/>
+        </a:solidFill>
+        <a:effectLst/>
+      </p:bgPr>
+    </p:bg>
+    <p:spTree>
+      <p:nvGrpSpPr>
+        <p:cNvPr id="1" name=""/>
+        <p:cNvGrpSpPr/>
+        <p:nvPr/>
+      </p:nvGrpSpPr>
+      <p:grpSpPr>
+        <a:xfrm>
+          <a:off x="0" y="0"/>
+          <a:ext cx="0" cy="0"/>
+          <a:chOff x="0" y="0"/>
+          <a:chExt cx="0" cy="0"/>
+        </a:xfrm>
+      </p:grpSpPr>
+      <p:sp>
+        <p:nvSpPr>
+          <p:cNvPr id="10" name="Rectangle 9">
+            <a:extLst>
+              <a:ext uri="{FF2B5EF4-FFF2-40B4-BE49-F238E27FC236}">
+                <a16:creationId xmlns:a16="http://schemas.microsoft.com/office/drawing/2014/main" id="{DB8424AB-D56B-4256-866A-5B54DE93C20F}"/>
+              </a:ext>
+              <a:ext uri="{C183D7F6-B498-43B3-948B-1728B52AA6E4}">
+                <adec:decorative xmlns:adec="http://schemas.microsoft.com/office/drawing/2017/decorative" val="1"/>
+              </a:ext>
+            </a:extLst>
+          </p:cNvPr>
+          <p:cNvSpPr>
+            <a:spLocks noGrp="1" noRot="1" noChangeAspect="1" noMove="1" noResize="1" noEditPoints="1" noAdjustHandles="1" noChangeArrowheads="1" noChangeShapeType="1" noTextEdit="1"/>
+          </p:cNvSpPr>
+          <p:nvPr>
+            <p:extLst>
+              <p:ext uri="{386F3935-93C4-4BCD-93E2-E3B085C9AB24}">
+                <p16:designElem xmlns:p16="http://schemas.microsoft.com/office/powerpoint/2015/main" val="1"/>
+              </p:ext>
+            </p:extLst>
+          </p:nvPr>
+        </p:nvSpPr>
+        <p:spPr>
+          <a:xfrm>
+            <a:off x="0" y="761999"/>
+            <a:ext cx="9141619" cy="5334001"/>
+          </a:xfrm>
+          <a:prstGeom prst="rect">
+            <a:avLst/>
+          </a:prstGeom>
+          <a:solidFill>
+            <a:schemeClr val="accent1"/>
+          </a:solidFill>
+          <a:ln>
+            <a:noFill/>
+          </a:ln>
+        </p:spPr>
+        <p:style>
+          <a:lnRef idx="2">
+            <a:schemeClr val="accent1">
+              <a:shade val="50000"/>
+            </a:schemeClr>
+          </a:lnRef>
+          <a:fillRef idx="1">
+            <a:schemeClr val="accent1"/>
+          </a:fillRef>
+          <a:effectRef idx="0">
+            <a:schemeClr val="accent1"/>
+          </a:effectRef>
+          <a:fontRef idx="minor">
+            <a:schemeClr val="lt1"/>
+          </a:fontRef>
+        </p:style>
+      </p:sp>
+      <p:sp>
+        <p:nvSpPr>
+          <p:cNvPr id="12" name="Rectangle 11">
+            <a:extLst>
+              <a:ext uri="{FF2B5EF4-FFF2-40B4-BE49-F238E27FC236}">
+                <a16:creationId xmlns:a16="http://schemas.microsoft.com/office/drawing/2014/main" id="{FC999C28-AD33-4EB7-A5F1-C06D10A5FDF7}"/>
+              </a:ext>
+              <a:ext uri="{C183D7F6-B498-43B3-948B-1728B52AA6E4}">
+                <adec:decorative xmlns:adec="http://schemas.microsoft.com/office/drawing/2017/decorative" val="1"/>
+              </a:ext>
+            </a:extLst>
+          </p:cNvPr>
+          <p:cNvSpPr>
+            <a:spLocks noGrp="1" noRot="1" noChangeAspect="1" noMove="1" noResize="1" noEditPoints="1" noAdjustHandles="1" noChangeArrowheads="1" noChangeShapeType="1" noTextEdit="1"/>
+          </p:cNvSpPr>
+          <p:nvPr>
+            <p:extLst>
+              <p:ext uri="{386F3935-93C4-4BCD-93E2-E3B085C9AB24}">
+                <p16:designElem xmlns:p16="http://schemas.microsoft.com/office/powerpoint/2015/main" val="1"/>
+              </p:ext>
+            </p:extLst>
+          </p:nvPr>
+        </p:nvSpPr>
+        <p:spPr>
+          <a:xfrm>
+            <a:off x="9270263" y="761999"/>
+            <a:ext cx="2925318" cy="5334001"/>
+          </a:xfrm>
+          <a:prstGeom prst="rect">
+            <a:avLst/>
+          </a:prstGeom>
+          <a:solidFill>
+            <a:srgbClr val="C8C8C8">
+              <a:alpha val="49804"/>
+            </a:srgbClr>
+          </a:solidFill>
+          <a:ln>
+            <a:noFill/>
+          </a:ln>
+        </p:spPr>
+        <p:style>
+          <a:lnRef idx="2">
+            <a:schemeClr val="accent1">
+              <a:shade val="50000"/>
+            </a:schemeClr>
+          </a:lnRef>
+          <a:fillRef idx="1">
+            <a:schemeClr val="accent1"/>
+          </a:fillRef>
+          <a:effectRef idx="0">
+            <a:schemeClr val="accent1"/>
+          </a:effectRef>
+          <a:fontRef idx="minor">
+            <a:schemeClr val="lt1"/>
+          </a:fontRef>
+        </p:style>
+      </p:sp>
+      <p:sp useBgFill="1">
+        <p:nvSpPr>
+          <p:cNvPr id="14" name="Rectangle 13">
+            <a:extLst>
+              <a:ext uri="{FF2B5EF4-FFF2-40B4-BE49-F238E27FC236}">
+                <a16:creationId xmlns:a16="http://schemas.microsoft.com/office/drawing/2014/main" id="{9203ABB4-7E2A-4248-9FE7-4A419AFF2F17}"/>
+              </a:ext>
+              <a:ext uri="{C183D7F6-B498-43B3-948B-1728B52AA6E4}">
+                <adec:decorative xmlns:adec="http://schemas.microsoft.com/office/drawing/2017/decorative" val="1"/>
+              </a:ext>
+            </a:extLst>
+          </p:cNvPr>
+          <p:cNvSpPr>
+            <a:spLocks noGrp="1" noRot="1" noChangeAspect="1" noMove="1" noResize="1" noEditPoints="1" noAdjustHandles="1" noChangeArrowheads="1" noChangeShapeType="1" noTextEdit="1"/>
+          </p:cNvSpPr>
+          <p:nvPr>
+            <p:extLst>
+              <p:ext uri="{386F3935-93C4-4BCD-93E2-E3B085C9AB24}">
+                <p16:designElem xmlns:p16="http://schemas.microsoft.com/office/powerpoint/2015/main" val="1"/>
+              </p:ext>
+            </p:extLst>
+          </p:nvPr>
+        </p:nvSpPr>
+        <p:spPr>
+          <a:xfrm>
+            <a:off x="0" y="0"/>
+            <a:ext cx="12191999" cy="6858000"/>
+          </a:xfrm>
+          <a:prstGeom prst="rect">
+            <a:avLst/>
+          </a:prstGeom>
+          <a:ln>
+            <a:noFill/>
+          </a:ln>
+        </p:spPr>
+        <p:style>
+          <a:lnRef idx="2">
+            <a:schemeClr val="accent1">
+              <a:shade val="50000"/>
+            </a:schemeClr>
+          </a:lnRef>
+          <a:fillRef idx="1">
+            <a:schemeClr val="accent1"/>
+          </a:fillRef>
+          <a:effectRef idx="0">
+            <a:schemeClr val="accent1"/>
+          </a:effectRef>
+          <a:fontRef idx="minor">
+            <a:schemeClr val="lt1"/>
+          </a:fontRef>
+        </p:style>
+        <p:txBody>
+          <a:bodyPr rtlCol="0" anchor="ctr"/>
+          <a:lstStyle/>
+          <a:p>
+            <a:pPr marL="0" marR="0" lvl="0" indent="0" algn="ctr" defTabSz="457200" rtl="0" eaLnBrk="1" fontAlgn="auto" latinLnBrk="0" hangingPunct="1">
+              <a:lnSpc>
+                <a:spcPct val="100000"/>
+              </a:lnSpc>
+              <a:spcBef>
+                <a:spcPts val="0"/>
+              </a:spcBef>
+              <a:spcAft>
+                <a:spcPts val="0"/>
+              </a:spcAft>
+              <a:buClrTx/>
+              <a:buSzTx/>
+              <a:buFontTx/>
+              <a:buNone/>
+              <a:tabLst/>
+              <a:defRPr/>
+            </a:pPr>
+            <a:endParaRPr kumimoji="0" lang="en-US" sz="1800" b="0" i="0" u="none" strike="noStrike" kern="1200" cap="none" spc="0" normalizeH="0" baseline="0" noProof="0">
+              <a:ln>
+                <a:noFill/>
+              </a:ln>
+              <a:solidFill>
+                <a:srgbClr val="FFFFFF"/>
+              </a:solidFill>
+              <a:effectLst/>
+              <a:uLnTx/>
+              <a:uFillTx/>
+              <a:latin typeface="Corbel" panose="020B0503020204020204"/>
+              <a:ea typeface="+mn-ea"/>
+              <a:cs typeface="+mn-cs"/>
+            </a:endParaRPr>
+          </a:p>
+        </p:txBody>
+      </p:sp>
+      <p:sp>
+        <p:nvSpPr>
+          <p:cNvPr id="16" name="Rectangle 15">
+            <a:extLst>
+              <a:ext uri="{FF2B5EF4-FFF2-40B4-BE49-F238E27FC236}">
+                <a16:creationId xmlns:a16="http://schemas.microsoft.com/office/drawing/2014/main" id="{3126970D-C1E5-4FB1-84E8-86CB9CED1C80}"/>
+              </a:ext>
+              <a:ext uri="{C183D7F6-B498-43B3-948B-1728B52AA6E4}">
+                <adec:decorative xmlns:adec="http://schemas.microsoft.com/office/drawing/2017/decorative" val="1"/>
+              </a:ext>
+            </a:extLst>
+          </p:cNvPr>
+          <p:cNvSpPr>
+            <a:spLocks noGrp="1" noRot="1" noChangeAspect="1" noMove="1" noResize="1" noEditPoints="1" noAdjustHandles="1" noChangeArrowheads="1" noChangeShapeType="1" noTextEdit="1"/>
+          </p:cNvSpPr>
+          <p:nvPr>
+            <p:extLst>
+              <p:ext uri="{386F3935-93C4-4BCD-93E2-E3B085C9AB24}">
+                <p16:designElem xmlns:p16="http://schemas.microsoft.com/office/powerpoint/2015/main" val="1"/>
+              </p:ext>
+            </p:extLst>
+          </p:nvPr>
+        </p:nvSpPr>
+        <p:spPr>
+          <a:xfrm>
+            <a:off x="0" y="4367639"/>
+            <a:ext cx="11707367" cy="1852186"/>
+          </a:xfrm>
+          <a:prstGeom prst="rect">
+            <a:avLst/>
+          </a:prstGeom>
+          <a:solidFill>
+            <a:schemeClr val="accent1"/>
+          </a:solidFill>
+          <a:ln>
+            <a:noFill/>
+          </a:ln>
+        </p:spPr>
+        <p:style>
+          <a:lnRef idx="2">
+            <a:schemeClr val="accent1">
+              <a:shade val="50000"/>
+            </a:schemeClr>
+          </a:lnRef>
+          <a:fillRef idx="1">
+            <a:schemeClr val="accent1"/>
+          </a:fillRef>
+          <a:effectRef idx="0">
+            <a:schemeClr val="accent1"/>
+          </a:effectRef>
+          <a:fontRef idx="minor">
+            <a:schemeClr val="lt1"/>
+          </a:fontRef>
+        </p:style>
+      </p:sp>
+      <p:sp>
+        <p:nvSpPr>
+          <p:cNvPr id="2" name="タイトル 1">
+            <a:extLst>
+              <a:ext uri="{FF2B5EF4-FFF2-40B4-BE49-F238E27FC236}">
+                <a16:creationId xmlns:a16="http://schemas.microsoft.com/office/drawing/2014/main" id="{F085B8D2-473E-4747-8082-17859E0245DE}"/>
+              </a:ext>
+            </a:extLst>
+          </p:cNvPr>
+          <p:cNvSpPr>
+            <a:spLocks noGrp="1"/>
+          </p:cNvSpPr>
+          <p:nvPr>
+            <p:ph type="title"/>
+          </p:nvPr>
+        </p:nvSpPr>
+        <p:spPr>
+          <a:xfrm>
+            <a:off x="0" y="5164658"/>
+            <a:ext cx="10210862" cy="1065690"/>
+          </a:xfrm>
+        </p:spPr>
+        <p:txBody>
+          <a:bodyPr vert="horz" lIns="91440" tIns="45720" rIns="91440" bIns="45720" rtlCol="0" anchor="b">
+            <a:normAutofit/>
+          </a:bodyPr>
+          <a:lstStyle/>
+          <a:p>
+            <a:r>
+              <a:rPr kumimoji="1" lang="ja-JP" altLang="en-US" sz="3200" spc="-100" dirty="0"/>
+              <a:t>ファイル添付機能</a:t>
+            </a:r>
+            <a:br>
+              <a:rPr kumimoji="1" lang="ja-JP" altLang="en-US" sz="1900" spc="-100" dirty="0"/>
+            </a:br>
+            <a:endParaRPr kumimoji="1" lang="ja-JP" altLang="en-US" sz="1900" spc="-100" dirty="0"/>
+          </a:p>
+        </p:txBody>
+      </p:sp>
+      <p:pic>
+        <p:nvPicPr>
+          <p:cNvPr id="4" name="ビデオ 3">
+            <a:hlinkClick r:id="" action="ppaction://media"/>
+            <a:extLst>
+              <a:ext uri="{FF2B5EF4-FFF2-40B4-BE49-F238E27FC236}">
+                <a16:creationId xmlns:a16="http://schemas.microsoft.com/office/drawing/2014/main" id="{7F96C877-0C78-4FB5-A8D3-791CE0873270}"/>
+              </a:ext>
+            </a:extLst>
+          </p:cNvPr>
+          <p:cNvPicPr>
+            <a:picLocks noChangeAspect="1"/>
+          </p:cNvPicPr>
+          <p:nvPr>
+            <a:videoFile r:link="rId2"/>
+            <p:extLst>
+              <p:ext uri="{DAA4B4D4-6D71-4841-9C94-3DE7FCFB9230}">
+                <p14:media xmlns:p14="http://schemas.microsoft.com/office/powerpoint/2010/main" r:embed="rId1"/>
+              </p:ext>
+            </p:extLst>
+          </p:nvPr>
+        </p:nvPicPr>
+        <p:blipFill>
+          <a:blip r:embed="rId4"/>
+          <a:stretch>
+            <a:fillRect/>
+          </a:stretch>
+        </p:blipFill>
+        <p:spPr>
+          <a:xfrm>
+            <a:off x="0" y="-1055604"/>
+            <a:ext cx="12252181" cy="6553640"/>
+          </a:xfrm>
+          <a:prstGeom prst="rect">
+            <a:avLst/>
+          </a:prstGeom>
+        </p:spPr>
+      </p:pic>
+    </p:spTree>
+    <p:extLst>
+      <p:ext uri="{BB962C8B-B14F-4D97-AF65-F5344CB8AC3E}">
+        <p14:creationId xmlns:p14="http://schemas.microsoft.com/office/powerpoint/2010/main" val="2316120431"/>
+      </p:ext>
+    </p:extLst>
+  </p:cSld>
+  <p:clrMapOvr>
+    <a:masterClrMapping/>
+  </p:clrMapOvr>
+  <p:timing>
+    <p:tnLst>
+      <p:par>
+        <p:cTn id="1" dur="indefinite" restart="never" nodeType="tmRoot">
+          <p:childTnLst>
+            <p:seq concurrent="1" nextAc="seek">
+              <p:cTn id="2" dur="indefinite" nodeType="mainSeq">
+                <p:childTnLst>
+                  <p:par>
+                    <p:cTn id="3" fill="hold">
+                      <p:stCondLst>
+                        <p:cond delay="indefinite"/>
+                        <p:cond evt="onBegin" delay="0">
+                          <p:tn val="2"/>
+                        </p:cond>
+                      </p:stCondLst>
+                      <p:childTnLst>
+                        <p:par>
+                          <p:cTn id="4" fill="hold">
+                            <p:stCondLst>
+                              <p:cond delay="0"/>
+                            </p:stCondLst>
+                            <p:childTnLst>
+                              <p:par>
+                                <p:cTn id="5" presetID="1" presetClass="mediacall" presetSubtype="0" fill="hold" nodeType="withEffect">
+                                  <p:stCondLst>
+                                    <p:cond delay="0"/>
+                                  </p:stCondLst>
+                                  <p:childTnLst>
+                                    <p:cmd type="call" cmd="playFrom(0.0)">
+                                      <p:cBhvr>
+                                        <p:cTn id="6" dur="3966" fill="hold"/>
+                                        <p:tgtEl>
+                                          <p:spTgt spid="4"/>
+                                        </p:tgtEl>
+                                      </p:cBhvr>
+                                    </p:cmd>
+                                  </p:childTnLst>
+                                </p:cTn>
+                              </p:par>
+                            </p:childTnLst>
+                          </p:cTn>
+                        </p:par>
+                      </p:childTnLst>
+                    </p:cTn>
+                  </p:par>
+                </p:childTnLst>
+              </p:cTn>
+              <p:prevCondLst>
+                <p:cond evt="onPrev" delay="0">
+                  <p:tgtEl>
+                    <p:sldTgt/>
+                  </p:tgtEl>
+                </p:cond>
+              </p:prevCondLst>
+              <p:nextCondLst>
+                <p:cond evt="onNext" delay="0">
+                  <p:tgtEl>
+                    <p:sldTgt/>
+                  </p:tgtEl>
+                </p:cond>
+              </p:nextCondLst>
+            </p:seq>
+            <p:video>
+              <p:cMediaNode vol="80000" mute="1">
+                <p:cTn id="7" repeatCount="indefinite" fill="hold" display="0">
+                  <p:stCondLst>
+                    <p:cond delay="indefinite"/>
+                  </p:stCondLst>
+                </p:cTn>
+                <p:tgtEl>
+                  <p:spTgt spid="4"/>
+                </p:tgtEl>
+              </p:cMediaNode>
+            </p:video>
+            <p:seq concurrent="1" nextAc="seek">
+              <p:cTn id="8" restart="whenNotActive" fill="hold" evtFilter="cancelBubble" nodeType="interactiveSeq">
+                <p:stCondLst>
+                  <p:cond evt="onClick" delay="0">
+                    <p:tgtEl>
+                      <p:spTgt spid="4"/>
+                    </p:tgtEl>
+                  </p:cond>
+                </p:stCondLst>
+                <p:endSync evt="end" delay="0">
+                  <p:rtn val="all"/>
+                </p:endSync>
+                <p:childTnLst>
+                  <p:par>
+                    <p:cTn id="9" fill="hold">
+                      <p:stCondLst>
+                        <p:cond delay="0"/>
+                      </p:stCondLst>
+                      <p:childTnLst>
+                        <p:par>
+                          <p:cTn id="10" fill="hold">
+                            <p:stCondLst>
+                              <p:cond delay="0"/>
+                            </p:stCondLst>
+                            <p:childTnLst>
+                              <p:par>
+                                <p:cTn id="11" presetID="2" presetClass="mediacall" presetSubtype="0" fill="hold" nodeType="clickEffect">
+                                  <p:stCondLst>
+                                    <p:cond delay="0"/>
+                                  </p:stCondLst>
+                                  <p:childTnLst>
+                                    <p:cmd type="call" cmd="togglePause">
+                                      <p:cBhvr>
+                                        <p:cTn id="12" dur="1" fill="hold"/>
+                                        <p:tgtEl>
+                                          <p:spTgt spid="4"/>
+                                        </p:tgtEl>
+                                      </p:cBhvr>
+                                    </p:cmd>
+                                  </p:childTnLst>
+                                </p:cTn>
+                              </p:par>
+                            </p:childTnLst>
+                          </p:cTn>
+                        </p:par>
+                      </p:childTnLst>
+                    </p:cTn>
+                  </p:par>
+                </p:childTnLst>
+              </p:cTn>
+              <p:nextCondLst>
+                <p:cond evt="onClick" delay="0">
+                  <p:tgtEl>
+                    <p:spTgt spid="4"/>
+                  </p:tgtEl>
+                </p:cond>
+              </p:nextCondLst>
+            </p:seq>
+          </p:childTnLst>
+        </p:cTn>
+      </p:par>
+    </p:tnLst>
+  </p:timing>
+</p:sld>
+</file>
+
+<file path=ppt/slides/slide16.xml><?xml version="1.0" encoding="utf-8"?>
 <p:sld xmlns:a="http://schemas.openxmlformats.org/drawingml/2006/main" xmlns:r="http://schemas.openxmlformats.org/officeDocument/2006/relationships" xmlns:p="http://schemas.openxmlformats.org/presentationml/2006/main">
   <p:cSld>
     <p:bg>
@@ -7307,7 +8882,7 @@
 </p:sld>
 </file>
 
-<file path=ppt/slides/slide13.xml><?xml version="1.0" encoding="utf-8"?>
+<file path=ppt/slides/slide17.xml><?xml version="1.0" encoding="utf-8"?>
 <p:sld xmlns:a="http://schemas.openxmlformats.org/drawingml/2006/main" xmlns:r="http://schemas.openxmlformats.org/officeDocument/2006/relationships" xmlns:p="http://schemas.openxmlformats.org/presentationml/2006/main">
   <p:cSld>
     <p:bg>
@@ -7673,7 +9248,7 @@
 </p:sld>
 </file>
 
-<file path=ppt/slides/slide14.xml><?xml version="1.0" encoding="utf-8"?>
+<file path=ppt/slides/slide18.xml><?xml version="1.0" encoding="utf-8"?>
 <p:sld xmlns:a="http://schemas.openxmlformats.org/drawingml/2006/main" xmlns:r="http://schemas.openxmlformats.org/officeDocument/2006/relationships" xmlns:p="http://schemas.openxmlformats.org/presentationml/2006/main">
   <p:cSld>
     <p:bg>
@@ -8185,7 +9760,7 @@
 </p:sld>
 </file>
 
-<file path=ppt/slides/slide15.xml><?xml version="1.0" encoding="utf-8"?>
+<file path=ppt/slides/slide19.xml><?xml version="1.0" encoding="utf-8"?>
 <p:sld xmlns:a="http://schemas.openxmlformats.org/drawingml/2006/main" xmlns:r="http://schemas.openxmlformats.org/officeDocument/2006/relationships" xmlns:p="http://schemas.openxmlformats.org/presentationml/2006/main">
   <p:cSld>
     <p:spTree>
@@ -8249,7 +9824,9 @@
         </p:nvSpPr>
         <p:spPr/>
         <p:txBody>
-          <a:bodyPr/>
+          <a:bodyPr>
+            <a:normAutofit lnSpcReduction="10000"/>
+          </a:bodyPr>
           <a:lstStyle/>
           <a:p>
             <a:pPr marL="457200" indent="-457200">
@@ -8257,6 +9834,17 @@
               <a:buAutoNum type="arabicPeriod"/>
             </a:pPr>
             <a:r>
+              <a:rPr lang="ja-JP" altLang="en-US" dirty="0"/>
+              <a:t>チーム名の由来</a:t>
+            </a:r>
+            <a:endParaRPr kumimoji="1" lang="en-US" altLang="ja-JP" dirty="0"/>
+          </a:p>
+          <a:p>
+            <a:pPr marL="457200" indent="-457200">
+              <a:buFont typeface="+mj-lt"/>
+              <a:buAutoNum type="arabicPeriod"/>
+            </a:pPr>
+            <a:r>
               <a:rPr kumimoji="1" lang="ja-JP" altLang="en-US" dirty="0"/>
               <a:t>プロダクトの成果</a:t>
             </a:r>
@@ -8279,12 +9867,8 @@
               <a:buAutoNum type="arabicPeriod"/>
             </a:pPr>
             <a:r>
-              <a:rPr kumimoji="1" lang="en-US" altLang="ja-JP" dirty="0"/>
-              <a:t>Qbox</a:t>
-            </a:r>
-            <a:r>
-              <a:rPr kumimoji="1" lang="ja-JP" altLang="en-US" dirty="0"/>
-              <a:t>とは</a:t>
+              <a:rPr lang="ja-JP" altLang="en-US" dirty="0"/>
+              <a:t>製品の概要</a:t>
             </a:r>
             <a:endParaRPr kumimoji="1" lang="en-US" altLang="ja-JP" dirty="0"/>
           </a:p>
@@ -8294,10 +9878,10 @@
               <a:buAutoNum type="arabicPeriod"/>
             </a:pPr>
             <a:r>
-              <a:rPr kumimoji="1" lang="ja-JP" altLang="en-US" dirty="0"/>
+              <a:rPr lang="ja-JP" altLang="en-US" dirty="0"/>
               <a:t>想定ユーザにとってのメリット</a:t>
             </a:r>
-            <a:endParaRPr lang="en-US" altLang="ja-JP" dirty="0"/>
+            <a:endParaRPr kumimoji="1" lang="en-US" altLang="ja-JP" dirty="0"/>
           </a:p>
           <a:p>
             <a:pPr marL="960120" lvl="1" indent="-457200">
@@ -8328,11 +9912,7 @@
             </a:pPr>
             <a:r>
               <a:rPr kumimoji="1" lang="ja-JP" altLang="en-US" dirty="0"/>
-              <a:t>機能面での工夫点・</a:t>
-            </a:r>
-            <a:r>
-              <a:rPr lang="ja-JP" altLang="en-US" dirty="0"/>
-              <a:t>デモンストレーション</a:t>
+              <a:t>機能面での工夫点</a:t>
             </a:r>
             <a:endParaRPr lang="en-US" altLang="ja-JP" dirty="0"/>
           </a:p>
@@ -8403,12 +9983,6 @@
               <a:rPr lang="ja-JP" altLang="en-US" dirty="0"/>
               <a:t>まとめ</a:t>
             </a:r>
-            <a:endParaRPr lang="en-US" altLang="ja-JP" dirty="0"/>
-          </a:p>
-          <a:p>
-            <a:pPr marL="502920" lvl="1" indent="0">
-              <a:buNone/>
-            </a:pPr>
             <a:endParaRPr lang="en-US" altLang="ja-JP" dirty="0"/>
           </a:p>
           <a:p>
@@ -8435,7 +10009,7 @@
           <p:nvPr/>
         </p:nvPicPr>
         <p:blipFill>
-          <a:blip r:embed="rId2">
+          <a:blip r:embed="rId3">
             <a:alphaModFix amt="85000"/>
             <a:extLst>
               <a:ext uri="{28A0092B-C50C-407E-A947-70E740481C1C}">
@@ -8460,7 +10034,7 @@
     </p:spTree>
     <p:extLst>
       <p:ext uri="{BB962C8B-B14F-4D97-AF65-F5344CB8AC3E}">
-        <p14:creationId xmlns:p14="http://schemas.microsoft.com/office/powerpoint/2010/main" val="1410693989"/>
+        <p14:creationId xmlns:p14="http://schemas.microsoft.com/office/powerpoint/2010/main" val="2049333281"/>
       </p:ext>
     </p:extLst>
   </p:cSld>
@@ -8499,7 +10073,7 @@
                                         <p:tgtEl>
                                           <p:spTgt spid="3">
                                             <p:txEl>
-                                              <p:pRg st="8" end="8"/>
+                                              <p:pRg st="9" end="9"/>
                                             </p:txEl>
                                           </p:spTgt>
                                         </p:tgtEl>
@@ -8511,7 +10085,7 @@
                                         <p:tgtEl>
                                           <p:spTgt spid="3">
                                             <p:txEl>
-                                              <p:pRg st="8" end="8"/>
+                                              <p:pRg st="9" end="9"/>
                                             </p:txEl>
                                           </p:spTgt>
                                         </p:tgtEl>
@@ -8552,7 +10126,7 @@
 </p:sld>
 </file>
 
-<file path=ppt/slides/slide16.xml><?xml version="1.0" encoding="utf-8"?>
+<file path=ppt/slides/slide2.xml><?xml version="1.0" encoding="utf-8"?>
 <p:sld xmlns:a="http://schemas.openxmlformats.org/drawingml/2006/main" xmlns:r="http://schemas.openxmlformats.org/officeDocument/2006/relationships" xmlns:p="http://schemas.openxmlformats.org/presentationml/2006/main">
   <p:cSld>
     <p:spTree>
@@ -8591,9 +10165,198 @@
           <a:lstStyle/>
           <a:p>
             <a:r>
+              <a:rPr kumimoji="1" lang="en-US" altLang="ja-JP" dirty="0"/>
+              <a:t>Agenda</a:t>
+            </a:r>
+            <a:endParaRPr kumimoji="1" lang="ja-JP" altLang="en-US" dirty="0"/>
+          </a:p>
+        </p:txBody>
+      </p:sp>
+      <p:sp>
+        <p:nvSpPr>
+          <p:cNvPr id="3" name="コンテンツ プレースホルダー 2">
+            <a:extLst>
+              <a:ext uri="{FF2B5EF4-FFF2-40B4-BE49-F238E27FC236}">
+                <a16:creationId xmlns:a16="http://schemas.microsoft.com/office/drawing/2014/main" id="{E23551B5-FD73-4043-9D9D-F069178EC83A}"/>
+              </a:ext>
+            </a:extLst>
+          </p:cNvPr>
+          <p:cNvSpPr>
+            <a:spLocks noGrp="1"/>
+          </p:cNvSpPr>
+          <p:nvPr>
+            <p:ph idx="1"/>
+          </p:nvPr>
+        </p:nvSpPr>
+        <p:spPr/>
+        <p:txBody>
+          <a:bodyPr>
+            <a:normAutofit lnSpcReduction="10000"/>
+          </a:bodyPr>
+          <a:lstStyle/>
+          <a:p>
+            <a:pPr marL="457200" indent="-457200">
+              <a:buFont typeface="+mj-lt"/>
+              <a:buAutoNum type="arabicPeriod"/>
+            </a:pPr>
+            <a:r>
+              <a:rPr lang="ja-JP" altLang="en-US" dirty="0"/>
+              <a:t>チーム名の由来</a:t>
+            </a:r>
+            <a:endParaRPr kumimoji="1" lang="en-US" altLang="ja-JP" dirty="0"/>
+          </a:p>
+          <a:p>
+            <a:pPr marL="457200" indent="-457200">
+              <a:buFont typeface="+mj-lt"/>
+              <a:buAutoNum type="arabicPeriod"/>
+            </a:pPr>
+            <a:r>
               <a:rPr kumimoji="1" lang="ja-JP" altLang="en-US" dirty="0"/>
-              <a:t>チーム目標</a:t>
-            </a:r>
+              <a:t>プロダクトの成果</a:t>
+            </a:r>
+            <a:endParaRPr lang="en-US" altLang="ja-JP" dirty="0"/>
+          </a:p>
+          <a:p>
+            <a:pPr marL="960120" lvl="1" indent="-457200">
+              <a:buFont typeface="+mj-lt"/>
+              <a:buAutoNum type="arabicPeriod"/>
+            </a:pPr>
+            <a:r>
+              <a:rPr lang="ja-JP" altLang="en-US" dirty="0"/>
+              <a:t>製品化に至ったきっかけ</a:t>
+            </a:r>
+            <a:endParaRPr lang="en-US" altLang="ja-JP" dirty="0"/>
+          </a:p>
+          <a:p>
+            <a:pPr marL="960120" lvl="1" indent="-457200">
+              <a:buFont typeface="+mj-lt"/>
+              <a:buAutoNum type="arabicPeriod"/>
+            </a:pPr>
+            <a:r>
+              <a:rPr lang="ja-JP" altLang="en-US" dirty="0"/>
+              <a:t>製品の概要</a:t>
+            </a:r>
+            <a:endParaRPr kumimoji="1" lang="en-US" altLang="ja-JP" dirty="0"/>
+          </a:p>
+          <a:p>
+            <a:pPr marL="960120" lvl="1" indent="-457200">
+              <a:buFont typeface="+mj-lt"/>
+              <a:buAutoNum type="arabicPeriod"/>
+            </a:pPr>
+            <a:r>
+              <a:rPr lang="ja-JP" altLang="en-US" dirty="0"/>
+              <a:t>想定ユーザにとってのメリット</a:t>
+            </a:r>
+            <a:endParaRPr kumimoji="1" lang="en-US" altLang="ja-JP" dirty="0"/>
+          </a:p>
+          <a:p>
+            <a:pPr marL="960120" lvl="1" indent="-457200">
+              <a:buFont typeface="+mj-lt"/>
+              <a:buAutoNum type="arabicPeriod"/>
+            </a:pPr>
+            <a:r>
+              <a:rPr kumimoji="1" lang="ja-JP" altLang="en-US" dirty="0"/>
+              <a:t>システムのコンセプト</a:t>
+            </a:r>
+            <a:endParaRPr kumimoji="1" lang="en-US" altLang="ja-JP" dirty="0"/>
+          </a:p>
+          <a:p>
+            <a:pPr marL="960120" lvl="1" indent="-457200">
+              <a:buFont typeface="+mj-lt"/>
+              <a:buAutoNum type="arabicPeriod"/>
+            </a:pPr>
+            <a:r>
+              <a:rPr lang="ja-JP" altLang="en-US" dirty="0"/>
+              <a:t>デザイン面での工夫点</a:t>
+            </a:r>
+            <a:endParaRPr lang="en-US" altLang="ja-JP" dirty="0"/>
+          </a:p>
+          <a:p>
+            <a:pPr marL="960120" lvl="1" indent="-457200">
+              <a:buFont typeface="+mj-lt"/>
+              <a:buAutoNum type="arabicPeriod"/>
+            </a:pPr>
+            <a:r>
+              <a:rPr kumimoji="1" lang="ja-JP" altLang="en-US" dirty="0"/>
+              <a:t>機能面での工夫点</a:t>
+            </a:r>
+            <a:endParaRPr lang="en-US" altLang="ja-JP" dirty="0"/>
+          </a:p>
+          <a:p>
+            <a:pPr marL="960120" lvl="1" indent="-457200">
+              <a:buFont typeface="+mj-lt"/>
+              <a:buAutoNum type="arabicPeriod"/>
+            </a:pPr>
+            <a:endParaRPr kumimoji="1" lang="en-US" altLang="ja-JP" dirty="0"/>
+          </a:p>
+          <a:p>
+            <a:pPr marL="457200" indent="-457200">
+              <a:buFont typeface="+mj-lt"/>
+              <a:buAutoNum type="arabicPeriod"/>
+            </a:pPr>
+            <a:r>
+              <a:rPr lang="ja-JP" altLang="en-US" dirty="0"/>
+              <a:t>研修の成果</a:t>
+            </a:r>
+            <a:endParaRPr lang="en-US" altLang="ja-JP" dirty="0"/>
+          </a:p>
+          <a:p>
+            <a:pPr marL="960120" lvl="1" indent="-457200">
+              <a:buFont typeface="+mj-lt"/>
+              <a:buAutoNum type="arabicPeriod"/>
+            </a:pPr>
+            <a:r>
+              <a:rPr lang="ja-JP" altLang="en-US" dirty="0"/>
+              <a:t>チーム目標とその成果</a:t>
+            </a:r>
+            <a:endParaRPr lang="en-US" altLang="ja-JP" dirty="0"/>
+          </a:p>
+          <a:p>
+            <a:pPr marL="960120" lvl="1" indent="-457200">
+              <a:buFont typeface="+mj-lt"/>
+              <a:buAutoNum type="arabicPeriod"/>
+            </a:pPr>
+            <a:r>
+              <a:rPr lang="ja-JP" altLang="en-US" dirty="0"/>
+              <a:t>円滑なプロジェクト進行のために行った工夫</a:t>
+            </a:r>
+            <a:endParaRPr lang="en-US" altLang="ja-JP" dirty="0"/>
+          </a:p>
+          <a:p>
+            <a:pPr marL="960120" lvl="1" indent="-457200">
+              <a:buFont typeface="+mj-lt"/>
+              <a:buAutoNum type="arabicPeriod"/>
+            </a:pPr>
+            <a:r>
+              <a:rPr lang="ja-JP" altLang="en-US" dirty="0"/>
+              <a:t>個人としての成長・課題</a:t>
+            </a:r>
+            <a:endParaRPr lang="en-US" altLang="ja-JP" dirty="0"/>
+          </a:p>
+          <a:p>
+            <a:pPr marL="960120" lvl="1" indent="-457200">
+              <a:buFont typeface="+mj-lt"/>
+              <a:buAutoNum type="arabicPeriod"/>
+            </a:pPr>
+            <a:endParaRPr lang="en-US" altLang="ja-JP" dirty="0"/>
+          </a:p>
+          <a:p>
+            <a:pPr marL="457200" indent="-457200">
+              <a:buFont typeface="+mj-lt"/>
+              <a:buAutoNum type="arabicPeriod"/>
+            </a:pPr>
+            <a:r>
+              <a:rPr lang="ja-JP" altLang="en-US" dirty="0"/>
+              <a:t>まとめ</a:t>
+            </a:r>
+            <a:endParaRPr lang="en-US" altLang="ja-JP" dirty="0"/>
+          </a:p>
+          <a:p>
+            <a:pPr marL="960120" lvl="1" indent="-457200">
+              <a:buFont typeface="+mj-lt"/>
+              <a:buAutoNum type="arabicPeriod"/>
+            </a:pPr>
+            <a:endParaRPr kumimoji="1" lang="ja-JP" altLang="en-US" dirty="0"/>
           </a:p>
         </p:txBody>
       </p:sp>
@@ -8634,6 +10397,183 @@
           </a:prstGeom>
         </p:spPr>
       </p:pic>
+    </p:spTree>
+    <p:extLst>
+      <p:ext uri="{BB962C8B-B14F-4D97-AF65-F5344CB8AC3E}">
+        <p14:creationId xmlns:p14="http://schemas.microsoft.com/office/powerpoint/2010/main" val="2389837140"/>
+      </p:ext>
+    </p:extLst>
+  </p:cSld>
+  <p:clrMapOvr>
+    <a:masterClrMapping/>
+  </p:clrMapOvr>
+  <p:timing>
+    <p:tnLst>
+      <p:par>
+        <p:cTn id="1" dur="indefinite" restart="never" nodeType="tmRoot">
+          <p:childTnLst>
+            <p:seq concurrent="1" nextAc="seek">
+              <p:cTn id="2" dur="indefinite" nodeType="mainSeq">
+                <p:childTnLst>
+                  <p:par>
+                    <p:cTn id="3" fill="hold">
+                      <p:stCondLst>
+                        <p:cond delay="indefinite"/>
+                      </p:stCondLst>
+                      <p:childTnLst>
+                        <p:par>
+                          <p:cTn id="4" fill="hold">
+                            <p:stCondLst>
+                              <p:cond delay="0"/>
+                            </p:stCondLst>
+                            <p:childTnLst>
+                              <p:par>
+                                <p:cTn id="5" presetID="26" presetClass="emph" presetSubtype="0" fill="hold" nodeType="clickEffect">
+                                  <p:stCondLst>
+                                    <p:cond delay="0"/>
+                                  </p:stCondLst>
+                                  <p:childTnLst>
+                                    <p:animEffect transition="out" filter="fade">
+                                      <p:cBhvr>
+                                        <p:cTn id="6" dur="500" tmFilter="0, 0; .2, .5; .8, .5; 1, 0"/>
+                                        <p:tgtEl>
+                                          <p:spTgt spid="3">
+                                            <p:txEl>
+                                              <p:pRg st="0" end="0"/>
+                                            </p:txEl>
+                                          </p:spTgt>
+                                        </p:tgtEl>
+                                      </p:cBhvr>
+                                    </p:animEffect>
+                                    <p:animScale>
+                                      <p:cBhvr>
+                                        <p:cTn id="7" dur="250" autoRev="1" fill="hold"/>
+                                        <p:tgtEl>
+                                          <p:spTgt spid="3">
+                                            <p:txEl>
+                                              <p:pRg st="0" end="0"/>
+                                            </p:txEl>
+                                          </p:spTgt>
+                                        </p:tgtEl>
+                                      </p:cBhvr>
+                                      <p:by x="105000" y="105000"/>
+                                    </p:animScale>
+                                  </p:childTnLst>
+                                </p:cTn>
+                              </p:par>
+                            </p:childTnLst>
+                          </p:cTn>
+                        </p:par>
+                      </p:childTnLst>
+                    </p:cTn>
+                  </p:par>
+                </p:childTnLst>
+              </p:cTn>
+              <p:prevCondLst>
+                <p:cond evt="onPrev" delay="0">
+                  <p:tgtEl>
+                    <p:sldTgt/>
+                  </p:tgtEl>
+                </p:cond>
+              </p:prevCondLst>
+              <p:nextCondLst>
+                <p:cond evt="onNext" delay="0">
+                  <p:tgtEl>
+                    <p:sldTgt/>
+                  </p:tgtEl>
+                </p:cond>
+              </p:nextCondLst>
+            </p:seq>
+          </p:childTnLst>
+        </p:cTn>
+      </p:par>
+    </p:tnLst>
+  </p:timing>
+</p:sld>
+</file>
+
+<file path=ppt/slides/slide20.xml><?xml version="1.0" encoding="utf-8"?>
+<p:sld xmlns:a="http://schemas.openxmlformats.org/drawingml/2006/main" xmlns:r="http://schemas.openxmlformats.org/officeDocument/2006/relationships" xmlns:p="http://schemas.openxmlformats.org/presentationml/2006/main">
+  <p:cSld>
+    <p:spTree>
+      <p:nvGrpSpPr>
+        <p:cNvPr id="1" name=""/>
+        <p:cNvGrpSpPr/>
+        <p:nvPr/>
+      </p:nvGrpSpPr>
+      <p:grpSpPr>
+        <a:xfrm>
+          <a:off x="0" y="0"/>
+          <a:ext cx="0" cy="0"/>
+          <a:chOff x="0" y="0"/>
+          <a:chExt cx="0" cy="0"/>
+        </a:xfrm>
+      </p:grpSpPr>
+      <p:sp>
+        <p:nvSpPr>
+          <p:cNvPr id="2" name="タイトル 1">
+            <a:extLst>
+              <a:ext uri="{FF2B5EF4-FFF2-40B4-BE49-F238E27FC236}">
+                <a16:creationId xmlns:a16="http://schemas.microsoft.com/office/drawing/2014/main" id="{11FF109B-1A52-4682-9479-0DCAC48B3C35}"/>
+              </a:ext>
+            </a:extLst>
+          </p:cNvPr>
+          <p:cNvSpPr>
+            <a:spLocks noGrp="1"/>
+          </p:cNvSpPr>
+          <p:nvPr>
+            <p:ph type="title"/>
+          </p:nvPr>
+        </p:nvSpPr>
+        <p:spPr/>
+        <p:txBody>
+          <a:bodyPr/>
+          <a:lstStyle/>
+          <a:p>
+            <a:r>
+              <a:rPr kumimoji="1" lang="ja-JP" altLang="en-US" dirty="0"/>
+              <a:t>チーム目標</a:t>
+            </a:r>
+          </a:p>
+        </p:txBody>
+      </p:sp>
+      <p:pic>
+        <p:nvPicPr>
+          <p:cNvPr id="4" name="図 3" descr="アイコン&#10;&#10;自動的に生成された説明">
+            <a:extLst>
+              <a:ext uri="{FF2B5EF4-FFF2-40B4-BE49-F238E27FC236}">
+                <a16:creationId xmlns:a16="http://schemas.microsoft.com/office/drawing/2014/main" id="{F80B5929-9B90-4E9C-B9E6-44E443331DB5}"/>
+              </a:ext>
+            </a:extLst>
+          </p:cNvPr>
+          <p:cNvPicPr>
+            <a:picLocks noChangeAspect="1"/>
+          </p:cNvPicPr>
+          <p:nvPr/>
+        </p:nvPicPr>
+        <p:blipFill>
+          <a:blip r:embed="rId3">
+            <a:alphaModFix amt="85000"/>
+            <a:extLst>
+              <a:ext uri="{28A0092B-C50C-407E-A947-70E740481C1C}">
+                <a14:useLocalDpi xmlns:a14="http://schemas.microsoft.com/office/drawing/2010/main" val="0"/>
+              </a:ext>
+            </a:extLst>
+          </a:blip>
+          <a:stretch>
+            <a:fillRect/>
+          </a:stretch>
+        </p:blipFill>
+        <p:spPr>
+          <a:xfrm>
+            <a:off x="9466729" y="5262949"/>
+            <a:ext cx="2725271" cy="1469817"/>
+          </a:xfrm>
+          <a:prstGeom prst="rect">
+            <a:avLst/>
+          </a:prstGeom>
+        </p:spPr>
+      </p:pic>
       <p:sp>
         <p:nvSpPr>
           <p:cNvPr id="5" name="四角形: 角を丸くする 4">
@@ -8657,7 +10597,11 @@
           <a:solidFill>
             <a:schemeClr val="bg1"/>
           </a:solidFill>
-          <a:ln w="28575"/>
+          <a:ln w="28575">
+            <a:solidFill>
+              <a:schemeClr val="accent1"/>
+            </a:solidFill>
+          </a:ln>
         </p:spPr>
         <p:style>
           <a:lnRef idx="2">
@@ -8783,7 +10727,11 @@
           <a:solidFill>
             <a:schemeClr val="bg1"/>
           </a:solidFill>
-          <a:ln w="38100"/>
+          <a:ln w="38100">
+            <a:solidFill>
+              <a:schemeClr val="accent1"/>
+            </a:solidFill>
+          </a:ln>
         </p:spPr>
         <p:style>
           <a:lnRef idx="2">
@@ -9162,7 +11110,7 @@
 </p:sld>
 </file>
 
-<file path=ppt/slides/slide17.xml><?xml version="1.0" encoding="utf-8"?>
+<file path=ppt/slides/slide21.xml><?xml version="1.0" encoding="utf-8"?>
 <p:sld xmlns:a="http://schemas.openxmlformats.org/drawingml/2006/main" xmlns:r="http://schemas.openxmlformats.org/officeDocument/2006/relationships" xmlns:p="http://schemas.openxmlformats.org/presentationml/2006/main">
   <p:cSld>
     <p:spTree>
@@ -9206,7 +11154,11 @@
           <a:solidFill>
             <a:schemeClr val="bg1"/>
           </a:solidFill>
-          <a:ln w="28575"/>
+          <a:ln w="28575">
+            <a:solidFill>
+              <a:schemeClr val="accent1"/>
+            </a:solidFill>
+          </a:ln>
         </p:spPr>
         <p:style>
           <a:lnRef idx="2">
@@ -9726,7 +11678,7 @@
 </p:sld>
 </file>
 
-<file path=ppt/slides/slide18.xml><?xml version="1.0" encoding="utf-8"?>
+<file path=ppt/slides/slide22.xml><?xml version="1.0" encoding="utf-8"?>
 <p:sld xmlns:a="http://schemas.openxmlformats.org/drawingml/2006/main" xmlns:r="http://schemas.openxmlformats.org/officeDocument/2006/relationships" xmlns:p="http://schemas.openxmlformats.org/presentationml/2006/main">
   <p:cSld>
     <p:spTree>
@@ -10223,7 +12175,7 @@
 </p:sld>
 </file>
 
-<file path=ppt/slides/slide19.xml><?xml version="1.0" encoding="utf-8"?>
+<file path=ppt/slides/slide23.xml><?xml version="1.0" encoding="utf-8"?>
 <p:sld xmlns:a="http://schemas.openxmlformats.org/drawingml/2006/main" xmlns:r="http://schemas.openxmlformats.org/officeDocument/2006/relationships" xmlns:p="http://schemas.openxmlformats.org/presentationml/2006/main">
   <p:cSld>
     <p:spTree>
@@ -10705,7 +12657,7 @@
 </p:sld>
 </file>
 
-<file path=ppt/slides/slide2.xml><?xml version="1.0" encoding="utf-8"?>
+<file path=ppt/slides/slide24.xml><?xml version="1.0" encoding="utf-8"?>
 <p:sld xmlns:a="http://schemas.openxmlformats.org/drawingml/2006/main" xmlns:r="http://schemas.openxmlformats.org/officeDocument/2006/relationships" xmlns:p="http://schemas.openxmlformats.org/presentationml/2006/main">
   <p:cSld>
     <p:spTree>
@@ -10744,8 +12696,12 @@
           <a:lstStyle/>
           <a:p>
             <a:r>
+              <a:rPr kumimoji="1" lang="ja-JP" altLang="en-US" dirty="0"/>
+              <a:t>施策内容③</a:t>
+            </a:r>
+            <a:r>
               <a:rPr kumimoji="1" lang="en-US" altLang="ja-JP" dirty="0"/>
-              <a:t>Agenda</a:t>
+              <a:t>	</a:t>
             </a:r>
             <a:endParaRPr kumimoji="1" lang="ja-JP" altLang="en-US" dirty="0"/>
           </a:p>
@@ -10767,166 +12723,31 @@
             <p:ph idx="1"/>
           </p:nvPr>
         </p:nvSpPr>
-        <p:spPr/>
+        <p:spPr>
+          <a:xfrm>
+            <a:off x="3529263" y="864108"/>
+            <a:ext cx="8662737" cy="5120640"/>
+          </a:xfrm>
+        </p:spPr>
         <p:txBody>
-          <a:bodyPr/>
+          <a:bodyPr anchor="t">
+            <a:normAutofit/>
+          </a:bodyPr>
           <a:lstStyle/>
           <a:p>
-            <a:pPr marL="457200" indent="-457200">
-              <a:buFont typeface="+mj-lt"/>
-              <a:buAutoNum type="arabicPeriod"/>
+            <a:pPr marL="0" indent="0" rtl="0">
+              <a:spcBef>
+                <a:spcPts val="0"/>
+              </a:spcBef>
+              <a:spcAft>
+                <a:spcPts val="300"/>
+              </a:spcAft>
+              <a:buNone/>
             </a:pPr>
-            <a:r>
-              <a:rPr kumimoji="1" lang="ja-JP" altLang="en-US" dirty="0"/>
-              <a:t>プロダクトの成果</a:t>
-            </a:r>
-            <a:endParaRPr lang="en-US" altLang="ja-JP" dirty="0"/>
-          </a:p>
-          <a:p>
-            <a:pPr marL="960120" lvl="1" indent="-457200">
-              <a:buFont typeface="+mj-lt"/>
-              <a:buAutoNum type="arabicPeriod"/>
-            </a:pPr>
-            <a:r>
-              <a:rPr lang="ja-JP" altLang="en-US" dirty="0"/>
-              <a:t>製品化に至ったきっかけ</a:t>
-            </a:r>
-            <a:endParaRPr lang="en-US" altLang="ja-JP" dirty="0"/>
-          </a:p>
-          <a:p>
-            <a:pPr marL="960120" lvl="1" indent="-457200">
-              <a:buFont typeface="+mj-lt"/>
-              <a:buAutoNum type="arabicPeriod"/>
-            </a:pPr>
-            <a:r>
-              <a:rPr kumimoji="1" lang="en-US" altLang="ja-JP" dirty="0"/>
-              <a:t>Qbox</a:t>
-            </a:r>
-            <a:r>
-              <a:rPr kumimoji="1" lang="ja-JP" altLang="en-US" dirty="0"/>
-              <a:t>とは</a:t>
-            </a:r>
-            <a:endParaRPr kumimoji="1" lang="en-US" altLang="ja-JP" dirty="0"/>
-          </a:p>
-          <a:p>
-            <a:pPr marL="960120" lvl="1" indent="-457200">
-              <a:buFont typeface="+mj-lt"/>
-              <a:buAutoNum type="arabicPeriod"/>
-            </a:pPr>
-            <a:r>
-              <a:rPr lang="ja-JP" altLang="en-US" dirty="0"/>
-              <a:t>想定ユーザにとってのメリット</a:t>
-            </a:r>
-            <a:endParaRPr kumimoji="1" lang="en-US" altLang="ja-JP" dirty="0"/>
-          </a:p>
-          <a:p>
-            <a:pPr marL="960120" lvl="1" indent="-457200">
-              <a:buFont typeface="+mj-lt"/>
-              <a:buAutoNum type="arabicPeriod"/>
-            </a:pPr>
-            <a:r>
-              <a:rPr kumimoji="1" lang="ja-JP" altLang="en-US" dirty="0"/>
-              <a:t>システムのコンセプト</a:t>
-            </a:r>
-            <a:endParaRPr kumimoji="1" lang="en-US" altLang="ja-JP" dirty="0"/>
-          </a:p>
-          <a:p>
-            <a:pPr marL="960120" lvl="1" indent="-457200">
-              <a:buFont typeface="+mj-lt"/>
-              <a:buAutoNum type="arabicPeriod"/>
-            </a:pPr>
-            <a:r>
-              <a:rPr lang="ja-JP" altLang="en-US" dirty="0"/>
-              <a:t>デザイン面での工夫点</a:t>
-            </a:r>
-            <a:endParaRPr lang="en-US" altLang="ja-JP" dirty="0"/>
-          </a:p>
-          <a:p>
-            <a:pPr marL="960120" lvl="1" indent="-457200">
-              <a:buFont typeface="+mj-lt"/>
-              <a:buAutoNum type="arabicPeriod"/>
-            </a:pPr>
-            <a:r>
-              <a:rPr kumimoji="1" lang="ja-JP" altLang="en-US" dirty="0"/>
-              <a:t>機能面での工夫点</a:t>
-            </a:r>
-            <a:endParaRPr lang="en-US" altLang="ja-JP" dirty="0"/>
-          </a:p>
-          <a:p>
-            <a:pPr marL="960120" lvl="1" indent="-457200">
-              <a:buFont typeface="+mj-lt"/>
-              <a:buAutoNum type="arabicPeriod"/>
-            </a:pPr>
-            <a:endParaRPr kumimoji="1" lang="en-US" altLang="ja-JP" dirty="0"/>
-          </a:p>
-          <a:p>
-            <a:pPr marL="457200" indent="-457200">
-              <a:buFont typeface="+mj-lt"/>
-              <a:buAutoNum type="arabicPeriod"/>
-            </a:pPr>
-            <a:r>
-              <a:rPr lang="ja-JP" altLang="en-US" dirty="0"/>
-              <a:t>研修の成果</a:t>
-            </a:r>
-            <a:endParaRPr lang="en-US" altLang="ja-JP" dirty="0"/>
-          </a:p>
-          <a:p>
-            <a:pPr marL="960120" lvl="1" indent="-457200">
-              <a:buFont typeface="+mj-lt"/>
-              <a:buAutoNum type="arabicPeriod"/>
-            </a:pPr>
-            <a:r>
-              <a:rPr lang="ja-JP" altLang="en-US" dirty="0"/>
-              <a:t>チーム目標とその成果</a:t>
-            </a:r>
-            <a:endParaRPr lang="en-US" altLang="ja-JP" dirty="0"/>
-          </a:p>
-          <a:p>
-            <a:pPr marL="960120" lvl="1" indent="-457200">
-              <a:buFont typeface="+mj-lt"/>
-              <a:buAutoNum type="arabicPeriod"/>
-            </a:pPr>
-            <a:r>
-              <a:rPr lang="ja-JP" altLang="en-US" dirty="0"/>
-              <a:t>円滑なプロジェクト進行のために行った工夫</a:t>
-            </a:r>
-            <a:endParaRPr lang="en-US" altLang="ja-JP" dirty="0"/>
-          </a:p>
-          <a:p>
-            <a:pPr marL="960120" lvl="1" indent="-457200">
-              <a:buFont typeface="+mj-lt"/>
-              <a:buAutoNum type="arabicPeriod"/>
-            </a:pPr>
-            <a:r>
-              <a:rPr lang="ja-JP" altLang="en-US" dirty="0"/>
-              <a:t>個人としての成長・課題</a:t>
-            </a:r>
-            <a:endParaRPr lang="en-US" altLang="ja-JP" dirty="0"/>
-          </a:p>
-          <a:p>
-            <a:pPr marL="960120" lvl="1" indent="-457200">
-              <a:buFont typeface="+mj-lt"/>
-              <a:buAutoNum type="arabicPeriod"/>
-            </a:pPr>
-            <a:endParaRPr lang="en-US" altLang="ja-JP" dirty="0"/>
-          </a:p>
-          <a:p>
-            <a:pPr marL="457200" indent="-457200">
-              <a:buFont typeface="+mj-lt"/>
-              <a:buAutoNum type="arabicPeriod"/>
-            </a:pPr>
-            <a:r>
-              <a:rPr lang="ja-JP" altLang="en-US" dirty="0"/>
-              <a:t>まとめ</a:t>
-            </a:r>
-            <a:endParaRPr lang="en-US" altLang="ja-JP" dirty="0"/>
-          </a:p>
-          <a:p>
-            <a:pPr marL="960120" lvl="1" indent="-457200">
-              <a:buFont typeface="+mj-lt"/>
-              <a:buAutoNum type="arabicPeriod"/>
-            </a:pPr>
-            <a:endParaRPr kumimoji="1" lang="ja-JP" altLang="en-US" dirty="0"/>
+            <a:br>
+              <a:rPr lang="ja-JP" altLang="en-US" sz="2800" dirty="0"/>
+            </a:br>
+            <a:endParaRPr kumimoji="1" lang="ja-JP" altLang="en-US" sz="2800" dirty="0"/>
           </a:p>
         </p:txBody>
       </p:sp>
@@ -10967,232 +12788,6 @@
           </a:prstGeom>
         </p:spPr>
       </p:pic>
-    </p:spTree>
-    <p:extLst>
-      <p:ext uri="{BB962C8B-B14F-4D97-AF65-F5344CB8AC3E}">
-        <p14:creationId xmlns:p14="http://schemas.microsoft.com/office/powerpoint/2010/main" val="4213430680"/>
-      </p:ext>
-    </p:extLst>
-  </p:cSld>
-  <p:clrMapOvr>
-    <a:masterClrMapping/>
-  </p:clrMapOvr>
-  <p:timing>
-    <p:tnLst>
-      <p:par>
-        <p:cTn id="1" dur="indefinite" restart="never" nodeType="tmRoot">
-          <p:childTnLst>
-            <p:seq concurrent="1" nextAc="seek">
-              <p:cTn id="2" dur="indefinite" nodeType="mainSeq">
-                <p:childTnLst>
-                  <p:par>
-                    <p:cTn id="3" fill="hold">
-                      <p:stCondLst>
-                        <p:cond delay="indefinite"/>
-                      </p:stCondLst>
-                      <p:childTnLst>
-                        <p:par>
-                          <p:cTn id="4" fill="hold">
-                            <p:stCondLst>
-                              <p:cond delay="0"/>
-                            </p:stCondLst>
-                            <p:childTnLst>
-                              <p:par>
-                                <p:cTn id="5" presetID="26" presetClass="emph" presetSubtype="0" fill="hold" nodeType="clickEffect">
-                                  <p:stCondLst>
-                                    <p:cond delay="0"/>
-                                  </p:stCondLst>
-                                  <p:childTnLst>
-                                    <p:animEffect transition="out" filter="fade">
-                                      <p:cBhvr>
-                                        <p:cTn id="6" dur="500" tmFilter="0, 0; .2, .5; .8, .5; 1, 0"/>
-                                        <p:tgtEl>
-                                          <p:spTgt spid="3">
-                                            <p:txEl>
-                                              <p:pRg st="0" end="0"/>
-                                            </p:txEl>
-                                          </p:spTgt>
-                                        </p:tgtEl>
-                                      </p:cBhvr>
-                                    </p:animEffect>
-                                    <p:animScale>
-                                      <p:cBhvr>
-                                        <p:cTn id="7" dur="250" autoRev="1" fill="hold"/>
-                                        <p:tgtEl>
-                                          <p:spTgt spid="3">
-                                            <p:txEl>
-                                              <p:pRg st="0" end="0"/>
-                                            </p:txEl>
-                                          </p:spTgt>
-                                        </p:tgtEl>
-                                      </p:cBhvr>
-                                      <p:by x="105000" y="105000"/>
-                                    </p:animScale>
-                                  </p:childTnLst>
-                                </p:cTn>
-                              </p:par>
-                            </p:childTnLst>
-                          </p:cTn>
-                        </p:par>
-                      </p:childTnLst>
-                    </p:cTn>
-                  </p:par>
-                </p:childTnLst>
-              </p:cTn>
-              <p:prevCondLst>
-                <p:cond evt="onPrev" delay="0">
-                  <p:tgtEl>
-                    <p:sldTgt/>
-                  </p:tgtEl>
-                </p:cond>
-              </p:prevCondLst>
-              <p:nextCondLst>
-                <p:cond evt="onNext" delay="0">
-                  <p:tgtEl>
-                    <p:sldTgt/>
-                  </p:tgtEl>
-                </p:cond>
-              </p:nextCondLst>
-            </p:seq>
-          </p:childTnLst>
-        </p:cTn>
-      </p:par>
-    </p:tnLst>
-  </p:timing>
-</p:sld>
-</file>
-
-<file path=ppt/slides/slide20.xml><?xml version="1.0" encoding="utf-8"?>
-<p:sld xmlns:a="http://schemas.openxmlformats.org/drawingml/2006/main" xmlns:r="http://schemas.openxmlformats.org/officeDocument/2006/relationships" xmlns:p="http://schemas.openxmlformats.org/presentationml/2006/main">
-  <p:cSld>
-    <p:spTree>
-      <p:nvGrpSpPr>
-        <p:cNvPr id="1" name=""/>
-        <p:cNvGrpSpPr/>
-        <p:nvPr/>
-      </p:nvGrpSpPr>
-      <p:grpSpPr>
-        <a:xfrm>
-          <a:off x="0" y="0"/>
-          <a:ext cx="0" cy="0"/>
-          <a:chOff x="0" y="0"/>
-          <a:chExt cx="0" cy="0"/>
-        </a:xfrm>
-      </p:grpSpPr>
-      <p:sp>
-        <p:nvSpPr>
-          <p:cNvPr id="2" name="タイトル 1">
-            <a:extLst>
-              <a:ext uri="{FF2B5EF4-FFF2-40B4-BE49-F238E27FC236}">
-                <a16:creationId xmlns:a16="http://schemas.microsoft.com/office/drawing/2014/main" id="{11FF109B-1A52-4682-9479-0DCAC48B3C35}"/>
-              </a:ext>
-            </a:extLst>
-          </p:cNvPr>
-          <p:cNvSpPr>
-            <a:spLocks noGrp="1"/>
-          </p:cNvSpPr>
-          <p:nvPr>
-            <p:ph type="title"/>
-          </p:nvPr>
-        </p:nvSpPr>
-        <p:spPr/>
-        <p:txBody>
-          <a:bodyPr/>
-          <a:lstStyle/>
-          <a:p>
-            <a:r>
-              <a:rPr kumimoji="1" lang="ja-JP" altLang="en-US" dirty="0"/>
-              <a:t>施策内容③</a:t>
-            </a:r>
-            <a:r>
-              <a:rPr kumimoji="1" lang="en-US" altLang="ja-JP" dirty="0"/>
-              <a:t>	</a:t>
-            </a:r>
-            <a:endParaRPr kumimoji="1" lang="ja-JP" altLang="en-US" dirty="0"/>
-          </a:p>
-        </p:txBody>
-      </p:sp>
-      <p:sp>
-        <p:nvSpPr>
-          <p:cNvPr id="3" name="コンテンツ プレースホルダー 2">
-            <a:extLst>
-              <a:ext uri="{FF2B5EF4-FFF2-40B4-BE49-F238E27FC236}">
-                <a16:creationId xmlns:a16="http://schemas.microsoft.com/office/drawing/2014/main" id="{E23551B5-FD73-4043-9D9D-F069178EC83A}"/>
-              </a:ext>
-            </a:extLst>
-          </p:cNvPr>
-          <p:cNvSpPr>
-            <a:spLocks noGrp="1"/>
-          </p:cNvSpPr>
-          <p:nvPr>
-            <p:ph idx="1"/>
-          </p:nvPr>
-        </p:nvSpPr>
-        <p:spPr>
-          <a:xfrm>
-            <a:off x="3529263" y="864108"/>
-            <a:ext cx="8662737" cy="5120640"/>
-          </a:xfrm>
-        </p:spPr>
-        <p:txBody>
-          <a:bodyPr anchor="t">
-            <a:normAutofit/>
-          </a:bodyPr>
-          <a:lstStyle/>
-          <a:p>
-            <a:pPr marL="0" indent="0" rtl="0">
-              <a:spcBef>
-                <a:spcPts val="0"/>
-              </a:spcBef>
-              <a:spcAft>
-                <a:spcPts val="300"/>
-              </a:spcAft>
-              <a:buNone/>
-            </a:pPr>
-            <a:br>
-              <a:rPr lang="ja-JP" altLang="en-US" sz="2800" dirty="0"/>
-            </a:br>
-            <a:endParaRPr kumimoji="1" lang="ja-JP" altLang="en-US" sz="2800" dirty="0"/>
-          </a:p>
-        </p:txBody>
-      </p:sp>
-      <p:pic>
-        <p:nvPicPr>
-          <p:cNvPr id="4" name="図 3" descr="アイコン&#10;&#10;自動的に生成された説明">
-            <a:extLst>
-              <a:ext uri="{FF2B5EF4-FFF2-40B4-BE49-F238E27FC236}">
-                <a16:creationId xmlns:a16="http://schemas.microsoft.com/office/drawing/2014/main" id="{F80B5929-9B90-4E9C-B9E6-44E443331DB5}"/>
-              </a:ext>
-            </a:extLst>
-          </p:cNvPr>
-          <p:cNvPicPr>
-            <a:picLocks noChangeAspect="1"/>
-          </p:cNvPicPr>
-          <p:nvPr/>
-        </p:nvPicPr>
-        <p:blipFill>
-          <a:blip r:embed="rId3">
-            <a:alphaModFix amt="85000"/>
-            <a:extLst>
-              <a:ext uri="{28A0092B-C50C-407E-A947-70E740481C1C}">
-                <a14:useLocalDpi xmlns:a14="http://schemas.microsoft.com/office/drawing/2010/main" val="0"/>
-              </a:ext>
-            </a:extLst>
-          </a:blip>
-          <a:stretch>
-            <a:fillRect/>
-          </a:stretch>
-        </p:blipFill>
-        <p:spPr>
-          <a:xfrm>
-            <a:off x="9466729" y="5262949"/>
-            <a:ext cx="2725271" cy="1469817"/>
-          </a:xfrm>
-          <a:prstGeom prst="rect">
-            <a:avLst/>
-          </a:prstGeom>
-        </p:spPr>
-      </p:pic>
       <p:sp>
         <p:nvSpPr>
           <p:cNvPr id="5" name="四角形: 角を丸くする 4">
@@ -11352,7 +12947,7 @@
         <p:spPr>
           <a:xfrm>
             <a:off x="3636335" y="3054912"/>
-            <a:ext cx="8102009" cy="1767696"/>
+            <a:ext cx="8102009" cy="1570251"/>
           </a:xfrm>
           <a:prstGeom prst="wedgeRoundRectCallout">
             <a:avLst>
@@ -11542,7 +13137,7 @@
 </p:sld>
 </file>
 
-<file path=ppt/slides/slide21.xml><?xml version="1.0" encoding="utf-8"?>
+<file path=ppt/slides/slide25.xml><?xml version="1.0" encoding="utf-8"?>
 <p:sld xmlns:a="http://schemas.openxmlformats.org/drawingml/2006/main" xmlns:r="http://schemas.openxmlformats.org/officeDocument/2006/relationships" xmlns:p="http://schemas.openxmlformats.org/presentationml/2006/main">
   <p:cSld>
     <p:spTree>
@@ -12288,7 +13883,792 @@
 </p:sld>
 </file>
 
-<file path=ppt/slides/slide22.xml><?xml version="1.0" encoding="utf-8"?>
+<file path=ppt/slides/slide26.xml><?xml version="1.0" encoding="utf-8"?>
+<p:sld xmlns:a="http://schemas.openxmlformats.org/drawingml/2006/main" xmlns:r="http://schemas.openxmlformats.org/officeDocument/2006/relationships" xmlns:p="http://schemas.openxmlformats.org/presentationml/2006/main">
+  <p:cSld>
+    <p:spTree>
+      <p:nvGrpSpPr>
+        <p:cNvPr id="1" name=""/>
+        <p:cNvGrpSpPr/>
+        <p:nvPr/>
+      </p:nvGrpSpPr>
+      <p:grpSpPr>
+        <a:xfrm>
+          <a:off x="0" y="0"/>
+          <a:ext cx="0" cy="0"/>
+          <a:chOff x="0" y="0"/>
+          <a:chExt cx="0" cy="0"/>
+        </a:xfrm>
+      </p:grpSpPr>
+      <p:sp>
+        <p:nvSpPr>
+          <p:cNvPr id="2" name="タイトル 1">
+            <a:extLst>
+              <a:ext uri="{FF2B5EF4-FFF2-40B4-BE49-F238E27FC236}">
+                <a16:creationId xmlns:a16="http://schemas.microsoft.com/office/drawing/2014/main" id="{B086AC99-04B8-4070-8ECF-C2822A194F17}"/>
+              </a:ext>
+            </a:extLst>
+          </p:cNvPr>
+          <p:cNvSpPr>
+            <a:spLocks noGrp="1"/>
+          </p:cNvSpPr>
+          <p:nvPr>
+            <p:ph type="title"/>
+          </p:nvPr>
+        </p:nvSpPr>
+        <p:spPr/>
+        <p:txBody>
+          <a:bodyPr/>
+          <a:lstStyle/>
+          <a:p>
+            <a:r>
+              <a:rPr kumimoji="1" lang="ja-JP" altLang="en-US" dirty="0"/>
+              <a:t>問題点の</a:t>
+            </a:r>
+            <a:br>
+              <a:rPr kumimoji="1" lang="en-US" altLang="ja-JP" dirty="0"/>
+            </a:br>
+            <a:r>
+              <a:rPr kumimoji="1" lang="ja-JP" altLang="en-US" dirty="0"/>
+              <a:t>乗り越え方</a:t>
+            </a:r>
+          </a:p>
+        </p:txBody>
+      </p:sp>
+      <p:pic>
+        <p:nvPicPr>
+          <p:cNvPr id="4" name="図 3" descr="アイコン&#10;&#10;自動的に生成された説明">
+            <a:extLst>
+              <a:ext uri="{FF2B5EF4-FFF2-40B4-BE49-F238E27FC236}">
+                <a16:creationId xmlns:a16="http://schemas.microsoft.com/office/drawing/2014/main" id="{D2215EAA-81C4-4A6D-A398-B3C249ADF252}"/>
+              </a:ext>
+            </a:extLst>
+          </p:cNvPr>
+          <p:cNvPicPr>
+            <a:picLocks noChangeAspect="1"/>
+          </p:cNvPicPr>
+          <p:nvPr/>
+        </p:nvPicPr>
+        <p:blipFill>
+          <a:blip r:embed="rId2">
+            <a:alphaModFix amt="85000"/>
+            <a:extLst>
+              <a:ext uri="{28A0092B-C50C-407E-A947-70E740481C1C}">
+                <a14:useLocalDpi xmlns:a14="http://schemas.microsoft.com/office/drawing/2010/main" val="0"/>
+              </a:ext>
+            </a:extLst>
+          </a:blip>
+          <a:stretch>
+            <a:fillRect/>
+          </a:stretch>
+        </p:blipFill>
+        <p:spPr>
+          <a:xfrm>
+            <a:off x="9466729" y="5262949"/>
+            <a:ext cx="2725271" cy="1469817"/>
+          </a:xfrm>
+          <a:prstGeom prst="rect">
+            <a:avLst/>
+          </a:prstGeom>
+        </p:spPr>
+      </p:pic>
+      <p:sp>
+        <p:nvSpPr>
+          <p:cNvPr id="5" name="四角形: 角を丸くする 4">
+            <a:extLst>
+              <a:ext uri="{FF2B5EF4-FFF2-40B4-BE49-F238E27FC236}">
+                <a16:creationId xmlns:a16="http://schemas.microsoft.com/office/drawing/2014/main" id="{4F894395-083B-4AF9-B3C6-F4AECB4977C8}"/>
+              </a:ext>
+            </a:extLst>
+          </p:cNvPr>
+          <p:cNvSpPr/>
+          <p:nvPr/>
+        </p:nvSpPr>
+        <p:spPr>
+          <a:xfrm>
+            <a:off x="4011470" y="696693"/>
+            <a:ext cx="7603012" cy="1203158"/>
+          </a:xfrm>
+          <a:prstGeom prst="roundRect">
+            <a:avLst/>
+          </a:prstGeom>
+          <a:solidFill>
+            <a:schemeClr val="bg1"/>
+          </a:solidFill>
+          <a:ln w="28575">
+            <a:solidFill>
+              <a:schemeClr val="accent1"/>
+            </a:solidFill>
+          </a:ln>
+        </p:spPr>
+        <p:style>
+          <a:lnRef idx="2">
+            <a:schemeClr val="accent5"/>
+          </a:lnRef>
+          <a:fillRef idx="1">
+            <a:schemeClr val="lt1"/>
+          </a:fillRef>
+          <a:effectRef idx="0">
+            <a:schemeClr val="accent5"/>
+          </a:effectRef>
+          <a:fontRef idx="minor">
+            <a:schemeClr val="dk1"/>
+          </a:fontRef>
+        </p:style>
+        <p:txBody>
+          <a:bodyPr rtlCol="0" anchor="ctr"/>
+          <a:lstStyle/>
+          <a:p>
+            <a:r>
+              <a:rPr kumimoji="1" lang="en-US" altLang="ja-JP" sz="2400" dirty="0">
+                <a:solidFill>
+                  <a:schemeClr val="tx1">
+                    <a:lumMod val="65000"/>
+                    <a:lumOff val="35000"/>
+                  </a:schemeClr>
+                </a:solidFill>
+              </a:rPr>
+              <a:t>【</a:t>
+            </a:r>
+            <a:r>
+              <a:rPr kumimoji="1" lang="ja-JP" altLang="en-US" sz="2400" dirty="0">
+                <a:solidFill>
+                  <a:schemeClr val="tx1">
+                    <a:lumMod val="65000"/>
+                    <a:lumOff val="35000"/>
+                  </a:schemeClr>
+                </a:solidFill>
+              </a:rPr>
+              <a:t>問題点</a:t>
+            </a:r>
+            <a:r>
+              <a:rPr kumimoji="1" lang="en-US" altLang="ja-JP" sz="2400" dirty="0">
+                <a:solidFill>
+                  <a:schemeClr val="tx1">
+                    <a:lumMod val="65000"/>
+                    <a:lumOff val="35000"/>
+                  </a:schemeClr>
+                </a:solidFill>
+              </a:rPr>
+              <a:t>】</a:t>
+            </a:r>
+          </a:p>
+          <a:p>
+            <a:r>
+              <a:rPr kumimoji="1" lang="ja-JP" altLang="en-US" sz="2400" dirty="0">
+                <a:solidFill>
+                  <a:schemeClr val="tx1">
+                    <a:lumMod val="65000"/>
+                    <a:lumOff val="35000"/>
+                  </a:schemeClr>
+                </a:solidFill>
+              </a:rPr>
+              <a:t>小さなスペルミスなどからエラー多発</a:t>
+            </a:r>
+          </a:p>
+        </p:txBody>
+      </p:sp>
+      <p:sp>
+        <p:nvSpPr>
+          <p:cNvPr id="7" name="四角形: 角を丸くする 6">
+            <a:extLst>
+              <a:ext uri="{FF2B5EF4-FFF2-40B4-BE49-F238E27FC236}">
+                <a16:creationId xmlns:a16="http://schemas.microsoft.com/office/drawing/2014/main" id="{7EA28443-E26B-48C7-BF19-33037416389C}"/>
+              </a:ext>
+            </a:extLst>
+          </p:cNvPr>
+          <p:cNvSpPr/>
+          <p:nvPr/>
+        </p:nvSpPr>
+        <p:spPr>
+          <a:xfrm>
+            <a:off x="4011469" y="2501430"/>
+            <a:ext cx="7603013" cy="1203158"/>
+          </a:xfrm>
+          <a:prstGeom prst="roundRect">
+            <a:avLst/>
+          </a:prstGeom>
+          <a:solidFill>
+            <a:schemeClr val="bg1"/>
+          </a:solidFill>
+          <a:ln w="28575">
+            <a:solidFill>
+              <a:schemeClr val="accent1"/>
+            </a:solidFill>
+          </a:ln>
+        </p:spPr>
+        <p:style>
+          <a:lnRef idx="2">
+            <a:schemeClr val="accent5"/>
+          </a:lnRef>
+          <a:fillRef idx="1">
+            <a:schemeClr val="lt1"/>
+          </a:fillRef>
+          <a:effectRef idx="0">
+            <a:schemeClr val="accent5"/>
+          </a:effectRef>
+          <a:fontRef idx="minor">
+            <a:schemeClr val="dk1"/>
+          </a:fontRef>
+        </p:style>
+        <p:txBody>
+          <a:bodyPr rtlCol="0" anchor="ctr"/>
+          <a:lstStyle/>
+          <a:p>
+            <a:r>
+              <a:rPr kumimoji="1" lang="en-US" altLang="ja-JP" sz="2400" dirty="0">
+                <a:solidFill>
+                  <a:schemeClr val="tx1">
+                    <a:lumMod val="65000"/>
+                    <a:lumOff val="35000"/>
+                  </a:schemeClr>
+                </a:solidFill>
+              </a:rPr>
+              <a:t>【</a:t>
+            </a:r>
+            <a:r>
+              <a:rPr kumimoji="1" lang="ja-JP" altLang="en-US" sz="2400" dirty="0">
+                <a:solidFill>
+                  <a:schemeClr val="tx1">
+                    <a:lumMod val="65000"/>
+                    <a:lumOff val="35000"/>
+                  </a:schemeClr>
+                </a:solidFill>
+              </a:rPr>
+              <a:t>行ったこと</a:t>
+            </a:r>
+            <a:r>
+              <a:rPr kumimoji="1" lang="en-US" altLang="ja-JP" sz="2400" dirty="0">
+                <a:solidFill>
+                  <a:schemeClr val="tx1">
+                    <a:lumMod val="65000"/>
+                    <a:lumOff val="35000"/>
+                  </a:schemeClr>
+                </a:solidFill>
+              </a:rPr>
+              <a:t>】</a:t>
+            </a:r>
+          </a:p>
+          <a:p>
+            <a:r>
+              <a:rPr kumimoji="1" lang="ja-JP" altLang="en-US" sz="2400" dirty="0">
+                <a:solidFill>
+                  <a:schemeClr val="tx1">
+                    <a:lumMod val="65000"/>
+                    <a:lumOff val="35000"/>
+                  </a:schemeClr>
+                </a:solidFill>
+              </a:rPr>
+              <a:t>エラー時の対処法のプロセスを明確にした</a:t>
+            </a:r>
+          </a:p>
+        </p:txBody>
+      </p:sp>
+      <p:sp>
+        <p:nvSpPr>
+          <p:cNvPr id="8" name="四角形: 角を丸くする 7">
+            <a:extLst>
+              <a:ext uri="{FF2B5EF4-FFF2-40B4-BE49-F238E27FC236}">
+                <a16:creationId xmlns:a16="http://schemas.microsoft.com/office/drawing/2014/main" id="{D3500039-2649-42F3-BB5A-AA320CEF3ABC}"/>
+              </a:ext>
+            </a:extLst>
+          </p:cNvPr>
+          <p:cNvSpPr/>
+          <p:nvPr/>
+        </p:nvSpPr>
+        <p:spPr>
+          <a:xfrm>
+            <a:off x="4011470" y="4315325"/>
+            <a:ext cx="7603012" cy="1989222"/>
+          </a:xfrm>
+          <a:prstGeom prst="roundRect">
+            <a:avLst/>
+          </a:prstGeom>
+          <a:solidFill>
+            <a:schemeClr val="bg1"/>
+          </a:solidFill>
+          <a:ln w="28575">
+            <a:solidFill>
+              <a:schemeClr val="accent1"/>
+            </a:solidFill>
+          </a:ln>
+        </p:spPr>
+        <p:style>
+          <a:lnRef idx="2">
+            <a:schemeClr val="accent5"/>
+          </a:lnRef>
+          <a:fillRef idx="1">
+            <a:schemeClr val="lt1"/>
+          </a:fillRef>
+          <a:effectRef idx="0">
+            <a:schemeClr val="accent5"/>
+          </a:effectRef>
+          <a:fontRef idx="minor">
+            <a:schemeClr val="dk1"/>
+          </a:fontRef>
+        </p:style>
+        <p:txBody>
+          <a:bodyPr rtlCol="0" anchor="ctr"/>
+          <a:lstStyle/>
+          <a:p>
+            <a:r>
+              <a:rPr kumimoji="1" lang="en-US" altLang="ja-JP" sz="2400" dirty="0">
+                <a:solidFill>
+                  <a:schemeClr val="tx1">
+                    <a:lumMod val="65000"/>
+                    <a:lumOff val="35000"/>
+                  </a:schemeClr>
+                </a:solidFill>
+              </a:rPr>
+              <a:t>【</a:t>
+            </a:r>
+            <a:r>
+              <a:rPr kumimoji="1" lang="ja-JP" altLang="en-US" sz="2400" dirty="0">
+                <a:solidFill>
+                  <a:schemeClr val="tx1">
+                    <a:lumMod val="65000"/>
+                    <a:lumOff val="35000"/>
+                  </a:schemeClr>
+                </a:solidFill>
+              </a:rPr>
+              <a:t>結果</a:t>
+            </a:r>
+            <a:r>
+              <a:rPr kumimoji="1" lang="en-US" altLang="ja-JP" sz="2400" dirty="0">
+                <a:solidFill>
+                  <a:schemeClr val="tx1">
+                    <a:lumMod val="65000"/>
+                    <a:lumOff val="35000"/>
+                  </a:schemeClr>
+                </a:solidFill>
+              </a:rPr>
+              <a:t>】</a:t>
+            </a:r>
+          </a:p>
+          <a:p>
+            <a:pPr marL="285750" indent="-285750">
+              <a:buFont typeface="Arial" panose="020B0604020202020204" pitchFamily="34" charset="0"/>
+              <a:buChar char="•"/>
+            </a:pPr>
+            <a:r>
+              <a:rPr kumimoji="1" lang="ja-JP" altLang="en-US" sz="2400" dirty="0">
+                <a:solidFill>
+                  <a:schemeClr val="tx1">
+                    <a:lumMod val="65000"/>
+                    <a:lumOff val="35000"/>
+                  </a:schemeClr>
+                </a:solidFill>
+              </a:rPr>
+              <a:t>何も進まない無言の時間が減った</a:t>
+            </a:r>
+            <a:endParaRPr kumimoji="1" lang="en-US" altLang="ja-JP" sz="2400" dirty="0">
+              <a:solidFill>
+                <a:schemeClr val="tx1">
+                  <a:lumMod val="65000"/>
+                  <a:lumOff val="35000"/>
+                </a:schemeClr>
+              </a:solidFill>
+            </a:endParaRPr>
+          </a:p>
+          <a:p>
+            <a:pPr marL="285750" indent="-285750">
+              <a:buFont typeface="Arial" panose="020B0604020202020204" pitchFamily="34" charset="0"/>
+              <a:buChar char="•"/>
+            </a:pPr>
+            <a:r>
+              <a:rPr kumimoji="1" lang="ja-JP" altLang="en-US" sz="2400" dirty="0">
+                <a:solidFill>
+                  <a:schemeClr val="tx1">
+                    <a:lumMod val="65000"/>
+                    <a:lumOff val="35000"/>
+                  </a:schemeClr>
+                </a:solidFill>
+              </a:rPr>
+              <a:t>パニックにならず冷静に対処できた</a:t>
+            </a:r>
+            <a:endParaRPr kumimoji="1" lang="en-US" altLang="ja-JP" sz="2400" dirty="0">
+              <a:solidFill>
+                <a:schemeClr val="tx1">
+                  <a:lumMod val="65000"/>
+                  <a:lumOff val="35000"/>
+                </a:schemeClr>
+              </a:solidFill>
+            </a:endParaRPr>
+          </a:p>
+          <a:p>
+            <a:pPr marL="285750" indent="-285750">
+              <a:buFont typeface="Arial" panose="020B0604020202020204" pitchFamily="34" charset="0"/>
+              <a:buChar char="•"/>
+            </a:pPr>
+            <a:r>
+              <a:rPr kumimoji="1" lang="ja-JP" altLang="en-US" sz="2400" dirty="0">
+                <a:solidFill>
+                  <a:schemeClr val="tx1">
+                    <a:lumMod val="65000"/>
+                    <a:lumOff val="35000"/>
+                  </a:schemeClr>
+                </a:solidFill>
+              </a:rPr>
+              <a:t>班員の相談に乗りやすくなった</a:t>
+            </a:r>
+            <a:endParaRPr kumimoji="1" lang="en-US" altLang="ja-JP" sz="2400" dirty="0">
+              <a:solidFill>
+                <a:schemeClr val="tx1">
+                  <a:lumMod val="65000"/>
+                  <a:lumOff val="35000"/>
+                </a:schemeClr>
+              </a:solidFill>
+            </a:endParaRPr>
+          </a:p>
+          <a:p>
+            <a:pPr marL="285750" indent="-285750">
+              <a:buFont typeface="Arial" panose="020B0604020202020204" pitchFamily="34" charset="0"/>
+              <a:buChar char="•"/>
+            </a:pPr>
+            <a:r>
+              <a:rPr kumimoji="1" lang="ja-JP" altLang="en-US" sz="2400" dirty="0">
+                <a:solidFill>
+                  <a:schemeClr val="tx1">
+                    <a:lumMod val="65000"/>
+                    <a:lumOff val="35000"/>
+                  </a:schemeClr>
+                </a:solidFill>
+              </a:rPr>
+              <a:t>講師に相談するタイミングが判断しやすくなった</a:t>
+            </a:r>
+            <a:endParaRPr kumimoji="1" lang="en-US" altLang="ja-JP" sz="2400" dirty="0">
+              <a:solidFill>
+                <a:schemeClr val="tx1">
+                  <a:lumMod val="65000"/>
+                  <a:lumOff val="35000"/>
+                </a:schemeClr>
+              </a:solidFill>
+            </a:endParaRPr>
+          </a:p>
+        </p:txBody>
+      </p:sp>
+      <p:sp>
+        <p:nvSpPr>
+          <p:cNvPr id="6" name="二等辺三角形 5">
+            <a:extLst>
+              <a:ext uri="{FF2B5EF4-FFF2-40B4-BE49-F238E27FC236}">
+                <a16:creationId xmlns:a16="http://schemas.microsoft.com/office/drawing/2014/main" id="{719C5238-7A06-4DD4-86B4-D68CEBC29852}"/>
+              </a:ext>
+            </a:extLst>
+          </p:cNvPr>
+          <p:cNvSpPr/>
+          <p:nvPr/>
+        </p:nvSpPr>
+        <p:spPr>
+          <a:xfrm rot="10800000">
+            <a:off x="7371816" y="1912788"/>
+            <a:ext cx="882316" cy="601579"/>
+          </a:xfrm>
+          <a:prstGeom prst="triangle">
+            <a:avLst/>
+          </a:prstGeom>
+        </p:spPr>
+        <p:style>
+          <a:lnRef idx="2">
+            <a:schemeClr val="accent1">
+              <a:shade val="50000"/>
+            </a:schemeClr>
+          </a:lnRef>
+          <a:fillRef idx="1">
+            <a:schemeClr val="accent1"/>
+          </a:fillRef>
+          <a:effectRef idx="0">
+            <a:schemeClr val="accent1"/>
+          </a:effectRef>
+          <a:fontRef idx="minor">
+            <a:schemeClr val="lt1"/>
+          </a:fontRef>
+        </p:style>
+        <p:txBody>
+          <a:bodyPr rtlCol="0" anchor="ctr"/>
+          <a:lstStyle/>
+          <a:p>
+            <a:pPr algn="ctr"/>
+            <a:endParaRPr kumimoji="1" lang="ja-JP" altLang="en-US"/>
+          </a:p>
+        </p:txBody>
+      </p:sp>
+      <p:sp>
+        <p:nvSpPr>
+          <p:cNvPr id="10" name="二等辺三角形 9">
+            <a:extLst>
+              <a:ext uri="{FF2B5EF4-FFF2-40B4-BE49-F238E27FC236}">
+                <a16:creationId xmlns:a16="http://schemas.microsoft.com/office/drawing/2014/main" id="{6CEAEE08-8A4F-419F-9B01-A5DDB27B2066}"/>
+              </a:ext>
+            </a:extLst>
+          </p:cNvPr>
+          <p:cNvSpPr/>
+          <p:nvPr/>
+        </p:nvSpPr>
+        <p:spPr>
+          <a:xfrm rot="10800000">
+            <a:off x="7371816" y="3713746"/>
+            <a:ext cx="882316" cy="601579"/>
+          </a:xfrm>
+          <a:prstGeom prst="triangle">
+            <a:avLst/>
+          </a:prstGeom>
+        </p:spPr>
+        <p:style>
+          <a:lnRef idx="2">
+            <a:schemeClr val="accent1">
+              <a:shade val="50000"/>
+            </a:schemeClr>
+          </a:lnRef>
+          <a:fillRef idx="1">
+            <a:schemeClr val="accent1"/>
+          </a:fillRef>
+          <a:effectRef idx="0">
+            <a:schemeClr val="accent1"/>
+          </a:effectRef>
+          <a:fontRef idx="minor">
+            <a:schemeClr val="lt1"/>
+          </a:fontRef>
+        </p:style>
+        <p:txBody>
+          <a:bodyPr rtlCol="0" anchor="ctr"/>
+          <a:lstStyle/>
+          <a:p>
+            <a:pPr algn="ctr"/>
+            <a:endParaRPr kumimoji="1" lang="ja-JP" altLang="en-US"/>
+          </a:p>
+        </p:txBody>
+      </p:sp>
+    </p:spTree>
+    <p:extLst>
+      <p:ext uri="{BB962C8B-B14F-4D97-AF65-F5344CB8AC3E}">
+        <p14:creationId xmlns:p14="http://schemas.microsoft.com/office/powerpoint/2010/main" val="3174737785"/>
+      </p:ext>
+    </p:extLst>
+  </p:cSld>
+  <p:clrMapOvr>
+    <a:masterClrMapping/>
+  </p:clrMapOvr>
+  <p:timing>
+    <p:tnLst>
+      <p:par>
+        <p:cTn id="1" dur="indefinite" restart="never" nodeType="tmRoot">
+          <p:childTnLst>
+            <p:seq concurrent="1" nextAc="seek">
+              <p:cTn id="2" dur="indefinite" nodeType="mainSeq">
+                <p:childTnLst>
+                  <p:par>
+                    <p:cTn id="3" fill="hold">
+                      <p:stCondLst>
+                        <p:cond delay="indefinite"/>
+                      </p:stCondLst>
+                      <p:childTnLst>
+                        <p:par>
+                          <p:cTn id="4" fill="hold">
+                            <p:stCondLst>
+                              <p:cond delay="0"/>
+                            </p:stCondLst>
+                            <p:childTnLst>
+                              <p:par>
+                                <p:cTn id="5" presetID="2" presetClass="entr" presetSubtype="4" fill="hold" grpId="0" nodeType="clickEffect">
+                                  <p:stCondLst>
+                                    <p:cond delay="0"/>
+                                  </p:stCondLst>
+                                  <p:childTnLst>
+                                    <p:set>
+                                      <p:cBhvr>
+                                        <p:cTn id="6" dur="1" fill="hold">
+                                          <p:stCondLst>
+                                            <p:cond delay="0"/>
+                                          </p:stCondLst>
+                                        </p:cTn>
+                                        <p:tgtEl>
+                                          <p:spTgt spid="7"/>
+                                        </p:tgtEl>
+                                        <p:attrNameLst>
+                                          <p:attrName>style.visibility</p:attrName>
+                                        </p:attrNameLst>
+                                      </p:cBhvr>
+                                      <p:to>
+                                        <p:strVal val="visible"/>
+                                      </p:to>
+                                    </p:set>
+                                    <p:anim calcmode="lin" valueType="num">
+                                      <p:cBhvr additive="base">
+                                        <p:cTn id="7" dur="500" fill="hold"/>
+                                        <p:tgtEl>
+                                          <p:spTgt spid="7"/>
+                                        </p:tgtEl>
+                                        <p:attrNameLst>
+                                          <p:attrName>ppt_x</p:attrName>
+                                        </p:attrNameLst>
+                                      </p:cBhvr>
+                                      <p:tavLst>
+                                        <p:tav tm="0">
+                                          <p:val>
+                                            <p:strVal val="#ppt_x"/>
+                                          </p:val>
+                                        </p:tav>
+                                        <p:tav tm="100000">
+                                          <p:val>
+                                            <p:strVal val="#ppt_x"/>
+                                          </p:val>
+                                        </p:tav>
+                                      </p:tavLst>
+                                    </p:anim>
+                                    <p:anim calcmode="lin" valueType="num">
+                                      <p:cBhvr additive="base">
+                                        <p:cTn id="8" dur="500" fill="hold"/>
+                                        <p:tgtEl>
+                                          <p:spTgt spid="7"/>
+                                        </p:tgtEl>
+                                        <p:attrNameLst>
+                                          <p:attrName>ppt_y</p:attrName>
+                                        </p:attrNameLst>
+                                      </p:cBhvr>
+                                      <p:tavLst>
+                                        <p:tav tm="0">
+                                          <p:val>
+                                            <p:strVal val="1+#ppt_h/2"/>
+                                          </p:val>
+                                        </p:tav>
+                                        <p:tav tm="100000">
+                                          <p:val>
+                                            <p:strVal val="#ppt_y"/>
+                                          </p:val>
+                                        </p:tav>
+                                      </p:tavLst>
+                                    </p:anim>
+                                  </p:childTnLst>
+                                </p:cTn>
+                              </p:par>
+                            </p:childTnLst>
+                          </p:cTn>
+                        </p:par>
+                      </p:childTnLst>
+                    </p:cTn>
+                  </p:par>
+                  <p:par>
+                    <p:cTn id="9" fill="hold">
+                      <p:stCondLst>
+                        <p:cond delay="indefinite"/>
+                      </p:stCondLst>
+                      <p:childTnLst>
+                        <p:par>
+                          <p:cTn id="10" fill="hold">
+                            <p:stCondLst>
+                              <p:cond delay="0"/>
+                            </p:stCondLst>
+                            <p:childTnLst>
+                              <p:par>
+                                <p:cTn id="11" presetID="2" presetClass="entr" presetSubtype="4" fill="hold" grpId="0" nodeType="clickEffect">
+                                  <p:stCondLst>
+                                    <p:cond delay="0"/>
+                                  </p:stCondLst>
+                                  <p:childTnLst>
+                                    <p:set>
+                                      <p:cBhvr>
+                                        <p:cTn id="12" dur="1" fill="hold">
+                                          <p:stCondLst>
+                                            <p:cond delay="0"/>
+                                          </p:stCondLst>
+                                        </p:cTn>
+                                        <p:tgtEl>
+                                          <p:spTgt spid="8"/>
+                                        </p:tgtEl>
+                                        <p:attrNameLst>
+                                          <p:attrName>style.visibility</p:attrName>
+                                        </p:attrNameLst>
+                                      </p:cBhvr>
+                                      <p:to>
+                                        <p:strVal val="visible"/>
+                                      </p:to>
+                                    </p:set>
+                                    <p:anim calcmode="lin" valueType="num">
+                                      <p:cBhvr additive="base">
+                                        <p:cTn id="13" dur="500" fill="hold"/>
+                                        <p:tgtEl>
+                                          <p:spTgt spid="8"/>
+                                        </p:tgtEl>
+                                        <p:attrNameLst>
+                                          <p:attrName>ppt_x</p:attrName>
+                                        </p:attrNameLst>
+                                      </p:cBhvr>
+                                      <p:tavLst>
+                                        <p:tav tm="0">
+                                          <p:val>
+                                            <p:strVal val="#ppt_x"/>
+                                          </p:val>
+                                        </p:tav>
+                                        <p:tav tm="100000">
+                                          <p:val>
+                                            <p:strVal val="#ppt_x"/>
+                                          </p:val>
+                                        </p:tav>
+                                      </p:tavLst>
+                                    </p:anim>
+                                    <p:anim calcmode="lin" valueType="num">
+                                      <p:cBhvr additive="base">
+                                        <p:cTn id="14" dur="500" fill="hold"/>
+                                        <p:tgtEl>
+                                          <p:spTgt spid="8"/>
+                                        </p:tgtEl>
+                                        <p:attrNameLst>
+                                          <p:attrName>ppt_y</p:attrName>
+                                        </p:attrNameLst>
+                                      </p:cBhvr>
+                                      <p:tavLst>
+                                        <p:tav tm="0">
+                                          <p:val>
+                                            <p:strVal val="1+#ppt_h/2"/>
+                                          </p:val>
+                                        </p:tav>
+                                        <p:tav tm="100000">
+                                          <p:val>
+                                            <p:strVal val="#ppt_y"/>
+                                          </p:val>
+                                        </p:tav>
+                                      </p:tavLst>
+                                    </p:anim>
+                                  </p:childTnLst>
+                                </p:cTn>
+                              </p:par>
+                            </p:childTnLst>
+                          </p:cTn>
+                        </p:par>
+                      </p:childTnLst>
+                    </p:cTn>
+                  </p:par>
+                </p:childTnLst>
+              </p:cTn>
+              <p:prevCondLst>
+                <p:cond evt="onPrev" delay="0">
+                  <p:tgtEl>
+                    <p:sldTgt/>
+                  </p:tgtEl>
+                </p:cond>
+              </p:prevCondLst>
+              <p:nextCondLst>
+                <p:cond evt="onNext" delay="0">
+                  <p:tgtEl>
+                    <p:sldTgt/>
+                  </p:tgtEl>
+                </p:cond>
+              </p:nextCondLst>
+            </p:seq>
+          </p:childTnLst>
+        </p:cTn>
+      </p:par>
+    </p:tnLst>
+    <p:bldLst>
+      <p:bldP spid="7" grpId="0" animBg="1"/>
+      <p:bldP spid="8" grpId="0" animBg="1"/>
+    </p:bldLst>
+  </p:timing>
+</p:sld>
+</file>
+
+<file path=ppt/slides/slide27.xml><?xml version="1.0" encoding="utf-8"?>
 <p:sld xmlns:a="http://schemas.openxmlformats.org/drawingml/2006/main" xmlns:r="http://schemas.openxmlformats.org/officeDocument/2006/relationships" xmlns:p="http://schemas.openxmlformats.org/presentationml/2006/main">
   <p:cSld>
     <p:spTree>
@@ -12403,7 +14783,11 @@
             <a:avLst/>
           </a:prstGeom>
           <a:noFill/>
-          <a:ln w="28575"/>
+          <a:ln w="28575">
+            <a:solidFill>
+              <a:schemeClr val="accent1"/>
+            </a:solidFill>
+          </a:ln>
         </p:spPr>
         <p:style>
           <a:lnRef idx="2">
@@ -12519,7 +14903,11 @@
             <a:avLst/>
           </a:prstGeom>
           <a:noFill/>
-          <a:ln w="28575"/>
+          <a:ln w="28575">
+            <a:solidFill>
+              <a:schemeClr val="accent1"/>
+            </a:solidFill>
+          </a:ln>
         </p:spPr>
         <p:style>
           <a:lnRef idx="2">
@@ -12661,7 +15049,11 @@
           <a:solidFill>
             <a:schemeClr val="bg1"/>
           </a:solidFill>
-          <a:ln w="28575"/>
+          <a:ln w="28575">
+            <a:solidFill>
+              <a:schemeClr val="accent1"/>
+            </a:solidFill>
+          </a:ln>
         </p:spPr>
         <p:style>
           <a:lnRef idx="2">
@@ -13016,7 +15408,7 @@
 </p:sld>
 </file>
 
-<file path=ppt/slides/slide23.xml><?xml version="1.0" encoding="utf-8"?>
+<file path=ppt/slides/slide28.xml><?xml version="1.0" encoding="utf-8"?>
 <p:sld xmlns:a="http://schemas.openxmlformats.org/drawingml/2006/main" xmlns:r="http://schemas.openxmlformats.org/officeDocument/2006/relationships" xmlns:p="http://schemas.openxmlformats.org/presentationml/2006/main">
   <p:cSld>
     <p:spTree>
@@ -13126,7 +15518,11 @@
             <a:avLst/>
           </a:prstGeom>
           <a:noFill/>
-          <a:ln w="28575"/>
+          <a:ln w="28575">
+            <a:solidFill>
+              <a:schemeClr val="accent1"/>
+            </a:solidFill>
+          </a:ln>
         </p:spPr>
         <p:style>
           <a:lnRef idx="2">
@@ -13229,7 +15625,11 @@
             <a:avLst/>
           </a:prstGeom>
           <a:noFill/>
-          <a:ln w="28575"/>
+          <a:ln w="28575">
+            <a:solidFill>
+              <a:schemeClr val="accent1"/>
+            </a:solidFill>
+          </a:ln>
         </p:spPr>
         <p:style>
           <a:lnRef idx="2">
@@ -13406,7 +15806,11 @@
           <a:solidFill>
             <a:schemeClr val="bg1"/>
           </a:solidFill>
-          <a:ln w="28575"/>
+          <a:ln w="28575">
+            <a:solidFill>
+              <a:schemeClr val="accent1"/>
+            </a:solidFill>
+          </a:ln>
         </p:spPr>
         <p:style>
           <a:lnRef idx="2">
@@ -13712,7 +16116,7 @@
 </p:sld>
 </file>
 
-<file path=ppt/slides/slide24.xml><?xml version="1.0" encoding="utf-8"?>
+<file path=ppt/slides/slide29.xml><?xml version="1.0" encoding="utf-8"?>
 <p:sld xmlns:a="http://schemas.openxmlformats.org/drawingml/2006/main" xmlns:r="http://schemas.openxmlformats.org/officeDocument/2006/relationships" xmlns:p="http://schemas.openxmlformats.org/presentationml/2006/main">
   <p:cSld>
     <p:spTree>
@@ -13837,7 +16241,11 @@
             <a:avLst/>
           </a:prstGeom>
           <a:noFill/>
-          <a:ln w="28575"/>
+          <a:ln w="28575">
+            <a:solidFill>
+              <a:schemeClr val="accent1"/>
+            </a:solidFill>
+          </a:ln>
         </p:spPr>
         <p:style>
           <a:lnRef idx="2">
@@ -14023,7 +16431,11 @@
             <a:avLst/>
           </a:prstGeom>
           <a:noFill/>
-          <a:ln w="28575"/>
+          <a:ln w="28575">
+            <a:solidFill>
+              <a:schemeClr val="accent1"/>
+            </a:solidFill>
+          </a:ln>
         </p:spPr>
         <p:style>
           <a:lnRef idx="2">
@@ -14160,7 +16572,11 @@
           <a:solidFill>
             <a:schemeClr val="bg1"/>
           </a:solidFill>
-          <a:ln w="28575"/>
+          <a:ln w="28575">
+            <a:solidFill>
+              <a:schemeClr val="accent1"/>
+            </a:solidFill>
+          </a:ln>
         </p:spPr>
         <p:style>
           <a:lnRef idx="2">
@@ -14499,7 +16915,1050 @@
 </p:sld>
 </file>
 
-<file path=ppt/slides/slide25.xml><?xml version="1.0" encoding="utf-8"?>
+<file path=ppt/slides/slide3.xml><?xml version="1.0" encoding="utf-8"?>
+<p:sld xmlns:a="http://schemas.openxmlformats.org/drawingml/2006/main" xmlns:r="http://schemas.openxmlformats.org/officeDocument/2006/relationships" xmlns:p="http://schemas.openxmlformats.org/presentationml/2006/main">
+  <p:cSld>
+    <p:spTree>
+      <p:nvGrpSpPr>
+        <p:cNvPr id="1" name=""/>
+        <p:cNvGrpSpPr/>
+        <p:nvPr/>
+      </p:nvGrpSpPr>
+      <p:grpSpPr>
+        <a:xfrm>
+          <a:off x="0" y="0"/>
+          <a:ext cx="0" cy="0"/>
+          <a:chOff x="0" y="0"/>
+          <a:chExt cx="0" cy="0"/>
+        </a:xfrm>
+      </p:grpSpPr>
+      <p:sp>
+        <p:nvSpPr>
+          <p:cNvPr id="2" name="タイトル 1">
+            <a:extLst>
+              <a:ext uri="{FF2B5EF4-FFF2-40B4-BE49-F238E27FC236}">
+                <a16:creationId xmlns:a16="http://schemas.microsoft.com/office/drawing/2014/main" id="{5FDBA70E-BE3A-437A-BFD7-046243070C8C}"/>
+              </a:ext>
+            </a:extLst>
+          </p:cNvPr>
+          <p:cNvSpPr>
+            <a:spLocks noGrp="1"/>
+          </p:cNvSpPr>
+          <p:nvPr>
+            <p:ph type="title"/>
+          </p:nvPr>
+        </p:nvSpPr>
+        <p:spPr>
+          <a:xfrm>
+            <a:off x="1" y="1123836"/>
+            <a:ext cx="3433010" cy="4601183"/>
+          </a:xfrm>
+        </p:spPr>
+        <p:txBody>
+          <a:bodyPr/>
+          <a:lstStyle/>
+          <a:p>
+            <a:r>
+              <a:rPr kumimoji="1" lang="ja-JP" altLang="en-US" dirty="0"/>
+              <a:t>チーム名の由来</a:t>
+            </a:r>
+            <a:br>
+              <a:rPr kumimoji="1" lang="en-US" altLang="ja-JP" dirty="0"/>
+            </a:br>
+            <a:r>
+              <a:rPr kumimoji="1" lang="ja-JP" altLang="en-US" sz="2800" dirty="0"/>
+              <a:t>～なぜ富士山？～</a:t>
+            </a:r>
+          </a:p>
+        </p:txBody>
+      </p:sp>
+      <p:pic>
+        <p:nvPicPr>
+          <p:cNvPr id="4" name="図 3" descr="アイコン&#10;&#10;自動的に生成された説明">
+            <a:extLst>
+              <a:ext uri="{FF2B5EF4-FFF2-40B4-BE49-F238E27FC236}">
+                <a16:creationId xmlns:a16="http://schemas.microsoft.com/office/drawing/2014/main" id="{E45C1E06-A469-4AFE-8D0B-6F779B771D82}"/>
+              </a:ext>
+            </a:extLst>
+          </p:cNvPr>
+          <p:cNvPicPr>
+            <a:picLocks noChangeAspect="1"/>
+          </p:cNvPicPr>
+          <p:nvPr/>
+        </p:nvPicPr>
+        <p:blipFill>
+          <a:blip r:embed="rId2">
+            <a:alphaModFix amt="85000"/>
+            <a:extLst>
+              <a:ext uri="{28A0092B-C50C-407E-A947-70E740481C1C}">
+                <a14:useLocalDpi xmlns:a14="http://schemas.microsoft.com/office/drawing/2010/main" val="0"/>
+              </a:ext>
+            </a:extLst>
+          </a:blip>
+          <a:stretch>
+            <a:fillRect/>
+          </a:stretch>
+        </p:blipFill>
+        <p:spPr>
+          <a:xfrm>
+            <a:off x="6096000" y="2689518"/>
+            <a:ext cx="2725271" cy="1469817"/>
+          </a:xfrm>
+          <a:prstGeom prst="rect">
+            <a:avLst/>
+          </a:prstGeom>
+        </p:spPr>
+      </p:pic>
+      <p:sp>
+        <p:nvSpPr>
+          <p:cNvPr id="8" name="吹き出し: 角を丸めた四角形 7">
+            <a:extLst>
+              <a:ext uri="{FF2B5EF4-FFF2-40B4-BE49-F238E27FC236}">
+                <a16:creationId xmlns:a16="http://schemas.microsoft.com/office/drawing/2014/main" id="{D86B9F7B-0609-4948-910B-735F94DE6190}"/>
+              </a:ext>
+            </a:extLst>
+          </p:cNvPr>
+          <p:cNvSpPr/>
+          <p:nvPr/>
+        </p:nvSpPr>
+        <p:spPr>
+          <a:xfrm>
+            <a:off x="3567834" y="107802"/>
+            <a:ext cx="4329257" cy="1781109"/>
+          </a:xfrm>
+          <a:prstGeom prst="wedgeRoundRectCallout">
+            <a:avLst>
+              <a:gd name="adj1" fmla="val 24494"/>
+              <a:gd name="adj2" fmla="val 93123"/>
+              <a:gd name="adj3" fmla="val 16667"/>
+            </a:avLst>
+          </a:prstGeom>
+          <a:solidFill>
+            <a:schemeClr val="bg1"/>
+          </a:solidFill>
+          <a:ln w="28575">
+            <a:solidFill>
+              <a:schemeClr val="accent1"/>
+            </a:solidFill>
+          </a:ln>
+        </p:spPr>
+        <p:style>
+          <a:lnRef idx="2">
+            <a:schemeClr val="accent1">
+              <a:shade val="50000"/>
+            </a:schemeClr>
+          </a:lnRef>
+          <a:fillRef idx="1">
+            <a:schemeClr val="accent1"/>
+          </a:fillRef>
+          <a:effectRef idx="0">
+            <a:schemeClr val="accent1"/>
+          </a:effectRef>
+          <a:fontRef idx="minor">
+            <a:schemeClr val="lt1"/>
+          </a:fontRef>
+        </p:style>
+        <p:txBody>
+          <a:bodyPr rtlCol="0" anchor="ctr"/>
+          <a:lstStyle/>
+          <a:p>
+            <a:pPr marL="0" marR="0" lvl="0" indent="0" algn="l" defTabSz="914400" rtl="0" eaLnBrk="1" fontAlgn="auto" latinLnBrk="0" hangingPunct="1">
+              <a:lnSpc>
+                <a:spcPct val="90000"/>
+              </a:lnSpc>
+              <a:spcBef>
+                <a:spcPts val="1200"/>
+              </a:spcBef>
+              <a:spcAft>
+                <a:spcPts val="0"/>
+              </a:spcAft>
+              <a:buClr>
+                <a:srgbClr val="40BAD2"/>
+              </a:buClr>
+              <a:buSzTx/>
+              <a:buFontTx/>
+              <a:buNone/>
+              <a:tabLst/>
+              <a:defRPr/>
+            </a:pPr>
+            <a:r>
+              <a:rPr kumimoji="1" lang="ja-JP" altLang="en-US" sz="2400" b="0" i="0" u="none" strike="noStrike" kern="1200" cap="none" spc="0" normalizeH="0" baseline="0" noProof="0" dirty="0">
+                <a:ln>
+                  <a:noFill/>
+                </a:ln>
+                <a:solidFill>
+                  <a:srgbClr val="000000">
+                    <a:lumMod val="65000"/>
+                    <a:lumOff val="35000"/>
+                  </a:srgbClr>
+                </a:solidFill>
+                <a:effectLst/>
+                <a:uLnTx/>
+                <a:uFillTx/>
+                <a:latin typeface="Corbel" panose="020B0503020204020204"/>
+                <a:ea typeface="ＭＳ ゴシック" panose="020B0609070205080204" pitchFamily="49" charset="-128"/>
+                <a:cs typeface="+mn-cs"/>
+              </a:rPr>
+              <a:t>ミニプロジェクトにて初めて</a:t>
+            </a:r>
+            <a:endParaRPr kumimoji="1" lang="en-US" altLang="ja-JP" sz="2400" b="0" i="0" u="none" strike="noStrike" kern="1200" cap="none" spc="0" normalizeH="0" baseline="0" noProof="0" dirty="0">
+              <a:ln>
+                <a:noFill/>
+              </a:ln>
+              <a:solidFill>
+                <a:srgbClr val="000000">
+                  <a:lumMod val="65000"/>
+                  <a:lumOff val="35000"/>
+                </a:srgbClr>
+              </a:solidFill>
+              <a:effectLst/>
+              <a:uLnTx/>
+              <a:uFillTx/>
+              <a:latin typeface="Corbel" panose="020B0503020204020204"/>
+              <a:ea typeface="ＭＳ ゴシック" panose="020B0609070205080204" pitchFamily="49" charset="-128"/>
+              <a:cs typeface="+mn-cs"/>
+            </a:endParaRPr>
+          </a:p>
+          <a:p>
+            <a:pPr marL="0" marR="0" lvl="0" indent="0" algn="l" defTabSz="914400" rtl="0" eaLnBrk="1" fontAlgn="auto" latinLnBrk="0" hangingPunct="1">
+              <a:lnSpc>
+                <a:spcPct val="90000"/>
+              </a:lnSpc>
+              <a:spcBef>
+                <a:spcPts val="1200"/>
+              </a:spcBef>
+              <a:spcAft>
+                <a:spcPts val="0"/>
+              </a:spcAft>
+              <a:buClr>
+                <a:srgbClr val="40BAD2"/>
+              </a:buClr>
+              <a:buSzTx/>
+              <a:buFontTx/>
+              <a:buNone/>
+              <a:tabLst/>
+              <a:defRPr/>
+            </a:pPr>
+            <a:r>
+              <a:rPr kumimoji="1" lang="ja-JP" altLang="en-US" sz="2400" b="0" i="0" u="none" strike="noStrike" kern="1200" cap="none" spc="0" normalizeH="0" baseline="0" noProof="0" dirty="0">
+                <a:ln>
+                  <a:noFill/>
+                </a:ln>
+                <a:solidFill>
+                  <a:srgbClr val="000000">
+                    <a:lumMod val="65000"/>
+                    <a:lumOff val="35000"/>
+                  </a:srgbClr>
+                </a:solidFill>
+                <a:effectLst/>
+                <a:uLnTx/>
+                <a:uFillTx/>
+                <a:latin typeface="Corbel" panose="020B0503020204020204"/>
+                <a:ea typeface="ＭＳ ゴシック" panose="020B0609070205080204" pitchFamily="49" charset="-128"/>
+                <a:cs typeface="+mn-cs"/>
+              </a:rPr>
+              <a:t>みんなで協力して作った</a:t>
+            </a:r>
+            <a:endParaRPr kumimoji="1" lang="en-US" altLang="ja-JP" sz="2400" b="0" i="0" u="none" strike="noStrike" kern="1200" cap="none" spc="0" normalizeH="0" baseline="0" noProof="0" dirty="0">
+              <a:ln>
+                <a:noFill/>
+              </a:ln>
+              <a:solidFill>
+                <a:srgbClr val="000000">
+                  <a:lumMod val="65000"/>
+                  <a:lumOff val="35000"/>
+                </a:srgbClr>
+              </a:solidFill>
+              <a:effectLst/>
+              <a:uLnTx/>
+              <a:uFillTx/>
+              <a:latin typeface="Corbel" panose="020B0503020204020204"/>
+              <a:ea typeface="ＭＳ ゴシック" panose="020B0609070205080204" pitchFamily="49" charset="-128"/>
+              <a:cs typeface="+mn-cs"/>
+            </a:endParaRPr>
+          </a:p>
+          <a:p>
+            <a:pPr marL="0" marR="0" lvl="0" indent="0" algn="l" defTabSz="914400" rtl="0" eaLnBrk="1" fontAlgn="auto" latinLnBrk="0" hangingPunct="1">
+              <a:lnSpc>
+                <a:spcPct val="90000"/>
+              </a:lnSpc>
+              <a:spcBef>
+                <a:spcPts val="1200"/>
+              </a:spcBef>
+              <a:spcAft>
+                <a:spcPts val="0"/>
+              </a:spcAft>
+              <a:buClr>
+                <a:srgbClr val="40BAD2"/>
+              </a:buClr>
+              <a:buSzTx/>
+              <a:buFontTx/>
+              <a:buNone/>
+              <a:tabLst/>
+              <a:defRPr/>
+            </a:pPr>
+            <a:r>
+              <a:rPr kumimoji="1" lang="ja-JP" altLang="en-US" sz="2400" b="0" i="0" u="none" strike="noStrike" kern="1200" cap="none" spc="0" normalizeH="0" baseline="0" noProof="0" dirty="0">
+                <a:ln>
+                  <a:noFill/>
+                </a:ln>
+                <a:solidFill>
+                  <a:srgbClr val="000000">
+                    <a:lumMod val="65000"/>
+                    <a:lumOff val="35000"/>
+                  </a:srgbClr>
+                </a:solidFill>
+                <a:effectLst/>
+                <a:uLnTx/>
+                <a:uFillTx/>
+                <a:latin typeface="Corbel" panose="020B0503020204020204"/>
+                <a:ea typeface="ＭＳ ゴシック" panose="020B0609070205080204" pitchFamily="49" charset="-128"/>
+                <a:cs typeface="+mn-cs"/>
+              </a:rPr>
+              <a:t>モチーフであるため</a:t>
+            </a:r>
+            <a:endParaRPr kumimoji="1" lang="en-US" altLang="ja-JP" sz="2400" b="0" i="0" u="none" strike="noStrike" kern="1200" cap="none" spc="0" normalizeH="0" baseline="0" noProof="0" dirty="0">
+              <a:ln>
+                <a:noFill/>
+              </a:ln>
+              <a:solidFill>
+                <a:srgbClr val="000000">
+                  <a:lumMod val="65000"/>
+                  <a:lumOff val="35000"/>
+                </a:srgbClr>
+              </a:solidFill>
+              <a:effectLst/>
+              <a:uLnTx/>
+              <a:uFillTx/>
+              <a:latin typeface="Corbel" panose="020B0503020204020204"/>
+              <a:ea typeface="ＭＳ ゴシック" panose="020B0609070205080204" pitchFamily="49" charset="-128"/>
+              <a:cs typeface="+mn-cs"/>
+            </a:endParaRPr>
+          </a:p>
+        </p:txBody>
+      </p:sp>
+      <p:sp>
+        <p:nvSpPr>
+          <p:cNvPr id="9" name="吹き出し: 角を丸めた四角形 8">
+            <a:extLst>
+              <a:ext uri="{FF2B5EF4-FFF2-40B4-BE49-F238E27FC236}">
+                <a16:creationId xmlns:a16="http://schemas.microsoft.com/office/drawing/2014/main" id="{A221A5C0-7C18-4572-B475-4F0D1C4EFF0F}"/>
+              </a:ext>
+            </a:extLst>
+          </p:cNvPr>
+          <p:cNvSpPr/>
+          <p:nvPr/>
+        </p:nvSpPr>
+        <p:spPr>
+          <a:xfrm>
+            <a:off x="3567834" y="4834464"/>
+            <a:ext cx="4329257" cy="1781109"/>
+          </a:xfrm>
+          <a:prstGeom prst="wedgeRoundRectCallout">
+            <a:avLst>
+              <a:gd name="adj1" fmla="val 36894"/>
+              <a:gd name="adj2" fmla="val -87013"/>
+              <a:gd name="adj3" fmla="val 16667"/>
+            </a:avLst>
+          </a:prstGeom>
+          <a:solidFill>
+            <a:schemeClr val="bg1"/>
+          </a:solidFill>
+          <a:ln w="28575">
+            <a:solidFill>
+              <a:schemeClr val="accent1"/>
+            </a:solidFill>
+          </a:ln>
+        </p:spPr>
+        <p:style>
+          <a:lnRef idx="2">
+            <a:schemeClr val="accent1">
+              <a:shade val="50000"/>
+            </a:schemeClr>
+          </a:lnRef>
+          <a:fillRef idx="1">
+            <a:schemeClr val="accent1"/>
+          </a:fillRef>
+          <a:effectRef idx="0">
+            <a:schemeClr val="accent1"/>
+          </a:effectRef>
+          <a:fontRef idx="minor">
+            <a:schemeClr val="lt1"/>
+          </a:fontRef>
+        </p:style>
+        <p:txBody>
+          <a:bodyPr rtlCol="0" anchor="ctr"/>
+          <a:lstStyle/>
+          <a:p>
+            <a:pPr marL="0" marR="0" lvl="0" indent="0" algn="l" defTabSz="914400" rtl="0" eaLnBrk="1" fontAlgn="auto" latinLnBrk="0" hangingPunct="1">
+              <a:lnSpc>
+                <a:spcPct val="90000"/>
+              </a:lnSpc>
+              <a:spcBef>
+                <a:spcPts val="1200"/>
+              </a:spcBef>
+              <a:spcAft>
+                <a:spcPts val="0"/>
+              </a:spcAft>
+              <a:buClr>
+                <a:srgbClr val="40BAD2"/>
+              </a:buClr>
+              <a:buSzTx/>
+              <a:buFontTx/>
+              <a:buNone/>
+              <a:tabLst/>
+              <a:defRPr/>
+            </a:pPr>
+            <a:r>
+              <a:rPr kumimoji="1" lang="ja-JP" altLang="en-US" sz="2400" b="0" i="0" u="none" strike="noStrike" kern="1200" cap="none" spc="0" normalizeH="0" baseline="0" noProof="0" dirty="0">
+                <a:ln>
+                  <a:noFill/>
+                </a:ln>
+                <a:solidFill>
+                  <a:srgbClr val="000000">
+                    <a:lumMod val="65000"/>
+                    <a:lumOff val="35000"/>
+                  </a:srgbClr>
+                </a:solidFill>
+                <a:effectLst/>
+                <a:uLnTx/>
+                <a:uFillTx/>
+                <a:latin typeface="Corbel" panose="020B0503020204020204"/>
+                <a:ea typeface="ＭＳ ゴシック" panose="020B0609070205080204" pitchFamily="49" charset="-128"/>
+                <a:cs typeface="+mn-cs"/>
+              </a:rPr>
+              <a:t>富士山のようにみんなに</a:t>
+            </a:r>
+            <a:endParaRPr kumimoji="1" lang="en-US" altLang="ja-JP" sz="2400" b="0" i="0" u="none" strike="noStrike" kern="1200" cap="none" spc="0" normalizeH="0" baseline="0" noProof="0" dirty="0">
+              <a:ln>
+                <a:noFill/>
+              </a:ln>
+              <a:solidFill>
+                <a:srgbClr val="000000">
+                  <a:lumMod val="65000"/>
+                  <a:lumOff val="35000"/>
+                </a:srgbClr>
+              </a:solidFill>
+              <a:effectLst/>
+              <a:uLnTx/>
+              <a:uFillTx/>
+              <a:latin typeface="Corbel" panose="020B0503020204020204"/>
+              <a:ea typeface="ＭＳ ゴシック" panose="020B0609070205080204" pitchFamily="49" charset="-128"/>
+              <a:cs typeface="+mn-cs"/>
+            </a:endParaRPr>
+          </a:p>
+          <a:p>
+            <a:pPr marL="0" marR="0" lvl="0" indent="0" algn="l" defTabSz="914400" rtl="0" eaLnBrk="1" fontAlgn="auto" latinLnBrk="0" hangingPunct="1">
+              <a:lnSpc>
+                <a:spcPct val="90000"/>
+              </a:lnSpc>
+              <a:spcBef>
+                <a:spcPts val="1200"/>
+              </a:spcBef>
+              <a:spcAft>
+                <a:spcPts val="0"/>
+              </a:spcAft>
+              <a:buClr>
+                <a:srgbClr val="40BAD2"/>
+              </a:buClr>
+              <a:buSzTx/>
+              <a:buFontTx/>
+              <a:buNone/>
+              <a:tabLst/>
+              <a:defRPr/>
+            </a:pPr>
+            <a:r>
+              <a:rPr kumimoji="1" lang="ja-JP" altLang="en-US" sz="2400" b="0" i="0" u="none" strike="noStrike" kern="1200" cap="none" spc="0" normalizeH="0" baseline="0" noProof="0" dirty="0">
+                <a:ln>
+                  <a:noFill/>
+                </a:ln>
+                <a:solidFill>
+                  <a:srgbClr val="000000">
+                    <a:lumMod val="65000"/>
+                    <a:lumOff val="35000"/>
+                  </a:srgbClr>
+                </a:solidFill>
+                <a:effectLst/>
+                <a:uLnTx/>
+                <a:uFillTx/>
+                <a:latin typeface="Corbel" panose="020B0503020204020204"/>
+                <a:ea typeface="ＭＳ ゴシック" panose="020B0609070205080204" pitchFamily="49" charset="-128"/>
+                <a:cs typeface="+mn-cs"/>
+              </a:rPr>
+              <a:t>知ってもらえるような製品</a:t>
+            </a:r>
+            <a:r>
+              <a:rPr kumimoji="1" lang="ja-JP" altLang="en-US" sz="2400" dirty="0">
+                <a:solidFill>
+                  <a:srgbClr val="000000">
+                    <a:lumMod val="65000"/>
+                    <a:lumOff val="35000"/>
+                  </a:srgbClr>
+                </a:solidFill>
+                <a:latin typeface="Corbel" panose="020B0503020204020204"/>
+                <a:ea typeface="ＭＳ ゴシック" panose="020B0609070205080204" pitchFamily="49" charset="-128"/>
+              </a:rPr>
+              <a:t>を</a:t>
+            </a:r>
+            <a:endParaRPr kumimoji="1" lang="en-US" altLang="ja-JP" sz="2400" dirty="0">
+              <a:solidFill>
+                <a:srgbClr val="000000">
+                  <a:lumMod val="65000"/>
+                  <a:lumOff val="35000"/>
+                </a:srgbClr>
+              </a:solidFill>
+              <a:latin typeface="Corbel" panose="020B0503020204020204"/>
+              <a:ea typeface="ＭＳ ゴシック" panose="020B0609070205080204" pitchFamily="49" charset="-128"/>
+            </a:endParaRPr>
+          </a:p>
+          <a:p>
+            <a:pPr marL="0" marR="0" lvl="0" indent="0" algn="l" defTabSz="914400" rtl="0" eaLnBrk="1" fontAlgn="auto" latinLnBrk="0" hangingPunct="1">
+              <a:lnSpc>
+                <a:spcPct val="90000"/>
+              </a:lnSpc>
+              <a:spcBef>
+                <a:spcPts val="1200"/>
+              </a:spcBef>
+              <a:spcAft>
+                <a:spcPts val="0"/>
+              </a:spcAft>
+              <a:buClr>
+                <a:srgbClr val="40BAD2"/>
+              </a:buClr>
+              <a:buSzTx/>
+              <a:buFontTx/>
+              <a:buNone/>
+              <a:tabLst/>
+              <a:defRPr/>
+            </a:pPr>
+            <a:r>
+              <a:rPr kumimoji="1" lang="ja-JP" altLang="en-US" sz="2400" b="0" i="0" u="none" strike="noStrike" kern="1200" cap="none" spc="0" normalizeH="0" baseline="0" noProof="0" dirty="0">
+                <a:ln>
+                  <a:noFill/>
+                </a:ln>
+                <a:solidFill>
+                  <a:srgbClr val="000000">
+                    <a:lumMod val="65000"/>
+                    <a:lumOff val="35000"/>
+                  </a:srgbClr>
+                </a:solidFill>
+                <a:effectLst/>
+                <a:uLnTx/>
+                <a:uFillTx/>
+                <a:latin typeface="Corbel" panose="020B0503020204020204"/>
+                <a:ea typeface="ＭＳ ゴシック" panose="020B0609070205080204" pitchFamily="49" charset="-128"/>
+                <a:cs typeface="+mn-cs"/>
+              </a:rPr>
+              <a:t>作るため</a:t>
+            </a:r>
+            <a:endParaRPr kumimoji="1" lang="en-US" altLang="ja-JP" sz="2400" b="0" i="0" u="none" strike="noStrike" kern="1200" cap="none" spc="0" normalizeH="0" baseline="0" noProof="0" dirty="0">
+              <a:ln>
+                <a:noFill/>
+              </a:ln>
+              <a:solidFill>
+                <a:srgbClr val="000000">
+                  <a:lumMod val="65000"/>
+                  <a:lumOff val="35000"/>
+                </a:srgbClr>
+              </a:solidFill>
+              <a:effectLst/>
+              <a:uLnTx/>
+              <a:uFillTx/>
+              <a:latin typeface="Corbel" panose="020B0503020204020204"/>
+              <a:ea typeface="ＭＳ ゴシック" panose="020B0609070205080204" pitchFamily="49" charset="-128"/>
+              <a:cs typeface="+mn-cs"/>
+            </a:endParaRPr>
+          </a:p>
+        </p:txBody>
+      </p:sp>
+      <p:sp>
+        <p:nvSpPr>
+          <p:cNvPr id="10" name="吹き出し: 角を丸めた四角形 9">
+            <a:extLst>
+              <a:ext uri="{FF2B5EF4-FFF2-40B4-BE49-F238E27FC236}">
+                <a16:creationId xmlns:a16="http://schemas.microsoft.com/office/drawing/2014/main" id="{A7F50DEE-BDE0-4A08-89EA-D5F9671E3439}"/>
+              </a:ext>
+            </a:extLst>
+          </p:cNvPr>
+          <p:cNvSpPr/>
+          <p:nvPr/>
+        </p:nvSpPr>
+        <p:spPr>
+          <a:xfrm>
+            <a:off x="9425089" y="1888911"/>
+            <a:ext cx="2582778" cy="2923721"/>
+          </a:xfrm>
+          <a:prstGeom prst="wedgeRoundRectCallout">
+            <a:avLst>
+              <a:gd name="adj1" fmla="val -70717"/>
+              <a:gd name="adj2" fmla="val 3407"/>
+              <a:gd name="adj3" fmla="val 16667"/>
+            </a:avLst>
+          </a:prstGeom>
+          <a:solidFill>
+            <a:schemeClr val="bg1"/>
+          </a:solidFill>
+          <a:ln w="28575">
+            <a:solidFill>
+              <a:schemeClr val="accent1"/>
+            </a:solidFill>
+          </a:ln>
+        </p:spPr>
+        <p:style>
+          <a:lnRef idx="2">
+            <a:schemeClr val="accent1">
+              <a:shade val="50000"/>
+            </a:schemeClr>
+          </a:lnRef>
+          <a:fillRef idx="1">
+            <a:schemeClr val="accent1"/>
+          </a:fillRef>
+          <a:effectRef idx="0">
+            <a:schemeClr val="accent1"/>
+          </a:effectRef>
+          <a:fontRef idx="minor">
+            <a:schemeClr val="lt1"/>
+          </a:fontRef>
+        </p:style>
+        <p:txBody>
+          <a:bodyPr rtlCol="0" anchor="ctr"/>
+          <a:lstStyle/>
+          <a:p>
+            <a:pPr marR="0" lvl="0" algn="l" defTabSz="914400" rtl="0" eaLnBrk="1" fontAlgn="auto" latinLnBrk="0" hangingPunct="1">
+              <a:lnSpc>
+                <a:spcPct val="90000"/>
+              </a:lnSpc>
+              <a:spcBef>
+                <a:spcPts val="1200"/>
+              </a:spcBef>
+              <a:spcAft>
+                <a:spcPts val="0"/>
+              </a:spcAft>
+              <a:buClr>
+                <a:srgbClr val="40BAD2"/>
+              </a:buClr>
+              <a:buSzTx/>
+              <a:tabLst/>
+              <a:defRPr/>
+            </a:pPr>
+            <a:r>
+              <a:rPr kumimoji="1" lang="ja-JP" altLang="en-US" sz="2400" b="0" i="0" u="none" strike="noStrike" kern="1200" cap="none" spc="0" normalizeH="0" baseline="0" noProof="0" dirty="0">
+                <a:ln>
+                  <a:noFill/>
+                </a:ln>
+                <a:solidFill>
+                  <a:srgbClr val="000000">
+                    <a:lumMod val="65000"/>
+                    <a:lumOff val="35000"/>
+                  </a:srgbClr>
+                </a:solidFill>
+                <a:effectLst/>
+                <a:uLnTx/>
+                <a:uFillTx/>
+                <a:latin typeface="Corbel" panose="020B0503020204020204"/>
+                <a:ea typeface="ＭＳ ゴシック" panose="020B0609070205080204" pitchFamily="49" charset="-128"/>
+                <a:cs typeface="+mn-cs"/>
+              </a:rPr>
+              <a:t>この発表会で</a:t>
+            </a:r>
+            <a:endParaRPr kumimoji="1" lang="en-US" altLang="ja-JP" sz="2400" b="0" i="0" u="none" strike="noStrike" kern="1200" cap="none" spc="0" normalizeH="0" baseline="0" noProof="0" dirty="0">
+              <a:ln>
+                <a:noFill/>
+              </a:ln>
+              <a:solidFill>
+                <a:srgbClr val="000000">
+                  <a:lumMod val="65000"/>
+                  <a:lumOff val="35000"/>
+                </a:srgbClr>
+              </a:solidFill>
+              <a:effectLst/>
+              <a:uLnTx/>
+              <a:uFillTx/>
+              <a:latin typeface="Corbel" panose="020B0503020204020204"/>
+              <a:ea typeface="ＭＳ ゴシック" panose="020B0609070205080204" pitchFamily="49" charset="-128"/>
+              <a:cs typeface="+mn-cs"/>
+            </a:endParaRPr>
+          </a:p>
+          <a:p>
+            <a:pPr marR="0" lvl="0" algn="l" defTabSz="914400" rtl="0" eaLnBrk="1" fontAlgn="auto" latinLnBrk="0" hangingPunct="1">
+              <a:lnSpc>
+                <a:spcPct val="90000"/>
+              </a:lnSpc>
+              <a:spcBef>
+                <a:spcPts val="1200"/>
+              </a:spcBef>
+              <a:spcAft>
+                <a:spcPts val="0"/>
+              </a:spcAft>
+              <a:buClr>
+                <a:srgbClr val="40BAD2"/>
+              </a:buClr>
+              <a:buSzTx/>
+              <a:tabLst/>
+              <a:defRPr/>
+            </a:pPr>
+            <a:r>
+              <a:rPr kumimoji="1" lang="ja-JP" altLang="en-US" sz="2400" b="0" i="0" u="none" strike="noStrike" kern="1200" cap="none" spc="0" normalizeH="0" baseline="0" noProof="0" dirty="0">
+                <a:ln>
+                  <a:noFill/>
+                </a:ln>
+                <a:solidFill>
+                  <a:srgbClr val="000000">
+                    <a:lumMod val="65000"/>
+                    <a:lumOff val="35000"/>
+                  </a:srgbClr>
+                </a:solidFill>
+                <a:effectLst/>
+                <a:uLnTx/>
+                <a:uFillTx/>
+                <a:latin typeface="Corbel" panose="020B0503020204020204"/>
+                <a:ea typeface="ＭＳ ゴシック" panose="020B0609070205080204" pitchFamily="49" charset="-128"/>
+                <a:cs typeface="+mn-cs"/>
+              </a:rPr>
+              <a:t>頂点を取るため。</a:t>
+            </a:r>
+            <a:endParaRPr kumimoji="1" lang="en-US" altLang="ja-JP" sz="2400" b="0" i="0" u="none" strike="noStrike" kern="1200" cap="none" spc="0" normalizeH="0" baseline="0" noProof="0" dirty="0">
+              <a:ln>
+                <a:noFill/>
+              </a:ln>
+              <a:solidFill>
+                <a:srgbClr val="000000">
+                  <a:lumMod val="65000"/>
+                  <a:lumOff val="35000"/>
+                </a:srgbClr>
+              </a:solidFill>
+              <a:effectLst/>
+              <a:uLnTx/>
+              <a:uFillTx/>
+              <a:latin typeface="Corbel" panose="020B0503020204020204"/>
+              <a:ea typeface="ＭＳ ゴシック" panose="020B0609070205080204" pitchFamily="49" charset="-128"/>
+              <a:cs typeface="+mn-cs"/>
+            </a:endParaRPr>
+          </a:p>
+        </p:txBody>
+      </p:sp>
+    </p:spTree>
+    <p:extLst>
+      <p:ext uri="{BB962C8B-B14F-4D97-AF65-F5344CB8AC3E}">
+        <p14:creationId xmlns:p14="http://schemas.microsoft.com/office/powerpoint/2010/main" val="3871406468"/>
+      </p:ext>
+    </p:extLst>
+  </p:cSld>
+  <p:clrMapOvr>
+    <a:masterClrMapping/>
+  </p:clrMapOvr>
+  <p:timing>
+    <p:tnLst>
+      <p:par>
+        <p:cTn id="1" dur="indefinite" restart="never" nodeType="tmRoot">
+          <p:childTnLst>
+            <p:seq concurrent="1" nextAc="seek">
+              <p:cTn id="2" dur="indefinite" nodeType="mainSeq">
+                <p:childTnLst>
+                  <p:par>
+                    <p:cTn id="3" fill="hold">
+                      <p:stCondLst>
+                        <p:cond delay="indefinite"/>
+                      </p:stCondLst>
+                      <p:childTnLst>
+                        <p:par>
+                          <p:cTn id="4" fill="hold">
+                            <p:stCondLst>
+                              <p:cond delay="0"/>
+                            </p:stCondLst>
+                            <p:childTnLst>
+                              <p:par>
+                                <p:cTn id="5" presetID="2" presetClass="entr" presetSubtype="4" fill="hold" grpId="0" nodeType="clickEffect">
+                                  <p:stCondLst>
+                                    <p:cond delay="0"/>
+                                  </p:stCondLst>
+                                  <p:childTnLst>
+                                    <p:set>
+                                      <p:cBhvr>
+                                        <p:cTn id="6" dur="1" fill="hold">
+                                          <p:stCondLst>
+                                            <p:cond delay="0"/>
+                                          </p:stCondLst>
+                                        </p:cTn>
+                                        <p:tgtEl>
+                                          <p:spTgt spid="8"/>
+                                        </p:tgtEl>
+                                        <p:attrNameLst>
+                                          <p:attrName>style.visibility</p:attrName>
+                                        </p:attrNameLst>
+                                      </p:cBhvr>
+                                      <p:to>
+                                        <p:strVal val="visible"/>
+                                      </p:to>
+                                    </p:set>
+                                    <p:anim calcmode="lin" valueType="num">
+                                      <p:cBhvr additive="base">
+                                        <p:cTn id="7" dur="500" fill="hold"/>
+                                        <p:tgtEl>
+                                          <p:spTgt spid="8"/>
+                                        </p:tgtEl>
+                                        <p:attrNameLst>
+                                          <p:attrName>ppt_x</p:attrName>
+                                        </p:attrNameLst>
+                                      </p:cBhvr>
+                                      <p:tavLst>
+                                        <p:tav tm="0">
+                                          <p:val>
+                                            <p:strVal val="#ppt_x"/>
+                                          </p:val>
+                                        </p:tav>
+                                        <p:tav tm="100000">
+                                          <p:val>
+                                            <p:strVal val="#ppt_x"/>
+                                          </p:val>
+                                        </p:tav>
+                                      </p:tavLst>
+                                    </p:anim>
+                                    <p:anim calcmode="lin" valueType="num">
+                                      <p:cBhvr additive="base">
+                                        <p:cTn id="8" dur="500" fill="hold"/>
+                                        <p:tgtEl>
+                                          <p:spTgt spid="8"/>
+                                        </p:tgtEl>
+                                        <p:attrNameLst>
+                                          <p:attrName>ppt_y</p:attrName>
+                                        </p:attrNameLst>
+                                      </p:cBhvr>
+                                      <p:tavLst>
+                                        <p:tav tm="0">
+                                          <p:val>
+                                            <p:strVal val="1+#ppt_h/2"/>
+                                          </p:val>
+                                        </p:tav>
+                                        <p:tav tm="100000">
+                                          <p:val>
+                                            <p:strVal val="#ppt_y"/>
+                                          </p:val>
+                                        </p:tav>
+                                      </p:tavLst>
+                                    </p:anim>
+                                  </p:childTnLst>
+                                </p:cTn>
+                              </p:par>
+                            </p:childTnLst>
+                          </p:cTn>
+                        </p:par>
+                      </p:childTnLst>
+                    </p:cTn>
+                  </p:par>
+                  <p:par>
+                    <p:cTn id="9" fill="hold">
+                      <p:stCondLst>
+                        <p:cond delay="indefinite"/>
+                      </p:stCondLst>
+                      <p:childTnLst>
+                        <p:par>
+                          <p:cTn id="10" fill="hold">
+                            <p:stCondLst>
+                              <p:cond delay="0"/>
+                            </p:stCondLst>
+                            <p:childTnLst>
+                              <p:par>
+                                <p:cTn id="11" presetID="2" presetClass="entr" presetSubtype="4" fill="hold" grpId="0" nodeType="clickEffect">
+                                  <p:stCondLst>
+                                    <p:cond delay="0"/>
+                                  </p:stCondLst>
+                                  <p:childTnLst>
+                                    <p:set>
+                                      <p:cBhvr>
+                                        <p:cTn id="12" dur="1" fill="hold">
+                                          <p:stCondLst>
+                                            <p:cond delay="0"/>
+                                          </p:stCondLst>
+                                        </p:cTn>
+                                        <p:tgtEl>
+                                          <p:spTgt spid="10"/>
+                                        </p:tgtEl>
+                                        <p:attrNameLst>
+                                          <p:attrName>style.visibility</p:attrName>
+                                        </p:attrNameLst>
+                                      </p:cBhvr>
+                                      <p:to>
+                                        <p:strVal val="visible"/>
+                                      </p:to>
+                                    </p:set>
+                                    <p:anim calcmode="lin" valueType="num">
+                                      <p:cBhvr additive="base">
+                                        <p:cTn id="13" dur="500" fill="hold"/>
+                                        <p:tgtEl>
+                                          <p:spTgt spid="10"/>
+                                        </p:tgtEl>
+                                        <p:attrNameLst>
+                                          <p:attrName>ppt_x</p:attrName>
+                                        </p:attrNameLst>
+                                      </p:cBhvr>
+                                      <p:tavLst>
+                                        <p:tav tm="0">
+                                          <p:val>
+                                            <p:strVal val="#ppt_x"/>
+                                          </p:val>
+                                        </p:tav>
+                                        <p:tav tm="100000">
+                                          <p:val>
+                                            <p:strVal val="#ppt_x"/>
+                                          </p:val>
+                                        </p:tav>
+                                      </p:tavLst>
+                                    </p:anim>
+                                    <p:anim calcmode="lin" valueType="num">
+                                      <p:cBhvr additive="base">
+                                        <p:cTn id="14" dur="500" fill="hold"/>
+                                        <p:tgtEl>
+                                          <p:spTgt spid="10"/>
+                                        </p:tgtEl>
+                                        <p:attrNameLst>
+                                          <p:attrName>ppt_y</p:attrName>
+                                        </p:attrNameLst>
+                                      </p:cBhvr>
+                                      <p:tavLst>
+                                        <p:tav tm="0">
+                                          <p:val>
+                                            <p:strVal val="1+#ppt_h/2"/>
+                                          </p:val>
+                                        </p:tav>
+                                        <p:tav tm="100000">
+                                          <p:val>
+                                            <p:strVal val="#ppt_y"/>
+                                          </p:val>
+                                        </p:tav>
+                                      </p:tavLst>
+                                    </p:anim>
+                                  </p:childTnLst>
+                                </p:cTn>
+                              </p:par>
+                            </p:childTnLst>
+                          </p:cTn>
+                        </p:par>
+                      </p:childTnLst>
+                    </p:cTn>
+                  </p:par>
+                  <p:par>
+                    <p:cTn id="15" fill="hold">
+                      <p:stCondLst>
+                        <p:cond delay="indefinite"/>
+                      </p:stCondLst>
+                      <p:childTnLst>
+                        <p:par>
+                          <p:cTn id="16" fill="hold">
+                            <p:stCondLst>
+                              <p:cond delay="0"/>
+                            </p:stCondLst>
+                            <p:childTnLst>
+                              <p:par>
+                                <p:cTn id="17" presetID="2" presetClass="entr" presetSubtype="4" fill="hold" grpId="0" nodeType="clickEffect">
+                                  <p:stCondLst>
+                                    <p:cond delay="0"/>
+                                  </p:stCondLst>
+                                  <p:childTnLst>
+                                    <p:set>
+                                      <p:cBhvr>
+                                        <p:cTn id="18" dur="1" fill="hold">
+                                          <p:stCondLst>
+                                            <p:cond delay="0"/>
+                                          </p:stCondLst>
+                                        </p:cTn>
+                                        <p:tgtEl>
+                                          <p:spTgt spid="9"/>
+                                        </p:tgtEl>
+                                        <p:attrNameLst>
+                                          <p:attrName>style.visibility</p:attrName>
+                                        </p:attrNameLst>
+                                      </p:cBhvr>
+                                      <p:to>
+                                        <p:strVal val="visible"/>
+                                      </p:to>
+                                    </p:set>
+                                    <p:anim calcmode="lin" valueType="num">
+                                      <p:cBhvr additive="base">
+                                        <p:cTn id="19" dur="500" fill="hold"/>
+                                        <p:tgtEl>
+                                          <p:spTgt spid="9"/>
+                                        </p:tgtEl>
+                                        <p:attrNameLst>
+                                          <p:attrName>ppt_x</p:attrName>
+                                        </p:attrNameLst>
+                                      </p:cBhvr>
+                                      <p:tavLst>
+                                        <p:tav tm="0">
+                                          <p:val>
+                                            <p:strVal val="#ppt_x"/>
+                                          </p:val>
+                                        </p:tav>
+                                        <p:tav tm="100000">
+                                          <p:val>
+                                            <p:strVal val="#ppt_x"/>
+                                          </p:val>
+                                        </p:tav>
+                                      </p:tavLst>
+                                    </p:anim>
+                                    <p:anim calcmode="lin" valueType="num">
+                                      <p:cBhvr additive="base">
+                                        <p:cTn id="20" dur="500" fill="hold"/>
+                                        <p:tgtEl>
+                                          <p:spTgt spid="9"/>
+                                        </p:tgtEl>
+                                        <p:attrNameLst>
+                                          <p:attrName>ppt_y</p:attrName>
+                                        </p:attrNameLst>
+                                      </p:cBhvr>
+                                      <p:tavLst>
+                                        <p:tav tm="0">
+                                          <p:val>
+                                            <p:strVal val="1+#ppt_h/2"/>
+                                          </p:val>
+                                        </p:tav>
+                                        <p:tav tm="100000">
+                                          <p:val>
+                                            <p:strVal val="#ppt_y"/>
+                                          </p:val>
+                                        </p:tav>
+                                      </p:tavLst>
+                                    </p:anim>
+                                  </p:childTnLst>
+                                </p:cTn>
+                              </p:par>
+                            </p:childTnLst>
+                          </p:cTn>
+                        </p:par>
+                      </p:childTnLst>
+                    </p:cTn>
+                  </p:par>
+                </p:childTnLst>
+              </p:cTn>
+              <p:prevCondLst>
+                <p:cond evt="onPrev" delay="0">
+                  <p:tgtEl>
+                    <p:sldTgt/>
+                  </p:tgtEl>
+                </p:cond>
+              </p:prevCondLst>
+              <p:nextCondLst>
+                <p:cond evt="onNext" delay="0">
+                  <p:tgtEl>
+                    <p:sldTgt/>
+                  </p:tgtEl>
+                </p:cond>
+              </p:nextCondLst>
+            </p:seq>
+          </p:childTnLst>
+        </p:cTn>
+      </p:par>
+    </p:tnLst>
+    <p:bldLst>
+      <p:bldP spid="8" grpId="0" animBg="1"/>
+      <p:bldP spid="9" grpId="0" animBg="1"/>
+      <p:bldP spid="10" grpId="0" animBg="1"/>
+    </p:bldLst>
+  </p:timing>
+</p:sld>
+</file>
+
+<file path=ppt/slides/slide30.xml><?xml version="1.0" encoding="utf-8"?>
 <p:sld xmlns:a="http://schemas.openxmlformats.org/drawingml/2006/main" xmlns:r="http://schemas.openxmlformats.org/officeDocument/2006/relationships" xmlns:p="http://schemas.openxmlformats.org/presentationml/2006/main">
   <p:cSld>
     <p:spTree>
@@ -14609,7 +18068,11 @@
             <a:avLst/>
           </a:prstGeom>
           <a:noFill/>
-          <a:ln w="28575"/>
+          <a:ln w="28575">
+            <a:solidFill>
+              <a:schemeClr val="accent1"/>
+            </a:solidFill>
+          </a:ln>
         </p:spPr>
         <p:style>
           <a:lnRef idx="2">
@@ -14725,7 +18188,11 @@
             <a:avLst/>
           </a:prstGeom>
           <a:noFill/>
-          <a:ln w="28575"/>
+          <a:ln w="28575">
+            <a:solidFill>
+              <a:schemeClr val="accent1"/>
+            </a:solidFill>
+          </a:ln>
         </p:spPr>
         <p:style>
           <a:lnRef idx="2">
@@ -14877,7 +18344,11 @@
           <a:solidFill>
             <a:schemeClr val="bg1"/>
           </a:solidFill>
-          <a:ln w="28575"/>
+          <a:ln w="28575">
+            <a:solidFill>
+              <a:schemeClr val="accent1"/>
+            </a:solidFill>
+          </a:ln>
         </p:spPr>
         <p:style>
           <a:lnRef idx="2">
@@ -15196,7 +18667,7 @@
 </p:sld>
 </file>
 
-<file path=ppt/slides/slide26.xml><?xml version="1.0" encoding="utf-8"?>
+<file path=ppt/slides/slide31.xml><?xml version="1.0" encoding="utf-8"?>
 <p:sld xmlns:a="http://schemas.openxmlformats.org/drawingml/2006/main" xmlns:r="http://schemas.openxmlformats.org/officeDocument/2006/relationships" xmlns:p="http://schemas.openxmlformats.org/presentationml/2006/main">
   <p:cSld>
     <p:spTree>
@@ -15306,7 +18777,11 @@
             <a:avLst/>
           </a:prstGeom>
           <a:noFill/>
-          <a:ln w="28575"/>
+          <a:ln w="28575">
+            <a:solidFill>
+              <a:schemeClr val="accent1"/>
+            </a:solidFill>
+          </a:ln>
         </p:spPr>
         <p:style>
           <a:lnRef idx="2">
@@ -15399,7 +18874,11 @@
             <a:avLst/>
           </a:prstGeom>
           <a:noFill/>
-          <a:ln w="28575"/>
+          <a:ln w="28575">
+            <a:solidFill>
+              <a:schemeClr val="accent1"/>
+            </a:solidFill>
+          </a:ln>
         </p:spPr>
         <p:style>
           <a:lnRef idx="2">
@@ -15528,7 +19007,11 @@
           <a:solidFill>
             <a:schemeClr val="bg1"/>
           </a:solidFill>
-          <a:ln w="28575"/>
+          <a:ln w="28575">
+            <a:solidFill>
+              <a:schemeClr val="accent1"/>
+            </a:solidFill>
+          </a:ln>
         </p:spPr>
         <p:style>
           <a:lnRef idx="2">
@@ -15824,7 +19307,7 @@
 </p:sld>
 </file>
 
-<file path=ppt/slides/slide27.xml><?xml version="1.0" encoding="utf-8"?>
+<file path=ppt/slides/slide32.xml><?xml version="1.0" encoding="utf-8"?>
 <p:sld xmlns:a="http://schemas.openxmlformats.org/drawingml/2006/main" xmlns:r="http://schemas.openxmlformats.org/officeDocument/2006/relationships" xmlns:p="http://schemas.openxmlformats.org/presentationml/2006/main">
   <p:cSld>
     <p:spTree>
@@ -15888,7 +19371,9 @@
         </p:nvSpPr>
         <p:spPr/>
         <p:txBody>
-          <a:bodyPr/>
+          <a:bodyPr>
+            <a:normAutofit lnSpcReduction="10000"/>
+          </a:bodyPr>
           <a:lstStyle/>
           <a:p>
             <a:pPr marL="457200" indent="-457200">
@@ -15896,6 +19381,17 @@
               <a:buAutoNum type="arabicPeriod"/>
             </a:pPr>
             <a:r>
+              <a:rPr lang="ja-JP" altLang="en-US" dirty="0"/>
+              <a:t>チーム名の由来</a:t>
+            </a:r>
+            <a:endParaRPr kumimoji="1" lang="en-US" altLang="ja-JP" dirty="0"/>
+          </a:p>
+          <a:p>
+            <a:pPr marL="457200" indent="-457200">
+              <a:buFont typeface="+mj-lt"/>
+              <a:buAutoNum type="arabicPeriod"/>
+            </a:pPr>
+            <a:r>
               <a:rPr kumimoji="1" lang="ja-JP" altLang="en-US" dirty="0"/>
               <a:t>プロダクトの成果</a:t>
             </a:r>
@@ -15918,12 +19414,8 @@
               <a:buAutoNum type="arabicPeriod"/>
             </a:pPr>
             <a:r>
-              <a:rPr kumimoji="1" lang="en-US" altLang="ja-JP" dirty="0"/>
-              <a:t>Qbox</a:t>
-            </a:r>
-            <a:r>
-              <a:rPr kumimoji="1" lang="ja-JP" altLang="en-US" dirty="0"/>
-              <a:t>とは</a:t>
+              <a:rPr lang="ja-JP" altLang="en-US" dirty="0"/>
+              <a:t>製品の概要</a:t>
             </a:r>
             <a:endParaRPr kumimoji="1" lang="en-US" altLang="ja-JP" dirty="0"/>
           </a:p>
@@ -15933,10 +19425,10 @@
               <a:buAutoNum type="arabicPeriod"/>
             </a:pPr>
             <a:r>
-              <a:rPr kumimoji="1" lang="ja-JP" altLang="en-US" dirty="0"/>
+              <a:rPr lang="ja-JP" altLang="en-US" dirty="0"/>
               <a:t>想定ユーザにとってのメリット</a:t>
             </a:r>
-            <a:endParaRPr lang="en-US" altLang="ja-JP" dirty="0"/>
+            <a:endParaRPr kumimoji="1" lang="en-US" altLang="ja-JP" dirty="0"/>
           </a:p>
           <a:p>
             <a:pPr marL="960120" lvl="1" indent="-457200">
@@ -15969,6 +19461,13 @@
               <a:rPr kumimoji="1" lang="ja-JP" altLang="en-US" dirty="0"/>
               <a:t>機能面での工夫点</a:t>
             </a:r>
+            <a:endParaRPr lang="en-US" altLang="ja-JP" dirty="0"/>
+          </a:p>
+          <a:p>
+            <a:pPr marL="960120" lvl="1" indent="-457200">
+              <a:buFont typeface="+mj-lt"/>
+              <a:buAutoNum type="arabicPeriod"/>
+            </a:pPr>
             <a:endParaRPr kumimoji="1" lang="en-US" altLang="ja-JP" dirty="0"/>
           </a:p>
           <a:p>
@@ -16031,12 +19530,6 @@
               <a:rPr lang="ja-JP" altLang="en-US" dirty="0"/>
               <a:t>まとめ</a:t>
             </a:r>
-            <a:endParaRPr lang="en-US" altLang="ja-JP" dirty="0"/>
-          </a:p>
-          <a:p>
-            <a:pPr marL="502920" lvl="1" indent="0">
-              <a:buNone/>
-            </a:pPr>
             <a:endParaRPr lang="en-US" altLang="ja-JP" dirty="0"/>
           </a:p>
           <a:p>
@@ -16063,7 +19556,7 @@
           <p:nvPr/>
         </p:nvPicPr>
         <p:blipFill>
-          <a:blip r:embed="rId2">
+          <a:blip r:embed="rId3">
             <a:alphaModFix amt="85000"/>
             <a:extLst>
               <a:ext uri="{28A0092B-C50C-407E-A947-70E740481C1C}">
@@ -16088,7 +19581,7 @@
     </p:spTree>
     <p:extLst>
       <p:ext uri="{BB962C8B-B14F-4D97-AF65-F5344CB8AC3E}">
-        <p14:creationId xmlns:p14="http://schemas.microsoft.com/office/powerpoint/2010/main" val="54468470"/>
+        <p14:creationId xmlns:p14="http://schemas.microsoft.com/office/powerpoint/2010/main" val="2998884911"/>
       </p:ext>
     </p:extLst>
   </p:cSld>
@@ -16127,7 +19620,7 @@
                                         <p:tgtEl>
                                           <p:spTgt spid="3">
                                             <p:txEl>
-                                              <p:pRg st="12" end="12"/>
+                                              <p:pRg st="14" end="14"/>
                                             </p:txEl>
                                           </p:spTgt>
                                         </p:tgtEl>
@@ -16139,7 +19632,7 @@
                                         <p:tgtEl>
                                           <p:spTgt spid="3">
                                             <p:txEl>
-                                              <p:pRg st="12" end="12"/>
+                                              <p:pRg st="14" end="14"/>
                                             </p:txEl>
                                           </p:spTgt>
                                         </p:tgtEl>
@@ -16180,7 +19673,7 @@
 </p:sld>
 </file>
 
-<file path=ppt/slides/slide28.xml><?xml version="1.0" encoding="utf-8"?>
+<file path=ppt/slides/slide33.xml><?xml version="1.0" encoding="utf-8"?>
 <p:sld xmlns:a="http://schemas.openxmlformats.org/drawingml/2006/main" xmlns:r="http://schemas.openxmlformats.org/officeDocument/2006/relationships" xmlns:p="http://schemas.openxmlformats.org/presentationml/2006/main">
   <p:cSld>
     <p:spTree>
@@ -16915,7 +20408,7 @@
 </p:sld>
 </file>
 
-<file path=ppt/slides/slide29.xml><?xml version="1.0" encoding="utf-8"?>
+<file path=ppt/slides/slide34.xml><?xml version="1.0" encoding="utf-8"?>
 <p:sld xmlns:a="http://schemas.openxmlformats.org/drawingml/2006/main" xmlns:r="http://schemas.openxmlformats.org/officeDocument/2006/relationships" xmlns:p="http://schemas.openxmlformats.org/presentationml/2006/main">
   <p:cSld>
     <p:spTree>
@@ -17232,7 +20725,373 @@
 </p:sld>
 </file>
 
-<file path=ppt/slides/slide3.xml><?xml version="1.0" encoding="utf-8"?>
+<file path=ppt/slides/slide4.xml><?xml version="1.0" encoding="utf-8"?>
+<p:sld xmlns:a="http://schemas.openxmlformats.org/drawingml/2006/main" xmlns:r="http://schemas.openxmlformats.org/officeDocument/2006/relationships" xmlns:p="http://schemas.openxmlformats.org/presentationml/2006/main">
+  <p:cSld>
+    <p:spTree>
+      <p:nvGrpSpPr>
+        <p:cNvPr id="1" name=""/>
+        <p:cNvGrpSpPr/>
+        <p:nvPr/>
+      </p:nvGrpSpPr>
+      <p:grpSpPr>
+        <a:xfrm>
+          <a:off x="0" y="0"/>
+          <a:ext cx="0" cy="0"/>
+          <a:chOff x="0" y="0"/>
+          <a:chExt cx="0" cy="0"/>
+        </a:xfrm>
+      </p:grpSpPr>
+      <p:sp>
+        <p:nvSpPr>
+          <p:cNvPr id="2" name="タイトル 1">
+            <a:extLst>
+              <a:ext uri="{FF2B5EF4-FFF2-40B4-BE49-F238E27FC236}">
+                <a16:creationId xmlns:a16="http://schemas.microsoft.com/office/drawing/2014/main" id="{11FF109B-1A52-4682-9479-0DCAC48B3C35}"/>
+              </a:ext>
+            </a:extLst>
+          </p:cNvPr>
+          <p:cNvSpPr>
+            <a:spLocks noGrp="1"/>
+          </p:cNvSpPr>
+          <p:nvPr>
+            <p:ph type="title"/>
+          </p:nvPr>
+        </p:nvSpPr>
+        <p:spPr/>
+        <p:txBody>
+          <a:bodyPr/>
+          <a:lstStyle/>
+          <a:p>
+            <a:r>
+              <a:rPr kumimoji="1" lang="en-US" altLang="ja-JP" dirty="0"/>
+              <a:t>Agenda</a:t>
+            </a:r>
+            <a:endParaRPr kumimoji="1" lang="ja-JP" altLang="en-US" dirty="0"/>
+          </a:p>
+        </p:txBody>
+      </p:sp>
+      <p:sp>
+        <p:nvSpPr>
+          <p:cNvPr id="3" name="コンテンツ プレースホルダー 2">
+            <a:extLst>
+              <a:ext uri="{FF2B5EF4-FFF2-40B4-BE49-F238E27FC236}">
+                <a16:creationId xmlns:a16="http://schemas.microsoft.com/office/drawing/2014/main" id="{E23551B5-FD73-4043-9D9D-F069178EC83A}"/>
+              </a:ext>
+            </a:extLst>
+          </p:cNvPr>
+          <p:cNvSpPr>
+            <a:spLocks noGrp="1"/>
+          </p:cNvSpPr>
+          <p:nvPr>
+            <p:ph idx="1"/>
+          </p:nvPr>
+        </p:nvSpPr>
+        <p:spPr/>
+        <p:txBody>
+          <a:bodyPr>
+            <a:normAutofit lnSpcReduction="10000"/>
+          </a:bodyPr>
+          <a:lstStyle/>
+          <a:p>
+            <a:pPr marL="457200" indent="-457200">
+              <a:buFont typeface="+mj-lt"/>
+              <a:buAutoNum type="arabicPeriod"/>
+            </a:pPr>
+            <a:r>
+              <a:rPr lang="ja-JP" altLang="en-US" dirty="0"/>
+              <a:t>チーム名の由来</a:t>
+            </a:r>
+            <a:endParaRPr kumimoji="1" lang="en-US" altLang="ja-JP" dirty="0"/>
+          </a:p>
+          <a:p>
+            <a:pPr marL="457200" indent="-457200">
+              <a:buFont typeface="+mj-lt"/>
+              <a:buAutoNum type="arabicPeriod"/>
+            </a:pPr>
+            <a:r>
+              <a:rPr kumimoji="1" lang="ja-JP" altLang="en-US" dirty="0"/>
+              <a:t>プロダクトの成果</a:t>
+            </a:r>
+            <a:endParaRPr lang="en-US" altLang="ja-JP" dirty="0"/>
+          </a:p>
+          <a:p>
+            <a:pPr marL="960120" lvl="1" indent="-457200">
+              <a:buFont typeface="+mj-lt"/>
+              <a:buAutoNum type="arabicPeriod"/>
+            </a:pPr>
+            <a:r>
+              <a:rPr lang="ja-JP" altLang="en-US" dirty="0"/>
+              <a:t>製品化に至ったきっかけ</a:t>
+            </a:r>
+            <a:endParaRPr lang="en-US" altLang="ja-JP" dirty="0"/>
+          </a:p>
+          <a:p>
+            <a:pPr marL="960120" lvl="1" indent="-457200">
+              <a:buFont typeface="+mj-lt"/>
+              <a:buAutoNum type="arabicPeriod"/>
+            </a:pPr>
+            <a:r>
+              <a:rPr lang="ja-JP" altLang="en-US" dirty="0"/>
+              <a:t>製品の概要</a:t>
+            </a:r>
+            <a:endParaRPr kumimoji="1" lang="en-US" altLang="ja-JP" dirty="0"/>
+          </a:p>
+          <a:p>
+            <a:pPr marL="960120" lvl="1" indent="-457200">
+              <a:buFont typeface="+mj-lt"/>
+              <a:buAutoNum type="arabicPeriod"/>
+            </a:pPr>
+            <a:r>
+              <a:rPr lang="ja-JP" altLang="en-US" dirty="0"/>
+              <a:t>想定ユーザにとってのメリット</a:t>
+            </a:r>
+            <a:endParaRPr kumimoji="1" lang="en-US" altLang="ja-JP" dirty="0"/>
+          </a:p>
+          <a:p>
+            <a:pPr marL="960120" lvl="1" indent="-457200">
+              <a:buFont typeface="+mj-lt"/>
+              <a:buAutoNum type="arabicPeriod"/>
+            </a:pPr>
+            <a:r>
+              <a:rPr kumimoji="1" lang="ja-JP" altLang="en-US" dirty="0"/>
+              <a:t>システムのコンセプト</a:t>
+            </a:r>
+            <a:endParaRPr kumimoji="1" lang="en-US" altLang="ja-JP" dirty="0"/>
+          </a:p>
+          <a:p>
+            <a:pPr marL="960120" lvl="1" indent="-457200">
+              <a:buFont typeface="+mj-lt"/>
+              <a:buAutoNum type="arabicPeriod"/>
+            </a:pPr>
+            <a:r>
+              <a:rPr lang="ja-JP" altLang="en-US" dirty="0"/>
+              <a:t>デザイン面での工夫点</a:t>
+            </a:r>
+            <a:endParaRPr lang="en-US" altLang="ja-JP" dirty="0"/>
+          </a:p>
+          <a:p>
+            <a:pPr marL="960120" lvl="1" indent="-457200">
+              <a:buFont typeface="+mj-lt"/>
+              <a:buAutoNum type="arabicPeriod"/>
+            </a:pPr>
+            <a:r>
+              <a:rPr kumimoji="1" lang="ja-JP" altLang="en-US" dirty="0"/>
+              <a:t>機能面での工夫点</a:t>
+            </a:r>
+            <a:endParaRPr lang="en-US" altLang="ja-JP" dirty="0"/>
+          </a:p>
+          <a:p>
+            <a:pPr marL="960120" lvl="1" indent="-457200">
+              <a:buFont typeface="+mj-lt"/>
+              <a:buAutoNum type="arabicPeriod"/>
+            </a:pPr>
+            <a:endParaRPr kumimoji="1" lang="en-US" altLang="ja-JP" dirty="0"/>
+          </a:p>
+          <a:p>
+            <a:pPr marL="457200" indent="-457200">
+              <a:buFont typeface="+mj-lt"/>
+              <a:buAutoNum type="arabicPeriod"/>
+            </a:pPr>
+            <a:r>
+              <a:rPr lang="ja-JP" altLang="en-US" dirty="0"/>
+              <a:t>研修の成果</a:t>
+            </a:r>
+            <a:endParaRPr lang="en-US" altLang="ja-JP" dirty="0"/>
+          </a:p>
+          <a:p>
+            <a:pPr marL="960120" lvl="1" indent="-457200">
+              <a:buFont typeface="+mj-lt"/>
+              <a:buAutoNum type="arabicPeriod"/>
+            </a:pPr>
+            <a:r>
+              <a:rPr lang="ja-JP" altLang="en-US" dirty="0"/>
+              <a:t>チーム目標とその成果</a:t>
+            </a:r>
+            <a:endParaRPr lang="en-US" altLang="ja-JP" dirty="0"/>
+          </a:p>
+          <a:p>
+            <a:pPr marL="960120" lvl="1" indent="-457200">
+              <a:buFont typeface="+mj-lt"/>
+              <a:buAutoNum type="arabicPeriod"/>
+            </a:pPr>
+            <a:r>
+              <a:rPr lang="ja-JP" altLang="en-US" dirty="0"/>
+              <a:t>円滑なプロジェクト進行のために行った工夫</a:t>
+            </a:r>
+            <a:endParaRPr lang="en-US" altLang="ja-JP" dirty="0"/>
+          </a:p>
+          <a:p>
+            <a:pPr marL="960120" lvl="1" indent="-457200">
+              <a:buFont typeface="+mj-lt"/>
+              <a:buAutoNum type="arabicPeriod"/>
+            </a:pPr>
+            <a:r>
+              <a:rPr lang="ja-JP" altLang="en-US" dirty="0"/>
+              <a:t>個人としての成長・課題</a:t>
+            </a:r>
+            <a:endParaRPr lang="en-US" altLang="ja-JP" dirty="0"/>
+          </a:p>
+          <a:p>
+            <a:pPr marL="960120" lvl="1" indent="-457200">
+              <a:buFont typeface="+mj-lt"/>
+              <a:buAutoNum type="arabicPeriod"/>
+            </a:pPr>
+            <a:endParaRPr lang="en-US" altLang="ja-JP" dirty="0"/>
+          </a:p>
+          <a:p>
+            <a:pPr marL="457200" indent="-457200">
+              <a:buFont typeface="+mj-lt"/>
+              <a:buAutoNum type="arabicPeriod"/>
+            </a:pPr>
+            <a:r>
+              <a:rPr lang="ja-JP" altLang="en-US" dirty="0"/>
+              <a:t>まとめ</a:t>
+            </a:r>
+            <a:endParaRPr lang="en-US" altLang="ja-JP" dirty="0"/>
+          </a:p>
+          <a:p>
+            <a:pPr marL="960120" lvl="1" indent="-457200">
+              <a:buFont typeface="+mj-lt"/>
+              <a:buAutoNum type="arabicPeriod"/>
+            </a:pPr>
+            <a:endParaRPr kumimoji="1" lang="ja-JP" altLang="en-US" dirty="0"/>
+          </a:p>
+        </p:txBody>
+      </p:sp>
+      <p:pic>
+        <p:nvPicPr>
+          <p:cNvPr id="4" name="図 3" descr="アイコン&#10;&#10;自動的に生成された説明">
+            <a:extLst>
+              <a:ext uri="{FF2B5EF4-FFF2-40B4-BE49-F238E27FC236}">
+                <a16:creationId xmlns:a16="http://schemas.microsoft.com/office/drawing/2014/main" id="{F80B5929-9B90-4E9C-B9E6-44E443331DB5}"/>
+              </a:ext>
+            </a:extLst>
+          </p:cNvPr>
+          <p:cNvPicPr>
+            <a:picLocks noChangeAspect="1"/>
+          </p:cNvPicPr>
+          <p:nvPr/>
+        </p:nvPicPr>
+        <p:blipFill>
+          <a:blip r:embed="rId3">
+            <a:alphaModFix amt="85000"/>
+            <a:extLst>
+              <a:ext uri="{28A0092B-C50C-407E-A947-70E740481C1C}">
+                <a14:useLocalDpi xmlns:a14="http://schemas.microsoft.com/office/drawing/2010/main" val="0"/>
+              </a:ext>
+            </a:extLst>
+          </a:blip>
+          <a:stretch>
+            <a:fillRect/>
+          </a:stretch>
+        </p:blipFill>
+        <p:spPr>
+          <a:xfrm>
+            <a:off x="9466729" y="5262949"/>
+            <a:ext cx="2725271" cy="1469817"/>
+          </a:xfrm>
+          <a:prstGeom prst="rect">
+            <a:avLst/>
+          </a:prstGeom>
+        </p:spPr>
+      </p:pic>
+    </p:spTree>
+    <p:extLst>
+      <p:ext uri="{BB962C8B-B14F-4D97-AF65-F5344CB8AC3E}">
+        <p14:creationId xmlns:p14="http://schemas.microsoft.com/office/powerpoint/2010/main" val="4213430680"/>
+      </p:ext>
+    </p:extLst>
+  </p:cSld>
+  <p:clrMapOvr>
+    <a:masterClrMapping/>
+  </p:clrMapOvr>
+  <p:timing>
+    <p:tnLst>
+      <p:par>
+        <p:cTn id="1" dur="indefinite" restart="never" nodeType="tmRoot">
+          <p:childTnLst>
+            <p:seq concurrent="1" nextAc="seek">
+              <p:cTn id="2" dur="indefinite" nodeType="mainSeq">
+                <p:childTnLst>
+                  <p:par>
+                    <p:cTn id="3" fill="hold">
+                      <p:stCondLst>
+                        <p:cond delay="indefinite"/>
+                      </p:stCondLst>
+                      <p:childTnLst>
+                        <p:par>
+                          <p:cTn id="4" fill="hold">
+                            <p:stCondLst>
+                              <p:cond delay="0"/>
+                            </p:stCondLst>
+                            <p:childTnLst>
+                              <p:par>
+                                <p:cTn id="5" presetID="26" presetClass="emph" presetSubtype="0" fill="hold" nodeType="clickEffect">
+                                  <p:stCondLst>
+                                    <p:cond delay="0"/>
+                                  </p:stCondLst>
+                                  <p:childTnLst>
+                                    <p:animEffect transition="out" filter="fade">
+                                      <p:cBhvr>
+                                        <p:cTn id="6" dur="500" tmFilter="0, 0; .2, .5; .8, .5; 1, 0"/>
+                                        <p:tgtEl>
+                                          <p:spTgt spid="3">
+                                            <p:txEl>
+                                              <p:pRg st="1" end="1"/>
+                                            </p:txEl>
+                                          </p:spTgt>
+                                        </p:tgtEl>
+                                      </p:cBhvr>
+                                    </p:animEffect>
+                                    <p:animScale>
+                                      <p:cBhvr>
+                                        <p:cTn id="7" dur="250" autoRev="1" fill="hold"/>
+                                        <p:tgtEl>
+                                          <p:spTgt spid="3">
+                                            <p:txEl>
+                                              <p:pRg st="1" end="1"/>
+                                            </p:txEl>
+                                          </p:spTgt>
+                                        </p:tgtEl>
+                                      </p:cBhvr>
+                                      <p:by x="105000" y="105000"/>
+                                    </p:animScale>
+                                  </p:childTnLst>
+                                </p:cTn>
+                              </p:par>
+                            </p:childTnLst>
+                          </p:cTn>
+                        </p:par>
+                      </p:childTnLst>
+                    </p:cTn>
+                  </p:par>
+                </p:childTnLst>
+              </p:cTn>
+              <p:prevCondLst>
+                <p:cond evt="onPrev" delay="0">
+                  <p:tgtEl>
+                    <p:sldTgt/>
+                  </p:tgtEl>
+                </p:cond>
+              </p:prevCondLst>
+              <p:nextCondLst>
+                <p:cond evt="onNext" delay="0">
+                  <p:tgtEl>
+                    <p:sldTgt/>
+                  </p:tgtEl>
+                </p:cond>
+              </p:nextCondLst>
+            </p:seq>
+          </p:childTnLst>
+        </p:cTn>
+      </p:par>
+    </p:tnLst>
+  </p:timing>
+</p:sld>
+</file>
+
+<file path=ppt/slides/slide5.xml><?xml version="1.0" encoding="utf-8"?>
 <p:sld xmlns:a="http://schemas.openxmlformats.org/drawingml/2006/main" xmlns:r="http://schemas.openxmlformats.org/officeDocument/2006/relationships" xmlns:p="http://schemas.openxmlformats.org/presentationml/2006/main">
   <p:cSld>
     <p:spTree>
@@ -17352,7 +21211,11 @@
             </a:avLst>
           </a:prstGeom>
           <a:noFill/>
-          <a:ln w="38100"/>
+          <a:ln w="38100">
+            <a:solidFill>
+              <a:schemeClr val="accent1"/>
+            </a:solidFill>
+          </a:ln>
         </p:spPr>
         <p:style>
           <a:lnRef idx="2">
@@ -17536,7 +21399,7 @@
 </p:sld>
 </file>
 
-<file path=ppt/slides/slide4.xml><?xml version="1.0" encoding="utf-8"?>
+<file path=ppt/slides/slide6.xml><?xml version="1.0" encoding="utf-8"?>
 <p:sld xmlns:a="http://schemas.openxmlformats.org/drawingml/2006/main" xmlns:r="http://schemas.openxmlformats.org/officeDocument/2006/relationships" xmlns:p="http://schemas.openxmlformats.org/presentationml/2006/main">
   <p:cSld>
     <p:spTree>
@@ -17604,13 +21467,20 @@
         </p:nvSpPr>
         <p:spPr>
           <a:xfrm rot="21080149">
-            <a:off x="232377" y="1283778"/>
+            <a:off x="232378" y="1199909"/>
             <a:ext cx="11486838" cy="3955311"/>
           </a:xfrm>
           <a:prstGeom prst="star6">
             <a:avLst/>
           </a:prstGeom>
-          <a:ln w="28575"/>
+          <a:solidFill>
+            <a:schemeClr val="accent1"/>
+          </a:solidFill>
+          <a:ln w="57150">
+            <a:solidFill>
+              <a:schemeClr val="accent1"/>
+            </a:solidFill>
+          </a:ln>
         </p:spPr>
         <p:style>
           <a:lnRef idx="2">
@@ -17634,7 +21504,7 @@
             <a:r>
               <a:rPr kumimoji="1" lang="en-US" altLang="ja-JP" sz="9600" dirty="0">
                 <a:solidFill>
-                  <a:schemeClr val="accent1"/>
+                  <a:schemeClr val="bg1"/>
                 </a:solidFill>
               </a:rPr>
               <a:t>Qbox</a:t>
@@ -17642,7 +21512,7 @@
             <a:r>
               <a:rPr kumimoji="1" lang="ja-JP" altLang="en-US" sz="9600" dirty="0">
                 <a:solidFill>
-                  <a:schemeClr val="accent1"/>
+                  <a:schemeClr val="bg1"/>
                 </a:solidFill>
               </a:rPr>
               <a:t>！！！</a:t>
@@ -17655,6 +21525,65 @@
                 <a:schemeClr val="accent1"/>
               </a:solidFill>
             </a:endParaRPr>
+          </a:p>
+        </p:txBody>
+      </p:sp>
+      <p:sp>
+        <p:nvSpPr>
+          <p:cNvPr id="5" name="タイトル 1">
+            <a:extLst>
+              <a:ext uri="{FF2B5EF4-FFF2-40B4-BE49-F238E27FC236}">
+                <a16:creationId xmlns:a16="http://schemas.microsoft.com/office/drawing/2014/main" id="{9E2C60B5-B571-4D93-8762-A29416230ED5}"/>
+              </a:ext>
+            </a:extLst>
+          </p:cNvPr>
+          <p:cNvSpPr txBox="1">
+            <a:spLocks/>
+          </p:cNvSpPr>
+          <p:nvPr/>
+        </p:nvSpPr>
+        <p:spPr>
+          <a:xfrm>
+            <a:off x="240407" y="776274"/>
+            <a:ext cx="4929710" cy="729736"/>
+          </a:xfrm>
+          <a:prstGeom prst="rect">
+            <a:avLst/>
+          </a:prstGeom>
+        </p:spPr>
+        <p:txBody>
+          <a:bodyPr/>
+          <a:lstStyle>
+            <a:lvl1pPr algn="l" defTabSz="914400" rtl="0" eaLnBrk="1" latinLnBrk="0" hangingPunct="1">
+              <a:lnSpc>
+                <a:spcPct val="90000"/>
+              </a:lnSpc>
+              <a:spcBef>
+                <a:spcPct val="0"/>
+              </a:spcBef>
+              <a:buNone/>
+              <a:defRPr kumimoji="1" sz="3600" kern="1200" spc="-60" baseline="0">
+                <a:solidFill>
+                  <a:srgbClr val="FFFFFF"/>
+                </a:solidFill>
+                <a:latin typeface="+mj-lt"/>
+                <a:ea typeface="+mj-ea"/>
+                <a:cs typeface="+mj-cs"/>
+              </a:defRPr>
+            </a:lvl1pPr>
+          </a:lstStyle>
+          <a:p>
+            <a:r>
+              <a:rPr lang="ja-JP" altLang="en-US" dirty="0">
+                <a:solidFill>
+                  <a:schemeClr val="tx1">
+                    <a:lumMod val="65000"/>
+                    <a:lumOff val="35000"/>
+                  </a:schemeClr>
+                </a:solidFill>
+              </a:rPr>
+              <a:t>そんなときには・・・</a:t>
+            </a:r>
           </a:p>
         </p:txBody>
       </p:sp>
@@ -17668,10 +21597,142 @@
   <p:clrMapOvr>
     <a:masterClrMapping/>
   </p:clrMapOvr>
+  <p:timing>
+    <p:tnLst>
+      <p:par>
+        <p:cTn id="1" dur="indefinite" restart="never" nodeType="tmRoot">
+          <p:childTnLst>
+            <p:seq concurrent="1" nextAc="seek">
+              <p:cTn id="2" dur="indefinite" nodeType="mainSeq">
+                <p:childTnLst>
+                  <p:par>
+                    <p:cTn id="3" fill="hold">
+                      <p:stCondLst>
+                        <p:cond delay="indefinite"/>
+                      </p:stCondLst>
+                      <p:childTnLst>
+                        <p:par>
+                          <p:cTn id="4" fill="hold">
+                            <p:stCondLst>
+                              <p:cond delay="0"/>
+                            </p:stCondLst>
+                            <p:childTnLst>
+                              <p:par>
+                                <p:cTn id="5" presetID="53" presetClass="entr" presetSubtype="16" fill="hold" grpId="0" nodeType="clickEffect">
+                                  <p:stCondLst>
+                                    <p:cond delay="0"/>
+                                  </p:stCondLst>
+                                  <p:childTnLst>
+                                    <p:set>
+                                      <p:cBhvr>
+                                        <p:cTn id="6" dur="1" fill="hold">
+                                          <p:stCondLst>
+                                            <p:cond delay="0"/>
+                                          </p:stCondLst>
+                                        </p:cTn>
+                                        <p:tgtEl>
+                                          <p:spTgt spid="4"/>
+                                        </p:tgtEl>
+                                        <p:attrNameLst>
+                                          <p:attrName>style.visibility</p:attrName>
+                                        </p:attrNameLst>
+                                      </p:cBhvr>
+                                      <p:to>
+                                        <p:strVal val="visible"/>
+                                      </p:to>
+                                    </p:set>
+                                    <p:anim calcmode="lin" valueType="num">
+                                      <p:cBhvr>
+                                        <p:cTn id="7" dur="500" fill="hold"/>
+                                        <p:tgtEl>
+                                          <p:spTgt spid="4"/>
+                                        </p:tgtEl>
+                                        <p:attrNameLst>
+                                          <p:attrName>ppt_w</p:attrName>
+                                        </p:attrNameLst>
+                                      </p:cBhvr>
+                                      <p:tavLst>
+                                        <p:tav tm="0">
+                                          <p:val>
+                                            <p:fltVal val="0"/>
+                                          </p:val>
+                                        </p:tav>
+                                        <p:tav tm="100000">
+                                          <p:val>
+                                            <p:strVal val="#ppt_w"/>
+                                          </p:val>
+                                        </p:tav>
+                                      </p:tavLst>
+                                    </p:anim>
+                                    <p:anim calcmode="lin" valueType="num">
+                                      <p:cBhvr>
+                                        <p:cTn id="8" dur="500" fill="hold"/>
+                                        <p:tgtEl>
+                                          <p:spTgt spid="4"/>
+                                        </p:tgtEl>
+                                        <p:attrNameLst>
+                                          <p:attrName>ppt_h</p:attrName>
+                                        </p:attrNameLst>
+                                      </p:cBhvr>
+                                      <p:tavLst>
+                                        <p:tav tm="0">
+                                          <p:val>
+                                            <p:fltVal val="0"/>
+                                          </p:val>
+                                        </p:tav>
+                                        <p:tav tm="100000">
+                                          <p:val>
+                                            <p:strVal val="#ppt_h"/>
+                                          </p:val>
+                                        </p:tav>
+                                      </p:tavLst>
+                                    </p:anim>
+                                    <p:animEffect transition="in" filter="fade">
+                                      <p:cBhvr>
+                                        <p:cTn id="9" dur="500"/>
+                                        <p:tgtEl>
+                                          <p:spTgt spid="4"/>
+                                        </p:tgtEl>
+                                      </p:cBhvr>
+                                    </p:animEffect>
+                                  </p:childTnLst>
+                                </p:cTn>
+                              </p:par>
+                            </p:childTnLst>
+                          </p:cTn>
+                        </p:par>
+                      </p:childTnLst>
+                    </p:cTn>
+                  </p:par>
+                </p:childTnLst>
+              </p:cTn>
+              <p:prevCondLst>
+                <p:cond evt="onPrev" delay="0">
+                  <p:tgtEl>
+                    <p:sldTgt/>
+                  </p:tgtEl>
+                </p:cond>
+              </p:prevCondLst>
+              <p:nextCondLst>
+                <p:cond evt="onNext" delay="0">
+                  <p:tgtEl>
+                    <p:sldTgt/>
+                  </p:tgtEl>
+                </p:cond>
+              </p:nextCondLst>
+            </p:seq>
+          </p:childTnLst>
+        </p:cTn>
+      </p:par>
+    </p:tnLst>
+    <p:bldLst>
+      <p:bldP spid="4" grpId="0" animBg="1"/>
+    </p:bldLst>
+  </p:timing>
 </p:sld>
 </file>
 
-<file path=ppt/slides/slide5.xml><?xml version="1.0" encoding="utf-8"?>
+<file path=ppt/slides/slide7.xml><?xml version="1.0" encoding="utf-8"?>
 <p:sld xmlns:a="http://schemas.openxmlformats.org/drawingml/2006/main" xmlns:r="http://schemas.openxmlformats.org/officeDocument/2006/relationships" xmlns:p="http://schemas.openxmlformats.org/presentationml/2006/main">
   <p:cSld>
     <p:spTree>
@@ -18073,7 +22134,316 @@
 </p:sld>
 </file>
 
-<file path=ppt/slides/slide6.xml><?xml version="1.0" encoding="utf-8"?>
+<file path=ppt/slides/slide8.xml><?xml version="1.0" encoding="utf-8"?>
+<p:sld xmlns:a="http://schemas.openxmlformats.org/drawingml/2006/main" xmlns:r="http://schemas.openxmlformats.org/officeDocument/2006/relationships" xmlns:p="http://schemas.openxmlformats.org/presentationml/2006/main">
+  <p:cSld>
+    <p:spTree>
+      <p:nvGrpSpPr>
+        <p:cNvPr id="1" name=""/>
+        <p:cNvGrpSpPr/>
+        <p:nvPr/>
+      </p:nvGrpSpPr>
+      <p:grpSpPr>
+        <a:xfrm>
+          <a:off x="0" y="0"/>
+          <a:ext cx="0" cy="0"/>
+          <a:chOff x="0" y="0"/>
+          <a:chExt cx="0" cy="0"/>
+        </a:xfrm>
+      </p:grpSpPr>
+      <p:sp>
+        <p:nvSpPr>
+          <p:cNvPr id="2" name="タイトル 1">
+            <a:extLst>
+              <a:ext uri="{FF2B5EF4-FFF2-40B4-BE49-F238E27FC236}">
+                <a16:creationId xmlns:a16="http://schemas.microsoft.com/office/drawing/2014/main" id="{4246DCF0-1C55-4C16-A8B7-8DFA9F60390C}"/>
+              </a:ext>
+            </a:extLst>
+          </p:cNvPr>
+          <p:cNvSpPr>
+            <a:spLocks noGrp="1"/>
+          </p:cNvSpPr>
+          <p:nvPr>
+            <p:ph type="title"/>
+          </p:nvPr>
+        </p:nvSpPr>
+        <p:spPr/>
+        <p:txBody>
+          <a:bodyPr/>
+          <a:lstStyle/>
+          <a:p>
+            <a:r>
+              <a:rPr kumimoji="1" lang="ja-JP" altLang="en-US" dirty="0"/>
+              <a:t>製品名の由来</a:t>
+            </a:r>
+            <a:br>
+              <a:rPr kumimoji="1" lang="en-US" altLang="ja-JP" dirty="0"/>
+            </a:br>
+            <a:r>
+              <a:rPr kumimoji="1" lang="ja-JP" altLang="en-US" dirty="0"/>
+              <a:t>～</a:t>
+            </a:r>
+            <a:r>
+              <a:rPr kumimoji="1" lang="en-US" altLang="ja-JP" dirty="0"/>
+              <a:t>Qbox</a:t>
+            </a:r>
+            <a:r>
+              <a:rPr kumimoji="1" lang="ja-JP" altLang="en-US" dirty="0"/>
+              <a:t>～</a:t>
+            </a:r>
+          </a:p>
+        </p:txBody>
+      </p:sp>
+      <p:pic>
+        <p:nvPicPr>
+          <p:cNvPr id="4" name="図 3" descr="アイコン&#10;&#10;自動的に生成された説明">
+            <a:extLst>
+              <a:ext uri="{FF2B5EF4-FFF2-40B4-BE49-F238E27FC236}">
+                <a16:creationId xmlns:a16="http://schemas.microsoft.com/office/drawing/2014/main" id="{794F7469-4452-4DE2-818E-F10415ECB421}"/>
+              </a:ext>
+            </a:extLst>
+          </p:cNvPr>
+          <p:cNvPicPr>
+            <a:picLocks noChangeAspect="1"/>
+          </p:cNvPicPr>
+          <p:nvPr/>
+        </p:nvPicPr>
+        <p:blipFill>
+          <a:blip r:embed="rId2">
+            <a:alphaModFix amt="85000"/>
+            <a:extLst>
+              <a:ext uri="{28A0092B-C50C-407E-A947-70E740481C1C}">
+                <a14:useLocalDpi xmlns:a14="http://schemas.microsoft.com/office/drawing/2010/main" val="0"/>
+              </a:ext>
+            </a:extLst>
+          </a:blip>
+          <a:stretch>
+            <a:fillRect/>
+          </a:stretch>
+        </p:blipFill>
+        <p:spPr>
+          <a:xfrm>
+            <a:off x="9466729" y="5262949"/>
+            <a:ext cx="2725271" cy="1469817"/>
+          </a:xfrm>
+          <a:prstGeom prst="rect">
+            <a:avLst/>
+          </a:prstGeom>
+        </p:spPr>
+      </p:pic>
+      <p:sp>
+        <p:nvSpPr>
+          <p:cNvPr id="5" name="正方形/長方形 4">
+            <a:extLst>
+              <a:ext uri="{FF2B5EF4-FFF2-40B4-BE49-F238E27FC236}">
+                <a16:creationId xmlns:a16="http://schemas.microsoft.com/office/drawing/2014/main" id="{3F99E574-7E5F-4E68-B484-00A4B7391402}"/>
+              </a:ext>
+            </a:extLst>
+          </p:cNvPr>
+          <p:cNvSpPr/>
+          <p:nvPr/>
+        </p:nvSpPr>
+        <p:spPr>
+          <a:xfrm>
+            <a:off x="4026568" y="1651824"/>
+            <a:ext cx="6898106" cy="1283368"/>
+          </a:xfrm>
+          <a:prstGeom prst="rect">
+            <a:avLst/>
+          </a:prstGeom>
+          <a:solidFill>
+            <a:schemeClr val="bg1"/>
+          </a:solidFill>
+          <a:ln w="28575">
+            <a:solidFill>
+              <a:schemeClr val="accent1"/>
+            </a:solidFill>
+          </a:ln>
+        </p:spPr>
+        <p:style>
+          <a:lnRef idx="2">
+            <a:schemeClr val="accent5"/>
+          </a:lnRef>
+          <a:fillRef idx="1">
+            <a:schemeClr val="lt1"/>
+          </a:fillRef>
+          <a:effectRef idx="0">
+            <a:schemeClr val="accent5"/>
+          </a:effectRef>
+          <a:fontRef idx="minor">
+            <a:schemeClr val="dk1"/>
+          </a:fontRef>
+        </p:style>
+        <p:txBody>
+          <a:bodyPr rtlCol="0" anchor="ctr"/>
+          <a:lstStyle/>
+          <a:p>
+            <a:pPr algn="ctr"/>
+            <a:r>
+              <a:rPr kumimoji="1" lang="ja-JP" altLang="en-US" sz="2400" dirty="0">
+                <a:solidFill>
+                  <a:schemeClr val="tx1">
+                    <a:lumMod val="65000"/>
+                    <a:lumOff val="35000"/>
+                  </a:schemeClr>
+                </a:solidFill>
+              </a:rPr>
+              <a:t>みんなが知っていて</a:t>
+            </a:r>
+            <a:endParaRPr kumimoji="1" lang="en-US" altLang="ja-JP" sz="2400" dirty="0">
+              <a:solidFill>
+                <a:schemeClr val="tx1">
+                  <a:lumMod val="65000"/>
+                  <a:lumOff val="35000"/>
+                </a:schemeClr>
+              </a:solidFill>
+            </a:endParaRPr>
+          </a:p>
+          <a:p>
+            <a:pPr algn="ctr"/>
+            <a:r>
+              <a:rPr kumimoji="1" lang="ja-JP" altLang="en-US" sz="2400" dirty="0">
+                <a:solidFill>
+                  <a:schemeClr val="tx1">
+                    <a:lumMod val="65000"/>
+                    <a:lumOff val="35000"/>
+                  </a:schemeClr>
+                </a:solidFill>
+              </a:rPr>
+              <a:t>製品名のイメージが浮かびやすい単語</a:t>
+            </a:r>
+          </a:p>
+        </p:txBody>
+      </p:sp>
+      <p:sp>
+        <p:nvSpPr>
+          <p:cNvPr id="6" name="二等辺三角形 5">
+            <a:extLst>
+              <a:ext uri="{FF2B5EF4-FFF2-40B4-BE49-F238E27FC236}">
+                <a16:creationId xmlns:a16="http://schemas.microsoft.com/office/drawing/2014/main" id="{54D7104B-9735-43C1-924A-C30C4F5D20B2}"/>
+              </a:ext>
+            </a:extLst>
+          </p:cNvPr>
+          <p:cNvSpPr/>
+          <p:nvPr/>
+        </p:nvSpPr>
+        <p:spPr>
+          <a:xfrm rot="10800000">
+            <a:off x="7106652" y="2933522"/>
+            <a:ext cx="737938" cy="557620"/>
+          </a:xfrm>
+          <a:prstGeom prst="triangle">
+            <a:avLst>
+              <a:gd name="adj" fmla="val 50000"/>
+            </a:avLst>
+          </a:prstGeom>
+          <a:solidFill>
+            <a:schemeClr val="accent1"/>
+          </a:solidFill>
+          <a:ln w="28575">
+            <a:solidFill>
+              <a:schemeClr val="accent1"/>
+            </a:solidFill>
+          </a:ln>
+        </p:spPr>
+        <p:style>
+          <a:lnRef idx="2">
+            <a:schemeClr val="accent1">
+              <a:shade val="50000"/>
+            </a:schemeClr>
+          </a:lnRef>
+          <a:fillRef idx="1">
+            <a:schemeClr val="accent1"/>
+          </a:fillRef>
+          <a:effectRef idx="0">
+            <a:schemeClr val="accent1"/>
+          </a:effectRef>
+          <a:fontRef idx="minor">
+            <a:schemeClr val="lt1"/>
+          </a:fontRef>
+        </p:style>
+        <p:txBody>
+          <a:bodyPr rtlCol="0" anchor="ctr"/>
+          <a:lstStyle/>
+          <a:p>
+            <a:pPr algn="ctr"/>
+            <a:endParaRPr kumimoji="1" lang="ja-JP" altLang="en-US"/>
+          </a:p>
+        </p:txBody>
+      </p:sp>
+      <p:sp>
+        <p:nvSpPr>
+          <p:cNvPr id="14" name="正方形/長方形 13">
+            <a:extLst>
+              <a:ext uri="{FF2B5EF4-FFF2-40B4-BE49-F238E27FC236}">
+                <a16:creationId xmlns:a16="http://schemas.microsoft.com/office/drawing/2014/main" id="{08ACB379-43B4-444D-850D-9A3DFCE87277}"/>
+              </a:ext>
+            </a:extLst>
+          </p:cNvPr>
+          <p:cNvSpPr/>
+          <p:nvPr/>
+        </p:nvSpPr>
+        <p:spPr>
+          <a:xfrm>
+            <a:off x="4026568" y="3489471"/>
+            <a:ext cx="6898106" cy="1283368"/>
+          </a:xfrm>
+          <a:prstGeom prst="rect">
+            <a:avLst/>
+          </a:prstGeom>
+          <a:ln w="28575">
+            <a:solidFill>
+              <a:schemeClr val="accent1"/>
+            </a:solidFill>
+          </a:ln>
+        </p:spPr>
+        <p:style>
+          <a:lnRef idx="2">
+            <a:schemeClr val="accent5"/>
+          </a:lnRef>
+          <a:fillRef idx="1">
+            <a:schemeClr val="lt1"/>
+          </a:fillRef>
+          <a:effectRef idx="0">
+            <a:schemeClr val="accent5"/>
+          </a:effectRef>
+          <a:fontRef idx="minor">
+            <a:schemeClr val="dk1"/>
+          </a:fontRef>
+        </p:style>
+        <p:txBody>
+          <a:bodyPr rtlCol="0" anchor="ctr"/>
+          <a:lstStyle/>
+          <a:p>
+            <a:pPr algn="ctr"/>
+            <a:r>
+              <a:rPr kumimoji="1" lang="ja-JP" altLang="en-US" sz="2400" dirty="0">
+                <a:solidFill>
+                  <a:schemeClr val="tx1">
+                    <a:lumMod val="65000"/>
+                    <a:lumOff val="35000"/>
+                  </a:schemeClr>
+                </a:solidFill>
+              </a:rPr>
+              <a:t>質問を溜めておく箱というイメージを基に発想</a:t>
+            </a:r>
+          </a:p>
+        </p:txBody>
+      </p:sp>
+    </p:spTree>
+    <p:extLst>
+      <p:ext uri="{BB962C8B-B14F-4D97-AF65-F5344CB8AC3E}">
+        <p14:creationId xmlns:p14="http://schemas.microsoft.com/office/powerpoint/2010/main" val="796798771"/>
+      </p:ext>
+    </p:extLst>
+  </p:cSld>
+  <p:clrMapOvr>
+    <a:masterClrMapping/>
+  </p:clrMapOvr>
+</p:sld>
+</file>
+
+<file path=ppt/slides/slide9.xml><?xml version="1.0" encoding="utf-8"?>
 <p:sld xmlns:a="http://schemas.openxmlformats.org/drawingml/2006/main" xmlns:r="http://schemas.openxmlformats.org/officeDocument/2006/relationships" xmlns:p="http://schemas.openxmlformats.org/presentationml/2006/main">
   <p:cSld>
     <p:spTree>
@@ -18441,7 +22811,11 @@
           <a:solidFill>
             <a:schemeClr val="bg1"/>
           </a:solidFill>
-          <a:ln w="28575"/>
+          <a:ln w="28575">
+            <a:solidFill>
+              <a:schemeClr val="accent1"/>
+            </a:solidFill>
+          </a:ln>
         </p:spPr>
         <p:style>
           <a:lnRef idx="2">
@@ -18575,7 +22949,11 @@
           <a:solidFill>
             <a:schemeClr val="bg1"/>
           </a:solidFill>
-          <a:ln w="28575"/>
+          <a:ln w="28575">
+            <a:solidFill>
+              <a:schemeClr val="accent1"/>
+            </a:solidFill>
+          </a:ln>
         </p:spPr>
         <p:style>
           <a:lnRef idx="2">
@@ -19279,817 +23657,6 @@
 </p:sld>
 </file>
 
-<file path=ppt/slides/slide7.xml><?xml version="1.0" encoding="utf-8"?>
-<p:sld xmlns:a="http://schemas.openxmlformats.org/drawingml/2006/main" xmlns:r="http://schemas.openxmlformats.org/officeDocument/2006/relationships" xmlns:p="http://schemas.openxmlformats.org/presentationml/2006/main">
-  <p:cSld>
-    <p:spTree>
-      <p:nvGrpSpPr>
-        <p:cNvPr id="1" name=""/>
-        <p:cNvGrpSpPr/>
-        <p:nvPr/>
-      </p:nvGrpSpPr>
-      <p:grpSpPr>
-        <a:xfrm>
-          <a:off x="0" y="0"/>
-          <a:ext cx="0" cy="0"/>
-          <a:chOff x="0" y="0"/>
-          <a:chExt cx="0" cy="0"/>
-        </a:xfrm>
-      </p:grpSpPr>
-      <p:sp>
-        <p:nvSpPr>
-          <p:cNvPr id="2" name="タイトル 1">
-            <a:extLst>
-              <a:ext uri="{FF2B5EF4-FFF2-40B4-BE49-F238E27FC236}">
-                <a16:creationId xmlns:a16="http://schemas.microsoft.com/office/drawing/2014/main" id="{11FF109B-1A52-4682-9479-0DCAC48B3C35}"/>
-              </a:ext>
-            </a:extLst>
-          </p:cNvPr>
-          <p:cNvSpPr>
-            <a:spLocks noGrp="1"/>
-          </p:cNvSpPr>
-          <p:nvPr>
-            <p:ph type="title"/>
-          </p:nvPr>
-        </p:nvSpPr>
-        <p:spPr/>
-        <p:txBody>
-          <a:bodyPr/>
-          <a:lstStyle/>
-          <a:p>
-            <a:r>
-              <a:rPr kumimoji="1" lang="ja-JP" altLang="en-US" dirty="0">
-                <a:solidFill>
-                  <a:schemeClr val="bg1"/>
-                </a:solidFill>
-              </a:rPr>
-              <a:t>システムの</a:t>
-            </a:r>
-            <a:br>
-              <a:rPr kumimoji="1" lang="en-US" altLang="ja-JP" dirty="0">
-                <a:solidFill>
-                  <a:schemeClr val="bg1"/>
-                </a:solidFill>
-              </a:rPr>
-            </a:br>
-            <a:r>
-              <a:rPr kumimoji="1" lang="ja-JP" altLang="en-US" dirty="0">
-                <a:solidFill>
-                  <a:schemeClr val="bg1"/>
-                </a:solidFill>
-              </a:rPr>
-              <a:t>コンセプト</a:t>
-            </a:r>
-          </a:p>
-        </p:txBody>
-      </p:sp>
-      <p:sp>
-        <p:nvSpPr>
-          <p:cNvPr id="3" name="コンテンツ プレースホルダー 2">
-            <a:extLst>
-              <a:ext uri="{FF2B5EF4-FFF2-40B4-BE49-F238E27FC236}">
-                <a16:creationId xmlns:a16="http://schemas.microsoft.com/office/drawing/2014/main" id="{E23551B5-FD73-4043-9D9D-F069178EC83A}"/>
-              </a:ext>
-            </a:extLst>
-          </p:cNvPr>
-          <p:cNvSpPr>
-            <a:spLocks noGrp="1"/>
-          </p:cNvSpPr>
-          <p:nvPr>
-            <p:ph idx="1"/>
-          </p:nvPr>
-        </p:nvSpPr>
-        <p:spPr>
-          <a:xfrm>
-            <a:off x="3828510" y="2816777"/>
-            <a:ext cx="7484532" cy="1215301"/>
-          </a:xfrm>
-        </p:spPr>
-        <p:txBody>
-          <a:bodyPr>
-            <a:normAutofit/>
-          </a:bodyPr>
-          <a:lstStyle/>
-          <a:p>
-            <a:pPr marL="0" indent="0">
-              <a:buNone/>
-            </a:pPr>
-            <a:r>
-              <a:rPr kumimoji="1" lang="ja-JP" altLang="en-US" sz="4000" b="1" i="1" dirty="0"/>
-              <a:t>シンプルで使いやすいシステム</a:t>
-            </a:r>
-          </a:p>
-        </p:txBody>
-      </p:sp>
-      <p:pic>
-        <p:nvPicPr>
-          <p:cNvPr id="4" name="図 3" descr="アイコン&#10;&#10;自動的に生成された説明">
-            <a:extLst>
-              <a:ext uri="{FF2B5EF4-FFF2-40B4-BE49-F238E27FC236}">
-                <a16:creationId xmlns:a16="http://schemas.microsoft.com/office/drawing/2014/main" id="{F80B5929-9B90-4E9C-B9E6-44E443331DB5}"/>
-              </a:ext>
-            </a:extLst>
-          </p:cNvPr>
-          <p:cNvPicPr>
-            <a:picLocks noChangeAspect="1"/>
-          </p:cNvPicPr>
-          <p:nvPr/>
-        </p:nvPicPr>
-        <p:blipFill>
-          <a:blip r:embed="rId3">
-            <a:alphaModFix amt="85000"/>
-            <a:extLst>
-              <a:ext uri="{28A0092B-C50C-407E-A947-70E740481C1C}">
-                <a14:useLocalDpi xmlns:a14="http://schemas.microsoft.com/office/drawing/2010/main" val="0"/>
-              </a:ext>
-            </a:extLst>
-          </a:blip>
-          <a:stretch>
-            <a:fillRect/>
-          </a:stretch>
-        </p:blipFill>
-        <p:spPr>
-          <a:xfrm>
-            <a:off x="9466729" y="5262949"/>
-            <a:ext cx="2725271" cy="1469817"/>
-          </a:xfrm>
-          <a:prstGeom prst="rect">
-            <a:avLst/>
-          </a:prstGeom>
-        </p:spPr>
-      </p:pic>
-    </p:spTree>
-    <p:extLst>
-      <p:ext uri="{BB962C8B-B14F-4D97-AF65-F5344CB8AC3E}">
-        <p14:creationId xmlns:p14="http://schemas.microsoft.com/office/powerpoint/2010/main" val="1216690026"/>
-      </p:ext>
-    </p:extLst>
-  </p:cSld>
-  <p:clrMapOvr>
-    <a:masterClrMapping/>
-  </p:clrMapOvr>
-  <p:timing>
-    <p:tnLst>
-      <p:par>
-        <p:cTn id="1" dur="indefinite" restart="never" nodeType="tmRoot">
-          <p:childTnLst>
-            <p:seq concurrent="1" nextAc="seek">
-              <p:cTn id="2" dur="indefinite" nodeType="mainSeq">
-                <p:childTnLst>
-                  <p:par>
-                    <p:cTn id="3" fill="hold">
-                      <p:stCondLst>
-                        <p:cond delay="indefinite"/>
-                      </p:stCondLst>
-                      <p:childTnLst>
-                        <p:par>
-                          <p:cTn id="4" fill="hold">
-                            <p:stCondLst>
-                              <p:cond delay="0"/>
-                            </p:stCondLst>
-                            <p:childTnLst>
-                              <p:par>
-                                <p:cTn id="5" presetID="22" presetClass="entr" presetSubtype="4" fill="hold" grpId="0" nodeType="clickEffect">
-                                  <p:stCondLst>
-                                    <p:cond delay="0"/>
-                                  </p:stCondLst>
-                                  <p:childTnLst>
-                                    <p:set>
-                                      <p:cBhvr>
-                                        <p:cTn id="6" dur="1" fill="hold">
-                                          <p:stCondLst>
-                                            <p:cond delay="0"/>
-                                          </p:stCondLst>
-                                        </p:cTn>
-                                        <p:tgtEl>
-                                          <p:spTgt spid="3">
-                                            <p:txEl>
-                                              <p:pRg st="0" end="0"/>
-                                            </p:txEl>
-                                          </p:spTgt>
-                                        </p:tgtEl>
-                                        <p:attrNameLst>
-                                          <p:attrName>style.visibility</p:attrName>
-                                        </p:attrNameLst>
-                                      </p:cBhvr>
-                                      <p:to>
-                                        <p:strVal val="visible"/>
-                                      </p:to>
-                                    </p:set>
-                                    <p:animEffect transition="in" filter="wipe(down)">
-                                      <p:cBhvr>
-                                        <p:cTn id="7" dur="500"/>
-                                        <p:tgtEl>
-                                          <p:spTgt spid="3">
-                                            <p:txEl>
-                                              <p:pRg st="0" end="0"/>
-                                            </p:txEl>
-                                          </p:spTgt>
-                                        </p:tgtEl>
-                                      </p:cBhvr>
-                                    </p:animEffect>
-                                  </p:childTnLst>
-                                </p:cTn>
-                              </p:par>
-                            </p:childTnLst>
-                          </p:cTn>
-                        </p:par>
-                      </p:childTnLst>
-                    </p:cTn>
-                  </p:par>
-                </p:childTnLst>
-              </p:cTn>
-              <p:prevCondLst>
-                <p:cond evt="onPrev" delay="0">
-                  <p:tgtEl>
-                    <p:sldTgt/>
-                  </p:tgtEl>
-                </p:cond>
-              </p:prevCondLst>
-              <p:nextCondLst>
-                <p:cond evt="onNext" delay="0">
-                  <p:tgtEl>
-                    <p:sldTgt/>
-                  </p:tgtEl>
-                </p:cond>
-              </p:nextCondLst>
-            </p:seq>
-          </p:childTnLst>
-        </p:cTn>
-      </p:par>
-    </p:tnLst>
-    <p:bldLst>
-      <p:bldP spid="3" grpId="0" build="p"/>
-    </p:bldLst>
-  </p:timing>
-</p:sld>
-</file>
-
-<file path=ppt/slides/slide8.xml><?xml version="1.0" encoding="utf-8"?>
-<p:sld xmlns:a="http://schemas.openxmlformats.org/drawingml/2006/main" xmlns:r="http://schemas.openxmlformats.org/officeDocument/2006/relationships" xmlns:p="http://schemas.openxmlformats.org/presentationml/2006/main">
-  <p:cSld>
-    <p:bg>
-      <p:bgPr>
-        <a:solidFill>
-          <a:schemeClr val="bg1"/>
-        </a:solidFill>
-        <a:effectLst/>
-      </p:bgPr>
-    </p:bg>
-    <p:spTree>
-      <p:nvGrpSpPr>
-        <p:cNvPr id="1" name=""/>
-        <p:cNvGrpSpPr/>
-        <p:nvPr/>
-      </p:nvGrpSpPr>
-      <p:grpSpPr>
-        <a:xfrm>
-          <a:off x="0" y="0"/>
-          <a:ext cx="0" cy="0"/>
-          <a:chOff x="0" y="0"/>
-          <a:chExt cx="0" cy="0"/>
-        </a:xfrm>
-      </p:grpSpPr>
-      <p:sp>
-        <p:nvSpPr>
-          <p:cNvPr id="10" name="Rectangle 9">
-            <a:extLst>
-              <a:ext uri="{FF2B5EF4-FFF2-40B4-BE49-F238E27FC236}">
-                <a16:creationId xmlns:a16="http://schemas.microsoft.com/office/drawing/2014/main" id="{DB8424AB-D56B-4256-866A-5B54DE93C20F}"/>
-              </a:ext>
-              <a:ext uri="{C183D7F6-B498-43B3-948B-1728B52AA6E4}">
-                <adec:decorative xmlns:adec="http://schemas.microsoft.com/office/drawing/2017/decorative" val="1"/>
-              </a:ext>
-            </a:extLst>
-          </p:cNvPr>
-          <p:cNvSpPr>
-            <a:spLocks noGrp="1" noRot="1" noChangeAspect="1" noMove="1" noResize="1" noEditPoints="1" noAdjustHandles="1" noChangeArrowheads="1" noChangeShapeType="1" noTextEdit="1"/>
-          </p:cNvSpPr>
-          <p:nvPr>
-            <p:extLst>
-              <p:ext uri="{386F3935-93C4-4BCD-93E2-E3B085C9AB24}">
-                <p16:designElem xmlns:p16="http://schemas.microsoft.com/office/powerpoint/2015/main" val="1"/>
-              </p:ext>
-            </p:extLst>
-          </p:nvPr>
-        </p:nvSpPr>
-        <p:spPr>
-          <a:xfrm>
-            <a:off x="0" y="761999"/>
-            <a:ext cx="9141619" cy="5334001"/>
-          </a:xfrm>
-          <a:prstGeom prst="rect">
-            <a:avLst/>
-          </a:prstGeom>
-          <a:solidFill>
-            <a:schemeClr val="accent1"/>
-          </a:solidFill>
-          <a:ln>
-            <a:noFill/>
-          </a:ln>
-        </p:spPr>
-        <p:style>
-          <a:lnRef idx="2">
-            <a:schemeClr val="accent1">
-              <a:shade val="50000"/>
-            </a:schemeClr>
-          </a:lnRef>
-          <a:fillRef idx="1">
-            <a:schemeClr val="accent1"/>
-          </a:fillRef>
-          <a:effectRef idx="0">
-            <a:schemeClr val="accent1"/>
-          </a:effectRef>
-          <a:fontRef idx="minor">
-            <a:schemeClr val="lt1"/>
-          </a:fontRef>
-        </p:style>
-      </p:sp>
-      <p:sp>
-        <p:nvSpPr>
-          <p:cNvPr id="12" name="Rectangle 11">
-            <a:extLst>
-              <a:ext uri="{FF2B5EF4-FFF2-40B4-BE49-F238E27FC236}">
-                <a16:creationId xmlns:a16="http://schemas.microsoft.com/office/drawing/2014/main" id="{FC999C28-AD33-4EB7-A5F1-C06D10A5FDF7}"/>
-              </a:ext>
-              <a:ext uri="{C183D7F6-B498-43B3-948B-1728B52AA6E4}">
-                <adec:decorative xmlns:adec="http://schemas.microsoft.com/office/drawing/2017/decorative" val="1"/>
-              </a:ext>
-            </a:extLst>
-          </p:cNvPr>
-          <p:cNvSpPr>
-            <a:spLocks noGrp="1" noRot="1" noChangeAspect="1" noMove="1" noResize="1" noEditPoints="1" noAdjustHandles="1" noChangeArrowheads="1" noChangeShapeType="1" noTextEdit="1"/>
-          </p:cNvSpPr>
-          <p:nvPr>
-            <p:extLst>
-              <p:ext uri="{386F3935-93C4-4BCD-93E2-E3B085C9AB24}">
-                <p16:designElem xmlns:p16="http://schemas.microsoft.com/office/powerpoint/2015/main" val="1"/>
-              </p:ext>
-            </p:extLst>
-          </p:nvPr>
-        </p:nvSpPr>
-        <p:spPr>
-          <a:xfrm>
-            <a:off x="9270263" y="761999"/>
-            <a:ext cx="2925318" cy="5334001"/>
-          </a:xfrm>
-          <a:prstGeom prst="rect">
-            <a:avLst/>
-          </a:prstGeom>
-          <a:solidFill>
-            <a:srgbClr val="C8C8C8">
-              <a:alpha val="49804"/>
-            </a:srgbClr>
-          </a:solidFill>
-          <a:ln>
-            <a:noFill/>
-          </a:ln>
-        </p:spPr>
-        <p:style>
-          <a:lnRef idx="2">
-            <a:schemeClr val="accent1">
-              <a:shade val="50000"/>
-            </a:schemeClr>
-          </a:lnRef>
-          <a:fillRef idx="1">
-            <a:schemeClr val="accent1"/>
-          </a:fillRef>
-          <a:effectRef idx="0">
-            <a:schemeClr val="accent1"/>
-          </a:effectRef>
-          <a:fontRef idx="minor">
-            <a:schemeClr val="lt1"/>
-          </a:fontRef>
-        </p:style>
-      </p:sp>
-      <p:sp useBgFill="1">
-        <p:nvSpPr>
-          <p:cNvPr id="14" name="Rectangle 13">
-            <a:extLst>
-              <a:ext uri="{FF2B5EF4-FFF2-40B4-BE49-F238E27FC236}">
-                <a16:creationId xmlns:a16="http://schemas.microsoft.com/office/drawing/2014/main" id="{9203ABB4-7E2A-4248-9FE7-4A419AFF2F17}"/>
-              </a:ext>
-              <a:ext uri="{C183D7F6-B498-43B3-948B-1728B52AA6E4}">
-                <adec:decorative xmlns:adec="http://schemas.microsoft.com/office/drawing/2017/decorative" val="1"/>
-              </a:ext>
-            </a:extLst>
-          </p:cNvPr>
-          <p:cNvSpPr>
-            <a:spLocks noGrp="1" noRot="1" noChangeAspect="1" noMove="1" noResize="1" noEditPoints="1" noAdjustHandles="1" noChangeArrowheads="1" noChangeShapeType="1" noTextEdit="1"/>
-          </p:cNvSpPr>
-          <p:nvPr>
-            <p:extLst>
-              <p:ext uri="{386F3935-93C4-4BCD-93E2-E3B085C9AB24}">
-                <p16:designElem xmlns:p16="http://schemas.microsoft.com/office/powerpoint/2015/main" val="1"/>
-              </p:ext>
-            </p:extLst>
-          </p:nvPr>
-        </p:nvSpPr>
-        <p:spPr>
-          <a:xfrm>
-            <a:off x="0" y="0"/>
-            <a:ext cx="12191999" cy="6858000"/>
-          </a:xfrm>
-          <a:prstGeom prst="rect">
-            <a:avLst/>
-          </a:prstGeom>
-          <a:ln>
-            <a:noFill/>
-          </a:ln>
-        </p:spPr>
-        <p:style>
-          <a:lnRef idx="2">
-            <a:schemeClr val="accent1">
-              <a:shade val="50000"/>
-            </a:schemeClr>
-          </a:lnRef>
-          <a:fillRef idx="1">
-            <a:schemeClr val="accent1"/>
-          </a:fillRef>
-          <a:effectRef idx="0">
-            <a:schemeClr val="accent1"/>
-          </a:effectRef>
-          <a:fontRef idx="minor">
-            <a:schemeClr val="lt1"/>
-          </a:fontRef>
-        </p:style>
-        <p:txBody>
-          <a:bodyPr rtlCol="0" anchor="ctr"/>
-          <a:lstStyle/>
-          <a:p>
-            <a:pPr marL="0" marR="0" lvl="0" indent="0" algn="ctr" defTabSz="457200" rtl="0" eaLnBrk="1" fontAlgn="auto" latinLnBrk="0" hangingPunct="1">
-              <a:lnSpc>
-                <a:spcPct val="100000"/>
-              </a:lnSpc>
-              <a:spcBef>
-                <a:spcPts val="0"/>
-              </a:spcBef>
-              <a:spcAft>
-                <a:spcPts val="0"/>
-              </a:spcAft>
-              <a:buClrTx/>
-              <a:buSzTx/>
-              <a:buFontTx/>
-              <a:buNone/>
-              <a:tabLst/>
-              <a:defRPr/>
-            </a:pPr>
-            <a:endParaRPr kumimoji="0" lang="en-US" sz="1800" b="0" i="0" u="none" strike="noStrike" kern="1200" cap="none" spc="0" normalizeH="0" baseline="0" noProof="0">
-              <a:ln>
-                <a:noFill/>
-              </a:ln>
-              <a:solidFill>
-                <a:srgbClr val="FFFFFF"/>
-              </a:solidFill>
-              <a:effectLst/>
-              <a:uLnTx/>
-              <a:uFillTx/>
-              <a:latin typeface="Corbel" panose="020B0503020204020204"/>
-              <a:ea typeface="+mn-ea"/>
-              <a:cs typeface="+mn-cs"/>
-            </a:endParaRPr>
-          </a:p>
-        </p:txBody>
-      </p:sp>
-      <p:sp>
-        <p:nvSpPr>
-          <p:cNvPr id="16" name="Rectangle 15">
-            <a:extLst>
-              <a:ext uri="{FF2B5EF4-FFF2-40B4-BE49-F238E27FC236}">
-                <a16:creationId xmlns:a16="http://schemas.microsoft.com/office/drawing/2014/main" id="{3126970D-C1E5-4FB1-84E8-86CB9CED1C80}"/>
-              </a:ext>
-              <a:ext uri="{C183D7F6-B498-43B3-948B-1728B52AA6E4}">
-                <adec:decorative xmlns:adec="http://schemas.microsoft.com/office/drawing/2017/decorative" val="1"/>
-              </a:ext>
-            </a:extLst>
-          </p:cNvPr>
-          <p:cNvSpPr>
-            <a:spLocks noGrp="1" noRot="1" noChangeAspect="1" noMove="1" noResize="1" noEditPoints="1" noAdjustHandles="1" noChangeArrowheads="1" noChangeShapeType="1" noTextEdit="1"/>
-          </p:cNvSpPr>
-          <p:nvPr>
-            <p:extLst>
-              <p:ext uri="{386F3935-93C4-4BCD-93E2-E3B085C9AB24}">
-                <p16:designElem xmlns:p16="http://schemas.microsoft.com/office/powerpoint/2015/main" val="1"/>
-              </p:ext>
-            </p:extLst>
-          </p:nvPr>
-        </p:nvSpPr>
-        <p:spPr>
-          <a:xfrm>
-            <a:off x="0" y="4367639"/>
-            <a:ext cx="11707367" cy="1852186"/>
-          </a:xfrm>
-          <a:prstGeom prst="rect">
-            <a:avLst/>
-          </a:prstGeom>
-          <a:solidFill>
-            <a:schemeClr val="accent1"/>
-          </a:solidFill>
-          <a:ln>
-            <a:noFill/>
-          </a:ln>
-        </p:spPr>
-        <p:style>
-          <a:lnRef idx="2">
-            <a:schemeClr val="accent1">
-              <a:shade val="50000"/>
-            </a:schemeClr>
-          </a:lnRef>
-          <a:fillRef idx="1">
-            <a:schemeClr val="accent1"/>
-          </a:fillRef>
-          <a:effectRef idx="0">
-            <a:schemeClr val="accent1"/>
-          </a:effectRef>
-          <a:fontRef idx="minor">
-            <a:schemeClr val="lt1"/>
-          </a:fontRef>
-        </p:style>
-      </p:sp>
-      <p:sp>
-        <p:nvSpPr>
-          <p:cNvPr id="2" name="タイトル 1">
-            <a:extLst>
-              <a:ext uri="{FF2B5EF4-FFF2-40B4-BE49-F238E27FC236}">
-                <a16:creationId xmlns:a16="http://schemas.microsoft.com/office/drawing/2014/main" id="{B588FAA4-7E96-4FF5-B251-22AD68F3F329}"/>
-              </a:ext>
-            </a:extLst>
-          </p:cNvPr>
-          <p:cNvSpPr>
-            <a:spLocks noGrp="1"/>
-          </p:cNvSpPr>
-          <p:nvPr>
-            <p:ph type="title"/>
-          </p:nvPr>
-        </p:nvSpPr>
-        <p:spPr>
-          <a:xfrm>
-            <a:off x="0" y="5563155"/>
-            <a:ext cx="10210862" cy="1065690"/>
-          </a:xfrm>
-        </p:spPr>
-        <p:txBody>
-          <a:bodyPr vert="horz" lIns="91440" tIns="45720" rIns="91440" bIns="45720" rtlCol="0" anchor="b">
-            <a:normAutofit/>
-          </a:bodyPr>
-          <a:lstStyle/>
-          <a:p>
-            <a:r>
-              <a:rPr kumimoji="1" lang="ja-JP" altLang="en-US" sz="3200" spc="-100" dirty="0"/>
-              <a:t>シンプルさ</a:t>
-            </a:r>
-            <a:br>
-              <a:rPr kumimoji="1" lang="en-US" altLang="ja-JP" sz="3200" spc="-100" dirty="0"/>
-            </a:br>
-            <a:endParaRPr kumimoji="1" lang="en-US" altLang="ja-JP" sz="3200" spc="-100" dirty="0"/>
-          </a:p>
-        </p:txBody>
-      </p:sp>
-      <p:pic>
-        <p:nvPicPr>
-          <p:cNvPr id="4" name="図 3">
-            <a:extLst>
-              <a:ext uri="{FF2B5EF4-FFF2-40B4-BE49-F238E27FC236}">
-                <a16:creationId xmlns:a16="http://schemas.microsoft.com/office/drawing/2014/main" id="{D7F04328-32BE-45C7-8259-6C94343AD37B}"/>
-              </a:ext>
-            </a:extLst>
-          </p:cNvPr>
-          <p:cNvPicPr>
-            <a:picLocks noChangeAspect="1"/>
-          </p:cNvPicPr>
-          <p:nvPr/>
-        </p:nvPicPr>
-        <p:blipFill>
-          <a:blip r:embed="rId2"/>
-          <a:stretch>
-            <a:fillRect/>
-          </a:stretch>
-        </p:blipFill>
-        <p:spPr>
-          <a:xfrm>
-            <a:off x="0" y="229155"/>
-            <a:ext cx="12192000" cy="5426600"/>
-          </a:xfrm>
-          <a:prstGeom prst="rect">
-            <a:avLst/>
-          </a:prstGeom>
-        </p:spPr>
-      </p:pic>
-    </p:spTree>
-    <p:extLst>
-      <p:ext uri="{BB962C8B-B14F-4D97-AF65-F5344CB8AC3E}">
-        <p14:creationId xmlns:p14="http://schemas.microsoft.com/office/powerpoint/2010/main" val="2791418516"/>
-      </p:ext>
-    </p:extLst>
-  </p:cSld>
-  <p:clrMapOvr>
-    <a:masterClrMapping/>
-  </p:clrMapOvr>
-</p:sld>
-</file>
-
-<file path=ppt/slides/slide9.xml><?xml version="1.0" encoding="utf-8"?>
-<p:sld xmlns:a="http://schemas.openxmlformats.org/drawingml/2006/main" xmlns:r="http://schemas.openxmlformats.org/officeDocument/2006/relationships" xmlns:p="http://schemas.openxmlformats.org/presentationml/2006/main">
-  <p:cSld>
-    <p:spTree>
-      <p:nvGrpSpPr>
-        <p:cNvPr id="1" name=""/>
-        <p:cNvGrpSpPr/>
-        <p:nvPr/>
-      </p:nvGrpSpPr>
-      <p:grpSpPr>
-        <a:xfrm>
-          <a:off x="0" y="0"/>
-          <a:ext cx="0" cy="0"/>
-          <a:chOff x="0" y="0"/>
-          <a:chExt cx="0" cy="0"/>
-        </a:xfrm>
-      </p:grpSpPr>
-      <p:sp>
-        <p:nvSpPr>
-          <p:cNvPr id="2" name="タイトル 1">
-            <a:extLst>
-              <a:ext uri="{FF2B5EF4-FFF2-40B4-BE49-F238E27FC236}">
-                <a16:creationId xmlns:a16="http://schemas.microsoft.com/office/drawing/2014/main" id="{11FF109B-1A52-4682-9479-0DCAC48B3C35}"/>
-              </a:ext>
-            </a:extLst>
-          </p:cNvPr>
-          <p:cNvSpPr>
-            <a:spLocks noGrp="1"/>
-          </p:cNvSpPr>
-          <p:nvPr>
-            <p:ph type="title"/>
-          </p:nvPr>
-        </p:nvSpPr>
-        <p:spPr/>
-        <p:txBody>
-          <a:bodyPr/>
-          <a:lstStyle/>
-          <a:p>
-            <a:r>
-              <a:rPr lang="ja-JP" altLang="en-US" dirty="0"/>
-              <a:t>利便性の高い機能</a:t>
-            </a:r>
-            <a:endParaRPr kumimoji="1" lang="ja-JP" altLang="en-US" dirty="0"/>
-          </a:p>
-        </p:txBody>
-      </p:sp>
-      <p:sp>
-        <p:nvSpPr>
-          <p:cNvPr id="3" name="コンテンツ プレースホルダー 2">
-            <a:extLst>
-              <a:ext uri="{FF2B5EF4-FFF2-40B4-BE49-F238E27FC236}">
-                <a16:creationId xmlns:a16="http://schemas.microsoft.com/office/drawing/2014/main" id="{E23551B5-FD73-4043-9D9D-F069178EC83A}"/>
-              </a:ext>
-            </a:extLst>
-          </p:cNvPr>
-          <p:cNvSpPr>
-            <a:spLocks noGrp="1"/>
-          </p:cNvSpPr>
-          <p:nvPr>
-            <p:ph idx="1"/>
-          </p:nvPr>
-        </p:nvSpPr>
-        <p:spPr>
-          <a:xfrm>
-            <a:off x="3838788" y="494671"/>
-            <a:ext cx="7315200" cy="5859514"/>
-          </a:xfrm>
-        </p:spPr>
-        <p:txBody>
-          <a:bodyPr>
-            <a:normAutofit/>
-          </a:bodyPr>
-          <a:lstStyle/>
-          <a:p>
-            <a:r>
-              <a:rPr kumimoji="1" lang="ja-JP" altLang="en-US" sz="2800" dirty="0"/>
-              <a:t>質問投稿機能</a:t>
-            </a:r>
-            <a:endParaRPr kumimoji="1" lang="en-US" altLang="ja-JP" sz="2800" dirty="0"/>
-          </a:p>
-          <a:p>
-            <a:pPr lvl="1"/>
-            <a:r>
-              <a:rPr kumimoji="1" lang="ja-JP" altLang="en-US" sz="2400" dirty="0"/>
-              <a:t>テンプレート挿入機能</a:t>
-            </a:r>
-            <a:endParaRPr kumimoji="1" lang="en-US" altLang="ja-JP" sz="2400" dirty="0"/>
-          </a:p>
-          <a:p>
-            <a:pPr lvl="1"/>
-            <a:r>
-              <a:rPr lang="ja-JP" altLang="en-US" sz="2400" dirty="0"/>
-              <a:t>ファイル添付機能</a:t>
-            </a:r>
-            <a:endParaRPr kumimoji="1" lang="en-US" altLang="ja-JP" sz="2400" dirty="0"/>
-          </a:p>
-          <a:p>
-            <a:r>
-              <a:rPr lang="ja-JP" altLang="en-US" sz="2800" dirty="0"/>
-              <a:t>検索機能</a:t>
-            </a:r>
-            <a:endParaRPr lang="en-US" altLang="ja-JP" sz="2800" dirty="0"/>
-          </a:p>
-          <a:p>
-            <a:pPr lvl="1"/>
-            <a:r>
-              <a:rPr lang="ja-JP" altLang="en-US" sz="2400" dirty="0"/>
-              <a:t>質問タグによる検索</a:t>
-            </a:r>
-            <a:endParaRPr lang="en-US" altLang="ja-JP" sz="2400" dirty="0"/>
-          </a:p>
-          <a:p>
-            <a:pPr lvl="1"/>
-            <a:r>
-              <a:rPr lang="ja-JP" altLang="en-US" sz="2400" dirty="0"/>
-              <a:t>質問の閲覧回数順に表示</a:t>
-            </a:r>
-            <a:endParaRPr lang="en-US" altLang="ja-JP" sz="2400" dirty="0"/>
-          </a:p>
-          <a:p>
-            <a:pPr lvl="1"/>
-            <a:r>
-              <a:rPr lang="ja-JP" altLang="en-US" sz="2400" dirty="0"/>
-              <a:t>解決</a:t>
-            </a:r>
-            <a:r>
-              <a:rPr lang="en-US" altLang="ja-JP" sz="2400" dirty="0"/>
-              <a:t>/</a:t>
-            </a:r>
-            <a:r>
-              <a:rPr lang="ja-JP" altLang="en-US" sz="2400" dirty="0"/>
-              <a:t>未解決ラベルによる検索</a:t>
-            </a:r>
-            <a:endParaRPr lang="en-US" altLang="ja-JP" sz="2400" dirty="0"/>
-          </a:p>
-          <a:p>
-            <a:r>
-              <a:rPr lang="ja-JP" altLang="en-US" sz="2800" dirty="0"/>
-              <a:t>マイページ機能</a:t>
-            </a:r>
-            <a:endParaRPr lang="en-US" altLang="ja-JP" sz="2800" dirty="0"/>
-          </a:p>
-          <a:p>
-            <a:pPr lvl="1"/>
-            <a:r>
-              <a:rPr lang="ja-JP" altLang="en-US" sz="2400" dirty="0"/>
-              <a:t>自分の質問が一覧で見られる</a:t>
-            </a:r>
-            <a:endParaRPr lang="en-US" altLang="ja-JP" sz="2400" dirty="0"/>
-          </a:p>
-        </p:txBody>
-      </p:sp>
-      <p:pic>
-        <p:nvPicPr>
-          <p:cNvPr id="4" name="図 3" descr="アイコン&#10;&#10;自動的に生成された説明">
-            <a:extLst>
-              <a:ext uri="{FF2B5EF4-FFF2-40B4-BE49-F238E27FC236}">
-                <a16:creationId xmlns:a16="http://schemas.microsoft.com/office/drawing/2014/main" id="{F80B5929-9B90-4E9C-B9E6-44E443331DB5}"/>
-              </a:ext>
-            </a:extLst>
-          </p:cNvPr>
-          <p:cNvPicPr>
-            <a:picLocks noChangeAspect="1"/>
-          </p:cNvPicPr>
-          <p:nvPr/>
-        </p:nvPicPr>
-        <p:blipFill>
-          <a:blip r:embed="rId3">
-            <a:alphaModFix amt="85000"/>
-            <a:extLst>
-              <a:ext uri="{28A0092B-C50C-407E-A947-70E740481C1C}">
-                <a14:useLocalDpi xmlns:a14="http://schemas.microsoft.com/office/drawing/2010/main" val="0"/>
-              </a:ext>
-            </a:extLst>
-          </a:blip>
-          <a:stretch>
-            <a:fillRect/>
-          </a:stretch>
-        </p:blipFill>
-        <p:spPr>
-          <a:xfrm>
-            <a:off x="9466729" y="5262949"/>
-            <a:ext cx="2725271" cy="1469817"/>
-          </a:xfrm>
-          <a:prstGeom prst="rect">
-            <a:avLst/>
-          </a:prstGeom>
-        </p:spPr>
-      </p:pic>
-    </p:spTree>
-    <p:extLst>
-      <p:ext uri="{BB962C8B-B14F-4D97-AF65-F5344CB8AC3E}">
-        <p14:creationId xmlns:p14="http://schemas.microsoft.com/office/powerpoint/2010/main" val="4139719801"/>
-      </p:ext>
-    </p:extLst>
-  </p:cSld>
-  <p:clrMapOvr>
-    <a:masterClrMapping/>
-  </p:clrMapOvr>
-</p:sld>
-</file>
-
 <file path=ppt/theme/theme1.xml><?xml version="1.0" encoding="utf-8"?>
 <a:theme xmlns:a="http://schemas.openxmlformats.org/drawingml/2006/main" name="フレーム">
   <a:themeElements>

--- a/発表資料/成果発表　D4チーム.pptx
+++ b/発表資料/成果発表　D4チーム.pptx
@@ -762,7 +762,7 @@
           <a:p>
             <a:fld id="{3E09690F-D3E5-4E8F-AD4A-5CFF09FCF1A7}" type="slidenum">
               <a:rPr kumimoji="1" lang="ja-JP" altLang="en-US" smtClean="0"/>
-              <a:t>27</a:t>
+              <a:t>26</a:t>
             </a:fld>
             <a:endParaRPr kumimoji="1" lang="ja-JP" altLang="en-US"/>
           </a:p>
@@ -771,7 +771,7 @@
     </p:spTree>
     <p:extLst>
       <p:ext uri="{BB962C8B-B14F-4D97-AF65-F5344CB8AC3E}">
-        <p14:creationId xmlns:p14="http://schemas.microsoft.com/office/powerpoint/2010/main" val="552774"/>
+        <p14:creationId xmlns:p14="http://schemas.microsoft.com/office/powerpoint/2010/main" val="1271535327"/>
       </p:ext>
     </p:extLst>
   </p:cSld>
@@ -825,7 +825,10 @@
           <a:bodyPr/>
           <a:lstStyle/>
           <a:p>
-            <a:endParaRPr kumimoji="1" lang="ja-JP" altLang="en-US" dirty="0"/>
+            <a:r>
+              <a:rPr kumimoji="1" lang="ja-JP" altLang="en-US" dirty="0"/>
+              <a:t>（全員）○○担当の（名前）からお話しします。</a:t>
+            </a:r>
           </a:p>
         </p:txBody>
       </p:sp>
@@ -846,7 +849,7 @@
           <a:p>
             <a:fld id="{3E09690F-D3E5-4E8F-AD4A-5CFF09FCF1A7}" type="slidenum">
               <a:rPr kumimoji="1" lang="ja-JP" altLang="en-US" smtClean="0"/>
-              <a:t>28</a:t>
+              <a:t>27</a:t>
             </a:fld>
             <a:endParaRPr kumimoji="1" lang="ja-JP" altLang="en-US"/>
           </a:p>
@@ -855,7 +858,7 @@
     </p:spTree>
     <p:extLst>
       <p:ext uri="{BB962C8B-B14F-4D97-AF65-F5344CB8AC3E}">
-        <p14:creationId xmlns:p14="http://schemas.microsoft.com/office/powerpoint/2010/main" val="1204652253"/>
+        <p14:creationId xmlns:p14="http://schemas.microsoft.com/office/powerpoint/2010/main" val="552774"/>
       </p:ext>
     </p:extLst>
   </p:cSld>
@@ -930,7 +933,7 @@
           <a:p>
             <a:fld id="{3E09690F-D3E5-4E8F-AD4A-5CFF09FCF1A7}" type="slidenum">
               <a:rPr kumimoji="1" lang="ja-JP" altLang="en-US" smtClean="0"/>
-              <a:t>29</a:t>
+              <a:t>28</a:t>
             </a:fld>
             <a:endParaRPr kumimoji="1" lang="ja-JP" altLang="en-US"/>
           </a:p>
@@ -939,7 +942,7 @@
     </p:spTree>
     <p:extLst>
       <p:ext uri="{BB962C8B-B14F-4D97-AF65-F5344CB8AC3E}">
-        <p14:creationId xmlns:p14="http://schemas.microsoft.com/office/powerpoint/2010/main" val="2308555231"/>
+        <p14:creationId xmlns:p14="http://schemas.microsoft.com/office/powerpoint/2010/main" val="1204652253"/>
       </p:ext>
     </p:extLst>
   </p:cSld>
@@ -1014,7 +1017,7 @@
           <a:p>
             <a:fld id="{3E09690F-D3E5-4E8F-AD4A-5CFF09FCF1A7}" type="slidenum">
               <a:rPr kumimoji="1" lang="ja-JP" altLang="en-US" smtClean="0"/>
-              <a:t>30</a:t>
+              <a:t>29</a:t>
             </a:fld>
             <a:endParaRPr kumimoji="1" lang="ja-JP" altLang="en-US"/>
           </a:p>
@@ -1023,7 +1026,7 @@
     </p:spTree>
     <p:extLst>
       <p:ext uri="{BB962C8B-B14F-4D97-AF65-F5344CB8AC3E}">
-        <p14:creationId xmlns:p14="http://schemas.microsoft.com/office/powerpoint/2010/main" val="2970961455"/>
+        <p14:creationId xmlns:p14="http://schemas.microsoft.com/office/powerpoint/2010/main" val="2308555231"/>
       </p:ext>
     </p:extLst>
   </p:cSld>
@@ -1098,7 +1101,7 @@
           <a:p>
             <a:fld id="{3E09690F-D3E5-4E8F-AD4A-5CFF09FCF1A7}" type="slidenum">
               <a:rPr kumimoji="1" lang="ja-JP" altLang="en-US" smtClean="0"/>
-              <a:t>31</a:t>
+              <a:t>30</a:t>
             </a:fld>
             <a:endParaRPr kumimoji="1" lang="ja-JP" altLang="en-US"/>
           </a:p>
@@ -1107,7 +1110,7 @@
     </p:spTree>
     <p:extLst>
       <p:ext uri="{BB962C8B-B14F-4D97-AF65-F5344CB8AC3E}">
-        <p14:creationId xmlns:p14="http://schemas.microsoft.com/office/powerpoint/2010/main" val="4198393642"/>
+        <p14:creationId xmlns:p14="http://schemas.microsoft.com/office/powerpoint/2010/main" val="2970961455"/>
       </p:ext>
     </p:extLst>
   </p:cSld>
@@ -1182,7 +1185,7 @@
           <a:p>
             <a:fld id="{3E09690F-D3E5-4E8F-AD4A-5CFF09FCF1A7}" type="slidenum">
               <a:rPr kumimoji="1" lang="ja-JP" altLang="en-US" smtClean="0"/>
-              <a:t>32</a:t>
+              <a:t>31</a:t>
             </a:fld>
             <a:endParaRPr kumimoji="1" lang="ja-JP" altLang="en-US"/>
           </a:p>
@@ -1191,7 +1194,7 @@
     </p:spTree>
     <p:extLst>
       <p:ext uri="{BB962C8B-B14F-4D97-AF65-F5344CB8AC3E}">
-        <p14:creationId xmlns:p14="http://schemas.microsoft.com/office/powerpoint/2010/main" val="2379389067"/>
+        <p14:creationId xmlns:p14="http://schemas.microsoft.com/office/powerpoint/2010/main" val="4198393642"/>
       </p:ext>
     </p:extLst>
   </p:cSld>
@@ -1266,6 +1269,90 @@
           <a:p>
             <a:fld id="{3E09690F-D3E5-4E8F-AD4A-5CFF09FCF1A7}" type="slidenum">
               <a:rPr kumimoji="1" lang="ja-JP" altLang="en-US" smtClean="0"/>
+              <a:t>32</a:t>
+            </a:fld>
+            <a:endParaRPr kumimoji="1" lang="ja-JP" altLang="en-US"/>
+          </a:p>
+        </p:txBody>
+      </p:sp>
+    </p:spTree>
+    <p:extLst>
+      <p:ext uri="{BB962C8B-B14F-4D97-AF65-F5344CB8AC3E}">
+        <p14:creationId xmlns:p14="http://schemas.microsoft.com/office/powerpoint/2010/main" val="2379389067"/>
+      </p:ext>
+    </p:extLst>
+  </p:cSld>
+  <p:clrMapOvr>
+    <a:masterClrMapping/>
+  </p:clrMapOvr>
+</p:notes>
+</file>
+
+<file path=ppt/notesSlides/notesSlide18.xml><?xml version="1.0" encoding="utf-8"?>
+<p:notes xmlns:a="http://schemas.openxmlformats.org/drawingml/2006/main" xmlns:r="http://schemas.openxmlformats.org/officeDocument/2006/relationships" xmlns:p="http://schemas.openxmlformats.org/presentationml/2006/main">
+  <p:cSld>
+    <p:spTree>
+      <p:nvGrpSpPr>
+        <p:cNvPr id="1" name=""/>
+        <p:cNvGrpSpPr/>
+        <p:nvPr/>
+      </p:nvGrpSpPr>
+      <p:grpSpPr>
+        <a:xfrm>
+          <a:off x="0" y="0"/>
+          <a:ext cx="0" cy="0"/>
+          <a:chOff x="0" y="0"/>
+          <a:chExt cx="0" cy="0"/>
+        </a:xfrm>
+      </p:grpSpPr>
+      <p:sp>
+        <p:nvSpPr>
+          <p:cNvPr id="2" name="スライド イメージ プレースホルダー 1"/>
+          <p:cNvSpPr>
+            <a:spLocks noGrp="1" noRot="1" noChangeAspect="1"/>
+          </p:cNvSpPr>
+          <p:nvPr>
+            <p:ph type="sldImg"/>
+          </p:nvPr>
+        </p:nvSpPr>
+        <p:spPr/>
+      </p:sp>
+      <p:sp>
+        <p:nvSpPr>
+          <p:cNvPr id="3" name="ノート プレースホルダー 2"/>
+          <p:cNvSpPr>
+            <a:spLocks noGrp="1"/>
+          </p:cNvSpPr>
+          <p:nvPr>
+            <p:ph type="body" idx="1"/>
+          </p:nvPr>
+        </p:nvSpPr>
+        <p:spPr/>
+        <p:txBody>
+          <a:bodyPr/>
+          <a:lstStyle/>
+          <a:p>
+            <a:endParaRPr kumimoji="1" lang="ja-JP" altLang="en-US" dirty="0"/>
+          </a:p>
+        </p:txBody>
+      </p:sp>
+      <p:sp>
+        <p:nvSpPr>
+          <p:cNvPr id="4" name="スライド番号プレースホルダー 3"/>
+          <p:cNvSpPr>
+            <a:spLocks noGrp="1"/>
+          </p:cNvSpPr>
+          <p:nvPr>
+            <p:ph type="sldNum" sz="quarter" idx="5"/>
+          </p:nvPr>
+        </p:nvSpPr>
+        <p:spPr/>
+        <p:txBody>
+          <a:bodyPr/>
+          <a:lstStyle/>
+          <a:p>
+            <a:fld id="{3E09690F-D3E5-4E8F-AD4A-5CFF09FCF1A7}" type="slidenum">
+              <a:rPr kumimoji="1" lang="ja-JP" altLang="en-US" smtClean="0"/>
               <a:t>33</a:t>
             </a:fld>
             <a:endParaRPr kumimoji="1" lang="ja-JP" altLang="en-US"/>
@@ -1285,7 +1372,7 @@
 </p:notes>
 </file>
 
-<file path=ppt/notesSlides/notesSlide18.xml><?xml version="1.0" encoding="utf-8"?>
+<file path=ppt/notesSlides/notesSlide19.xml><?xml version="1.0" encoding="utf-8"?>
 <p:notes xmlns:a="http://schemas.openxmlformats.org/drawingml/2006/main" xmlns:r="http://schemas.openxmlformats.org/officeDocument/2006/relationships" xmlns:p="http://schemas.openxmlformats.org/presentationml/2006/main">
   <p:cSld>
     <p:spTree>
@@ -1962,10 +2049,7 @@
           <a:bodyPr/>
           <a:lstStyle/>
           <a:p>
-            <a:r>
-              <a:rPr kumimoji="1" lang="ja-JP" altLang="en-US" dirty="0"/>
-              <a:t>①②仲間に作業報告する場を頻繁に設けることで、各自が担当する作業の現状を的確に把握し、助けが必要な際には自分で仲間に依頼する、という主体的行動につながった。</a:t>
-            </a:r>
+            <a:endParaRPr kumimoji="1" lang="ja-JP" altLang="en-US" dirty="0"/>
           </a:p>
         </p:txBody>
       </p:sp>
@@ -11922,7 +12006,65 @@
                 <a:ea typeface="ＭＳ ゴシック" panose="020B0609070205080204" pitchFamily="49" charset="-128"/>
                 <a:cs typeface="+mn-cs"/>
               </a:rPr>
-              <a:t>で各自自分の担当作業について、現状・問題点を口頭で説明する時間を設ける。</a:t>
+              <a:t>で各自自分の担当作業に</a:t>
+            </a:r>
+            <a:endParaRPr kumimoji="1" lang="en-US" altLang="ja-JP" sz="2400" b="0" i="0" u="none" strike="noStrike" kern="1200" cap="none" spc="0" normalizeH="0" baseline="0" noProof="0" dirty="0">
+              <a:ln>
+                <a:noFill/>
+              </a:ln>
+              <a:solidFill>
+                <a:srgbClr val="000000">
+                  <a:lumMod val="65000"/>
+                  <a:lumOff val="35000"/>
+                </a:srgbClr>
+              </a:solidFill>
+              <a:effectLst/>
+              <a:uLnTx/>
+              <a:uFillTx/>
+              <a:latin typeface="Arial" panose="020B0604020202020204" pitchFamily="34" charset="0"/>
+              <a:ea typeface="ＭＳ ゴシック" panose="020B0609070205080204" pitchFamily="49" charset="-128"/>
+              <a:cs typeface="+mn-cs"/>
+            </a:endParaRPr>
+          </a:p>
+          <a:p>
+            <a:pPr marL="0" marR="0" lvl="0" indent="0" algn="l" defTabSz="914400" rtl="0" eaLnBrk="1" fontAlgn="auto" latinLnBrk="0" hangingPunct="1">
+              <a:lnSpc>
+                <a:spcPct val="90000"/>
+              </a:lnSpc>
+              <a:spcBef>
+                <a:spcPts val="0"/>
+              </a:spcBef>
+              <a:spcAft>
+                <a:spcPts val="0"/>
+              </a:spcAft>
+              <a:buClr>
+                <a:srgbClr val="40BAD2"/>
+              </a:buClr>
+              <a:buSzTx/>
+              <a:buFont typeface="Wingdings 2" pitchFamily="18" charset="2"/>
+              <a:buNone/>
+              <a:tabLst/>
+              <a:defRPr/>
+            </a:pPr>
+            <a:r>
+              <a:rPr kumimoji="1" lang="ja-JP" altLang="en-US" sz="2400" b="0" i="0" u="none" strike="noStrike" kern="1200" cap="none" spc="0" normalizeH="0" baseline="0" noProof="0" dirty="0">
+                <a:ln>
+                  <a:noFill/>
+                </a:ln>
+                <a:solidFill>
+                  <a:srgbClr val="000000">
+                    <a:lumMod val="65000"/>
+                    <a:lumOff val="35000"/>
+                  </a:srgbClr>
+                </a:solidFill>
+                <a:effectLst/>
+                <a:uLnTx/>
+                <a:uFillTx/>
+                <a:latin typeface="Arial" panose="020B0604020202020204" pitchFamily="34" charset="0"/>
+                <a:ea typeface="ＭＳ ゴシック" panose="020B0609070205080204" pitchFamily="49" charset="-128"/>
+                <a:cs typeface="+mn-cs"/>
+              </a:rPr>
+              <a:t>ついて、現状・問題点を口頭で説明する時間を設ける。</a:t>
             </a:r>
             <a:endParaRPr kumimoji="1" lang="ja-JP" altLang="en-US" sz="2400" b="0" i="0" u="none" strike="noStrike" kern="1200" cap="none" spc="0" normalizeH="0" baseline="0" noProof="0" dirty="0">
               <a:ln>
@@ -11941,10 +12083,6 @@
               <a:ea typeface="ＭＳ ゴシック" panose="020B0609070205080204" pitchFamily="49" charset="-128"/>
               <a:cs typeface="+mn-cs"/>
             </a:endParaRPr>
-          </a:p>
-          <a:p>
-            <a:pPr algn="ctr"/>
-            <a:endParaRPr kumimoji="1" lang="ja-JP" altLang="en-US" dirty="0"/>
           </a:p>
         </p:txBody>
       </p:sp>
@@ -12994,7 +13132,7 @@
                 </a:solidFill>
                 <a:latin typeface="Arial" panose="020B0604020202020204" pitchFamily="34" charset="0"/>
               </a:rPr>
-              <a:t>チーム目標への意識を持ち続けられた。</a:t>
+              <a:t>チーム目標達成への意識を持ち続けられた。</a:t>
             </a:r>
             <a:endParaRPr kumimoji="1" lang="ja-JP" altLang="en-US" sz="2400" dirty="0"/>
           </a:p>
@@ -13950,7 +14088,7 @@
           <p:nvPr/>
         </p:nvPicPr>
         <p:blipFill>
-          <a:blip r:embed="rId2">
+          <a:blip r:embed="rId3">
             <a:alphaModFix amt="85000"/>
             <a:extLst>
               <a:ext uri="{28A0092B-C50C-407E-A947-70E740481C1C}">
@@ -14063,7 +14201,7 @@
                   </a:schemeClr>
                 </a:solidFill>
               </a:rPr>
-              <a:t>小さなスペルミスなどからエラー多発</a:t>
+              <a:t>エラー多発</a:t>
             </a:r>
           </a:p>
         </p:txBody>
@@ -14179,7 +14317,7 @@
         <p:spPr>
           <a:xfrm>
             <a:off x="4011470" y="4315325"/>
-            <a:ext cx="7603012" cy="1989222"/>
+            <a:ext cx="7603012" cy="2032312"/>
           </a:xfrm>
           <a:prstGeom prst="roundRect">
             <a:avLst/>
@@ -14259,7 +14397,7 @@
                   </a:schemeClr>
                 </a:solidFill>
               </a:rPr>
-              <a:t>何も進まない無言の時間が減った</a:t>
+              <a:t>パニックにならず冷静に対処できた</a:t>
             </a:r>
             <a:endParaRPr kumimoji="1" lang="en-US" altLang="ja-JP" sz="2400" dirty="0">
               <a:solidFill>
@@ -14284,57 +14422,7 @@
                   </a:schemeClr>
                 </a:solidFill>
               </a:rPr>
-              <a:t>パニックにならず冷静に対処できた</a:t>
-            </a:r>
-            <a:endParaRPr kumimoji="1" lang="en-US" altLang="ja-JP" sz="2400" dirty="0">
-              <a:solidFill>
-                <a:schemeClr val="tx1">
-                  <a:lumMod val="65000"/>
-                  <a:lumOff val="35000"/>
-                </a:schemeClr>
-              </a:solidFill>
-            </a:endParaRPr>
-          </a:p>
-          <a:p>
-            <a:pPr marL="285750" indent="-285750">
-              <a:buFont typeface="Arial" panose="020B0604020202020204" pitchFamily="34" charset="0"/>
-              <a:buChar char="•"/>
-            </a:pPr>
-            <a:r>
-              <a:rPr kumimoji="1" lang="ja-JP" altLang="en-US" sz="2400" dirty="0">
-                <a:solidFill>
-                  <a:schemeClr val="tx1">
-                    <a:lumMod val="65000"/>
-                    <a:lumOff val="35000"/>
-                  </a:schemeClr>
-                </a:solidFill>
-              </a:rPr>
-              <a:t>班員の相談に乗りやすくなった</a:t>
-            </a:r>
-            <a:endParaRPr kumimoji="1" lang="en-US" altLang="ja-JP" sz="2400" dirty="0">
-              <a:solidFill>
-                <a:schemeClr val="tx1">
-                  <a:lumMod val="65000"/>
-                  <a:lumOff val="35000"/>
-                </a:schemeClr>
-              </a:solidFill>
-            </a:endParaRPr>
-          </a:p>
-          <a:p>
-            <a:pPr marL="285750" indent="-285750">
-              <a:buFont typeface="Arial" panose="020B0604020202020204" pitchFamily="34" charset="0"/>
-              <a:buChar char="•"/>
-            </a:pPr>
-            <a:r>
-              <a:rPr kumimoji="1" lang="ja-JP" altLang="en-US" sz="2400" dirty="0">
-                <a:solidFill>
-                  <a:schemeClr val="tx1">
-                    <a:lumMod val="65000"/>
-                    <a:lumOff val="35000"/>
-                  </a:schemeClr>
-                </a:solidFill>
-              </a:rPr>
-              <a:t>講師に相談するタイミングが判断しやすくなった</a:t>
+              <a:t>具体的な問題点の把握・共有により、講師や班員に相談しやすくなった</a:t>
             </a:r>
             <a:endParaRPr kumimoji="1" lang="en-US" altLang="ja-JP" sz="2400" dirty="0">
               <a:solidFill>
@@ -15591,7 +15679,32 @@
                 <a:effectLst/>
                 <a:latin typeface="Slack-Lato"/>
               </a:rPr>
-              <a:t>班のディスカッションを促進する方法を考え、行動できた点</a:t>
+              <a:t>班の全員を巻き込んでディスカッションを進める</a:t>
+            </a:r>
+            <a:endParaRPr lang="en-US" altLang="ja-JP" sz="2400" b="0" i="0" dirty="0">
+              <a:solidFill>
+                <a:schemeClr val="tx1">
+                  <a:lumMod val="65000"/>
+                  <a:lumOff val="35000"/>
+                </a:schemeClr>
+              </a:solidFill>
+              <a:effectLst/>
+              <a:latin typeface="Slack-Lato"/>
+            </a:endParaRPr>
+          </a:p>
+          <a:p>
+            <a:r>
+              <a:rPr lang="ja-JP" altLang="en-US" sz="2400" b="0" i="0" dirty="0">
+                <a:solidFill>
+                  <a:schemeClr val="tx1">
+                    <a:lumMod val="65000"/>
+                    <a:lumOff val="35000"/>
+                  </a:schemeClr>
+                </a:solidFill>
+                <a:effectLst/>
+                <a:latin typeface="Slack-Lato"/>
+              </a:rPr>
+              <a:t>方法を考え、行動できた点</a:t>
             </a:r>
             <a:endParaRPr kumimoji="1" lang="ja-JP" altLang="en-US" sz="2400" dirty="0">
               <a:solidFill>
@@ -19065,7 +19178,7 @@
           </a:p>
           <a:p>
             <a:r>
-              <a:rPr kumimoji="1" lang="ja-JP" altLang="en-US" sz="2000" dirty="0">
+              <a:rPr kumimoji="1" lang="ja-JP" altLang="en-US" sz="2400" dirty="0">
                 <a:solidFill>
                   <a:schemeClr val="tx1">
                     <a:lumMod val="65000"/>
@@ -19073,7 +19186,28 @@
                   </a:schemeClr>
                 </a:solidFill>
               </a:rPr>
-              <a:t>一つのカラムに対してなぜそれが必要なのか、なぜそのデータ型なのか、どうして主キーとしているのかを簡潔に説明することができていない</a:t>
+              <a:t>データベース内の一つのカラムに対しての説明が</a:t>
+            </a:r>
+            <a:endParaRPr kumimoji="1" lang="en-US" altLang="ja-JP" sz="2400" dirty="0">
+              <a:solidFill>
+                <a:schemeClr val="tx1">
+                  <a:lumMod val="65000"/>
+                  <a:lumOff val="35000"/>
+                </a:schemeClr>
+              </a:solidFill>
+            </a:endParaRPr>
+          </a:p>
+          <a:p>
+            <a:r>
+              <a:rPr kumimoji="1" lang="ja-JP" altLang="en-US" sz="2400" dirty="0">
+                <a:solidFill>
+                  <a:schemeClr val="tx1">
+                    <a:lumMod val="65000"/>
+                    <a:lumOff val="35000"/>
+                  </a:schemeClr>
+                </a:solidFill>
+              </a:rPr>
+              <a:t>簡潔にできていない</a:t>
             </a:r>
           </a:p>
         </p:txBody>
@@ -20020,7 +20154,7 @@
                 <a:ea typeface="ＭＳ ゴシック" panose="020B0609070205080204" pitchFamily="49" charset="-128"/>
                 <a:cs typeface="+mn-cs"/>
               </a:rPr>
-              <a:t>システムの開発。</a:t>
+              <a:t>システムの開発</a:t>
             </a:r>
             <a:endParaRPr kumimoji="1" lang="en-US" altLang="ja-JP" sz="2800" b="0" i="0" u="none" strike="noStrike" kern="1200" cap="none" spc="0" normalizeH="0" baseline="0" noProof="0" dirty="0">
               <a:ln>
@@ -22280,6 +22414,39 @@
           <a:p>
             <a:pPr algn="ctr"/>
             <a:r>
+              <a:rPr kumimoji="1" lang="en-US" altLang="ja-JP" sz="2400" dirty="0">
+                <a:solidFill>
+                  <a:schemeClr val="tx1">
+                    <a:lumMod val="65000"/>
+                    <a:lumOff val="35000"/>
+                  </a:schemeClr>
+                </a:solidFill>
+              </a:rPr>
+              <a:t>【</a:t>
+            </a:r>
+            <a:r>
+              <a:rPr kumimoji="1" lang="ja-JP" altLang="en-US" sz="2400" dirty="0">
+                <a:solidFill>
+                  <a:schemeClr val="tx1">
+                    <a:lumMod val="65000"/>
+                    <a:lumOff val="35000"/>
+                  </a:schemeClr>
+                </a:solidFill>
+              </a:rPr>
+              <a:t>条件</a:t>
+            </a:r>
+            <a:r>
+              <a:rPr kumimoji="1" lang="en-US" altLang="ja-JP" sz="2400" dirty="0">
+                <a:solidFill>
+                  <a:schemeClr val="tx1">
+                    <a:lumMod val="65000"/>
+                    <a:lumOff val="35000"/>
+                  </a:schemeClr>
+                </a:solidFill>
+              </a:rPr>
+              <a:t>】</a:t>
+            </a:r>
+            <a:r>
               <a:rPr kumimoji="1" lang="ja-JP" altLang="en-US" sz="2400" dirty="0">
                 <a:solidFill>
                   <a:schemeClr val="tx1">
@@ -22310,7 +22477,7 @@
                   </a:schemeClr>
                 </a:solidFill>
               </a:rPr>
-              <a:t>製品名のイメージが浮かびやすい単語</a:t>
+              <a:t>製品内容のイメージが浮かびやすい単語</a:t>
             </a:r>
           </a:p>
         </p:txBody>

--- a/発表資料/成果発表　D4チーム.pptx
+++ b/発表資料/成果発表　D4チーム.pptx
@@ -230,7 +230,7 @@
           <a:p>
             <a:fld id="{7940F67D-29D4-4898-A6D4-061F8A7BAB25}" type="datetimeFigureOut">
               <a:rPr kumimoji="1" lang="ja-JP" altLang="en-US" smtClean="0"/>
-              <a:t>2021/6/28</a:t>
+              <a:t>2021/6/29</a:t>
             </a:fld>
             <a:endParaRPr kumimoji="1" lang="ja-JP" altLang="en-US"/>
           </a:p>
@@ -2397,7 +2397,7 @@
           <a:p>
             <a:fld id="{8CDA64B4-71C7-4A8E-85E0-82D458E45FBE}" type="datetimeFigureOut">
               <a:rPr kumimoji="1" lang="ja-JP" altLang="en-US" smtClean="0"/>
-              <a:t>2021/6/28</a:t>
+              <a:t>2021/6/29</a:t>
             </a:fld>
             <a:endParaRPr kumimoji="1" lang="ja-JP" altLang="en-US"/>
           </a:p>
@@ -2599,7 +2599,7 @@
           <a:p>
             <a:fld id="{8CDA64B4-71C7-4A8E-85E0-82D458E45FBE}" type="datetimeFigureOut">
               <a:rPr kumimoji="1" lang="ja-JP" altLang="en-US" smtClean="0"/>
-              <a:t>2021/6/28</a:t>
+              <a:t>2021/6/29</a:t>
             </a:fld>
             <a:endParaRPr kumimoji="1" lang="ja-JP" altLang="en-US"/>
           </a:p>
@@ -2811,7 +2811,7 @@
           <a:p>
             <a:fld id="{8CDA64B4-71C7-4A8E-85E0-82D458E45FBE}" type="datetimeFigureOut">
               <a:rPr kumimoji="1" lang="ja-JP" altLang="en-US" smtClean="0"/>
-              <a:t>2021/6/28</a:t>
+              <a:t>2021/6/29</a:t>
             </a:fld>
             <a:endParaRPr kumimoji="1" lang="ja-JP" altLang="en-US"/>
           </a:p>
@@ -3013,7 +3013,7 @@
           <a:p>
             <a:fld id="{8CDA64B4-71C7-4A8E-85E0-82D458E45FBE}" type="datetimeFigureOut">
               <a:rPr kumimoji="1" lang="ja-JP" altLang="en-US" smtClean="0"/>
-              <a:t>2021/6/28</a:t>
+              <a:t>2021/6/29</a:t>
             </a:fld>
             <a:endParaRPr kumimoji="1" lang="ja-JP" altLang="en-US"/>
           </a:p>
@@ -3271,7 +3271,7 @@
           <a:p>
             <a:fld id="{8CDA64B4-71C7-4A8E-85E0-82D458E45FBE}" type="datetimeFigureOut">
               <a:rPr kumimoji="1" lang="ja-JP" altLang="en-US" smtClean="0"/>
-              <a:t>2021/6/28</a:t>
+              <a:t>2021/6/29</a:t>
             </a:fld>
             <a:endParaRPr kumimoji="1" lang="ja-JP" altLang="en-US"/>
           </a:p>
@@ -3623,7 +3623,7 @@
           <a:p>
             <a:fld id="{8CDA64B4-71C7-4A8E-85E0-82D458E45FBE}" type="datetimeFigureOut">
               <a:rPr kumimoji="1" lang="ja-JP" altLang="en-US" smtClean="0"/>
-              <a:t>2021/6/28</a:t>
+              <a:t>2021/6/29</a:t>
             </a:fld>
             <a:endParaRPr kumimoji="1" lang="ja-JP" altLang="en-US"/>
           </a:p>
@@ -4129,7 +4129,7 @@
           <a:p>
             <a:fld id="{8CDA64B4-71C7-4A8E-85E0-82D458E45FBE}" type="datetimeFigureOut">
               <a:rPr kumimoji="1" lang="ja-JP" altLang="en-US" smtClean="0"/>
-              <a:t>2021/6/28</a:t>
+              <a:t>2021/6/29</a:t>
             </a:fld>
             <a:endParaRPr kumimoji="1" lang="ja-JP" altLang="en-US"/>
           </a:p>
@@ -4247,7 +4247,7 @@
           <a:p>
             <a:fld id="{8CDA64B4-71C7-4A8E-85E0-82D458E45FBE}" type="datetimeFigureOut">
               <a:rPr kumimoji="1" lang="ja-JP" altLang="en-US" smtClean="0"/>
-              <a:t>2021/6/28</a:t>
+              <a:t>2021/6/29</a:t>
             </a:fld>
             <a:endParaRPr kumimoji="1" lang="ja-JP" altLang="en-US"/>
           </a:p>
@@ -4342,7 +4342,7 @@
           <a:p>
             <a:fld id="{8CDA64B4-71C7-4A8E-85E0-82D458E45FBE}" type="datetimeFigureOut">
               <a:rPr kumimoji="1" lang="ja-JP" altLang="en-US" smtClean="0"/>
-              <a:t>2021/6/28</a:t>
+              <a:t>2021/6/29</a:t>
             </a:fld>
             <a:endParaRPr kumimoji="1" lang="ja-JP" altLang="en-US"/>
           </a:p>
@@ -4662,7 +4662,7 @@
           <a:p>
             <a:fld id="{8CDA64B4-71C7-4A8E-85E0-82D458E45FBE}" type="datetimeFigureOut">
               <a:rPr kumimoji="1" lang="ja-JP" altLang="en-US" smtClean="0"/>
-              <a:t>2021/6/28</a:t>
+              <a:t>2021/6/29</a:t>
             </a:fld>
             <a:endParaRPr kumimoji="1" lang="ja-JP" altLang="en-US"/>
           </a:p>
@@ -4935,7 +4935,7 @@
           <a:p>
             <a:fld id="{8CDA64B4-71C7-4A8E-85E0-82D458E45FBE}" type="datetimeFigureOut">
               <a:rPr kumimoji="1" lang="ja-JP" altLang="en-US" smtClean="0"/>
-              <a:t>2021/6/28</a:t>
+              <a:t>2021/6/29</a:t>
             </a:fld>
             <a:endParaRPr kumimoji="1" lang="ja-JP" altLang="en-US"/>
           </a:p>
@@ -5264,7 +5264,7 @@
           <a:p>
             <a:fld id="{8CDA64B4-71C7-4A8E-85E0-82D458E45FBE}" type="datetimeFigureOut">
               <a:rPr kumimoji="1" lang="ja-JP" altLang="en-US" smtClean="0"/>
-              <a:t>2021/6/28</a:t>
+              <a:t>2021/6/29</a:t>
             </a:fld>
             <a:endParaRPr kumimoji="1" lang="ja-JP" altLang="en-US"/>
           </a:p>
@@ -11211,507 +11211,6 @@
           <a:chExt cx="0" cy="0"/>
         </a:xfrm>
       </p:grpSpPr>
-      <p:sp>
-        <p:nvSpPr>
-          <p:cNvPr id="5" name="コンテンツ プレースホルダー 4">
-            <a:extLst>
-              <a:ext uri="{FF2B5EF4-FFF2-40B4-BE49-F238E27FC236}">
-                <a16:creationId xmlns:a16="http://schemas.microsoft.com/office/drawing/2014/main" id="{91B13B31-DBAB-4B5F-9D11-A31993582363}"/>
-              </a:ext>
-            </a:extLst>
-          </p:cNvPr>
-          <p:cNvSpPr>
-            <a:spLocks noGrp="1"/>
-          </p:cNvSpPr>
-          <p:nvPr>
-            <p:ph idx="1"/>
-          </p:nvPr>
-        </p:nvSpPr>
-        <p:spPr>
-          <a:xfrm>
-            <a:off x="3767449" y="868362"/>
-            <a:ext cx="7315200" cy="5121275"/>
-          </a:xfrm>
-          <a:prstGeom prst="roundRect">
-            <a:avLst/>
-          </a:prstGeom>
-          <a:solidFill>
-            <a:schemeClr val="bg1"/>
-          </a:solidFill>
-          <a:ln w="28575">
-            <a:solidFill>
-              <a:schemeClr val="accent1"/>
-            </a:solidFill>
-          </a:ln>
-        </p:spPr>
-        <p:style>
-          <a:lnRef idx="2">
-            <a:schemeClr val="accent1">
-              <a:shade val="50000"/>
-            </a:schemeClr>
-          </a:lnRef>
-          <a:fillRef idx="1">
-            <a:schemeClr val="accent1"/>
-          </a:fillRef>
-          <a:effectRef idx="0">
-            <a:schemeClr val="accent1"/>
-          </a:effectRef>
-          <a:fontRef idx="minor">
-            <a:schemeClr val="lt1"/>
-          </a:fontRef>
-        </p:style>
-        <p:txBody>
-          <a:bodyPr rtlCol="0" anchor="ctr"/>
-          <a:lstStyle/>
-          <a:p>
-            <a:pPr marL="0" indent="0">
-              <a:buNone/>
-            </a:pPr>
-            <a:r>
-              <a:rPr kumimoji="1" lang="en-US" altLang="ja-JP" dirty="0">
-                <a:solidFill>
-                  <a:schemeClr val="tx1">
-                    <a:lumMod val="65000"/>
-                    <a:lumOff val="35000"/>
-                  </a:schemeClr>
-                </a:solidFill>
-              </a:rPr>
-              <a:t>【</a:t>
-            </a:r>
-            <a:r>
-              <a:rPr kumimoji="1" lang="ja-JP" altLang="en-US" dirty="0">
-                <a:solidFill>
-                  <a:schemeClr val="tx1">
-                    <a:lumMod val="65000"/>
-                    <a:lumOff val="35000"/>
-                  </a:schemeClr>
-                </a:solidFill>
-              </a:rPr>
-              <a:t>達成基準</a:t>
-            </a:r>
-            <a:r>
-              <a:rPr kumimoji="1" lang="en-US" altLang="ja-JP" dirty="0">
-                <a:solidFill>
-                  <a:schemeClr val="tx1">
-                    <a:lumMod val="65000"/>
-                    <a:lumOff val="35000"/>
-                  </a:schemeClr>
-                </a:solidFill>
-              </a:rPr>
-              <a:t>】</a:t>
-            </a:r>
-          </a:p>
-          <a:p>
-            <a:pPr marL="0" indent="0">
-              <a:buNone/>
-            </a:pPr>
-            <a:r>
-              <a:rPr kumimoji="1" lang="ja-JP" altLang="en-US" dirty="0">
-                <a:solidFill>
-                  <a:schemeClr val="tx1">
-                    <a:lumMod val="65000"/>
-                    <a:lumOff val="35000"/>
-                  </a:schemeClr>
-                </a:solidFill>
-              </a:rPr>
-              <a:t>＜チームの一員としての主体性＞</a:t>
-            </a:r>
-            <a:endParaRPr kumimoji="1" lang="en-US" altLang="ja-JP" dirty="0">
-              <a:solidFill>
-                <a:schemeClr val="tx1">
-                  <a:lumMod val="65000"/>
-                  <a:lumOff val="35000"/>
-                </a:schemeClr>
-              </a:solidFill>
-            </a:endParaRPr>
-          </a:p>
-          <a:p>
-            <a:pPr marL="0" indent="0" rtl="0">
-              <a:spcBef>
-                <a:spcPts val="0"/>
-              </a:spcBef>
-              <a:spcAft>
-                <a:spcPts val="0"/>
-              </a:spcAft>
-              <a:buNone/>
-            </a:pPr>
-            <a:r>
-              <a:rPr lang="ja-JP" altLang="en-US" sz="1800" b="0" i="0" u="none" strike="noStrike" dirty="0">
-                <a:solidFill>
-                  <a:schemeClr val="tx1">
-                    <a:lumMod val="65000"/>
-                    <a:lumOff val="35000"/>
-                  </a:schemeClr>
-                </a:solidFill>
-                <a:effectLst/>
-                <a:latin typeface="Arial" panose="020B0604020202020204" pitchFamily="34" charset="0"/>
-              </a:rPr>
-              <a:t>①</a:t>
-            </a:r>
-            <a:r>
-              <a:rPr lang="en-US" altLang="ja-JP" sz="1800" b="0" i="0" u="none" strike="noStrike" dirty="0">
-                <a:solidFill>
-                  <a:schemeClr val="tx1">
-                    <a:lumMod val="65000"/>
-                    <a:lumOff val="35000"/>
-                  </a:schemeClr>
-                </a:solidFill>
-                <a:effectLst/>
-                <a:latin typeface="Arial" panose="020B0604020202020204" pitchFamily="34" charset="0"/>
-              </a:rPr>
-              <a:t>-1</a:t>
-            </a:r>
-            <a:r>
-              <a:rPr lang="ja-JP" altLang="en-US" sz="1800" b="0" i="0" u="none" strike="noStrike" dirty="0">
-                <a:solidFill>
-                  <a:schemeClr val="tx1">
-                    <a:lumMod val="65000"/>
-                    <a:lumOff val="35000"/>
-                  </a:schemeClr>
-                </a:solidFill>
-                <a:effectLst/>
-                <a:latin typeface="Arial" panose="020B0604020202020204" pitchFamily="34" charset="0"/>
-              </a:rPr>
-              <a:t>自分の作業の現状や課題点について、チーム内で当日中に報告できている。</a:t>
-            </a:r>
-            <a:endParaRPr lang="ja-JP" altLang="en-US" b="0" dirty="0">
-              <a:solidFill>
-                <a:schemeClr val="tx1">
-                  <a:lumMod val="65000"/>
-                  <a:lumOff val="35000"/>
-                </a:schemeClr>
-              </a:solidFill>
-              <a:effectLst/>
-            </a:endParaRPr>
-          </a:p>
-          <a:p>
-            <a:pPr marL="0" indent="0" rtl="0">
-              <a:spcBef>
-                <a:spcPts val="0"/>
-              </a:spcBef>
-              <a:spcAft>
-                <a:spcPts val="0"/>
-              </a:spcAft>
-              <a:buNone/>
-            </a:pPr>
-            <a:r>
-              <a:rPr lang="ja-JP" altLang="en-US" sz="1800" b="0" i="0" u="none" strike="noStrike" dirty="0">
-                <a:solidFill>
-                  <a:schemeClr val="tx1">
-                    <a:lumMod val="65000"/>
-                    <a:lumOff val="35000"/>
-                  </a:schemeClr>
-                </a:solidFill>
-                <a:effectLst/>
-                <a:latin typeface="Arial" panose="020B0604020202020204" pitchFamily="34" charset="0"/>
-              </a:rPr>
-              <a:t>①</a:t>
-            </a:r>
-            <a:r>
-              <a:rPr lang="en-US" altLang="ja-JP" sz="1800" b="0" i="0" u="none" strike="noStrike" dirty="0">
-                <a:solidFill>
-                  <a:schemeClr val="tx1">
-                    <a:lumMod val="65000"/>
-                    <a:lumOff val="35000"/>
-                  </a:schemeClr>
-                </a:solidFill>
-                <a:effectLst/>
-                <a:latin typeface="Arial" panose="020B0604020202020204" pitchFamily="34" charset="0"/>
-              </a:rPr>
-              <a:t>-2</a:t>
-            </a:r>
-            <a:r>
-              <a:rPr lang="ja-JP" altLang="en-US" sz="1800" b="0" i="0" u="none" strike="noStrike" dirty="0">
-                <a:solidFill>
-                  <a:schemeClr val="tx1">
-                    <a:lumMod val="65000"/>
-                    <a:lumOff val="35000"/>
-                  </a:schemeClr>
-                </a:solidFill>
-                <a:effectLst/>
-                <a:latin typeface="Arial" panose="020B0604020202020204" pitchFamily="34" charset="0"/>
-              </a:rPr>
-              <a:t>プロジェクト全体の進捗状況を全員が把握し、日報にて会社の上司に説明することができる。</a:t>
-            </a:r>
-            <a:endParaRPr lang="ja-JP" altLang="en-US" b="0" dirty="0">
-              <a:solidFill>
-                <a:schemeClr val="tx1">
-                  <a:lumMod val="65000"/>
-                  <a:lumOff val="35000"/>
-                </a:schemeClr>
-              </a:solidFill>
-              <a:effectLst/>
-            </a:endParaRPr>
-          </a:p>
-          <a:p>
-            <a:pPr marL="0" indent="0" rtl="0">
-              <a:spcBef>
-                <a:spcPts val="0"/>
-              </a:spcBef>
-              <a:spcAft>
-                <a:spcPts val="0"/>
-              </a:spcAft>
-              <a:buNone/>
-            </a:pPr>
-            <a:endParaRPr lang="en-US" altLang="ja-JP" sz="1800" b="0" i="0" u="none" strike="noStrike" dirty="0">
-              <a:solidFill>
-                <a:schemeClr val="tx1">
-                  <a:lumMod val="65000"/>
-                  <a:lumOff val="35000"/>
-                </a:schemeClr>
-              </a:solidFill>
-              <a:effectLst/>
-              <a:latin typeface="Arial" panose="020B0604020202020204" pitchFamily="34" charset="0"/>
-            </a:endParaRPr>
-          </a:p>
-          <a:p>
-            <a:pPr marL="0" indent="0" rtl="0">
-              <a:spcBef>
-                <a:spcPts val="0"/>
-              </a:spcBef>
-              <a:spcAft>
-                <a:spcPts val="0"/>
-              </a:spcAft>
-              <a:buNone/>
-            </a:pPr>
-            <a:r>
-              <a:rPr lang="ja-JP" altLang="en-US" dirty="0">
-                <a:solidFill>
-                  <a:schemeClr val="tx1">
-                    <a:lumMod val="65000"/>
-                    <a:lumOff val="35000"/>
-                  </a:schemeClr>
-                </a:solidFill>
-                <a:latin typeface="Arial" panose="020B0604020202020204" pitchFamily="34" charset="0"/>
-              </a:rPr>
-              <a:t>＜各担当としての主体性＞→個人の成果として発表</a:t>
-            </a:r>
-            <a:endParaRPr lang="en-US" altLang="ja-JP" dirty="0">
-              <a:solidFill>
-                <a:schemeClr val="tx1">
-                  <a:lumMod val="65000"/>
-                  <a:lumOff val="35000"/>
-                </a:schemeClr>
-              </a:solidFill>
-              <a:latin typeface="Arial" panose="020B0604020202020204" pitchFamily="34" charset="0"/>
-            </a:endParaRPr>
-          </a:p>
-          <a:p>
-            <a:pPr marL="0" indent="0" rtl="0">
-              <a:spcBef>
-                <a:spcPts val="0"/>
-              </a:spcBef>
-              <a:spcAft>
-                <a:spcPts val="0"/>
-              </a:spcAft>
-              <a:buNone/>
-            </a:pPr>
-            <a:r>
-              <a:rPr lang="ja-JP" altLang="en-US" sz="1800" b="0" i="0" u="none" strike="noStrike" dirty="0">
-                <a:solidFill>
-                  <a:schemeClr val="tx1">
-                    <a:lumMod val="65000"/>
-                    <a:lumOff val="35000"/>
-                  </a:schemeClr>
-                </a:solidFill>
-                <a:effectLst/>
-                <a:latin typeface="Arial" panose="020B0604020202020204" pitchFamily="34" charset="0"/>
-              </a:rPr>
-              <a:t>②</a:t>
-            </a:r>
-            <a:r>
-              <a:rPr lang="en-US" altLang="ja-JP" sz="1800" b="0" i="0" u="none" strike="noStrike" dirty="0">
-                <a:solidFill>
-                  <a:schemeClr val="tx1">
-                    <a:lumMod val="65000"/>
-                    <a:lumOff val="35000"/>
-                  </a:schemeClr>
-                </a:solidFill>
-                <a:effectLst/>
-                <a:latin typeface="Arial" panose="020B0604020202020204" pitchFamily="34" charset="0"/>
-              </a:rPr>
-              <a:t>-1</a:t>
-            </a:r>
-            <a:r>
-              <a:rPr lang="ja-JP" altLang="en-US" sz="1800" b="0" i="0" u="none" strike="noStrike" dirty="0">
-                <a:solidFill>
-                  <a:schemeClr val="tx1">
-                    <a:lumMod val="65000"/>
-                    <a:lumOff val="35000"/>
-                  </a:schemeClr>
-                </a:solidFill>
-                <a:effectLst/>
-                <a:latin typeface="Arial" panose="020B0604020202020204" pitchFamily="34" charset="0"/>
-              </a:rPr>
-              <a:t>自分の役割について説明できる。</a:t>
-            </a:r>
-            <a:endParaRPr lang="ja-JP" altLang="en-US" b="0" dirty="0">
-              <a:solidFill>
-                <a:schemeClr val="tx1">
-                  <a:lumMod val="65000"/>
-                  <a:lumOff val="35000"/>
-                </a:schemeClr>
-              </a:solidFill>
-              <a:effectLst/>
-            </a:endParaRPr>
-          </a:p>
-          <a:p>
-            <a:pPr marL="0" indent="0" rtl="0">
-              <a:spcBef>
-                <a:spcPts val="0"/>
-              </a:spcBef>
-              <a:spcAft>
-                <a:spcPts val="0"/>
-              </a:spcAft>
-              <a:buNone/>
-            </a:pPr>
-            <a:r>
-              <a:rPr lang="ja-JP" altLang="en-US" sz="1800" b="0" i="0" u="none" strike="noStrike" dirty="0">
-                <a:solidFill>
-                  <a:schemeClr val="tx1">
-                    <a:lumMod val="65000"/>
-                    <a:lumOff val="35000"/>
-                  </a:schemeClr>
-                </a:solidFill>
-                <a:effectLst/>
-                <a:latin typeface="Arial" panose="020B0604020202020204" pitchFamily="34" charset="0"/>
-              </a:rPr>
-              <a:t>②</a:t>
-            </a:r>
-            <a:r>
-              <a:rPr lang="en-US" altLang="ja-JP" sz="1800" b="0" i="0" u="none" strike="noStrike" dirty="0">
-                <a:solidFill>
-                  <a:schemeClr val="tx1">
-                    <a:lumMod val="65000"/>
-                    <a:lumOff val="35000"/>
-                  </a:schemeClr>
-                </a:solidFill>
-                <a:effectLst/>
-                <a:latin typeface="Arial" panose="020B0604020202020204" pitchFamily="34" charset="0"/>
-              </a:rPr>
-              <a:t>-2</a:t>
-            </a:r>
-            <a:r>
-              <a:rPr lang="ja-JP" altLang="en-US" sz="1800" b="0" i="0" u="none" strike="noStrike" dirty="0">
-                <a:solidFill>
-                  <a:schemeClr val="tx1">
-                    <a:lumMod val="65000"/>
-                    <a:lumOff val="35000"/>
-                  </a:schemeClr>
-                </a:solidFill>
-                <a:effectLst/>
-                <a:latin typeface="Arial" panose="020B0604020202020204" pitchFamily="34" charset="0"/>
-              </a:rPr>
-              <a:t>自分の担当の仕事を、誰かに指摘されなくても行うことができている。</a:t>
-            </a:r>
-            <a:endParaRPr lang="ja-JP" altLang="en-US" b="0" dirty="0">
-              <a:solidFill>
-                <a:schemeClr val="tx1">
-                  <a:lumMod val="65000"/>
-                  <a:lumOff val="35000"/>
-                </a:schemeClr>
-              </a:solidFill>
-              <a:effectLst/>
-            </a:endParaRPr>
-          </a:p>
-          <a:p>
-            <a:pPr marL="0" indent="0" rtl="0">
-              <a:spcBef>
-                <a:spcPts val="0"/>
-              </a:spcBef>
-              <a:spcAft>
-                <a:spcPts val="300"/>
-              </a:spcAft>
-              <a:buNone/>
-            </a:pPr>
-            <a:r>
-              <a:rPr lang="ja-JP" altLang="en-US" sz="1800" b="0" i="0" u="none" strike="noStrike" dirty="0">
-                <a:solidFill>
-                  <a:schemeClr val="tx1">
-                    <a:lumMod val="65000"/>
-                    <a:lumOff val="35000"/>
-                  </a:schemeClr>
-                </a:solidFill>
-                <a:effectLst/>
-                <a:latin typeface="Arial" panose="020B0604020202020204" pitchFamily="34" charset="0"/>
-              </a:rPr>
-              <a:t>②</a:t>
-            </a:r>
-            <a:r>
-              <a:rPr lang="en-US" altLang="ja-JP" sz="1800" b="0" i="0" u="none" strike="noStrike" dirty="0">
-                <a:solidFill>
-                  <a:schemeClr val="tx1">
-                    <a:lumMod val="65000"/>
-                    <a:lumOff val="35000"/>
-                  </a:schemeClr>
-                </a:solidFill>
-                <a:effectLst/>
-                <a:latin typeface="Arial" panose="020B0604020202020204" pitchFamily="34" charset="0"/>
-              </a:rPr>
-              <a:t>-3</a:t>
-            </a:r>
-            <a:r>
-              <a:rPr lang="ja-JP" altLang="en-US" sz="1800" b="0" i="0" u="none" strike="noStrike" dirty="0">
-                <a:solidFill>
-                  <a:schemeClr val="tx1">
-                    <a:lumMod val="65000"/>
-                    <a:lumOff val="35000"/>
-                  </a:schemeClr>
-                </a:solidFill>
-                <a:effectLst/>
-                <a:latin typeface="Arial" panose="020B0604020202020204" pitchFamily="34" charset="0"/>
-              </a:rPr>
-              <a:t>役割に基づいて主体的に行動した結果について説明できる。</a:t>
-            </a:r>
-            <a:br>
-              <a:rPr lang="ja-JP" altLang="en-US" dirty="0">
-                <a:solidFill>
-                  <a:schemeClr val="tx1">
-                    <a:lumMod val="65000"/>
-                    <a:lumOff val="35000"/>
-                  </a:schemeClr>
-                </a:solidFill>
-              </a:rPr>
-            </a:br>
-            <a:endParaRPr kumimoji="1" lang="ja-JP" altLang="en-US" dirty="0">
-              <a:solidFill>
-                <a:schemeClr val="tx1">
-                  <a:lumMod val="65000"/>
-                  <a:lumOff val="35000"/>
-                </a:schemeClr>
-              </a:solidFill>
-            </a:endParaRPr>
-          </a:p>
-        </p:txBody>
-      </p:sp>
-      <p:sp>
-        <p:nvSpPr>
-          <p:cNvPr id="2" name="タイトル 1">
-            <a:extLst>
-              <a:ext uri="{FF2B5EF4-FFF2-40B4-BE49-F238E27FC236}">
-                <a16:creationId xmlns:a16="http://schemas.microsoft.com/office/drawing/2014/main" id="{11FF109B-1A52-4682-9479-0DCAC48B3C35}"/>
-              </a:ext>
-            </a:extLst>
-          </p:cNvPr>
-          <p:cNvSpPr>
-            <a:spLocks noGrp="1"/>
-          </p:cNvSpPr>
-          <p:nvPr>
-            <p:ph type="title"/>
-          </p:nvPr>
-        </p:nvSpPr>
-        <p:spPr/>
-        <p:txBody>
-          <a:bodyPr/>
-          <a:lstStyle/>
-          <a:p>
-            <a:r>
-              <a:rPr kumimoji="1" lang="ja-JP" altLang="en-US" dirty="0"/>
-              <a:t>達成基準</a:t>
-            </a:r>
-          </a:p>
-        </p:txBody>
-      </p:sp>
       <p:pic>
         <p:nvPicPr>
           <p:cNvPr id="4" name="図 3" descr="アイコン&#10;&#10;自動的に生成された説明">
@@ -11749,6 +11248,507 @@
           </a:prstGeom>
         </p:spPr>
       </p:pic>
+      <p:sp>
+        <p:nvSpPr>
+          <p:cNvPr id="5" name="コンテンツ プレースホルダー 4">
+            <a:extLst>
+              <a:ext uri="{FF2B5EF4-FFF2-40B4-BE49-F238E27FC236}">
+                <a16:creationId xmlns:a16="http://schemas.microsoft.com/office/drawing/2014/main" id="{91B13B31-DBAB-4B5F-9D11-A31993582363}"/>
+              </a:ext>
+            </a:extLst>
+          </p:cNvPr>
+          <p:cNvSpPr>
+            <a:spLocks noGrp="1"/>
+          </p:cNvSpPr>
+          <p:nvPr>
+            <p:ph idx="1"/>
+          </p:nvPr>
+        </p:nvSpPr>
+        <p:spPr>
+          <a:xfrm>
+            <a:off x="3767449" y="868362"/>
+            <a:ext cx="7315200" cy="5121275"/>
+          </a:xfrm>
+          <a:prstGeom prst="roundRect">
+            <a:avLst/>
+          </a:prstGeom>
+          <a:solidFill>
+            <a:schemeClr val="bg1"/>
+          </a:solidFill>
+          <a:ln w="28575">
+            <a:solidFill>
+              <a:schemeClr val="accent1"/>
+            </a:solidFill>
+          </a:ln>
+        </p:spPr>
+        <p:style>
+          <a:lnRef idx="2">
+            <a:schemeClr val="accent1">
+              <a:shade val="50000"/>
+            </a:schemeClr>
+          </a:lnRef>
+          <a:fillRef idx="1">
+            <a:schemeClr val="accent1"/>
+          </a:fillRef>
+          <a:effectRef idx="0">
+            <a:schemeClr val="accent1"/>
+          </a:effectRef>
+          <a:fontRef idx="minor">
+            <a:schemeClr val="lt1"/>
+          </a:fontRef>
+        </p:style>
+        <p:txBody>
+          <a:bodyPr rtlCol="0" anchor="ctr"/>
+          <a:lstStyle/>
+          <a:p>
+            <a:pPr marL="0" indent="0">
+              <a:buNone/>
+            </a:pPr>
+            <a:r>
+              <a:rPr kumimoji="1" lang="en-US" altLang="ja-JP" dirty="0">
+                <a:solidFill>
+                  <a:schemeClr val="tx1">
+                    <a:lumMod val="65000"/>
+                    <a:lumOff val="35000"/>
+                  </a:schemeClr>
+                </a:solidFill>
+              </a:rPr>
+              <a:t>【</a:t>
+            </a:r>
+            <a:r>
+              <a:rPr kumimoji="1" lang="ja-JP" altLang="en-US" dirty="0">
+                <a:solidFill>
+                  <a:schemeClr val="tx1">
+                    <a:lumMod val="65000"/>
+                    <a:lumOff val="35000"/>
+                  </a:schemeClr>
+                </a:solidFill>
+              </a:rPr>
+              <a:t>達成基準</a:t>
+            </a:r>
+            <a:r>
+              <a:rPr kumimoji="1" lang="en-US" altLang="ja-JP" dirty="0">
+                <a:solidFill>
+                  <a:schemeClr val="tx1">
+                    <a:lumMod val="65000"/>
+                    <a:lumOff val="35000"/>
+                  </a:schemeClr>
+                </a:solidFill>
+              </a:rPr>
+              <a:t>】</a:t>
+            </a:r>
+          </a:p>
+          <a:p>
+            <a:pPr marL="0" indent="0">
+              <a:buNone/>
+            </a:pPr>
+            <a:r>
+              <a:rPr kumimoji="1" lang="ja-JP" altLang="en-US" dirty="0">
+                <a:solidFill>
+                  <a:schemeClr val="tx1">
+                    <a:lumMod val="65000"/>
+                    <a:lumOff val="35000"/>
+                  </a:schemeClr>
+                </a:solidFill>
+              </a:rPr>
+              <a:t>＜チームの一員としての主体性＞</a:t>
+            </a:r>
+            <a:endParaRPr kumimoji="1" lang="en-US" altLang="ja-JP" dirty="0">
+              <a:solidFill>
+                <a:schemeClr val="tx1">
+                  <a:lumMod val="65000"/>
+                  <a:lumOff val="35000"/>
+                </a:schemeClr>
+              </a:solidFill>
+            </a:endParaRPr>
+          </a:p>
+          <a:p>
+            <a:pPr marL="0" indent="0" rtl="0">
+              <a:spcBef>
+                <a:spcPts val="0"/>
+              </a:spcBef>
+              <a:spcAft>
+                <a:spcPts val="0"/>
+              </a:spcAft>
+              <a:buNone/>
+            </a:pPr>
+            <a:r>
+              <a:rPr lang="ja-JP" altLang="en-US" sz="1800" b="0" i="0" u="none" strike="noStrike" dirty="0">
+                <a:solidFill>
+                  <a:schemeClr val="tx1">
+                    <a:lumMod val="65000"/>
+                    <a:lumOff val="35000"/>
+                  </a:schemeClr>
+                </a:solidFill>
+                <a:effectLst/>
+                <a:latin typeface="Arial" panose="020B0604020202020204" pitchFamily="34" charset="0"/>
+              </a:rPr>
+              <a:t>①</a:t>
+            </a:r>
+            <a:r>
+              <a:rPr lang="en-US" altLang="ja-JP" sz="1800" b="0" i="0" u="none" strike="noStrike" dirty="0">
+                <a:solidFill>
+                  <a:schemeClr val="tx1">
+                    <a:lumMod val="65000"/>
+                    <a:lumOff val="35000"/>
+                  </a:schemeClr>
+                </a:solidFill>
+                <a:effectLst/>
+                <a:latin typeface="Arial" panose="020B0604020202020204" pitchFamily="34" charset="0"/>
+              </a:rPr>
+              <a:t>-1</a:t>
+            </a:r>
+            <a:r>
+              <a:rPr lang="ja-JP" altLang="en-US" sz="1800" b="0" i="0" u="none" strike="noStrike" dirty="0">
+                <a:solidFill>
+                  <a:schemeClr val="tx1">
+                    <a:lumMod val="65000"/>
+                    <a:lumOff val="35000"/>
+                  </a:schemeClr>
+                </a:solidFill>
+                <a:effectLst/>
+                <a:latin typeface="Arial" panose="020B0604020202020204" pitchFamily="34" charset="0"/>
+              </a:rPr>
+              <a:t>自分の作業の現状や課題点について、チーム内で当日中に報告できている。</a:t>
+            </a:r>
+            <a:endParaRPr lang="ja-JP" altLang="en-US" b="0" dirty="0">
+              <a:solidFill>
+                <a:schemeClr val="tx1">
+                  <a:lumMod val="65000"/>
+                  <a:lumOff val="35000"/>
+                </a:schemeClr>
+              </a:solidFill>
+              <a:effectLst/>
+            </a:endParaRPr>
+          </a:p>
+          <a:p>
+            <a:pPr marL="0" indent="0" rtl="0">
+              <a:spcBef>
+                <a:spcPts val="0"/>
+              </a:spcBef>
+              <a:spcAft>
+                <a:spcPts val="0"/>
+              </a:spcAft>
+              <a:buNone/>
+            </a:pPr>
+            <a:r>
+              <a:rPr lang="ja-JP" altLang="en-US" sz="1800" b="0" i="0" u="none" strike="noStrike" dirty="0">
+                <a:solidFill>
+                  <a:schemeClr val="tx1">
+                    <a:lumMod val="65000"/>
+                    <a:lumOff val="35000"/>
+                  </a:schemeClr>
+                </a:solidFill>
+                <a:effectLst/>
+                <a:latin typeface="Arial" panose="020B0604020202020204" pitchFamily="34" charset="0"/>
+              </a:rPr>
+              <a:t>①</a:t>
+            </a:r>
+            <a:r>
+              <a:rPr lang="en-US" altLang="ja-JP" sz="1800" b="0" i="0" u="none" strike="noStrike" dirty="0">
+                <a:solidFill>
+                  <a:schemeClr val="tx1">
+                    <a:lumMod val="65000"/>
+                    <a:lumOff val="35000"/>
+                  </a:schemeClr>
+                </a:solidFill>
+                <a:effectLst/>
+                <a:latin typeface="Arial" panose="020B0604020202020204" pitchFamily="34" charset="0"/>
+              </a:rPr>
+              <a:t>-2</a:t>
+            </a:r>
+            <a:r>
+              <a:rPr lang="ja-JP" altLang="en-US" sz="1800" b="0" i="0" u="none" strike="noStrike" dirty="0">
+                <a:solidFill>
+                  <a:schemeClr val="tx1">
+                    <a:lumMod val="65000"/>
+                    <a:lumOff val="35000"/>
+                  </a:schemeClr>
+                </a:solidFill>
+                <a:effectLst/>
+                <a:latin typeface="Arial" panose="020B0604020202020204" pitchFamily="34" charset="0"/>
+              </a:rPr>
+              <a:t>プロジェクト全体の進捗状況を全員が把握し、日報にて会社の上司に説明することができる。</a:t>
+            </a:r>
+            <a:endParaRPr lang="ja-JP" altLang="en-US" b="0" dirty="0">
+              <a:solidFill>
+                <a:schemeClr val="tx1">
+                  <a:lumMod val="65000"/>
+                  <a:lumOff val="35000"/>
+                </a:schemeClr>
+              </a:solidFill>
+              <a:effectLst/>
+            </a:endParaRPr>
+          </a:p>
+          <a:p>
+            <a:pPr marL="0" indent="0" rtl="0">
+              <a:spcBef>
+                <a:spcPts val="0"/>
+              </a:spcBef>
+              <a:spcAft>
+                <a:spcPts val="0"/>
+              </a:spcAft>
+              <a:buNone/>
+            </a:pPr>
+            <a:endParaRPr lang="en-US" altLang="ja-JP" sz="1800" b="0" i="0" u="none" strike="noStrike" dirty="0">
+              <a:solidFill>
+                <a:schemeClr val="tx1">
+                  <a:lumMod val="65000"/>
+                  <a:lumOff val="35000"/>
+                </a:schemeClr>
+              </a:solidFill>
+              <a:effectLst/>
+              <a:latin typeface="Arial" panose="020B0604020202020204" pitchFamily="34" charset="0"/>
+            </a:endParaRPr>
+          </a:p>
+          <a:p>
+            <a:pPr marL="0" indent="0" rtl="0">
+              <a:spcBef>
+                <a:spcPts val="0"/>
+              </a:spcBef>
+              <a:spcAft>
+                <a:spcPts val="0"/>
+              </a:spcAft>
+              <a:buNone/>
+            </a:pPr>
+            <a:r>
+              <a:rPr lang="ja-JP" altLang="en-US" dirty="0">
+                <a:solidFill>
+                  <a:schemeClr val="tx1">
+                    <a:lumMod val="65000"/>
+                    <a:lumOff val="35000"/>
+                  </a:schemeClr>
+                </a:solidFill>
+                <a:latin typeface="Arial" panose="020B0604020202020204" pitchFamily="34" charset="0"/>
+              </a:rPr>
+              <a:t>＜各担当としての主体性＞→個人の成果として発表</a:t>
+            </a:r>
+            <a:endParaRPr lang="en-US" altLang="ja-JP" dirty="0">
+              <a:solidFill>
+                <a:schemeClr val="tx1">
+                  <a:lumMod val="65000"/>
+                  <a:lumOff val="35000"/>
+                </a:schemeClr>
+              </a:solidFill>
+              <a:latin typeface="Arial" panose="020B0604020202020204" pitchFamily="34" charset="0"/>
+            </a:endParaRPr>
+          </a:p>
+          <a:p>
+            <a:pPr marL="0" indent="0" rtl="0">
+              <a:spcBef>
+                <a:spcPts val="0"/>
+              </a:spcBef>
+              <a:spcAft>
+                <a:spcPts val="0"/>
+              </a:spcAft>
+              <a:buNone/>
+            </a:pPr>
+            <a:r>
+              <a:rPr lang="ja-JP" altLang="en-US" sz="1800" b="0" i="0" u="none" strike="noStrike" dirty="0">
+                <a:solidFill>
+                  <a:schemeClr val="tx1">
+                    <a:lumMod val="65000"/>
+                    <a:lumOff val="35000"/>
+                  </a:schemeClr>
+                </a:solidFill>
+                <a:effectLst/>
+                <a:latin typeface="Arial" panose="020B0604020202020204" pitchFamily="34" charset="0"/>
+              </a:rPr>
+              <a:t>②</a:t>
+            </a:r>
+            <a:r>
+              <a:rPr lang="en-US" altLang="ja-JP" sz="1800" b="0" i="0" u="none" strike="noStrike" dirty="0">
+                <a:solidFill>
+                  <a:schemeClr val="tx1">
+                    <a:lumMod val="65000"/>
+                    <a:lumOff val="35000"/>
+                  </a:schemeClr>
+                </a:solidFill>
+                <a:effectLst/>
+                <a:latin typeface="Arial" panose="020B0604020202020204" pitchFamily="34" charset="0"/>
+              </a:rPr>
+              <a:t>-1</a:t>
+            </a:r>
+            <a:r>
+              <a:rPr lang="ja-JP" altLang="en-US" sz="1800" b="0" i="0" u="none" strike="noStrike" dirty="0">
+                <a:solidFill>
+                  <a:schemeClr val="tx1">
+                    <a:lumMod val="65000"/>
+                    <a:lumOff val="35000"/>
+                  </a:schemeClr>
+                </a:solidFill>
+                <a:effectLst/>
+                <a:latin typeface="Arial" panose="020B0604020202020204" pitchFamily="34" charset="0"/>
+              </a:rPr>
+              <a:t>自分の役割について説明できる。</a:t>
+            </a:r>
+            <a:endParaRPr lang="ja-JP" altLang="en-US" b="0" dirty="0">
+              <a:solidFill>
+                <a:schemeClr val="tx1">
+                  <a:lumMod val="65000"/>
+                  <a:lumOff val="35000"/>
+                </a:schemeClr>
+              </a:solidFill>
+              <a:effectLst/>
+            </a:endParaRPr>
+          </a:p>
+          <a:p>
+            <a:pPr marL="0" indent="0" rtl="0">
+              <a:spcBef>
+                <a:spcPts val="0"/>
+              </a:spcBef>
+              <a:spcAft>
+                <a:spcPts val="0"/>
+              </a:spcAft>
+              <a:buNone/>
+            </a:pPr>
+            <a:r>
+              <a:rPr lang="ja-JP" altLang="en-US" sz="1800" b="0" i="0" u="none" strike="noStrike" dirty="0">
+                <a:solidFill>
+                  <a:schemeClr val="tx1">
+                    <a:lumMod val="65000"/>
+                    <a:lumOff val="35000"/>
+                  </a:schemeClr>
+                </a:solidFill>
+                <a:effectLst/>
+                <a:latin typeface="Arial" panose="020B0604020202020204" pitchFamily="34" charset="0"/>
+              </a:rPr>
+              <a:t>②</a:t>
+            </a:r>
+            <a:r>
+              <a:rPr lang="en-US" altLang="ja-JP" sz="1800" b="0" i="0" u="none" strike="noStrike" dirty="0">
+                <a:solidFill>
+                  <a:schemeClr val="tx1">
+                    <a:lumMod val="65000"/>
+                    <a:lumOff val="35000"/>
+                  </a:schemeClr>
+                </a:solidFill>
+                <a:effectLst/>
+                <a:latin typeface="Arial" panose="020B0604020202020204" pitchFamily="34" charset="0"/>
+              </a:rPr>
+              <a:t>-2</a:t>
+            </a:r>
+            <a:r>
+              <a:rPr lang="ja-JP" altLang="en-US" sz="1800" b="0" i="0" u="none" strike="noStrike" dirty="0">
+                <a:solidFill>
+                  <a:schemeClr val="tx1">
+                    <a:lumMod val="65000"/>
+                    <a:lumOff val="35000"/>
+                  </a:schemeClr>
+                </a:solidFill>
+                <a:effectLst/>
+                <a:latin typeface="Arial" panose="020B0604020202020204" pitchFamily="34" charset="0"/>
+              </a:rPr>
+              <a:t>自分の担当の仕事を、誰かに指摘されなくても行うことができている。</a:t>
+            </a:r>
+            <a:endParaRPr lang="ja-JP" altLang="en-US" b="0" dirty="0">
+              <a:solidFill>
+                <a:schemeClr val="tx1">
+                  <a:lumMod val="65000"/>
+                  <a:lumOff val="35000"/>
+                </a:schemeClr>
+              </a:solidFill>
+              <a:effectLst/>
+            </a:endParaRPr>
+          </a:p>
+          <a:p>
+            <a:pPr marL="0" indent="0" rtl="0">
+              <a:spcBef>
+                <a:spcPts val="0"/>
+              </a:spcBef>
+              <a:spcAft>
+                <a:spcPts val="300"/>
+              </a:spcAft>
+              <a:buNone/>
+            </a:pPr>
+            <a:r>
+              <a:rPr lang="ja-JP" altLang="en-US" sz="1800" b="0" i="0" u="none" strike="noStrike" dirty="0">
+                <a:solidFill>
+                  <a:schemeClr val="tx1">
+                    <a:lumMod val="65000"/>
+                    <a:lumOff val="35000"/>
+                  </a:schemeClr>
+                </a:solidFill>
+                <a:effectLst/>
+                <a:latin typeface="Arial" panose="020B0604020202020204" pitchFamily="34" charset="0"/>
+              </a:rPr>
+              <a:t>②</a:t>
+            </a:r>
+            <a:r>
+              <a:rPr lang="en-US" altLang="ja-JP" sz="1800" b="0" i="0" u="none" strike="noStrike" dirty="0">
+                <a:solidFill>
+                  <a:schemeClr val="tx1">
+                    <a:lumMod val="65000"/>
+                    <a:lumOff val="35000"/>
+                  </a:schemeClr>
+                </a:solidFill>
+                <a:effectLst/>
+                <a:latin typeface="Arial" panose="020B0604020202020204" pitchFamily="34" charset="0"/>
+              </a:rPr>
+              <a:t>-3</a:t>
+            </a:r>
+            <a:r>
+              <a:rPr lang="ja-JP" altLang="en-US" sz="1800" b="0" i="0" u="none" strike="noStrike" dirty="0">
+                <a:solidFill>
+                  <a:schemeClr val="tx1">
+                    <a:lumMod val="65000"/>
+                    <a:lumOff val="35000"/>
+                  </a:schemeClr>
+                </a:solidFill>
+                <a:effectLst/>
+                <a:latin typeface="Arial" panose="020B0604020202020204" pitchFamily="34" charset="0"/>
+              </a:rPr>
+              <a:t>役割に基づいて主体的に行動した結果について説明できる。</a:t>
+            </a:r>
+            <a:br>
+              <a:rPr lang="ja-JP" altLang="en-US" dirty="0">
+                <a:solidFill>
+                  <a:schemeClr val="tx1">
+                    <a:lumMod val="65000"/>
+                    <a:lumOff val="35000"/>
+                  </a:schemeClr>
+                </a:solidFill>
+              </a:rPr>
+            </a:br>
+            <a:endParaRPr kumimoji="1" lang="ja-JP" altLang="en-US" dirty="0">
+              <a:solidFill>
+                <a:schemeClr val="tx1">
+                  <a:lumMod val="65000"/>
+                  <a:lumOff val="35000"/>
+                </a:schemeClr>
+              </a:solidFill>
+            </a:endParaRPr>
+          </a:p>
+        </p:txBody>
+      </p:sp>
+      <p:sp>
+        <p:nvSpPr>
+          <p:cNvPr id="2" name="タイトル 1">
+            <a:extLst>
+              <a:ext uri="{FF2B5EF4-FFF2-40B4-BE49-F238E27FC236}">
+                <a16:creationId xmlns:a16="http://schemas.microsoft.com/office/drawing/2014/main" id="{11FF109B-1A52-4682-9479-0DCAC48B3C35}"/>
+              </a:ext>
+            </a:extLst>
+          </p:cNvPr>
+          <p:cNvSpPr>
+            <a:spLocks noGrp="1"/>
+          </p:cNvSpPr>
+          <p:nvPr>
+            <p:ph type="title"/>
+          </p:nvPr>
+        </p:nvSpPr>
+        <p:spPr/>
+        <p:txBody>
+          <a:bodyPr/>
+          <a:lstStyle/>
+          <a:p>
+            <a:r>
+              <a:rPr kumimoji="1" lang="ja-JP" altLang="en-US" dirty="0"/>
+              <a:t>達成基準</a:t>
+            </a:r>
+          </a:p>
+        </p:txBody>
+      </p:sp>
     </p:spTree>
     <p:extLst>
       <p:ext uri="{BB962C8B-B14F-4D97-AF65-F5344CB8AC3E}">
@@ -12330,42 +12330,6 @@
           <a:chExt cx="0" cy="0"/>
         </a:xfrm>
       </p:grpSpPr>
-      <p:pic>
-        <p:nvPicPr>
-          <p:cNvPr id="6" name="図 5" descr="グラフィカル ユーザー インターフェイス, アプリケーション, テーブル&#10;&#10;自動的に生成された説明">
-            <a:extLst>
-              <a:ext uri="{FF2B5EF4-FFF2-40B4-BE49-F238E27FC236}">
-                <a16:creationId xmlns:a16="http://schemas.microsoft.com/office/drawing/2014/main" id="{6DF8CE01-C81D-4382-9B49-7BD3F0FCE571}"/>
-              </a:ext>
-            </a:extLst>
-          </p:cNvPr>
-          <p:cNvPicPr>
-            <a:picLocks noChangeAspect="1"/>
-          </p:cNvPicPr>
-          <p:nvPr/>
-        </p:nvPicPr>
-        <p:blipFill>
-          <a:blip r:embed="rId3">
-            <a:extLst>
-              <a:ext uri="{28A0092B-C50C-407E-A947-70E740481C1C}">
-                <a14:useLocalDpi xmlns:a14="http://schemas.microsoft.com/office/drawing/2010/main" val="0"/>
-              </a:ext>
-            </a:extLst>
-          </a:blip>
-          <a:stretch>
-            <a:fillRect/>
-          </a:stretch>
-        </p:blipFill>
-        <p:spPr>
-          <a:xfrm>
-            <a:off x="3645221" y="2531276"/>
-            <a:ext cx="8045504" cy="4011037"/>
-          </a:xfrm>
-          <a:prstGeom prst="rect">
-            <a:avLst/>
-          </a:prstGeom>
-        </p:spPr>
-      </p:pic>
       <p:sp>
         <p:nvSpPr>
           <p:cNvPr id="2" name="タイトル 1">
@@ -12458,7 +12422,7 @@
           <p:nvPr/>
         </p:nvPicPr>
         <p:blipFill>
-          <a:blip r:embed="rId4">
+          <a:blip r:embed="rId3">
             <a:alphaModFix amt="85000"/>
             <a:extLst>
               <a:ext uri="{28A0092B-C50C-407E-A947-70E740481C1C}">
@@ -12543,7 +12507,7 @@
                 </a:solidFill>
                 <a:latin typeface="Arial" panose="020B0604020202020204" pitchFamily="34" charset="0"/>
               </a:rPr>
-              <a:t>②　振り返りシートにて、チームの課題点と良かった点を各自記載。翌日改善策を考案し、実行。</a:t>
+              <a:t>②振り返りシートにて、チームの課題点と良かった点を各自記入。翌日改善策を考案し、実行。</a:t>
             </a:r>
             <a:endParaRPr kumimoji="1" lang="ja-JP" altLang="en-US" sz="2400" b="0" i="0" u="none" strike="noStrike" kern="1200" cap="none" spc="0" normalizeH="0" baseline="0" noProof="0" dirty="0">
               <a:ln>
@@ -12569,6 +12533,42 @@
           </a:p>
         </p:txBody>
       </p:sp>
+      <p:pic>
+        <p:nvPicPr>
+          <p:cNvPr id="6" name="図 5" descr="グラフィカル ユーザー インターフェイス, アプリケーション, テーブル&#10;&#10;自動的に生成された説明">
+            <a:extLst>
+              <a:ext uri="{FF2B5EF4-FFF2-40B4-BE49-F238E27FC236}">
+                <a16:creationId xmlns:a16="http://schemas.microsoft.com/office/drawing/2014/main" id="{6DF8CE01-C81D-4382-9B49-7BD3F0FCE571}"/>
+              </a:ext>
+            </a:extLst>
+          </p:cNvPr>
+          <p:cNvPicPr>
+            <a:picLocks noChangeAspect="1"/>
+          </p:cNvPicPr>
+          <p:nvPr/>
+        </p:nvPicPr>
+        <p:blipFill>
+          <a:blip r:embed="rId4">
+            <a:extLst>
+              <a:ext uri="{28A0092B-C50C-407E-A947-70E740481C1C}">
+                <a14:useLocalDpi xmlns:a14="http://schemas.microsoft.com/office/drawing/2010/main" val="0"/>
+              </a:ext>
+            </a:extLst>
+          </a:blip>
+          <a:stretch>
+            <a:fillRect/>
+          </a:stretch>
+        </p:blipFill>
+        <p:spPr>
+          <a:xfrm>
+            <a:off x="3645221" y="2531276"/>
+            <a:ext cx="8045504" cy="4011037"/>
+          </a:xfrm>
+          <a:prstGeom prst="rect">
+            <a:avLst/>
+          </a:prstGeom>
+        </p:spPr>
+      </p:pic>
       <p:sp>
         <p:nvSpPr>
           <p:cNvPr id="8" name="吹き出し: 角を丸めた四角形 7">
@@ -17114,8 +17114,8 @@
         </p:blipFill>
         <p:spPr>
           <a:xfrm>
-            <a:off x="6096000" y="2689518"/>
-            <a:ext cx="2725271" cy="1469817"/>
+            <a:off x="6287549" y="2756869"/>
+            <a:ext cx="3302455" cy="1781109"/>
           </a:xfrm>
           <a:prstGeom prst="rect">
             <a:avLst/>
@@ -17136,13 +17136,13 @@
         </p:nvSpPr>
         <p:spPr>
           <a:xfrm>
-            <a:off x="3567834" y="107802"/>
-            <a:ext cx="4329257" cy="1781109"/>
+            <a:off x="5646403" y="181594"/>
+            <a:ext cx="4656546" cy="1781109"/>
           </a:xfrm>
           <a:prstGeom prst="wedgeRoundRectCallout">
             <a:avLst>
-              <a:gd name="adj1" fmla="val 24494"/>
-              <a:gd name="adj2" fmla="val 93123"/>
+              <a:gd name="adj1" fmla="val -7434"/>
+              <a:gd name="adj2" fmla="val 81781"/>
               <a:gd name="adj3" fmla="val 16667"/>
             </a:avLst>
           </a:prstGeom>
@@ -17195,7 +17195,7 @@
               <a:defRPr/>
             </a:pPr>
             <a:r>
-              <a:rPr kumimoji="1" lang="ja-JP" altLang="en-US" sz="2400" b="0" i="0" u="none" strike="noStrike" kern="1200" cap="none" spc="0" normalizeH="0" baseline="0" noProof="0" dirty="0">
+              <a:rPr kumimoji="1" lang="ja-JP" altLang="en-US" sz="2400" b="1" i="0" u="none" strike="noStrike" kern="1200" cap="none" spc="0" normalizeH="0" baseline="0" noProof="0" dirty="0">
                 <a:ln>
                   <a:noFill/>
                 </a:ln>
@@ -17214,7 +17214,7 @@
               </a:rPr>
               <a:t>ミニプロジェクトにて初めて</a:t>
             </a:r>
-            <a:endParaRPr kumimoji="1" lang="en-US" altLang="ja-JP" sz="2400" b="0" i="0" u="none" strike="noStrike" kern="1200" cap="none" spc="0" normalizeH="0" baseline="0" noProof="0" dirty="0">
+            <a:endParaRPr kumimoji="1" lang="en-US" altLang="ja-JP" sz="2400" b="1" i="0" u="none" strike="noStrike" kern="1200" cap="none" spc="0" normalizeH="0" baseline="0" noProof="0" dirty="0">
               <a:ln>
                 <a:noFill/>
               </a:ln>
@@ -17253,7 +17253,7 @@
               <a:defRPr/>
             </a:pPr>
             <a:r>
-              <a:rPr kumimoji="1" lang="ja-JP" altLang="en-US" sz="2400" b="0" i="0" u="none" strike="noStrike" kern="1200" cap="none" spc="0" normalizeH="0" baseline="0" noProof="0" dirty="0">
+              <a:rPr kumimoji="1" lang="ja-JP" altLang="en-US" sz="2400" b="1" i="0" u="none" strike="noStrike" kern="1200" cap="none" spc="0" normalizeH="0" baseline="0" noProof="0" dirty="0">
                 <a:ln>
                   <a:noFill/>
                 </a:ln>
@@ -17272,7 +17272,7 @@
               </a:rPr>
               <a:t>みんなで協力して作った</a:t>
             </a:r>
-            <a:endParaRPr kumimoji="1" lang="en-US" altLang="ja-JP" sz="2400" b="0" i="0" u="none" strike="noStrike" kern="1200" cap="none" spc="0" normalizeH="0" baseline="0" noProof="0" dirty="0">
+            <a:endParaRPr kumimoji="1" lang="en-US" altLang="ja-JP" sz="2400" b="1" i="0" u="none" strike="noStrike" kern="1200" cap="none" spc="0" normalizeH="0" baseline="0" noProof="0" dirty="0">
               <a:ln>
                 <a:noFill/>
               </a:ln>
@@ -17311,7 +17311,7 @@
               <a:defRPr/>
             </a:pPr>
             <a:r>
-              <a:rPr kumimoji="1" lang="ja-JP" altLang="en-US" sz="2400" b="0" i="0" u="none" strike="noStrike" kern="1200" cap="none" spc="0" normalizeH="0" baseline="0" noProof="0" dirty="0">
+              <a:rPr kumimoji="1" lang="ja-JP" altLang="en-US" sz="2400" b="1" i="0" u="none" strike="noStrike" kern="1200" cap="none" spc="0" normalizeH="0" baseline="0" noProof="0" dirty="0">
                 <a:ln>
                   <a:noFill/>
                 </a:ln>
@@ -17330,7 +17330,7 @@
               </a:rPr>
               <a:t>モチーフであるため</a:t>
             </a:r>
-            <a:endParaRPr kumimoji="1" lang="en-US" altLang="ja-JP" sz="2400" b="0" i="0" u="none" strike="noStrike" kern="1200" cap="none" spc="0" normalizeH="0" baseline="0" noProof="0" dirty="0">
+            <a:endParaRPr kumimoji="1" lang="en-US" altLang="ja-JP" sz="2400" b="1" i="0" u="none" strike="noStrike" kern="1200" cap="none" spc="0" normalizeH="0" baseline="0" noProof="0" dirty="0">
               <a:ln>
                 <a:noFill/>
               </a:ln>
@@ -17364,13 +17364,13 @@
         </p:nvSpPr>
         <p:spPr>
           <a:xfrm>
-            <a:off x="3567834" y="4834464"/>
-            <a:ext cx="4329257" cy="1781109"/>
+            <a:off x="4114800" y="5316279"/>
+            <a:ext cx="3729128" cy="1299294"/>
           </a:xfrm>
           <a:prstGeom prst="wedgeRoundRectCallout">
             <a:avLst>
-              <a:gd name="adj1" fmla="val 36894"/>
-              <a:gd name="adj2" fmla="val -87013"/>
+              <a:gd name="adj1" fmla="val 40030"/>
+              <a:gd name="adj2" fmla="val -96833"/>
               <a:gd name="adj3" fmla="val 16667"/>
             </a:avLst>
           </a:prstGeom>
@@ -17423,7 +17423,7 @@
               <a:defRPr/>
             </a:pPr>
             <a:r>
-              <a:rPr kumimoji="1" lang="ja-JP" altLang="en-US" sz="2400" b="0" i="0" u="none" strike="noStrike" kern="1200" cap="none" spc="0" normalizeH="0" baseline="0" noProof="0" dirty="0">
+              <a:rPr kumimoji="1" lang="ja-JP" altLang="en-US" sz="2000" b="0" i="0" u="none" strike="noStrike" kern="1200" cap="none" spc="0" normalizeH="0" baseline="0" noProof="0" dirty="0">
                 <a:ln>
                   <a:noFill/>
                 </a:ln>
@@ -17438,11 +17438,10 @@
                 <a:uFillTx/>
                 <a:latin typeface="Corbel" panose="020B0503020204020204"/>
                 <a:ea typeface="ＭＳ ゴシック" panose="020B0609070205080204" pitchFamily="49" charset="-128"/>
-                <a:cs typeface="+mn-cs"/>
               </a:rPr>
               <a:t>富士山のようにみんなに</a:t>
             </a:r>
-            <a:endParaRPr kumimoji="1" lang="en-US" altLang="ja-JP" sz="2400" b="0" i="0" u="none" strike="noStrike" kern="1200" cap="none" spc="0" normalizeH="0" baseline="0" noProof="0" dirty="0">
+            <a:endParaRPr kumimoji="1" lang="en-US" altLang="ja-JP" sz="2000" b="0" i="0" u="none" strike="noStrike" kern="1200" cap="none" spc="0" normalizeH="0" baseline="0" noProof="0" dirty="0">
               <a:ln>
                 <a:noFill/>
               </a:ln>
@@ -17457,7 +17456,6 @@
               <a:uFillTx/>
               <a:latin typeface="Corbel" panose="020B0503020204020204"/>
               <a:ea typeface="ＭＳ ゴシック" panose="020B0609070205080204" pitchFamily="49" charset="-128"/>
-              <a:cs typeface="+mn-cs"/>
             </a:endParaRPr>
           </a:p>
           <a:p>
@@ -17481,7 +17479,7 @@
               <a:defRPr/>
             </a:pPr>
             <a:r>
-              <a:rPr kumimoji="1" lang="ja-JP" altLang="en-US" sz="2400" b="0" i="0" u="none" strike="noStrike" kern="1200" cap="none" spc="0" normalizeH="0" baseline="0" noProof="0" dirty="0">
+              <a:rPr kumimoji="1" lang="ja-JP" altLang="en-US" sz="2000" b="0" i="0" u="none" strike="noStrike" kern="1200" cap="none" spc="0" normalizeH="0" baseline="0" noProof="0" dirty="0">
                 <a:ln>
                   <a:noFill/>
                 </a:ln>
@@ -17496,12 +17494,11 @@
                 <a:uFillTx/>
                 <a:latin typeface="Corbel" panose="020B0503020204020204"/>
                 <a:ea typeface="ＭＳ ゴシック" panose="020B0609070205080204" pitchFamily="49" charset="-128"/>
-                <a:cs typeface="+mn-cs"/>
               </a:rPr>
               <a:t>知ってもらえるような製品</a:t>
             </a:r>
             <a:r>
-              <a:rPr kumimoji="1" lang="ja-JP" altLang="en-US" sz="2400" dirty="0">
+              <a:rPr kumimoji="1" lang="ja-JP" altLang="en-US" sz="2000" dirty="0">
                 <a:solidFill>
                   <a:srgbClr val="000000">
                     <a:lumMod val="65000"/>
@@ -17513,7 +17510,7 @@
               </a:rPr>
               <a:t>を</a:t>
             </a:r>
-            <a:endParaRPr kumimoji="1" lang="en-US" altLang="ja-JP" sz="2400" dirty="0">
+            <a:endParaRPr kumimoji="1" lang="en-US" altLang="ja-JP" sz="2000" dirty="0">
               <a:solidFill>
                 <a:srgbClr val="000000">
                   <a:lumMod val="65000"/>
@@ -17545,7 +17542,7 @@
               <a:defRPr/>
             </a:pPr>
             <a:r>
-              <a:rPr kumimoji="1" lang="ja-JP" altLang="en-US" sz="2400" b="0" i="0" u="none" strike="noStrike" kern="1200" cap="none" spc="0" normalizeH="0" baseline="0" noProof="0" dirty="0">
+              <a:rPr kumimoji="1" lang="ja-JP" altLang="en-US" sz="2000" b="0" i="0" u="none" strike="noStrike" kern="1200" cap="none" spc="0" normalizeH="0" baseline="0" noProof="0" dirty="0">
                 <a:ln>
                   <a:noFill/>
                 </a:ln>
@@ -17560,11 +17557,10 @@
                 <a:uFillTx/>
                 <a:latin typeface="Corbel" panose="020B0503020204020204"/>
                 <a:ea typeface="ＭＳ ゴシック" panose="020B0609070205080204" pitchFamily="49" charset="-128"/>
-                <a:cs typeface="+mn-cs"/>
               </a:rPr>
               <a:t>作るため</a:t>
             </a:r>
-            <a:endParaRPr kumimoji="1" lang="en-US" altLang="ja-JP" sz="2400" b="0" i="0" u="none" strike="noStrike" kern="1200" cap="none" spc="0" normalizeH="0" baseline="0" noProof="0" dirty="0">
+            <a:endParaRPr kumimoji="1" lang="en-US" altLang="ja-JP" sz="2000" b="0" i="0" u="none" strike="noStrike" kern="1200" cap="none" spc="0" normalizeH="0" baseline="0" noProof="0" dirty="0">
               <a:ln>
                 <a:noFill/>
               </a:ln>
@@ -17579,7 +17575,6 @@
               <a:uFillTx/>
               <a:latin typeface="Corbel" panose="020B0503020204020204"/>
               <a:ea typeface="ＭＳ ゴシック" panose="020B0609070205080204" pitchFamily="49" charset="-128"/>
-              <a:cs typeface="+mn-cs"/>
             </a:endParaRPr>
           </a:p>
         </p:txBody>
@@ -17598,13 +17593,13 @@
         </p:nvSpPr>
         <p:spPr>
           <a:xfrm>
-            <a:off x="9425089" y="1888911"/>
-            <a:ext cx="2582778" cy="2923721"/>
+            <a:off x="8495414" y="5316279"/>
+            <a:ext cx="3104706" cy="1299294"/>
           </a:xfrm>
           <a:prstGeom prst="wedgeRoundRectCallout">
             <a:avLst>
-              <a:gd name="adj1" fmla="val -70717"/>
-              <a:gd name="adj2" fmla="val 3407"/>
+              <a:gd name="adj1" fmla="val -48177"/>
+              <a:gd name="adj2" fmla="val -96010"/>
               <a:gd name="adj3" fmla="val 16667"/>
             </a:avLst>
           </a:prstGeom>
@@ -17655,7 +17650,7 @@
               <a:defRPr/>
             </a:pPr>
             <a:r>
-              <a:rPr kumimoji="1" lang="ja-JP" altLang="en-US" sz="2400" b="0" i="0" u="none" strike="noStrike" kern="1200" cap="none" spc="0" normalizeH="0" baseline="0" noProof="0" dirty="0">
+              <a:rPr kumimoji="1" lang="ja-JP" altLang="en-US" sz="2000" b="0" i="0" u="none" strike="noStrike" kern="1200" cap="none" spc="0" normalizeH="0" baseline="0" noProof="0" dirty="0">
                 <a:ln>
                   <a:noFill/>
                 </a:ln>
@@ -17674,7 +17669,7 @@
               </a:rPr>
               <a:t>この発表会で</a:t>
             </a:r>
-            <a:endParaRPr kumimoji="1" lang="en-US" altLang="ja-JP" sz="2400" b="0" i="0" u="none" strike="noStrike" kern="1200" cap="none" spc="0" normalizeH="0" baseline="0" noProof="0" dirty="0">
+            <a:endParaRPr kumimoji="1" lang="en-US" altLang="ja-JP" sz="2000" b="0" i="0" u="none" strike="noStrike" kern="1200" cap="none" spc="0" normalizeH="0" baseline="0" noProof="0" dirty="0">
               <a:ln>
                 <a:noFill/>
               </a:ln>
@@ -17711,7 +17706,7 @@
               <a:defRPr/>
             </a:pPr>
             <a:r>
-              <a:rPr kumimoji="1" lang="ja-JP" altLang="en-US" sz="2400" b="0" i="0" u="none" strike="noStrike" kern="1200" cap="none" spc="0" normalizeH="0" baseline="0" noProof="0" dirty="0">
+              <a:rPr kumimoji="1" lang="ja-JP" altLang="en-US" sz="2000" b="0" i="0" u="none" strike="noStrike" kern="1200" cap="none" spc="0" normalizeH="0" baseline="0" noProof="0" dirty="0">
                 <a:ln>
                   <a:noFill/>
                 </a:ln>
@@ -17730,7 +17725,7 @@
               </a:rPr>
               <a:t>頂点を取るため。</a:t>
             </a:r>
-            <a:endParaRPr kumimoji="1" lang="en-US" altLang="ja-JP" sz="2400" b="0" i="0" u="none" strike="noStrike" kern="1200" cap="none" spc="0" normalizeH="0" baseline="0" noProof="0" dirty="0">
+            <a:endParaRPr kumimoji="1" lang="en-US" altLang="ja-JP" sz="2000" b="0" i="0" u="none" strike="noStrike" kern="1200" cap="none" spc="0" normalizeH="0" baseline="0" noProof="0" dirty="0">
               <a:ln>
                 <a:noFill/>
               </a:ln>
@@ -21335,8 +21330,8 @@
         </p:nvSpPr>
         <p:spPr>
           <a:xfrm>
-            <a:off x="4953000" y="353033"/>
-            <a:ext cx="7040880" cy="3075967"/>
+            <a:off x="5316279" y="295014"/>
+            <a:ext cx="6335227" cy="3075967"/>
           </a:xfrm>
           <a:prstGeom prst="cloudCallout">
             <a:avLst>
@@ -21375,30 +21370,45 @@
             <a:r>
               <a:rPr kumimoji="1" lang="ja-JP" altLang="en-US" sz="2800" dirty="0">
                 <a:solidFill>
-                  <a:schemeClr val="tx1"/>
+                  <a:schemeClr val="tx1">
+                    <a:lumMod val="65000"/>
+                    <a:lumOff val="35000"/>
+                  </a:schemeClr>
                 </a:solidFill>
               </a:rPr>
-              <a:t>ああまたエラーだ・・・</a:t>
-            </a:r>
-            <a:endParaRPr kumimoji="1" lang="en-US" altLang="ja-JP" sz="2800" dirty="0">
-              <a:solidFill>
-                <a:schemeClr val="tx1"/>
-              </a:solidFill>
-            </a:endParaRPr>
+              <a:t>ああまたエラーだ</a:t>
+            </a:r>
+            <a:r>
+              <a:rPr kumimoji="1" lang="en-US" altLang="ja-JP" sz="2800" dirty="0">
+                <a:solidFill>
+                  <a:schemeClr val="tx1">
+                    <a:lumMod val="65000"/>
+                    <a:lumOff val="35000"/>
+                  </a:schemeClr>
+                </a:solidFill>
+              </a:rPr>
+              <a:t>…</a:t>
+            </a:r>
           </a:p>
           <a:p>
             <a:pPr algn="ctr"/>
             <a:r>
               <a:rPr kumimoji="1" lang="ja-JP" altLang="en-US" sz="2800" dirty="0">
                 <a:solidFill>
-                  <a:schemeClr val="tx1"/>
+                  <a:schemeClr val="tx1">
+                    <a:lumMod val="65000"/>
+                    <a:lumOff val="35000"/>
+                  </a:schemeClr>
                 </a:solidFill>
               </a:rPr>
               <a:t>よく起こるエラーまとめ</a:t>
             </a:r>
             <a:endParaRPr kumimoji="1" lang="en-US" altLang="ja-JP" sz="2800" dirty="0">
               <a:solidFill>
-                <a:schemeClr val="tx1"/>
+                <a:schemeClr val="tx1">
+                  <a:lumMod val="65000"/>
+                  <a:lumOff val="35000"/>
+                </a:schemeClr>
               </a:solidFill>
             </a:endParaRPr>
           </a:p>
@@ -21407,14 +21417,20 @@
             <a:r>
               <a:rPr kumimoji="1" lang="ja-JP" altLang="en-US" sz="2800" dirty="0">
                 <a:solidFill>
-                  <a:schemeClr val="tx1"/>
+                  <a:schemeClr val="tx1">
+                    <a:lumMod val="65000"/>
+                    <a:lumOff val="35000"/>
+                  </a:schemeClr>
                 </a:solidFill>
               </a:rPr>
               <a:t>のようなものが</a:t>
             </a:r>
             <a:endParaRPr kumimoji="1" lang="en-US" altLang="ja-JP" sz="2800" dirty="0">
               <a:solidFill>
-                <a:schemeClr val="tx1"/>
+                <a:schemeClr val="tx1">
+                  <a:lumMod val="65000"/>
+                  <a:lumOff val="35000"/>
+                </a:schemeClr>
               </a:solidFill>
             </a:endParaRPr>
           </a:p>
@@ -21423,16 +21439,25 @@
             <a:r>
               <a:rPr kumimoji="1" lang="ja-JP" altLang="en-US" sz="2800" dirty="0">
                 <a:solidFill>
-                  <a:schemeClr val="tx1"/>
+                  <a:schemeClr val="tx1">
+                    <a:lumMod val="65000"/>
+                    <a:lumOff val="35000"/>
+                  </a:schemeClr>
                 </a:solidFill>
               </a:rPr>
-              <a:t>ほしいなあ・・・</a:t>
-            </a:r>
-            <a:endParaRPr kumimoji="1" lang="en-US" altLang="ja-JP" sz="2800" dirty="0">
-              <a:solidFill>
-                <a:schemeClr val="tx1"/>
-              </a:solidFill>
-            </a:endParaRPr>
+              <a:t>ほしいなあ</a:t>
+            </a:r>
+            <a:r>
+              <a:rPr kumimoji="1" lang="en-US" altLang="ja-JP" sz="2800" dirty="0">
+                <a:solidFill>
+                  <a:schemeClr val="tx1">
+                    <a:lumMod val="65000"/>
+                    <a:lumOff val="35000"/>
+                  </a:schemeClr>
+                </a:solidFill>
+              </a:rPr>
+              <a:t>…</a:t>
+            </a:r>
           </a:p>
         </p:txBody>
       </p:sp>
